--- a/PPTGroup10.pptx
+++ b/PPTGroup10.pptx
@@ -124,7 +124,2807 @@
       </a:defRPr>
     </a:lvl9pPr>
   </p:defaultTextStyle>
+  <p:extLst>
+    <p:ext uri="{EFAFB233-063F-42B5-8137-9DF3F51BA10A}">
+      <p15:sldGuideLst xmlns:p15="http://schemas.microsoft.com/office/powerpoint/2012/main"/>
+    </p:ext>
+  </p:extLst>
 </p:presentation>
+</file>
+
+<file path=ppt/charts/chart1.xml><?xml version="1.0" encoding="utf-8"?>
+<c:chartSpace xmlns:c="http://schemas.openxmlformats.org/drawingml/2006/chart" xmlns:a="http://schemas.openxmlformats.org/drawingml/2006/main" xmlns:r="http://schemas.openxmlformats.org/officeDocument/2006/relationships">
+  <c:date1904 val="0"/>
+  <c:lang val="en-US"/>
+  <c:roundedCorners val="0"/>
+  <mc:AlternateContent xmlns:mc="http://schemas.openxmlformats.org/markup-compatibility/2006">
+    <mc:Choice xmlns:c14="http://schemas.microsoft.com/office/drawing/2007/8/2/chart" Requires="c14">
+      <c14:style val="102"/>
+    </mc:Choice>
+    <mc:Fallback>
+      <c:style val="2"/>
+    </mc:Fallback>
+  </mc:AlternateContent>
+  <c:chart>
+    <c:title>
+      <c:tx>
+        <c:rich>
+          <a:bodyPr rot="0" spcFirstLastPara="1" vertOverflow="ellipsis" vert="horz" wrap="square" anchor="ctr" anchorCtr="1"/>
+          <a:lstStyle/>
+          <a:p>
+            <a:pPr>
+              <a:defRPr sz="1862" b="0" i="0" u="none" strike="noStrike" kern="1200" spc="0" baseline="0">
+                <a:solidFill>
+                  <a:schemeClr val="tx1">
+                    <a:lumMod val="65000"/>
+                    <a:lumOff val="35000"/>
+                  </a:schemeClr>
+                </a:solidFill>
+                <a:latin typeface="+mn-lt"/>
+                <a:ea typeface="+mn-ea"/>
+                <a:cs typeface="+mn-cs"/>
+              </a:defRPr>
+            </a:pPr>
+            <a:r>
+              <a:rPr lang="en-US" dirty="0" smtClean="0"/>
+              <a:t>Letter Recognition</a:t>
+            </a:r>
+            <a:endParaRPr lang="en-US" dirty="0"/>
+          </a:p>
+        </c:rich>
+      </c:tx>
+      <c:layout/>
+      <c:overlay val="0"/>
+      <c:spPr>
+        <a:noFill/>
+        <a:ln>
+          <a:noFill/>
+        </a:ln>
+        <a:effectLst/>
+      </c:spPr>
+      <c:txPr>
+        <a:bodyPr rot="0" spcFirstLastPara="1" vertOverflow="ellipsis" vert="horz" wrap="square" anchor="ctr" anchorCtr="1"/>
+        <a:lstStyle/>
+        <a:p>
+          <a:pPr>
+            <a:defRPr sz="1862" b="0" i="0" u="none" strike="noStrike" kern="1200" spc="0" baseline="0">
+              <a:solidFill>
+                <a:schemeClr val="tx1">
+                  <a:lumMod val="65000"/>
+                  <a:lumOff val="35000"/>
+                </a:schemeClr>
+              </a:solidFill>
+              <a:latin typeface="+mn-lt"/>
+              <a:ea typeface="+mn-ea"/>
+              <a:cs typeface="+mn-cs"/>
+            </a:defRPr>
+          </a:pPr>
+          <a:endParaRPr lang="en-US"/>
+        </a:p>
+      </c:txPr>
+    </c:title>
+    <c:autoTitleDeleted val="0"/>
+    <c:plotArea>
+      <c:layout/>
+      <c:barChart>
+        <c:barDir val="col"/>
+        <c:grouping val="clustered"/>
+        <c:varyColors val="0"/>
+        <c:ser>
+          <c:idx val="0"/>
+          <c:order val="0"/>
+          <c:tx>
+            <c:strRef>
+              <c:f>Sheet1!$B$1</c:f>
+              <c:strCache>
+                <c:ptCount val="1"/>
+                <c:pt idx="0">
+                  <c:v>Correctness</c:v>
+                </c:pt>
+              </c:strCache>
+            </c:strRef>
+          </c:tx>
+          <c:spPr>
+            <a:solidFill>
+              <a:schemeClr val="accent1"/>
+            </a:solidFill>
+            <a:ln>
+              <a:noFill/>
+            </a:ln>
+            <a:effectLst/>
+          </c:spPr>
+          <c:invertIfNegative val="0"/>
+          <c:cat>
+            <c:strRef>
+              <c:f>Sheet1!$A$2:$A$6</c:f>
+              <c:strCache>
+                <c:ptCount val="5"/>
+                <c:pt idx="0">
+                  <c:v>Default</c:v>
+                </c:pt>
+                <c:pt idx="1">
+                  <c:v>L=0.6</c:v>
+                </c:pt>
+                <c:pt idx="2">
+                  <c:v>N=200</c:v>
+                </c:pt>
+                <c:pt idx="3">
+                  <c:v>E=10</c:v>
+                </c:pt>
+                <c:pt idx="4">
+                  <c:v>E=30</c:v>
+                </c:pt>
+              </c:strCache>
+            </c:strRef>
+          </c:cat>
+          <c:val>
+            <c:numRef>
+              <c:f>Sheet1!$B$2:$B$6</c:f>
+              <c:numCache>
+                <c:formatCode>General</c:formatCode>
+                <c:ptCount val="5"/>
+                <c:pt idx="0">
+                  <c:v>82.56</c:v>
+                </c:pt>
+                <c:pt idx="1">
+                  <c:v>81.23</c:v>
+                </c:pt>
+                <c:pt idx="2">
+                  <c:v>82.77500000000001</c:v>
+                </c:pt>
+                <c:pt idx="3">
+                  <c:v>82.56</c:v>
+                </c:pt>
+                <c:pt idx="4">
+                  <c:v>82.56</c:v>
+                </c:pt>
+              </c:numCache>
+            </c:numRef>
+          </c:val>
+        </c:ser>
+        <c:ser>
+          <c:idx val="1"/>
+          <c:order val="1"/>
+          <c:tx>
+            <c:strRef>
+              <c:f>Sheet1!$C$1</c:f>
+              <c:strCache>
+                <c:ptCount val="1"/>
+                <c:pt idx="0">
+                  <c:v>Root relative squared error</c:v>
+                </c:pt>
+              </c:strCache>
+            </c:strRef>
+          </c:tx>
+          <c:spPr>
+            <a:solidFill>
+              <a:schemeClr val="accent2"/>
+            </a:solidFill>
+            <a:ln>
+              <a:noFill/>
+            </a:ln>
+            <a:effectLst/>
+          </c:spPr>
+          <c:invertIfNegative val="0"/>
+          <c:cat>
+            <c:strRef>
+              <c:f>Sheet1!$A$2:$A$6</c:f>
+              <c:strCache>
+                <c:ptCount val="5"/>
+                <c:pt idx="0">
+                  <c:v>Default</c:v>
+                </c:pt>
+                <c:pt idx="1">
+                  <c:v>L=0.6</c:v>
+                </c:pt>
+                <c:pt idx="2">
+                  <c:v>N=200</c:v>
+                </c:pt>
+                <c:pt idx="3">
+                  <c:v>E=10</c:v>
+                </c:pt>
+                <c:pt idx="4">
+                  <c:v>E=30</c:v>
+                </c:pt>
+              </c:strCache>
+            </c:strRef>
+          </c:cat>
+          <c:val>
+            <c:numRef>
+              <c:f>Sheet1!$C$2:$C$6</c:f>
+              <c:numCache>
+                <c:formatCode>General</c:formatCode>
+                <c:ptCount val="5"/>
+                <c:pt idx="0">
+                  <c:v>56.0979</c:v>
+                </c:pt>
+                <c:pt idx="1">
+                  <c:v>59.0282</c:v>
+                </c:pt>
+                <c:pt idx="2">
+                  <c:v>55.1429</c:v>
+                </c:pt>
+                <c:pt idx="3">
+                  <c:v>56.0979</c:v>
+                </c:pt>
+                <c:pt idx="4">
+                  <c:v>56.0979</c:v>
+                </c:pt>
+              </c:numCache>
+            </c:numRef>
+          </c:val>
+        </c:ser>
+        <c:dLbls>
+          <c:showLegendKey val="0"/>
+          <c:showVal val="0"/>
+          <c:showCatName val="0"/>
+          <c:showSerName val="0"/>
+          <c:showPercent val="0"/>
+          <c:showBubbleSize val="0"/>
+        </c:dLbls>
+        <c:gapWidth val="219"/>
+        <c:overlap val="-27"/>
+        <c:axId val="-751382672"/>
+        <c:axId val="-751380352"/>
+      </c:barChart>
+      <c:catAx>
+        <c:axId val="-751382672"/>
+        <c:scaling>
+          <c:orientation val="minMax"/>
+        </c:scaling>
+        <c:delete val="0"/>
+        <c:axPos val="b"/>
+        <c:numFmt formatCode="General" sourceLinked="1"/>
+        <c:majorTickMark val="none"/>
+        <c:minorTickMark val="none"/>
+        <c:tickLblPos val="nextTo"/>
+        <c:spPr>
+          <a:noFill/>
+          <a:ln w="9525" cap="flat" cmpd="sng" algn="ctr">
+            <a:solidFill>
+              <a:schemeClr val="tx1">
+                <a:lumMod val="15000"/>
+                <a:lumOff val="85000"/>
+              </a:schemeClr>
+            </a:solidFill>
+            <a:round/>
+          </a:ln>
+          <a:effectLst/>
+        </c:spPr>
+        <c:txPr>
+          <a:bodyPr rot="-60000000" spcFirstLastPara="1" vertOverflow="ellipsis" vert="horz" wrap="square" anchor="ctr" anchorCtr="1"/>
+          <a:lstStyle/>
+          <a:p>
+            <a:pPr>
+              <a:defRPr sz="1197" b="0" i="0" u="none" strike="noStrike" kern="1200" baseline="0">
+                <a:solidFill>
+                  <a:schemeClr val="tx1">
+                    <a:lumMod val="65000"/>
+                    <a:lumOff val="35000"/>
+                  </a:schemeClr>
+                </a:solidFill>
+                <a:latin typeface="+mn-lt"/>
+                <a:ea typeface="+mn-ea"/>
+                <a:cs typeface="+mn-cs"/>
+              </a:defRPr>
+            </a:pPr>
+            <a:endParaRPr lang="en-US"/>
+          </a:p>
+        </c:txPr>
+        <c:crossAx val="-751380352"/>
+        <c:crosses val="autoZero"/>
+        <c:auto val="1"/>
+        <c:lblAlgn val="ctr"/>
+        <c:lblOffset val="100"/>
+        <c:noMultiLvlLbl val="0"/>
+      </c:catAx>
+      <c:valAx>
+        <c:axId val="-751380352"/>
+        <c:scaling>
+          <c:orientation val="minMax"/>
+        </c:scaling>
+        <c:delete val="0"/>
+        <c:axPos val="l"/>
+        <c:majorGridlines>
+          <c:spPr>
+            <a:ln w="9525" cap="flat" cmpd="sng" algn="ctr">
+              <a:solidFill>
+                <a:schemeClr val="tx1">
+                  <a:lumMod val="15000"/>
+                  <a:lumOff val="85000"/>
+                </a:schemeClr>
+              </a:solidFill>
+              <a:round/>
+            </a:ln>
+            <a:effectLst/>
+          </c:spPr>
+        </c:majorGridlines>
+        <c:majorTickMark val="none"/>
+        <c:minorTickMark val="none"/>
+        <c:tickLblPos val="nextTo"/>
+        <c:spPr>
+          <a:noFill/>
+          <a:ln>
+            <a:noFill/>
+          </a:ln>
+          <a:effectLst/>
+        </c:spPr>
+        <c:txPr>
+          <a:bodyPr rot="-60000000" spcFirstLastPara="1" vertOverflow="ellipsis" vert="horz" wrap="square" anchor="ctr" anchorCtr="1"/>
+          <a:lstStyle/>
+          <a:p>
+            <a:pPr>
+              <a:defRPr sz="1197" b="0" i="0" u="none" strike="noStrike" kern="1200" baseline="0">
+                <a:solidFill>
+                  <a:schemeClr val="tx1">
+                    <a:lumMod val="65000"/>
+                    <a:lumOff val="35000"/>
+                  </a:schemeClr>
+                </a:solidFill>
+                <a:latin typeface="+mn-lt"/>
+                <a:ea typeface="+mn-ea"/>
+                <a:cs typeface="+mn-cs"/>
+              </a:defRPr>
+            </a:pPr>
+            <a:endParaRPr lang="en-US"/>
+          </a:p>
+        </c:txPr>
+        <c:crossAx val="-751382672"/>
+        <c:crosses val="autoZero"/>
+        <c:crossBetween val="between"/>
+      </c:valAx>
+      <c:spPr>
+        <a:noFill/>
+        <a:ln>
+          <a:noFill/>
+        </a:ln>
+        <a:effectLst/>
+      </c:spPr>
+    </c:plotArea>
+    <c:legend>
+      <c:legendPos val="b"/>
+      <c:layout/>
+      <c:overlay val="0"/>
+      <c:spPr>
+        <a:noFill/>
+        <a:ln>
+          <a:noFill/>
+        </a:ln>
+        <a:effectLst/>
+      </c:spPr>
+      <c:txPr>
+        <a:bodyPr rot="0" spcFirstLastPara="1" vertOverflow="ellipsis" vert="horz" wrap="square" anchor="ctr" anchorCtr="1"/>
+        <a:lstStyle/>
+        <a:p>
+          <a:pPr>
+            <a:defRPr sz="1197" b="0" i="0" u="none" strike="noStrike" kern="1200" baseline="0">
+              <a:solidFill>
+                <a:schemeClr val="tx1">
+                  <a:lumMod val="65000"/>
+                  <a:lumOff val="35000"/>
+                </a:schemeClr>
+              </a:solidFill>
+              <a:latin typeface="+mn-lt"/>
+              <a:ea typeface="+mn-ea"/>
+              <a:cs typeface="+mn-cs"/>
+            </a:defRPr>
+          </a:pPr>
+          <a:endParaRPr lang="en-US"/>
+        </a:p>
+      </c:txPr>
+    </c:legend>
+    <c:plotVisOnly val="1"/>
+    <c:dispBlanksAs val="gap"/>
+    <c:showDLblsOverMax val="0"/>
+  </c:chart>
+  <c:spPr>
+    <a:noFill/>
+    <a:ln>
+      <a:noFill/>
+    </a:ln>
+    <a:effectLst/>
+  </c:spPr>
+  <c:txPr>
+    <a:bodyPr/>
+    <a:lstStyle/>
+    <a:p>
+      <a:pPr>
+        <a:defRPr/>
+      </a:pPr>
+      <a:endParaRPr lang="en-US"/>
+    </a:p>
+  </c:txPr>
+  <c:externalData r:id="rId3">
+    <c:autoUpdate val="0"/>
+  </c:externalData>
+</c:chartSpace>
+</file>
+
+<file path=ppt/charts/chart2.xml><?xml version="1.0" encoding="utf-8"?>
+<c:chartSpace xmlns:c="http://schemas.openxmlformats.org/drawingml/2006/chart" xmlns:a="http://schemas.openxmlformats.org/drawingml/2006/main" xmlns:r="http://schemas.openxmlformats.org/officeDocument/2006/relationships">
+  <c:date1904 val="0"/>
+  <c:lang val="en-US"/>
+  <c:roundedCorners val="0"/>
+  <mc:AlternateContent xmlns:mc="http://schemas.openxmlformats.org/markup-compatibility/2006">
+    <mc:Choice xmlns:c14="http://schemas.microsoft.com/office/drawing/2007/8/2/chart" Requires="c14">
+      <c14:style val="102"/>
+    </mc:Choice>
+    <mc:Fallback>
+      <c:style val="2"/>
+    </mc:Fallback>
+  </mc:AlternateContent>
+  <c:chart>
+    <c:title>
+      <c:tx>
+        <c:rich>
+          <a:bodyPr rot="0" spcFirstLastPara="1" vertOverflow="ellipsis" vert="horz" wrap="square" anchor="ctr" anchorCtr="1"/>
+          <a:lstStyle/>
+          <a:p>
+            <a:pPr>
+              <a:defRPr sz="1862" b="0" i="0" u="none" strike="noStrike" kern="1200" spc="0" baseline="0">
+                <a:solidFill>
+                  <a:schemeClr val="tx1">
+                    <a:lumMod val="65000"/>
+                    <a:lumOff val="35000"/>
+                  </a:schemeClr>
+                </a:solidFill>
+                <a:latin typeface="+mn-lt"/>
+                <a:ea typeface="+mn-ea"/>
+                <a:cs typeface="+mn-cs"/>
+              </a:defRPr>
+            </a:pPr>
+            <a:r>
+              <a:rPr lang="en-US" dirty="0" smtClean="0"/>
+              <a:t>Digit </a:t>
+            </a:r>
+            <a:r>
+              <a:rPr lang="en-US" dirty="0" smtClean="0"/>
+              <a:t>Recognition</a:t>
+            </a:r>
+            <a:endParaRPr lang="en-US" dirty="0"/>
+          </a:p>
+        </c:rich>
+      </c:tx>
+      <c:layout/>
+      <c:overlay val="0"/>
+      <c:spPr>
+        <a:noFill/>
+        <a:ln>
+          <a:noFill/>
+        </a:ln>
+        <a:effectLst/>
+      </c:spPr>
+      <c:txPr>
+        <a:bodyPr rot="0" spcFirstLastPara="1" vertOverflow="ellipsis" vert="horz" wrap="square" anchor="ctr" anchorCtr="1"/>
+        <a:lstStyle/>
+        <a:p>
+          <a:pPr>
+            <a:defRPr sz="1862" b="0" i="0" u="none" strike="noStrike" kern="1200" spc="0" baseline="0">
+              <a:solidFill>
+                <a:schemeClr val="tx1">
+                  <a:lumMod val="65000"/>
+                  <a:lumOff val="35000"/>
+                </a:schemeClr>
+              </a:solidFill>
+              <a:latin typeface="+mn-lt"/>
+              <a:ea typeface="+mn-ea"/>
+              <a:cs typeface="+mn-cs"/>
+            </a:defRPr>
+          </a:pPr>
+          <a:endParaRPr lang="en-US"/>
+        </a:p>
+      </c:txPr>
+    </c:title>
+    <c:autoTitleDeleted val="0"/>
+    <c:plotArea>
+      <c:layout/>
+      <c:barChart>
+        <c:barDir val="col"/>
+        <c:grouping val="clustered"/>
+        <c:varyColors val="0"/>
+        <c:ser>
+          <c:idx val="0"/>
+          <c:order val="0"/>
+          <c:tx>
+            <c:strRef>
+              <c:f>Sheet1!$B$1</c:f>
+              <c:strCache>
+                <c:ptCount val="1"/>
+                <c:pt idx="0">
+                  <c:v>Correctness</c:v>
+                </c:pt>
+              </c:strCache>
+            </c:strRef>
+          </c:tx>
+          <c:spPr>
+            <a:solidFill>
+              <a:schemeClr val="accent1"/>
+            </a:solidFill>
+            <a:ln>
+              <a:noFill/>
+            </a:ln>
+            <a:effectLst/>
+          </c:spPr>
+          <c:invertIfNegative val="0"/>
+          <c:cat>
+            <c:strRef>
+              <c:f>Sheet1!$A$2:$A$6</c:f>
+              <c:strCache>
+                <c:ptCount val="5"/>
+                <c:pt idx="0">
+                  <c:v>Default</c:v>
+                </c:pt>
+                <c:pt idx="1">
+                  <c:v>L=0.6</c:v>
+                </c:pt>
+                <c:pt idx="2">
+                  <c:v>N=200</c:v>
+                </c:pt>
+                <c:pt idx="3">
+                  <c:v>E=10</c:v>
+                </c:pt>
+                <c:pt idx="4">
+                  <c:v>E=30</c:v>
+                </c:pt>
+              </c:strCache>
+            </c:strRef>
+          </c:cat>
+          <c:val>
+            <c:numRef>
+              <c:f>Sheet1!$B$2:$B$6</c:f>
+              <c:numCache>
+                <c:formatCode>General</c:formatCode>
+                <c:ptCount val="5"/>
+                <c:pt idx="0">
+                  <c:v>92.73</c:v>
+                </c:pt>
+                <c:pt idx="1">
+                  <c:v>74.77</c:v>
+                </c:pt>
+                <c:pt idx="2">
+                  <c:v>93.27</c:v>
+                </c:pt>
+                <c:pt idx="3">
+                  <c:v>92.73</c:v>
+                </c:pt>
+                <c:pt idx="4">
+                  <c:v>92.73</c:v>
+                </c:pt>
+              </c:numCache>
+            </c:numRef>
+          </c:val>
+        </c:ser>
+        <c:ser>
+          <c:idx val="1"/>
+          <c:order val="1"/>
+          <c:tx>
+            <c:strRef>
+              <c:f>Sheet1!$C$1</c:f>
+              <c:strCache>
+                <c:ptCount val="1"/>
+                <c:pt idx="0">
+                  <c:v>Root relative squared error</c:v>
+                </c:pt>
+              </c:strCache>
+            </c:strRef>
+          </c:tx>
+          <c:spPr>
+            <a:solidFill>
+              <a:schemeClr val="accent2"/>
+            </a:solidFill>
+            <a:ln>
+              <a:noFill/>
+            </a:ln>
+            <a:effectLst/>
+          </c:spPr>
+          <c:invertIfNegative val="0"/>
+          <c:cat>
+            <c:strRef>
+              <c:f>Sheet1!$A$2:$A$6</c:f>
+              <c:strCache>
+                <c:ptCount val="5"/>
+                <c:pt idx="0">
+                  <c:v>Default</c:v>
+                </c:pt>
+                <c:pt idx="1">
+                  <c:v>L=0.6</c:v>
+                </c:pt>
+                <c:pt idx="2">
+                  <c:v>N=200</c:v>
+                </c:pt>
+                <c:pt idx="3">
+                  <c:v>E=10</c:v>
+                </c:pt>
+                <c:pt idx="4">
+                  <c:v>E=30</c:v>
+                </c:pt>
+              </c:strCache>
+            </c:strRef>
+          </c:cat>
+          <c:val>
+            <c:numRef>
+              <c:f>Sheet1!$C$2:$C$6</c:f>
+              <c:numCache>
+                <c:formatCode>General</c:formatCode>
+                <c:ptCount val="5"/>
+                <c:pt idx="0">
+                  <c:v>38.5267</c:v>
+                </c:pt>
+                <c:pt idx="1">
+                  <c:v>74.6975</c:v>
+                </c:pt>
+                <c:pt idx="2">
+                  <c:v>37.2382</c:v>
+                </c:pt>
+                <c:pt idx="3">
+                  <c:v>38.5267</c:v>
+                </c:pt>
+                <c:pt idx="4">
+                  <c:v>38.5267</c:v>
+                </c:pt>
+              </c:numCache>
+            </c:numRef>
+          </c:val>
+        </c:ser>
+        <c:dLbls>
+          <c:showLegendKey val="0"/>
+          <c:showVal val="0"/>
+          <c:showCatName val="0"/>
+          <c:showSerName val="0"/>
+          <c:showPercent val="0"/>
+          <c:showBubbleSize val="0"/>
+        </c:dLbls>
+        <c:gapWidth val="219"/>
+        <c:overlap val="-27"/>
+        <c:axId val="-747980992"/>
+        <c:axId val="-747978672"/>
+      </c:barChart>
+      <c:catAx>
+        <c:axId val="-747980992"/>
+        <c:scaling>
+          <c:orientation val="minMax"/>
+        </c:scaling>
+        <c:delete val="0"/>
+        <c:axPos val="b"/>
+        <c:numFmt formatCode="General" sourceLinked="1"/>
+        <c:majorTickMark val="none"/>
+        <c:minorTickMark val="none"/>
+        <c:tickLblPos val="nextTo"/>
+        <c:spPr>
+          <a:noFill/>
+          <a:ln w="9525" cap="flat" cmpd="sng" algn="ctr">
+            <a:solidFill>
+              <a:schemeClr val="tx1">
+                <a:lumMod val="15000"/>
+                <a:lumOff val="85000"/>
+              </a:schemeClr>
+            </a:solidFill>
+            <a:round/>
+          </a:ln>
+          <a:effectLst/>
+        </c:spPr>
+        <c:txPr>
+          <a:bodyPr rot="-60000000" spcFirstLastPara="1" vertOverflow="ellipsis" vert="horz" wrap="square" anchor="ctr" anchorCtr="1"/>
+          <a:lstStyle/>
+          <a:p>
+            <a:pPr>
+              <a:defRPr sz="1197" b="0" i="0" u="none" strike="noStrike" kern="1200" baseline="0">
+                <a:solidFill>
+                  <a:schemeClr val="tx1">
+                    <a:lumMod val="65000"/>
+                    <a:lumOff val="35000"/>
+                  </a:schemeClr>
+                </a:solidFill>
+                <a:latin typeface="+mn-lt"/>
+                <a:ea typeface="+mn-ea"/>
+                <a:cs typeface="+mn-cs"/>
+              </a:defRPr>
+            </a:pPr>
+            <a:endParaRPr lang="en-US"/>
+          </a:p>
+        </c:txPr>
+        <c:crossAx val="-747978672"/>
+        <c:crosses val="autoZero"/>
+        <c:auto val="1"/>
+        <c:lblAlgn val="ctr"/>
+        <c:lblOffset val="100"/>
+        <c:noMultiLvlLbl val="0"/>
+      </c:catAx>
+      <c:valAx>
+        <c:axId val="-747978672"/>
+        <c:scaling>
+          <c:orientation val="minMax"/>
+        </c:scaling>
+        <c:delete val="0"/>
+        <c:axPos val="l"/>
+        <c:majorGridlines>
+          <c:spPr>
+            <a:ln w="9525" cap="flat" cmpd="sng" algn="ctr">
+              <a:solidFill>
+                <a:schemeClr val="tx1">
+                  <a:lumMod val="15000"/>
+                  <a:lumOff val="85000"/>
+                </a:schemeClr>
+              </a:solidFill>
+              <a:round/>
+            </a:ln>
+            <a:effectLst/>
+          </c:spPr>
+        </c:majorGridlines>
+        <c:majorTickMark val="none"/>
+        <c:minorTickMark val="none"/>
+        <c:tickLblPos val="nextTo"/>
+        <c:spPr>
+          <a:noFill/>
+          <a:ln>
+            <a:noFill/>
+          </a:ln>
+          <a:effectLst/>
+        </c:spPr>
+        <c:txPr>
+          <a:bodyPr rot="-60000000" spcFirstLastPara="1" vertOverflow="ellipsis" vert="horz" wrap="square" anchor="ctr" anchorCtr="1"/>
+          <a:lstStyle/>
+          <a:p>
+            <a:pPr>
+              <a:defRPr sz="1197" b="0" i="0" u="none" strike="noStrike" kern="1200" baseline="0">
+                <a:solidFill>
+                  <a:schemeClr val="tx1">
+                    <a:lumMod val="65000"/>
+                    <a:lumOff val="35000"/>
+                  </a:schemeClr>
+                </a:solidFill>
+                <a:latin typeface="+mn-lt"/>
+                <a:ea typeface="+mn-ea"/>
+                <a:cs typeface="+mn-cs"/>
+              </a:defRPr>
+            </a:pPr>
+            <a:endParaRPr lang="en-US"/>
+          </a:p>
+        </c:txPr>
+        <c:crossAx val="-747980992"/>
+        <c:crosses val="autoZero"/>
+        <c:crossBetween val="between"/>
+      </c:valAx>
+      <c:spPr>
+        <a:noFill/>
+        <a:ln>
+          <a:noFill/>
+        </a:ln>
+        <a:effectLst/>
+      </c:spPr>
+    </c:plotArea>
+    <c:legend>
+      <c:legendPos val="b"/>
+      <c:layout/>
+      <c:overlay val="0"/>
+      <c:spPr>
+        <a:noFill/>
+        <a:ln>
+          <a:noFill/>
+        </a:ln>
+        <a:effectLst/>
+      </c:spPr>
+      <c:txPr>
+        <a:bodyPr rot="0" spcFirstLastPara="1" vertOverflow="ellipsis" vert="horz" wrap="square" anchor="ctr" anchorCtr="1"/>
+        <a:lstStyle/>
+        <a:p>
+          <a:pPr>
+            <a:defRPr sz="1197" b="0" i="0" u="none" strike="noStrike" kern="1200" baseline="0">
+              <a:solidFill>
+                <a:schemeClr val="tx1">
+                  <a:lumMod val="65000"/>
+                  <a:lumOff val="35000"/>
+                </a:schemeClr>
+              </a:solidFill>
+              <a:latin typeface="+mn-lt"/>
+              <a:ea typeface="+mn-ea"/>
+              <a:cs typeface="+mn-cs"/>
+            </a:defRPr>
+          </a:pPr>
+          <a:endParaRPr lang="en-US"/>
+        </a:p>
+      </c:txPr>
+    </c:legend>
+    <c:plotVisOnly val="1"/>
+    <c:dispBlanksAs val="gap"/>
+    <c:showDLblsOverMax val="0"/>
+  </c:chart>
+  <c:spPr>
+    <a:noFill/>
+    <a:ln>
+      <a:noFill/>
+    </a:ln>
+    <a:effectLst/>
+  </c:spPr>
+  <c:txPr>
+    <a:bodyPr/>
+    <a:lstStyle/>
+    <a:p>
+      <a:pPr>
+        <a:defRPr/>
+      </a:pPr>
+      <a:endParaRPr lang="en-US"/>
+    </a:p>
+  </c:txPr>
+  <c:externalData r:id="rId3">
+    <c:autoUpdate val="0"/>
+  </c:externalData>
+</c:chartSpace>
+</file>
+
+<file path=ppt/charts/chart3.xml><?xml version="1.0" encoding="utf-8"?>
+<c:chartSpace xmlns:c="http://schemas.openxmlformats.org/drawingml/2006/chart" xmlns:a="http://schemas.openxmlformats.org/drawingml/2006/main" xmlns:r="http://schemas.openxmlformats.org/officeDocument/2006/relationships">
+  <c:date1904 val="0"/>
+  <c:lang val="en-US"/>
+  <c:roundedCorners val="0"/>
+  <mc:AlternateContent xmlns:mc="http://schemas.openxmlformats.org/markup-compatibility/2006">
+    <mc:Choice xmlns:c14="http://schemas.microsoft.com/office/drawing/2007/8/2/chart" Requires="c14">
+      <c14:style val="102"/>
+    </mc:Choice>
+    <mc:Fallback>
+      <c:style val="2"/>
+    </mc:Fallback>
+  </mc:AlternateContent>
+  <c:chart>
+    <c:title>
+      <c:layout/>
+      <c:overlay val="0"/>
+      <c:spPr>
+        <a:noFill/>
+        <a:ln>
+          <a:noFill/>
+        </a:ln>
+        <a:effectLst/>
+      </c:spPr>
+      <c:txPr>
+        <a:bodyPr rot="0" spcFirstLastPara="1" vertOverflow="ellipsis" vert="horz" wrap="square" anchor="ctr" anchorCtr="1"/>
+        <a:lstStyle/>
+        <a:p>
+          <a:pPr>
+            <a:defRPr sz="1862" b="0" i="0" u="none" strike="noStrike" kern="1200" spc="0" baseline="0">
+              <a:solidFill>
+                <a:schemeClr val="tx1">
+                  <a:lumMod val="65000"/>
+                  <a:lumOff val="35000"/>
+                </a:schemeClr>
+              </a:solidFill>
+              <a:latin typeface="+mn-lt"/>
+              <a:ea typeface="+mn-ea"/>
+              <a:cs typeface="+mn-cs"/>
+            </a:defRPr>
+          </a:pPr>
+          <a:endParaRPr lang="en-US"/>
+        </a:p>
+      </c:txPr>
+    </c:title>
+    <c:autoTitleDeleted val="0"/>
+    <c:plotArea>
+      <c:layout/>
+      <c:barChart>
+        <c:barDir val="col"/>
+        <c:grouping val="clustered"/>
+        <c:varyColors val="0"/>
+        <c:ser>
+          <c:idx val="0"/>
+          <c:order val="0"/>
+          <c:tx>
+            <c:strRef>
+              <c:f>Sheet1!$B$1</c:f>
+              <c:strCache>
+                <c:ptCount val="1"/>
+                <c:pt idx="0">
+                  <c:v>Correctness</c:v>
+                </c:pt>
+              </c:strCache>
+            </c:strRef>
+          </c:tx>
+          <c:spPr>
+            <a:solidFill>
+              <a:schemeClr val="accent1"/>
+            </a:solidFill>
+            <a:ln>
+              <a:noFill/>
+            </a:ln>
+            <a:effectLst/>
+          </c:spPr>
+          <c:invertIfNegative val="0"/>
+          <c:cat>
+            <c:strRef>
+              <c:f>Sheet1!$A$2:$A$3</c:f>
+              <c:strCache>
+                <c:ptCount val="2"/>
+                <c:pt idx="0">
+                  <c:v>1st</c:v>
+                </c:pt>
+                <c:pt idx="1">
+                  <c:v>2nd</c:v>
+                </c:pt>
+              </c:strCache>
+            </c:strRef>
+          </c:cat>
+          <c:val>
+            <c:numRef>
+              <c:f>Sheet1!$B$2:$B$3</c:f>
+              <c:numCache>
+                <c:formatCode>General</c:formatCode>
+                <c:ptCount val="2"/>
+                <c:pt idx="0">
+                  <c:v>74.77</c:v>
+                </c:pt>
+                <c:pt idx="1">
+                  <c:v>98.36239999999999</c:v>
+                </c:pt>
+              </c:numCache>
+            </c:numRef>
+          </c:val>
+        </c:ser>
+        <c:ser>
+          <c:idx val="1"/>
+          <c:order val="1"/>
+          <c:tx>
+            <c:strRef>
+              <c:f>Sheet1!$C$1</c:f>
+              <c:strCache>
+                <c:ptCount val="1"/>
+                <c:pt idx="0">
+                  <c:v>Root relative squared error</c:v>
+                </c:pt>
+              </c:strCache>
+            </c:strRef>
+          </c:tx>
+          <c:spPr>
+            <a:solidFill>
+              <a:schemeClr val="accent2"/>
+            </a:solidFill>
+            <a:ln>
+              <a:noFill/>
+            </a:ln>
+            <a:effectLst/>
+          </c:spPr>
+          <c:invertIfNegative val="0"/>
+          <c:cat>
+            <c:strRef>
+              <c:f>Sheet1!$A$2:$A$3</c:f>
+              <c:strCache>
+                <c:ptCount val="2"/>
+                <c:pt idx="0">
+                  <c:v>1st</c:v>
+                </c:pt>
+                <c:pt idx="1">
+                  <c:v>2nd</c:v>
+                </c:pt>
+              </c:strCache>
+            </c:strRef>
+          </c:cat>
+          <c:val>
+            <c:numRef>
+              <c:f>Sheet1!$C$2:$C$3</c:f>
+              <c:numCache>
+                <c:formatCode>General</c:formatCode>
+                <c:ptCount val="2"/>
+                <c:pt idx="0">
+                  <c:v>74.6975</c:v>
+                </c:pt>
+                <c:pt idx="1">
+                  <c:v>17.857</c:v>
+                </c:pt>
+              </c:numCache>
+            </c:numRef>
+          </c:val>
+        </c:ser>
+        <c:dLbls>
+          <c:showLegendKey val="0"/>
+          <c:showVal val="0"/>
+          <c:showCatName val="0"/>
+          <c:showSerName val="0"/>
+          <c:showPercent val="0"/>
+          <c:showBubbleSize val="0"/>
+        </c:dLbls>
+        <c:gapWidth val="219"/>
+        <c:overlap val="-27"/>
+        <c:axId val="-749252624"/>
+        <c:axId val="-749093536"/>
+      </c:barChart>
+      <c:catAx>
+        <c:axId val="-749252624"/>
+        <c:scaling>
+          <c:orientation val="minMax"/>
+        </c:scaling>
+        <c:delete val="0"/>
+        <c:axPos val="b"/>
+        <c:numFmt formatCode="General" sourceLinked="1"/>
+        <c:majorTickMark val="none"/>
+        <c:minorTickMark val="none"/>
+        <c:tickLblPos val="nextTo"/>
+        <c:spPr>
+          <a:noFill/>
+          <a:ln w="9525" cap="flat" cmpd="sng" algn="ctr">
+            <a:solidFill>
+              <a:schemeClr val="tx1">
+                <a:lumMod val="15000"/>
+                <a:lumOff val="85000"/>
+              </a:schemeClr>
+            </a:solidFill>
+            <a:round/>
+          </a:ln>
+          <a:effectLst/>
+        </c:spPr>
+        <c:txPr>
+          <a:bodyPr rot="-60000000" spcFirstLastPara="1" vertOverflow="ellipsis" vert="horz" wrap="square" anchor="ctr" anchorCtr="1"/>
+          <a:lstStyle/>
+          <a:p>
+            <a:pPr>
+              <a:defRPr sz="1197" b="0" i="0" u="none" strike="noStrike" kern="1200" baseline="0">
+                <a:solidFill>
+                  <a:schemeClr val="tx1">
+                    <a:lumMod val="65000"/>
+                    <a:lumOff val="35000"/>
+                  </a:schemeClr>
+                </a:solidFill>
+                <a:latin typeface="+mn-lt"/>
+                <a:ea typeface="+mn-ea"/>
+                <a:cs typeface="+mn-cs"/>
+              </a:defRPr>
+            </a:pPr>
+            <a:endParaRPr lang="en-US"/>
+          </a:p>
+        </c:txPr>
+        <c:crossAx val="-749093536"/>
+        <c:crosses val="autoZero"/>
+        <c:auto val="1"/>
+        <c:lblAlgn val="ctr"/>
+        <c:lblOffset val="100"/>
+        <c:noMultiLvlLbl val="0"/>
+      </c:catAx>
+      <c:valAx>
+        <c:axId val="-749093536"/>
+        <c:scaling>
+          <c:orientation val="minMax"/>
+        </c:scaling>
+        <c:delete val="0"/>
+        <c:axPos val="l"/>
+        <c:majorGridlines>
+          <c:spPr>
+            <a:ln w="9525" cap="flat" cmpd="sng" algn="ctr">
+              <a:solidFill>
+                <a:schemeClr val="tx1">
+                  <a:lumMod val="15000"/>
+                  <a:lumOff val="85000"/>
+                </a:schemeClr>
+              </a:solidFill>
+              <a:round/>
+            </a:ln>
+            <a:effectLst/>
+          </c:spPr>
+        </c:majorGridlines>
+        <c:majorTickMark val="none"/>
+        <c:minorTickMark val="none"/>
+        <c:tickLblPos val="nextTo"/>
+        <c:spPr>
+          <a:noFill/>
+          <a:ln>
+            <a:noFill/>
+          </a:ln>
+          <a:effectLst/>
+        </c:spPr>
+        <c:txPr>
+          <a:bodyPr rot="-60000000" spcFirstLastPara="1" vertOverflow="ellipsis" vert="horz" wrap="square" anchor="ctr" anchorCtr="1"/>
+          <a:lstStyle/>
+          <a:p>
+            <a:pPr>
+              <a:defRPr sz="1197" b="0" i="0" u="none" strike="noStrike" kern="1200" baseline="0">
+                <a:solidFill>
+                  <a:schemeClr val="tx1">
+                    <a:lumMod val="65000"/>
+                    <a:lumOff val="35000"/>
+                  </a:schemeClr>
+                </a:solidFill>
+                <a:latin typeface="+mn-lt"/>
+                <a:ea typeface="+mn-ea"/>
+                <a:cs typeface="+mn-cs"/>
+              </a:defRPr>
+            </a:pPr>
+            <a:endParaRPr lang="en-US"/>
+          </a:p>
+        </c:txPr>
+        <c:crossAx val="-749252624"/>
+        <c:crosses val="autoZero"/>
+        <c:crossBetween val="between"/>
+      </c:valAx>
+      <c:spPr>
+        <a:noFill/>
+        <a:ln>
+          <a:noFill/>
+        </a:ln>
+        <a:effectLst/>
+      </c:spPr>
+    </c:plotArea>
+    <c:legend>
+      <c:legendPos val="b"/>
+      <c:layout/>
+      <c:overlay val="0"/>
+      <c:spPr>
+        <a:noFill/>
+        <a:ln>
+          <a:noFill/>
+        </a:ln>
+        <a:effectLst/>
+      </c:spPr>
+      <c:txPr>
+        <a:bodyPr rot="0" spcFirstLastPara="1" vertOverflow="ellipsis" vert="horz" wrap="square" anchor="ctr" anchorCtr="1"/>
+        <a:lstStyle/>
+        <a:p>
+          <a:pPr>
+            <a:defRPr sz="1197" b="0" i="0" u="none" strike="noStrike" kern="1200" baseline="0">
+              <a:solidFill>
+                <a:schemeClr val="tx1">
+                  <a:lumMod val="65000"/>
+                  <a:lumOff val="35000"/>
+                </a:schemeClr>
+              </a:solidFill>
+              <a:latin typeface="+mn-lt"/>
+              <a:ea typeface="+mn-ea"/>
+              <a:cs typeface="+mn-cs"/>
+            </a:defRPr>
+          </a:pPr>
+          <a:endParaRPr lang="en-US"/>
+        </a:p>
+      </c:txPr>
+    </c:legend>
+    <c:plotVisOnly val="1"/>
+    <c:dispBlanksAs val="gap"/>
+    <c:showDLblsOverMax val="0"/>
+  </c:chart>
+  <c:spPr>
+    <a:noFill/>
+    <a:ln>
+      <a:noFill/>
+    </a:ln>
+    <a:effectLst/>
+  </c:spPr>
+  <c:txPr>
+    <a:bodyPr/>
+    <a:lstStyle/>
+    <a:p>
+      <a:pPr>
+        <a:defRPr/>
+      </a:pPr>
+      <a:endParaRPr lang="en-US"/>
+    </a:p>
+  </c:txPr>
+  <c:externalData r:id="rId3">
+    <c:autoUpdate val="0"/>
+  </c:externalData>
+</c:chartSpace>
+</file>
+
+<file path=ppt/charts/colors1.xml><?xml version="1.0" encoding="utf-8"?>
+<cs:colorStyle xmlns:cs="http://schemas.microsoft.com/office/drawing/2012/chartStyle" xmlns:a="http://schemas.openxmlformats.org/drawingml/2006/main" meth="cycle" id="10">
+  <a:schemeClr val="accent1"/>
+  <a:schemeClr val="accent2"/>
+  <a:schemeClr val="accent3"/>
+  <a:schemeClr val="accent4"/>
+  <a:schemeClr val="accent5"/>
+  <a:schemeClr val="accent6"/>
+  <cs:variation/>
+  <cs:variation>
+    <a:lumMod val="60000"/>
+  </cs:variation>
+  <cs:variation>
+    <a:lumMod val="80000"/>
+    <a:lumOff val="20000"/>
+  </cs:variation>
+  <cs:variation>
+    <a:lumMod val="80000"/>
+  </cs:variation>
+  <cs:variation>
+    <a:lumMod val="60000"/>
+    <a:lumOff val="40000"/>
+  </cs:variation>
+  <cs:variation>
+    <a:lumMod val="50000"/>
+  </cs:variation>
+  <cs:variation>
+    <a:lumMod val="70000"/>
+    <a:lumOff val="30000"/>
+  </cs:variation>
+  <cs:variation>
+    <a:lumMod val="70000"/>
+  </cs:variation>
+  <cs:variation>
+    <a:lumMod val="50000"/>
+    <a:lumOff val="50000"/>
+  </cs:variation>
+</cs:colorStyle>
+</file>
+
+<file path=ppt/charts/colors2.xml><?xml version="1.0" encoding="utf-8"?>
+<cs:colorStyle xmlns:cs="http://schemas.microsoft.com/office/drawing/2012/chartStyle" xmlns:a="http://schemas.openxmlformats.org/drawingml/2006/main" meth="cycle" id="10">
+  <a:schemeClr val="accent1"/>
+  <a:schemeClr val="accent2"/>
+  <a:schemeClr val="accent3"/>
+  <a:schemeClr val="accent4"/>
+  <a:schemeClr val="accent5"/>
+  <a:schemeClr val="accent6"/>
+  <cs:variation/>
+  <cs:variation>
+    <a:lumMod val="60000"/>
+  </cs:variation>
+  <cs:variation>
+    <a:lumMod val="80000"/>
+    <a:lumOff val="20000"/>
+  </cs:variation>
+  <cs:variation>
+    <a:lumMod val="80000"/>
+  </cs:variation>
+  <cs:variation>
+    <a:lumMod val="60000"/>
+    <a:lumOff val="40000"/>
+  </cs:variation>
+  <cs:variation>
+    <a:lumMod val="50000"/>
+  </cs:variation>
+  <cs:variation>
+    <a:lumMod val="70000"/>
+    <a:lumOff val="30000"/>
+  </cs:variation>
+  <cs:variation>
+    <a:lumMod val="70000"/>
+  </cs:variation>
+  <cs:variation>
+    <a:lumMod val="50000"/>
+    <a:lumOff val="50000"/>
+  </cs:variation>
+</cs:colorStyle>
+</file>
+
+<file path=ppt/charts/colors3.xml><?xml version="1.0" encoding="utf-8"?>
+<cs:colorStyle xmlns:cs="http://schemas.microsoft.com/office/drawing/2012/chartStyle" xmlns:a="http://schemas.openxmlformats.org/drawingml/2006/main" meth="cycle" id="10">
+  <a:schemeClr val="accent1"/>
+  <a:schemeClr val="accent2"/>
+  <a:schemeClr val="accent3"/>
+  <a:schemeClr val="accent4"/>
+  <a:schemeClr val="accent5"/>
+  <a:schemeClr val="accent6"/>
+  <cs:variation/>
+  <cs:variation>
+    <a:lumMod val="60000"/>
+  </cs:variation>
+  <cs:variation>
+    <a:lumMod val="80000"/>
+    <a:lumOff val="20000"/>
+  </cs:variation>
+  <cs:variation>
+    <a:lumMod val="80000"/>
+  </cs:variation>
+  <cs:variation>
+    <a:lumMod val="60000"/>
+    <a:lumOff val="40000"/>
+  </cs:variation>
+  <cs:variation>
+    <a:lumMod val="50000"/>
+  </cs:variation>
+  <cs:variation>
+    <a:lumMod val="70000"/>
+    <a:lumOff val="30000"/>
+  </cs:variation>
+  <cs:variation>
+    <a:lumMod val="70000"/>
+  </cs:variation>
+  <cs:variation>
+    <a:lumMod val="50000"/>
+    <a:lumOff val="50000"/>
+  </cs:variation>
+</cs:colorStyle>
+</file>
+
+<file path=ppt/charts/style1.xml><?xml version="1.0" encoding="utf-8"?>
+<cs:chartStyle xmlns:cs="http://schemas.microsoft.com/office/drawing/2012/chartStyle" xmlns:a="http://schemas.openxmlformats.org/drawingml/2006/main" id="201">
+  <cs:axisTitle>
+    <cs:lnRef idx="0"/>
+    <cs:fillRef idx="0"/>
+    <cs:effectRef idx="0"/>
+    <cs:fontRef idx="minor">
+      <a:schemeClr val="tx1">
+        <a:lumMod val="65000"/>
+        <a:lumOff val="35000"/>
+      </a:schemeClr>
+    </cs:fontRef>
+    <cs:defRPr sz="1330" kern="1200"/>
+  </cs:axisTitle>
+  <cs:categoryAxis>
+    <cs:lnRef idx="0"/>
+    <cs:fillRef idx="0"/>
+    <cs:effectRef idx="0"/>
+    <cs:fontRef idx="minor">
+      <a:schemeClr val="tx1">
+        <a:lumMod val="65000"/>
+        <a:lumOff val="35000"/>
+      </a:schemeClr>
+    </cs:fontRef>
+    <cs:spPr>
+      <a:ln w="9525" cap="flat" cmpd="sng" algn="ctr">
+        <a:solidFill>
+          <a:schemeClr val="tx1">
+            <a:lumMod val="15000"/>
+            <a:lumOff val="85000"/>
+          </a:schemeClr>
+        </a:solidFill>
+        <a:round/>
+      </a:ln>
+    </cs:spPr>
+    <cs:defRPr sz="1197" kern="1200"/>
+  </cs:categoryAxis>
+  <cs:chartArea mods="allowNoFillOverride allowNoLineOverride">
+    <cs:lnRef idx="0"/>
+    <cs:fillRef idx="0"/>
+    <cs:effectRef idx="0"/>
+    <cs:fontRef idx="minor">
+      <a:schemeClr val="tx1"/>
+    </cs:fontRef>
+    <cs:spPr>
+      <a:solidFill>
+        <a:schemeClr val="bg1"/>
+      </a:solidFill>
+      <a:ln w="9525" cap="flat" cmpd="sng" algn="ctr">
+        <a:solidFill>
+          <a:schemeClr val="tx1">
+            <a:lumMod val="15000"/>
+            <a:lumOff val="85000"/>
+          </a:schemeClr>
+        </a:solidFill>
+        <a:round/>
+      </a:ln>
+    </cs:spPr>
+    <cs:defRPr sz="1330" kern="1200"/>
+  </cs:chartArea>
+  <cs:dataLabel>
+    <cs:lnRef idx="0"/>
+    <cs:fillRef idx="0"/>
+    <cs:effectRef idx="0"/>
+    <cs:fontRef idx="minor">
+      <a:schemeClr val="tx1">
+        <a:lumMod val="75000"/>
+        <a:lumOff val="25000"/>
+      </a:schemeClr>
+    </cs:fontRef>
+    <cs:defRPr sz="1197" kern="1200"/>
+  </cs:dataLabel>
+  <cs:dataLabelCallout>
+    <cs:lnRef idx="0"/>
+    <cs:fillRef idx="0"/>
+    <cs:effectRef idx="0"/>
+    <cs:fontRef idx="minor">
+      <a:schemeClr val="dk1">
+        <a:lumMod val="65000"/>
+        <a:lumOff val="35000"/>
+      </a:schemeClr>
+    </cs:fontRef>
+    <cs:spPr>
+      <a:solidFill>
+        <a:schemeClr val="lt1"/>
+      </a:solidFill>
+      <a:ln>
+        <a:solidFill>
+          <a:schemeClr val="dk1">
+            <a:lumMod val="25000"/>
+            <a:lumOff val="75000"/>
+          </a:schemeClr>
+        </a:solidFill>
+      </a:ln>
+    </cs:spPr>
+    <cs:defRPr sz="1197" kern="1200"/>
+    <cs:bodyPr rot="0" spcFirstLastPara="1" vertOverflow="clip" horzOverflow="clip" vert="horz" wrap="square" lIns="36576" tIns="18288" rIns="36576" bIns="18288" anchor="ctr" anchorCtr="1">
+      <a:spAutoFit/>
+    </cs:bodyPr>
+  </cs:dataLabelCallout>
+  <cs:dataPoint>
+    <cs:lnRef idx="0"/>
+    <cs:fillRef idx="1">
+      <cs:styleClr val="auto"/>
+    </cs:fillRef>
+    <cs:effectRef idx="0"/>
+    <cs:fontRef idx="minor">
+      <a:schemeClr val="tx1"/>
+    </cs:fontRef>
+  </cs:dataPoint>
+  <cs:dataPoint3D>
+    <cs:lnRef idx="0"/>
+    <cs:fillRef idx="1">
+      <cs:styleClr val="auto"/>
+    </cs:fillRef>
+    <cs:effectRef idx="0"/>
+    <cs:fontRef idx="minor">
+      <a:schemeClr val="tx1"/>
+    </cs:fontRef>
+  </cs:dataPoint3D>
+  <cs:dataPointLine>
+    <cs:lnRef idx="0">
+      <cs:styleClr val="auto"/>
+    </cs:lnRef>
+    <cs:fillRef idx="1"/>
+    <cs:effectRef idx="0"/>
+    <cs:fontRef idx="minor">
+      <a:schemeClr val="tx1"/>
+    </cs:fontRef>
+    <cs:spPr>
+      <a:ln w="28575" cap="rnd">
+        <a:solidFill>
+          <a:schemeClr val="phClr"/>
+        </a:solidFill>
+        <a:round/>
+      </a:ln>
+    </cs:spPr>
+  </cs:dataPointLine>
+  <cs:dataPointMarker>
+    <cs:lnRef idx="0">
+      <cs:styleClr val="auto"/>
+    </cs:lnRef>
+    <cs:fillRef idx="1">
+      <cs:styleClr val="auto"/>
+    </cs:fillRef>
+    <cs:effectRef idx="0"/>
+    <cs:fontRef idx="minor">
+      <a:schemeClr val="tx1"/>
+    </cs:fontRef>
+    <cs:spPr>
+      <a:ln w="9525">
+        <a:solidFill>
+          <a:schemeClr val="phClr"/>
+        </a:solidFill>
+      </a:ln>
+    </cs:spPr>
+  </cs:dataPointMarker>
+  <cs:dataPointMarkerLayout symbol="circle" size="5"/>
+  <cs:dataPointWireframe>
+    <cs:lnRef idx="0">
+      <cs:styleClr val="auto"/>
+    </cs:lnRef>
+    <cs:fillRef idx="1"/>
+    <cs:effectRef idx="0"/>
+    <cs:fontRef idx="minor">
+      <a:schemeClr val="tx1"/>
+    </cs:fontRef>
+    <cs:spPr>
+      <a:ln w="9525" cap="rnd">
+        <a:solidFill>
+          <a:schemeClr val="phClr"/>
+        </a:solidFill>
+        <a:round/>
+      </a:ln>
+    </cs:spPr>
+  </cs:dataPointWireframe>
+  <cs:dataTable>
+    <cs:lnRef idx="0"/>
+    <cs:fillRef idx="0"/>
+    <cs:effectRef idx="0"/>
+    <cs:fontRef idx="minor">
+      <a:schemeClr val="tx1">
+        <a:lumMod val="65000"/>
+        <a:lumOff val="35000"/>
+      </a:schemeClr>
+    </cs:fontRef>
+    <cs:spPr>
+      <a:noFill/>
+      <a:ln w="9525" cap="flat" cmpd="sng" algn="ctr">
+        <a:solidFill>
+          <a:schemeClr val="tx1">
+            <a:lumMod val="15000"/>
+            <a:lumOff val="85000"/>
+          </a:schemeClr>
+        </a:solidFill>
+        <a:round/>
+      </a:ln>
+    </cs:spPr>
+    <cs:defRPr sz="1197" kern="1200"/>
+  </cs:dataTable>
+  <cs:downBar>
+    <cs:lnRef idx="0"/>
+    <cs:fillRef idx="0"/>
+    <cs:effectRef idx="0"/>
+    <cs:fontRef idx="minor">
+      <a:schemeClr val="dk1"/>
+    </cs:fontRef>
+    <cs:spPr>
+      <a:solidFill>
+        <a:schemeClr val="dk1">
+          <a:lumMod val="65000"/>
+          <a:lumOff val="35000"/>
+        </a:schemeClr>
+      </a:solidFill>
+      <a:ln w="9525">
+        <a:solidFill>
+          <a:schemeClr val="tx1">
+            <a:lumMod val="65000"/>
+            <a:lumOff val="35000"/>
+          </a:schemeClr>
+        </a:solidFill>
+      </a:ln>
+    </cs:spPr>
+  </cs:downBar>
+  <cs:dropLine>
+    <cs:lnRef idx="0"/>
+    <cs:fillRef idx="0"/>
+    <cs:effectRef idx="0"/>
+    <cs:fontRef idx="minor">
+      <a:schemeClr val="tx1"/>
+    </cs:fontRef>
+    <cs:spPr>
+      <a:ln w="9525" cap="flat" cmpd="sng" algn="ctr">
+        <a:solidFill>
+          <a:schemeClr val="tx1">
+            <a:lumMod val="35000"/>
+            <a:lumOff val="65000"/>
+          </a:schemeClr>
+        </a:solidFill>
+        <a:round/>
+      </a:ln>
+    </cs:spPr>
+  </cs:dropLine>
+  <cs:errorBar>
+    <cs:lnRef idx="0"/>
+    <cs:fillRef idx="0"/>
+    <cs:effectRef idx="0"/>
+    <cs:fontRef idx="minor">
+      <a:schemeClr val="tx1"/>
+    </cs:fontRef>
+    <cs:spPr>
+      <a:ln w="9525" cap="flat" cmpd="sng" algn="ctr">
+        <a:solidFill>
+          <a:schemeClr val="tx1">
+            <a:lumMod val="65000"/>
+            <a:lumOff val="35000"/>
+          </a:schemeClr>
+        </a:solidFill>
+        <a:round/>
+      </a:ln>
+    </cs:spPr>
+  </cs:errorBar>
+  <cs:floor>
+    <cs:lnRef idx="0"/>
+    <cs:fillRef idx="0"/>
+    <cs:effectRef idx="0"/>
+    <cs:fontRef idx="minor">
+      <a:schemeClr val="tx1"/>
+    </cs:fontRef>
+    <cs:spPr>
+      <a:noFill/>
+      <a:ln>
+        <a:noFill/>
+      </a:ln>
+    </cs:spPr>
+  </cs:floor>
+  <cs:gridlineMajor>
+    <cs:lnRef idx="0"/>
+    <cs:fillRef idx="0"/>
+    <cs:effectRef idx="0"/>
+    <cs:fontRef idx="minor">
+      <a:schemeClr val="tx1"/>
+    </cs:fontRef>
+    <cs:spPr>
+      <a:ln w="9525" cap="flat" cmpd="sng" algn="ctr">
+        <a:solidFill>
+          <a:schemeClr val="tx1">
+            <a:lumMod val="15000"/>
+            <a:lumOff val="85000"/>
+          </a:schemeClr>
+        </a:solidFill>
+        <a:round/>
+      </a:ln>
+    </cs:spPr>
+  </cs:gridlineMajor>
+  <cs:gridlineMinor>
+    <cs:lnRef idx="0"/>
+    <cs:fillRef idx="0"/>
+    <cs:effectRef idx="0"/>
+    <cs:fontRef idx="minor">
+      <a:schemeClr val="tx1"/>
+    </cs:fontRef>
+    <cs:spPr>
+      <a:ln w="9525" cap="flat" cmpd="sng" algn="ctr">
+        <a:solidFill>
+          <a:schemeClr val="tx1">
+            <a:lumMod val="5000"/>
+            <a:lumOff val="95000"/>
+          </a:schemeClr>
+        </a:solidFill>
+        <a:round/>
+      </a:ln>
+    </cs:spPr>
+  </cs:gridlineMinor>
+  <cs:hiLoLine>
+    <cs:lnRef idx="0"/>
+    <cs:fillRef idx="0"/>
+    <cs:effectRef idx="0"/>
+    <cs:fontRef idx="minor">
+      <a:schemeClr val="tx1"/>
+    </cs:fontRef>
+    <cs:spPr>
+      <a:ln w="9525" cap="flat" cmpd="sng" algn="ctr">
+        <a:solidFill>
+          <a:schemeClr val="tx1">
+            <a:lumMod val="75000"/>
+            <a:lumOff val="25000"/>
+          </a:schemeClr>
+        </a:solidFill>
+        <a:round/>
+      </a:ln>
+    </cs:spPr>
+  </cs:hiLoLine>
+  <cs:leaderLine>
+    <cs:lnRef idx="0"/>
+    <cs:fillRef idx="0"/>
+    <cs:effectRef idx="0"/>
+    <cs:fontRef idx="minor">
+      <a:schemeClr val="tx1"/>
+    </cs:fontRef>
+    <cs:spPr>
+      <a:ln w="9525" cap="flat" cmpd="sng" algn="ctr">
+        <a:solidFill>
+          <a:schemeClr val="tx1">
+            <a:lumMod val="35000"/>
+            <a:lumOff val="65000"/>
+          </a:schemeClr>
+        </a:solidFill>
+        <a:round/>
+      </a:ln>
+    </cs:spPr>
+  </cs:leaderLine>
+  <cs:legend>
+    <cs:lnRef idx="0"/>
+    <cs:fillRef idx="0"/>
+    <cs:effectRef idx="0"/>
+    <cs:fontRef idx="minor">
+      <a:schemeClr val="tx1">
+        <a:lumMod val="65000"/>
+        <a:lumOff val="35000"/>
+      </a:schemeClr>
+    </cs:fontRef>
+    <cs:defRPr sz="1197" kern="1200"/>
+  </cs:legend>
+  <cs:plotArea mods="allowNoFillOverride allowNoLineOverride">
+    <cs:lnRef idx="0"/>
+    <cs:fillRef idx="0"/>
+    <cs:effectRef idx="0"/>
+    <cs:fontRef idx="minor">
+      <a:schemeClr val="tx1"/>
+    </cs:fontRef>
+  </cs:plotArea>
+  <cs:plotArea3D mods="allowNoFillOverride allowNoLineOverride">
+    <cs:lnRef idx="0"/>
+    <cs:fillRef idx="0"/>
+    <cs:effectRef idx="0"/>
+    <cs:fontRef idx="minor">
+      <a:schemeClr val="tx1"/>
+    </cs:fontRef>
+  </cs:plotArea3D>
+  <cs:seriesAxis>
+    <cs:lnRef idx="0"/>
+    <cs:fillRef idx="0"/>
+    <cs:effectRef idx="0"/>
+    <cs:fontRef idx="minor">
+      <a:schemeClr val="tx1">
+        <a:lumMod val="65000"/>
+        <a:lumOff val="35000"/>
+      </a:schemeClr>
+    </cs:fontRef>
+    <cs:defRPr sz="1197" kern="1200"/>
+  </cs:seriesAxis>
+  <cs:seriesLine>
+    <cs:lnRef idx="0"/>
+    <cs:fillRef idx="0"/>
+    <cs:effectRef idx="0"/>
+    <cs:fontRef idx="minor">
+      <a:schemeClr val="tx1"/>
+    </cs:fontRef>
+    <cs:spPr>
+      <a:ln w="9525" cap="flat" cmpd="sng" algn="ctr">
+        <a:solidFill>
+          <a:schemeClr val="tx1">
+            <a:lumMod val="35000"/>
+            <a:lumOff val="65000"/>
+          </a:schemeClr>
+        </a:solidFill>
+        <a:round/>
+      </a:ln>
+    </cs:spPr>
+  </cs:seriesLine>
+  <cs:title>
+    <cs:lnRef idx="0"/>
+    <cs:fillRef idx="0"/>
+    <cs:effectRef idx="0"/>
+    <cs:fontRef idx="minor">
+      <a:schemeClr val="tx1">
+        <a:lumMod val="65000"/>
+        <a:lumOff val="35000"/>
+      </a:schemeClr>
+    </cs:fontRef>
+    <cs:defRPr sz="1862" b="0" kern="1200" spc="0" baseline="0"/>
+  </cs:title>
+  <cs:trendline>
+    <cs:lnRef idx="0">
+      <cs:styleClr val="auto"/>
+    </cs:lnRef>
+    <cs:fillRef idx="0"/>
+    <cs:effectRef idx="0"/>
+    <cs:fontRef idx="minor">
+      <a:schemeClr val="tx1"/>
+    </cs:fontRef>
+    <cs:spPr>
+      <a:ln w="19050" cap="rnd">
+        <a:solidFill>
+          <a:schemeClr val="phClr"/>
+        </a:solidFill>
+        <a:prstDash val="sysDot"/>
+      </a:ln>
+    </cs:spPr>
+  </cs:trendline>
+  <cs:trendlineLabel>
+    <cs:lnRef idx="0"/>
+    <cs:fillRef idx="0"/>
+    <cs:effectRef idx="0"/>
+    <cs:fontRef idx="minor">
+      <a:schemeClr val="tx1">
+        <a:lumMod val="65000"/>
+        <a:lumOff val="35000"/>
+      </a:schemeClr>
+    </cs:fontRef>
+    <cs:defRPr sz="1197" kern="1200"/>
+  </cs:trendlineLabel>
+  <cs:upBar>
+    <cs:lnRef idx="0"/>
+    <cs:fillRef idx="0"/>
+    <cs:effectRef idx="0"/>
+    <cs:fontRef idx="minor">
+      <a:schemeClr val="dk1"/>
+    </cs:fontRef>
+    <cs:spPr>
+      <a:solidFill>
+        <a:schemeClr val="lt1"/>
+      </a:solidFill>
+      <a:ln w="9525">
+        <a:solidFill>
+          <a:schemeClr val="tx1">
+            <a:lumMod val="15000"/>
+            <a:lumOff val="85000"/>
+          </a:schemeClr>
+        </a:solidFill>
+      </a:ln>
+    </cs:spPr>
+  </cs:upBar>
+  <cs:valueAxis>
+    <cs:lnRef idx="0"/>
+    <cs:fillRef idx="0"/>
+    <cs:effectRef idx="0"/>
+    <cs:fontRef idx="minor">
+      <a:schemeClr val="tx1">
+        <a:lumMod val="65000"/>
+        <a:lumOff val="35000"/>
+      </a:schemeClr>
+    </cs:fontRef>
+    <cs:defRPr sz="1197" kern="1200"/>
+  </cs:valueAxis>
+  <cs:wall>
+    <cs:lnRef idx="0"/>
+    <cs:fillRef idx="0"/>
+    <cs:effectRef idx="0"/>
+    <cs:fontRef idx="minor">
+      <a:schemeClr val="tx1"/>
+    </cs:fontRef>
+    <cs:spPr>
+      <a:noFill/>
+      <a:ln>
+        <a:noFill/>
+      </a:ln>
+    </cs:spPr>
+  </cs:wall>
+</cs:chartStyle>
+</file>
+
+<file path=ppt/charts/style2.xml><?xml version="1.0" encoding="utf-8"?>
+<cs:chartStyle xmlns:cs="http://schemas.microsoft.com/office/drawing/2012/chartStyle" xmlns:a="http://schemas.openxmlformats.org/drawingml/2006/main" id="201">
+  <cs:axisTitle>
+    <cs:lnRef idx="0"/>
+    <cs:fillRef idx="0"/>
+    <cs:effectRef idx="0"/>
+    <cs:fontRef idx="minor">
+      <a:schemeClr val="tx1">
+        <a:lumMod val="65000"/>
+        <a:lumOff val="35000"/>
+      </a:schemeClr>
+    </cs:fontRef>
+    <cs:defRPr sz="1330" kern="1200"/>
+  </cs:axisTitle>
+  <cs:categoryAxis>
+    <cs:lnRef idx="0"/>
+    <cs:fillRef idx="0"/>
+    <cs:effectRef idx="0"/>
+    <cs:fontRef idx="minor">
+      <a:schemeClr val="tx1">
+        <a:lumMod val="65000"/>
+        <a:lumOff val="35000"/>
+      </a:schemeClr>
+    </cs:fontRef>
+    <cs:spPr>
+      <a:ln w="9525" cap="flat" cmpd="sng" algn="ctr">
+        <a:solidFill>
+          <a:schemeClr val="tx1">
+            <a:lumMod val="15000"/>
+            <a:lumOff val="85000"/>
+          </a:schemeClr>
+        </a:solidFill>
+        <a:round/>
+      </a:ln>
+    </cs:spPr>
+    <cs:defRPr sz="1197" kern="1200"/>
+  </cs:categoryAxis>
+  <cs:chartArea mods="allowNoFillOverride allowNoLineOverride">
+    <cs:lnRef idx="0"/>
+    <cs:fillRef idx="0"/>
+    <cs:effectRef idx="0"/>
+    <cs:fontRef idx="minor">
+      <a:schemeClr val="tx1"/>
+    </cs:fontRef>
+    <cs:spPr>
+      <a:solidFill>
+        <a:schemeClr val="bg1"/>
+      </a:solidFill>
+      <a:ln w="9525" cap="flat" cmpd="sng" algn="ctr">
+        <a:solidFill>
+          <a:schemeClr val="tx1">
+            <a:lumMod val="15000"/>
+            <a:lumOff val="85000"/>
+          </a:schemeClr>
+        </a:solidFill>
+        <a:round/>
+      </a:ln>
+    </cs:spPr>
+    <cs:defRPr sz="1330" kern="1200"/>
+  </cs:chartArea>
+  <cs:dataLabel>
+    <cs:lnRef idx="0"/>
+    <cs:fillRef idx="0"/>
+    <cs:effectRef idx="0"/>
+    <cs:fontRef idx="minor">
+      <a:schemeClr val="tx1">
+        <a:lumMod val="75000"/>
+        <a:lumOff val="25000"/>
+      </a:schemeClr>
+    </cs:fontRef>
+    <cs:defRPr sz="1197" kern="1200"/>
+  </cs:dataLabel>
+  <cs:dataLabelCallout>
+    <cs:lnRef idx="0"/>
+    <cs:fillRef idx="0"/>
+    <cs:effectRef idx="0"/>
+    <cs:fontRef idx="minor">
+      <a:schemeClr val="dk1">
+        <a:lumMod val="65000"/>
+        <a:lumOff val="35000"/>
+      </a:schemeClr>
+    </cs:fontRef>
+    <cs:spPr>
+      <a:solidFill>
+        <a:schemeClr val="lt1"/>
+      </a:solidFill>
+      <a:ln>
+        <a:solidFill>
+          <a:schemeClr val="dk1">
+            <a:lumMod val="25000"/>
+            <a:lumOff val="75000"/>
+          </a:schemeClr>
+        </a:solidFill>
+      </a:ln>
+    </cs:spPr>
+    <cs:defRPr sz="1197" kern="1200"/>
+    <cs:bodyPr rot="0" spcFirstLastPara="1" vertOverflow="clip" horzOverflow="clip" vert="horz" wrap="square" lIns="36576" tIns="18288" rIns="36576" bIns="18288" anchor="ctr" anchorCtr="1">
+      <a:spAutoFit/>
+    </cs:bodyPr>
+  </cs:dataLabelCallout>
+  <cs:dataPoint>
+    <cs:lnRef idx="0"/>
+    <cs:fillRef idx="1">
+      <cs:styleClr val="auto"/>
+    </cs:fillRef>
+    <cs:effectRef idx="0"/>
+    <cs:fontRef idx="minor">
+      <a:schemeClr val="tx1"/>
+    </cs:fontRef>
+  </cs:dataPoint>
+  <cs:dataPoint3D>
+    <cs:lnRef idx="0"/>
+    <cs:fillRef idx="1">
+      <cs:styleClr val="auto"/>
+    </cs:fillRef>
+    <cs:effectRef idx="0"/>
+    <cs:fontRef idx="minor">
+      <a:schemeClr val="tx1"/>
+    </cs:fontRef>
+  </cs:dataPoint3D>
+  <cs:dataPointLine>
+    <cs:lnRef idx="0">
+      <cs:styleClr val="auto"/>
+    </cs:lnRef>
+    <cs:fillRef idx="1"/>
+    <cs:effectRef idx="0"/>
+    <cs:fontRef idx="minor">
+      <a:schemeClr val="tx1"/>
+    </cs:fontRef>
+    <cs:spPr>
+      <a:ln w="28575" cap="rnd">
+        <a:solidFill>
+          <a:schemeClr val="phClr"/>
+        </a:solidFill>
+        <a:round/>
+      </a:ln>
+    </cs:spPr>
+  </cs:dataPointLine>
+  <cs:dataPointMarker>
+    <cs:lnRef idx="0">
+      <cs:styleClr val="auto"/>
+    </cs:lnRef>
+    <cs:fillRef idx="1">
+      <cs:styleClr val="auto"/>
+    </cs:fillRef>
+    <cs:effectRef idx="0"/>
+    <cs:fontRef idx="minor">
+      <a:schemeClr val="tx1"/>
+    </cs:fontRef>
+    <cs:spPr>
+      <a:ln w="9525">
+        <a:solidFill>
+          <a:schemeClr val="phClr"/>
+        </a:solidFill>
+      </a:ln>
+    </cs:spPr>
+  </cs:dataPointMarker>
+  <cs:dataPointMarkerLayout symbol="circle" size="5"/>
+  <cs:dataPointWireframe>
+    <cs:lnRef idx="0">
+      <cs:styleClr val="auto"/>
+    </cs:lnRef>
+    <cs:fillRef idx="1"/>
+    <cs:effectRef idx="0"/>
+    <cs:fontRef idx="minor">
+      <a:schemeClr val="tx1"/>
+    </cs:fontRef>
+    <cs:spPr>
+      <a:ln w="9525" cap="rnd">
+        <a:solidFill>
+          <a:schemeClr val="phClr"/>
+        </a:solidFill>
+        <a:round/>
+      </a:ln>
+    </cs:spPr>
+  </cs:dataPointWireframe>
+  <cs:dataTable>
+    <cs:lnRef idx="0"/>
+    <cs:fillRef idx="0"/>
+    <cs:effectRef idx="0"/>
+    <cs:fontRef idx="minor">
+      <a:schemeClr val="tx1">
+        <a:lumMod val="65000"/>
+        <a:lumOff val="35000"/>
+      </a:schemeClr>
+    </cs:fontRef>
+    <cs:spPr>
+      <a:noFill/>
+      <a:ln w="9525" cap="flat" cmpd="sng" algn="ctr">
+        <a:solidFill>
+          <a:schemeClr val="tx1">
+            <a:lumMod val="15000"/>
+            <a:lumOff val="85000"/>
+          </a:schemeClr>
+        </a:solidFill>
+        <a:round/>
+      </a:ln>
+    </cs:spPr>
+    <cs:defRPr sz="1197" kern="1200"/>
+  </cs:dataTable>
+  <cs:downBar>
+    <cs:lnRef idx="0"/>
+    <cs:fillRef idx="0"/>
+    <cs:effectRef idx="0"/>
+    <cs:fontRef idx="minor">
+      <a:schemeClr val="dk1"/>
+    </cs:fontRef>
+    <cs:spPr>
+      <a:solidFill>
+        <a:schemeClr val="dk1">
+          <a:lumMod val="65000"/>
+          <a:lumOff val="35000"/>
+        </a:schemeClr>
+      </a:solidFill>
+      <a:ln w="9525">
+        <a:solidFill>
+          <a:schemeClr val="tx1">
+            <a:lumMod val="65000"/>
+            <a:lumOff val="35000"/>
+          </a:schemeClr>
+        </a:solidFill>
+      </a:ln>
+    </cs:spPr>
+  </cs:downBar>
+  <cs:dropLine>
+    <cs:lnRef idx="0"/>
+    <cs:fillRef idx="0"/>
+    <cs:effectRef idx="0"/>
+    <cs:fontRef idx="minor">
+      <a:schemeClr val="tx1"/>
+    </cs:fontRef>
+    <cs:spPr>
+      <a:ln w="9525" cap="flat" cmpd="sng" algn="ctr">
+        <a:solidFill>
+          <a:schemeClr val="tx1">
+            <a:lumMod val="35000"/>
+            <a:lumOff val="65000"/>
+          </a:schemeClr>
+        </a:solidFill>
+        <a:round/>
+      </a:ln>
+    </cs:spPr>
+  </cs:dropLine>
+  <cs:errorBar>
+    <cs:lnRef idx="0"/>
+    <cs:fillRef idx="0"/>
+    <cs:effectRef idx="0"/>
+    <cs:fontRef idx="minor">
+      <a:schemeClr val="tx1"/>
+    </cs:fontRef>
+    <cs:spPr>
+      <a:ln w="9525" cap="flat" cmpd="sng" algn="ctr">
+        <a:solidFill>
+          <a:schemeClr val="tx1">
+            <a:lumMod val="65000"/>
+            <a:lumOff val="35000"/>
+          </a:schemeClr>
+        </a:solidFill>
+        <a:round/>
+      </a:ln>
+    </cs:spPr>
+  </cs:errorBar>
+  <cs:floor>
+    <cs:lnRef idx="0"/>
+    <cs:fillRef idx="0"/>
+    <cs:effectRef idx="0"/>
+    <cs:fontRef idx="minor">
+      <a:schemeClr val="tx1"/>
+    </cs:fontRef>
+    <cs:spPr>
+      <a:noFill/>
+      <a:ln>
+        <a:noFill/>
+      </a:ln>
+    </cs:spPr>
+  </cs:floor>
+  <cs:gridlineMajor>
+    <cs:lnRef idx="0"/>
+    <cs:fillRef idx="0"/>
+    <cs:effectRef idx="0"/>
+    <cs:fontRef idx="minor">
+      <a:schemeClr val="tx1"/>
+    </cs:fontRef>
+    <cs:spPr>
+      <a:ln w="9525" cap="flat" cmpd="sng" algn="ctr">
+        <a:solidFill>
+          <a:schemeClr val="tx1">
+            <a:lumMod val="15000"/>
+            <a:lumOff val="85000"/>
+          </a:schemeClr>
+        </a:solidFill>
+        <a:round/>
+      </a:ln>
+    </cs:spPr>
+  </cs:gridlineMajor>
+  <cs:gridlineMinor>
+    <cs:lnRef idx="0"/>
+    <cs:fillRef idx="0"/>
+    <cs:effectRef idx="0"/>
+    <cs:fontRef idx="minor">
+      <a:schemeClr val="tx1"/>
+    </cs:fontRef>
+    <cs:spPr>
+      <a:ln w="9525" cap="flat" cmpd="sng" algn="ctr">
+        <a:solidFill>
+          <a:schemeClr val="tx1">
+            <a:lumMod val="5000"/>
+            <a:lumOff val="95000"/>
+          </a:schemeClr>
+        </a:solidFill>
+        <a:round/>
+      </a:ln>
+    </cs:spPr>
+  </cs:gridlineMinor>
+  <cs:hiLoLine>
+    <cs:lnRef idx="0"/>
+    <cs:fillRef idx="0"/>
+    <cs:effectRef idx="0"/>
+    <cs:fontRef idx="minor">
+      <a:schemeClr val="tx1"/>
+    </cs:fontRef>
+    <cs:spPr>
+      <a:ln w="9525" cap="flat" cmpd="sng" algn="ctr">
+        <a:solidFill>
+          <a:schemeClr val="tx1">
+            <a:lumMod val="75000"/>
+            <a:lumOff val="25000"/>
+          </a:schemeClr>
+        </a:solidFill>
+        <a:round/>
+      </a:ln>
+    </cs:spPr>
+  </cs:hiLoLine>
+  <cs:leaderLine>
+    <cs:lnRef idx="0"/>
+    <cs:fillRef idx="0"/>
+    <cs:effectRef idx="0"/>
+    <cs:fontRef idx="minor">
+      <a:schemeClr val="tx1"/>
+    </cs:fontRef>
+    <cs:spPr>
+      <a:ln w="9525" cap="flat" cmpd="sng" algn="ctr">
+        <a:solidFill>
+          <a:schemeClr val="tx1">
+            <a:lumMod val="35000"/>
+            <a:lumOff val="65000"/>
+          </a:schemeClr>
+        </a:solidFill>
+        <a:round/>
+      </a:ln>
+    </cs:spPr>
+  </cs:leaderLine>
+  <cs:legend>
+    <cs:lnRef idx="0"/>
+    <cs:fillRef idx="0"/>
+    <cs:effectRef idx="0"/>
+    <cs:fontRef idx="minor">
+      <a:schemeClr val="tx1">
+        <a:lumMod val="65000"/>
+        <a:lumOff val="35000"/>
+      </a:schemeClr>
+    </cs:fontRef>
+    <cs:defRPr sz="1197" kern="1200"/>
+  </cs:legend>
+  <cs:plotArea mods="allowNoFillOverride allowNoLineOverride">
+    <cs:lnRef idx="0"/>
+    <cs:fillRef idx="0"/>
+    <cs:effectRef idx="0"/>
+    <cs:fontRef idx="minor">
+      <a:schemeClr val="tx1"/>
+    </cs:fontRef>
+  </cs:plotArea>
+  <cs:plotArea3D mods="allowNoFillOverride allowNoLineOverride">
+    <cs:lnRef idx="0"/>
+    <cs:fillRef idx="0"/>
+    <cs:effectRef idx="0"/>
+    <cs:fontRef idx="minor">
+      <a:schemeClr val="tx1"/>
+    </cs:fontRef>
+  </cs:plotArea3D>
+  <cs:seriesAxis>
+    <cs:lnRef idx="0"/>
+    <cs:fillRef idx="0"/>
+    <cs:effectRef idx="0"/>
+    <cs:fontRef idx="minor">
+      <a:schemeClr val="tx1">
+        <a:lumMod val="65000"/>
+        <a:lumOff val="35000"/>
+      </a:schemeClr>
+    </cs:fontRef>
+    <cs:defRPr sz="1197" kern="1200"/>
+  </cs:seriesAxis>
+  <cs:seriesLine>
+    <cs:lnRef idx="0"/>
+    <cs:fillRef idx="0"/>
+    <cs:effectRef idx="0"/>
+    <cs:fontRef idx="minor">
+      <a:schemeClr val="tx1"/>
+    </cs:fontRef>
+    <cs:spPr>
+      <a:ln w="9525" cap="flat" cmpd="sng" algn="ctr">
+        <a:solidFill>
+          <a:schemeClr val="tx1">
+            <a:lumMod val="35000"/>
+            <a:lumOff val="65000"/>
+          </a:schemeClr>
+        </a:solidFill>
+        <a:round/>
+      </a:ln>
+    </cs:spPr>
+  </cs:seriesLine>
+  <cs:title>
+    <cs:lnRef idx="0"/>
+    <cs:fillRef idx="0"/>
+    <cs:effectRef idx="0"/>
+    <cs:fontRef idx="minor">
+      <a:schemeClr val="tx1">
+        <a:lumMod val="65000"/>
+        <a:lumOff val="35000"/>
+      </a:schemeClr>
+    </cs:fontRef>
+    <cs:defRPr sz="1862" b="0" kern="1200" spc="0" baseline="0"/>
+  </cs:title>
+  <cs:trendline>
+    <cs:lnRef idx="0">
+      <cs:styleClr val="auto"/>
+    </cs:lnRef>
+    <cs:fillRef idx="0"/>
+    <cs:effectRef idx="0"/>
+    <cs:fontRef idx="minor">
+      <a:schemeClr val="tx1"/>
+    </cs:fontRef>
+    <cs:spPr>
+      <a:ln w="19050" cap="rnd">
+        <a:solidFill>
+          <a:schemeClr val="phClr"/>
+        </a:solidFill>
+        <a:prstDash val="sysDot"/>
+      </a:ln>
+    </cs:spPr>
+  </cs:trendline>
+  <cs:trendlineLabel>
+    <cs:lnRef idx="0"/>
+    <cs:fillRef idx="0"/>
+    <cs:effectRef idx="0"/>
+    <cs:fontRef idx="minor">
+      <a:schemeClr val="tx1">
+        <a:lumMod val="65000"/>
+        <a:lumOff val="35000"/>
+      </a:schemeClr>
+    </cs:fontRef>
+    <cs:defRPr sz="1197" kern="1200"/>
+  </cs:trendlineLabel>
+  <cs:upBar>
+    <cs:lnRef idx="0"/>
+    <cs:fillRef idx="0"/>
+    <cs:effectRef idx="0"/>
+    <cs:fontRef idx="minor">
+      <a:schemeClr val="dk1"/>
+    </cs:fontRef>
+    <cs:spPr>
+      <a:solidFill>
+        <a:schemeClr val="lt1"/>
+      </a:solidFill>
+      <a:ln w="9525">
+        <a:solidFill>
+          <a:schemeClr val="tx1">
+            <a:lumMod val="15000"/>
+            <a:lumOff val="85000"/>
+          </a:schemeClr>
+        </a:solidFill>
+      </a:ln>
+    </cs:spPr>
+  </cs:upBar>
+  <cs:valueAxis>
+    <cs:lnRef idx="0"/>
+    <cs:fillRef idx="0"/>
+    <cs:effectRef idx="0"/>
+    <cs:fontRef idx="minor">
+      <a:schemeClr val="tx1">
+        <a:lumMod val="65000"/>
+        <a:lumOff val="35000"/>
+      </a:schemeClr>
+    </cs:fontRef>
+    <cs:defRPr sz="1197" kern="1200"/>
+  </cs:valueAxis>
+  <cs:wall>
+    <cs:lnRef idx="0"/>
+    <cs:fillRef idx="0"/>
+    <cs:effectRef idx="0"/>
+    <cs:fontRef idx="minor">
+      <a:schemeClr val="tx1"/>
+    </cs:fontRef>
+    <cs:spPr>
+      <a:noFill/>
+      <a:ln>
+        <a:noFill/>
+      </a:ln>
+    </cs:spPr>
+  </cs:wall>
+</cs:chartStyle>
+</file>
+
+<file path=ppt/charts/style3.xml><?xml version="1.0" encoding="utf-8"?>
+<cs:chartStyle xmlns:cs="http://schemas.microsoft.com/office/drawing/2012/chartStyle" xmlns:a="http://schemas.openxmlformats.org/drawingml/2006/main" id="201">
+  <cs:axisTitle>
+    <cs:lnRef idx="0"/>
+    <cs:fillRef idx="0"/>
+    <cs:effectRef idx="0"/>
+    <cs:fontRef idx="minor">
+      <a:schemeClr val="tx1">
+        <a:lumMod val="65000"/>
+        <a:lumOff val="35000"/>
+      </a:schemeClr>
+    </cs:fontRef>
+    <cs:defRPr sz="1330" kern="1200"/>
+  </cs:axisTitle>
+  <cs:categoryAxis>
+    <cs:lnRef idx="0"/>
+    <cs:fillRef idx="0"/>
+    <cs:effectRef idx="0"/>
+    <cs:fontRef idx="minor">
+      <a:schemeClr val="tx1">
+        <a:lumMod val="65000"/>
+        <a:lumOff val="35000"/>
+      </a:schemeClr>
+    </cs:fontRef>
+    <cs:spPr>
+      <a:ln w="9525" cap="flat" cmpd="sng" algn="ctr">
+        <a:solidFill>
+          <a:schemeClr val="tx1">
+            <a:lumMod val="15000"/>
+            <a:lumOff val="85000"/>
+          </a:schemeClr>
+        </a:solidFill>
+        <a:round/>
+      </a:ln>
+    </cs:spPr>
+    <cs:defRPr sz="1197" kern="1200"/>
+  </cs:categoryAxis>
+  <cs:chartArea mods="allowNoFillOverride allowNoLineOverride">
+    <cs:lnRef idx="0"/>
+    <cs:fillRef idx="0"/>
+    <cs:effectRef idx="0"/>
+    <cs:fontRef idx="minor">
+      <a:schemeClr val="tx1"/>
+    </cs:fontRef>
+    <cs:spPr>
+      <a:solidFill>
+        <a:schemeClr val="bg1"/>
+      </a:solidFill>
+      <a:ln w="9525" cap="flat" cmpd="sng" algn="ctr">
+        <a:solidFill>
+          <a:schemeClr val="tx1">
+            <a:lumMod val="15000"/>
+            <a:lumOff val="85000"/>
+          </a:schemeClr>
+        </a:solidFill>
+        <a:round/>
+      </a:ln>
+    </cs:spPr>
+    <cs:defRPr sz="1330" kern="1200"/>
+  </cs:chartArea>
+  <cs:dataLabel>
+    <cs:lnRef idx="0"/>
+    <cs:fillRef idx="0"/>
+    <cs:effectRef idx="0"/>
+    <cs:fontRef idx="minor">
+      <a:schemeClr val="tx1">
+        <a:lumMod val="75000"/>
+        <a:lumOff val="25000"/>
+      </a:schemeClr>
+    </cs:fontRef>
+    <cs:defRPr sz="1197" kern="1200"/>
+  </cs:dataLabel>
+  <cs:dataLabelCallout>
+    <cs:lnRef idx="0"/>
+    <cs:fillRef idx="0"/>
+    <cs:effectRef idx="0"/>
+    <cs:fontRef idx="minor">
+      <a:schemeClr val="dk1">
+        <a:lumMod val="65000"/>
+        <a:lumOff val="35000"/>
+      </a:schemeClr>
+    </cs:fontRef>
+    <cs:spPr>
+      <a:solidFill>
+        <a:schemeClr val="lt1"/>
+      </a:solidFill>
+      <a:ln>
+        <a:solidFill>
+          <a:schemeClr val="dk1">
+            <a:lumMod val="25000"/>
+            <a:lumOff val="75000"/>
+          </a:schemeClr>
+        </a:solidFill>
+      </a:ln>
+    </cs:spPr>
+    <cs:defRPr sz="1197" kern="1200"/>
+    <cs:bodyPr rot="0" spcFirstLastPara="1" vertOverflow="clip" horzOverflow="clip" vert="horz" wrap="square" lIns="36576" tIns="18288" rIns="36576" bIns="18288" anchor="ctr" anchorCtr="1">
+      <a:spAutoFit/>
+    </cs:bodyPr>
+  </cs:dataLabelCallout>
+  <cs:dataPoint>
+    <cs:lnRef idx="0"/>
+    <cs:fillRef idx="1">
+      <cs:styleClr val="auto"/>
+    </cs:fillRef>
+    <cs:effectRef idx="0"/>
+    <cs:fontRef idx="minor">
+      <a:schemeClr val="tx1"/>
+    </cs:fontRef>
+  </cs:dataPoint>
+  <cs:dataPoint3D>
+    <cs:lnRef idx="0"/>
+    <cs:fillRef idx="1">
+      <cs:styleClr val="auto"/>
+    </cs:fillRef>
+    <cs:effectRef idx="0"/>
+    <cs:fontRef idx="minor">
+      <a:schemeClr val="tx1"/>
+    </cs:fontRef>
+  </cs:dataPoint3D>
+  <cs:dataPointLine>
+    <cs:lnRef idx="0">
+      <cs:styleClr val="auto"/>
+    </cs:lnRef>
+    <cs:fillRef idx="1"/>
+    <cs:effectRef idx="0"/>
+    <cs:fontRef idx="minor">
+      <a:schemeClr val="tx1"/>
+    </cs:fontRef>
+    <cs:spPr>
+      <a:ln w="28575" cap="rnd">
+        <a:solidFill>
+          <a:schemeClr val="phClr"/>
+        </a:solidFill>
+        <a:round/>
+      </a:ln>
+    </cs:spPr>
+  </cs:dataPointLine>
+  <cs:dataPointMarker>
+    <cs:lnRef idx="0">
+      <cs:styleClr val="auto"/>
+    </cs:lnRef>
+    <cs:fillRef idx="1">
+      <cs:styleClr val="auto"/>
+    </cs:fillRef>
+    <cs:effectRef idx="0"/>
+    <cs:fontRef idx="minor">
+      <a:schemeClr val="tx1"/>
+    </cs:fontRef>
+    <cs:spPr>
+      <a:ln w="9525">
+        <a:solidFill>
+          <a:schemeClr val="phClr"/>
+        </a:solidFill>
+      </a:ln>
+    </cs:spPr>
+  </cs:dataPointMarker>
+  <cs:dataPointMarkerLayout symbol="circle" size="5"/>
+  <cs:dataPointWireframe>
+    <cs:lnRef idx="0">
+      <cs:styleClr val="auto"/>
+    </cs:lnRef>
+    <cs:fillRef idx="1"/>
+    <cs:effectRef idx="0"/>
+    <cs:fontRef idx="minor">
+      <a:schemeClr val="tx1"/>
+    </cs:fontRef>
+    <cs:spPr>
+      <a:ln w="9525" cap="rnd">
+        <a:solidFill>
+          <a:schemeClr val="phClr"/>
+        </a:solidFill>
+        <a:round/>
+      </a:ln>
+    </cs:spPr>
+  </cs:dataPointWireframe>
+  <cs:dataTable>
+    <cs:lnRef idx="0"/>
+    <cs:fillRef idx="0"/>
+    <cs:effectRef idx="0"/>
+    <cs:fontRef idx="minor">
+      <a:schemeClr val="tx1">
+        <a:lumMod val="65000"/>
+        <a:lumOff val="35000"/>
+      </a:schemeClr>
+    </cs:fontRef>
+    <cs:spPr>
+      <a:noFill/>
+      <a:ln w="9525" cap="flat" cmpd="sng" algn="ctr">
+        <a:solidFill>
+          <a:schemeClr val="tx1">
+            <a:lumMod val="15000"/>
+            <a:lumOff val="85000"/>
+          </a:schemeClr>
+        </a:solidFill>
+        <a:round/>
+      </a:ln>
+    </cs:spPr>
+    <cs:defRPr sz="1197" kern="1200"/>
+  </cs:dataTable>
+  <cs:downBar>
+    <cs:lnRef idx="0"/>
+    <cs:fillRef idx="0"/>
+    <cs:effectRef idx="0"/>
+    <cs:fontRef idx="minor">
+      <a:schemeClr val="dk1"/>
+    </cs:fontRef>
+    <cs:spPr>
+      <a:solidFill>
+        <a:schemeClr val="dk1">
+          <a:lumMod val="65000"/>
+          <a:lumOff val="35000"/>
+        </a:schemeClr>
+      </a:solidFill>
+      <a:ln w="9525">
+        <a:solidFill>
+          <a:schemeClr val="tx1">
+            <a:lumMod val="65000"/>
+            <a:lumOff val="35000"/>
+          </a:schemeClr>
+        </a:solidFill>
+      </a:ln>
+    </cs:spPr>
+  </cs:downBar>
+  <cs:dropLine>
+    <cs:lnRef idx="0"/>
+    <cs:fillRef idx="0"/>
+    <cs:effectRef idx="0"/>
+    <cs:fontRef idx="minor">
+      <a:schemeClr val="tx1"/>
+    </cs:fontRef>
+    <cs:spPr>
+      <a:ln w="9525" cap="flat" cmpd="sng" algn="ctr">
+        <a:solidFill>
+          <a:schemeClr val="tx1">
+            <a:lumMod val="35000"/>
+            <a:lumOff val="65000"/>
+          </a:schemeClr>
+        </a:solidFill>
+        <a:round/>
+      </a:ln>
+    </cs:spPr>
+  </cs:dropLine>
+  <cs:errorBar>
+    <cs:lnRef idx="0"/>
+    <cs:fillRef idx="0"/>
+    <cs:effectRef idx="0"/>
+    <cs:fontRef idx="minor">
+      <a:schemeClr val="tx1"/>
+    </cs:fontRef>
+    <cs:spPr>
+      <a:ln w="9525" cap="flat" cmpd="sng" algn="ctr">
+        <a:solidFill>
+          <a:schemeClr val="tx1">
+            <a:lumMod val="65000"/>
+            <a:lumOff val="35000"/>
+          </a:schemeClr>
+        </a:solidFill>
+        <a:round/>
+      </a:ln>
+    </cs:spPr>
+  </cs:errorBar>
+  <cs:floor>
+    <cs:lnRef idx="0"/>
+    <cs:fillRef idx="0"/>
+    <cs:effectRef idx="0"/>
+    <cs:fontRef idx="minor">
+      <a:schemeClr val="tx1"/>
+    </cs:fontRef>
+    <cs:spPr>
+      <a:noFill/>
+      <a:ln>
+        <a:noFill/>
+      </a:ln>
+    </cs:spPr>
+  </cs:floor>
+  <cs:gridlineMajor>
+    <cs:lnRef idx="0"/>
+    <cs:fillRef idx="0"/>
+    <cs:effectRef idx="0"/>
+    <cs:fontRef idx="minor">
+      <a:schemeClr val="tx1"/>
+    </cs:fontRef>
+    <cs:spPr>
+      <a:ln w="9525" cap="flat" cmpd="sng" algn="ctr">
+        <a:solidFill>
+          <a:schemeClr val="tx1">
+            <a:lumMod val="15000"/>
+            <a:lumOff val="85000"/>
+          </a:schemeClr>
+        </a:solidFill>
+        <a:round/>
+      </a:ln>
+    </cs:spPr>
+  </cs:gridlineMajor>
+  <cs:gridlineMinor>
+    <cs:lnRef idx="0"/>
+    <cs:fillRef idx="0"/>
+    <cs:effectRef idx="0"/>
+    <cs:fontRef idx="minor">
+      <a:schemeClr val="tx1"/>
+    </cs:fontRef>
+    <cs:spPr>
+      <a:ln w="9525" cap="flat" cmpd="sng" algn="ctr">
+        <a:solidFill>
+          <a:schemeClr val="tx1">
+            <a:lumMod val="5000"/>
+            <a:lumOff val="95000"/>
+          </a:schemeClr>
+        </a:solidFill>
+        <a:round/>
+      </a:ln>
+    </cs:spPr>
+  </cs:gridlineMinor>
+  <cs:hiLoLine>
+    <cs:lnRef idx="0"/>
+    <cs:fillRef idx="0"/>
+    <cs:effectRef idx="0"/>
+    <cs:fontRef idx="minor">
+      <a:schemeClr val="tx1"/>
+    </cs:fontRef>
+    <cs:spPr>
+      <a:ln w="9525" cap="flat" cmpd="sng" algn="ctr">
+        <a:solidFill>
+          <a:schemeClr val="tx1">
+            <a:lumMod val="75000"/>
+            <a:lumOff val="25000"/>
+          </a:schemeClr>
+        </a:solidFill>
+        <a:round/>
+      </a:ln>
+    </cs:spPr>
+  </cs:hiLoLine>
+  <cs:leaderLine>
+    <cs:lnRef idx="0"/>
+    <cs:fillRef idx="0"/>
+    <cs:effectRef idx="0"/>
+    <cs:fontRef idx="minor">
+      <a:schemeClr val="tx1"/>
+    </cs:fontRef>
+    <cs:spPr>
+      <a:ln w="9525" cap="flat" cmpd="sng" algn="ctr">
+        <a:solidFill>
+          <a:schemeClr val="tx1">
+            <a:lumMod val="35000"/>
+            <a:lumOff val="65000"/>
+          </a:schemeClr>
+        </a:solidFill>
+        <a:round/>
+      </a:ln>
+    </cs:spPr>
+  </cs:leaderLine>
+  <cs:legend>
+    <cs:lnRef idx="0"/>
+    <cs:fillRef idx="0"/>
+    <cs:effectRef idx="0"/>
+    <cs:fontRef idx="minor">
+      <a:schemeClr val="tx1">
+        <a:lumMod val="65000"/>
+        <a:lumOff val="35000"/>
+      </a:schemeClr>
+    </cs:fontRef>
+    <cs:defRPr sz="1197" kern="1200"/>
+  </cs:legend>
+  <cs:plotArea mods="allowNoFillOverride allowNoLineOverride">
+    <cs:lnRef idx="0"/>
+    <cs:fillRef idx="0"/>
+    <cs:effectRef idx="0"/>
+    <cs:fontRef idx="minor">
+      <a:schemeClr val="tx1"/>
+    </cs:fontRef>
+  </cs:plotArea>
+  <cs:plotArea3D mods="allowNoFillOverride allowNoLineOverride">
+    <cs:lnRef idx="0"/>
+    <cs:fillRef idx="0"/>
+    <cs:effectRef idx="0"/>
+    <cs:fontRef idx="minor">
+      <a:schemeClr val="tx1"/>
+    </cs:fontRef>
+  </cs:plotArea3D>
+  <cs:seriesAxis>
+    <cs:lnRef idx="0"/>
+    <cs:fillRef idx="0"/>
+    <cs:effectRef idx="0"/>
+    <cs:fontRef idx="minor">
+      <a:schemeClr val="tx1">
+        <a:lumMod val="65000"/>
+        <a:lumOff val="35000"/>
+      </a:schemeClr>
+    </cs:fontRef>
+    <cs:defRPr sz="1197" kern="1200"/>
+  </cs:seriesAxis>
+  <cs:seriesLine>
+    <cs:lnRef idx="0"/>
+    <cs:fillRef idx="0"/>
+    <cs:effectRef idx="0"/>
+    <cs:fontRef idx="minor">
+      <a:schemeClr val="tx1"/>
+    </cs:fontRef>
+    <cs:spPr>
+      <a:ln w="9525" cap="flat" cmpd="sng" algn="ctr">
+        <a:solidFill>
+          <a:schemeClr val="tx1">
+            <a:lumMod val="35000"/>
+            <a:lumOff val="65000"/>
+          </a:schemeClr>
+        </a:solidFill>
+        <a:round/>
+      </a:ln>
+    </cs:spPr>
+  </cs:seriesLine>
+  <cs:title>
+    <cs:lnRef idx="0"/>
+    <cs:fillRef idx="0"/>
+    <cs:effectRef idx="0"/>
+    <cs:fontRef idx="minor">
+      <a:schemeClr val="tx1">
+        <a:lumMod val="65000"/>
+        <a:lumOff val="35000"/>
+      </a:schemeClr>
+    </cs:fontRef>
+    <cs:defRPr sz="1862" b="0" kern="1200" spc="0" baseline="0"/>
+  </cs:title>
+  <cs:trendline>
+    <cs:lnRef idx="0">
+      <cs:styleClr val="auto"/>
+    </cs:lnRef>
+    <cs:fillRef idx="0"/>
+    <cs:effectRef idx="0"/>
+    <cs:fontRef idx="minor">
+      <a:schemeClr val="tx1"/>
+    </cs:fontRef>
+    <cs:spPr>
+      <a:ln w="19050" cap="rnd">
+        <a:solidFill>
+          <a:schemeClr val="phClr"/>
+        </a:solidFill>
+        <a:prstDash val="sysDot"/>
+      </a:ln>
+    </cs:spPr>
+  </cs:trendline>
+  <cs:trendlineLabel>
+    <cs:lnRef idx="0"/>
+    <cs:fillRef idx="0"/>
+    <cs:effectRef idx="0"/>
+    <cs:fontRef idx="minor">
+      <a:schemeClr val="tx1">
+        <a:lumMod val="65000"/>
+        <a:lumOff val="35000"/>
+      </a:schemeClr>
+    </cs:fontRef>
+    <cs:defRPr sz="1197" kern="1200"/>
+  </cs:trendlineLabel>
+  <cs:upBar>
+    <cs:lnRef idx="0"/>
+    <cs:fillRef idx="0"/>
+    <cs:effectRef idx="0"/>
+    <cs:fontRef idx="minor">
+      <a:schemeClr val="dk1"/>
+    </cs:fontRef>
+    <cs:spPr>
+      <a:solidFill>
+        <a:schemeClr val="lt1"/>
+      </a:solidFill>
+      <a:ln w="9525">
+        <a:solidFill>
+          <a:schemeClr val="tx1">
+            <a:lumMod val="15000"/>
+            <a:lumOff val="85000"/>
+          </a:schemeClr>
+        </a:solidFill>
+      </a:ln>
+    </cs:spPr>
+  </cs:upBar>
+  <cs:valueAxis>
+    <cs:lnRef idx="0"/>
+    <cs:fillRef idx="0"/>
+    <cs:effectRef idx="0"/>
+    <cs:fontRef idx="minor">
+      <a:schemeClr val="tx1">
+        <a:lumMod val="65000"/>
+        <a:lumOff val="35000"/>
+      </a:schemeClr>
+    </cs:fontRef>
+    <cs:defRPr sz="1197" kern="1200"/>
+  </cs:valueAxis>
+  <cs:wall>
+    <cs:lnRef idx="0"/>
+    <cs:fillRef idx="0"/>
+    <cs:effectRef idx="0"/>
+    <cs:fontRef idx="minor">
+      <a:schemeClr val="tx1"/>
+    </cs:fontRef>
+    <cs:spPr>
+      <a:noFill/>
+      <a:ln>
+        <a:noFill/>
+      </a:ln>
+    </cs:spPr>
+  </cs:wall>
+</cs:chartStyle>
 </file>
 
 <file path=ppt/notesMasters/notesMaster1.xml><?xml version="1.0" encoding="utf-8"?>
@@ -209,7 +3009,7 @@
           <a:p>
             <a:fld id="{921DB55A-F66E-884C-A409-CC81ACA880E7}" type="datetimeFigureOut">
               <a:rPr lang="en-US" smtClean="0"/>
-              <a:t>11/22/16</a:t>
+              <a:t>11/26/16</a:t>
             </a:fld>
             <a:endParaRPr lang="en-US"/>
           </a:p>
@@ -765,7 +3565,7 @@
             <a:fld id="{B61BEF0D-F0BB-DE4B-95CE-6DB70DBA9567}" type="datetimeFigureOut">
               <a:rPr lang="en-US" dirty="0"/>
               <a:pPr/>
-              <a:t>11/22/16</a:t>
+              <a:t>11/26/16</a:t>
             </a:fld>
             <a:endParaRPr lang="en-US" dirty="0"/>
           </a:p>
@@ -1100,7 +3900,7 @@
             <a:fld id="{B61BEF0D-F0BB-DE4B-95CE-6DB70DBA9567}" type="datetimeFigureOut">
               <a:rPr lang="en-US" dirty="0"/>
               <a:pPr/>
-              <a:t>11/22/16</a:t>
+              <a:t>11/26/16</a:t>
             </a:fld>
             <a:endParaRPr lang="en-US" dirty="0"/>
           </a:p>
@@ -1498,7 +4298,7 @@
             <a:fld id="{B61BEF0D-F0BB-DE4B-95CE-6DB70DBA9567}" type="datetimeFigureOut">
               <a:rPr lang="en-US" dirty="0"/>
               <a:pPr/>
-              <a:t>11/22/16</a:t>
+              <a:t>11/26/16</a:t>
             </a:fld>
             <a:endParaRPr lang="en-US" dirty="0"/>
           </a:p>
@@ -1831,7 +4631,7 @@
             <a:fld id="{B61BEF0D-F0BB-DE4B-95CE-6DB70DBA9567}" type="datetimeFigureOut">
               <a:rPr lang="en-US" dirty="0"/>
               <a:pPr/>
-              <a:t>11/22/16</a:t>
+              <a:t>11/26/16</a:t>
             </a:fld>
             <a:endParaRPr lang="en-US" dirty="0"/>
           </a:p>
@@ -2148,7 +4948,7 @@
             <a:fld id="{B61BEF0D-F0BB-DE4B-95CE-6DB70DBA9567}" type="datetimeFigureOut">
               <a:rPr lang="en-US" dirty="0"/>
               <a:pPr/>
-              <a:t>11/22/16</a:t>
+              <a:t>11/26/16</a:t>
             </a:fld>
             <a:endParaRPr lang="en-US" dirty="0"/>
           </a:p>
@@ -2541,7 +5341,7 @@
             <a:fld id="{B61BEF0D-F0BB-DE4B-95CE-6DB70DBA9567}" type="datetimeFigureOut">
               <a:rPr lang="en-US" dirty="0"/>
               <a:pPr/>
-              <a:t>11/22/16</a:t>
+              <a:t>11/26/16</a:t>
             </a:fld>
             <a:endParaRPr lang="en-US" dirty="0"/>
           </a:p>
@@ -2795,7 +5595,7 @@
             <a:fld id="{B61BEF0D-F0BB-DE4B-95CE-6DB70DBA9567}" type="datetimeFigureOut">
               <a:rPr lang="en-US" dirty="0"/>
               <a:pPr/>
-              <a:t>11/22/16</a:t>
+              <a:t>11/26/16</a:t>
             </a:fld>
             <a:endParaRPr lang="en-US" dirty="0"/>
           </a:p>
@@ -3054,7 +5854,7 @@
             <a:fld id="{B61BEF0D-F0BB-DE4B-95CE-6DB70DBA9567}" type="datetimeFigureOut">
               <a:rPr lang="en-US" dirty="0"/>
               <a:pPr/>
-              <a:t>11/22/16</a:t>
+              <a:t>11/26/16</a:t>
             </a:fld>
             <a:endParaRPr lang="en-US" dirty="0"/>
           </a:p>
@@ -3313,7 +6113,7 @@
             <a:fld id="{B61BEF0D-F0BB-DE4B-95CE-6DB70DBA9567}" type="datetimeFigureOut">
               <a:rPr lang="en-US" dirty="0"/>
               <a:pPr/>
-              <a:t>11/22/16</a:t>
+              <a:t>11/26/16</a:t>
             </a:fld>
             <a:endParaRPr lang="en-US" dirty="0"/>
           </a:p>
@@ -3639,7 +6439,7 @@
             <a:fld id="{B61BEF0D-F0BB-DE4B-95CE-6DB70DBA9567}" type="datetimeFigureOut">
               <a:rPr lang="en-US" dirty="0"/>
               <a:pPr/>
-              <a:t>11/22/16</a:t>
+              <a:t>11/26/16</a:t>
             </a:fld>
             <a:endParaRPr lang="en-US" dirty="0"/>
           </a:p>
@@ -3959,7 +6759,7 @@
             <a:fld id="{B61BEF0D-F0BB-DE4B-95CE-6DB70DBA9567}" type="datetimeFigureOut">
               <a:rPr lang="en-US" dirty="0"/>
               <a:pPr/>
-              <a:t>11/22/16</a:t>
+              <a:t>11/26/16</a:t>
             </a:fld>
             <a:endParaRPr lang="en-US" dirty="0"/>
           </a:p>
@@ -4413,7 +7213,7 @@
             <a:fld id="{B61BEF0D-F0BB-DE4B-95CE-6DB70DBA9567}" type="datetimeFigureOut">
               <a:rPr lang="en-US" dirty="0"/>
               <a:pPr/>
-              <a:t>11/22/16</a:t>
+              <a:t>11/26/16</a:t>
             </a:fld>
             <a:endParaRPr lang="en-US" dirty="0"/>
           </a:p>
@@ -4615,7 +7415,7 @@
             <a:fld id="{B61BEF0D-F0BB-DE4B-95CE-6DB70DBA9567}" type="datetimeFigureOut">
               <a:rPr lang="en-US" dirty="0"/>
               <a:pPr/>
-              <a:t>11/22/16</a:t>
+              <a:t>11/26/16</a:t>
             </a:fld>
             <a:endParaRPr lang="en-US" dirty="0"/>
           </a:p>
@@ -4789,7 +7589,7 @@
             <a:fld id="{B61BEF0D-F0BB-DE4B-95CE-6DB70DBA9567}" type="datetimeFigureOut">
               <a:rPr lang="en-US" dirty="0"/>
               <a:pPr/>
-              <a:t>11/22/16</a:t>
+              <a:t>11/26/16</a:t>
             </a:fld>
             <a:endParaRPr lang="en-US" dirty="0"/>
           </a:p>
@@ -5119,7 +7919,7 @@
             <a:fld id="{B61BEF0D-F0BB-DE4B-95CE-6DB70DBA9567}" type="datetimeFigureOut">
               <a:rPr lang="en-US" dirty="0"/>
               <a:pPr/>
-              <a:t>11/22/16</a:t>
+              <a:t>11/26/16</a:t>
             </a:fld>
             <a:endParaRPr lang="en-US" dirty="0"/>
           </a:p>
@@ -5461,7 +8261,7 @@
             <a:fld id="{B61BEF0D-F0BB-DE4B-95CE-6DB70DBA9567}" type="datetimeFigureOut">
               <a:rPr lang="en-US" dirty="0"/>
               <a:pPr/>
-              <a:t>11/22/16</a:t>
+              <a:t>11/26/16</a:t>
             </a:fld>
             <a:endParaRPr lang="en-US" dirty="0"/>
           </a:p>
@@ -7575,7 +10375,7 @@
             <a:fld id="{B61BEF0D-F0BB-DE4B-95CE-6DB70DBA9567}" type="datetimeFigureOut">
               <a:rPr lang="en-US" dirty="0"/>
               <a:pPr/>
-              <a:t>11/22/16</a:t>
+              <a:t>11/26/16</a:t>
             </a:fld>
             <a:endParaRPr lang="en-US" dirty="0"/>
           </a:p>
@@ -8116,7 +10916,6 @@
               <a:rPr lang="en-US" sz="4400" dirty="0"/>
               <a:t>Hand-written Digits Classification and Letter Recognition</a:t>
             </a:r>
-            <a:endParaRPr lang="en-US" sz="4400" dirty="0"/>
           </a:p>
         </p:txBody>
       </p:sp>
@@ -8438,43 +11237,43 @@
       </p:grpSpPr>
       <p:sp>
         <p:nvSpPr>
-          <p:cNvPr id="2" name="Title 1"/>
+          <p:cNvPr id="4" name="Title 3"/>
           <p:cNvSpPr>
             <a:spLocks noGrp="1"/>
           </p:cNvSpPr>
           <p:nvPr>
-            <p:ph type="title"/>
+            <p:ph type="ctrTitle"/>
           </p:nvPr>
         </p:nvSpPr>
         <p:spPr/>
         <p:txBody>
-          <a:bodyPr>
-            <a:normAutofit/>
-          </a:bodyPr>
+          <a:bodyPr/>
           <a:lstStyle/>
           <a:p>
-            <a:endParaRPr lang="en-US" sz="4400" dirty="0"/>
+            <a:r>
+              <a:rPr lang="en-US" dirty="0" smtClean="0"/>
+              <a:t>Test result analysis</a:t>
+            </a:r>
+            <a:endParaRPr lang="en-US" dirty="0"/>
           </a:p>
         </p:txBody>
       </p:sp>
       <p:sp>
         <p:nvSpPr>
-          <p:cNvPr id="3" name="Content Placeholder 2"/>
+          <p:cNvPr id="5" name="Subtitle 4"/>
           <p:cNvSpPr>
             <a:spLocks noGrp="1"/>
           </p:cNvSpPr>
           <p:nvPr>
-            <p:ph idx="1"/>
+            <p:ph type="subTitle" idx="1"/>
           </p:nvPr>
         </p:nvSpPr>
         <p:spPr/>
         <p:txBody>
-          <a:bodyPr>
-            <a:normAutofit/>
-          </a:bodyPr>
+          <a:bodyPr/>
           <a:lstStyle/>
           <a:p>
-            <a:endParaRPr lang="en-US" sz="2800" dirty="0"/>
+            <a:endParaRPr lang="en-US"/>
           </a:p>
         </p:txBody>
       </p:sp>
@@ -8532,6 +11331,10 @@
           </a:bodyPr>
           <a:lstStyle/>
           <a:p>
+            <a:r>
+              <a:rPr lang="en-US" sz="4400" dirty="0" smtClean="0"/>
+              <a:t>Multilayer Perceptron</a:t>
+            </a:r>
             <a:endParaRPr lang="en-US" sz="4400" dirty="0"/>
           </a:p>
         </p:txBody>
@@ -8552,6 +11355,300 @@
             <a:normAutofit/>
           </a:bodyPr>
           <a:lstStyle/>
+          <a:p>
+            <a:r>
+              <a:rPr lang="en-US" sz="2800" dirty="0" smtClean="0"/>
+              <a:t>-L 0.3 </a:t>
+            </a:r>
+            <a:r>
+              <a:rPr lang="mr-IN" sz="2800" dirty="0" smtClean="0"/>
+              <a:t>-</a:t>
+            </a:r>
+            <a:r>
+              <a:rPr lang="en-US" sz="2800" dirty="0" smtClean="0"/>
+              <a:t>M 0.2 </a:t>
+            </a:r>
+            <a:r>
+              <a:rPr lang="mr-IN" sz="2800" dirty="0" smtClean="0"/>
+              <a:t>-</a:t>
+            </a:r>
+            <a:r>
+              <a:rPr lang="en-US" sz="2800" dirty="0" smtClean="0"/>
+              <a:t>N 500 </a:t>
+            </a:r>
+            <a:r>
+              <a:rPr lang="mr-IN" sz="2800" dirty="0" smtClean="0"/>
+              <a:t>-</a:t>
+            </a:r>
+            <a:r>
+              <a:rPr lang="en-US" sz="2800" dirty="0" smtClean="0"/>
+              <a:t>V 0 </a:t>
+            </a:r>
+            <a:r>
+              <a:rPr lang="mr-IN" sz="2800" dirty="0" smtClean="0"/>
+              <a:t>-</a:t>
+            </a:r>
+            <a:r>
+              <a:rPr lang="en-US" sz="2800" dirty="0" smtClean="0"/>
+              <a:t>S 0 </a:t>
+            </a:r>
+            <a:r>
+              <a:rPr lang="mr-IN" sz="2800" dirty="0" smtClean="0"/>
+              <a:t>-</a:t>
+            </a:r>
+            <a:r>
+              <a:rPr lang="en-US" sz="2800" dirty="0" smtClean="0"/>
+              <a:t>E 20 </a:t>
+            </a:r>
+            <a:r>
+              <a:rPr lang="mr-IN" sz="2800" dirty="0" smtClean="0"/>
+              <a:t>-</a:t>
+            </a:r>
+            <a:r>
+              <a:rPr lang="en-US" sz="2800" dirty="0" smtClean="0"/>
+              <a:t>H a</a:t>
+            </a:r>
+          </a:p>
+          <a:p>
+            <a:r>
+              <a:rPr lang="en-US" sz="2800" dirty="0"/>
+              <a:t>-L </a:t>
+            </a:r>
+            <a:r>
+              <a:rPr lang="en-US" sz="2800" dirty="0" smtClean="0"/>
+              <a:t>0.6 </a:t>
+            </a:r>
+            <a:r>
+              <a:rPr lang="mr-IN" sz="2800" dirty="0"/>
+              <a:t>-</a:t>
+            </a:r>
+            <a:r>
+              <a:rPr lang="en-US" sz="2800" dirty="0"/>
+              <a:t>M 0.2 </a:t>
+            </a:r>
+            <a:r>
+              <a:rPr lang="mr-IN" sz="2800" dirty="0"/>
+              <a:t>-</a:t>
+            </a:r>
+            <a:r>
+              <a:rPr lang="en-US" sz="2800" dirty="0"/>
+              <a:t>N 500 </a:t>
+            </a:r>
+            <a:r>
+              <a:rPr lang="mr-IN" sz="2800" dirty="0"/>
+              <a:t>-</a:t>
+            </a:r>
+            <a:r>
+              <a:rPr lang="en-US" sz="2800" dirty="0"/>
+              <a:t>V 0 </a:t>
+            </a:r>
+            <a:r>
+              <a:rPr lang="mr-IN" sz="2800" dirty="0"/>
+              <a:t>-</a:t>
+            </a:r>
+            <a:r>
+              <a:rPr lang="en-US" sz="2800" dirty="0"/>
+              <a:t>S 0 </a:t>
+            </a:r>
+            <a:r>
+              <a:rPr lang="mr-IN" sz="2800" dirty="0"/>
+              <a:t>-</a:t>
+            </a:r>
+            <a:r>
+              <a:rPr lang="en-US" sz="2800" dirty="0"/>
+              <a:t>E 20 </a:t>
+            </a:r>
+            <a:r>
+              <a:rPr lang="mr-IN" sz="2800" dirty="0"/>
+              <a:t>-</a:t>
+            </a:r>
+            <a:r>
+              <a:rPr lang="en-US" sz="2800" dirty="0"/>
+              <a:t>H a</a:t>
+            </a:r>
+          </a:p>
+          <a:p>
+            <a:r>
+              <a:rPr lang="en-US" sz="2800" dirty="0"/>
+              <a:t>-L 0.3 </a:t>
+            </a:r>
+            <a:r>
+              <a:rPr lang="mr-IN" sz="2800" dirty="0"/>
+              <a:t>-</a:t>
+            </a:r>
+            <a:r>
+              <a:rPr lang="en-US" sz="2800" dirty="0"/>
+              <a:t>M 0.2 </a:t>
+            </a:r>
+            <a:r>
+              <a:rPr lang="mr-IN" sz="2800" dirty="0"/>
+              <a:t>-</a:t>
+            </a:r>
+            <a:r>
+              <a:rPr lang="en-US" sz="2800" dirty="0"/>
+              <a:t>N </a:t>
+            </a:r>
+            <a:r>
+              <a:rPr lang="en-US" sz="2800" dirty="0" smtClean="0"/>
+              <a:t>200 </a:t>
+            </a:r>
+            <a:r>
+              <a:rPr lang="mr-IN" sz="2800" dirty="0"/>
+              <a:t>-</a:t>
+            </a:r>
+            <a:r>
+              <a:rPr lang="en-US" sz="2800" dirty="0"/>
+              <a:t>V 0 </a:t>
+            </a:r>
+            <a:r>
+              <a:rPr lang="mr-IN" sz="2800" dirty="0"/>
+              <a:t>-</a:t>
+            </a:r>
+            <a:r>
+              <a:rPr lang="en-US" sz="2800" dirty="0"/>
+              <a:t>S 0 </a:t>
+            </a:r>
+            <a:r>
+              <a:rPr lang="mr-IN" sz="2800" dirty="0"/>
+              <a:t>-</a:t>
+            </a:r>
+            <a:r>
+              <a:rPr lang="en-US" sz="2800" dirty="0"/>
+              <a:t>E 20 </a:t>
+            </a:r>
+            <a:r>
+              <a:rPr lang="mr-IN" sz="2800" dirty="0"/>
+              <a:t>-</a:t>
+            </a:r>
+            <a:r>
+              <a:rPr lang="en-US" sz="2800" dirty="0"/>
+              <a:t>H a</a:t>
+            </a:r>
+          </a:p>
+          <a:p>
+            <a:r>
+              <a:rPr lang="en-US" sz="2800" dirty="0"/>
+              <a:t>-L 0.3 </a:t>
+            </a:r>
+            <a:r>
+              <a:rPr lang="mr-IN" sz="2800" dirty="0"/>
+              <a:t>-</a:t>
+            </a:r>
+            <a:r>
+              <a:rPr lang="en-US" sz="2800" dirty="0"/>
+              <a:t>M 0.2 </a:t>
+            </a:r>
+            <a:r>
+              <a:rPr lang="mr-IN" sz="2800" dirty="0"/>
+              <a:t>-</a:t>
+            </a:r>
+            <a:r>
+              <a:rPr lang="en-US" sz="2800" dirty="0"/>
+              <a:t>N </a:t>
+            </a:r>
+            <a:r>
+              <a:rPr lang="en-US" sz="2800" dirty="0" smtClean="0"/>
+              <a:t>500 </a:t>
+            </a:r>
+            <a:r>
+              <a:rPr lang="mr-IN" sz="2800" dirty="0"/>
+              <a:t>-</a:t>
+            </a:r>
+            <a:r>
+              <a:rPr lang="en-US" sz="2800" dirty="0"/>
+              <a:t>V 0 </a:t>
+            </a:r>
+            <a:r>
+              <a:rPr lang="mr-IN" sz="2800" dirty="0"/>
+              <a:t>-</a:t>
+            </a:r>
+            <a:r>
+              <a:rPr lang="en-US" sz="2800" dirty="0"/>
+              <a:t>S 0 </a:t>
+            </a:r>
+            <a:r>
+              <a:rPr lang="mr-IN" sz="2800" dirty="0"/>
+              <a:t>-</a:t>
+            </a:r>
+            <a:r>
+              <a:rPr lang="en-US" sz="2800" dirty="0"/>
+              <a:t>E </a:t>
+            </a:r>
+            <a:r>
+              <a:rPr lang="en-US" sz="2800" dirty="0" smtClean="0"/>
+              <a:t>10 </a:t>
+            </a:r>
+            <a:r>
+              <a:rPr lang="mr-IN" sz="2800" dirty="0"/>
+              <a:t>-</a:t>
+            </a:r>
+            <a:r>
+              <a:rPr lang="en-US" sz="2800" dirty="0"/>
+              <a:t>H a</a:t>
+            </a:r>
+          </a:p>
+          <a:p>
+            <a:r>
+              <a:rPr lang="en-US" sz="2800" dirty="0"/>
+              <a:t>-L 0.3 </a:t>
+            </a:r>
+            <a:r>
+              <a:rPr lang="mr-IN" sz="2800" dirty="0"/>
+              <a:t>-</a:t>
+            </a:r>
+            <a:r>
+              <a:rPr lang="en-US" sz="2800" dirty="0"/>
+              <a:t>M 0.2 </a:t>
+            </a:r>
+            <a:r>
+              <a:rPr lang="mr-IN" sz="2800" dirty="0"/>
+              <a:t>-</a:t>
+            </a:r>
+            <a:r>
+              <a:rPr lang="en-US" sz="2800" dirty="0"/>
+              <a:t>N </a:t>
+            </a:r>
+            <a:r>
+              <a:rPr lang="en-US" sz="2800" dirty="0" smtClean="0"/>
+              <a:t>500 </a:t>
+            </a:r>
+            <a:r>
+              <a:rPr lang="mr-IN" sz="2800" dirty="0"/>
+              <a:t>-</a:t>
+            </a:r>
+            <a:r>
+              <a:rPr lang="en-US" sz="2800" dirty="0"/>
+              <a:t>V 0 </a:t>
+            </a:r>
+            <a:r>
+              <a:rPr lang="mr-IN" sz="2800" dirty="0"/>
+              <a:t>-</a:t>
+            </a:r>
+            <a:r>
+              <a:rPr lang="en-US" sz="2800" dirty="0"/>
+              <a:t>S 0 </a:t>
+            </a:r>
+            <a:r>
+              <a:rPr lang="mr-IN" sz="2800" dirty="0"/>
+              <a:t>-</a:t>
+            </a:r>
+            <a:r>
+              <a:rPr lang="en-US" sz="2800" dirty="0"/>
+              <a:t>E </a:t>
+            </a:r>
+            <a:r>
+              <a:rPr lang="en-US" sz="2800" dirty="0" smtClean="0"/>
+              <a:t>30 </a:t>
+            </a:r>
+            <a:r>
+              <a:rPr lang="mr-IN" sz="2800" dirty="0"/>
+              <a:t>-</a:t>
+            </a:r>
+            <a:r>
+              <a:rPr lang="en-US" sz="2800" dirty="0"/>
+              <a:t>H a</a:t>
+            </a:r>
+          </a:p>
           <a:p>
             <a:endParaRPr lang="en-US" sz="2800" dirty="0"/>
           </a:p>
@@ -8607,35 +11704,55 @@
         <p:spPr/>
         <p:txBody>
           <a:bodyPr>
-            <a:normAutofit/>
+            <a:normAutofit fontScale="90000"/>
           </a:bodyPr>
           <a:lstStyle/>
           <a:p>
+            <a:r>
+              <a:rPr lang="en-US" sz="4400" dirty="0"/>
+              <a:t>Test Results </a:t>
+            </a:r>
+            <a:r>
+              <a:rPr lang="en-US" sz="4400" dirty="0" smtClean="0"/>
+              <a:t>w/ </a:t>
+            </a:r>
+            <a:r>
+              <a:rPr lang="en-US" sz="4400" dirty="0"/>
+              <a:t>Different </a:t>
+            </a:r>
+            <a:r>
+              <a:rPr lang="en-US" sz="4400" dirty="0" smtClean="0"/>
+              <a:t>Parameters</a:t>
+            </a:r>
             <a:endParaRPr lang="en-US" sz="4400" dirty="0"/>
           </a:p>
         </p:txBody>
       </p:sp>
-      <p:sp>
-        <p:nvSpPr>
-          <p:cNvPr id="3" name="Content Placeholder 2"/>
-          <p:cNvSpPr>
-            <a:spLocks noGrp="1"/>
-          </p:cNvSpPr>
+      <p:graphicFrame>
+        <p:nvGraphicFramePr>
+          <p:cNvPr id="4" name="Content Placeholder 3"/>
+          <p:cNvGraphicFramePr>
+            <a:graphicFrameLocks noGrp="1"/>
+          </p:cNvGraphicFramePr>
           <p:nvPr>
             <p:ph idx="1"/>
+            <p:extLst>
+              <p:ext uri="{D42A27DB-BD31-4B8C-83A1-F6EECF244321}">
+                <p14:modId xmlns:p14="http://schemas.microsoft.com/office/powerpoint/2010/main" val="1918265136"/>
+              </p:ext>
+            </p:extLst>
           </p:nvPr>
-        </p:nvSpPr>
-        <p:spPr/>
-        <p:txBody>
-          <a:bodyPr>
-            <a:normAutofit/>
-          </a:bodyPr>
-          <a:lstStyle/>
-          <a:p>
-            <a:endParaRPr lang="en-US" sz="2800" dirty="0"/>
-          </a:p>
-        </p:txBody>
-      </p:sp>
+        </p:nvGraphicFramePr>
+        <p:xfrm>
+          <a:off x="2589213" y="2133600"/>
+          <a:ext cx="8915400" cy="3778250"/>
+        </p:xfrm>
+        <a:graphic>
+          <a:graphicData uri="http://schemas.openxmlformats.org/drawingml/2006/chart">
+            <c:chart xmlns:c="http://schemas.openxmlformats.org/drawingml/2006/chart" xmlns:r="http://schemas.openxmlformats.org/officeDocument/2006/relationships" r:id="rId2"/>
+          </a:graphicData>
+        </a:graphic>
+      </p:graphicFrame>
     </p:spTree>
     <p:extLst>
       <p:ext uri="{BB962C8B-B14F-4D97-AF65-F5344CB8AC3E}">
@@ -8690,31 +11807,525 @@
           </a:bodyPr>
           <a:lstStyle/>
           <a:p>
+            <a:r>
+              <a:rPr lang="en-US" sz="4400" dirty="0" smtClean="0"/>
+              <a:t>Least Correct Class</a:t>
+            </a:r>
             <a:endParaRPr lang="en-US" sz="4400" dirty="0"/>
           </a:p>
         </p:txBody>
       </p:sp>
-      <p:sp>
-        <p:nvSpPr>
-          <p:cNvPr id="3" name="Content Placeholder 2"/>
-          <p:cNvSpPr>
-            <a:spLocks noGrp="1"/>
-          </p:cNvSpPr>
+      <p:graphicFrame>
+        <p:nvGraphicFramePr>
+          <p:cNvPr id="4" name="Content Placeholder 3"/>
+          <p:cNvGraphicFramePr>
+            <a:graphicFrameLocks noGrp="1"/>
+          </p:cNvGraphicFramePr>
           <p:nvPr>
             <p:ph idx="1"/>
+            <p:extLst>
+              <p:ext uri="{D42A27DB-BD31-4B8C-83A1-F6EECF244321}">
+                <p14:modId xmlns:p14="http://schemas.microsoft.com/office/powerpoint/2010/main" val="2071942186"/>
+              </p:ext>
+            </p:extLst>
           </p:nvPr>
-        </p:nvSpPr>
-        <p:spPr/>
-        <p:txBody>
-          <a:bodyPr>
-            <a:normAutofit/>
-          </a:bodyPr>
-          <a:lstStyle/>
-          <a:p>
-            <a:endParaRPr lang="en-US" sz="2800" dirty="0"/>
-          </a:p>
-        </p:txBody>
-      </p:sp>
+        </p:nvGraphicFramePr>
+        <p:xfrm>
+          <a:off x="2589213" y="2133600"/>
+          <a:ext cx="8915400" cy="3708400"/>
+        </p:xfrm>
+        <a:graphic>
+          <a:graphicData uri="http://schemas.openxmlformats.org/drawingml/2006/table">
+            <a:tbl>
+              <a:tblPr firstRow="1" bandRow="1">
+                <a:tableStyleId>{5C22544A-7EE6-4342-B048-85BDC9FD1C3A}</a:tableStyleId>
+              </a:tblPr>
+              <a:tblGrid>
+                <a:gridCol w="2971800"/>
+                <a:gridCol w="2971800"/>
+                <a:gridCol w="2971800"/>
+              </a:tblGrid>
+              <a:tr h="370840">
+                <a:tc>
+                  <a:txBody>
+                    <a:bodyPr/>
+                    <a:lstStyle/>
+                    <a:p>
+                      <a:r>
+                        <a:rPr lang="en-US" dirty="0" smtClean="0"/>
+                        <a:t>Parameters</a:t>
+                      </a:r>
+                      <a:endParaRPr lang="en-US" dirty="0"/>
+                    </a:p>
+                  </a:txBody>
+                  <a:tcPr/>
+                </a:tc>
+                <a:tc>
+                  <a:txBody>
+                    <a:bodyPr/>
+                    <a:lstStyle/>
+                    <a:p>
+                      <a:r>
+                        <a:rPr lang="en-US" dirty="0" smtClean="0"/>
+                        <a:t>Class</a:t>
+                      </a:r>
+                      <a:r>
+                        <a:rPr lang="en-US" baseline="0" dirty="0" smtClean="0"/>
+                        <a:t> (character)</a:t>
+                      </a:r>
+                      <a:endParaRPr lang="en-US" dirty="0"/>
+                    </a:p>
+                  </a:txBody>
+                  <a:tcPr/>
+                </a:tc>
+                <a:tc>
+                  <a:txBody>
+                    <a:bodyPr/>
+                    <a:lstStyle/>
+                    <a:p>
+                      <a:r>
+                        <a:rPr lang="en-US" dirty="0" smtClean="0"/>
+                        <a:t>Correctness</a:t>
+                      </a:r>
+                      <a:endParaRPr lang="en-US" dirty="0"/>
+                    </a:p>
+                  </a:txBody>
+                  <a:tcPr/>
+                </a:tc>
+              </a:tr>
+              <a:tr h="370840">
+                <a:tc rowSpan="3">
+                  <a:txBody>
+                    <a:bodyPr/>
+                    <a:lstStyle/>
+                    <a:p>
+                      <a:pPr algn="ctr"/>
+                      <a:r>
+                        <a:rPr lang="en-US" dirty="0" smtClean="0"/>
+                        <a:t>Default</a:t>
+                      </a:r>
+                      <a:endParaRPr lang="en-US" dirty="0"/>
+                    </a:p>
+                  </a:txBody>
+                  <a:tcPr anchor="ctr"/>
+                </a:tc>
+                <a:tc>
+                  <a:txBody>
+                    <a:bodyPr/>
+                    <a:lstStyle/>
+                    <a:p>
+                      <a:pPr algn="ctr"/>
+                      <a:r>
+                        <a:rPr lang="en-US" dirty="0" smtClean="0"/>
+                        <a:t>G</a:t>
+                      </a:r>
+                      <a:endParaRPr lang="en-US" dirty="0"/>
+                    </a:p>
+                  </a:txBody>
+                  <a:tcPr anchor="ctr"/>
+                </a:tc>
+                <a:tc>
+                  <a:txBody>
+                    <a:bodyPr/>
+                    <a:lstStyle/>
+                    <a:p>
+                      <a:pPr algn="ctr"/>
+                      <a:r>
+                        <a:rPr lang="en-US" dirty="0" smtClean="0"/>
+                        <a:t>69%</a:t>
+                      </a:r>
+                      <a:endParaRPr lang="en-US" dirty="0"/>
+                    </a:p>
+                  </a:txBody>
+                  <a:tcPr anchor="ctr"/>
+                </a:tc>
+              </a:tr>
+              <a:tr h="370840">
+                <a:tc vMerge="1">
+                  <a:txBody>
+                    <a:bodyPr/>
+                    <a:lstStyle/>
+                    <a:p>
+                      <a:pPr algn="ctr"/>
+                      <a:endParaRPr lang="en-US" dirty="0"/>
+                    </a:p>
+                  </a:txBody>
+                  <a:tcPr anchor="ctr"/>
+                </a:tc>
+                <a:tc>
+                  <a:txBody>
+                    <a:bodyPr/>
+                    <a:lstStyle/>
+                    <a:p>
+                      <a:pPr algn="ctr"/>
+                      <a:r>
+                        <a:rPr lang="en-US" dirty="0" smtClean="0"/>
+                        <a:t>H</a:t>
+                      </a:r>
+                      <a:endParaRPr lang="en-US" dirty="0"/>
+                    </a:p>
+                  </a:txBody>
+                  <a:tcPr anchor="ctr"/>
+                </a:tc>
+                <a:tc>
+                  <a:txBody>
+                    <a:bodyPr/>
+                    <a:lstStyle/>
+                    <a:p>
+                      <a:pPr algn="ctr"/>
+                      <a:r>
+                        <a:rPr lang="en-US" dirty="0" smtClean="0"/>
+                        <a:t>64.4%</a:t>
+                      </a:r>
+                      <a:endParaRPr lang="en-US" dirty="0"/>
+                    </a:p>
+                  </a:txBody>
+                  <a:tcPr anchor="ctr"/>
+                </a:tc>
+              </a:tr>
+              <a:tr h="370840">
+                <a:tc vMerge="1">
+                  <a:txBody>
+                    <a:bodyPr/>
+                    <a:lstStyle/>
+                    <a:p>
+                      <a:pPr algn="ctr"/>
+                      <a:endParaRPr lang="en-US" dirty="0"/>
+                    </a:p>
+                  </a:txBody>
+                  <a:tcPr anchor="ctr"/>
+                </a:tc>
+                <a:tc>
+                  <a:txBody>
+                    <a:bodyPr/>
+                    <a:lstStyle/>
+                    <a:p>
+                      <a:pPr algn="ctr"/>
+                      <a:r>
+                        <a:rPr lang="en-US" dirty="0" smtClean="0"/>
+                        <a:t>S</a:t>
+                      </a:r>
+                      <a:endParaRPr lang="en-US" dirty="0"/>
+                    </a:p>
+                  </a:txBody>
+                  <a:tcPr anchor="ctr"/>
+                </a:tc>
+                <a:tc>
+                  <a:txBody>
+                    <a:bodyPr/>
+                    <a:lstStyle/>
+                    <a:p>
+                      <a:pPr algn="ctr"/>
+                      <a:r>
+                        <a:rPr lang="en-US" dirty="0" smtClean="0"/>
+                        <a:t>65%</a:t>
+                      </a:r>
+                      <a:endParaRPr lang="en-US" dirty="0"/>
+                    </a:p>
+                  </a:txBody>
+                  <a:tcPr anchor="ctr"/>
+                </a:tc>
+              </a:tr>
+              <a:tr h="370840">
+                <a:tc rowSpan="3">
+                  <a:txBody>
+                    <a:bodyPr/>
+                    <a:lstStyle/>
+                    <a:p>
+                      <a:pPr marL="0" marR="0" indent="0" algn="ctr" defTabSz="457200" rtl="0" eaLnBrk="1" fontAlgn="auto" latinLnBrk="0" hangingPunct="1">
+                        <a:lnSpc>
+                          <a:spcPct val="100000"/>
+                        </a:lnSpc>
+                        <a:spcBef>
+                          <a:spcPts val="0"/>
+                        </a:spcBef>
+                        <a:spcAft>
+                          <a:spcPts val="0"/>
+                        </a:spcAft>
+                        <a:buClrTx/>
+                        <a:buSzTx/>
+                        <a:buFontTx/>
+                        <a:buNone/>
+                        <a:tabLst/>
+                        <a:defRPr/>
+                      </a:pPr>
+                      <a:r>
+                        <a:rPr lang="en-US" dirty="0" smtClean="0"/>
+                        <a:t>L=0.6</a:t>
+                      </a:r>
+                    </a:p>
+                  </a:txBody>
+                  <a:tcPr anchor="ctr"/>
+                </a:tc>
+                <a:tc>
+                  <a:txBody>
+                    <a:bodyPr/>
+                    <a:lstStyle/>
+                    <a:p>
+                      <a:pPr algn="ctr"/>
+                      <a:r>
+                        <a:rPr lang="en-US" dirty="0" smtClean="0"/>
+                        <a:t>G</a:t>
+                      </a:r>
+                      <a:endParaRPr lang="en-US" dirty="0"/>
+                    </a:p>
+                  </a:txBody>
+                  <a:tcPr anchor="ctr"/>
+                </a:tc>
+                <a:tc>
+                  <a:txBody>
+                    <a:bodyPr/>
+                    <a:lstStyle/>
+                    <a:p>
+                      <a:pPr algn="ctr"/>
+                      <a:r>
+                        <a:rPr lang="en-US" dirty="0" smtClean="0"/>
+                        <a:t>68.2%</a:t>
+                      </a:r>
+                      <a:endParaRPr lang="en-US" dirty="0"/>
+                    </a:p>
+                  </a:txBody>
+                  <a:tcPr anchor="ctr"/>
+                </a:tc>
+              </a:tr>
+              <a:tr h="370840">
+                <a:tc vMerge="1">
+                  <a:txBody>
+                    <a:bodyPr/>
+                    <a:lstStyle/>
+                    <a:p>
+                      <a:pPr algn="ctr"/>
+                      <a:endParaRPr lang="en-US" dirty="0"/>
+                    </a:p>
+                  </a:txBody>
+                  <a:tcPr anchor="ctr"/>
+                </a:tc>
+                <a:tc>
+                  <a:txBody>
+                    <a:bodyPr/>
+                    <a:lstStyle/>
+                    <a:p>
+                      <a:pPr algn="ctr"/>
+                      <a:r>
+                        <a:rPr lang="en-US" dirty="0" smtClean="0"/>
+                        <a:t>H</a:t>
+                      </a:r>
+                      <a:endParaRPr lang="en-US" dirty="0"/>
+                    </a:p>
+                  </a:txBody>
+                  <a:tcPr anchor="ctr"/>
+                </a:tc>
+                <a:tc>
+                  <a:txBody>
+                    <a:bodyPr/>
+                    <a:lstStyle/>
+                    <a:p>
+                      <a:pPr algn="ctr"/>
+                      <a:r>
+                        <a:rPr lang="en-US" dirty="0" smtClean="0"/>
+                        <a:t>69.1%</a:t>
+                      </a:r>
+                      <a:endParaRPr lang="en-US" dirty="0"/>
+                    </a:p>
+                  </a:txBody>
+                  <a:tcPr anchor="ctr"/>
+                </a:tc>
+              </a:tr>
+              <a:tr h="370840">
+                <a:tc vMerge="1">
+                  <a:txBody>
+                    <a:bodyPr/>
+                    <a:lstStyle/>
+                    <a:p>
+                      <a:pPr algn="ctr"/>
+                      <a:endParaRPr lang="en-US" dirty="0"/>
+                    </a:p>
+                  </a:txBody>
+                  <a:tcPr anchor="ctr"/>
+                </a:tc>
+                <a:tc>
+                  <a:txBody>
+                    <a:bodyPr/>
+                    <a:lstStyle/>
+                    <a:p>
+                      <a:pPr algn="ctr"/>
+                      <a:r>
+                        <a:rPr lang="en-US" dirty="0" smtClean="0"/>
+                        <a:t>S</a:t>
+                      </a:r>
+                      <a:endParaRPr lang="en-US" dirty="0"/>
+                    </a:p>
+                  </a:txBody>
+                  <a:tcPr anchor="ctr"/>
+                </a:tc>
+                <a:tc>
+                  <a:txBody>
+                    <a:bodyPr/>
+                    <a:lstStyle/>
+                    <a:p>
+                      <a:pPr algn="ctr"/>
+                      <a:r>
+                        <a:rPr lang="en-US" dirty="0" smtClean="0"/>
+                        <a:t>64%</a:t>
+                      </a:r>
+                      <a:endParaRPr lang="en-US" dirty="0"/>
+                    </a:p>
+                  </a:txBody>
+                  <a:tcPr anchor="ctr"/>
+                </a:tc>
+              </a:tr>
+              <a:tr h="370840">
+                <a:tc rowSpan="3">
+                  <a:txBody>
+                    <a:bodyPr/>
+                    <a:lstStyle/>
+                    <a:p>
+                      <a:pPr marL="0" marR="0" indent="0" algn="ctr" defTabSz="457200" rtl="0" eaLnBrk="1" fontAlgn="auto" latinLnBrk="0" hangingPunct="1">
+                        <a:lnSpc>
+                          <a:spcPct val="100000"/>
+                        </a:lnSpc>
+                        <a:spcBef>
+                          <a:spcPts val="0"/>
+                        </a:spcBef>
+                        <a:spcAft>
+                          <a:spcPts val="0"/>
+                        </a:spcAft>
+                        <a:buClrTx/>
+                        <a:buSzTx/>
+                        <a:buFontTx/>
+                        <a:buNone/>
+                        <a:tabLst/>
+                        <a:defRPr/>
+                      </a:pPr>
+                      <a:r>
+                        <a:rPr lang="en-US" dirty="0" smtClean="0"/>
+                        <a:t>N=200</a:t>
+                      </a:r>
+                    </a:p>
+                  </a:txBody>
+                  <a:tcPr anchor="ctr"/>
+                </a:tc>
+                <a:tc>
+                  <a:txBody>
+                    <a:bodyPr/>
+                    <a:lstStyle/>
+                    <a:p>
+                      <a:pPr algn="ctr"/>
+                      <a:r>
+                        <a:rPr lang="en-US" dirty="0" smtClean="0"/>
+                        <a:t>G</a:t>
+                      </a:r>
+                      <a:endParaRPr lang="en-US" dirty="0"/>
+                    </a:p>
+                  </a:txBody>
+                  <a:tcPr anchor="ctr"/>
+                </a:tc>
+                <a:tc>
+                  <a:txBody>
+                    <a:bodyPr/>
+                    <a:lstStyle/>
+                    <a:p>
+                      <a:pPr algn="ctr"/>
+                      <a:r>
+                        <a:rPr lang="en-US" dirty="0" smtClean="0"/>
+                        <a:t>69.3%</a:t>
+                      </a:r>
+                      <a:endParaRPr lang="en-US" dirty="0"/>
+                    </a:p>
+                  </a:txBody>
+                  <a:tcPr anchor="ctr"/>
+                </a:tc>
+              </a:tr>
+              <a:tr h="370840">
+                <a:tc vMerge="1">
+                  <a:txBody>
+                    <a:bodyPr/>
+                    <a:lstStyle/>
+                    <a:p>
+                      <a:pPr algn="ctr"/>
+                      <a:endParaRPr lang="en-US" dirty="0"/>
+                    </a:p>
+                  </a:txBody>
+                  <a:tcPr anchor="ctr"/>
+                </a:tc>
+                <a:tc>
+                  <a:txBody>
+                    <a:bodyPr/>
+                    <a:lstStyle/>
+                    <a:p>
+                      <a:pPr algn="ctr"/>
+                      <a:r>
+                        <a:rPr lang="en-US" dirty="0" smtClean="0"/>
+                        <a:t>H</a:t>
+                      </a:r>
+                      <a:endParaRPr lang="en-US" dirty="0"/>
+                    </a:p>
+                  </a:txBody>
+                  <a:tcPr anchor="ctr"/>
+                </a:tc>
+                <a:tc>
+                  <a:txBody>
+                    <a:bodyPr/>
+                    <a:lstStyle/>
+                    <a:p>
+                      <a:pPr algn="ctr"/>
+                      <a:r>
+                        <a:rPr lang="en-US" dirty="0" smtClean="0"/>
+                        <a:t>65.1%</a:t>
+                      </a:r>
+                      <a:endParaRPr lang="en-US" dirty="0"/>
+                    </a:p>
+                  </a:txBody>
+                  <a:tcPr anchor="ctr"/>
+                </a:tc>
+              </a:tr>
+              <a:tr h="370840">
+                <a:tc vMerge="1">
+                  <a:txBody>
+                    <a:bodyPr/>
+                    <a:lstStyle/>
+                    <a:p>
+                      <a:pPr algn="ctr"/>
+                      <a:endParaRPr lang="en-US" dirty="0"/>
+                    </a:p>
+                  </a:txBody>
+                  <a:tcPr anchor="ctr"/>
+                </a:tc>
+                <a:tc>
+                  <a:txBody>
+                    <a:bodyPr/>
+                    <a:lstStyle/>
+                    <a:p>
+                      <a:pPr algn="ctr"/>
+                      <a:r>
+                        <a:rPr lang="en-US" dirty="0" smtClean="0"/>
+                        <a:t>S</a:t>
+                      </a:r>
+                      <a:endParaRPr lang="en-US" dirty="0"/>
+                    </a:p>
+                  </a:txBody>
+                  <a:tcPr anchor="ctr"/>
+                </a:tc>
+                <a:tc>
+                  <a:txBody>
+                    <a:bodyPr/>
+                    <a:lstStyle/>
+                    <a:p>
+                      <a:pPr algn="ctr"/>
+                      <a:r>
+                        <a:rPr lang="en-US" dirty="0" smtClean="0"/>
+                        <a:t>64.4%</a:t>
+                      </a:r>
+                      <a:endParaRPr lang="en-US" dirty="0"/>
+                    </a:p>
+                  </a:txBody>
+                  <a:tcPr anchor="ctr"/>
+                </a:tc>
+              </a:tr>
+            </a:tbl>
+          </a:graphicData>
+        </a:graphic>
+      </p:graphicFrame>
     </p:spTree>
     <p:extLst>
       <p:ext uri="{BB962C8B-B14F-4D97-AF65-F5344CB8AC3E}">
@@ -8752,9 +12363,34 @@
           <a:chExt cx="0" cy="0"/>
         </a:xfrm>
       </p:grpSpPr>
+      <p:graphicFrame>
+        <p:nvGraphicFramePr>
+          <p:cNvPr id="4" name="Content Placeholder 3"/>
+          <p:cNvGraphicFramePr>
+            <a:graphicFrameLocks noGrp="1"/>
+          </p:cNvGraphicFramePr>
+          <p:nvPr>
+            <p:ph idx="1"/>
+            <p:extLst>
+              <p:ext uri="{D42A27DB-BD31-4B8C-83A1-F6EECF244321}">
+                <p14:modId xmlns:p14="http://schemas.microsoft.com/office/powerpoint/2010/main" val="1967832537"/>
+              </p:ext>
+            </p:extLst>
+          </p:nvPr>
+        </p:nvGraphicFramePr>
+        <p:xfrm>
+          <a:off x="2589213" y="2133600"/>
+          <a:ext cx="8915400" cy="3778250"/>
+        </p:xfrm>
+        <a:graphic>
+          <a:graphicData uri="http://schemas.openxmlformats.org/drawingml/2006/chart">
+            <c:chart xmlns:c="http://schemas.openxmlformats.org/drawingml/2006/chart" xmlns:r="http://schemas.openxmlformats.org/officeDocument/2006/relationships" r:id="rId2"/>
+          </a:graphicData>
+        </a:graphic>
+      </p:graphicFrame>
       <p:sp>
         <p:nvSpPr>
-          <p:cNvPr id="2" name="Title 1"/>
+          <p:cNvPr id="5" name="Title 1"/>
           <p:cNvSpPr>
             <a:spLocks noGrp="1"/>
           </p:cNvSpPr>
@@ -8765,32 +12401,27 @@
         <p:spPr/>
         <p:txBody>
           <a:bodyPr>
-            <a:normAutofit/>
+            <a:normAutofit fontScale="90000"/>
           </a:bodyPr>
           <a:lstStyle/>
           <a:p>
+            <a:r>
+              <a:rPr lang="en-US" sz="4400" dirty="0"/>
+              <a:t>Test Results </a:t>
+            </a:r>
+            <a:r>
+              <a:rPr lang="en-US" sz="4400" dirty="0" smtClean="0"/>
+              <a:t>w/ </a:t>
+            </a:r>
+            <a:r>
+              <a:rPr lang="en-US" sz="4400" dirty="0"/>
+              <a:t>Different </a:t>
+            </a:r>
+            <a:r>
+              <a:rPr lang="en-US" sz="4400" dirty="0" smtClean="0"/>
+              <a:t>Parameters</a:t>
+            </a:r>
             <a:endParaRPr lang="en-US" sz="4400" dirty="0"/>
-          </a:p>
-        </p:txBody>
-      </p:sp>
-      <p:sp>
-        <p:nvSpPr>
-          <p:cNvPr id="3" name="Content Placeholder 2"/>
-          <p:cNvSpPr>
-            <a:spLocks noGrp="1"/>
-          </p:cNvSpPr>
-          <p:nvPr>
-            <p:ph idx="1"/>
-          </p:nvPr>
-        </p:nvSpPr>
-        <p:spPr/>
-        <p:txBody>
-          <a:bodyPr>
-            <a:normAutofit/>
-          </a:bodyPr>
-          <a:lstStyle/>
-          <a:p>
-            <a:endParaRPr lang="en-US" sz="2800" dirty="0"/>
           </a:p>
         </p:txBody>
       </p:sp>
@@ -8848,31 +12479,39 @@
           </a:bodyPr>
           <a:lstStyle/>
           <a:p>
+            <a:r>
+              <a:rPr lang="en-US" sz="4400" dirty="0" smtClean="0"/>
+              <a:t>Special case: L=0.6 (Digit)</a:t>
+            </a:r>
             <a:endParaRPr lang="en-US" sz="4400" dirty="0"/>
           </a:p>
         </p:txBody>
       </p:sp>
-      <p:sp>
-        <p:nvSpPr>
-          <p:cNvPr id="3" name="Content Placeholder 2"/>
-          <p:cNvSpPr>
-            <a:spLocks noGrp="1"/>
-          </p:cNvSpPr>
+      <p:graphicFrame>
+        <p:nvGraphicFramePr>
+          <p:cNvPr id="4" name="Content Placeholder 3"/>
+          <p:cNvGraphicFramePr>
+            <a:graphicFrameLocks noGrp="1"/>
+          </p:cNvGraphicFramePr>
           <p:nvPr>
             <p:ph idx="1"/>
+            <p:extLst>
+              <p:ext uri="{D42A27DB-BD31-4B8C-83A1-F6EECF244321}">
+                <p14:modId xmlns:p14="http://schemas.microsoft.com/office/powerpoint/2010/main" val="1081213686"/>
+              </p:ext>
+            </p:extLst>
           </p:nvPr>
-        </p:nvSpPr>
-        <p:spPr/>
-        <p:txBody>
-          <a:bodyPr>
-            <a:normAutofit/>
-          </a:bodyPr>
-          <a:lstStyle/>
-          <a:p>
-            <a:endParaRPr lang="en-US" sz="2800" dirty="0"/>
-          </a:p>
-        </p:txBody>
-      </p:sp>
+        </p:nvGraphicFramePr>
+        <p:xfrm>
+          <a:off x="2589213" y="2133600"/>
+          <a:ext cx="8915400" cy="3778250"/>
+        </p:xfrm>
+        <a:graphic>
+          <a:graphicData uri="http://schemas.openxmlformats.org/drawingml/2006/chart">
+            <c:chart xmlns:c="http://schemas.openxmlformats.org/drawingml/2006/chart" xmlns:r="http://schemas.openxmlformats.org/officeDocument/2006/relationships" r:id="rId2"/>
+          </a:graphicData>
+        </a:graphic>
+      </p:graphicFrame>
     </p:spTree>
     <p:extLst>
       <p:ext uri="{BB962C8B-B14F-4D97-AF65-F5344CB8AC3E}">

--- a/PPTGroup10.pptx
+++ b/PPTGroup10.pptx
@@ -14,18 +14,18 @@
     <p:sldId id="274" r:id="rId5"/>
     <p:sldId id="260" r:id="rId6"/>
     <p:sldId id="261" r:id="rId7"/>
-    <p:sldId id="262" r:id="rId8"/>
-    <p:sldId id="263" r:id="rId9"/>
-    <p:sldId id="264" r:id="rId10"/>
-    <p:sldId id="265" r:id="rId11"/>
-    <p:sldId id="266" r:id="rId12"/>
-    <p:sldId id="267" r:id="rId13"/>
-    <p:sldId id="268" r:id="rId14"/>
-    <p:sldId id="269" r:id="rId15"/>
-    <p:sldId id="270" r:id="rId16"/>
-    <p:sldId id="271" r:id="rId17"/>
-    <p:sldId id="272" r:id="rId18"/>
-    <p:sldId id="273" r:id="rId19"/>
+    <p:sldId id="266" r:id="rId8"/>
+    <p:sldId id="262" r:id="rId9"/>
+    <p:sldId id="268" r:id="rId10"/>
+    <p:sldId id="269" r:id="rId11"/>
+    <p:sldId id="270" r:id="rId12"/>
+    <p:sldId id="271" r:id="rId13"/>
+    <p:sldId id="272" r:id="rId14"/>
+    <p:sldId id="273" r:id="rId15"/>
+    <p:sldId id="279" r:id="rId16"/>
+    <p:sldId id="275" r:id="rId17"/>
+    <p:sldId id="276" r:id="rId18"/>
+    <p:sldId id="280" r:id="rId19"/>
   </p:sldIdLst>
   <p:sldSz cx="12192000" cy="6858000"/>
   <p:notesSz cx="6858000" cy="9144000"/>
@@ -364,11 +364,11 @@
         </c:dLbls>
         <c:gapWidth val="219"/>
         <c:overlap val="-27"/>
-        <c:axId val="-751382672"/>
-        <c:axId val="-751380352"/>
+        <c:axId val="-2125816960"/>
+        <c:axId val="-2121412352"/>
       </c:barChart>
       <c:catAx>
-        <c:axId val="-751382672"/>
+        <c:axId val="-2125816960"/>
         <c:scaling>
           <c:orientation val="minMax"/>
         </c:scaling>
@@ -411,7 +411,7 @@
             <a:endParaRPr lang="en-US"/>
           </a:p>
         </c:txPr>
-        <c:crossAx val="-751380352"/>
+        <c:crossAx val="-2121412352"/>
         <c:crosses val="autoZero"/>
         <c:auto val="1"/>
         <c:lblAlgn val="ctr"/>
@@ -419,7 +419,7 @@
         <c:noMultiLvlLbl val="0"/>
       </c:catAx>
       <c:valAx>
-        <c:axId val="-751380352"/>
+        <c:axId val="-2121412352"/>
         <c:scaling>
           <c:orientation val="minMax"/>
         </c:scaling>
@@ -439,6 +439,7 @@
             <a:effectLst/>
           </c:spPr>
         </c:majorGridlines>
+        <c:numFmt formatCode="General" sourceLinked="0"/>
         <c:majorTickMark val="none"/>
         <c:minorTickMark val="none"/>
         <c:tickLblPos val="nextTo"/>
@@ -469,7 +470,7 @@
             <a:endParaRPr lang="en-US"/>
           </a:p>
         </c:txPr>
-        <c:crossAx val="-751382672"/>
+        <c:crossAx val="-2125816960"/>
         <c:crosses val="autoZero"/>
         <c:crossBetween val="between"/>
       </c:valAx>
@@ -575,17 +576,12 @@
             </a:pPr>
             <a:r>
               <a:rPr lang="en-US" dirty="0" smtClean="0"/>
-              <a:t>Digit </a:t>
-            </a:r>
-            <a:r>
-              <a:rPr lang="en-US" dirty="0" smtClean="0"/>
-              <a:t>Recognition</a:t>
+              <a:t>Digit Recognition</a:t>
             </a:r>
             <a:endParaRPr lang="en-US" dirty="0"/>
           </a:p>
         </c:rich>
       </c:tx>
-      <c:layout/>
       <c:overlay val="0"/>
       <c:spPr>
         <a:noFill/>
@@ -776,11 +772,11 @@
         </c:dLbls>
         <c:gapWidth val="219"/>
         <c:overlap val="-27"/>
-        <c:axId val="-747980992"/>
-        <c:axId val="-747978672"/>
+        <c:axId val="2071556896"/>
+        <c:axId val="-2123514816"/>
       </c:barChart>
       <c:catAx>
-        <c:axId val="-747980992"/>
+        <c:axId val="2071556896"/>
         <c:scaling>
           <c:orientation val="minMax"/>
         </c:scaling>
@@ -823,7 +819,7 @@
             <a:endParaRPr lang="en-US"/>
           </a:p>
         </c:txPr>
-        <c:crossAx val="-747978672"/>
+        <c:crossAx val="-2123514816"/>
         <c:crosses val="autoZero"/>
         <c:auto val="1"/>
         <c:lblAlgn val="ctr"/>
@@ -831,7 +827,7 @@
         <c:noMultiLvlLbl val="0"/>
       </c:catAx>
       <c:valAx>
-        <c:axId val="-747978672"/>
+        <c:axId val="-2123514816"/>
         <c:scaling>
           <c:orientation val="minMax"/>
         </c:scaling>
@@ -851,6 +847,7 @@
             <a:effectLst/>
           </c:spPr>
         </c:majorGridlines>
+        <c:numFmt formatCode="General" sourceLinked="0"/>
         <c:majorTickMark val="none"/>
         <c:minorTickMark val="none"/>
         <c:tickLblPos val="nextTo"/>
@@ -881,7 +878,7 @@
             <a:endParaRPr lang="en-US"/>
           </a:p>
         </c:txPr>
-        <c:crossAx val="-747980992"/>
+        <c:crossAx val="2071556896"/>
         <c:crosses val="autoZero"/>
         <c:crossBetween val="between"/>
       </c:valAx>
@@ -895,7 +892,6 @@
     </c:plotArea>
     <c:legend>
       <c:legendPos val="b"/>
-      <c:layout/>
       <c:overlay val="0"/>
       <c:spPr>
         <a:noFill/>
@@ -967,7 +963,6 @@
   </mc:AlternateContent>
   <c:chart>
     <c:title>
-      <c:layout/>
       <c:overlay val="0"/>
       <c:spPr>
         <a:noFill/>
@@ -1052,7 +1047,7 @@
                   <c:v>74.77</c:v>
                 </c:pt>
                 <c:pt idx="1">
-                  <c:v>98.36239999999999</c:v>
+                  <c:v>98.36239999999998</c:v>
                 </c:pt>
               </c:numCache>
             </c:numRef>
@@ -1122,11 +1117,11 @@
         </c:dLbls>
         <c:gapWidth val="219"/>
         <c:overlap val="-27"/>
-        <c:axId val="-749252624"/>
-        <c:axId val="-749093536"/>
+        <c:axId val="-2123914480"/>
+        <c:axId val="-2130071632"/>
       </c:barChart>
       <c:catAx>
-        <c:axId val="-749252624"/>
+        <c:axId val="-2123914480"/>
         <c:scaling>
           <c:orientation val="minMax"/>
         </c:scaling>
@@ -1169,7 +1164,7 @@
             <a:endParaRPr lang="en-US"/>
           </a:p>
         </c:txPr>
-        <c:crossAx val="-749093536"/>
+        <c:crossAx val="-2130071632"/>
         <c:crosses val="autoZero"/>
         <c:auto val="1"/>
         <c:lblAlgn val="ctr"/>
@@ -1177,7 +1172,7 @@
         <c:noMultiLvlLbl val="0"/>
       </c:catAx>
       <c:valAx>
-        <c:axId val="-749093536"/>
+        <c:axId val="-2130071632"/>
         <c:scaling>
           <c:orientation val="minMax"/>
         </c:scaling>
@@ -1197,6 +1192,7 @@
             <a:effectLst/>
           </c:spPr>
         </c:majorGridlines>
+        <c:numFmt formatCode="General" sourceLinked="0"/>
         <c:majorTickMark val="none"/>
         <c:minorTickMark val="none"/>
         <c:tickLblPos val="nextTo"/>
@@ -1227,7 +1223,7 @@
             <a:endParaRPr lang="en-US"/>
           </a:p>
         </c:txPr>
-        <c:crossAx val="-749252624"/>
+        <c:crossAx val="-2123914480"/>
         <c:crosses val="autoZero"/>
         <c:crossBetween val="between"/>
       </c:valAx>
@@ -1241,7 +1237,804 @@
     </c:plotArea>
     <c:legend>
       <c:legendPos val="b"/>
+      <c:overlay val="0"/>
+      <c:spPr>
+        <a:noFill/>
+        <a:ln>
+          <a:noFill/>
+        </a:ln>
+        <a:effectLst/>
+      </c:spPr>
+      <c:txPr>
+        <a:bodyPr rot="0" spcFirstLastPara="1" vertOverflow="ellipsis" vert="horz" wrap="square" anchor="ctr" anchorCtr="1"/>
+        <a:lstStyle/>
+        <a:p>
+          <a:pPr>
+            <a:defRPr sz="1197" b="0" i="0" u="none" strike="noStrike" kern="1200" baseline="0">
+              <a:solidFill>
+                <a:schemeClr val="tx1">
+                  <a:lumMod val="65000"/>
+                  <a:lumOff val="35000"/>
+                </a:schemeClr>
+              </a:solidFill>
+              <a:latin typeface="+mn-lt"/>
+              <a:ea typeface="+mn-ea"/>
+              <a:cs typeface="+mn-cs"/>
+            </a:defRPr>
+          </a:pPr>
+          <a:endParaRPr lang="en-US"/>
+        </a:p>
+      </c:txPr>
+    </c:legend>
+    <c:plotVisOnly val="1"/>
+    <c:dispBlanksAs val="gap"/>
+    <c:showDLblsOverMax val="0"/>
+  </c:chart>
+  <c:spPr>
+    <a:noFill/>
+    <a:ln>
+      <a:noFill/>
+    </a:ln>
+    <a:effectLst/>
+  </c:spPr>
+  <c:txPr>
+    <a:bodyPr/>
+    <a:lstStyle/>
+    <a:p>
+      <a:pPr>
+        <a:defRPr/>
+      </a:pPr>
+      <a:endParaRPr lang="en-US"/>
+    </a:p>
+  </c:txPr>
+  <c:externalData r:id="rId3">
+    <c:autoUpdate val="0"/>
+  </c:externalData>
+</c:chartSpace>
+</file>
+
+<file path=ppt/charts/chart4.xml><?xml version="1.0" encoding="utf-8"?>
+<c:chartSpace xmlns:c="http://schemas.openxmlformats.org/drawingml/2006/chart" xmlns:a="http://schemas.openxmlformats.org/drawingml/2006/main" xmlns:r="http://schemas.openxmlformats.org/officeDocument/2006/relationships">
+  <c:date1904 val="0"/>
+  <c:lang val="en-US"/>
+  <c:roundedCorners val="0"/>
+  <mc:AlternateContent xmlns:mc="http://schemas.openxmlformats.org/markup-compatibility/2006">
+    <mc:Choice xmlns:c14="http://schemas.microsoft.com/office/drawing/2007/8/2/chart" Requires="c14">
+      <c14:style val="102"/>
+    </mc:Choice>
+    <mc:Fallback>
+      <c:style val="2"/>
+    </mc:Fallback>
+  </mc:AlternateContent>
+  <c:chart>
+    <c:title>
+      <c:tx>
+        <c:rich>
+          <a:bodyPr rot="0" spcFirstLastPara="1" vertOverflow="ellipsis" vert="horz" wrap="square" anchor="ctr" anchorCtr="1"/>
+          <a:lstStyle/>
+          <a:p>
+            <a:pPr>
+              <a:defRPr sz="1862" b="0" i="0" u="none" strike="noStrike" kern="1200" spc="0" baseline="0">
+                <a:solidFill>
+                  <a:schemeClr val="tx1">
+                    <a:lumMod val="65000"/>
+                    <a:lumOff val="35000"/>
+                  </a:schemeClr>
+                </a:solidFill>
+                <a:latin typeface="+mn-lt"/>
+                <a:ea typeface="+mn-ea"/>
+                <a:cs typeface="+mn-cs"/>
+              </a:defRPr>
+            </a:pPr>
+            <a:r>
+              <a:rPr lang="en-US" dirty="0" smtClean="0"/>
+              <a:t>Letter Recognition</a:t>
+            </a:r>
+            <a:endParaRPr lang="en-US" dirty="0"/>
+          </a:p>
+        </c:rich>
+      </c:tx>
+      <c:overlay val="0"/>
+      <c:spPr>
+        <a:noFill/>
+        <a:ln>
+          <a:noFill/>
+        </a:ln>
+        <a:effectLst/>
+      </c:spPr>
+      <c:txPr>
+        <a:bodyPr rot="0" spcFirstLastPara="1" vertOverflow="ellipsis" vert="horz" wrap="square" anchor="ctr" anchorCtr="1"/>
+        <a:lstStyle/>
+        <a:p>
+          <a:pPr>
+            <a:defRPr sz="1862" b="0" i="0" u="none" strike="noStrike" kern="1200" spc="0" baseline="0">
+              <a:solidFill>
+                <a:schemeClr val="tx1">
+                  <a:lumMod val="65000"/>
+                  <a:lumOff val="35000"/>
+                </a:schemeClr>
+              </a:solidFill>
+              <a:latin typeface="+mn-lt"/>
+              <a:ea typeface="+mn-ea"/>
+              <a:cs typeface="+mn-cs"/>
+            </a:defRPr>
+          </a:pPr>
+          <a:endParaRPr lang="en-US"/>
+        </a:p>
+      </c:txPr>
+    </c:title>
+    <c:autoTitleDeleted val="0"/>
+    <c:plotArea>
       <c:layout/>
+      <c:barChart>
+        <c:barDir val="col"/>
+        <c:grouping val="clustered"/>
+        <c:varyColors val="0"/>
+        <c:ser>
+          <c:idx val="0"/>
+          <c:order val="0"/>
+          <c:tx>
+            <c:strRef>
+              <c:f>Sheet1!$B$1</c:f>
+              <c:strCache>
+                <c:ptCount val="1"/>
+                <c:pt idx="0">
+                  <c:v>Correctness</c:v>
+                </c:pt>
+              </c:strCache>
+            </c:strRef>
+          </c:tx>
+          <c:spPr>
+            <a:solidFill>
+              <a:schemeClr val="accent1"/>
+            </a:solidFill>
+            <a:ln>
+              <a:noFill/>
+            </a:ln>
+            <a:effectLst/>
+          </c:spPr>
+          <c:invertIfNegative val="0"/>
+          <c:cat>
+            <c:strRef>
+              <c:f>Sheet1!$A$2:$A$5</c:f>
+              <c:strCache>
+                <c:ptCount val="4"/>
+                <c:pt idx="0">
+                  <c:v>C=0.5</c:v>
+                </c:pt>
+                <c:pt idx="1">
+                  <c:v>C=1.0</c:v>
+                </c:pt>
+                <c:pt idx="2">
+                  <c:v>C=1.5</c:v>
+                </c:pt>
+                <c:pt idx="3">
+                  <c:v>C=2.0</c:v>
+                </c:pt>
+              </c:strCache>
+            </c:strRef>
+          </c:cat>
+          <c:val>
+            <c:numRef>
+              <c:f>Sheet1!$B$2:$B$5</c:f>
+              <c:numCache>
+                <c:formatCode>General</c:formatCode>
+                <c:ptCount val="4"/>
+                <c:pt idx="0">
+                  <c:v>80.739</c:v>
+                </c:pt>
+                <c:pt idx="1">
+                  <c:v>82.37909999999998</c:v>
+                </c:pt>
+                <c:pt idx="2">
+                  <c:v>83.1542</c:v>
+                </c:pt>
+                <c:pt idx="3">
+                  <c:v>83.6092</c:v>
+                </c:pt>
+              </c:numCache>
+            </c:numRef>
+          </c:val>
+        </c:ser>
+        <c:ser>
+          <c:idx val="1"/>
+          <c:order val="1"/>
+          <c:tx>
+            <c:strRef>
+              <c:f>Sheet1!$C$1</c:f>
+              <c:strCache>
+                <c:ptCount val="1"/>
+                <c:pt idx="0">
+                  <c:v>Root relative squared error</c:v>
+                </c:pt>
+              </c:strCache>
+            </c:strRef>
+          </c:tx>
+          <c:spPr>
+            <a:solidFill>
+              <a:schemeClr val="accent2"/>
+            </a:solidFill>
+            <a:ln>
+              <a:noFill/>
+            </a:ln>
+            <a:effectLst/>
+          </c:spPr>
+          <c:invertIfNegative val="0"/>
+          <c:cat>
+            <c:strRef>
+              <c:f>Sheet1!$A$2:$A$5</c:f>
+              <c:strCache>
+                <c:ptCount val="4"/>
+                <c:pt idx="0">
+                  <c:v>C=0.5</c:v>
+                </c:pt>
+                <c:pt idx="1">
+                  <c:v>C=1.0</c:v>
+                </c:pt>
+                <c:pt idx="2">
+                  <c:v>C=1.5</c:v>
+                </c:pt>
+                <c:pt idx="3">
+                  <c:v>C=2.0</c:v>
+                </c:pt>
+              </c:strCache>
+            </c:strRef>
+          </c:cat>
+          <c:val>
+            <c:numRef>
+              <c:f>Sheet1!$C$2:$C$5</c:f>
+              <c:numCache>
+                <c:formatCode>General</c:formatCode>
+                <c:ptCount val="4"/>
+                <c:pt idx="0">
+                  <c:v>96.8279</c:v>
+                </c:pt>
+                <c:pt idx="1">
+                  <c:v>96.7869</c:v>
+                </c:pt>
+                <c:pt idx="2">
+                  <c:v>96.7669</c:v>
+                </c:pt>
+                <c:pt idx="3">
+                  <c:v>96.7546</c:v>
+                </c:pt>
+              </c:numCache>
+            </c:numRef>
+          </c:val>
+        </c:ser>
+        <c:dLbls>
+          <c:showLegendKey val="0"/>
+          <c:showVal val="0"/>
+          <c:showCatName val="0"/>
+          <c:showSerName val="0"/>
+          <c:showPercent val="0"/>
+          <c:showBubbleSize val="0"/>
+        </c:dLbls>
+        <c:gapWidth val="219"/>
+        <c:overlap val="-27"/>
+        <c:axId val="-2097139088"/>
+        <c:axId val="-2126366944"/>
+      </c:barChart>
+      <c:catAx>
+        <c:axId val="-2097139088"/>
+        <c:scaling>
+          <c:orientation val="minMax"/>
+        </c:scaling>
+        <c:delete val="0"/>
+        <c:axPos val="b"/>
+        <c:numFmt formatCode="General" sourceLinked="1"/>
+        <c:majorTickMark val="none"/>
+        <c:minorTickMark val="none"/>
+        <c:tickLblPos val="nextTo"/>
+        <c:spPr>
+          <a:noFill/>
+          <a:ln w="9525" cap="flat" cmpd="sng" algn="ctr">
+            <a:solidFill>
+              <a:schemeClr val="tx1">
+                <a:lumMod val="15000"/>
+                <a:lumOff val="85000"/>
+              </a:schemeClr>
+            </a:solidFill>
+            <a:round/>
+          </a:ln>
+          <a:effectLst/>
+        </c:spPr>
+        <c:txPr>
+          <a:bodyPr rot="-60000000" spcFirstLastPara="1" vertOverflow="ellipsis" vert="horz" wrap="square" anchor="ctr" anchorCtr="1"/>
+          <a:lstStyle/>
+          <a:p>
+            <a:pPr>
+              <a:defRPr sz="1197" b="0" i="0" u="none" strike="noStrike" kern="1200" baseline="0">
+                <a:solidFill>
+                  <a:schemeClr val="tx1">
+                    <a:lumMod val="65000"/>
+                    <a:lumOff val="35000"/>
+                  </a:schemeClr>
+                </a:solidFill>
+                <a:latin typeface="+mn-lt"/>
+                <a:ea typeface="+mn-ea"/>
+                <a:cs typeface="+mn-cs"/>
+              </a:defRPr>
+            </a:pPr>
+            <a:endParaRPr lang="en-US"/>
+          </a:p>
+        </c:txPr>
+        <c:crossAx val="-2126366944"/>
+        <c:crosses val="autoZero"/>
+        <c:auto val="1"/>
+        <c:lblAlgn val="ctr"/>
+        <c:lblOffset val="100"/>
+        <c:noMultiLvlLbl val="0"/>
+      </c:catAx>
+      <c:valAx>
+        <c:axId val="-2126366944"/>
+        <c:scaling>
+          <c:orientation val="minMax"/>
+        </c:scaling>
+        <c:delete val="0"/>
+        <c:axPos val="l"/>
+        <c:majorGridlines>
+          <c:spPr>
+            <a:ln w="9525" cap="flat" cmpd="sng" algn="ctr">
+              <a:solidFill>
+                <a:schemeClr val="tx1">
+                  <a:lumMod val="15000"/>
+                  <a:lumOff val="85000"/>
+                </a:schemeClr>
+              </a:solidFill>
+              <a:round/>
+            </a:ln>
+            <a:effectLst/>
+          </c:spPr>
+        </c:majorGridlines>
+        <c:numFmt formatCode="General" sourceLinked="0"/>
+        <c:majorTickMark val="none"/>
+        <c:minorTickMark val="none"/>
+        <c:tickLblPos val="nextTo"/>
+        <c:spPr>
+          <a:noFill/>
+          <a:ln>
+            <a:noFill/>
+          </a:ln>
+          <a:effectLst/>
+        </c:spPr>
+        <c:txPr>
+          <a:bodyPr rot="-60000000" spcFirstLastPara="1" vertOverflow="ellipsis" vert="horz" wrap="square" anchor="ctr" anchorCtr="1"/>
+          <a:lstStyle/>
+          <a:p>
+            <a:pPr>
+              <a:defRPr sz="1197" b="0" i="0" u="none" strike="noStrike" kern="1200" baseline="0">
+                <a:solidFill>
+                  <a:schemeClr val="tx1">
+                    <a:lumMod val="65000"/>
+                    <a:lumOff val="35000"/>
+                  </a:schemeClr>
+                </a:solidFill>
+                <a:latin typeface="+mn-lt"/>
+                <a:ea typeface="+mn-ea"/>
+                <a:cs typeface="+mn-cs"/>
+              </a:defRPr>
+            </a:pPr>
+            <a:endParaRPr lang="en-US"/>
+          </a:p>
+        </c:txPr>
+        <c:crossAx val="-2097139088"/>
+        <c:crosses val="autoZero"/>
+        <c:crossBetween val="between"/>
+      </c:valAx>
+      <c:spPr>
+        <a:noFill/>
+        <a:ln>
+          <a:noFill/>
+        </a:ln>
+        <a:effectLst/>
+      </c:spPr>
+    </c:plotArea>
+    <c:legend>
+      <c:legendPos val="b"/>
+      <c:overlay val="0"/>
+      <c:spPr>
+        <a:noFill/>
+        <a:ln>
+          <a:noFill/>
+        </a:ln>
+        <a:effectLst/>
+      </c:spPr>
+      <c:txPr>
+        <a:bodyPr rot="0" spcFirstLastPara="1" vertOverflow="ellipsis" vert="horz" wrap="square" anchor="ctr" anchorCtr="1"/>
+        <a:lstStyle/>
+        <a:p>
+          <a:pPr>
+            <a:defRPr sz="1197" b="0" i="0" u="none" strike="noStrike" kern="1200" baseline="0">
+              <a:solidFill>
+                <a:schemeClr val="tx1">
+                  <a:lumMod val="65000"/>
+                  <a:lumOff val="35000"/>
+                </a:schemeClr>
+              </a:solidFill>
+              <a:latin typeface="+mn-lt"/>
+              <a:ea typeface="+mn-ea"/>
+              <a:cs typeface="+mn-cs"/>
+            </a:defRPr>
+          </a:pPr>
+          <a:endParaRPr lang="en-US"/>
+        </a:p>
+      </c:txPr>
+    </c:legend>
+    <c:plotVisOnly val="1"/>
+    <c:dispBlanksAs val="gap"/>
+    <c:showDLblsOverMax val="0"/>
+  </c:chart>
+  <c:spPr>
+    <a:noFill/>
+    <a:ln>
+      <a:noFill/>
+    </a:ln>
+    <a:effectLst/>
+  </c:spPr>
+  <c:txPr>
+    <a:bodyPr/>
+    <a:lstStyle/>
+    <a:p>
+      <a:pPr>
+        <a:defRPr/>
+      </a:pPr>
+      <a:endParaRPr lang="en-US"/>
+    </a:p>
+  </c:txPr>
+  <c:externalData r:id="rId3">
+    <c:autoUpdate val="0"/>
+  </c:externalData>
+</c:chartSpace>
+</file>
+
+<file path=ppt/charts/chart5.xml><?xml version="1.0" encoding="utf-8"?>
+<c:chartSpace xmlns:c="http://schemas.openxmlformats.org/drawingml/2006/chart" xmlns:a="http://schemas.openxmlformats.org/drawingml/2006/main" xmlns:r="http://schemas.openxmlformats.org/officeDocument/2006/relationships">
+  <c:date1904 val="0"/>
+  <c:lang val="en-US"/>
+  <c:roundedCorners val="0"/>
+  <mc:AlternateContent xmlns:mc="http://schemas.openxmlformats.org/markup-compatibility/2006">
+    <mc:Choice xmlns:c14="http://schemas.microsoft.com/office/drawing/2007/8/2/chart" Requires="c14">
+      <c14:style val="102"/>
+    </mc:Choice>
+    <mc:Fallback>
+      <c:style val="2"/>
+    </mc:Fallback>
+  </mc:AlternateContent>
+  <c:chart>
+    <c:title>
+      <c:tx>
+        <c:rich>
+          <a:bodyPr rot="0" spcFirstLastPara="1" vertOverflow="ellipsis" vert="horz" wrap="square" anchor="ctr" anchorCtr="1"/>
+          <a:lstStyle/>
+          <a:p>
+            <a:pPr>
+              <a:defRPr sz="1862" b="0" i="0" u="none" strike="noStrike" kern="1200" spc="0" baseline="0">
+                <a:solidFill>
+                  <a:schemeClr val="tx1">
+                    <a:lumMod val="65000"/>
+                    <a:lumOff val="35000"/>
+                  </a:schemeClr>
+                </a:solidFill>
+                <a:latin typeface="+mn-lt"/>
+                <a:ea typeface="+mn-ea"/>
+                <a:cs typeface="+mn-cs"/>
+              </a:defRPr>
+            </a:pPr>
+            <a:r>
+              <a:rPr lang="en-US" dirty="0" smtClean="0"/>
+              <a:t>Digit</a:t>
+            </a:r>
+            <a:r>
+              <a:rPr lang="en-US" baseline="0" dirty="0" smtClean="0"/>
+              <a:t> </a:t>
+            </a:r>
+            <a:r>
+              <a:rPr lang="en-US" dirty="0" smtClean="0"/>
+              <a:t>Recognition</a:t>
+            </a:r>
+            <a:endParaRPr lang="en-US" dirty="0"/>
+          </a:p>
+        </c:rich>
+      </c:tx>
+      <c:overlay val="0"/>
+      <c:spPr>
+        <a:noFill/>
+        <a:ln>
+          <a:noFill/>
+        </a:ln>
+        <a:effectLst/>
+      </c:spPr>
+      <c:txPr>
+        <a:bodyPr rot="0" spcFirstLastPara="1" vertOverflow="ellipsis" vert="horz" wrap="square" anchor="ctr" anchorCtr="1"/>
+        <a:lstStyle/>
+        <a:p>
+          <a:pPr>
+            <a:defRPr sz="1862" b="0" i="0" u="none" strike="noStrike" kern="1200" spc="0" baseline="0">
+              <a:solidFill>
+                <a:schemeClr val="tx1">
+                  <a:lumMod val="65000"/>
+                  <a:lumOff val="35000"/>
+                </a:schemeClr>
+              </a:solidFill>
+              <a:latin typeface="+mn-lt"/>
+              <a:ea typeface="+mn-ea"/>
+              <a:cs typeface="+mn-cs"/>
+            </a:defRPr>
+          </a:pPr>
+          <a:endParaRPr lang="en-US"/>
+        </a:p>
+      </c:txPr>
+    </c:title>
+    <c:autoTitleDeleted val="0"/>
+    <c:plotArea>
+      <c:layout/>
+      <c:barChart>
+        <c:barDir val="col"/>
+        <c:grouping val="clustered"/>
+        <c:varyColors val="0"/>
+        <c:ser>
+          <c:idx val="0"/>
+          <c:order val="0"/>
+          <c:tx>
+            <c:strRef>
+              <c:f>Sheet1!$B$1</c:f>
+              <c:strCache>
+                <c:ptCount val="1"/>
+                <c:pt idx="0">
+                  <c:v>Correctness</c:v>
+                </c:pt>
+              </c:strCache>
+            </c:strRef>
+          </c:tx>
+          <c:spPr>
+            <a:solidFill>
+              <a:schemeClr val="accent1"/>
+            </a:solidFill>
+            <a:ln>
+              <a:noFill/>
+            </a:ln>
+            <a:effectLst/>
+          </c:spPr>
+          <c:invertIfNegative val="0"/>
+          <c:cat>
+            <c:strRef>
+              <c:f>Sheet1!$A$2:$A$5</c:f>
+              <c:strCache>
+                <c:ptCount val="4"/>
+                <c:pt idx="0">
+                  <c:v>C=0.5</c:v>
+                </c:pt>
+                <c:pt idx="1">
+                  <c:v>C=1.0</c:v>
+                </c:pt>
+                <c:pt idx="2">
+                  <c:v>C=1.5</c:v>
+                </c:pt>
+                <c:pt idx="3">
+                  <c:v>C=2.0</c:v>
+                </c:pt>
+              </c:strCache>
+            </c:strRef>
+          </c:cat>
+          <c:val>
+            <c:numRef>
+              <c:f>Sheet1!$B$2:$B$5</c:f>
+              <c:numCache>
+                <c:formatCode>General</c:formatCode>
+                <c:ptCount val="4"/>
+                <c:pt idx="0">
+                  <c:v>98.2193</c:v>
+                </c:pt>
+                <c:pt idx="1">
+                  <c:v>98.2749</c:v>
+                </c:pt>
+                <c:pt idx="2">
+                  <c:v>98.2193</c:v>
+                </c:pt>
+                <c:pt idx="3">
+                  <c:v>98.2193</c:v>
+                </c:pt>
+              </c:numCache>
+            </c:numRef>
+          </c:val>
+        </c:ser>
+        <c:ser>
+          <c:idx val="1"/>
+          <c:order val="1"/>
+          <c:tx>
+            <c:strRef>
+              <c:f>Sheet1!$C$1</c:f>
+              <c:strCache>
+                <c:ptCount val="1"/>
+                <c:pt idx="0">
+                  <c:v>Root relative squared error</c:v>
+                </c:pt>
+              </c:strCache>
+            </c:strRef>
+          </c:tx>
+          <c:spPr>
+            <a:solidFill>
+              <a:schemeClr val="accent2"/>
+            </a:solidFill>
+            <a:ln>
+              <a:noFill/>
+            </a:ln>
+            <a:effectLst/>
+          </c:spPr>
+          <c:invertIfNegative val="0"/>
+          <c:cat>
+            <c:strRef>
+              <c:f>Sheet1!$A$2:$A$5</c:f>
+              <c:strCache>
+                <c:ptCount val="4"/>
+                <c:pt idx="0">
+                  <c:v>C=0.5</c:v>
+                </c:pt>
+                <c:pt idx="1">
+                  <c:v>C=1.0</c:v>
+                </c:pt>
+                <c:pt idx="2">
+                  <c:v>C=1.5</c:v>
+                </c:pt>
+                <c:pt idx="3">
+                  <c:v>C=2.0</c:v>
+                </c:pt>
+              </c:strCache>
+            </c:strRef>
+          </c:cat>
+          <c:val>
+            <c:numRef>
+              <c:f>Sheet1!$C$2:$C$5</c:f>
+              <c:numCache>
+                <c:formatCode>General</c:formatCode>
+                <c:ptCount val="4"/>
+                <c:pt idx="0">
+                  <c:v>90.6182</c:v>
+                </c:pt>
+                <c:pt idx="1">
+                  <c:v>90.5978</c:v>
+                </c:pt>
+                <c:pt idx="2">
+                  <c:v>90.5968</c:v>
+                </c:pt>
+                <c:pt idx="3">
+                  <c:v>90.5931</c:v>
+                </c:pt>
+              </c:numCache>
+            </c:numRef>
+          </c:val>
+        </c:ser>
+        <c:dLbls>
+          <c:showLegendKey val="0"/>
+          <c:showVal val="0"/>
+          <c:showCatName val="0"/>
+          <c:showSerName val="0"/>
+          <c:showPercent val="0"/>
+          <c:showBubbleSize val="0"/>
+        </c:dLbls>
+        <c:gapWidth val="219"/>
+        <c:overlap val="-27"/>
+        <c:axId val="-2094404560"/>
+        <c:axId val="-2094265088"/>
+      </c:barChart>
+      <c:catAx>
+        <c:axId val="-2094404560"/>
+        <c:scaling>
+          <c:orientation val="minMax"/>
+        </c:scaling>
+        <c:delete val="0"/>
+        <c:axPos val="b"/>
+        <c:numFmt formatCode="General" sourceLinked="1"/>
+        <c:majorTickMark val="none"/>
+        <c:minorTickMark val="none"/>
+        <c:tickLblPos val="nextTo"/>
+        <c:spPr>
+          <a:noFill/>
+          <a:ln w="9525" cap="flat" cmpd="sng" algn="ctr">
+            <a:solidFill>
+              <a:schemeClr val="tx1">
+                <a:lumMod val="15000"/>
+                <a:lumOff val="85000"/>
+              </a:schemeClr>
+            </a:solidFill>
+            <a:round/>
+          </a:ln>
+          <a:effectLst/>
+        </c:spPr>
+        <c:txPr>
+          <a:bodyPr rot="-60000000" spcFirstLastPara="1" vertOverflow="ellipsis" vert="horz" wrap="square" anchor="ctr" anchorCtr="1"/>
+          <a:lstStyle/>
+          <a:p>
+            <a:pPr>
+              <a:defRPr sz="1197" b="0" i="0" u="none" strike="noStrike" kern="1200" baseline="0">
+                <a:solidFill>
+                  <a:schemeClr val="tx1">
+                    <a:lumMod val="65000"/>
+                    <a:lumOff val="35000"/>
+                  </a:schemeClr>
+                </a:solidFill>
+                <a:latin typeface="+mn-lt"/>
+                <a:ea typeface="+mn-ea"/>
+                <a:cs typeface="+mn-cs"/>
+              </a:defRPr>
+            </a:pPr>
+            <a:endParaRPr lang="en-US"/>
+          </a:p>
+        </c:txPr>
+        <c:crossAx val="-2094265088"/>
+        <c:crosses val="autoZero"/>
+        <c:auto val="1"/>
+        <c:lblAlgn val="ctr"/>
+        <c:lblOffset val="100"/>
+        <c:noMultiLvlLbl val="0"/>
+      </c:catAx>
+      <c:valAx>
+        <c:axId val="-2094265088"/>
+        <c:scaling>
+          <c:orientation val="minMax"/>
+        </c:scaling>
+        <c:delete val="0"/>
+        <c:axPos val="l"/>
+        <c:majorGridlines>
+          <c:spPr>
+            <a:ln w="9525" cap="flat" cmpd="sng" algn="ctr">
+              <a:solidFill>
+                <a:schemeClr val="tx1">
+                  <a:lumMod val="15000"/>
+                  <a:lumOff val="85000"/>
+                </a:schemeClr>
+              </a:solidFill>
+              <a:round/>
+            </a:ln>
+            <a:effectLst/>
+          </c:spPr>
+        </c:majorGridlines>
+        <c:numFmt formatCode="General" sourceLinked="0"/>
+        <c:majorTickMark val="none"/>
+        <c:minorTickMark val="none"/>
+        <c:tickLblPos val="nextTo"/>
+        <c:spPr>
+          <a:noFill/>
+          <a:ln>
+            <a:noFill/>
+          </a:ln>
+          <a:effectLst/>
+        </c:spPr>
+        <c:txPr>
+          <a:bodyPr rot="-60000000" spcFirstLastPara="1" vertOverflow="ellipsis" vert="horz" wrap="square" anchor="ctr" anchorCtr="1"/>
+          <a:lstStyle/>
+          <a:p>
+            <a:pPr>
+              <a:defRPr sz="1197" b="0" i="0" u="none" strike="noStrike" kern="1200" baseline="0">
+                <a:solidFill>
+                  <a:schemeClr val="tx1">
+                    <a:lumMod val="65000"/>
+                    <a:lumOff val="35000"/>
+                  </a:schemeClr>
+                </a:solidFill>
+                <a:latin typeface="+mn-lt"/>
+                <a:ea typeface="+mn-ea"/>
+                <a:cs typeface="+mn-cs"/>
+              </a:defRPr>
+            </a:pPr>
+            <a:endParaRPr lang="en-US"/>
+          </a:p>
+        </c:txPr>
+        <c:crossAx val="-2094404560"/>
+        <c:crosses val="autoZero"/>
+        <c:crossBetween val="between"/>
+      </c:valAx>
+      <c:spPr>
+        <a:noFill/>
+        <a:ln>
+          <a:noFill/>
+        </a:ln>
+        <a:effectLst/>
+      </c:spPr>
+    </c:plotArea>
+    <c:legend>
+      <c:legendPos val="b"/>
       <c:overlay val="0"/>
       <c:spPr>
         <a:noFill/>
@@ -1379,6 +2172,86 @@
 </file>
 
 <file path=ppt/charts/colors3.xml><?xml version="1.0" encoding="utf-8"?>
+<cs:colorStyle xmlns:cs="http://schemas.microsoft.com/office/drawing/2012/chartStyle" xmlns:a="http://schemas.openxmlformats.org/drawingml/2006/main" meth="cycle" id="10">
+  <a:schemeClr val="accent1"/>
+  <a:schemeClr val="accent2"/>
+  <a:schemeClr val="accent3"/>
+  <a:schemeClr val="accent4"/>
+  <a:schemeClr val="accent5"/>
+  <a:schemeClr val="accent6"/>
+  <cs:variation/>
+  <cs:variation>
+    <a:lumMod val="60000"/>
+  </cs:variation>
+  <cs:variation>
+    <a:lumMod val="80000"/>
+    <a:lumOff val="20000"/>
+  </cs:variation>
+  <cs:variation>
+    <a:lumMod val="80000"/>
+  </cs:variation>
+  <cs:variation>
+    <a:lumMod val="60000"/>
+    <a:lumOff val="40000"/>
+  </cs:variation>
+  <cs:variation>
+    <a:lumMod val="50000"/>
+  </cs:variation>
+  <cs:variation>
+    <a:lumMod val="70000"/>
+    <a:lumOff val="30000"/>
+  </cs:variation>
+  <cs:variation>
+    <a:lumMod val="70000"/>
+  </cs:variation>
+  <cs:variation>
+    <a:lumMod val="50000"/>
+    <a:lumOff val="50000"/>
+  </cs:variation>
+</cs:colorStyle>
+</file>
+
+<file path=ppt/charts/colors4.xml><?xml version="1.0" encoding="utf-8"?>
+<cs:colorStyle xmlns:cs="http://schemas.microsoft.com/office/drawing/2012/chartStyle" xmlns:a="http://schemas.openxmlformats.org/drawingml/2006/main" meth="cycle" id="10">
+  <a:schemeClr val="accent1"/>
+  <a:schemeClr val="accent2"/>
+  <a:schemeClr val="accent3"/>
+  <a:schemeClr val="accent4"/>
+  <a:schemeClr val="accent5"/>
+  <a:schemeClr val="accent6"/>
+  <cs:variation/>
+  <cs:variation>
+    <a:lumMod val="60000"/>
+  </cs:variation>
+  <cs:variation>
+    <a:lumMod val="80000"/>
+    <a:lumOff val="20000"/>
+  </cs:variation>
+  <cs:variation>
+    <a:lumMod val="80000"/>
+  </cs:variation>
+  <cs:variation>
+    <a:lumMod val="60000"/>
+    <a:lumOff val="40000"/>
+  </cs:variation>
+  <cs:variation>
+    <a:lumMod val="50000"/>
+  </cs:variation>
+  <cs:variation>
+    <a:lumMod val="70000"/>
+    <a:lumOff val="30000"/>
+  </cs:variation>
+  <cs:variation>
+    <a:lumMod val="70000"/>
+  </cs:variation>
+  <cs:variation>
+    <a:lumMod val="50000"/>
+    <a:lumOff val="50000"/>
+  </cs:variation>
+</cs:colorStyle>
+</file>
+
+<file path=ppt/charts/colors5.xml><?xml version="1.0" encoding="utf-8"?>
 <cs:colorStyle xmlns:cs="http://schemas.microsoft.com/office/drawing/2012/chartStyle" xmlns:a="http://schemas.openxmlformats.org/drawingml/2006/main" meth="cycle" id="10">
   <a:schemeClr val="accent1"/>
   <a:schemeClr val="accent2"/>
@@ -2927,6 +3800,1012 @@
 </cs:chartStyle>
 </file>
 
+<file path=ppt/charts/style4.xml><?xml version="1.0" encoding="utf-8"?>
+<cs:chartStyle xmlns:cs="http://schemas.microsoft.com/office/drawing/2012/chartStyle" xmlns:a="http://schemas.openxmlformats.org/drawingml/2006/main" id="201">
+  <cs:axisTitle>
+    <cs:lnRef idx="0"/>
+    <cs:fillRef idx="0"/>
+    <cs:effectRef idx="0"/>
+    <cs:fontRef idx="minor">
+      <a:schemeClr val="tx1">
+        <a:lumMod val="65000"/>
+        <a:lumOff val="35000"/>
+      </a:schemeClr>
+    </cs:fontRef>
+    <cs:defRPr sz="1330" kern="1200"/>
+  </cs:axisTitle>
+  <cs:categoryAxis>
+    <cs:lnRef idx="0"/>
+    <cs:fillRef idx="0"/>
+    <cs:effectRef idx="0"/>
+    <cs:fontRef idx="minor">
+      <a:schemeClr val="tx1">
+        <a:lumMod val="65000"/>
+        <a:lumOff val="35000"/>
+      </a:schemeClr>
+    </cs:fontRef>
+    <cs:spPr>
+      <a:ln w="9525" cap="flat" cmpd="sng" algn="ctr">
+        <a:solidFill>
+          <a:schemeClr val="tx1">
+            <a:lumMod val="15000"/>
+            <a:lumOff val="85000"/>
+          </a:schemeClr>
+        </a:solidFill>
+        <a:round/>
+      </a:ln>
+    </cs:spPr>
+    <cs:defRPr sz="1197" kern="1200"/>
+  </cs:categoryAxis>
+  <cs:chartArea mods="allowNoFillOverride allowNoLineOverride">
+    <cs:lnRef idx="0"/>
+    <cs:fillRef idx="0"/>
+    <cs:effectRef idx="0"/>
+    <cs:fontRef idx="minor">
+      <a:schemeClr val="tx1"/>
+    </cs:fontRef>
+    <cs:spPr>
+      <a:solidFill>
+        <a:schemeClr val="bg1"/>
+      </a:solidFill>
+      <a:ln w="9525" cap="flat" cmpd="sng" algn="ctr">
+        <a:solidFill>
+          <a:schemeClr val="tx1">
+            <a:lumMod val="15000"/>
+            <a:lumOff val="85000"/>
+          </a:schemeClr>
+        </a:solidFill>
+        <a:round/>
+      </a:ln>
+    </cs:spPr>
+    <cs:defRPr sz="1330" kern="1200"/>
+  </cs:chartArea>
+  <cs:dataLabel>
+    <cs:lnRef idx="0"/>
+    <cs:fillRef idx="0"/>
+    <cs:effectRef idx="0"/>
+    <cs:fontRef idx="minor">
+      <a:schemeClr val="tx1">
+        <a:lumMod val="75000"/>
+        <a:lumOff val="25000"/>
+      </a:schemeClr>
+    </cs:fontRef>
+    <cs:defRPr sz="1197" kern="1200"/>
+  </cs:dataLabel>
+  <cs:dataLabelCallout>
+    <cs:lnRef idx="0"/>
+    <cs:fillRef idx="0"/>
+    <cs:effectRef idx="0"/>
+    <cs:fontRef idx="minor">
+      <a:schemeClr val="dk1">
+        <a:lumMod val="65000"/>
+        <a:lumOff val="35000"/>
+      </a:schemeClr>
+    </cs:fontRef>
+    <cs:spPr>
+      <a:solidFill>
+        <a:schemeClr val="lt1"/>
+      </a:solidFill>
+      <a:ln>
+        <a:solidFill>
+          <a:schemeClr val="dk1">
+            <a:lumMod val="25000"/>
+            <a:lumOff val="75000"/>
+          </a:schemeClr>
+        </a:solidFill>
+      </a:ln>
+    </cs:spPr>
+    <cs:defRPr sz="1197" kern="1200"/>
+    <cs:bodyPr rot="0" spcFirstLastPara="1" vertOverflow="clip" horzOverflow="clip" vert="horz" wrap="square" lIns="36576" tIns="18288" rIns="36576" bIns="18288" anchor="ctr" anchorCtr="1">
+      <a:spAutoFit/>
+    </cs:bodyPr>
+  </cs:dataLabelCallout>
+  <cs:dataPoint>
+    <cs:lnRef idx="0"/>
+    <cs:fillRef idx="1">
+      <cs:styleClr val="auto"/>
+    </cs:fillRef>
+    <cs:effectRef idx="0"/>
+    <cs:fontRef idx="minor">
+      <a:schemeClr val="tx1"/>
+    </cs:fontRef>
+  </cs:dataPoint>
+  <cs:dataPoint3D>
+    <cs:lnRef idx="0"/>
+    <cs:fillRef idx="1">
+      <cs:styleClr val="auto"/>
+    </cs:fillRef>
+    <cs:effectRef idx="0"/>
+    <cs:fontRef idx="minor">
+      <a:schemeClr val="tx1"/>
+    </cs:fontRef>
+  </cs:dataPoint3D>
+  <cs:dataPointLine>
+    <cs:lnRef idx="0">
+      <cs:styleClr val="auto"/>
+    </cs:lnRef>
+    <cs:fillRef idx="1"/>
+    <cs:effectRef idx="0"/>
+    <cs:fontRef idx="minor">
+      <a:schemeClr val="tx1"/>
+    </cs:fontRef>
+    <cs:spPr>
+      <a:ln w="28575" cap="rnd">
+        <a:solidFill>
+          <a:schemeClr val="phClr"/>
+        </a:solidFill>
+        <a:round/>
+      </a:ln>
+    </cs:spPr>
+  </cs:dataPointLine>
+  <cs:dataPointMarker>
+    <cs:lnRef idx="0">
+      <cs:styleClr val="auto"/>
+    </cs:lnRef>
+    <cs:fillRef idx="1">
+      <cs:styleClr val="auto"/>
+    </cs:fillRef>
+    <cs:effectRef idx="0"/>
+    <cs:fontRef idx="minor">
+      <a:schemeClr val="tx1"/>
+    </cs:fontRef>
+    <cs:spPr>
+      <a:ln w="9525">
+        <a:solidFill>
+          <a:schemeClr val="phClr"/>
+        </a:solidFill>
+      </a:ln>
+    </cs:spPr>
+  </cs:dataPointMarker>
+  <cs:dataPointMarkerLayout symbol="circle" size="5"/>
+  <cs:dataPointWireframe>
+    <cs:lnRef idx="0">
+      <cs:styleClr val="auto"/>
+    </cs:lnRef>
+    <cs:fillRef idx="1"/>
+    <cs:effectRef idx="0"/>
+    <cs:fontRef idx="minor">
+      <a:schemeClr val="tx1"/>
+    </cs:fontRef>
+    <cs:spPr>
+      <a:ln w="9525" cap="rnd">
+        <a:solidFill>
+          <a:schemeClr val="phClr"/>
+        </a:solidFill>
+        <a:round/>
+      </a:ln>
+    </cs:spPr>
+  </cs:dataPointWireframe>
+  <cs:dataTable>
+    <cs:lnRef idx="0"/>
+    <cs:fillRef idx="0"/>
+    <cs:effectRef idx="0"/>
+    <cs:fontRef idx="minor">
+      <a:schemeClr val="tx1">
+        <a:lumMod val="65000"/>
+        <a:lumOff val="35000"/>
+      </a:schemeClr>
+    </cs:fontRef>
+    <cs:spPr>
+      <a:noFill/>
+      <a:ln w="9525" cap="flat" cmpd="sng" algn="ctr">
+        <a:solidFill>
+          <a:schemeClr val="tx1">
+            <a:lumMod val="15000"/>
+            <a:lumOff val="85000"/>
+          </a:schemeClr>
+        </a:solidFill>
+        <a:round/>
+      </a:ln>
+    </cs:spPr>
+    <cs:defRPr sz="1197" kern="1200"/>
+  </cs:dataTable>
+  <cs:downBar>
+    <cs:lnRef idx="0"/>
+    <cs:fillRef idx="0"/>
+    <cs:effectRef idx="0"/>
+    <cs:fontRef idx="minor">
+      <a:schemeClr val="dk1"/>
+    </cs:fontRef>
+    <cs:spPr>
+      <a:solidFill>
+        <a:schemeClr val="dk1">
+          <a:lumMod val="65000"/>
+          <a:lumOff val="35000"/>
+        </a:schemeClr>
+      </a:solidFill>
+      <a:ln w="9525">
+        <a:solidFill>
+          <a:schemeClr val="tx1">
+            <a:lumMod val="65000"/>
+            <a:lumOff val="35000"/>
+          </a:schemeClr>
+        </a:solidFill>
+      </a:ln>
+    </cs:spPr>
+  </cs:downBar>
+  <cs:dropLine>
+    <cs:lnRef idx="0"/>
+    <cs:fillRef idx="0"/>
+    <cs:effectRef idx="0"/>
+    <cs:fontRef idx="minor">
+      <a:schemeClr val="tx1"/>
+    </cs:fontRef>
+    <cs:spPr>
+      <a:ln w="9525" cap="flat" cmpd="sng" algn="ctr">
+        <a:solidFill>
+          <a:schemeClr val="tx1">
+            <a:lumMod val="35000"/>
+            <a:lumOff val="65000"/>
+          </a:schemeClr>
+        </a:solidFill>
+        <a:round/>
+      </a:ln>
+    </cs:spPr>
+  </cs:dropLine>
+  <cs:errorBar>
+    <cs:lnRef idx="0"/>
+    <cs:fillRef idx="0"/>
+    <cs:effectRef idx="0"/>
+    <cs:fontRef idx="minor">
+      <a:schemeClr val="tx1"/>
+    </cs:fontRef>
+    <cs:spPr>
+      <a:ln w="9525" cap="flat" cmpd="sng" algn="ctr">
+        <a:solidFill>
+          <a:schemeClr val="tx1">
+            <a:lumMod val="65000"/>
+            <a:lumOff val="35000"/>
+          </a:schemeClr>
+        </a:solidFill>
+        <a:round/>
+      </a:ln>
+    </cs:spPr>
+  </cs:errorBar>
+  <cs:floor>
+    <cs:lnRef idx="0"/>
+    <cs:fillRef idx="0"/>
+    <cs:effectRef idx="0"/>
+    <cs:fontRef idx="minor">
+      <a:schemeClr val="tx1"/>
+    </cs:fontRef>
+    <cs:spPr>
+      <a:noFill/>
+      <a:ln>
+        <a:noFill/>
+      </a:ln>
+    </cs:spPr>
+  </cs:floor>
+  <cs:gridlineMajor>
+    <cs:lnRef idx="0"/>
+    <cs:fillRef idx="0"/>
+    <cs:effectRef idx="0"/>
+    <cs:fontRef idx="minor">
+      <a:schemeClr val="tx1"/>
+    </cs:fontRef>
+    <cs:spPr>
+      <a:ln w="9525" cap="flat" cmpd="sng" algn="ctr">
+        <a:solidFill>
+          <a:schemeClr val="tx1">
+            <a:lumMod val="15000"/>
+            <a:lumOff val="85000"/>
+          </a:schemeClr>
+        </a:solidFill>
+        <a:round/>
+      </a:ln>
+    </cs:spPr>
+  </cs:gridlineMajor>
+  <cs:gridlineMinor>
+    <cs:lnRef idx="0"/>
+    <cs:fillRef idx="0"/>
+    <cs:effectRef idx="0"/>
+    <cs:fontRef idx="minor">
+      <a:schemeClr val="tx1"/>
+    </cs:fontRef>
+    <cs:spPr>
+      <a:ln w="9525" cap="flat" cmpd="sng" algn="ctr">
+        <a:solidFill>
+          <a:schemeClr val="tx1">
+            <a:lumMod val="5000"/>
+            <a:lumOff val="95000"/>
+          </a:schemeClr>
+        </a:solidFill>
+        <a:round/>
+      </a:ln>
+    </cs:spPr>
+  </cs:gridlineMinor>
+  <cs:hiLoLine>
+    <cs:lnRef idx="0"/>
+    <cs:fillRef idx="0"/>
+    <cs:effectRef idx="0"/>
+    <cs:fontRef idx="minor">
+      <a:schemeClr val="tx1"/>
+    </cs:fontRef>
+    <cs:spPr>
+      <a:ln w="9525" cap="flat" cmpd="sng" algn="ctr">
+        <a:solidFill>
+          <a:schemeClr val="tx1">
+            <a:lumMod val="75000"/>
+            <a:lumOff val="25000"/>
+          </a:schemeClr>
+        </a:solidFill>
+        <a:round/>
+      </a:ln>
+    </cs:spPr>
+  </cs:hiLoLine>
+  <cs:leaderLine>
+    <cs:lnRef idx="0"/>
+    <cs:fillRef idx="0"/>
+    <cs:effectRef idx="0"/>
+    <cs:fontRef idx="minor">
+      <a:schemeClr val="tx1"/>
+    </cs:fontRef>
+    <cs:spPr>
+      <a:ln w="9525" cap="flat" cmpd="sng" algn="ctr">
+        <a:solidFill>
+          <a:schemeClr val="tx1">
+            <a:lumMod val="35000"/>
+            <a:lumOff val="65000"/>
+          </a:schemeClr>
+        </a:solidFill>
+        <a:round/>
+      </a:ln>
+    </cs:spPr>
+  </cs:leaderLine>
+  <cs:legend>
+    <cs:lnRef idx="0"/>
+    <cs:fillRef idx="0"/>
+    <cs:effectRef idx="0"/>
+    <cs:fontRef idx="minor">
+      <a:schemeClr val="tx1">
+        <a:lumMod val="65000"/>
+        <a:lumOff val="35000"/>
+      </a:schemeClr>
+    </cs:fontRef>
+    <cs:defRPr sz="1197" kern="1200"/>
+  </cs:legend>
+  <cs:plotArea mods="allowNoFillOverride allowNoLineOverride">
+    <cs:lnRef idx="0"/>
+    <cs:fillRef idx="0"/>
+    <cs:effectRef idx="0"/>
+    <cs:fontRef idx="minor">
+      <a:schemeClr val="tx1"/>
+    </cs:fontRef>
+  </cs:plotArea>
+  <cs:plotArea3D mods="allowNoFillOverride allowNoLineOverride">
+    <cs:lnRef idx="0"/>
+    <cs:fillRef idx="0"/>
+    <cs:effectRef idx="0"/>
+    <cs:fontRef idx="minor">
+      <a:schemeClr val="tx1"/>
+    </cs:fontRef>
+  </cs:plotArea3D>
+  <cs:seriesAxis>
+    <cs:lnRef idx="0"/>
+    <cs:fillRef idx="0"/>
+    <cs:effectRef idx="0"/>
+    <cs:fontRef idx="minor">
+      <a:schemeClr val="tx1">
+        <a:lumMod val="65000"/>
+        <a:lumOff val="35000"/>
+      </a:schemeClr>
+    </cs:fontRef>
+    <cs:defRPr sz="1197" kern="1200"/>
+  </cs:seriesAxis>
+  <cs:seriesLine>
+    <cs:lnRef idx="0"/>
+    <cs:fillRef idx="0"/>
+    <cs:effectRef idx="0"/>
+    <cs:fontRef idx="minor">
+      <a:schemeClr val="tx1"/>
+    </cs:fontRef>
+    <cs:spPr>
+      <a:ln w="9525" cap="flat" cmpd="sng" algn="ctr">
+        <a:solidFill>
+          <a:schemeClr val="tx1">
+            <a:lumMod val="35000"/>
+            <a:lumOff val="65000"/>
+          </a:schemeClr>
+        </a:solidFill>
+        <a:round/>
+      </a:ln>
+    </cs:spPr>
+  </cs:seriesLine>
+  <cs:title>
+    <cs:lnRef idx="0"/>
+    <cs:fillRef idx="0"/>
+    <cs:effectRef idx="0"/>
+    <cs:fontRef idx="minor">
+      <a:schemeClr val="tx1">
+        <a:lumMod val="65000"/>
+        <a:lumOff val="35000"/>
+      </a:schemeClr>
+    </cs:fontRef>
+    <cs:defRPr sz="1862" b="0" kern="1200" spc="0" baseline="0"/>
+  </cs:title>
+  <cs:trendline>
+    <cs:lnRef idx="0">
+      <cs:styleClr val="auto"/>
+    </cs:lnRef>
+    <cs:fillRef idx="0"/>
+    <cs:effectRef idx="0"/>
+    <cs:fontRef idx="minor">
+      <a:schemeClr val="tx1"/>
+    </cs:fontRef>
+    <cs:spPr>
+      <a:ln w="19050" cap="rnd">
+        <a:solidFill>
+          <a:schemeClr val="phClr"/>
+        </a:solidFill>
+        <a:prstDash val="sysDot"/>
+      </a:ln>
+    </cs:spPr>
+  </cs:trendline>
+  <cs:trendlineLabel>
+    <cs:lnRef idx="0"/>
+    <cs:fillRef idx="0"/>
+    <cs:effectRef idx="0"/>
+    <cs:fontRef idx="minor">
+      <a:schemeClr val="tx1">
+        <a:lumMod val="65000"/>
+        <a:lumOff val="35000"/>
+      </a:schemeClr>
+    </cs:fontRef>
+    <cs:defRPr sz="1197" kern="1200"/>
+  </cs:trendlineLabel>
+  <cs:upBar>
+    <cs:lnRef idx="0"/>
+    <cs:fillRef idx="0"/>
+    <cs:effectRef idx="0"/>
+    <cs:fontRef idx="minor">
+      <a:schemeClr val="dk1"/>
+    </cs:fontRef>
+    <cs:spPr>
+      <a:solidFill>
+        <a:schemeClr val="lt1"/>
+      </a:solidFill>
+      <a:ln w="9525">
+        <a:solidFill>
+          <a:schemeClr val="tx1">
+            <a:lumMod val="15000"/>
+            <a:lumOff val="85000"/>
+          </a:schemeClr>
+        </a:solidFill>
+      </a:ln>
+    </cs:spPr>
+  </cs:upBar>
+  <cs:valueAxis>
+    <cs:lnRef idx="0"/>
+    <cs:fillRef idx="0"/>
+    <cs:effectRef idx="0"/>
+    <cs:fontRef idx="minor">
+      <a:schemeClr val="tx1">
+        <a:lumMod val="65000"/>
+        <a:lumOff val="35000"/>
+      </a:schemeClr>
+    </cs:fontRef>
+    <cs:defRPr sz="1197" kern="1200"/>
+  </cs:valueAxis>
+  <cs:wall>
+    <cs:lnRef idx="0"/>
+    <cs:fillRef idx="0"/>
+    <cs:effectRef idx="0"/>
+    <cs:fontRef idx="minor">
+      <a:schemeClr val="tx1"/>
+    </cs:fontRef>
+    <cs:spPr>
+      <a:noFill/>
+      <a:ln>
+        <a:noFill/>
+      </a:ln>
+    </cs:spPr>
+  </cs:wall>
+</cs:chartStyle>
+</file>
+
+<file path=ppt/charts/style5.xml><?xml version="1.0" encoding="utf-8"?>
+<cs:chartStyle xmlns:cs="http://schemas.microsoft.com/office/drawing/2012/chartStyle" xmlns:a="http://schemas.openxmlformats.org/drawingml/2006/main" id="201">
+  <cs:axisTitle>
+    <cs:lnRef idx="0"/>
+    <cs:fillRef idx="0"/>
+    <cs:effectRef idx="0"/>
+    <cs:fontRef idx="minor">
+      <a:schemeClr val="tx1">
+        <a:lumMod val="65000"/>
+        <a:lumOff val="35000"/>
+      </a:schemeClr>
+    </cs:fontRef>
+    <cs:defRPr sz="1330" kern="1200"/>
+  </cs:axisTitle>
+  <cs:categoryAxis>
+    <cs:lnRef idx="0"/>
+    <cs:fillRef idx="0"/>
+    <cs:effectRef idx="0"/>
+    <cs:fontRef idx="minor">
+      <a:schemeClr val="tx1">
+        <a:lumMod val="65000"/>
+        <a:lumOff val="35000"/>
+      </a:schemeClr>
+    </cs:fontRef>
+    <cs:spPr>
+      <a:ln w="9525" cap="flat" cmpd="sng" algn="ctr">
+        <a:solidFill>
+          <a:schemeClr val="tx1">
+            <a:lumMod val="15000"/>
+            <a:lumOff val="85000"/>
+          </a:schemeClr>
+        </a:solidFill>
+        <a:round/>
+      </a:ln>
+    </cs:spPr>
+    <cs:defRPr sz="1197" kern="1200"/>
+  </cs:categoryAxis>
+  <cs:chartArea mods="allowNoFillOverride allowNoLineOverride">
+    <cs:lnRef idx="0"/>
+    <cs:fillRef idx="0"/>
+    <cs:effectRef idx="0"/>
+    <cs:fontRef idx="minor">
+      <a:schemeClr val="tx1"/>
+    </cs:fontRef>
+    <cs:spPr>
+      <a:solidFill>
+        <a:schemeClr val="bg1"/>
+      </a:solidFill>
+      <a:ln w="9525" cap="flat" cmpd="sng" algn="ctr">
+        <a:solidFill>
+          <a:schemeClr val="tx1">
+            <a:lumMod val="15000"/>
+            <a:lumOff val="85000"/>
+          </a:schemeClr>
+        </a:solidFill>
+        <a:round/>
+      </a:ln>
+    </cs:spPr>
+    <cs:defRPr sz="1330" kern="1200"/>
+  </cs:chartArea>
+  <cs:dataLabel>
+    <cs:lnRef idx="0"/>
+    <cs:fillRef idx="0"/>
+    <cs:effectRef idx="0"/>
+    <cs:fontRef idx="minor">
+      <a:schemeClr val="tx1">
+        <a:lumMod val="75000"/>
+        <a:lumOff val="25000"/>
+      </a:schemeClr>
+    </cs:fontRef>
+    <cs:defRPr sz="1197" kern="1200"/>
+  </cs:dataLabel>
+  <cs:dataLabelCallout>
+    <cs:lnRef idx="0"/>
+    <cs:fillRef idx="0"/>
+    <cs:effectRef idx="0"/>
+    <cs:fontRef idx="minor">
+      <a:schemeClr val="dk1">
+        <a:lumMod val="65000"/>
+        <a:lumOff val="35000"/>
+      </a:schemeClr>
+    </cs:fontRef>
+    <cs:spPr>
+      <a:solidFill>
+        <a:schemeClr val="lt1"/>
+      </a:solidFill>
+      <a:ln>
+        <a:solidFill>
+          <a:schemeClr val="dk1">
+            <a:lumMod val="25000"/>
+            <a:lumOff val="75000"/>
+          </a:schemeClr>
+        </a:solidFill>
+      </a:ln>
+    </cs:spPr>
+    <cs:defRPr sz="1197" kern="1200"/>
+    <cs:bodyPr rot="0" spcFirstLastPara="1" vertOverflow="clip" horzOverflow="clip" vert="horz" wrap="square" lIns="36576" tIns="18288" rIns="36576" bIns="18288" anchor="ctr" anchorCtr="1">
+      <a:spAutoFit/>
+    </cs:bodyPr>
+  </cs:dataLabelCallout>
+  <cs:dataPoint>
+    <cs:lnRef idx="0"/>
+    <cs:fillRef idx="1">
+      <cs:styleClr val="auto"/>
+    </cs:fillRef>
+    <cs:effectRef idx="0"/>
+    <cs:fontRef idx="minor">
+      <a:schemeClr val="tx1"/>
+    </cs:fontRef>
+  </cs:dataPoint>
+  <cs:dataPoint3D>
+    <cs:lnRef idx="0"/>
+    <cs:fillRef idx="1">
+      <cs:styleClr val="auto"/>
+    </cs:fillRef>
+    <cs:effectRef idx="0"/>
+    <cs:fontRef idx="minor">
+      <a:schemeClr val="tx1"/>
+    </cs:fontRef>
+  </cs:dataPoint3D>
+  <cs:dataPointLine>
+    <cs:lnRef idx="0">
+      <cs:styleClr val="auto"/>
+    </cs:lnRef>
+    <cs:fillRef idx="1"/>
+    <cs:effectRef idx="0"/>
+    <cs:fontRef idx="minor">
+      <a:schemeClr val="tx1"/>
+    </cs:fontRef>
+    <cs:spPr>
+      <a:ln w="28575" cap="rnd">
+        <a:solidFill>
+          <a:schemeClr val="phClr"/>
+        </a:solidFill>
+        <a:round/>
+      </a:ln>
+    </cs:spPr>
+  </cs:dataPointLine>
+  <cs:dataPointMarker>
+    <cs:lnRef idx="0">
+      <cs:styleClr val="auto"/>
+    </cs:lnRef>
+    <cs:fillRef idx="1">
+      <cs:styleClr val="auto"/>
+    </cs:fillRef>
+    <cs:effectRef idx="0"/>
+    <cs:fontRef idx="minor">
+      <a:schemeClr val="tx1"/>
+    </cs:fontRef>
+    <cs:spPr>
+      <a:ln w="9525">
+        <a:solidFill>
+          <a:schemeClr val="phClr"/>
+        </a:solidFill>
+      </a:ln>
+    </cs:spPr>
+  </cs:dataPointMarker>
+  <cs:dataPointMarkerLayout symbol="circle" size="5"/>
+  <cs:dataPointWireframe>
+    <cs:lnRef idx="0">
+      <cs:styleClr val="auto"/>
+    </cs:lnRef>
+    <cs:fillRef idx="1"/>
+    <cs:effectRef idx="0"/>
+    <cs:fontRef idx="minor">
+      <a:schemeClr val="tx1"/>
+    </cs:fontRef>
+    <cs:spPr>
+      <a:ln w="9525" cap="rnd">
+        <a:solidFill>
+          <a:schemeClr val="phClr"/>
+        </a:solidFill>
+        <a:round/>
+      </a:ln>
+    </cs:spPr>
+  </cs:dataPointWireframe>
+  <cs:dataTable>
+    <cs:lnRef idx="0"/>
+    <cs:fillRef idx="0"/>
+    <cs:effectRef idx="0"/>
+    <cs:fontRef idx="minor">
+      <a:schemeClr val="tx1">
+        <a:lumMod val="65000"/>
+        <a:lumOff val="35000"/>
+      </a:schemeClr>
+    </cs:fontRef>
+    <cs:spPr>
+      <a:noFill/>
+      <a:ln w="9525" cap="flat" cmpd="sng" algn="ctr">
+        <a:solidFill>
+          <a:schemeClr val="tx1">
+            <a:lumMod val="15000"/>
+            <a:lumOff val="85000"/>
+          </a:schemeClr>
+        </a:solidFill>
+        <a:round/>
+      </a:ln>
+    </cs:spPr>
+    <cs:defRPr sz="1197" kern="1200"/>
+  </cs:dataTable>
+  <cs:downBar>
+    <cs:lnRef idx="0"/>
+    <cs:fillRef idx="0"/>
+    <cs:effectRef idx="0"/>
+    <cs:fontRef idx="minor">
+      <a:schemeClr val="dk1"/>
+    </cs:fontRef>
+    <cs:spPr>
+      <a:solidFill>
+        <a:schemeClr val="dk1">
+          <a:lumMod val="65000"/>
+          <a:lumOff val="35000"/>
+        </a:schemeClr>
+      </a:solidFill>
+      <a:ln w="9525">
+        <a:solidFill>
+          <a:schemeClr val="tx1">
+            <a:lumMod val="65000"/>
+            <a:lumOff val="35000"/>
+          </a:schemeClr>
+        </a:solidFill>
+      </a:ln>
+    </cs:spPr>
+  </cs:downBar>
+  <cs:dropLine>
+    <cs:lnRef idx="0"/>
+    <cs:fillRef idx="0"/>
+    <cs:effectRef idx="0"/>
+    <cs:fontRef idx="minor">
+      <a:schemeClr val="tx1"/>
+    </cs:fontRef>
+    <cs:spPr>
+      <a:ln w="9525" cap="flat" cmpd="sng" algn="ctr">
+        <a:solidFill>
+          <a:schemeClr val="tx1">
+            <a:lumMod val="35000"/>
+            <a:lumOff val="65000"/>
+          </a:schemeClr>
+        </a:solidFill>
+        <a:round/>
+      </a:ln>
+    </cs:spPr>
+  </cs:dropLine>
+  <cs:errorBar>
+    <cs:lnRef idx="0"/>
+    <cs:fillRef idx="0"/>
+    <cs:effectRef idx="0"/>
+    <cs:fontRef idx="minor">
+      <a:schemeClr val="tx1"/>
+    </cs:fontRef>
+    <cs:spPr>
+      <a:ln w="9525" cap="flat" cmpd="sng" algn="ctr">
+        <a:solidFill>
+          <a:schemeClr val="tx1">
+            <a:lumMod val="65000"/>
+            <a:lumOff val="35000"/>
+          </a:schemeClr>
+        </a:solidFill>
+        <a:round/>
+      </a:ln>
+    </cs:spPr>
+  </cs:errorBar>
+  <cs:floor>
+    <cs:lnRef idx="0"/>
+    <cs:fillRef idx="0"/>
+    <cs:effectRef idx="0"/>
+    <cs:fontRef idx="minor">
+      <a:schemeClr val="tx1"/>
+    </cs:fontRef>
+    <cs:spPr>
+      <a:noFill/>
+      <a:ln>
+        <a:noFill/>
+      </a:ln>
+    </cs:spPr>
+  </cs:floor>
+  <cs:gridlineMajor>
+    <cs:lnRef idx="0"/>
+    <cs:fillRef idx="0"/>
+    <cs:effectRef idx="0"/>
+    <cs:fontRef idx="minor">
+      <a:schemeClr val="tx1"/>
+    </cs:fontRef>
+    <cs:spPr>
+      <a:ln w="9525" cap="flat" cmpd="sng" algn="ctr">
+        <a:solidFill>
+          <a:schemeClr val="tx1">
+            <a:lumMod val="15000"/>
+            <a:lumOff val="85000"/>
+          </a:schemeClr>
+        </a:solidFill>
+        <a:round/>
+      </a:ln>
+    </cs:spPr>
+  </cs:gridlineMajor>
+  <cs:gridlineMinor>
+    <cs:lnRef idx="0"/>
+    <cs:fillRef idx="0"/>
+    <cs:effectRef idx="0"/>
+    <cs:fontRef idx="minor">
+      <a:schemeClr val="tx1"/>
+    </cs:fontRef>
+    <cs:spPr>
+      <a:ln w="9525" cap="flat" cmpd="sng" algn="ctr">
+        <a:solidFill>
+          <a:schemeClr val="tx1">
+            <a:lumMod val="5000"/>
+            <a:lumOff val="95000"/>
+          </a:schemeClr>
+        </a:solidFill>
+        <a:round/>
+      </a:ln>
+    </cs:spPr>
+  </cs:gridlineMinor>
+  <cs:hiLoLine>
+    <cs:lnRef idx="0"/>
+    <cs:fillRef idx="0"/>
+    <cs:effectRef idx="0"/>
+    <cs:fontRef idx="minor">
+      <a:schemeClr val="tx1"/>
+    </cs:fontRef>
+    <cs:spPr>
+      <a:ln w="9525" cap="flat" cmpd="sng" algn="ctr">
+        <a:solidFill>
+          <a:schemeClr val="tx1">
+            <a:lumMod val="75000"/>
+            <a:lumOff val="25000"/>
+          </a:schemeClr>
+        </a:solidFill>
+        <a:round/>
+      </a:ln>
+    </cs:spPr>
+  </cs:hiLoLine>
+  <cs:leaderLine>
+    <cs:lnRef idx="0"/>
+    <cs:fillRef idx="0"/>
+    <cs:effectRef idx="0"/>
+    <cs:fontRef idx="minor">
+      <a:schemeClr val="tx1"/>
+    </cs:fontRef>
+    <cs:spPr>
+      <a:ln w="9525" cap="flat" cmpd="sng" algn="ctr">
+        <a:solidFill>
+          <a:schemeClr val="tx1">
+            <a:lumMod val="35000"/>
+            <a:lumOff val="65000"/>
+          </a:schemeClr>
+        </a:solidFill>
+        <a:round/>
+      </a:ln>
+    </cs:spPr>
+  </cs:leaderLine>
+  <cs:legend>
+    <cs:lnRef idx="0"/>
+    <cs:fillRef idx="0"/>
+    <cs:effectRef idx="0"/>
+    <cs:fontRef idx="minor">
+      <a:schemeClr val="tx1">
+        <a:lumMod val="65000"/>
+        <a:lumOff val="35000"/>
+      </a:schemeClr>
+    </cs:fontRef>
+    <cs:defRPr sz="1197" kern="1200"/>
+  </cs:legend>
+  <cs:plotArea mods="allowNoFillOverride allowNoLineOverride">
+    <cs:lnRef idx="0"/>
+    <cs:fillRef idx="0"/>
+    <cs:effectRef idx="0"/>
+    <cs:fontRef idx="minor">
+      <a:schemeClr val="tx1"/>
+    </cs:fontRef>
+  </cs:plotArea>
+  <cs:plotArea3D mods="allowNoFillOverride allowNoLineOverride">
+    <cs:lnRef idx="0"/>
+    <cs:fillRef idx="0"/>
+    <cs:effectRef idx="0"/>
+    <cs:fontRef idx="minor">
+      <a:schemeClr val="tx1"/>
+    </cs:fontRef>
+  </cs:plotArea3D>
+  <cs:seriesAxis>
+    <cs:lnRef idx="0"/>
+    <cs:fillRef idx="0"/>
+    <cs:effectRef idx="0"/>
+    <cs:fontRef idx="minor">
+      <a:schemeClr val="tx1">
+        <a:lumMod val="65000"/>
+        <a:lumOff val="35000"/>
+      </a:schemeClr>
+    </cs:fontRef>
+    <cs:defRPr sz="1197" kern="1200"/>
+  </cs:seriesAxis>
+  <cs:seriesLine>
+    <cs:lnRef idx="0"/>
+    <cs:fillRef idx="0"/>
+    <cs:effectRef idx="0"/>
+    <cs:fontRef idx="minor">
+      <a:schemeClr val="tx1"/>
+    </cs:fontRef>
+    <cs:spPr>
+      <a:ln w="9525" cap="flat" cmpd="sng" algn="ctr">
+        <a:solidFill>
+          <a:schemeClr val="tx1">
+            <a:lumMod val="35000"/>
+            <a:lumOff val="65000"/>
+          </a:schemeClr>
+        </a:solidFill>
+        <a:round/>
+      </a:ln>
+    </cs:spPr>
+  </cs:seriesLine>
+  <cs:title>
+    <cs:lnRef idx="0"/>
+    <cs:fillRef idx="0"/>
+    <cs:effectRef idx="0"/>
+    <cs:fontRef idx="minor">
+      <a:schemeClr val="tx1">
+        <a:lumMod val="65000"/>
+        <a:lumOff val="35000"/>
+      </a:schemeClr>
+    </cs:fontRef>
+    <cs:defRPr sz="1862" b="0" kern="1200" spc="0" baseline="0"/>
+  </cs:title>
+  <cs:trendline>
+    <cs:lnRef idx="0">
+      <cs:styleClr val="auto"/>
+    </cs:lnRef>
+    <cs:fillRef idx="0"/>
+    <cs:effectRef idx="0"/>
+    <cs:fontRef idx="minor">
+      <a:schemeClr val="tx1"/>
+    </cs:fontRef>
+    <cs:spPr>
+      <a:ln w="19050" cap="rnd">
+        <a:solidFill>
+          <a:schemeClr val="phClr"/>
+        </a:solidFill>
+        <a:prstDash val="sysDot"/>
+      </a:ln>
+    </cs:spPr>
+  </cs:trendline>
+  <cs:trendlineLabel>
+    <cs:lnRef idx="0"/>
+    <cs:fillRef idx="0"/>
+    <cs:effectRef idx="0"/>
+    <cs:fontRef idx="minor">
+      <a:schemeClr val="tx1">
+        <a:lumMod val="65000"/>
+        <a:lumOff val="35000"/>
+      </a:schemeClr>
+    </cs:fontRef>
+    <cs:defRPr sz="1197" kern="1200"/>
+  </cs:trendlineLabel>
+  <cs:upBar>
+    <cs:lnRef idx="0"/>
+    <cs:fillRef idx="0"/>
+    <cs:effectRef idx="0"/>
+    <cs:fontRef idx="minor">
+      <a:schemeClr val="dk1"/>
+    </cs:fontRef>
+    <cs:spPr>
+      <a:solidFill>
+        <a:schemeClr val="lt1"/>
+      </a:solidFill>
+      <a:ln w="9525">
+        <a:solidFill>
+          <a:schemeClr val="tx1">
+            <a:lumMod val="15000"/>
+            <a:lumOff val="85000"/>
+          </a:schemeClr>
+        </a:solidFill>
+      </a:ln>
+    </cs:spPr>
+  </cs:upBar>
+  <cs:valueAxis>
+    <cs:lnRef idx="0"/>
+    <cs:fillRef idx="0"/>
+    <cs:effectRef idx="0"/>
+    <cs:fontRef idx="minor">
+      <a:schemeClr val="tx1">
+        <a:lumMod val="65000"/>
+        <a:lumOff val="35000"/>
+      </a:schemeClr>
+    </cs:fontRef>
+    <cs:defRPr sz="1197" kern="1200"/>
+  </cs:valueAxis>
+  <cs:wall>
+    <cs:lnRef idx="0"/>
+    <cs:fillRef idx="0"/>
+    <cs:effectRef idx="0"/>
+    <cs:fontRef idx="minor">
+      <a:schemeClr val="tx1"/>
+    </cs:fontRef>
+    <cs:spPr>
+      <a:noFill/>
+      <a:ln>
+        <a:noFill/>
+      </a:ln>
+    </cs:spPr>
+  </cs:wall>
+</cs:chartStyle>
+</file>
+
 <file path=ppt/notesMasters/notesMaster1.xml><?xml version="1.0" encoding="utf-8"?>
 <p:notesMaster xmlns:a="http://schemas.openxmlformats.org/drawingml/2006/main" xmlns:r="http://schemas.openxmlformats.org/officeDocument/2006/relationships" xmlns:p="http://schemas.openxmlformats.org/presentationml/2006/main">
   <p:cSld>
@@ -3009,7 +4888,7 @@
           <a:p>
             <a:fld id="{921DB55A-F66E-884C-A409-CC81ACA880E7}" type="datetimeFigureOut">
               <a:rPr lang="en-US" smtClean="0"/>
-              <a:t>11/26/16</a:t>
+              <a:t>11/28/16</a:t>
             </a:fld>
             <a:endParaRPr lang="en-US"/>
           </a:p>
@@ -3565,7 +5444,7 @@
             <a:fld id="{B61BEF0D-F0BB-DE4B-95CE-6DB70DBA9567}" type="datetimeFigureOut">
               <a:rPr lang="en-US" dirty="0"/>
               <a:pPr/>
-              <a:t>11/26/16</a:t>
+              <a:t>11/28/16</a:t>
             </a:fld>
             <a:endParaRPr lang="en-US" dirty="0"/>
           </a:p>
@@ -3900,7 +5779,7 @@
             <a:fld id="{B61BEF0D-F0BB-DE4B-95CE-6DB70DBA9567}" type="datetimeFigureOut">
               <a:rPr lang="en-US" dirty="0"/>
               <a:pPr/>
-              <a:t>11/26/16</a:t>
+              <a:t>11/28/16</a:t>
             </a:fld>
             <a:endParaRPr lang="en-US" dirty="0"/>
           </a:p>
@@ -4298,7 +6177,7 @@
             <a:fld id="{B61BEF0D-F0BB-DE4B-95CE-6DB70DBA9567}" type="datetimeFigureOut">
               <a:rPr lang="en-US" dirty="0"/>
               <a:pPr/>
-              <a:t>11/26/16</a:t>
+              <a:t>11/28/16</a:t>
             </a:fld>
             <a:endParaRPr lang="en-US" dirty="0"/>
           </a:p>
@@ -4631,7 +6510,7 @@
             <a:fld id="{B61BEF0D-F0BB-DE4B-95CE-6DB70DBA9567}" type="datetimeFigureOut">
               <a:rPr lang="en-US" dirty="0"/>
               <a:pPr/>
-              <a:t>11/26/16</a:t>
+              <a:t>11/28/16</a:t>
             </a:fld>
             <a:endParaRPr lang="en-US" dirty="0"/>
           </a:p>
@@ -4948,7 +6827,7 @@
             <a:fld id="{B61BEF0D-F0BB-DE4B-95CE-6DB70DBA9567}" type="datetimeFigureOut">
               <a:rPr lang="en-US" dirty="0"/>
               <a:pPr/>
-              <a:t>11/26/16</a:t>
+              <a:t>11/28/16</a:t>
             </a:fld>
             <a:endParaRPr lang="en-US" dirty="0"/>
           </a:p>
@@ -5341,7 +7220,7 @@
             <a:fld id="{B61BEF0D-F0BB-DE4B-95CE-6DB70DBA9567}" type="datetimeFigureOut">
               <a:rPr lang="en-US" dirty="0"/>
               <a:pPr/>
-              <a:t>11/26/16</a:t>
+              <a:t>11/28/16</a:t>
             </a:fld>
             <a:endParaRPr lang="en-US" dirty="0"/>
           </a:p>
@@ -5595,7 +7474,7 @@
             <a:fld id="{B61BEF0D-F0BB-DE4B-95CE-6DB70DBA9567}" type="datetimeFigureOut">
               <a:rPr lang="en-US" dirty="0"/>
               <a:pPr/>
-              <a:t>11/26/16</a:t>
+              <a:t>11/28/16</a:t>
             </a:fld>
             <a:endParaRPr lang="en-US" dirty="0"/>
           </a:p>
@@ -5854,7 +7733,7 @@
             <a:fld id="{B61BEF0D-F0BB-DE4B-95CE-6DB70DBA9567}" type="datetimeFigureOut">
               <a:rPr lang="en-US" dirty="0"/>
               <a:pPr/>
-              <a:t>11/26/16</a:t>
+              <a:t>11/28/16</a:t>
             </a:fld>
             <a:endParaRPr lang="en-US" dirty="0"/>
           </a:p>
@@ -6113,7 +7992,7 @@
             <a:fld id="{B61BEF0D-F0BB-DE4B-95CE-6DB70DBA9567}" type="datetimeFigureOut">
               <a:rPr lang="en-US" dirty="0"/>
               <a:pPr/>
-              <a:t>11/26/16</a:t>
+              <a:t>11/28/16</a:t>
             </a:fld>
             <a:endParaRPr lang="en-US" dirty="0"/>
           </a:p>
@@ -6439,7 +8318,7 @@
             <a:fld id="{B61BEF0D-F0BB-DE4B-95CE-6DB70DBA9567}" type="datetimeFigureOut">
               <a:rPr lang="en-US" dirty="0"/>
               <a:pPr/>
-              <a:t>11/26/16</a:t>
+              <a:t>11/28/16</a:t>
             </a:fld>
             <a:endParaRPr lang="en-US" dirty="0"/>
           </a:p>
@@ -6759,7 +8638,7 @@
             <a:fld id="{B61BEF0D-F0BB-DE4B-95CE-6DB70DBA9567}" type="datetimeFigureOut">
               <a:rPr lang="en-US" dirty="0"/>
               <a:pPr/>
-              <a:t>11/26/16</a:t>
+              <a:t>11/28/16</a:t>
             </a:fld>
             <a:endParaRPr lang="en-US" dirty="0"/>
           </a:p>
@@ -7213,7 +9092,7 @@
             <a:fld id="{B61BEF0D-F0BB-DE4B-95CE-6DB70DBA9567}" type="datetimeFigureOut">
               <a:rPr lang="en-US" dirty="0"/>
               <a:pPr/>
-              <a:t>11/26/16</a:t>
+              <a:t>11/28/16</a:t>
             </a:fld>
             <a:endParaRPr lang="en-US" dirty="0"/>
           </a:p>
@@ -7415,7 +9294,7 @@
             <a:fld id="{B61BEF0D-F0BB-DE4B-95CE-6DB70DBA9567}" type="datetimeFigureOut">
               <a:rPr lang="en-US" dirty="0"/>
               <a:pPr/>
-              <a:t>11/26/16</a:t>
+              <a:t>11/28/16</a:t>
             </a:fld>
             <a:endParaRPr lang="en-US" dirty="0"/>
           </a:p>
@@ -7589,7 +9468,7 @@
             <a:fld id="{B61BEF0D-F0BB-DE4B-95CE-6DB70DBA9567}" type="datetimeFigureOut">
               <a:rPr lang="en-US" dirty="0"/>
               <a:pPr/>
-              <a:t>11/26/16</a:t>
+              <a:t>11/28/16</a:t>
             </a:fld>
             <a:endParaRPr lang="en-US" dirty="0"/>
           </a:p>
@@ -7919,7 +9798,7 @@
             <a:fld id="{B61BEF0D-F0BB-DE4B-95CE-6DB70DBA9567}" type="datetimeFigureOut">
               <a:rPr lang="en-US" dirty="0"/>
               <a:pPr/>
-              <a:t>11/26/16</a:t>
+              <a:t>11/28/16</a:t>
             </a:fld>
             <a:endParaRPr lang="en-US" dirty="0"/>
           </a:p>
@@ -8261,7 +10140,7 @@
             <a:fld id="{B61BEF0D-F0BB-DE4B-95CE-6DB70DBA9567}" type="datetimeFigureOut">
               <a:rPr lang="en-US" dirty="0"/>
               <a:pPr/>
-              <a:t>11/26/16</a:t>
+              <a:t>11/28/16</a:t>
             </a:fld>
             <a:endParaRPr lang="en-US" dirty="0"/>
           </a:p>
@@ -10375,7 +12254,7 @@
             <a:fld id="{B61BEF0D-F0BB-DE4B-95CE-6DB70DBA9567}" type="datetimeFigureOut">
               <a:rPr lang="en-US" dirty="0"/>
               <a:pPr/>
-              <a:t>11/26/16</a:t>
+              <a:t>11/28/16</a:t>
             </a:fld>
             <a:endParaRPr lang="en-US" dirty="0"/>
           </a:p>
@@ -11015,322 +12894,6 @@
           </a:bodyPr>
           <a:lstStyle/>
           <a:p>
-            <a:endParaRPr lang="en-US" sz="4400" dirty="0"/>
-          </a:p>
-        </p:txBody>
-      </p:sp>
-      <p:sp>
-        <p:nvSpPr>
-          <p:cNvPr id="3" name="Content Placeholder 2"/>
-          <p:cNvSpPr>
-            <a:spLocks noGrp="1"/>
-          </p:cNvSpPr>
-          <p:nvPr>
-            <p:ph idx="1"/>
-          </p:nvPr>
-        </p:nvSpPr>
-        <p:spPr/>
-        <p:txBody>
-          <a:bodyPr>
-            <a:normAutofit/>
-          </a:bodyPr>
-          <a:lstStyle/>
-          <a:p>
-            <a:endParaRPr lang="en-US" sz="2800" dirty="0"/>
-          </a:p>
-        </p:txBody>
-      </p:sp>
-    </p:spTree>
-    <p:extLst>
-      <p:ext uri="{BB962C8B-B14F-4D97-AF65-F5344CB8AC3E}">
-        <p14:creationId xmlns:p14="http://schemas.microsoft.com/office/powerpoint/2010/main" val="700108581"/>
-      </p:ext>
-    </p:extLst>
-  </p:cSld>
-  <p:clrMapOvr>
-    <a:masterClrMapping/>
-  </p:clrMapOvr>
-  <p:timing>
-    <p:tnLst>
-      <p:par>
-        <p:cTn id="1" dur="indefinite" restart="never" nodeType="tmRoot"/>
-      </p:par>
-    </p:tnLst>
-  </p:timing>
-</p:sld>
-</file>
-
-<file path=ppt/slides/slide11.xml><?xml version="1.0" encoding="utf-8"?>
-<p:sld xmlns:a="http://schemas.openxmlformats.org/drawingml/2006/main" xmlns:r="http://schemas.openxmlformats.org/officeDocument/2006/relationships" xmlns:p="http://schemas.openxmlformats.org/presentationml/2006/main">
-  <p:cSld>
-    <p:spTree>
-      <p:nvGrpSpPr>
-        <p:cNvPr id="1" name=""/>
-        <p:cNvGrpSpPr/>
-        <p:nvPr/>
-      </p:nvGrpSpPr>
-      <p:grpSpPr>
-        <a:xfrm>
-          <a:off x="0" y="0"/>
-          <a:ext cx="0" cy="0"/>
-          <a:chOff x="0" y="0"/>
-          <a:chExt cx="0" cy="0"/>
-        </a:xfrm>
-      </p:grpSpPr>
-      <p:sp>
-        <p:nvSpPr>
-          <p:cNvPr id="2" name="Title 1"/>
-          <p:cNvSpPr>
-            <a:spLocks noGrp="1"/>
-          </p:cNvSpPr>
-          <p:nvPr>
-            <p:ph type="title"/>
-          </p:nvPr>
-        </p:nvSpPr>
-        <p:spPr/>
-        <p:txBody>
-          <a:bodyPr>
-            <a:normAutofit/>
-          </a:bodyPr>
-          <a:lstStyle/>
-          <a:p>
-            <a:endParaRPr lang="en-US" sz="4400" dirty="0"/>
-          </a:p>
-        </p:txBody>
-      </p:sp>
-      <p:sp>
-        <p:nvSpPr>
-          <p:cNvPr id="3" name="Content Placeholder 2"/>
-          <p:cNvSpPr>
-            <a:spLocks noGrp="1"/>
-          </p:cNvSpPr>
-          <p:nvPr>
-            <p:ph idx="1"/>
-          </p:nvPr>
-        </p:nvSpPr>
-        <p:spPr/>
-        <p:txBody>
-          <a:bodyPr>
-            <a:normAutofit/>
-          </a:bodyPr>
-          <a:lstStyle/>
-          <a:p>
-            <a:endParaRPr lang="en-US" sz="2800" dirty="0"/>
-          </a:p>
-        </p:txBody>
-      </p:sp>
-    </p:spTree>
-    <p:extLst>
-      <p:ext uri="{BB962C8B-B14F-4D97-AF65-F5344CB8AC3E}">
-        <p14:creationId xmlns:p14="http://schemas.microsoft.com/office/powerpoint/2010/main" val="1371499336"/>
-      </p:ext>
-    </p:extLst>
-  </p:cSld>
-  <p:clrMapOvr>
-    <a:masterClrMapping/>
-  </p:clrMapOvr>
-  <p:timing>
-    <p:tnLst>
-      <p:par>
-        <p:cTn id="1" dur="indefinite" restart="never" nodeType="tmRoot"/>
-      </p:par>
-    </p:tnLst>
-  </p:timing>
-</p:sld>
-</file>
-
-<file path=ppt/slides/slide12.xml><?xml version="1.0" encoding="utf-8"?>
-<p:sld xmlns:a="http://schemas.openxmlformats.org/drawingml/2006/main" xmlns:r="http://schemas.openxmlformats.org/officeDocument/2006/relationships" xmlns:p="http://schemas.openxmlformats.org/presentationml/2006/main">
-  <p:cSld>
-    <p:spTree>
-      <p:nvGrpSpPr>
-        <p:cNvPr id="1" name=""/>
-        <p:cNvGrpSpPr/>
-        <p:nvPr/>
-      </p:nvGrpSpPr>
-      <p:grpSpPr>
-        <a:xfrm>
-          <a:off x="0" y="0"/>
-          <a:ext cx="0" cy="0"/>
-          <a:chOff x="0" y="0"/>
-          <a:chExt cx="0" cy="0"/>
-        </a:xfrm>
-      </p:grpSpPr>
-      <p:sp>
-        <p:nvSpPr>
-          <p:cNvPr id="2" name="Title 1"/>
-          <p:cNvSpPr>
-            <a:spLocks noGrp="1"/>
-          </p:cNvSpPr>
-          <p:nvPr>
-            <p:ph type="title"/>
-          </p:nvPr>
-        </p:nvSpPr>
-        <p:spPr/>
-        <p:txBody>
-          <a:bodyPr>
-            <a:normAutofit/>
-          </a:bodyPr>
-          <a:lstStyle/>
-          <a:p>
-            <a:endParaRPr lang="en-US" sz="4400" dirty="0"/>
-          </a:p>
-        </p:txBody>
-      </p:sp>
-      <p:sp>
-        <p:nvSpPr>
-          <p:cNvPr id="3" name="Content Placeholder 2"/>
-          <p:cNvSpPr>
-            <a:spLocks noGrp="1"/>
-          </p:cNvSpPr>
-          <p:nvPr>
-            <p:ph idx="1"/>
-          </p:nvPr>
-        </p:nvSpPr>
-        <p:spPr/>
-        <p:txBody>
-          <a:bodyPr>
-            <a:normAutofit/>
-          </a:bodyPr>
-          <a:lstStyle/>
-          <a:p>
-            <a:endParaRPr lang="en-US" sz="2800" dirty="0"/>
-          </a:p>
-        </p:txBody>
-      </p:sp>
-    </p:spTree>
-    <p:extLst>
-      <p:ext uri="{BB962C8B-B14F-4D97-AF65-F5344CB8AC3E}">
-        <p14:creationId xmlns:p14="http://schemas.microsoft.com/office/powerpoint/2010/main" val="726371155"/>
-      </p:ext>
-    </p:extLst>
-  </p:cSld>
-  <p:clrMapOvr>
-    <a:masterClrMapping/>
-  </p:clrMapOvr>
-  <p:timing>
-    <p:tnLst>
-      <p:par>
-        <p:cTn id="1" dur="indefinite" restart="never" nodeType="tmRoot"/>
-      </p:par>
-    </p:tnLst>
-  </p:timing>
-</p:sld>
-</file>
-
-<file path=ppt/slides/slide13.xml><?xml version="1.0" encoding="utf-8"?>
-<p:sld xmlns:a="http://schemas.openxmlformats.org/drawingml/2006/main" xmlns:r="http://schemas.openxmlformats.org/officeDocument/2006/relationships" xmlns:p="http://schemas.openxmlformats.org/presentationml/2006/main">
-  <p:cSld>
-    <p:spTree>
-      <p:nvGrpSpPr>
-        <p:cNvPr id="1" name=""/>
-        <p:cNvGrpSpPr/>
-        <p:nvPr/>
-      </p:nvGrpSpPr>
-      <p:grpSpPr>
-        <a:xfrm>
-          <a:off x="0" y="0"/>
-          <a:ext cx="0" cy="0"/>
-          <a:chOff x="0" y="0"/>
-          <a:chExt cx="0" cy="0"/>
-        </a:xfrm>
-      </p:grpSpPr>
-      <p:sp>
-        <p:nvSpPr>
-          <p:cNvPr id="4" name="Title 3"/>
-          <p:cNvSpPr>
-            <a:spLocks noGrp="1"/>
-          </p:cNvSpPr>
-          <p:nvPr>
-            <p:ph type="ctrTitle"/>
-          </p:nvPr>
-        </p:nvSpPr>
-        <p:spPr/>
-        <p:txBody>
-          <a:bodyPr/>
-          <a:lstStyle/>
-          <a:p>
-            <a:r>
-              <a:rPr lang="en-US" dirty="0" smtClean="0"/>
-              <a:t>Test result analysis</a:t>
-            </a:r>
-            <a:endParaRPr lang="en-US" dirty="0"/>
-          </a:p>
-        </p:txBody>
-      </p:sp>
-      <p:sp>
-        <p:nvSpPr>
-          <p:cNvPr id="5" name="Subtitle 4"/>
-          <p:cNvSpPr>
-            <a:spLocks noGrp="1"/>
-          </p:cNvSpPr>
-          <p:nvPr>
-            <p:ph type="subTitle" idx="1"/>
-          </p:nvPr>
-        </p:nvSpPr>
-        <p:spPr/>
-        <p:txBody>
-          <a:bodyPr/>
-          <a:lstStyle/>
-          <a:p>
-            <a:endParaRPr lang="en-US"/>
-          </a:p>
-        </p:txBody>
-      </p:sp>
-    </p:spTree>
-    <p:extLst>
-      <p:ext uri="{BB962C8B-B14F-4D97-AF65-F5344CB8AC3E}">
-        <p14:creationId xmlns:p14="http://schemas.microsoft.com/office/powerpoint/2010/main" val="292218004"/>
-      </p:ext>
-    </p:extLst>
-  </p:cSld>
-  <p:clrMapOvr>
-    <a:masterClrMapping/>
-  </p:clrMapOvr>
-  <p:timing>
-    <p:tnLst>
-      <p:par>
-        <p:cTn id="1" dur="indefinite" restart="never" nodeType="tmRoot"/>
-      </p:par>
-    </p:tnLst>
-  </p:timing>
-</p:sld>
-</file>
-
-<file path=ppt/slides/slide14.xml><?xml version="1.0" encoding="utf-8"?>
-<p:sld xmlns:a="http://schemas.openxmlformats.org/drawingml/2006/main" xmlns:r="http://schemas.openxmlformats.org/officeDocument/2006/relationships" xmlns:p="http://schemas.openxmlformats.org/presentationml/2006/main">
-  <p:cSld>
-    <p:spTree>
-      <p:nvGrpSpPr>
-        <p:cNvPr id="1" name=""/>
-        <p:cNvGrpSpPr/>
-        <p:nvPr/>
-      </p:nvGrpSpPr>
-      <p:grpSpPr>
-        <a:xfrm>
-          <a:off x="0" y="0"/>
-          <a:ext cx="0" cy="0"/>
-          <a:chOff x="0" y="0"/>
-          <a:chExt cx="0" cy="0"/>
-        </a:xfrm>
-      </p:grpSpPr>
-      <p:sp>
-        <p:nvSpPr>
-          <p:cNvPr id="2" name="Title 1"/>
-          <p:cNvSpPr>
-            <a:spLocks noGrp="1"/>
-          </p:cNvSpPr>
-          <p:nvPr>
-            <p:ph type="title"/>
-          </p:nvPr>
-        </p:nvSpPr>
-        <p:spPr/>
-        <p:txBody>
-          <a:bodyPr>
-            <a:normAutofit/>
-          </a:bodyPr>
-          <a:lstStyle/>
-          <a:p>
             <a:r>
               <a:rPr lang="en-US" sz="4400" dirty="0" smtClean="0"/>
               <a:t>Multilayer Perceptron</a:t>
@@ -11674,7 +13237,7 @@
 </p:sld>
 </file>
 
-<file path=ppt/slides/slide15.xml><?xml version="1.0" encoding="utf-8"?>
+<file path=ppt/slides/slide11.xml><?xml version="1.0" encoding="utf-8"?>
 <p:sld xmlns:a="http://schemas.openxmlformats.org/drawingml/2006/main" xmlns:r="http://schemas.openxmlformats.org/officeDocument/2006/relationships" xmlns:p="http://schemas.openxmlformats.org/presentationml/2006/main">
   <p:cSld>
     <p:spTree>
@@ -11773,7 +13336,7 @@
 </p:sld>
 </file>
 
-<file path=ppt/slides/slide16.xml><?xml version="1.0" encoding="utf-8"?>
+<file path=ppt/slides/slide12.xml><?xml version="1.0" encoding="utf-8"?>
 <p:sld xmlns:a="http://schemas.openxmlformats.org/drawingml/2006/main" xmlns:r="http://schemas.openxmlformats.org/officeDocument/2006/relationships" xmlns:p="http://schemas.openxmlformats.org/presentationml/2006/main">
   <p:cSld>
     <p:spTree>
@@ -12346,7 +13909,7 @@
 </p:sld>
 </file>
 
-<file path=ppt/slides/slide17.xml><?xml version="1.0" encoding="utf-8"?>
+<file path=ppt/slides/slide13.xml><?xml version="1.0" encoding="utf-8"?>
 <p:sld xmlns:a="http://schemas.openxmlformats.org/drawingml/2006/main" xmlns:r="http://schemas.openxmlformats.org/officeDocument/2006/relationships" xmlns:p="http://schemas.openxmlformats.org/presentationml/2006/main">
   <p:cSld>
     <p:spTree>
@@ -12445,7 +14008,7 @@
 </p:sld>
 </file>
 
-<file path=ppt/slides/slide18.xml><?xml version="1.0" encoding="utf-8"?>
+<file path=ppt/slides/slide14.xml><?xml version="1.0" encoding="utf-8"?>
 <p:sld xmlns:a="http://schemas.openxmlformats.org/drawingml/2006/main" xmlns:r="http://schemas.openxmlformats.org/officeDocument/2006/relationships" xmlns:p="http://schemas.openxmlformats.org/presentationml/2006/main">
   <p:cSld>
     <p:spTree>
@@ -12516,6 +14079,1133 @@
     <p:extLst>
       <p:ext uri="{BB962C8B-B14F-4D97-AF65-F5344CB8AC3E}">
         <p14:creationId xmlns:p14="http://schemas.microsoft.com/office/powerpoint/2010/main" val="964445884"/>
+      </p:ext>
+    </p:extLst>
+  </p:cSld>
+  <p:clrMapOvr>
+    <a:masterClrMapping/>
+  </p:clrMapOvr>
+  <p:timing>
+    <p:tnLst>
+      <p:par>
+        <p:cTn id="1" dur="indefinite" restart="never" nodeType="tmRoot"/>
+      </p:par>
+    </p:tnLst>
+  </p:timing>
+</p:sld>
+</file>
+
+<file path=ppt/slides/slide15.xml><?xml version="1.0" encoding="utf-8"?>
+<p:sld xmlns:a="http://schemas.openxmlformats.org/drawingml/2006/main" xmlns:r="http://schemas.openxmlformats.org/officeDocument/2006/relationships" xmlns:p="http://schemas.openxmlformats.org/presentationml/2006/main">
+  <p:cSld>
+    <p:spTree>
+      <p:nvGrpSpPr>
+        <p:cNvPr id="1" name=""/>
+        <p:cNvGrpSpPr/>
+        <p:nvPr/>
+      </p:nvGrpSpPr>
+      <p:grpSpPr>
+        <a:xfrm>
+          <a:off x="0" y="0"/>
+          <a:ext cx="0" cy="0"/>
+          <a:chOff x="0" y="0"/>
+          <a:chExt cx="0" cy="0"/>
+        </a:xfrm>
+      </p:grpSpPr>
+      <p:sp>
+        <p:nvSpPr>
+          <p:cNvPr id="2" name="Title 1"/>
+          <p:cNvSpPr>
+            <a:spLocks noGrp="1"/>
+          </p:cNvSpPr>
+          <p:nvPr>
+            <p:ph type="title"/>
+          </p:nvPr>
+        </p:nvSpPr>
+        <p:spPr/>
+        <p:txBody>
+          <a:bodyPr>
+            <a:normAutofit/>
+          </a:bodyPr>
+          <a:lstStyle/>
+          <a:p>
+            <a:r>
+              <a:rPr lang="en-US" sz="4400" dirty="0"/>
+              <a:t>Support Vector Machine</a:t>
+            </a:r>
+          </a:p>
+        </p:txBody>
+      </p:sp>
+      <p:sp>
+        <p:nvSpPr>
+          <p:cNvPr id="3" name="Content Placeholder 2"/>
+          <p:cNvSpPr>
+            <a:spLocks noGrp="1"/>
+          </p:cNvSpPr>
+          <p:nvPr>
+            <p:ph idx="1"/>
+          </p:nvPr>
+        </p:nvSpPr>
+        <p:spPr/>
+        <p:txBody>
+          <a:bodyPr>
+            <a:normAutofit/>
+          </a:bodyPr>
+          <a:lstStyle/>
+          <a:p>
+            <a:r>
+              <a:rPr lang="de-DE" sz="2800" dirty="0"/>
+              <a:t>-C 0.5 -L 0.001 -P 1.0E-12 -K </a:t>
+            </a:r>
+            <a:r>
+              <a:rPr lang="de-DE" sz="2800" dirty="0" err="1"/>
+              <a:t>PolyKernel</a:t>
+            </a:r>
+            <a:r>
+              <a:rPr lang="de-DE" sz="2800" dirty="0"/>
+              <a:t> </a:t>
+            </a:r>
+            <a:endParaRPr lang="de-DE" sz="2800" dirty="0" smtClean="0"/>
+          </a:p>
+          <a:p>
+            <a:r>
+              <a:rPr lang="de-DE" sz="2800" dirty="0" smtClean="0"/>
+              <a:t>-</a:t>
+            </a:r>
+            <a:r>
+              <a:rPr lang="de-DE" sz="2800" dirty="0"/>
+              <a:t>C </a:t>
+            </a:r>
+            <a:r>
+              <a:rPr lang="de-DE" sz="2800" dirty="0" smtClean="0"/>
+              <a:t>1.0 </a:t>
+            </a:r>
+            <a:r>
+              <a:rPr lang="de-DE" sz="2800" dirty="0"/>
+              <a:t>-L 0.001 -P 1.0E-12 -K </a:t>
+            </a:r>
+            <a:r>
+              <a:rPr lang="de-DE" sz="2800" dirty="0" err="1"/>
+              <a:t>PolyKernel</a:t>
+            </a:r>
+            <a:r>
+              <a:rPr lang="de-DE" sz="2800" dirty="0"/>
+              <a:t> </a:t>
+            </a:r>
+          </a:p>
+          <a:p>
+            <a:r>
+              <a:rPr lang="de-DE" sz="2800" dirty="0"/>
+              <a:t>-C </a:t>
+            </a:r>
+            <a:r>
+              <a:rPr lang="de-DE" sz="2800" dirty="0" smtClean="0"/>
+              <a:t>1.5 </a:t>
+            </a:r>
+            <a:r>
+              <a:rPr lang="de-DE" sz="2800" dirty="0"/>
+              <a:t>-L 0.001 -P 1.0E-12 -K </a:t>
+            </a:r>
+            <a:r>
+              <a:rPr lang="de-DE" sz="2800" dirty="0" err="1"/>
+              <a:t>PolyKernel</a:t>
+            </a:r>
+            <a:r>
+              <a:rPr lang="de-DE" sz="2800" dirty="0"/>
+              <a:t> </a:t>
+            </a:r>
+            <a:endParaRPr lang="de-DE" sz="2800" dirty="0" smtClean="0"/>
+          </a:p>
+          <a:p>
+            <a:r>
+              <a:rPr lang="de-DE" sz="2800" dirty="0" smtClean="0"/>
+              <a:t>-</a:t>
+            </a:r>
+            <a:r>
+              <a:rPr lang="de-DE" sz="2800" dirty="0"/>
+              <a:t>C </a:t>
+            </a:r>
+            <a:r>
+              <a:rPr lang="de-DE" sz="2800" dirty="0" smtClean="0"/>
+              <a:t>2.0 </a:t>
+            </a:r>
+            <a:r>
+              <a:rPr lang="de-DE" sz="2800" dirty="0"/>
+              <a:t>-L 0.001 -P 1.0E-12 -K </a:t>
+            </a:r>
+            <a:r>
+              <a:rPr lang="de-DE" sz="2800" dirty="0" err="1"/>
+              <a:t>PolyKernel</a:t>
+            </a:r>
+            <a:r>
+              <a:rPr lang="de-DE" sz="2800" dirty="0"/>
+              <a:t> </a:t>
+            </a:r>
+          </a:p>
+          <a:p>
+            <a:endParaRPr lang="en-US" sz="2800" dirty="0"/>
+          </a:p>
+        </p:txBody>
+      </p:sp>
+    </p:spTree>
+    <p:extLst>
+      <p:ext uri="{BB962C8B-B14F-4D97-AF65-F5344CB8AC3E}">
+        <p14:creationId xmlns:p14="http://schemas.microsoft.com/office/powerpoint/2010/main" val="1389705387"/>
+      </p:ext>
+    </p:extLst>
+  </p:cSld>
+  <p:clrMapOvr>
+    <a:masterClrMapping/>
+  </p:clrMapOvr>
+  <p:timing>
+    <p:tnLst>
+      <p:par>
+        <p:cTn id="1" dur="indefinite" restart="never" nodeType="tmRoot"/>
+      </p:par>
+    </p:tnLst>
+  </p:timing>
+</p:sld>
+</file>
+
+<file path=ppt/slides/slide16.xml><?xml version="1.0" encoding="utf-8"?>
+<p:sld xmlns:a="http://schemas.openxmlformats.org/drawingml/2006/main" xmlns:r="http://schemas.openxmlformats.org/officeDocument/2006/relationships" xmlns:p="http://schemas.openxmlformats.org/presentationml/2006/main">
+  <p:cSld>
+    <p:spTree>
+      <p:nvGrpSpPr>
+        <p:cNvPr id="1" name=""/>
+        <p:cNvGrpSpPr/>
+        <p:nvPr/>
+      </p:nvGrpSpPr>
+      <p:grpSpPr>
+        <a:xfrm>
+          <a:off x="0" y="0"/>
+          <a:ext cx="0" cy="0"/>
+          <a:chOff x="0" y="0"/>
+          <a:chExt cx="0" cy="0"/>
+        </a:xfrm>
+      </p:grpSpPr>
+      <p:sp>
+        <p:nvSpPr>
+          <p:cNvPr id="2" name="Title 1"/>
+          <p:cNvSpPr>
+            <a:spLocks noGrp="1"/>
+          </p:cNvSpPr>
+          <p:nvPr>
+            <p:ph type="title"/>
+          </p:nvPr>
+        </p:nvSpPr>
+        <p:spPr/>
+        <p:txBody>
+          <a:bodyPr>
+            <a:normAutofit fontScale="90000"/>
+          </a:bodyPr>
+          <a:lstStyle/>
+          <a:p>
+            <a:r>
+              <a:rPr lang="en-US" sz="4400" dirty="0"/>
+              <a:t>Test Results </a:t>
+            </a:r>
+            <a:r>
+              <a:rPr lang="en-US" sz="4400" dirty="0" smtClean="0"/>
+              <a:t>w/ </a:t>
+            </a:r>
+            <a:r>
+              <a:rPr lang="en-US" sz="4400" dirty="0"/>
+              <a:t>Different </a:t>
+            </a:r>
+            <a:r>
+              <a:rPr lang="en-US" sz="4400" dirty="0" smtClean="0"/>
+              <a:t>Parameters</a:t>
+            </a:r>
+            <a:endParaRPr lang="en-US" sz="4400" dirty="0"/>
+          </a:p>
+        </p:txBody>
+      </p:sp>
+      <p:graphicFrame>
+        <p:nvGraphicFramePr>
+          <p:cNvPr id="4" name="Content Placeholder 3"/>
+          <p:cNvGraphicFramePr>
+            <a:graphicFrameLocks noGrp="1"/>
+          </p:cNvGraphicFramePr>
+          <p:nvPr>
+            <p:ph idx="1"/>
+            <p:extLst>
+              <p:ext uri="{D42A27DB-BD31-4B8C-83A1-F6EECF244321}">
+                <p14:modId xmlns:p14="http://schemas.microsoft.com/office/powerpoint/2010/main" val="1023786602"/>
+              </p:ext>
+            </p:extLst>
+          </p:nvPr>
+        </p:nvGraphicFramePr>
+        <p:xfrm>
+          <a:off x="2589213" y="2133600"/>
+          <a:ext cx="8915400" cy="3778250"/>
+        </p:xfrm>
+        <a:graphic>
+          <a:graphicData uri="http://schemas.openxmlformats.org/drawingml/2006/chart">
+            <c:chart xmlns:c="http://schemas.openxmlformats.org/drawingml/2006/chart" xmlns:r="http://schemas.openxmlformats.org/officeDocument/2006/relationships" r:id="rId2"/>
+          </a:graphicData>
+        </a:graphic>
+      </p:graphicFrame>
+    </p:spTree>
+    <p:extLst>
+      <p:ext uri="{BB962C8B-B14F-4D97-AF65-F5344CB8AC3E}">
+        <p14:creationId xmlns:p14="http://schemas.microsoft.com/office/powerpoint/2010/main" val="1228388074"/>
+      </p:ext>
+    </p:extLst>
+  </p:cSld>
+  <p:clrMapOvr>
+    <a:masterClrMapping/>
+  </p:clrMapOvr>
+  <p:timing>
+    <p:tnLst>
+      <p:par>
+        <p:cTn id="1" dur="indefinite" restart="never" nodeType="tmRoot"/>
+      </p:par>
+    </p:tnLst>
+  </p:timing>
+</p:sld>
+</file>
+
+<file path=ppt/slides/slide17.xml><?xml version="1.0" encoding="utf-8"?>
+<p:sld xmlns:a="http://schemas.openxmlformats.org/drawingml/2006/main" xmlns:r="http://schemas.openxmlformats.org/officeDocument/2006/relationships" xmlns:p="http://schemas.openxmlformats.org/presentationml/2006/main">
+  <p:cSld>
+    <p:spTree>
+      <p:nvGrpSpPr>
+        <p:cNvPr id="1" name=""/>
+        <p:cNvGrpSpPr/>
+        <p:nvPr/>
+      </p:nvGrpSpPr>
+      <p:grpSpPr>
+        <a:xfrm>
+          <a:off x="0" y="0"/>
+          <a:ext cx="0" cy="0"/>
+          <a:chOff x="0" y="0"/>
+          <a:chExt cx="0" cy="0"/>
+        </a:xfrm>
+      </p:grpSpPr>
+      <p:sp>
+        <p:nvSpPr>
+          <p:cNvPr id="2" name="Title 1"/>
+          <p:cNvSpPr>
+            <a:spLocks noGrp="1"/>
+          </p:cNvSpPr>
+          <p:nvPr>
+            <p:ph type="title"/>
+          </p:nvPr>
+        </p:nvSpPr>
+        <p:spPr/>
+        <p:txBody>
+          <a:bodyPr>
+            <a:normAutofit/>
+          </a:bodyPr>
+          <a:lstStyle/>
+          <a:p>
+            <a:r>
+              <a:rPr lang="en-US" sz="4400" dirty="0" smtClean="0"/>
+              <a:t>Least Correct Class</a:t>
+            </a:r>
+            <a:endParaRPr lang="en-US" sz="4400" dirty="0"/>
+          </a:p>
+        </p:txBody>
+      </p:sp>
+      <p:graphicFrame>
+        <p:nvGraphicFramePr>
+          <p:cNvPr id="4" name="Content Placeholder 3"/>
+          <p:cNvGraphicFramePr>
+            <a:graphicFrameLocks noGrp="1"/>
+          </p:cNvGraphicFramePr>
+          <p:nvPr>
+            <p:ph idx="1"/>
+            <p:extLst>
+              <p:ext uri="{D42A27DB-BD31-4B8C-83A1-F6EECF244321}">
+                <p14:modId xmlns:p14="http://schemas.microsoft.com/office/powerpoint/2010/main" val="1584594876"/>
+              </p:ext>
+            </p:extLst>
+          </p:nvPr>
+        </p:nvGraphicFramePr>
+        <p:xfrm>
+          <a:off x="2769095" y="1816308"/>
+          <a:ext cx="8915400" cy="4815840"/>
+        </p:xfrm>
+        <a:graphic>
+          <a:graphicData uri="http://schemas.openxmlformats.org/drawingml/2006/table">
+            <a:tbl>
+              <a:tblPr firstRow="1" bandRow="1">
+                <a:tableStyleId>{5C22544A-7EE6-4342-B048-85BDC9FD1C3A}</a:tableStyleId>
+              </a:tblPr>
+              <a:tblGrid>
+                <a:gridCol w="2971800"/>
+                <a:gridCol w="2971800"/>
+                <a:gridCol w="2971800"/>
+              </a:tblGrid>
+              <a:tr h="0">
+                <a:tc>
+                  <a:txBody>
+                    <a:bodyPr/>
+                    <a:lstStyle/>
+                    <a:p>
+                      <a:r>
+                        <a:rPr lang="en-US" dirty="0" smtClean="0"/>
+                        <a:t>Parameters</a:t>
+                      </a:r>
+                      <a:endParaRPr lang="en-US" dirty="0"/>
+                    </a:p>
+                  </a:txBody>
+                  <a:tcPr/>
+                </a:tc>
+                <a:tc>
+                  <a:txBody>
+                    <a:bodyPr/>
+                    <a:lstStyle/>
+                    <a:p>
+                      <a:r>
+                        <a:rPr lang="en-US" dirty="0" smtClean="0"/>
+                        <a:t>Class</a:t>
+                      </a:r>
+                      <a:r>
+                        <a:rPr lang="en-US" baseline="0" dirty="0" smtClean="0"/>
+                        <a:t> (character)</a:t>
+                      </a:r>
+                      <a:endParaRPr lang="en-US" dirty="0"/>
+                    </a:p>
+                  </a:txBody>
+                  <a:tcPr/>
+                </a:tc>
+                <a:tc>
+                  <a:txBody>
+                    <a:bodyPr/>
+                    <a:lstStyle/>
+                    <a:p>
+                      <a:r>
+                        <a:rPr lang="en-US" dirty="0" smtClean="0"/>
+                        <a:t>Correctness</a:t>
+                      </a:r>
+                      <a:endParaRPr lang="en-US" dirty="0"/>
+                    </a:p>
+                  </a:txBody>
+                  <a:tcPr/>
+                </a:tc>
+              </a:tr>
+              <a:tr h="370840">
+                <a:tc rowSpan="3">
+                  <a:txBody>
+                    <a:bodyPr/>
+                    <a:lstStyle/>
+                    <a:p>
+                      <a:pPr algn="ctr"/>
+                      <a:r>
+                        <a:rPr lang="en-US" dirty="0" smtClean="0"/>
+                        <a:t>C=0.5</a:t>
+                      </a:r>
+                      <a:endParaRPr lang="en-US" dirty="0"/>
+                    </a:p>
+                  </a:txBody>
+                  <a:tcPr anchor="ctr"/>
+                </a:tc>
+                <a:tc>
+                  <a:txBody>
+                    <a:bodyPr/>
+                    <a:lstStyle/>
+                    <a:p>
+                      <a:pPr algn="ctr"/>
+                      <a:r>
+                        <a:rPr lang="en-US" dirty="0" smtClean="0"/>
+                        <a:t>H</a:t>
+                      </a:r>
+                      <a:endParaRPr lang="en-US" dirty="0"/>
+                    </a:p>
+                  </a:txBody>
+                  <a:tcPr anchor="ctr"/>
+                </a:tc>
+                <a:tc>
+                  <a:txBody>
+                    <a:bodyPr/>
+                    <a:lstStyle/>
+                    <a:p>
+                      <a:pPr algn="ctr"/>
+                      <a:r>
+                        <a:rPr lang="nb-NO" dirty="0" smtClean="0"/>
+                        <a:t>57.6</a:t>
+                      </a:r>
+                      <a:r>
+                        <a:rPr lang="en-US" dirty="0" smtClean="0"/>
+                        <a:t>%</a:t>
+                      </a:r>
+                      <a:endParaRPr lang="en-US" dirty="0"/>
+                    </a:p>
+                  </a:txBody>
+                  <a:tcPr anchor="ctr"/>
+                </a:tc>
+              </a:tr>
+              <a:tr h="370840">
+                <a:tc vMerge="1">
+                  <a:txBody>
+                    <a:bodyPr/>
+                    <a:lstStyle/>
+                    <a:p>
+                      <a:pPr algn="ctr"/>
+                      <a:endParaRPr lang="en-US" dirty="0"/>
+                    </a:p>
+                  </a:txBody>
+                  <a:tcPr anchor="ctr"/>
+                </a:tc>
+                <a:tc>
+                  <a:txBody>
+                    <a:bodyPr/>
+                    <a:lstStyle/>
+                    <a:p>
+                      <a:pPr algn="ctr"/>
+                      <a:r>
+                        <a:rPr lang="en-US" dirty="0" smtClean="0"/>
+                        <a:t>S</a:t>
+                      </a:r>
+                      <a:endParaRPr lang="en-US" dirty="0"/>
+                    </a:p>
+                  </a:txBody>
+                  <a:tcPr anchor="ctr"/>
+                </a:tc>
+                <a:tc>
+                  <a:txBody>
+                    <a:bodyPr/>
+                    <a:lstStyle/>
+                    <a:p>
+                      <a:pPr algn="ctr"/>
+                      <a:r>
+                        <a:rPr lang="en-US" dirty="0" smtClean="0"/>
+                        <a:t>72.1%</a:t>
+                      </a:r>
+                      <a:endParaRPr lang="en-US" dirty="0"/>
+                    </a:p>
+                  </a:txBody>
+                  <a:tcPr anchor="ctr"/>
+                </a:tc>
+              </a:tr>
+              <a:tr h="370840">
+                <a:tc vMerge="1">
+                  <a:txBody>
+                    <a:bodyPr/>
+                    <a:lstStyle/>
+                    <a:p>
+                      <a:pPr algn="ctr"/>
+                      <a:endParaRPr lang="en-US" dirty="0"/>
+                    </a:p>
+                  </a:txBody>
+                  <a:tcPr anchor="ctr"/>
+                </a:tc>
+                <a:tc>
+                  <a:txBody>
+                    <a:bodyPr/>
+                    <a:lstStyle/>
+                    <a:p>
+                      <a:pPr algn="ctr"/>
+                      <a:r>
+                        <a:rPr lang="en-US" dirty="0" smtClean="0"/>
+                        <a:t>Q</a:t>
+                      </a:r>
+                      <a:endParaRPr lang="en-US" dirty="0"/>
+                    </a:p>
+                  </a:txBody>
+                  <a:tcPr anchor="ctr"/>
+                </a:tc>
+                <a:tc>
+                  <a:txBody>
+                    <a:bodyPr/>
+                    <a:lstStyle/>
+                    <a:p>
+                      <a:pPr algn="ctr"/>
+                      <a:r>
+                        <a:rPr lang="en-US" dirty="0" smtClean="0"/>
+                        <a:t>72.5%</a:t>
+                      </a:r>
+                      <a:endParaRPr lang="en-US" dirty="0"/>
+                    </a:p>
+                  </a:txBody>
+                  <a:tcPr anchor="ctr"/>
+                </a:tc>
+              </a:tr>
+              <a:tr h="370840">
+                <a:tc rowSpan="3">
+                  <a:txBody>
+                    <a:bodyPr/>
+                    <a:lstStyle/>
+                    <a:p>
+                      <a:pPr marL="0" marR="0" indent="0" algn="ctr" defTabSz="457200" rtl="0" eaLnBrk="1" fontAlgn="auto" latinLnBrk="0" hangingPunct="1">
+                        <a:lnSpc>
+                          <a:spcPct val="100000"/>
+                        </a:lnSpc>
+                        <a:spcBef>
+                          <a:spcPts val="0"/>
+                        </a:spcBef>
+                        <a:spcAft>
+                          <a:spcPts val="0"/>
+                        </a:spcAft>
+                        <a:buClrTx/>
+                        <a:buSzTx/>
+                        <a:buFontTx/>
+                        <a:buNone/>
+                        <a:tabLst/>
+                        <a:defRPr/>
+                      </a:pPr>
+                      <a:r>
+                        <a:rPr lang="en-US" dirty="0" smtClean="0"/>
+                        <a:t>C=1.0</a:t>
+                      </a:r>
+                    </a:p>
+                  </a:txBody>
+                  <a:tcPr anchor="ctr"/>
+                </a:tc>
+                <a:tc>
+                  <a:txBody>
+                    <a:bodyPr/>
+                    <a:lstStyle/>
+                    <a:p>
+                      <a:pPr algn="ctr"/>
+                      <a:r>
+                        <a:rPr lang="en-US" dirty="0" smtClean="0"/>
+                        <a:t>H</a:t>
+                      </a:r>
+                      <a:endParaRPr lang="en-US" dirty="0"/>
+                    </a:p>
+                  </a:txBody>
+                  <a:tcPr anchor="ctr"/>
+                </a:tc>
+                <a:tc>
+                  <a:txBody>
+                    <a:bodyPr/>
+                    <a:lstStyle/>
+                    <a:p>
+                      <a:pPr algn="ctr"/>
+                      <a:r>
+                        <a:rPr lang="en-US" dirty="0" smtClean="0"/>
+                        <a:t>68.2%</a:t>
+                      </a:r>
+                      <a:endParaRPr lang="en-US" dirty="0"/>
+                    </a:p>
+                  </a:txBody>
+                  <a:tcPr anchor="ctr"/>
+                </a:tc>
+              </a:tr>
+              <a:tr h="370840">
+                <a:tc vMerge="1">
+                  <a:txBody>
+                    <a:bodyPr/>
+                    <a:lstStyle/>
+                    <a:p>
+                      <a:pPr algn="ctr"/>
+                      <a:endParaRPr lang="en-US" dirty="0"/>
+                    </a:p>
+                  </a:txBody>
+                  <a:tcPr anchor="ctr"/>
+                </a:tc>
+                <a:tc>
+                  <a:txBody>
+                    <a:bodyPr/>
+                    <a:lstStyle/>
+                    <a:p>
+                      <a:pPr algn="ctr"/>
+                      <a:r>
+                        <a:rPr lang="en-US" dirty="0" smtClean="0"/>
+                        <a:t>S</a:t>
+                      </a:r>
+                      <a:endParaRPr lang="en-US" dirty="0"/>
+                    </a:p>
+                  </a:txBody>
+                  <a:tcPr anchor="ctr"/>
+                </a:tc>
+                <a:tc>
+                  <a:txBody>
+                    <a:bodyPr/>
+                    <a:lstStyle/>
+                    <a:p>
+                      <a:pPr algn="ctr"/>
+                      <a:r>
+                        <a:rPr lang="en-US" dirty="0" smtClean="0"/>
+                        <a:t>73.3%</a:t>
+                      </a:r>
+                      <a:endParaRPr lang="en-US" dirty="0"/>
+                    </a:p>
+                  </a:txBody>
+                  <a:tcPr anchor="ctr"/>
+                </a:tc>
+              </a:tr>
+              <a:tr h="370840">
+                <a:tc vMerge="1">
+                  <a:txBody>
+                    <a:bodyPr/>
+                    <a:lstStyle/>
+                    <a:p>
+                      <a:pPr algn="ctr"/>
+                      <a:endParaRPr lang="en-US" dirty="0"/>
+                    </a:p>
+                  </a:txBody>
+                  <a:tcPr anchor="ctr"/>
+                </a:tc>
+                <a:tc>
+                  <a:txBody>
+                    <a:bodyPr/>
+                    <a:lstStyle/>
+                    <a:p>
+                      <a:pPr algn="ctr"/>
+                      <a:r>
+                        <a:rPr lang="en-US" dirty="0" smtClean="0"/>
+                        <a:t>G</a:t>
+                      </a:r>
+                      <a:endParaRPr lang="en-US" dirty="0"/>
+                    </a:p>
+                  </a:txBody>
+                  <a:tcPr anchor="ctr"/>
+                </a:tc>
+                <a:tc>
+                  <a:txBody>
+                    <a:bodyPr/>
+                    <a:lstStyle/>
+                    <a:p>
+                      <a:pPr algn="ctr"/>
+                      <a:r>
+                        <a:rPr lang="en-US" dirty="0" smtClean="0"/>
+                        <a:t>74.1%</a:t>
+                      </a:r>
+                      <a:endParaRPr lang="en-US" dirty="0"/>
+                    </a:p>
+                  </a:txBody>
+                  <a:tcPr anchor="ctr"/>
+                </a:tc>
+              </a:tr>
+              <a:tr h="370840">
+                <a:tc rowSpan="3">
+                  <a:txBody>
+                    <a:bodyPr/>
+                    <a:lstStyle/>
+                    <a:p>
+                      <a:pPr marL="0" marR="0" indent="0" algn="ctr" defTabSz="457200" rtl="0" eaLnBrk="1" fontAlgn="auto" latinLnBrk="0" hangingPunct="1">
+                        <a:lnSpc>
+                          <a:spcPct val="100000"/>
+                        </a:lnSpc>
+                        <a:spcBef>
+                          <a:spcPts val="0"/>
+                        </a:spcBef>
+                        <a:spcAft>
+                          <a:spcPts val="0"/>
+                        </a:spcAft>
+                        <a:buClrTx/>
+                        <a:buSzTx/>
+                        <a:buFontTx/>
+                        <a:buNone/>
+                        <a:tabLst/>
+                        <a:defRPr/>
+                      </a:pPr>
+                      <a:r>
+                        <a:rPr lang="en-US" dirty="0" smtClean="0"/>
+                        <a:t>C=1.5</a:t>
+                      </a:r>
+                    </a:p>
+                  </a:txBody>
+                  <a:tcPr anchor="ctr"/>
+                </a:tc>
+                <a:tc>
+                  <a:txBody>
+                    <a:bodyPr/>
+                    <a:lstStyle/>
+                    <a:p>
+                      <a:pPr algn="ctr"/>
+                      <a:r>
+                        <a:rPr lang="en-US" dirty="0" smtClean="0"/>
+                        <a:t>H</a:t>
+                      </a:r>
+                      <a:endParaRPr lang="en-US" dirty="0"/>
+                    </a:p>
+                  </a:txBody>
+                  <a:tcPr anchor="ctr"/>
+                </a:tc>
+                <a:tc>
+                  <a:txBody>
+                    <a:bodyPr/>
+                    <a:lstStyle/>
+                    <a:p>
+                      <a:pPr algn="ctr"/>
+                      <a:r>
+                        <a:rPr lang="en-US" dirty="0" smtClean="0"/>
+                        <a:t>60.9%</a:t>
+                      </a:r>
+                      <a:endParaRPr lang="en-US" dirty="0"/>
+                    </a:p>
+                  </a:txBody>
+                  <a:tcPr anchor="ctr"/>
+                </a:tc>
+              </a:tr>
+              <a:tr h="370840">
+                <a:tc vMerge="1">
+                  <a:txBody>
+                    <a:bodyPr/>
+                    <a:lstStyle/>
+                    <a:p>
+                      <a:pPr algn="ctr"/>
+                      <a:endParaRPr lang="en-US" dirty="0"/>
+                    </a:p>
+                  </a:txBody>
+                  <a:tcPr anchor="ctr"/>
+                </a:tc>
+                <a:tc>
+                  <a:txBody>
+                    <a:bodyPr/>
+                    <a:lstStyle/>
+                    <a:p>
+                      <a:pPr algn="ctr"/>
+                      <a:r>
+                        <a:rPr lang="en-US" dirty="0" smtClean="0"/>
+                        <a:t>S</a:t>
+                      </a:r>
+                      <a:endParaRPr lang="en-US" dirty="0"/>
+                    </a:p>
+                  </a:txBody>
+                  <a:tcPr anchor="ctr"/>
+                </a:tc>
+                <a:tc>
+                  <a:txBody>
+                    <a:bodyPr/>
+                    <a:lstStyle/>
+                    <a:p>
+                      <a:pPr algn="ctr"/>
+                      <a:r>
+                        <a:rPr lang="en-US" dirty="0" smtClean="0"/>
+                        <a:t>74.5%</a:t>
+                      </a:r>
+                      <a:endParaRPr lang="en-US" dirty="0"/>
+                    </a:p>
+                  </a:txBody>
+                  <a:tcPr anchor="ctr"/>
+                </a:tc>
+              </a:tr>
+              <a:tr h="370840">
+                <a:tc vMerge="1">
+                  <a:txBody>
+                    <a:bodyPr/>
+                    <a:lstStyle/>
+                    <a:p>
+                      <a:pPr algn="ctr"/>
+                      <a:endParaRPr lang="en-US" dirty="0"/>
+                    </a:p>
+                  </a:txBody>
+                  <a:tcPr anchor="ctr"/>
+                </a:tc>
+                <a:tc>
+                  <a:txBody>
+                    <a:bodyPr/>
+                    <a:lstStyle/>
+                    <a:p>
+                      <a:pPr algn="ctr"/>
+                      <a:r>
+                        <a:rPr lang="en-US" dirty="0" smtClean="0"/>
+                        <a:t>O</a:t>
+                      </a:r>
+                      <a:endParaRPr lang="en-US" dirty="0"/>
+                    </a:p>
+                  </a:txBody>
+                  <a:tcPr anchor="ctr"/>
+                </a:tc>
+                <a:tc>
+                  <a:txBody>
+                    <a:bodyPr/>
+                    <a:lstStyle/>
+                    <a:p>
+                      <a:pPr algn="ctr"/>
+                      <a:r>
+                        <a:rPr lang="en-US" dirty="0" smtClean="0"/>
+                        <a:t>74.5%</a:t>
+                      </a:r>
+                      <a:endParaRPr lang="en-US" dirty="0"/>
+                    </a:p>
+                  </a:txBody>
+                  <a:tcPr anchor="ctr"/>
+                </a:tc>
+              </a:tr>
+              <a:tr h="370840">
+                <a:tc rowSpan="3">
+                  <a:txBody>
+                    <a:bodyPr/>
+                    <a:lstStyle/>
+                    <a:p>
+                      <a:pPr marL="0" marR="0" indent="0" algn="ctr" defTabSz="457200" rtl="0" eaLnBrk="1" fontAlgn="auto" latinLnBrk="0" hangingPunct="1">
+                        <a:lnSpc>
+                          <a:spcPct val="100000"/>
+                        </a:lnSpc>
+                        <a:spcBef>
+                          <a:spcPts val="0"/>
+                        </a:spcBef>
+                        <a:spcAft>
+                          <a:spcPts val="0"/>
+                        </a:spcAft>
+                        <a:buClrTx/>
+                        <a:buSzTx/>
+                        <a:buFontTx/>
+                        <a:buNone/>
+                        <a:tabLst/>
+                        <a:defRPr/>
+                      </a:pPr>
+                      <a:r>
+                        <a:rPr lang="en-US" dirty="0" smtClean="0"/>
+                        <a:t>C=2.0</a:t>
+                      </a:r>
+                    </a:p>
+                  </a:txBody>
+                  <a:tcPr anchor="ctr"/>
+                </a:tc>
+                <a:tc>
+                  <a:txBody>
+                    <a:bodyPr/>
+                    <a:lstStyle/>
+                    <a:p>
+                      <a:pPr algn="ctr"/>
+                      <a:r>
+                        <a:rPr lang="en-US" dirty="0" smtClean="0"/>
+                        <a:t>H</a:t>
+                      </a:r>
+                      <a:endParaRPr lang="en-US" dirty="0"/>
+                    </a:p>
+                  </a:txBody>
+                  <a:tcPr anchor="ctr"/>
+                </a:tc>
+                <a:tc>
+                  <a:txBody>
+                    <a:bodyPr/>
+                    <a:lstStyle/>
+                    <a:p>
+                      <a:pPr algn="ctr"/>
+                      <a:r>
+                        <a:rPr lang="en-US" dirty="0" smtClean="0"/>
+                        <a:t>61.9%</a:t>
+                      </a:r>
+                      <a:endParaRPr lang="en-US" dirty="0"/>
+                    </a:p>
+                  </a:txBody>
+                  <a:tcPr anchor="ctr"/>
+                </a:tc>
+              </a:tr>
+              <a:tr h="370840">
+                <a:tc vMerge="1">
+                  <a:txBody>
+                    <a:bodyPr/>
+                    <a:lstStyle/>
+                    <a:p>
+                      <a:pPr marL="0" marR="0" indent="0" algn="ctr" defTabSz="457200" rtl="0" eaLnBrk="1" fontAlgn="auto" latinLnBrk="0" hangingPunct="1">
+                        <a:lnSpc>
+                          <a:spcPct val="100000"/>
+                        </a:lnSpc>
+                        <a:spcBef>
+                          <a:spcPts val="0"/>
+                        </a:spcBef>
+                        <a:spcAft>
+                          <a:spcPts val="0"/>
+                        </a:spcAft>
+                        <a:buClrTx/>
+                        <a:buSzTx/>
+                        <a:buFontTx/>
+                        <a:buNone/>
+                        <a:tabLst/>
+                        <a:defRPr/>
+                      </a:pPr>
+                      <a:endParaRPr lang="en-US" dirty="0" smtClean="0"/>
+                    </a:p>
+                  </a:txBody>
+                  <a:tcPr anchor="ctr"/>
+                </a:tc>
+                <a:tc>
+                  <a:txBody>
+                    <a:bodyPr/>
+                    <a:lstStyle/>
+                    <a:p>
+                      <a:pPr algn="ctr"/>
+                      <a:r>
+                        <a:rPr lang="en-US" dirty="0" smtClean="0"/>
+                        <a:t>S</a:t>
+                      </a:r>
+                      <a:endParaRPr lang="en-US" dirty="0"/>
+                    </a:p>
+                  </a:txBody>
+                  <a:tcPr anchor="ctr"/>
+                </a:tc>
+                <a:tc>
+                  <a:txBody>
+                    <a:bodyPr/>
+                    <a:lstStyle/>
+                    <a:p>
+                      <a:pPr algn="ctr"/>
+                      <a:r>
+                        <a:rPr lang="en-US" dirty="0" smtClean="0"/>
+                        <a:t>73.8%</a:t>
+                      </a:r>
+                      <a:endParaRPr lang="en-US" dirty="0"/>
+                    </a:p>
+                  </a:txBody>
+                  <a:tcPr anchor="ctr"/>
+                </a:tc>
+              </a:tr>
+              <a:tr h="370840">
+                <a:tc vMerge="1">
+                  <a:txBody>
+                    <a:bodyPr/>
+                    <a:lstStyle/>
+                    <a:p>
+                      <a:pPr marL="0" marR="0" indent="0" algn="ctr" defTabSz="457200" rtl="0" eaLnBrk="1" fontAlgn="auto" latinLnBrk="0" hangingPunct="1">
+                        <a:lnSpc>
+                          <a:spcPct val="100000"/>
+                        </a:lnSpc>
+                        <a:spcBef>
+                          <a:spcPts val="0"/>
+                        </a:spcBef>
+                        <a:spcAft>
+                          <a:spcPts val="0"/>
+                        </a:spcAft>
+                        <a:buClrTx/>
+                        <a:buSzTx/>
+                        <a:buFontTx/>
+                        <a:buNone/>
+                        <a:tabLst/>
+                        <a:defRPr/>
+                      </a:pPr>
+                      <a:endParaRPr lang="en-US" dirty="0" smtClean="0"/>
+                    </a:p>
+                  </a:txBody>
+                  <a:tcPr anchor="ctr"/>
+                </a:tc>
+                <a:tc>
+                  <a:txBody>
+                    <a:bodyPr/>
+                    <a:lstStyle/>
+                    <a:p>
+                      <a:pPr algn="ctr"/>
+                      <a:r>
+                        <a:rPr lang="en-US" dirty="0" smtClean="0"/>
+                        <a:t>O</a:t>
+                      </a:r>
+                      <a:endParaRPr lang="en-US" dirty="0"/>
+                    </a:p>
+                  </a:txBody>
+                  <a:tcPr anchor="ctr"/>
+                </a:tc>
+                <a:tc>
+                  <a:txBody>
+                    <a:bodyPr/>
+                    <a:lstStyle/>
+                    <a:p>
+                      <a:pPr algn="ctr"/>
+                      <a:r>
+                        <a:rPr lang="en-US" dirty="0" smtClean="0"/>
+                        <a:t>74.5%</a:t>
+                      </a:r>
+                      <a:endParaRPr lang="en-US" dirty="0"/>
+                    </a:p>
+                  </a:txBody>
+                  <a:tcPr anchor="ctr"/>
+                </a:tc>
+              </a:tr>
+            </a:tbl>
+          </a:graphicData>
+        </a:graphic>
+      </p:graphicFrame>
+    </p:spTree>
+    <p:extLst>
+      <p:ext uri="{BB962C8B-B14F-4D97-AF65-F5344CB8AC3E}">
+        <p14:creationId xmlns:p14="http://schemas.microsoft.com/office/powerpoint/2010/main" val="1758061107"/>
+      </p:ext>
+    </p:extLst>
+  </p:cSld>
+  <p:clrMapOvr>
+    <a:masterClrMapping/>
+  </p:clrMapOvr>
+  <p:timing>
+    <p:tnLst>
+      <p:par>
+        <p:cTn id="1" dur="indefinite" restart="never" nodeType="tmRoot"/>
+      </p:par>
+    </p:tnLst>
+  </p:timing>
+</p:sld>
+</file>
+
+<file path=ppt/slides/slide18.xml><?xml version="1.0" encoding="utf-8"?>
+<p:sld xmlns:a="http://schemas.openxmlformats.org/drawingml/2006/main" xmlns:r="http://schemas.openxmlformats.org/officeDocument/2006/relationships" xmlns:p="http://schemas.openxmlformats.org/presentationml/2006/main">
+  <p:cSld>
+    <p:spTree>
+      <p:nvGrpSpPr>
+        <p:cNvPr id="1" name=""/>
+        <p:cNvGrpSpPr/>
+        <p:nvPr/>
+      </p:nvGrpSpPr>
+      <p:grpSpPr>
+        <a:xfrm>
+          <a:off x="0" y="0"/>
+          <a:ext cx="0" cy="0"/>
+          <a:chOff x="0" y="0"/>
+          <a:chExt cx="0" cy="0"/>
+        </a:xfrm>
+      </p:grpSpPr>
+      <p:sp>
+        <p:nvSpPr>
+          <p:cNvPr id="2" name="Title 1"/>
+          <p:cNvSpPr>
+            <a:spLocks noGrp="1"/>
+          </p:cNvSpPr>
+          <p:nvPr>
+            <p:ph type="title"/>
+          </p:nvPr>
+        </p:nvSpPr>
+        <p:spPr/>
+        <p:txBody>
+          <a:bodyPr>
+            <a:normAutofit fontScale="90000"/>
+          </a:bodyPr>
+          <a:lstStyle/>
+          <a:p>
+            <a:r>
+              <a:rPr lang="en-US" sz="4400" dirty="0"/>
+              <a:t>Test Results </a:t>
+            </a:r>
+            <a:r>
+              <a:rPr lang="en-US" sz="4400" dirty="0" smtClean="0"/>
+              <a:t>w/ </a:t>
+            </a:r>
+            <a:r>
+              <a:rPr lang="en-US" sz="4400" dirty="0"/>
+              <a:t>Different </a:t>
+            </a:r>
+            <a:r>
+              <a:rPr lang="en-US" sz="4400" dirty="0" smtClean="0"/>
+              <a:t>Parameters</a:t>
+            </a:r>
+            <a:endParaRPr lang="en-US" sz="4400" dirty="0"/>
+          </a:p>
+        </p:txBody>
+      </p:sp>
+      <p:graphicFrame>
+        <p:nvGraphicFramePr>
+          <p:cNvPr id="4" name="Content Placeholder 3"/>
+          <p:cNvGraphicFramePr>
+            <a:graphicFrameLocks noGrp="1"/>
+          </p:cNvGraphicFramePr>
+          <p:nvPr>
+            <p:ph idx="1"/>
+            <p:extLst>
+              <p:ext uri="{D42A27DB-BD31-4B8C-83A1-F6EECF244321}">
+                <p14:modId xmlns:p14="http://schemas.microsoft.com/office/powerpoint/2010/main" val="802062037"/>
+              </p:ext>
+            </p:extLst>
+          </p:nvPr>
+        </p:nvGraphicFramePr>
+        <p:xfrm>
+          <a:off x="2589213" y="2133600"/>
+          <a:ext cx="8915400" cy="3778250"/>
+        </p:xfrm>
+        <a:graphic>
+          <a:graphicData uri="http://schemas.openxmlformats.org/drawingml/2006/chart">
+            <c:chart xmlns:c="http://schemas.openxmlformats.org/drawingml/2006/chart" xmlns:r="http://schemas.openxmlformats.org/officeDocument/2006/relationships" r:id="rId2"/>
+          </a:graphicData>
+        </a:graphic>
+      </p:graphicFrame>
+    </p:spTree>
+    <p:extLst>
+      <p:ext uri="{BB962C8B-B14F-4D97-AF65-F5344CB8AC3E}">
+        <p14:creationId xmlns:p14="http://schemas.microsoft.com/office/powerpoint/2010/main" val="1235489395"/>
       </p:ext>
     </p:extLst>
   </p:cSld>
@@ -14787,6 +17477,10 @@
           </a:bodyPr>
           <a:lstStyle/>
           <a:p>
+            <a:r>
+              <a:rPr lang="en-US" sz="4400" dirty="0" smtClean="0"/>
+              <a:t>Training Procedure</a:t>
+            </a:r>
             <a:endParaRPr lang="en-US" sz="4400" dirty="0"/>
           </a:p>
         </p:txBody>
@@ -14801,21 +17495,114 @@
             <p:ph idx="1"/>
           </p:nvPr>
         </p:nvSpPr>
-        <p:spPr/>
+        <p:spPr>
+          <a:xfrm>
+            <a:off x="2589212" y="2133600"/>
+            <a:ext cx="8915400" cy="4374776"/>
+          </a:xfrm>
+        </p:spPr>
         <p:txBody>
           <a:bodyPr>
-            <a:normAutofit/>
+            <a:normAutofit lnSpcReduction="10000"/>
           </a:bodyPr>
           <a:lstStyle/>
           <a:p>
-            <a:endParaRPr lang="en-US" sz="2800" dirty="0"/>
+            <a:r>
+              <a:rPr lang="en-US" sz="2800" dirty="0" smtClean="0"/>
+              <a:t>Choose a performance measure </a:t>
+            </a:r>
+          </a:p>
+          <a:p>
+            <a:pPr lvl="1"/>
+            <a:r>
+              <a:rPr lang="en-US" sz="2600" dirty="0" smtClean="0"/>
+              <a:t>Zero-one Loss for the classification problems</a:t>
+            </a:r>
+            <a:endParaRPr lang="en-US" sz="2600" dirty="0"/>
+          </a:p>
+          <a:p>
+            <a:r>
+              <a:rPr lang="en-US" sz="2800" dirty="0" smtClean="0"/>
+              <a:t>Choose hypothesis classes </a:t>
+            </a:r>
+            <a:r>
+              <a:rPr lang="en-US" sz="2800" dirty="0" err="1" smtClean="0"/>
+              <a:t>H</a:t>
+            </a:r>
+            <a:r>
+              <a:rPr lang="en-US" sz="2800" baseline="-25000" dirty="0" err="1" smtClean="0"/>
+              <a:t>n</a:t>
+            </a:r>
+            <a:endParaRPr lang="en-US" sz="2800" dirty="0" smtClean="0"/>
+          </a:p>
+          <a:p>
+            <a:pPr lvl="1"/>
+            <a:r>
+              <a:rPr lang="en-US" sz="2400" dirty="0" smtClean="0"/>
+              <a:t>Naïve Bayes</a:t>
+            </a:r>
+          </a:p>
+          <a:p>
+            <a:pPr lvl="1"/>
+            <a:r>
+              <a:rPr lang="en-US" sz="2400" dirty="0" smtClean="0"/>
+              <a:t>SVM</a:t>
+            </a:r>
+          </a:p>
+          <a:p>
+            <a:pPr lvl="1"/>
+            <a:r>
+              <a:rPr lang="en-US" sz="2400" dirty="0" smtClean="0"/>
+              <a:t>Multi-layer Perception</a:t>
+            </a:r>
+          </a:p>
+          <a:p>
+            <a:r>
+              <a:rPr lang="en-US" sz="2800" dirty="0" smtClean="0"/>
+              <a:t>For each H</a:t>
+            </a:r>
+            <a:r>
+              <a:rPr lang="en-US" sz="2800" baseline="-25000" dirty="0" smtClean="0"/>
+              <a:t>i</a:t>
+            </a:r>
+            <a:r>
+              <a:rPr lang="en-US" sz="2800" dirty="0" smtClean="0"/>
+              <a:t>, find f which </a:t>
+            </a:r>
+            <a:r>
+              <a:rPr lang="en-US" sz="2800" dirty="0"/>
+              <a:t>minimizes </a:t>
+            </a:r>
+            <a:r>
+              <a:rPr lang="en-US" sz="2800" dirty="0" smtClean="0"/>
+              <a:t>training error and test f on validation set</a:t>
+            </a:r>
+          </a:p>
+          <a:p>
+            <a:r>
+              <a:rPr lang="en-US" sz="2800" dirty="0" smtClean="0"/>
+              <a:t>Choose H</a:t>
+            </a:r>
+            <a:r>
+              <a:rPr lang="en-US" sz="2800" baseline="-25000" dirty="0" smtClean="0"/>
+              <a:t>i</a:t>
+            </a:r>
+            <a:r>
+              <a:rPr lang="en-US" sz="2800" dirty="0" smtClean="0"/>
+              <a:t> </a:t>
+            </a:r>
+            <a:r>
+              <a:rPr lang="en-US" sz="2800" dirty="0"/>
+              <a:t>with the least validation error</a:t>
+            </a:r>
+            <a:endParaRPr lang="en-US" sz="2800" dirty="0" smtClean="0"/>
           </a:p>
         </p:txBody>
       </p:sp>
     </p:spTree>
     <p:extLst>
       <p:ext uri="{BB962C8B-B14F-4D97-AF65-F5344CB8AC3E}">
-        <p14:creationId xmlns:p14="http://schemas.microsoft.com/office/powerpoint/2010/main" val="446340713"/>
+        <p14:creationId xmlns:p14="http://schemas.microsoft.com/office/powerpoint/2010/main" val="1371499336"/>
       </p:ext>
     </p:extLst>
   </p:cSld>
@@ -14866,6 +17653,10 @@
           </a:bodyPr>
           <a:lstStyle/>
           <a:p>
+            <a:r>
+              <a:rPr lang="en-US" sz="4400" dirty="0" smtClean="0"/>
+              <a:t>Classifiers</a:t>
+            </a:r>
             <a:endParaRPr lang="en-US" sz="4400" dirty="0"/>
           </a:p>
         </p:txBody>
@@ -14887,6 +17678,22 @@
           </a:bodyPr>
           <a:lstStyle/>
           <a:p>
+            <a:r>
+              <a:rPr lang="en-US" sz="2800" dirty="0" smtClean="0"/>
+              <a:t>Naïve Bayes</a:t>
+            </a:r>
+          </a:p>
+          <a:p>
+            <a:r>
+              <a:rPr lang="en-US" sz="2800" dirty="0" smtClean="0"/>
+              <a:t>Support Vector Machine</a:t>
+            </a:r>
+          </a:p>
+          <a:p>
+            <a:r>
+              <a:rPr lang="en-US" sz="2800" dirty="0" smtClean="0"/>
+              <a:t>Multi-layer Perception</a:t>
+            </a:r>
             <a:endParaRPr lang="en-US" sz="2800" dirty="0"/>
           </a:p>
         </p:txBody>
@@ -14894,7 +17701,7 @@
     </p:spTree>
     <p:extLst>
       <p:ext uri="{BB962C8B-B14F-4D97-AF65-F5344CB8AC3E}">
-        <p14:creationId xmlns:p14="http://schemas.microsoft.com/office/powerpoint/2010/main" val="915256190"/>
+        <p14:creationId xmlns:p14="http://schemas.microsoft.com/office/powerpoint/2010/main" val="446340713"/>
       </p:ext>
     </p:extLst>
   </p:cSld>
@@ -14930,50 +17737,50 @@
       </p:grpSpPr>
       <p:sp>
         <p:nvSpPr>
-          <p:cNvPr id="2" name="Title 1"/>
+          <p:cNvPr id="4" name="Title 3"/>
           <p:cNvSpPr>
             <a:spLocks noGrp="1"/>
           </p:cNvSpPr>
           <p:nvPr>
-            <p:ph type="title"/>
+            <p:ph type="ctrTitle"/>
           </p:nvPr>
         </p:nvSpPr>
         <p:spPr/>
         <p:txBody>
-          <a:bodyPr>
-            <a:normAutofit/>
-          </a:bodyPr>
+          <a:bodyPr/>
           <a:lstStyle/>
           <a:p>
-            <a:endParaRPr lang="en-US" sz="4400" dirty="0"/>
+            <a:r>
+              <a:rPr lang="en-US" dirty="0" smtClean="0"/>
+              <a:t>Test result analysis</a:t>
+            </a:r>
+            <a:endParaRPr lang="en-US" dirty="0"/>
           </a:p>
         </p:txBody>
       </p:sp>
       <p:sp>
         <p:nvSpPr>
-          <p:cNvPr id="3" name="Content Placeholder 2"/>
+          <p:cNvPr id="5" name="Subtitle 4"/>
           <p:cNvSpPr>
             <a:spLocks noGrp="1"/>
           </p:cNvSpPr>
           <p:nvPr>
-            <p:ph idx="1"/>
+            <p:ph type="subTitle" idx="1"/>
           </p:nvPr>
         </p:nvSpPr>
         <p:spPr/>
         <p:txBody>
-          <a:bodyPr>
-            <a:normAutofit/>
-          </a:bodyPr>
+          <a:bodyPr/>
           <a:lstStyle/>
           <a:p>
-            <a:endParaRPr lang="en-US" sz="2800" dirty="0"/>
+            <a:endParaRPr lang="en-US"/>
           </a:p>
         </p:txBody>
       </p:sp>
     </p:spTree>
     <p:extLst>
       <p:ext uri="{BB962C8B-B14F-4D97-AF65-F5344CB8AC3E}">
-        <p14:creationId xmlns:p14="http://schemas.microsoft.com/office/powerpoint/2010/main" val="846942590"/>
+        <p14:creationId xmlns:p14="http://schemas.microsoft.com/office/powerpoint/2010/main" val="292218004"/>
       </p:ext>
     </p:extLst>
   </p:cSld>

--- a/PPTGroup10.pptx
+++ b/PPTGroup10.pptx
@@ -5,7 +5,7 @@
     <p:sldMasterId id="2147483648" r:id="rId1"/>
   </p:sldMasterIdLst>
   <p:notesMasterIdLst>
-    <p:notesMasterId r:id="rId20"/>
+    <p:notesMasterId r:id="rId24"/>
   </p:notesMasterIdLst>
   <p:sldIdLst>
     <p:sldId id="256" r:id="rId2"/>
@@ -26,6 +26,10 @@
     <p:sldId id="275" r:id="rId17"/>
     <p:sldId id="276" r:id="rId18"/>
     <p:sldId id="280" r:id="rId19"/>
+    <p:sldId id="284" r:id="rId20"/>
+    <p:sldId id="281" r:id="rId21"/>
+    <p:sldId id="282" r:id="rId22"/>
+    <p:sldId id="283" r:id="rId23"/>
   </p:sldIdLst>
   <p:sldSz cx="12192000" cy="6858000"/>
   <p:notesSz cx="6858000" cy="9144000"/>
@@ -364,11 +368,11 @@
         </c:dLbls>
         <c:gapWidth val="219"/>
         <c:overlap val="-27"/>
-        <c:axId val="-2125816960"/>
-        <c:axId val="-2121412352"/>
+        <c:axId val="2099314304"/>
+        <c:axId val="2099318544"/>
       </c:barChart>
       <c:catAx>
-        <c:axId val="-2125816960"/>
+        <c:axId val="2099314304"/>
         <c:scaling>
           <c:orientation val="minMax"/>
         </c:scaling>
@@ -411,7 +415,7 @@
             <a:endParaRPr lang="en-US"/>
           </a:p>
         </c:txPr>
-        <c:crossAx val="-2121412352"/>
+        <c:crossAx val="2099318544"/>
         <c:crosses val="autoZero"/>
         <c:auto val="1"/>
         <c:lblAlgn val="ctr"/>
@@ -419,7 +423,7 @@
         <c:noMultiLvlLbl val="0"/>
       </c:catAx>
       <c:valAx>
-        <c:axId val="-2121412352"/>
+        <c:axId val="2099318544"/>
         <c:scaling>
           <c:orientation val="minMax"/>
         </c:scaling>
@@ -470,7 +474,7 @@
             <a:endParaRPr lang="en-US"/>
           </a:p>
         </c:txPr>
-        <c:crossAx val="-2125816960"/>
+        <c:crossAx val="2099314304"/>
         <c:crosses val="autoZero"/>
         <c:crossBetween val="between"/>
       </c:valAx>
@@ -582,6 +586,7 @@
           </a:p>
         </c:rich>
       </c:tx>
+      <c:layout/>
       <c:overlay val="0"/>
       <c:spPr>
         <a:noFill/>
@@ -772,11 +777,11 @@
         </c:dLbls>
         <c:gapWidth val="219"/>
         <c:overlap val="-27"/>
-        <c:axId val="2071556896"/>
-        <c:axId val="-2123514816"/>
+        <c:axId val="2112351168"/>
+        <c:axId val="2112384624"/>
       </c:barChart>
       <c:catAx>
-        <c:axId val="2071556896"/>
+        <c:axId val="2112351168"/>
         <c:scaling>
           <c:orientation val="minMax"/>
         </c:scaling>
@@ -819,7 +824,7 @@
             <a:endParaRPr lang="en-US"/>
           </a:p>
         </c:txPr>
-        <c:crossAx val="-2123514816"/>
+        <c:crossAx val="2112384624"/>
         <c:crosses val="autoZero"/>
         <c:auto val="1"/>
         <c:lblAlgn val="ctr"/>
@@ -827,7 +832,7 @@
         <c:noMultiLvlLbl val="0"/>
       </c:catAx>
       <c:valAx>
-        <c:axId val="-2123514816"/>
+        <c:axId val="2112384624"/>
         <c:scaling>
           <c:orientation val="minMax"/>
         </c:scaling>
@@ -878,7 +883,7 @@
             <a:endParaRPr lang="en-US"/>
           </a:p>
         </c:txPr>
-        <c:crossAx val="2071556896"/>
+        <c:crossAx val="2112351168"/>
         <c:crosses val="autoZero"/>
         <c:crossBetween val="between"/>
       </c:valAx>
@@ -892,6 +897,7 @@
     </c:plotArea>
     <c:legend>
       <c:legendPos val="b"/>
+      <c:layout/>
       <c:overlay val="0"/>
       <c:spPr>
         <a:noFill/>
@@ -963,6 +969,7 @@
   </mc:AlternateContent>
   <c:chart>
     <c:title>
+      <c:layout/>
       <c:overlay val="0"/>
       <c:spPr>
         <a:noFill/>
@@ -1117,11 +1124,11 @@
         </c:dLbls>
         <c:gapWidth val="219"/>
         <c:overlap val="-27"/>
-        <c:axId val="-2123914480"/>
-        <c:axId val="-2130071632"/>
+        <c:axId val="2079844448"/>
+        <c:axId val="2079901328"/>
       </c:barChart>
       <c:catAx>
-        <c:axId val="-2123914480"/>
+        <c:axId val="2079844448"/>
         <c:scaling>
           <c:orientation val="minMax"/>
         </c:scaling>
@@ -1164,7 +1171,7 @@
             <a:endParaRPr lang="en-US"/>
           </a:p>
         </c:txPr>
-        <c:crossAx val="-2130071632"/>
+        <c:crossAx val="2079901328"/>
         <c:crosses val="autoZero"/>
         <c:auto val="1"/>
         <c:lblAlgn val="ctr"/>
@@ -1172,9 +1179,10 @@
         <c:noMultiLvlLbl val="0"/>
       </c:catAx>
       <c:valAx>
-        <c:axId val="-2130071632"/>
+        <c:axId val="2079901328"/>
         <c:scaling>
           <c:orientation val="minMax"/>
+          <c:max val="100.0"/>
         </c:scaling>
         <c:delete val="0"/>
         <c:axPos val="l"/>
@@ -1223,7 +1231,7 @@
             <a:endParaRPr lang="en-US"/>
           </a:p>
         </c:txPr>
-        <c:crossAx val="-2123914480"/>
+        <c:crossAx val="2079844448"/>
         <c:crosses val="autoZero"/>
         <c:crossBetween val="between"/>
       </c:valAx>
@@ -1237,6 +1245,7 @@
     </c:plotArea>
     <c:legend>
       <c:legendPos val="b"/>
+      <c:layout/>
       <c:overlay val="0"/>
       <c:spPr>
         <a:noFill/>
@@ -1334,6 +1343,7 @@
           </a:p>
         </c:rich>
       </c:tx>
+      <c:layout/>
       <c:overlay val="0"/>
       <c:spPr>
         <a:noFill/>
@@ -1512,11 +1522,11 @@
         </c:dLbls>
         <c:gapWidth val="219"/>
         <c:overlap val="-27"/>
-        <c:axId val="-2097139088"/>
-        <c:axId val="-2126366944"/>
+        <c:axId val="2112431360"/>
+        <c:axId val="2112325344"/>
       </c:barChart>
       <c:catAx>
-        <c:axId val="-2097139088"/>
+        <c:axId val="2112431360"/>
         <c:scaling>
           <c:orientation val="minMax"/>
         </c:scaling>
@@ -1559,7 +1569,7 @@
             <a:endParaRPr lang="en-US"/>
           </a:p>
         </c:txPr>
-        <c:crossAx val="-2126366944"/>
+        <c:crossAx val="2112325344"/>
         <c:crosses val="autoZero"/>
         <c:auto val="1"/>
         <c:lblAlgn val="ctr"/>
@@ -1567,7 +1577,7 @@
         <c:noMultiLvlLbl val="0"/>
       </c:catAx>
       <c:valAx>
-        <c:axId val="-2126366944"/>
+        <c:axId val="2112325344"/>
         <c:scaling>
           <c:orientation val="minMax"/>
         </c:scaling>
@@ -1618,7 +1628,7 @@
             <a:endParaRPr lang="en-US"/>
           </a:p>
         </c:txPr>
-        <c:crossAx val="-2097139088"/>
+        <c:crossAx val="2112431360"/>
         <c:crosses val="autoZero"/>
         <c:crossBetween val="between"/>
       </c:valAx>
@@ -1632,6 +1642,7 @@
     </c:plotArea>
     <c:legend>
       <c:legendPos val="b"/>
+      <c:layout/>
       <c:overlay val="0"/>
       <c:spPr>
         <a:noFill/>
@@ -1737,6 +1748,7 @@
           </a:p>
         </c:rich>
       </c:tx>
+      <c:layout/>
       <c:overlay val="0"/>
       <c:spPr>
         <a:noFill/>
@@ -1915,11 +1927,11 @@
         </c:dLbls>
         <c:gapWidth val="219"/>
         <c:overlap val="-27"/>
-        <c:axId val="-2094404560"/>
-        <c:axId val="-2094265088"/>
+        <c:axId val="2112515632"/>
+        <c:axId val="2112519008"/>
       </c:barChart>
       <c:catAx>
-        <c:axId val="-2094404560"/>
+        <c:axId val="2112515632"/>
         <c:scaling>
           <c:orientation val="minMax"/>
         </c:scaling>
@@ -1962,7 +1974,7 @@
             <a:endParaRPr lang="en-US"/>
           </a:p>
         </c:txPr>
-        <c:crossAx val="-2094265088"/>
+        <c:crossAx val="2112519008"/>
         <c:crosses val="autoZero"/>
         <c:auto val="1"/>
         <c:lblAlgn val="ctr"/>
@@ -1970,7 +1982,7 @@
         <c:noMultiLvlLbl val="0"/>
       </c:catAx>
       <c:valAx>
-        <c:axId val="-2094265088"/>
+        <c:axId val="2112519008"/>
         <c:scaling>
           <c:orientation val="minMax"/>
         </c:scaling>
@@ -2021,7 +2033,7 @@
             <a:endParaRPr lang="en-US"/>
           </a:p>
         </c:txPr>
-        <c:crossAx val="-2094404560"/>
+        <c:crossAx val="2112515632"/>
         <c:crosses val="autoZero"/>
         <c:crossBetween val="between"/>
       </c:valAx>
@@ -2035,6 +2047,787 @@
     </c:plotArea>
     <c:legend>
       <c:legendPos val="b"/>
+      <c:layout/>
+      <c:overlay val="0"/>
+      <c:spPr>
+        <a:noFill/>
+        <a:ln>
+          <a:noFill/>
+        </a:ln>
+        <a:effectLst/>
+      </c:spPr>
+      <c:txPr>
+        <a:bodyPr rot="0" spcFirstLastPara="1" vertOverflow="ellipsis" vert="horz" wrap="square" anchor="ctr" anchorCtr="1"/>
+        <a:lstStyle/>
+        <a:p>
+          <a:pPr>
+            <a:defRPr sz="1197" b="0" i="0" u="none" strike="noStrike" kern="1200" baseline="0">
+              <a:solidFill>
+                <a:schemeClr val="tx1">
+                  <a:lumMod val="65000"/>
+                  <a:lumOff val="35000"/>
+                </a:schemeClr>
+              </a:solidFill>
+              <a:latin typeface="+mn-lt"/>
+              <a:ea typeface="+mn-ea"/>
+              <a:cs typeface="+mn-cs"/>
+            </a:defRPr>
+          </a:pPr>
+          <a:endParaRPr lang="en-US"/>
+        </a:p>
+      </c:txPr>
+    </c:legend>
+    <c:plotVisOnly val="1"/>
+    <c:dispBlanksAs val="gap"/>
+    <c:showDLblsOverMax val="0"/>
+  </c:chart>
+  <c:spPr>
+    <a:noFill/>
+    <a:ln>
+      <a:noFill/>
+    </a:ln>
+    <a:effectLst/>
+  </c:spPr>
+  <c:txPr>
+    <a:bodyPr/>
+    <a:lstStyle/>
+    <a:p>
+      <a:pPr>
+        <a:defRPr/>
+      </a:pPr>
+      <a:endParaRPr lang="en-US"/>
+    </a:p>
+  </c:txPr>
+  <c:externalData r:id="rId3">
+    <c:autoUpdate val="0"/>
+  </c:externalData>
+</c:chartSpace>
+</file>
+
+<file path=ppt/charts/chart6.xml><?xml version="1.0" encoding="utf-8"?>
+<c:chartSpace xmlns:c="http://schemas.openxmlformats.org/drawingml/2006/chart" xmlns:a="http://schemas.openxmlformats.org/drawingml/2006/main" xmlns:r="http://schemas.openxmlformats.org/officeDocument/2006/relationships">
+  <c:date1904 val="0"/>
+  <c:lang val="en-US"/>
+  <c:roundedCorners val="0"/>
+  <mc:AlternateContent xmlns:mc="http://schemas.openxmlformats.org/markup-compatibility/2006">
+    <mc:Choice xmlns:c14="http://schemas.microsoft.com/office/drawing/2007/8/2/chart" Requires="c14">
+      <c14:style val="102"/>
+    </mc:Choice>
+    <mc:Fallback>
+      <c:style val="2"/>
+    </mc:Fallback>
+  </mc:AlternateContent>
+  <c:chart>
+    <c:title>
+      <c:tx>
+        <c:rich>
+          <a:bodyPr rot="0" spcFirstLastPara="1" vertOverflow="ellipsis" vert="horz" wrap="square" anchor="ctr" anchorCtr="1"/>
+          <a:lstStyle/>
+          <a:p>
+            <a:pPr>
+              <a:defRPr sz="1862" b="0" i="0" u="none" strike="noStrike" kern="1200" spc="0" baseline="0">
+                <a:solidFill>
+                  <a:schemeClr val="tx1">
+                    <a:lumMod val="65000"/>
+                    <a:lumOff val="35000"/>
+                  </a:schemeClr>
+                </a:solidFill>
+                <a:latin typeface="+mn-lt"/>
+                <a:ea typeface="+mn-ea"/>
+                <a:cs typeface="+mn-cs"/>
+              </a:defRPr>
+            </a:pPr>
+            <a:r>
+              <a:rPr lang="en-US" dirty="0" smtClean="0"/>
+              <a:t>Letter Recognition</a:t>
+            </a:r>
+            <a:endParaRPr lang="en-US" dirty="0"/>
+          </a:p>
+        </c:rich>
+      </c:tx>
+      <c:layout/>
+      <c:overlay val="0"/>
+      <c:spPr>
+        <a:noFill/>
+        <a:ln>
+          <a:noFill/>
+        </a:ln>
+        <a:effectLst/>
+      </c:spPr>
+      <c:txPr>
+        <a:bodyPr rot="0" spcFirstLastPara="1" vertOverflow="ellipsis" vert="horz" wrap="square" anchor="ctr" anchorCtr="1"/>
+        <a:lstStyle/>
+        <a:p>
+          <a:pPr>
+            <a:defRPr sz="1862" b="0" i="0" u="none" strike="noStrike" kern="1200" spc="0" baseline="0">
+              <a:solidFill>
+                <a:schemeClr val="tx1">
+                  <a:lumMod val="65000"/>
+                  <a:lumOff val="35000"/>
+                </a:schemeClr>
+              </a:solidFill>
+              <a:latin typeface="+mn-lt"/>
+              <a:ea typeface="+mn-ea"/>
+              <a:cs typeface="+mn-cs"/>
+            </a:defRPr>
+          </a:pPr>
+          <a:endParaRPr lang="en-US"/>
+        </a:p>
+      </c:txPr>
+    </c:title>
+    <c:autoTitleDeleted val="0"/>
+    <c:plotArea>
+      <c:layout/>
+      <c:barChart>
+        <c:barDir val="col"/>
+        <c:grouping val="clustered"/>
+        <c:varyColors val="0"/>
+        <c:ser>
+          <c:idx val="0"/>
+          <c:order val="0"/>
+          <c:tx>
+            <c:strRef>
+              <c:f>Sheet1!$B$1</c:f>
+              <c:strCache>
+                <c:ptCount val="1"/>
+                <c:pt idx="0">
+                  <c:v>Correctness</c:v>
+                </c:pt>
+              </c:strCache>
+            </c:strRef>
+          </c:tx>
+          <c:spPr>
+            <a:solidFill>
+              <a:schemeClr val="accent1"/>
+            </a:solidFill>
+            <a:ln>
+              <a:noFill/>
+            </a:ln>
+            <a:effectLst/>
+          </c:spPr>
+          <c:invertIfNegative val="0"/>
+          <c:cat>
+            <c:strRef>
+              <c:f>Sheet1!$A$2:$A$4</c:f>
+              <c:strCache>
+                <c:ptCount val="3"/>
+                <c:pt idx="0">
+                  <c:v>K=F, D=F</c:v>
+                </c:pt>
+                <c:pt idx="1">
+                  <c:v>K=T, D=F</c:v>
+                </c:pt>
+                <c:pt idx="2">
+                  <c:v>K=F, D=T</c:v>
+                </c:pt>
+              </c:strCache>
+            </c:strRef>
+          </c:cat>
+          <c:val>
+            <c:numRef>
+              <c:f>Sheet1!$B$2:$B$4</c:f>
+              <c:numCache>
+                <c:formatCode>General</c:formatCode>
+                <c:ptCount val="3"/>
+                <c:pt idx="0">
+                  <c:v>64.1382</c:v>
+                </c:pt>
+                <c:pt idx="1">
+                  <c:v>74.1837</c:v>
+                </c:pt>
+                <c:pt idx="2">
+                  <c:v>74.03870000000001</c:v>
+                </c:pt>
+              </c:numCache>
+            </c:numRef>
+          </c:val>
+        </c:ser>
+        <c:ser>
+          <c:idx val="1"/>
+          <c:order val="1"/>
+          <c:tx>
+            <c:strRef>
+              <c:f>Sheet1!$C$1</c:f>
+              <c:strCache>
+                <c:ptCount val="1"/>
+                <c:pt idx="0">
+                  <c:v>Root relative squared error</c:v>
+                </c:pt>
+              </c:strCache>
+            </c:strRef>
+          </c:tx>
+          <c:spPr>
+            <a:solidFill>
+              <a:schemeClr val="accent2"/>
+            </a:solidFill>
+            <a:ln>
+              <a:noFill/>
+            </a:ln>
+            <a:effectLst/>
+          </c:spPr>
+          <c:invertIfNegative val="0"/>
+          <c:cat>
+            <c:strRef>
+              <c:f>Sheet1!$A$2:$A$4</c:f>
+              <c:strCache>
+                <c:ptCount val="3"/>
+                <c:pt idx="0">
+                  <c:v>K=F, D=F</c:v>
+                </c:pt>
+                <c:pt idx="1">
+                  <c:v>K=T, D=F</c:v>
+                </c:pt>
+                <c:pt idx="2">
+                  <c:v>K=F, D=T</c:v>
+                </c:pt>
+              </c:strCache>
+            </c:strRef>
+          </c:cat>
+          <c:val>
+            <c:numRef>
+              <c:f>Sheet1!$C$2:$C$4</c:f>
+              <c:numCache>
+                <c:formatCode>General</c:formatCode>
+                <c:ptCount val="3"/>
+                <c:pt idx="0">
+                  <c:v>72.3271</c:v>
+                </c:pt>
+                <c:pt idx="1">
+                  <c:v>61.8014</c:v>
+                </c:pt>
+                <c:pt idx="2">
+                  <c:v>61.9984</c:v>
+                </c:pt>
+              </c:numCache>
+            </c:numRef>
+          </c:val>
+        </c:ser>
+        <c:dLbls>
+          <c:showLegendKey val="0"/>
+          <c:showVal val="0"/>
+          <c:showCatName val="0"/>
+          <c:showSerName val="0"/>
+          <c:showPercent val="0"/>
+          <c:showBubbleSize val="0"/>
+        </c:dLbls>
+        <c:gapWidth val="219"/>
+        <c:overlap val="-27"/>
+        <c:axId val="2107690608"/>
+        <c:axId val="2107693536"/>
+      </c:barChart>
+      <c:catAx>
+        <c:axId val="2107690608"/>
+        <c:scaling>
+          <c:orientation val="minMax"/>
+        </c:scaling>
+        <c:delete val="0"/>
+        <c:axPos val="b"/>
+        <c:numFmt formatCode="General" sourceLinked="1"/>
+        <c:majorTickMark val="none"/>
+        <c:minorTickMark val="none"/>
+        <c:tickLblPos val="nextTo"/>
+        <c:spPr>
+          <a:noFill/>
+          <a:ln w="9525" cap="flat" cmpd="sng" algn="ctr">
+            <a:solidFill>
+              <a:schemeClr val="tx1">
+                <a:lumMod val="15000"/>
+                <a:lumOff val="85000"/>
+              </a:schemeClr>
+            </a:solidFill>
+            <a:round/>
+          </a:ln>
+          <a:effectLst/>
+        </c:spPr>
+        <c:txPr>
+          <a:bodyPr rot="-60000000" spcFirstLastPara="1" vertOverflow="ellipsis" vert="horz" wrap="square" anchor="ctr" anchorCtr="1"/>
+          <a:lstStyle/>
+          <a:p>
+            <a:pPr>
+              <a:defRPr sz="1197" b="0" i="0" u="none" strike="noStrike" kern="1200" baseline="0">
+                <a:solidFill>
+                  <a:schemeClr val="tx1">
+                    <a:lumMod val="65000"/>
+                    <a:lumOff val="35000"/>
+                  </a:schemeClr>
+                </a:solidFill>
+                <a:latin typeface="+mn-lt"/>
+                <a:ea typeface="+mn-ea"/>
+                <a:cs typeface="+mn-cs"/>
+              </a:defRPr>
+            </a:pPr>
+            <a:endParaRPr lang="en-US"/>
+          </a:p>
+        </c:txPr>
+        <c:crossAx val="2107693536"/>
+        <c:crosses val="autoZero"/>
+        <c:auto val="1"/>
+        <c:lblAlgn val="ctr"/>
+        <c:lblOffset val="100"/>
+        <c:noMultiLvlLbl val="0"/>
+      </c:catAx>
+      <c:valAx>
+        <c:axId val="2107693536"/>
+        <c:scaling>
+          <c:orientation val="minMax"/>
+          <c:max val="80.0"/>
+          <c:min val="50.0"/>
+        </c:scaling>
+        <c:delete val="0"/>
+        <c:axPos val="l"/>
+        <c:majorGridlines>
+          <c:spPr>
+            <a:ln w="9525" cap="flat" cmpd="sng" algn="ctr">
+              <a:solidFill>
+                <a:schemeClr val="tx1">
+                  <a:lumMod val="15000"/>
+                  <a:lumOff val="85000"/>
+                </a:schemeClr>
+              </a:solidFill>
+              <a:round/>
+            </a:ln>
+            <a:effectLst/>
+          </c:spPr>
+        </c:majorGridlines>
+        <c:numFmt formatCode="General" sourceLinked="0"/>
+        <c:majorTickMark val="none"/>
+        <c:minorTickMark val="none"/>
+        <c:tickLblPos val="nextTo"/>
+        <c:spPr>
+          <a:noFill/>
+          <a:ln>
+            <a:noFill/>
+          </a:ln>
+          <a:effectLst/>
+        </c:spPr>
+        <c:txPr>
+          <a:bodyPr rot="-60000000" spcFirstLastPara="1" vertOverflow="ellipsis" vert="horz" wrap="square" anchor="ctr" anchorCtr="1"/>
+          <a:lstStyle/>
+          <a:p>
+            <a:pPr>
+              <a:defRPr sz="1197" b="0" i="0" u="none" strike="noStrike" kern="1200" baseline="0">
+                <a:solidFill>
+                  <a:schemeClr val="tx1">
+                    <a:lumMod val="65000"/>
+                    <a:lumOff val="35000"/>
+                  </a:schemeClr>
+                </a:solidFill>
+                <a:latin typeface="+mn-lt"/>
+                <a:ea typeface="+mn-ea"/>
+                <a:cs typeface="+mn-cs"/>
+              </a:defRPr>
+            </a:pPr>
+            <a:endParaRPr lang="en-US"/>
+          </a:p>
+        </c:txPr>
+        <c:crossAx val="2107690608"/>
+        <c:crosses val="autoZero"/>
+        <c:crossBetween val="between"/>
+      </c:valAx>
+      <c:spPr>
+        <a:noFill/>
+        <a:ln>
+          <a:noFill/>
+        </a:ln>
+        <a:effectLst/>
+      </c:spPr>
+    </c:plotArea>
+    <c:legend>
+      <c:legendPos val="b"/>
+      <c:layout/>
+      <c:overlay val="0"/>
+      <c:spPr>
+        <a:noFill/>
+        <a:ln>
+          <a:noFill/>
+        </a:ln>
+        <a:effectLst/>
+      </c:spPr>
+      <c:txPr>
+        <a:bodyPr rot="0" spcFirstLastPara="1" vertOverflow="ellipsis" vert="horz" wrap="square" anchor="ctr" anchorCtr="1"/>
+        <a:lstStyle/>
+        <a:p>
+          <a:pPr>
+            <a:defRPr sz="1197" b="0" i="0" u="none" strike="noStrike" kern="1200" baseline="0">
+              <a:solidFill>
+                <a:schemeClr val="tx1">
+                  <a:lumMod val="65000"/>
+                  <a:lumOff val="35000"/>
+                </a:schemeClr>
+              </a:solidFill>
+              <a:latin typeface="+mn-lt"/>
+              <a:ea typeface="+mn-ea"/>
+              <a:cs typeface="+mn-cs"/>
+            </a:defRPr>
+          </a:pPr>
+          <a:endParaRPr lang="en-US"/>
+        </a:p>
+      </c:txPr>
+    </c:legend>
+    <c:plotVisOnly val="1"/>
+    <c:dispBlanksAs val="gap"/>
+    <c:showDLblsOverMax val="0"/>
+  </c:chart>
+  <c:spPr>
+    <a:noFill/>
+    <a:ln>
+      <a:noFill/>
+    </a:ln>
+    <a:effectLst/>
+  </c:spPr>
+  <c:txPr>
+    <a:bodyPr/>
+    <a:lstStyle/>
+    <a:p>
+      <a:pPr>
+        <a:defRPr/>
+      </a:pPr>
+      <a:endParaRPr lang="en-US"/>
+    </a:p>
+  </c:txPr>
+  <c:externalData r:id="rId3">
+    <c:autoUpdate val="0"/>
+  </c:externalData>
+</c:chartSpace>
+</file>
+
+<file path=ppt/charts/chart7.xml><?xml version="1.0" encoding="utf-8"?>
+<c:chartSpace xmlns:c="http://schemas.openxmlformats.org/drawingml/2006/chart" xmlns:a="http://schemas.openxmlformats.org/drawingml/2006/main" xmlns:r="http://schemas.openxmlformats.org/officeDocument/2006/relationships">
+  <c:date1904 val="0"/>
+  <c:lang val="en-US"/>
+  <c:roundedCorners val="0"/>
+  <mc:AlternateContent xmlns:mc="http://schemas.openxmlformats.org/markup-compatibility/2006">
+    <mc:Choice xmlns:c14="http://schemas.microsoft.com/office/drawing/2007/8/2/chart" Requires="c14">
+      <c14:style val="102"/>
+    </mc:Choice>
+    <mc:Fallback>
+      <c:style val="2"/>
+    </mc:Fallback>
+  </mc:AlternateContent>
+  <c:chart>
+    <c:title>
+      <c:tx>
+        <c:rich>
+          <a:bodyPr rot="0" spcFirstLastPara="1" vertOverflow="ellipsis" vert="horz" wrap="square" anchor="ctr" anchorCtr="1"/>
+          <a:lstStyle/>
+          <a:p>
+            <a:pPr>
+              <a:defRPr sz="1862" b="0" i="0" u="none" strike="noStrike" kern="1200" spc="0" baseline="0">
+                <a:solidFill>
+                  <a:schemeClr val="tx1">
+                    <a:lumMod val="65000"/>
+                    <a:lumOff val="35000"/>
+                  </a:schemeClr>
+                </a:solidFill>
+                <a:latin typeface="+mn-lt"/>
+                <a:ea typeface="+mn-ea"/>
+                <a:cs typeface="+mn-cs"/>
+              </a:defRPr>
+            </a:pPr>
+            <a:r>
+              <a:rPr lang="en-US" dirty="0" smtClean="0"/>
+              <a:t>Digit</a:t>
+            </a:r>
+            <a:r>
+              <a:rPr lang="en-US" baseline="0" dirty="0" smtClean="0"/>
+              <a:t> </a:t>
+            </a:r>
+            <a:r>
+              <a:rPr lang="en-US" dirty="0" smtClean="0"/>
+              <a:t>Recognition</a:t>
+            </a:r>
+            <a:endParaRPr lang="en-US" dirty="0"/>
+          </a:p>
+        </c:rich>
+      </c:tx>
+      <c:layout/>
+      <c:overlay val="0"/>
+      <c:spPr>
+        <a:noFill/>
+        <a:ln>
+          <a:noFill/>
+        </a:ln>
+        <a:effectLst/>
+      </c:spPr>
+      <c:txPr>
+        <a:bodyPr rot="0" spcFirstLastPara="1" vertOverflow="ellipsis" vert="horz" wrap="square" anchor="ctr" anchorCtr="1"/>
+        <a:lstStyle/>
+        <a:p>
+          <a:pPr>
+            <a:defRPr sz="1862" b="0" i="0" u="none" strike="noStrike" kern="1200" spc="0" baseline="0">
+              <a:solidFill>
+                <a:schemeClr val="tx1">
+                  <a:lumMod val="65000"/>
+                  <a:lumOff val="35000"/>
+                </a:schemeClr>
+              </a:solidFill>
+              <a:latin typeface="+mn-lt"/>
+              <a:ea typeface="+mn-ea"/>
+              <a:cs typeface="+mn-cs"/>
+            </a:defRPr>
+          </a:pPr>
+          <a:endParaRPr lang="en-US"/>
+        </a:p>
+      </c:txPr>
+    </c:title>
+    <c:autoTitleDeleted val="0"/>
+    <c:plotArea>
+      <c:layout/>
+      <c:barChart>
+        <c:barDir val="col"/>
+        <c:grouping val="clustered"/>
+        <c:varyColors val="0"/>
+        <c:ser>
+          <c:idx val="0"/>
+          <c:order val="0"/>
+          <c:tx>
+            <c:strRef>
+              <c:f>Sheet1!$B$1</c:f>
+              <c:strCache>
+                <c:ptCount val="1"/>
+                <c:pt idx="0">
+                  <c:v>Correctness</c:v>
+                </c:pt>
+              </c:strCache>
+            </c:strRef>
+          </c:tx>
+          <c:spPr>
+            <a:solidFill>
+              <a:schemeClr val="accent1"/>
+            </a:solidFill>
+            <a:ln>
+              <a:noFill/>
+            </a:ln>
+            <a:effectLst/>
+          </c:spPr>
+          <c:invertIfNegative val="0"/>
+          <c:cat>
+            <c:strRef>
+              <c:f>Sheet1!$A$2:$A$4</c:f>
+              <c:strCache>
+                <c:ptCount val="3"/>
+                <c:pt idx="0">
+                  <c:v>K=F, D=F</c:v>
+                </c:pt>
+                <c:pt idx="1">
+                  <c:v>K=T, D=F</c:v>
+                </c:pt>
+                <c:pt idx="2">
+                  <c:v>K=F, D=T</c:v>
+                </c:pt>
+              </c:strCache>
+            </c:strRef>
+          </c:cat>
+          <c:val>
+            <c:numRef>
+              <c:f>Sheet1!$B$2:$B$4</c:f>
+              <c:numCache>
+                <c:formatCode>General</c:formatCode>
+                <c:ptCount val="3"/>
+                <c:pt idx="0">
+                  <c:v>91.2958</c:v>
+                </c:pt>
+                <c:pt idx="1">
+                  <c:v>92.0256</c:v>
+                </c:pt>
+                <c:pt idx="2">
+                  <c:v>92.0256</c:v>
+                </c:pt>
+              </c:numCache>
+            </c:numRef>
+          </c:val>
+        </c:ser>
+        <c:ser>
+          <c:idx val="1"/>
+          <c:order val="1"/>
+          <c:tx>
+            <c:strRef>
+              <c:f>Sheet1!$C$1</c:f>
+              <c:strCache>
+                <c:ptCount val="1"/>
+                <c:pt idx="0">
+                  <c:v>Root relative squared error</c:v>
+                </c:pt>
+              </c:strCache>
+            </c:strRef>
+          </c:tx>
+          <c:spPr>
+            <a:solidFill>
+              <a:schemeClr val="accent2"/>
+            </a:solidFill>
+            <a:ln>
+              <a:noFill/>
+            </a:ln>
+            <a:effectLst/>
+          </c:spPr>
+          <c:invertIfNegative val="0"/>
+          <c:cat>
+            <c:strRef>
+              <c:f>Sheet1!$A$2:$A$4</c:f>
+              <c:strCache>
+                <c:ptCount val="3"/>
+                <c:pt idx="0">
+                  <c:v>K=F, D=F</c:v>
+                </c:pt>
+                <c:pt idx="1">
+                  <c:v>K=T, D=F</c:v>
+                </c:pt>
+                <c:pt idx="2">
+                  <c:v>K=F, D=T</c:v>
+                </c:pt>
+              </c:strCache>
+            </c:strRef>
+          </c:cat>
+          <c:val>
+            <c:numRef>
+              <c:f>Sheet1!$C$2:$C$4</c:f>
+              <c:numCache>
+                <c:formatCode>General</c:formatCode>
+                <c:ptCount val="3"/>
+                <c:pt idx="0">
+                  <c:v>42.3396</c:v>
+                </c:pt>
+                <c:pt idx="1">
+                  <c:v>38.9948</c:v>
+                </c:pt>
+                <c:pt idx="2">
+                  <c:v>39.3713</c:v>
+                </c:pt>
+              </c:numCache>
+            </c:numRef>
+          </c:val>
+        </c:ser>
+        <c:dLbls>
+          <c:showLegendKey val="0"/>
+          <c:showVal val="0"/>
+          <c:showCatName val="0"/>
+          <c:showSerName val="0"/>
+          <c:showPercent val="0"/>
+          <c:showBubbleSize val="0"/>
+        </c:dLbls>
+        <c:gapWidth val="219"/>
+        <c:overlap val="-27"/>
+        <c:axId val="2118097504"/>
+        <c:axId val="2118100432"/>
+      </c:barChart>
+      <c:catAx>
+        <c:axId val="2118097504"/>
+        <c:scaling>
+          <c:orientation val="minMax"/>
+        </c:scaling>
+        <c:delete val="0"/>
+        <c:axPos val="b"/>
+        <c:numFmt formatCode="General" sourceLinked="1"/>
+        <c:majorTickMark val="none"/>
+        <c:minorTickMark val="none"/>
+        <c:tickLblPos val="nextTo"/>
+        <c:spPr>
+          <a:noFill/>
+          <a:ln w="9525" cap="flat" cmpd="sng" algn="ctr">
+            <a:solidFill>
+              <a:schemeClr val="tx1">
+                <a:lumMod val="15000"/>
+                <a:lumOff val="85000"/>
+              </a:schemeClr>
+            </a:solidFill>
+            <a:round/>
+          </a:ln>
+          <a:effectLst/>
+        </c:spPr>
+        <c:txPr>
+          <a:bodyPr rot="-60000000" spcFirstLastPara="1" vertOverflow="ellipsis" vert="horz" wrap="square" anchor="ctr" anchorCtr="1"/>
+          <a:lstStyle/>
+          <a:p>
+            <a:pPr>
+              <a:defRPr sz="1197" b="0" i="0" u="none" strike="noStrike" kern="1200" baseline="0">
+                <a:solidFill>
+                  <a:schemeClr val="tx1">
+                    <a:lumMod val="65000"/>
+                    <a:lumOff val="35000"/>
+                  </a:schemeClr>
+                </a:solidFill>
+                <a:latin typeface="+mn-lt"/>
+                <a:ea typeface="+mn-ea"/>
+                <a:cs typeface="+mn-cs"/>
+              </a:defRPr>
+            </a:pPr>
+            <a:endParaRPr lang="en-US"/>
+          </a:p>
+        </c:txPr>
+        <c:crossAx val="2118100432"/>
+        <c:crosses val="autoZero"/>
+        <c:auto val="1"/>
+        <c:lblAlgn val="ctr"/>
+        <c:lblOffset val="100"/>
+        <c:noMultiLvlLbl val="0"/>
+      </c:catAx>
+      <c:valAx>
+        <c:axId val="2118100432"/>
+        <c:scaling>
+          <c:orientation val="minMax"/>
+        </c:scaling>
+        <c:delete val="0"/>
+        <c:axPos val="l"/>
+        <c:majorGridlines>
+          <c:spPr>
+            <a:ln w="9525" cap="flat" cmpd="sng" algn="ctr">
+              <a:solidFill>
+                <a:schemeClr val="tx1">
+                  <a:lumMod val="15000"/>
+                  <a:lumOff val="85000"/>
+                </a:schemeClr>
+              </a:solidFill>
+              <a:round/>
+            </a:ln>
+            <a:effectLst/>
+          </c:spPr>
+        </c:majorGridlines>
+        <c:numFmt formatCode="General" sourceLinked="0"/>
+        <c:majorTickMark val="none"/>
+        <c:minorTickMark val="none"/>
+        <c:tickLblPos val="nextTo"/>
+        <c:spPr>
+          <a:noFill/>
+          <a:ln>
+            <a:noFill/>
+          </a:ln>
+          <a:effectLst/>
+        </c:spPr>
+        <c:txPr>
+          <a:bodyPr rot="-60000000" spcFirstLastPara="1" vertOverflow="ellipsis" vert="horz" wrap="square" anchor="ctr" anchorCtr="1"/>
+          <a:lstStyle/>
+          <a:p>
+            <a:pPr>
+              <a:defRPr sz="1197" b="0" i="0" u="none" strike="noStrike" kern="1200" baseline="0">
+                <a:solidFill>
+                  <a:schemeClr val="tx1">
+                    <a:lumMod val="65000"/>
+                    <a:lumOff val="35000"/>
+                  </a:schemeClr>
+                </a:solidFill>
+                <a:latin typeface="+mn-lt"/>
+                <a:ea typeface="+mn-ea"/>
+                <a:cs typeface="+mn-cs"/>
+              </a:defRPr>
+            </a:pPr>
+            <a:endParaRPr lang="en-US"/>
+          </a:p>
+        </c:txPr>
+        <c:crossAx val="2118097504"/>
+        <c:crosses val="autoZero"/>
+        <c:crossBetween val="between"/>
+      </c:valAx>
+      <c:spPr>
+        <a:noFill/>
+        <a:ln>
+          <a:noFill/>
+        </a:ln>
+        <a:effectLst/>
+      </c:spPr>
+    </c:plotArea>
+    <c:legend>
+      <c:legendPos val="b"/>
+      <c:layout/>
       <c:overlay val="0"/>
       <c:spPr>
         <a:noFill/>
@@ -2252,6 +3045,86 @@
 </file>
 
 <file path=ppt/charts/colors5.xml><?xml version="1.0" encoding="utf-8"?>
+<cs:colorStyle xmlns:cs="http://schemas.microsoft.com/office/drawing/2012/chartStyle" xmlns:a="http://schemas.openxmlformats.org/drawingml/2006/main" meth="cycle" id="10">
+  <a:schemeClr val="accent1"/>
+  <a:schemeClr val="accent2"/>
+  <a:schemeClr val="accent3"/>
+  <a:schemeClr val="accent4"/>
+  <a:schemeClr val="accent5"/>
+  <a:schemeClr val="accent6"/>
+  <cs:variation/>
+  <cs:variation>
+    <a:lumMod val="60000"/>
+  </cs:variation>
+  <cs:variation>
+    <a:lumMod val="80000"/>
+    <a:lumOff val="20000"/>
+  </cs:variation>
+  <cs:variation>
+    <a:lumMod val="80000"/>
+  </cs:variation>
+  <cs:variation>
+    <a:lumMod val="60000"/>
+    <a:lumOff val="40000"/>
+  </cs:variation>
+  <cs:variation>
+    <a:lumMod val="50000"/>
+  </cs:variation>
+  <cs:variation>
+    <a:lumMod val="70000"/>
+    <a:lumOff val="30000"/>
+  </cs:variation>
+  <cs:variation>
+    <a:lumMod val="70000"/>
+  </cs:variation>
+  <cs:variation>
+    <a:lumMod val="50000"/>
+    <a:lumOff val="50000"/>
+  </cs:variation>
+</cs:colorStyle>
+</file>
+
+<file path=ppt/charts/colors6.xml><?xml version="1.0" encoding="utf-8"?>
+<cs:colorStyle xmlns:cs="http://schemas.microsoft.com/office/drawing/2012/chartStyle" xmlns:a="http://schemas.openxmlformats.org/drawingml/2006/main" meth="cycle" id="10">
+  <a:schemeClr val="accent1"/>
+  <a:schemeClr val="accent2"/>
+  <a:schemeClr val="accent3"/>
+  <a:schemeClr val="accent4"/>
+  <a:schemeClr val="accent5"/>
+  <a:schemeClr val="accent6"/>
+  <cs:variation/>
+  <cs:variation>
+    <a:lumMod val="60000"/>
+  </cs:variation>
+  <cs:variation>
+    <a:lumMod val="80000"/>
+    <a:lumOff val="20000"/>
+  </cs:variation>
+  <cs:variation>
+    <a:lumMod val="80000"/>
+  </cs:variation>
+  <cs:variation>
+    <a:lumMod val="60000"/>
+    <a:lumOff val="40000"/>
+  </cs:variation>
+  <cs:variation>
+    <a:lumMod val="50000"/>
+  </cs:variation>
+  <cs:variation>
+    <a:lumMod val="70000"/>
+    <a:lumOff val="30000"/>
+  </cs:variation>
+  <cs:variation>
+    <a:lumMod val="70000"/>
+  </cs:variation>
+  <cs:variation>
+    <a:lumMod val="50000"/>
+    <a:lumOff val="50000"/>
+  </cs:variation>
+</cs:colorStyle>
+</file>
+
+<file path=ppt/charts/colors7.xml><?xml version="1.0" encoding="utf-8"?>
 <cs:colorStyle xmlns:cs="http://schemas.microsoft.com/office/drawing/2012/chartStyle" xmlns:a="http://schemas.openxmlformats.org/drawingml/2006/main" meth="cycle" id="10">
   <a:schemeClr val="accent1"/>
   <a:schemeClr val="accent2"/>
@@ -4806,6 +5679,1012 @@
 </cs:chartStyle>
 </file>
 
+<file path=ppt/charts/style6.xml><?xml version="1.0" encoding="utf-8"?>
+<cs:chartStyle xmlns:cs="http://schemas.microsoft.com/office/drawing/2012/chartStyle" xmlns:a="http://schemas.openxmlformats.org/drawingml/2006/main" id="201">
+  <cs:axisTitle>
+    <cs:lnRef idx="0"/>
+    <cs:fillRef idx="0"/>
+    <cs:effectRef idx="0"/>
+    <cs:fontRef idx="minor">
+      <a:schemeClr val="tx1">
+        <a:lumMod val="65000"/>
+        <a:lumOff val="35000"/>
+      </a:schemeClr>
+    </cs:fontRef>
+    <cs:defRPr sz="1330" kern="1200"/>
+  </cs:axisTitle>
+  <cs:categoryAxis>
+    <cs:lnRef idx="0"/>
+    <cs:fillRef idx="0"/>
+    <cs:effectRef idx="0"/>
+    <cs:fontRef idx="minor">
+      <a:schemeClr val="tx1">
+        <a:lumMod val="65000"/>
+        <a:lumOff val="35000"/>
+      </a:schemeClr>
+    </cs:fontRef>
+    <cs:spPr>
+      <a:ln w="9525" cap="flat" cmpd="sng" algn="ctr">
+        <a:solidFill>
+          <a:schemeClr val="tx1">
+            <a:lumMod val="15000"/>
+            <a:lumOff val="85000"/>
+          </a:schemeClr>
+        </a:solidFill>
+        <a:round/>
+      </a:ln>
+    </cs:spPr>
+    <cs:defRPr sz="1197" kern="1200"/>
+  </cs:categoryAxis>
+  <cs:chartArea mods="allowNoFillOverride allowNoLineOverride">
+    <cs:lnRef idx="0"/>
+    <cs:fillRef idx="0"/>
+    <cs:effectRef idx="0"/>
+    <cs:fontRef idx="minor">
+      <a:schemeClr val="tx1"/>
+    </cs:fontRef>
+    <cs:spPr>
+      <a:solidFill>
+        <a:schemeClr val="bg1"/>
+      </a:solidFill>
+      <a:ln w="9525" cap="flat" cmpd="sng" algn="ctr">
+        <a:solidFill>
+          <a:schemeClr val="tx1">
+            <a:lumMod val="15000"/>
+            <a:lumOff val="85000"/>
+          </a:schemeClr>
+        </a:solidFill>
+        <a:round/>
+      </a:ln>
+    </cs:spPr>
+    <cs:defRPr sz="1330" kern="1200"/>
+  </cs:chartArea>
+  <cs:dataLabel>
+    <cs:lnRef idx="0"/>
+    <cs:fillRef idx="0"/>
+    <cs:effectRef idx="0"/>
+    <cs:fontRef idx="minor">
+      <a:schemeClr val="tx1">
+        <a:lumMod val="75000"/>
+        <a:lumOff val="25000"/>
+      </a:schemeClr>
+    </cs:fontRef>
+    <cs:defRPr sz="1197" kern="1200"/>
+  </cs:dataLabel>
+  <cs:dataLabelCallout>
+    <cs:lnRef idx="0"/>
+    <cs:fillRef idx="0"/>
+    <cs:effectRef idx="0"/>
+    <cs:fontRef idx="minor">
+      <a:schemeClr val="dk1">
+        <a:lumMod val="65000"/>
+        <a:lumOff val="35000"/>
+      </a:schemeClr>
+    </cs:fontRef>
+    <cs:spPr>
+      <a:solidFill>
+        <a:schemeClr val="lt1"/>
+      </a:solidFill>
+      <a:ln>
+        <a:solidFill>
+          <a:schemeClr val="dk1">
+            <a:lumMod val="25000"/>
+            <a:lumOff val="75000"/>
+          </a:schemeClr>
+        </a:solidFill>
+      </a:ln>
+    </cs:spPr>
+    <cs:defRPr sz="1197" kern="1200"/>
+    <cs:bodyPr rot="0" spcFirstLastPara="1" vertOverflow="clip" horzOverflow="clip" vert="horz" wrap="square" lIns="36576" tIns="18288" rIns="36576" bIns="18288" anchor="ctr" anchorCtr="1">
+      <a:spAutoFit/>
+    </cs:bodyPr>
+  </cs:dataLabelCallout>
+  <cs:dataPoint>
+    <cs:lnRef idx="0"/>
+    <cs:fillRef idx="1">
+      <cs:styleClr val="auto"/>
+    </cs:fillRef>
+    <cs:effectRef idx="0"/>
+    <cs:fontRef idx="minor">
+      <a:schemeClr val="tx1"/>
+    </cs:fontRef>
+  </cs:dataPoint>
+  <cs:dataPoint3D>
+    <cs:lnRef idx="0"/>
+    <cs:fillRef idx="1">
+      <cs:styleClr val="auto"/>
+    </cs:fillRef>
+    <cs:effectRef idx="0"/>
+    <cs:fontRef idx="minor">
+      <a:schemeClr val="tx1"/>
+    </cs:fontRef>
+  </cs:dataPoint3D>
+  <cs:dataPointLine>
+    <cs:lnRef idx="0">
+      <cs:styleClr val="auto"/>
+    </cs:lnRef>
+    <cs:fillRef idx="1"/>
+    <cs:effectRef idx="0"/>
+    <cs:fontRef idx="minor">
+      <a:schemeClr val="tx1"/>
+    </cs:fontRef>
+    <cs:spPr>
+      <a:ln w="28575" cap="rnd">
+        <a:solidFill>
+          <a:schemeClr val="phClr"/>
+        </a:solidFill>
+        <a:round/>
+      </a:ln>
+    </cs:spPr>
+  </cs:dataPointLine>
+  <cs:dataPointMarker>
+    <cs:lnRef idx="0">
+      <cs:styleClr val="auto"/>
+    </cs:lnRef>
+    <cs:fillRef idx="1">
+      <cs:styleClr val="auto"/>
+    </cs:fillRef>
+    <cs:effectRef idx="0"/>
+    <cs:fontRef idx="minor">
+      <a:schemeClr val="tx1"/>
+    </cs:fontRef>
+    <cs:spPr>
+      <a:ln w="9525">
+        <a:solidFill>
+          <a:schemeClr val="phClr"/>
+        </a:solidFill>
+      </a:ln>
+    </cs:spPr>
+  </cs:dataPointMarker>
+  <cs:dataPointMarkerLayout symbol="circle" size="5"/>
+  <cs:dataPointWireframe>
+    <cs:lnRef idx="0">
+      <cs:styleClr val="auto"/>
+    </cs:lnRef>
+    <cs:fillRef idx="1"/>
+    <cs:effectRef idx="0"/>
+    <cs:fontRef idx="minor">
+      <a:schemeClr val="tx1"/>
+    </cs:fontRef>
+    <cs:spPr>
+      <a:ln w="9525" cap="rnd">
+        <a:solidFill>
+          <a:schemeClr val="phClr"/>
+        </a:solidFill>
+        <a:round/>
+      </a:ln>
+    </cs:spPr>
+  </cs:dataPointWireframe>
+  <cs:dataTable>
+    <cs:lnRef idx="0"/>
+    <cs:fillRef idx="0"/>
+    <cs:effectRef idx="0"/>
+    <cs:fontRef idx="minor">
+      <a:schemeClr val="tx1">
+        <a:lumMod val="65000"/>
+        <a:lumOff val="35000"/>
+      </a:schemeClr>
+    </cs:fontRef>
+    <cs:spPr>
+      <a:noFill/>
+      <a:ln w="9525" cap="flat" cmpd="sng" algn="ctr">
+        <a:solidFill>
+          <a:schemeClr val="tx1">
+            <a:lumMod val="15000"/>
+            <a:lumOff val="85000"/>
+          </a:schemeClr>
+        </a:solidFill>
+        <a:round/>
+      </a:ln>
+    </cs:spPr>
+    <cs:defRPr sz="1197" kern="1200"/>
+  </cs:dataTable>
+  <cs:downBar>
+    <cs:lnRef idx="0"/>
+    <cs:fillRef idx="0"/>
+    <cs:effectRef idx="0"/>
+    <cs:fontRef idx="minor">
+      <a:schemeClr val="dk1"/>
+    </cs:fontRef>
+    <cs:spPr>
+      <a:solidFill>
+        <a:schemeClr val="dk1">
+          <a:lumMod val="65000"/>
+          <a:lumOff val="35000"/>
+        </a:schemeClr>
+      </a:solidFill>
+      <a:ln w="9525">
+        <a:solidFill>
+          <a:schemeClr val="tx1">
+            <a:lumMod val="65000"/>
+            <a:lumOff val="35000"/>
+          </a:schemeClr>
+        </a:solidFill>
+      </a:ln>
+    </cs:spPr>
+  </cs:downBar>
+  <cs:dropLine>
+    <cs:lnRef idx="0"/>
+    <cs:fillRef idx="0"/>
+    <cs:effectRef idx="0"/>
+    <cs:fontRef idx="minor">
+      <a:schemeClr val="tx1"/>
+    </cs:fontRef>
+    <cs:spPr>
+      <a:ln w="9525" cap="flat" cmpd="sng" algn="ctr">
+        <a:solidFill>
+          <a:schemeClr val="tx1">
+            <a:lumMod val="35000"/>
+            <a:lumOff val="65000"/>
+          </a:schemeClr>
+        </a:solidFill>
+        <a:round/>
+      </a:ln>
+    </cs:spPr>
+  </cs:dropLine>
+  <cs:errorBar>
+    <cs:lnRef idx="0"/>
+    <cs:fillRef idx="0"/>
+    <cs:effectRef idx="0"/>
+    <cs:fontRef idx="minor">
+      <a:schemeClr val="tx1"/>
+    </cs:fontRef>
+    <cs:spPr>
+      <a:ln w="9525" cap="flat" cmpd="sng" algn="ctr">
+        <a:solidFill>
+          <a:schemeClr val="tx1">
+            <a:lumMod val="65000"/>
+            <a:lumOff val="35000"/>
+          </a:schemeClr>
+        </a:solidFill>
+        <a:round/>
+      </a:ln>
+    </cs:spPr>
+  </cs:errorBar>
+  <cs:floor>
+    <cs:lnRef idx="0"/>
+    <cs:fillRef idx="0"/>
+    <cs:effectRef idx="0"/>
+    <cs:fontRef idx="minor">
+      <a:schemeClr val="tx1"/>
+    </cs:fontRef>
+    <cs:spPr>
+      <a:noFill/>
+      <a:ln>
+        <a:noFill/>
+      </a:ln>
+    </cs:spPr>
+  </cs:floor>
+  <cs:gridlineMajor>
+    <cs:lnRef idx="0"/>
+    <cs:fillRef idx="0"/>
+    <cs:effectRef idx="0"/>
+    <cs:fontRef idx="minor">
+      <a:schemeClr val="tx1"/>
+    </cs:fontRef>
+    <cs:spPr>
+      <a:ln w="9525" cap="flat" cmpd="sng" algn="ctr">
+        <a:solidFill>
+          <a:schemeClr val="tx1">
+            <a:lumMod val="15000"/>
+            <a:lumOff val="85000"/>
+          </a:schemeClr>
+        </a:solidFill>
+        <a:round/>
+      </a:ln>
+    </cs:spPr>
+  </cs:gridlineMajor>
+  <cs:gridlineMinor>
+    <cs:lnRef idx="0"/>
+    <cs:fillRef idx="0"/>
+    <cs:effectRef idx="0"/>
+    <cs:fontRef idx="minor">
+      <a:schemeClr val="tx1"/>
+    </cs:fontRef>
+    <cs:spPr>
+      <a:ln w="9525" cap="flat" cmpd="sng" algn="ctr">
+        <a:solidFill>
+          <a:schemeClr val="tx1">
+            <a:lumMod val="5000"/>
+            <a:lumOff val="95000"/>
+          </a:schemeClr>
+        </a:solidFill>
+        <a:round/>
+      </a:ln>
+    </cs:spPr>
+  </cs:gridlineMinor>
+  <cs:hiLoLine>
+    <cs:lnRef idx="0"/>
+    <cs:fillRef idx="0"/>
+    <cs:effectRef idx="0"/>
+    <cs:fontRef idx="minor">
+      <a:schemeClr val="tx1"/>
+    </cs:fontRef>
+    <cs:spPr>
+      <a:ln w="9525" cap="flat" cmpd="sng" algn="ctr">
+        <a:solidFill>
+          <a:schemeClr val="tx1">
+            <a:lumMod val="75000"/>
+            <a:lumOff val="25000"/>
+          </a:schemeClr>
+        </a:solidFill>
+        <a:round/>
+      </a:ln>
+    </cs:spPr>
+  </cs:hiLoLine>
+  <cs:leaderLine>
+    <cs:lnRef idx="0"/>
+    <cs:fillRef idx="0"/>
+    <cs:effectRef idx="0"/>
+    <cs:fontRef idx="minor">
+      <a:schemeClr val="tx1"/>
+    </cs:fontRef>
+    <cs:spPr>
+      <a:ln w="9525" cap="flat" cmpd="sng" algn="ctr">
+        <a:solidFill>
+          <a:schemeClr val="tx1">
+            <a:lumMod val="35000"/>
+            <a:lumOff val="65000"/>
+          </a:schemeClr>
+        </a:solidFill>
+        <a:round/>
+      </a:ln>
+    </cs:spPr>
+  </cs:leaderLine>
+  <cs:legend>
+    <cs:lnRef idx="0"/>
+    <cs:fillRef idx="0"/>
+    <cs:effectRef idx="0"/>
+    <cs:fontRef idx="minor">
+      <a:schemeClr val="tx1">
+        <a:lumMod val="65000"/>
+        <a:lumOff val="35000"/>
+      </a:schemeClr>
+    </cs:fontRef>
+    <cs:defRPr sz="1197" kern="1200"/>
+  </cs:legend>
+  <cs:plotArea mods="allowNoFillOverride allowNoLineOverride">
+    <cs:lnRef idx="0"/>
+    <cs:fillRef idx="0"/>
+    <cs:effectRef idx="0"/>
+    <cs:fontRef idx="minor">
+      <a:schemeClr val="tx1"/>
+    </cs:fontRef>
+  </cs:plotArea>
+  <cs:plotArea3D mods="allowNoFillOverride allowNoLineOverride">
+    <cs:lnRef idx="0"/>
+    <cs:fillRef idx="0"/>
+    <cs:effectRef idx="0"/>
+    <cs:fontRef idx="minor">
+      <a:schemeClr val="tx1"/>
+    </cs:fontRef>
+  </cs:plotArea3D>
+  <cs:seriesAxis>
+    <cs:lnRef idx="0"/>
+    <cs:fillRef idx="0"/>
+    <cs:effectRef idx="0"/>
+    <cs:fontRef idx="minor">
+      <a:schemeClr val="tx1">
+        <a:lumMod val="65000"/>
+        <a:lumOff val="35000"/>
+      </a:schemeClr>
+    </cs:fontRef>
+    <cs:defRPr sz="1197" kern="1200"/>
+  </cs:seriesAxis>
+  <cs:seriesLine>
+    <cs:lnRef idx="0"/>
+    <cs:fillRef idx="0"/>
+    <cs:effectRef idx="0"/>
+    <cs:fontRef idx="minor">
+      <a:schemeClr val="tx1"/>
+    </cs:fontRef>
+    <cs:spPr>
+      <a:ln w="9525" cap="flat" cmpd="sng" algn="ctr">
+        <a:solidFill>
+          <a:schemeClr val="tx1">
+            <a:lumMod val="35000"/>
+            <a:lumOff val="65000"/>
+          </a:schemeClr>
+        </a:solidFill>
+        <a:round/>
+      </a:ln>
+    </cs:spPr>
+  </cs:seriesLine>
+  <cs:title>
+    <cs:lnRef idx="0"/>
+    <cs:fillRef idx="0"/>
+    <cs:effectRef idx="0"/>
+    <cs:fontRef idx="minor">
+      <a:schemeClr val="tx1">
+        <a:lumMod val="65000"/>
+        <a:lumOff val="35000"/>
+      </a:schemeClr>
+    </cs:fontRef>
+    <cs:defRPr sz="1862" b="0" kern="1200" spc="0" baseline="0"/>
+  </cs:title>
+  <cs:trendline>
+    <cs:lnRef idx="0">
+      <cs:styleClr val="auto"/>
+    </cs:lnRef>
+    <cs:fillRef idx="0"/>
+    <cs:effectRef idx="0"/>
+    <cs:fontRef idx="minor">
+      <a:schemeClr val="tx1"/>
+    </cs:fontRef>
+    <cs:spPr>
+      <a:ln w="19050" cap="rnd">
+        <a:solidFill>
+          <a:schemeClr val="phClr"/>
+        </a:solidFill>
+        <a:prstDash val="sysDot"/>
+      </a:ln>
+    </cs:spPr>
+  </cs:trendline>
+  <cs:trendlineLabel>
+    <cs:lnRef idx="0"/>
+    <cs:fillRef idx="0"/>
+    <cs:effectRef idx="0"/>
+    <cs:fontRef idx="minor">
+      <a:schemeClr val="tx1">
+        <a:lumMod val="65000"/>
+        <a:lumOff val="35000"/>
+      </a:schemeClr>
+    </cs:fontRef>
+    <cs:defRPr sz="1197" kern="1200"/>
+  </cs:trendlineLabel>
+  <cs:upBar>
+    <cs:lnRef idx="0"/>
+    <cs:fillRef idx="0"/>
+    <cs:effectRef idx="0"/>
+    <cs:fontRef idx="minor">
+      <a:schemeClr val="dk1"/>
+    </cs:fontRef>
+    <cs:spPr>
+      <a:solidFill>
+        <a:schemeClr val="lt1"/>
+      </a:solidFill>
+      <a:ln w="9525">
+        <a:solidFill>
+          <a:schemeClr val="tx1">
+            <a:lumMod val="15000"/>
+            <a:lumOff val="85000"/>
+          </a:schemeClr>
+        </a:solidFill>
+      </a:ln>
+    </cs:spPr>
+  </cs:upBar>
+  <cs:valueAxis>
+    <cs:lnRef idx="0"/>
+    <cs:fillRef idx="0"/>
+    <cs:effectRef idx="0"/>
+    <cs:fontRef idx="minor">
+      <a:schemeClr val="tx1">
+        <a:lumMod val="65000"/>
+        <a:lumOff val="35000"/>
+      </a:schemeClr>
+    </cs:fontRef>
+    <cs:defRPr sz="1197" kern="1200"/>
+  </cs:valueAxis>
+  <cs:wall>
+    <cs:lnRef idx="0"/>
+    <cs:fillRef idx="0"/>
+    <cs:effectRef idx="0"/>
+    <cs:fontRef idx="minor">
+      <a:schemeClr val="tx1"/>
+    </cs:fontRef>
+    <cs:spPr>
+      <a:noFill/>
+      <a:ln>
+        <a:noFill/>
+      </a:ln>
+    </cs:spPr>
+  </cs:wall>
+</cs:chartStyle>
+</file>
+
+<file path=ppt/charts/style7.xml><?xml version="1.0" encoding="utf-8"?>
+<cs:chartStyle xmlns:cs="http://schemas.microsoft.com/office/drawing/2012/chartStyle" xmlns:a="http://schemas.openxmlformats.org/drawingml/2006/main" id="201">
+  <cs:axisTitle>
+    <cs:lnRef idx="0"/>
+    <cs:fillRef idx="0"/>
+    <cs:effectRef idx="0"/>
+    <cs:fontRef idx="minor">
+      <a:schemeClr val="tx1">
+        <a:lumMod val="65000"/>
+        <a:lumOff val="35000"/>
+      </a:schemeClr>
+    </cs:fontRef>
+    <cs:defRPr sz="1330" kern="1200"/>
+  </cs:axisTitle>
+  <cs:categoryAxis>
+    <cs:lnRef idx="0"/>
+    <cs:fillRef idx="0"/>
+    <cs:effectRef idx="0"/>
+    <cs:fontRef idx="minor">
+      <a:schemeClr val="tx1">
+        <a:lumMod val="65000"/>
+        <a:lumOff val="35000"/>
+      </a:schemeClr>
+    </cs:fontRef>
+    <cs:spPr>
+      <a:ln w="9525" cap="flat" cmpd="sng" algn="ctr">
+        <a:solidFill>
+          <a:schemeClr val="tx1">
+            <a:lumMod val="15000"/>
+            <a:lumOff val="85000"/>
+          </a:schemeClr>
+        </a:solidFill>
+        <a:round/>
+      </a:ln>
+    </cs:spPr>
+    <cs:defRPr sz="1197" kern="1200"/>
+  </cs:categoryAxis>
+  <cs:chartArea mods="allowNoFillOverride allowNoLineOverride">
+    <cs:lnRef idx="0"/>
+    <cs:fillRef idx="0"/>
+    <cs:effectRef idx="0"/>
+    <cs:fontRef idx="minor">
+      <a:schemeClr val="tx1"/>
+    </cs:fontRef>
+    <cs:spPr>
+      <a:solidFill>
+        <a:schemeClr val="bg1"/>
+      </a:solidFill>
+      <a:ln w="9525" cap="flat" cmpd="sng" algn="ctr">
+        <a:solidFill>
+          <a:schemeClr val="tx1">
+            <a:lumMod val="15000"/>
+            <a:lumOff val="85000"/>
+          </a:schemeClr>
+        </a:solidFill>
+        <a:round/>
+      </a:ln>
+    </cs:spPr>
+    <cs:defRPr sz="1330" kern="1200"/>
+  </cs:chartArea>
+  <cs:dataLabel>
+    <cs:lnRef idx="0"/>
+    <cs:fillRef idx="0"/>
+    <cs:effectRef idx="0"/>
+    <cs:fontRef idx="minor">
+      <a:schemeClr val="tx1">
+        <a:lumMod val="75000"/>
+        <a:lumOff val="25000"/>
+      </a:schemeClr>
+    </cs:fontRef>
+    <cs:defRPr sz="1197" kern="1200"/>
+  </cs:dataLabel>
+  <cs:dataLabelCallout>
+    <cs:lnRef idx="0"/>
+    <cs:fillRef idx="0"/>
+    <cs:effectRef idx="0"/>
+    <cs:fontRef idx="minor">
+      <a:schemeClr val="dk1">
+        <a:lumMod val="65000"/>
+        <a:lumOff val="35000"/>
+      </a:schemeClr>
+    </cs:fontRef>
+    <cs:spPr>
+      <a:solidFill>
+        <a:schemeClr val="lt1"/>
+      </a:solidFill>
+      <a:ln>
+        <a:solidFill>
+          <a:schemeClr val="dk1">
+            <a:lumMod val="25000"/>
+            <a:lumOff val="75000"/>
+          </a:schemeClr>
+        </a:solidFill>
+      </a:ln>
+    </cs:spPr>
+    <cs:defRPr sz="1197" kern="1200"/>
+    <cs:bodyPr rot="0" spcFirstLastPara="1" vertOverflow="clip" horzOverflow="clip" vert="horz" wrap="square" lIns="36576" tIns="18288" rIns="36576" bIns="18288" anchor="ctr" anchorCtr="1">
+      <a:spAutoFit/>
+    </cs:bodyPr>
+  </cs:dataLabelCallout>
+  <cs:dataPoint>
+    <cs:lnRef idx="0"/>
+    <cs:fillRef idx="1">
+      <cs:styleClr val="auto"/>
+    </cs:fillRef>
+    <cs:effectRef idx="0"/>
+    <cs:fontRef idx="minor">
+      <a:schemeClr val="tx1"/>
+    </cs:fontRef>
+  </cs:dataPoint>
+  <cs:dataPoint3D>
+    <cs:lnRef idx="0"/>
+    <cs:fillRef idx="1">
+      <cs:styleClr val="auto"/>
+    </cs:fillRef>
+    <cs:effectRef idx="0"/>
+    <cs:fontRef idx="minor">
+      <a:schemeClr val="tx1"/>
+    </cs:fontRef>
+  </cs:dataPoint3D>
+  <cs:dataPointLine>
+    <cs:lnRef idx="0">
+      <cs:styleClr val="auto"/>
+    </cs:lnRef>
+    <cs:fillRef idx="1"/>
+    <cs:effectRef idx="0"/>
+    <cs:fontRef idx="minor">
+      <a:schemeClr val="tx1"/>
+    </cs:fontRef>
+    <cs:spPr>
+      <a:ln w="28575" cap="rnd">
+        <a:solidFill>
+          <a:schemeClr val="phClr"/>
+        </a:solidFill>
+        <a:round/>
+      </a:ln>
+    </cs:spPr>
+  </cs:dataPointLine>
+  <cs:dataPointMarker>
+    <cs:lnRef idx="0">
+      <cs:styleClr val="auto"/>
+    </cs:lnRef>
+    <cs:fillRef idx="1">
+      <cs:styleClr val="auto"/>
+    </cs:fillRef>
+    <cs:effectRef idx="0"/>
+    <cs:fontRef idx="minor">
+      <a:schemeClr val="tx1"/>
+    </cs:fontRef>
+    <cs:spPr>
+      <a:ln w="9525">
+        <a:solidFill>
+          <a:schemeClr val="phClr"/>
+        </a:solidFill>
+      </a:ln>
+    </cs:spPr>
+  </cs:dataPointMarker>
+  <cs:dataPointMarkerLayout symbol="circle" size="5"/>
+  <cs:dataPointWireframe>
+    <cs:lnRef idx="0">
+      <cs:styleClr val="auto"/>
+    </cs:lnRef>
+    <cs:fillRef idx="1"/>
+    <cs:effectRef idx="0"/>
+    <cs:fontRef idx="minor">
+      <a:schemeClr val="tx1"/>
+    </cs:fontRef>
+    <cs:spPr>
+      <a:ln w="9525" cap="rnd">
+        <a:solidFill>
+          <a:schemeClr val="phClr"/>
+        </a:solidFill>
+        <a:round/>
+      </a:ln>
+    </cs:spPr>
+  </cs:dataPointWireframe>
+  <cs:dataTable>
+    <cs:lnRef idx="0"/>
+    <cs:fillRef idx="0"/>
+    <cs:effectRef idx="0"/>
+    <cs:fontRef idx="minor">
+      <a:schemeClr val="tx1">
+        <a:lumMod val="65000"/>
+        <a:lumOff val="35000"/>
+      </a:schemeClr>
+    </cs:fontRef>
+    <cs:spPr>
+      <a:noFill/>
+      <a:ln w="9525" cap="flat" cmpd="sng" algn="ctr">
+        <a:solidFill>
+          <a:schemeClr val="tx1">
+            <a:lumMod val="15000"/>
+            <a:lumOff val="85000"/>
+          </a:schemeClr>
+        </a:solidFill>
+        <a:round/>
+      </a:ln>
+    </cs:spPr>
+    <cs:defRPr sz="1197" kern="1200"/>
+  </cs:dataTable>
+  <cs:downBar>
+    <cs:lnRef idx="0"/>
+    <cs:fillRef idx="0"/>
+    <cs:effectRef idx="0"/>
+    <cs:fontRef idx="minor">
+      <a:schemeClr val="dk1"/>
+    </cs:fontRef>
+    <cs:spPr>
+      <a:solidFill>
+        <a:schemeClr val="dk1">
+          <a:lumMod val="65000"/>
+          <a:lumOff val="35000"/>
+        </a:schemeClr>
+      </a:solidFill>
+      <a:ln w="9525">
+        <a:solidFill>
+          <a:schemeClr val="tx1">
+            <a:lumMod val="65000"/>
+            <a:lumOff val="35000"/>
+          </a:schemeClr>
+        </a:solidFill>
+      </a:ln>
+    </cs:spPr>
+  </cs:downBar>
+  <cs:dropLine>
+    <cs:lnRef idx="0"/>
+    <cs:fillRef idx="0"/>
+    <cs:effectRef idx="0"/>
+    <cs:fontRef idx="minor">
+      <a:schemeClr val="tx1"/>
+    </cs:fontRef>
+    <cs:spPr>
+      <a:ln w="9525" cap="flat" cmpd="sng" algn="ctr">
+        <a:solidFill>
+          <a:schemeClr val="tx1">
+            <a:lumMod val="35000"/>
+            <a:lumOff val="65000"/>
+          </a:schemeClr>
+        </a:solidFill>
+        <a:round/>
+      </a:ln>
+    </cs:spPr>
+  </cs:dropLine>
+  <cs:errorBar>
+    <cs:lnRef idx="0"/>
+    <cs:fillRef idx="0"/>
+    <cs:effectRef idx="0"/>
+    <cs:fontRef idx="minor">
+      <a:schemeClr val="tx1"/>
+    </cs:fontRef>
+    <cs:spPr>
+      <a:ln w="9525" cap="flat" cmpd="sng" algn="ctr">
+        <a:solidFill>
+          <a:schemeClr val="tx1">
+            <a:lumMod val="65000"/>
+            <a:lumOff val="35000"/>
+          </a:schemeClr>
+        </a:solidFill>
+        <a:round/>
+      </a:ln>
+    </cs:spPr>
+  </cs:errorBar>
+  <cs:floor>
+    <cs:lnRef idx="0"/>
+    <cs:fillRef idx="0"/>
+    <cs:effectRef idx="0"/>
+    <cs:fontRef idx="minor">
+      <a:schemeClr val="tx1"/>
+    </cs:fontRef>
+    <cs:spPr>
+      <a:noFill/>
+      <a:ln>
+        <a:noFill/>
+      </a:ln>
+    </cs:spPr>
+  </cs:floor>
+  <cs:gridlineMajor>
+    <cs:lnRef idx="0"/>
+    <cs:fillRef idx="0"/>
+    <cs:effectRef idx="0"/>
+    <cs:fontRef idx="minor">
+      <a:schemeClr val="tx1"/>
+    </cs:fontRef>
+    <cs:spPr>
+      <a:ln w="9525" cap="flat" cmpd="sng" algn="ctr">
+        <a:solidFill>
+          <a:schemeClr val="tx1">
+            <a:lumMod val="15000"/>
+            <a:lumOff val="85000"/>
+          </a:schemeClr>
+        </a:solidFill>
+        <a:round/>
+      </a:ln>
+    </cs:spPr>
+  </cs:gridlineMajor>
+  <cs:gridlineMinor>
+    <cs:lnRef idx="0"/>
+    <cs:fillRef idx="0"/>
+    <cs:effectRef idx="0"/>
+    <cs:fontRef idx="minor">
+      <a:schemeClr val="tx1"/>
+    </cs:fontRef>
+    <cs:spPr>
+      <a:ln w="9525" cap="flat" cmpd="sng" algn="ctr">
+        <a:solidFill>
+          <a:schemeClr val="tx1">
+            <a:lumMod val="5000"/>
+            <a:lumOff val="95000"/>
+          </a:schemeClr>
+        </a:solidFill>
+        <a:round/>
+      </a:ln>
+    </cs:spPr>
+  </cs:gridlineMinor>
+  <cs:hiLoLine>
+    <cs:lnRef idx="0"/>
+    <cs:fillRef idx="0"/>
+    <cs:effectRef idx="0"/>
+    <cs:fontRef idx="minor">
+      <a:schemeClr val="tx1"/>
+    </cs:fontRef>
+    <cs:spPr>
+      <a:ln w="9525" cap="flat" cmpd="sng" algn="ctr">
+        <a:solidFill>
+          <a:schemeClr val="tx1">
+            <a:lumMod val="75000"/>
+            <a:lumOff val="25000"/>
+          </a:schemeClr>
+        </a:solidFill>
+        <a:round/>
+      </a:ln>
+    </cs:spPr>
+  </cs:hiLoLine>
+  <cs:leaderLine>
+    <cs:lnRef idx="0"/>
+    <cs:fillRef idx="0"/>
+    <cs:effectRef idx="0"/>
+    <cs:fontRef idx="minor">
+      <a:schemeClr val="tx1"/>
+    </cs:fontRef>
+    <cs:spPr>
+      <a:ln w="9525" cap="flat" cmpd="sng" algn="ctr">
+        <a:solidFill>
+          <a:schemeClr val="tx1">
+            <a:lumMod val="35000"/>
+            <a:lumOff val="65000"/>
+          </a:schemeClr>
+        </a:solidFill>
+        <a:round/>
+      </a:ln>
+    </cs:spPr>
+  </cs:leaderLine>
+  <cs:legend>
+    <cs:lnRef idx="0"/>
+    <cs:fillRef idx="0"/>
+    <cs:effectRef idx="0"/>
+    <cs:fontRef idx="minor">
+      <a:schemeClr val="tx1">
+        <a:lumMod val="65000"/>
+        <a:lumOff val="35000"/>
+      </a:schemeClr>
+    </cs:fontRef>
+    <cs:defRPr sz="1197" kern="1200"/>
+  </cs:legend>
+  <cs:plotArea mods="allowNoFillOverride allowNoLineOverride">
+    <cs:lnRef idx="0"/>
+    <cs:fillRef idx="0"/>
+    <cs:effectRef idx="0"/>
+    <cs:fontRef idx="minor">
+      <a:schemeClr val="tx1"/>
+    </cs:fontRef>
+  </cs:plotArea>
+  <cs:plotArea3D mods="allowNoFillOverride allowNoLineOverride">
+    <cs:lnRef idx="0"/>
+    <cs:fillRef idx="0"/>
+    <cs:effectRef idx="0"/>
+    <cs:fontRef idx="minor">
+      <a:schemeClr val="tx1"/>
+    </cs:fontRef>
+  </cs:plotArea3D>
+  <cs:seriesAxis>
+    <cs:lnRef idx="0"/>
+    <cs:fillRef idx="0"/>
+    <cs:effectRef idx="0"/>
+    <cs:fontRef idx="minor">
+      <a:schemeClr val="tx1">
+        <a:lumMod val="65000"/>
+        <a:lumOff val="35000"/>
+      </a:schemeClr>
+    </cs:fontRef>
+    <cs:defRPr sz="1197" kern="1200"/>
+  </cs:seriesAxis>
+  <cs:seriesLine>
+    <cs:lnRef idx="0"/>
+    <cs:fillRef idx="0"/>
+    <cs:effectRef idx="0"/>
+    <cs:fontRef idx="minor">
+      <a:schemeClr val="tx1"/>
+    </cs:fontRef>
+    <cs:spPr>
+      <a:ln w="9525" cap="flat" cmpd="sng" algn="ctr">
+        <a:solidFill>
+          <a:schemeClr val="tx1">
+            <a:lumMod val="35000"/>
+            <a:lumOff val="65000"/>
+          </a:schemeClr>
+        </a:solidFill>
+        <a:round/>
+      </a:ln>
+    </cs:spPr>
+  </cs:seriesLine>
+  <cs:title>
+    <cs:lnRef idx="0"/>
+    <cs:fillRef idx="0"/>
+    <cs:effectRef idx="0"/>
+    <cs:fontRef idx="minor">
+      <a:schemeClr val="tx1">
+        <a:lumMod val="65000"/>
+        <a:lumOff val="35000"/>
+      </a:schemeClr>
+    </cs:fontRef>
+    <cs:defRPr sz="1862" b="0" kern="1200" spc="0" baseline="0"/>
+  </cs:title>
+  <cs:trendline>
+    <cs:lnRef idx="0">
+      <cs:styleClr val="auto"/>
+    </cs:lnRef>
+    <cs:fillRef idx="0"/>
+    <cs:effectRef idx="0"/>
+    <cs:fontRef idx="minor">
+      <a:schemeClr val="tx1"/>
+    </cs:fontRef>
+    <cs:spPr>
+      <a:ln w="19050" cap="rnd">
+        <a:solidFill>
+          <a:schemeClr val="phClr"/>
+        </a:solidFill>
+        <a:prstDash val="sysDot"/>
+      </a:ln>
+    </cs:spPr>
+  </cs:trendline>
+  <cs:trendlineLabel>
+    <cs:lnRef idx="0"/>
+    <cs:fillRef idx="0"/>
+    <cs:effectRef idx="0"/>
+    <cs:fontRef idx="minor">
+      <a:schemeClr val="tx1">
+        <a:lumMod val="65000"/>
+        <a:lumOff val="35000"/>
+      </a:schemeClr>
+    </cs:fontRef>
+    <cs:defRPr sz="1197" kern="1200"/>
+  </cs:trendlineLabel>
+  <cs:upBar>
+    <cs:lnRef idx="0"/>
+    <cs:fillRef idx="0"/>
+    <cs:effectRef idx="0"/>
+    <cs:fontRef idx="minor">
+      <a:schemeClr val="dk1"/>
+    </cs:fontRef>
+    <cs:spPr>
+      <a:solidFill>
+        <a:schemeClr val="lt1"/>
+      </a:solidFill>
+      <a:ln w="9525">
+        <a:solidFill>
+          <a:schemeClr val="tx1">
+            <a:lumMod val="15000"/>
+            <a:lumOff val="85000"/>
+          </a:schemeClr>
+        </a:solidFill>
+      </a:ln>
+    </cs:spPr>
+  </cs:upBar>
+  <cs:valueAxis>
+    <cs:lnRef idx="0"/>
+    <cs:fillRef idx="0"/>
+    <cs:effectRef idx="0"/>
+    <cs:fontRef idx="minor">
+      <a:schemeClr val="tx1">
+        <a:lumMod val="65000"/>
+        <a:lumOff val="35000"/>
+      </a:schemeClr>
+    </cs:fontRef>
+    <cs:defRPr sz="1197" kern="1200"/>
+  </cs:valueAxis>
+  <cs:wall>
+    <cs:lnRef idx="0"/>
+    <cs:fillRef idx="0"/>
+    <cs:effectRef idx="0"/>
+    <cs:fontRef idx="minor">
+      <a:schemeClr val="tx1"/>
+    </cs:fontRef>
+    <cs:spPr>
+      <a:noFill/>
+      <a:ln>
+        <a:noFill/>
+      </a:ln>
+    </cs:spPr>
+  </cs:wall>
+</cs:chartStyle>
+</file>
+
 <file path=ppt/notesMasters/notesMaster1.xml><?xml version="1.0" encoding="utf-8"?>
 <p:notesMaster xmlns:a="http://schemas.openxmlformats.org/drawingml/2006/main" xmlns:r="http://schemas.openxmlformats.org/officeDocument/2006/relationships" xmlns:p="http://schemas.openxmlformats.org/presentationml/2006/main">
   <p:cSld>
@@ -15222,6 +17101,226 @@
 </p:sld>
 </file>
 
+<file path=ppt/slides/slide19.xml><?xml version="1.0" encoding="utf-8"?>
+<p:sld xmlns:a="http://schemas.openxmlformats.org/drawingml/2006/main" xmlns:r="http://schemas.openxmlformats.org/officeDocument/2006/relationships" xmlns:p="http://schemas.openxmlformats.org/presentationml/2006/main">
+  <p:cSld>
+    <p:spTree>
+      <p:nvGrpSpPr>
+        <p:cNvPr id="1" name=""/>
+        <p:cNvGrpSpPr/>
+        <p:nvPr/>
+      </p:nvGrpSpPr>
+      <p:grpSpPr>
+        <a:xfrm>
+          <a:off x="0" y="0"/>
+          <a:ext cx="0" cy="0"/>
+          <a:chOff x="0" y="0"/>
+          <a:chExt cx="0" cy="0"/>
+        </a:xfrm>
+      </p:grpSpPr>
+      <p:sp>
+        <p:nvSpPr>
+          <p:cNvPr id="2" name="Title 1"/>
+          <p:cNvSpPr>
+            <a:spLocks noGrp="1"/>
+          </p:cNvSpPr>
+          <p:nvPr>
+            <p:ph type="title"/>
+          </p:nvPr>
+        </p:nvSpPr>
+        <p:spPr/>
+        <p:txBody>
+          <a:bodyPr>
+            <a:normAutofit/>
+          </a:bodyPr>
+          <a:lstStyle/>
+          <a:p>
+            <a:r>
+              <a:rPr lang="en-US" sz="4400" dirty="0" smtClean="0"/>
+              <a:t>Naïve Bayes</a:t>
+            </a:r>
+            <a:endParaRPr lang="en-US" sz="4400" dirty="0"/>
+          </a:p>
+        </p:txBody>
+      </p:sp>
+      <p:sp>
+        <p:nvSpPr>
+          <p:cNvPr id="3" name="Content Placeholder 2"/>
+          <p:cNvSpPr>
+            <a:spLocks noGrp="1"/>
+          </p:cNvSpPr>
+          <p:nvPr>
+            <p:ph idx="1"/>
+          </p:nvPr>
+        </p:nvSpPr>
+        <p:spPr/>
+        <p:txBody>
+          <a:bodyPr>
+            <a:normAutofit/>
+          </a:bodyPr>
+          <a:lstStyle/>
+          <a:p>
+            <a:r>
+              <a:rPr lang="de-DE" sz="2800" dirty="0" smtClean="0"/>
+              <a:t>K: </a:t>
+            </a:r>
+            <a:r>
+              <a:rPr lang="de-DE" sz="2800" dirty="0" err="1" smtClean="0"/>
+              <a:t>whether</a:t>
+            </a:r>
+            <a:r>
+              <a:rPr lang="de-DE" sz="2800" dirty="0" smtClean="0"/>
+              <a:t> </a:t>
+            </a:r>
+            <a:r>
+              <a:rPr lang="de-DE" sz="2800" dirty="0" err="1"/>
+              <a:t>to</a:t>
+            </a:r>
+            <a:r>
+              <a:rPr lang="de-DE" sz="2800" dirty="0"/>
+              <a:t> </a:t>
+            </a:r>
+            <a:r>
+              <a:rPr lang="de-DE" sz="2800" dirty="0" err="1"/>
+              <a:t>use</a:t>
+            </a:r>
+            <a:r>
+              <a:rPr lang="de-DE" sz="2800" dirty="0"/>
+              <a:t> </a:t>
+            </a:r>
+            <a:r>
+              <a:rPr lang="de-DE" sz="2800" dirty="0" err="1"/>
+              <a:t>kernel</a:t>
+            </a:r>
+            <a:r>
+              <a:rPr lang="de-DE" sz="2800" dirty="0"/>
+              <a:t> </a:t>
+            </a:r>
+            <a:r>
+              <a:rPr lang="de-DE" sz="2800" dirty="0" err="1" smtClean="0"/>
+              <a:t>estimator</a:t>
+            </a:r>
+            <a:r>
+              <a:rPr lang="de-DE" sz="2800" dirty="0" smtClean="0"/>
+              <a:t> </a:t>
+            </a:r>
+          </a:p>
+          <a:p>
+            <a:r>
+              <a:rPr lang="de-DE" sz="2800" dirty="0" smtClean="0"/>
+              <a:t>D: </a:t>
+            </a:r>
+            <a:r>
+              <a:rPr lang="de-DE" sz="2800" dirty="0" err="1" smtClean="0"/>
+              <a:t>whether</a:t>
+            </a:r>
+            <a:r>
+              <a:rPr lang="de-DE" sz="2800" dirty="0" smtClean="0"/>
+              <a:t> </a:t>
+            </a:r>
+            <a:r>
+              <a:rPr lang="de-DE" sz="2800" dirty="0" err="1"/>
+              <a:t>to</a:t>
+            </a:r>
+            <a:r>
+              <a:rPr lang="de-DE" sz="2800" dirty="0"/>
+              <a:t> </a:t>
+            </a:r>
+            <a:r>
+              <a:rPr lang="de-DE" sz="2800" dirty="0" err="1"/>
+              <a:t>use</a:t>
+            </a:r>
+            <a:r>
+              <a:rPr lang="de-DE" sz="2800" dirty="0"/>
+              <a:t> </a:t>
+            </a:r>
+            <a:r>
+              <a:rPr lang="de-DE" sz="2800" dirty="0" err="1"/>
+              <a:t>supervised</a:t>
+            </a:r>
+            <a:r>
+              <a:rPr lang="de-DE" sz="2800" dirty="0"/>
+              <a:t> </a:t>
+            </a:r>
+            <a:r>
+              <a:rPr lang="de-DE" sz="2800" dirty="0" err="1" smtClean="0"/>
+              <a:t>discretization</a:t>
+            </a:r>
+            <a:endParaRPr lang="de-DE" sz="2800" dirty="0" smtClean="0"/>
+          </a:p>
+          <a:p>
+            <a:endParaRPr lang="de-DE" sz="2800" dirty="0"/>
+          </a:p>
+          <a:p>
+            <a:r>
+              <a:rPr lang="de-DE" sz="2800" dirty="0" smtClean="0"/>
+              <a:t>K = </a:t>
+            </a:r>
+            <a:r>
+              <a:rPr lang="de-DE" sz="2800" dirty="0" err="1" smtClean="0"/>
+              <a:t>False</a:t>
+            </a:r>
+            <a:r>
+              <a:rPr lang="de-DE" sz="2800" dirty="0" smtClean="0"/>
+              <a:t>, D = </a:t>
+            </a:r>
+            <a:r>
+              <a:rPr lang="de-DE" sz="2800" dirty="0" err="1" smtClean="0"/>
+              <a:t>False</a:t>
+            </a:r>
+            <a:endParaRPr lang="de-DE" sz="2800" dirty="0" smtClean="0"/>
+          </a:p>
+          <a:p>
+            <a:r>
+              <a:rPr lang="de-DE" sz="2800" dirty="0" smtClean="0"/>
+              <a:t>K = True, D = </a:t>
+            </a:r>
+            <a:r>
+              <a:rPr lang="de-DE" sz="2800" dirty="0" err="1" smtClean="0"/>
+              <a:t>False</a:t>
+            </a:r>
+            <a:endParaRPr lang="de-DE" sz="2800" dirty="0"/>
+          </a:p>
+          <a:p>
+            <a:r>
+              <a:rPr lang="de-DE" sz="2800" dirty="0" smtClean="0"/>
+              <a:t>K = </a:t>
+            </a:r>
+            <a:r>
+              <a:rPr lang="de-DE" sz="2800" dirty="0" err="1" smtClean="0"/>
+              <a:t>False</a:t>
+            </a:r>
+            <a:r>
+              <a:rPr lang="de-DE" sz="2800" dirty="0" smtClean="0"/>
+              <a:t>, D = True</a:t>
+            </a:r>
+            <a:endParaRPr lang="de-DE" sz="2800" dirty="0" smtClean="0"/>
+          </a:p>
+          <a:p>
+            <a:endParaRPr lang="en-US" sz="2800" dirty="0"/>
+          </a:p>
+        </p:txBody>
+      </p:sp>
+    </p:spTree>
+    <p:extLst>
+      <p:ext uri="{BB962C8B-B14F-4D97-AF65-F5344CB8AC3E}">
+        <p14:creationId xmlns:p14="http://schemas.microsoft.com/office/powerpoint/2010/main" val="155324914"/>
+      </p:ext>
+    </p:extLst>
+  </p:cSld>
+  <p:clrMapOvr>
+    <a:masterClrMapping/>
+  </p:clrMapOvr>
+  <p:timing>
+    <p:tnLst>
+      <p:par>
+        <p:cTn id="1" dur="indefinite" restart="never" nodeType="tmRoot"/>
+      </p:par>
+    </p:tnLst>
+  </p:timing>
+</p:sld>
+</file>
+
 <file path=ppt/slides/slide2.xml><?xml version="1.0" encoding="utf-8"?>
 <p:sld xmlns:a="http://schemas.openxmlformats.org/drawingml/2006/main" xmlns:r="http://schemas.openxmlformats.org/officeDocument/2006/relationships" xmlns:p="http://schemas.openxmlformats.org/presentationml/2006/main">
   <p:cSld>
@@ -15539,6 +17638,795 @@
             </p:seq>
           </p:childTnLst>
         </p:cTn>
+      </p:par>
+    </p:tnLst>
+  </p:timing>
+</p:sld>
+</file>
+
+<file path=ppt/slides/slide20.xml><?xml version="1.0" encoding="utf-8"?>
+<p:sld xmlns:a="http://schemas.openxmlformats.org/drawingml/2006/main" xmlns:r="http://schemas.openxmlformats.org/officeDocument/2006/relationships" xmlns:p="http://schemas.openxmlformats.org/presentationml/2006/main">
+  <p:cSld>
+    <p:spTree>
+      <p:nvGrpSpPr>
+        <p:cNvPr id="1" name=""/>
+        <p:cNvGrpSpPr/>
+        <p:nvPr/>
+      </p:nvGrpSpPr>
+      <p:grpSpPr>
+        <a:xfrm>
+          <a:off x="0" y="0"/>
+          <a:ext cx="0" cy="0"/>
+          <a:chOff x="0" y="0"/>
+          <a:chExt cx="0" cy="0"/>
+        </a:xfrm>
+      </p:grpSpPr>
+      <p:sp>
+        <p:nvSpPr>
+          <p:cNvPr id="2" name="Title 1"/>
+          <p:cNvSpPr>
+            <a:spLocks noGrp="1"/>
+          </p:cNvSpPr>
+          <p:nvPr>
+            <p:ph type="title"/>
+          </p:nvPr>
+        </p:nvSpPr>
+        <p:spPr/>
+        <p:txBody>
+          <a:bodyPr>
+            <a:normAutofit fontScale="90000"/>
+          </a:bodyPr>
+          <a:lstStyle/>
+          <a:p>
+            <a:r>
+              <a:rPr lang="en-US" sz="4400" dirty="0"/>
+              <a:t>Test Results </a:t>
+            </a:r>
+            <a:r>
+              <a:rPr lang="en-US" sz="4400" dirty="0" smtClean="0"/>
+              <a:t>w/ </a:t>
+            </a:r>
+            <a:r>
+              <a:rPr lang="en-US" sz="4400" dirty="0"/>
+              <a:t>Different </a:t>
+            </a:r>
+            <a:r>
+              <a:rPr lang="en-US" sz="4400" dirty="0" smtClean="0"/>
+              <a:t>Parameters</a:t>
+            </a:r>
+            <a:endParaRPr lang="en-US" sz="4400" dirty="0"/>
+          </a:p>
+        </p:txBody>
+      </p:sp>
+      <p:graphicFrame>
+        <p:nvGraphicFramePr>
+          <p:cNvPr id="4" name="Content Placeholder 3"/>
+          <p:cNvGraphicFramePr>
+            <a:graphicFrameLocks noGrp="1"/>
+          </p:cNvGraphicFramePr>
+          <p:nvPr>
+            <p:ph idx="1"/>
+            <p:extLst>
+              <p:ext uri="{D42A27DB-BD31-4B8C-83A1-F6EECF244321}">
+                <p14:modId xmlns:p14="http://schemas.microsoft.com/office/powerpoint/2010/main" val="1470503465"/>
+              </p:ext>
+            </p:extLst>
+          </p:nvPr>
+        </p:nvGraphicFramePr>
+        <p:xfrm>
+          <a:off x="2589213" y="2133600"/>
+          <a:ext cx="8915400" cy="3778250"/>
+        </p:xfrm>
+        <a:graphic>
+          <a:graphicData uri="http://schemas.openxmlformats.org/drawingml/2006/chart">
+            <c:chart xmlns:c="http://schemas.openxmlformats.org/drawingml/2006/chart" xmlns:r="http://schemas.openxmlformats.org/officeDocument/2006/relationships" r:id="rId2"/>
+          </a:graphicData>
+        </a:graphic>
+      </p:graphicFrame>
+    </p:spTree>
+    <p:extLst>
+      <p:ext uri="{BB962C8B-B14F-4D97-AF65-F5344CB8AC3E}">
+        <p14:creationId xmlns:p14="http://schemas.microsoft.com/office/powerpoint/2010/main" val="859484421"/>
+      </p:ext>
+    </p:extLst>
+  </p:cSld>
+  <p:clrMapOvr>
+    <a:masterClrMapping/>
+  </p:clrMapOvr>
+  <p:timing>
+    <p:tnLst>
+      <p:par>
+        <p:cTn id="1" dur="indefinite" restart="never" nodeType="tmRoot"/>
+      </p:par>
+    </p:tnLst>
+  </p:timing>
+</p:sld>
+</file>
+
+<file path=ppt/slides/slide21.xml><?xml version="1.0" encoding="utf-8"?>
+<p:sld xmlns:a="http://schemas.openxmlformats.org/drawingml/2006/main" xmlns:r="http://schemas.openxmlformats.org/officeDocument/2006/relationships" xmlns:p="http://schemas.openxmlformats.org/presentationml/2006/main">
+  <p:cSld>
+    <p:spTree>
+      <p:nvGrpSpPr>
+        <p:cNvPr id="1" name=""/>
+        <p:cNvGrpSpPr/>
+        <p:nvPr/>
+      </p:nvGrpSpPr>
+      <p:grpSpPr>
+        <a:xfrm>
+          <a:off x="0" y="0"/>
+          <a:ext cx="0" cy="0"/>
+          <a:chOff x="0" y="0"/>
+          <a:chExt cx="0" cy="0"/>
+        </a:xfrm>
+      </p:grpSpPr>
+      <p:sp>
+        <p:nvSpPr>
+          <p:cNvPr id="2" name="Title 1"/>
+          <p:cNvSpPr>
+            <a:spLocks noGrp="1"/>
+          </p:cNvSpPr>
+          <p:nvPr>
+            <p:ph type="title"/>
+          </p:nvPr>
+        </p:nvSpPr>
+        <p:spPr/>
+        <p:txBody>
+          <a:bodyPr>
+            <a:normAutofit/>
+          </a:bodyPr>
+          <a:lstStyle/>
+          <a:p>
+            <a:r>
+              <a:rPr lang="en-US" sz="4400" dirty="0" smtClean="0"/>
+              <a:t>Least Correct Class</a:t>
+            </a:r>
+            <a:endParaRPr lang="en-US" sz="4400" dirty="0"/>
+          </a:p>
+        </p:txBody>
+      </p:sp>
+      <p:graphicFrame>
+        <p:nvGraphicFramePr>
+          <p:cNvPr id="4" name="Content Placeholder 3"/>
+          <p:cNvGraphicFramePr>
+            <a:graphicFrameLocks noGrp="1"/>
+          </p:cNvGraphicFramePr>
+          <p:nvPr>
+            <p:ph idx="1"/>
+            <p:extLst>
+              <p:ext uri="{D42A27DB-BD31-4B8C-83A1-F6EECF244321}">
+                <p14:modId xmlns:p14="http://schemas.microsoft.com/office/powerpoint/2010/main" val="1541027284"/>
+              </p:ext>
+            </p:extLst>
+          </p:nvPr>
+        </p:nvGraphicFramePr>
+        <p:xfrm>
+          <a:off x="2769095" y="1816308"/>
+          <a:ext cx="8915400" cy="3703320"/>
+        </p:xfrm>
+        <a:graphic>
+          <a:graphicData uri="http://schemas.openxmlformats.org/drawingml/2006/table">
+            <a:tbl>
+              <a:tblPr firstRow="1" bandRow="1">
+                <a:tableStyleId>{5C22544A-7EE6-4342-B048-85BDC9FD1C3A}</a:tableStyleId>
+              </a:tblPr>
+              <a:tblGrid>
+                <a:gridCol w="2971800"/>
+                <a:gridCol w="2971800"/>
+                <a:gridCol w="2971800"/>
+              </a:tblGrid>
+              <a:tr h="0">
+                <a:tc>
+                  <a:txBody>
+                    <a:bodyPr/>
+                    <a:lstStyle/>
+                    <a:p>
+                      <a:r>
+                        <a:rPr lang="en-US" dirty="0" smtClean="0"/>
+                        <a:t>Parameters</a:t>
+                      </a:r>
+                      <a:endParaRPr lang="en-US" dirty="0"/>
+                    </a:p>
+                  </a:txBody>
+                  <a:tcPr/>
+                </a:tc>
+                <a:tc>
+                  <a:txBody>
+                    <a:bodyPr/>
+                    <a:lstStyle/>
+                    <a:p>
+                      <a:r>
+                        <a:rPr lang="en-US" dirty="0" smtClean="0"/>
+                        <a:t>Class</a:t>
+                      </a:r>
+                      <a:r>
+                        <a:rPr lang="en-US" baseline="0" dirty="0" smtClean="0"/>
+                        <a:t> (character)</a:t>
+                      </a:r>
+                      <a:endParaRPr lang="en-US" dirty="0"/>
+                    </a:p>
+                  </a:txBody>
+                  <a:tcPr/>
+                </a:tc>
+                <a:tc>
+                  <a:txBody>
+                    <a:bodyPr/>
+                    <a:lstStyle/>
+                    <a:p>
+                      <a:r>
+                        <a:rPr lang="en-US" dirty="0" smtClean="0"/>
+                        <a:t>Correctness</a:t>
+                      </a:r>
+                      <a:endParaRPr lang="en-US" dirty="0"/>
+                    </a:p>
+                  </a:txBody>
+                  <a:tcPr/>
+                </a:tc>
+              </a:tr>
+              <a:tr h="370840">
+                <a:tc rowSpan="3">
+                  <a:txBody>
+                    <a:bodyPr/>
+                    <a:lstStyle/>
+                    <a:p>
+                      <a:pPr algn="ctr"/>
+                      <a:r>
+                        <a:rPr lang="en-US" dirty="0" smtClean="0"/>
+                        <a:t>K</a:t>
+                      </a:r>
+                      <a:r>
+                        <a:rPr lang="en-US" baseline="0" dirty="0" smtClean="0"/>
+                        <a:t> = F, D = F</a:t>
+                      </a:r>
+                      <a:endParaRPr lang="en-US" dirty="0"/>
+                    </a:p>
+                  </a:txBody>
+                  <a:tcPr anchor="ctr"/>
+                </a:tc>
+                <a:tc>
+                  <a:txBody>
+                    <a:bodyPr/>
+                    <a:lstStyle/>
+                    <a:p>
+                      <a:pPr algn="ctr"/>
+                      <a:r>
+                        <a:rPr lang="en-US" dirty="0" smtClean="0"/>
+                        <a:t>S</a:t>
+                      </a:r>
+                      <a:endParaRPr lang="en-US" dirty="0"/>
+                    </a:p>
+                  </a:txBody>
+                  <a:tcPr anchor="ctr"/>
+                </a:tc>
+                <a:tc>
+                  <a:txBody>
+                    <a:bodyPr/>
+                    <a:lstStyle/>
+                    <a:p>
+                      <a:pPr algn="ctr"/>
+                      <a:r>
+                        <a:rPr lang="nb-NO" dirty="0" smtClean="0"/>
+                        <a:t>29.4</a:t>
+                      </a:r>
+                      <a:r>
+                        <a:rPr lang="en-US" dirty="0" smtClean="0"/>
+                        <a:t>%</a:t>
+                      </a:r>
+                      <a:endParaRPr lang="en-US" dirty="0"/>
+                    </a:p>
+                  </a:txBody>
+                  <a:tcPr anchor="ctr"/>
+                </a:tc>
+              </a:tr>
+              <a:tr h="370840">
+                <a:tc vMerge="1">
+                  <a:txBody>
+                    <a:bodyPr/>
+                    <a:lstStyle/>
+                    <a:p>
+                      <a:pPr algn="ctr"/>
+                      <a:endParaRPr lang="en-US" dirty="0"/>
+                    </a:p>
+                  </a:txBody>
+                  <a:tcPr anchor="ctr"/>
+                </a:tc>
+                <a:tc>
+                  <a:txBody>
+                    <a:bodyPr/>
+                    <a:lstStyle/>
+                    <a:p>
+                      <a:pPr algn="ctr"/>
+                      <a:r>
+                        <a:rPr lang="en-US" dirty="0" smtClean="0"/>
+                        <a:t>H</a:t>
+                      </a:r>
+                      <a:endParaRPr lang="en-US" dirty="0"/>
+                    </a:p>
+                  </a:txBody>
+                  <a:tcPr anchor="ctr"/>
+                </a:tc>
+                <a:tc>
+                  <a:txBody>
+                    <a:bodyPr/>
+                    <a:lstStyle/>
+                    <a:p>
+                      <a:pPr algn="ctr"/>
+                      <a:r>
+                        <a:rPr lang="en-US" dirty="0" smtClean="0"/>
+                        <a:t>30.5%</a:t>
+                      </a:r>
+                      <a:endParaRPr lang="en-US" dirty="0"/>
+                    </a:p>
+                  </a:txBody>
+                  <a:tcPr anchor="ctr"/>
+                </a:tc>
+              </a:tr>
+              <a:tr h="370840">
+                <a:tc vMerge="1">
+                  <a:txBody>
+                    <a:bodyPr/>
+                    <a:lstStyle/>
+                    <a:p>
+                      <a:pPr algn="ctr"/>
+                      <a:endParaRPr lang="en-US" dirty="0"/>
+                    </a:p>
+                  </a:txBody>
+                  <a:tcPr anchor="ctr"/>
+                </a:tc>
+                <a:tc>
+                  <a:txBody>
+                    <a:bodyPr/>
+                    <a:lstStyle/>
+                    <a:p>
+                      <a:pPr algn="ctr"/>
+                      <a:r>
+                        <a:rPr lang="en-US" dirty="0" smtClean="0"/>
+                        <a:t>Y</a:t>
+                      </a:r>
+                      <a:endParaRPr lang="en-US" dirty="0"/>
+                    </a:p>
+                  </a:txBody>
+                  <a:tcPr anchor="ctr"/>
+                </a:tc>
+                <a:tc>
+                  <a:txBody>
+                    <a:bodyPr/>
+                    <a:lstStyle/>
+                    <a:p>
+                      <a:pPr algn="ctr"/>
+                      <a:r>
+                        <a:rPr lang="en-US" dirty="0" smtClean="0"/>
+                        <a:t>33.1%</a:t>
+                      </a:r>
+                      <a:endParaRPr lang="en-US" dirty="0"/>
+                    </a:p>
+                  </a:txBody>
+                  <a:tcPr anchor="ctr"/>
+                </a:tc>
+              </a:tr>
+              <a:tr h="370840">
+                <a:tc rowSpan="3">
+                  <a:txBody>
+                    <a:bodyPr/>
+                    <a:lstStyle/>
+                    <a:p>
+                      <a:pPr marL="0" marR="0" indent="0" algn="ctr" defTabSz="457200" rtl="0" eaLnBrk="1" fontAlgn="auto" latinLnBrk="0" hangingPunct="1">
+                        <a:lnSpc>
+                          <a:spcPct val="100000"/>
+                        </a:lnSpc>
+                        <a:spcBef>
+                          <a:spcPts val="0"/>
+                        </a:spcBef>
+                        <a:spcAft>
+                          <a:spcPts val="0"/>
+                        </a:spcAft>
+                        <a:buClrTx/>
+                        <a:buSzTx/>
+                        <a:buFontTx/>
+                        <a:buNone/>
+                        <a:tabLst/>
+                        <a:defRPr/>
+                      </a:pPr>
+                      <a:r>
+                        <a:rPr lang="en-US" dirty="0" smtClean="0"/>
+                        <a:t>K</a:t>
+                      </a:r>
+                      <a:r>
+                        <a:rPr lang="en-US" baseline="0" dirty="0" smtClean="0"/>
+                        <a:t> = T, D = F</a:t>
+                      </a:r>
+                      <a:endParaRPr lang="en-US" dirty="0" smtClean="0"/>
+                    </a:p>
+                  </a:txBody>
+                  <a:tcPr anchor="ctr"/>
+                </a:tc>
+                <a:tc>
+                  <a:txBody>
+                    <a:bodyPr/>
+                    <a:lstStyle/>
+                    <a:p>
+                      <a:pPr algn="ctr"/>
+                      <a:r>
+                        <a:rPr lang="en-US" dirty="0" smtClean="0"/>
+                        <a:t>H</a:t>
+                      </a:r>
+                      <a:endParaRPr lang="en-US" dirty="0"/>
+                    </a:p>
+                  </a:txBody>
+                  <a:tcPr anchor="ctr"/>
+                </a:tc>
+                <a:tc>
+                  <a:txBody>
+                    <a:bodyPr/>
+                    <a:lstStyle/>
+                    <a:p>
+                      <a:pPr algn="ctr"/>
+                      <a:r>
+                        <a:rPr lang="en-US" dirty="0" smtClean="0"/>
+                        <a:t>57.4%</a:t>
+                      </a:r>
+                      <a:endParaRPr lang="en-US" dirty="0"/>
+                    </a:p>
+                  </a:txBody>
+                  <a:tcPr anchor="ctr"/>
+                </a:tc>
+              </a:tr>
+              <a:tr h="370840">
+                <a:tc vMerge="1">
+                  <a:txBody>
+                    <a:bodyPr/>
+                    <a:lstStyle/>
+                    <a:p>
+                      <a:pPr algn="ctr"/>
+                      <a:endParaRPr lang="en-US" dirty="0"/>
+                    </a:p>
+                  </a:txBody>
+                  <a:tcPr anchor="ctr"/>
+                </a:tc>
+                <a:tc>
+                  <a:txBody>
+                    <a:bodyPr/>
+                    <a:lstStyle/>
+                    <a:p>
+                      <a:pPr algn="ctr"/>
+                      <a:r>
+                        <a:rPr lang="en-US" dirty="0" smtClean="0"/>
+                        <a:t>S</a:t>
+                      </a:r>
+                      <a:endParaRPr lang="en-US" dirty="0"/>
+                    </a:p>
+                  </a:txBody>
+                  <a:tcPr anchor="ctr"/>
+                </a:tc>
+                <a:tc>
+                  <a:txBody>
+                    <a:bodyPr/>
+                    <a:lstStyle/>
+                    <a:p>
+                      <a:pPr algn="ctr"/>
+                      <a:r>
+                        <a:rPr lang="en-US" dirty="0" smtClean="0"/>
+                        <a:t>64.2%</a:t>
+                      </a:r>
+                      <a:endParaRPr lang="en-US" dirty="0"/>
+                    </a:p>
+                  </a:txBody>
+                  <a:tcPr anchor="ctr"/>
+                </a:tc>
+              </a:tr>
+              <a:tr h="370840">
+                <a:tc vMerge="1">
+                  <a:txBody>
+                    <a:bodyPr/>
+                    <a:lstStyle/>
+                    <a:p>
+                      <a:pPr algn="ctr"/>
+                      <a:endParaRPr lang="en-US" dirty="0"/>
+                    </a:p>
+                  </a:txBody>
+                  <a:tcPr anchor="ctr"/>
+                </a:tc>
+                <a:tc>
+                  <a:txBody>
+                    <a:bodyPr/>
+                    <a:lstStyle/>
+                    <a:p>
+                      <a:pPr algn="ctr"/>
+                      <a:r>
+                        <a:rPr lang="en-US" dirty="0" smtClean="0"/>
+                        <a:t>X</a:t>
+                      </a:r>
+                      <a:endParaRPr lang="en-US" dirty="0"/>
+                    </a:p>
+                  </a:txBody>
+                  <a:tcPr anchor="ctr"/>
+                </a:tc>
+                <a:tc>
+                  <a:txBody>
+                    <a:bodyPr/>
+                    <a:lstStyle/>
+                    <a:p>
+                      <a:pPr algn="ctr"/>
+                      <a:r>
+                        <a:rPr lang="en-US" dirty="0" smtClean="0"/>
+                        <a:t>64.3%</a:t>
+                      </a:r>
+                      <a:endParaRPr lang="en-US" dirty="0"/>
+                    </a:p>
+                  </a:txBody>
+                  <a:tcPr anchor="ctr"/>
+                </a:tc>
+              </a:tr>
+              <a:tr h="370840">
+                <a:tc rowSpan="3">
+                  <a:txBody>
+                    <a:bodyPr/>
+                    <a:lstStyle/>
+                    <a:p>
+                      <a:pPr marL="0" marR="0" indent="0" algn="ctr" defTabSz="457200" rtl="0" eaLnBrk="1" fontAlgn="auto" latinLnBrk="0" hangingPunct="1">
+                        <a:lnSpc>
+                          <a:spcPct val="100000"/>
+                        </a:lnSpc>
+                        <a:spcBef>
+                          <a:spcPts val="0"/>
+                        </a:spcBef>
+                        <a:spcAft>
+                          <a:spcPts val="0"/>
+                        </a:spcAft>
+                        <a:buClrTx/>
+                        <a:buSzTx/>
+                        <a:buFontTx/>
+                        <a:buNone/>
+                        <a:tabLst/>
+                        <a:defRPr/>
+                      </a:pPr>
+                      <a:r>
+                        <a:rPr lang="en-US" dirty="0" smtClean="0"/>
+                        <a:t>D</a:t>
+                      </a:r>
+                      <a:r>
+                        <a:rPr lang="en-US" baseline="0" dirty="0" smtClean="0"/>
+                        <a:t> = F, K = T</a:t>
+                      </a:r>
+                      <a:endParaRPr lang="en-US" dirty="0" smtClean="0"/>
+                    </a:p>
+                  </a:txBody>
+                  <a:tcPr anchor="ctr"/>
+                </a:tc>
+                <a:tc>
+                  <a:txBody>
+                    <a:bodyPr/>
+                    <a:lstStyle/>
+                    <a:p>
+                      <a:pPr algn="ctr"/>
+                      <a:r>
+                        <a:rPr lang="en-US" dirty="0" smtClean="0"/>
+                        <a:t>H</a:t>
+                      </a:r>
+                      <a:endParaRPr lang="en-US" dirty="0"/>
+                    </a:p>
+                  </a:txBody>
+                  <a:tcPr anchor="ctr"/>
+                </a:tc>
+                <a:tc>
+                  <a:txBody>
+                    <a:bodyPr/>
+                    <a:lstStyle/>
+                    <a:p>
+                      <a:pPr algn="ctr"/>
+                      <a:r>
+                        <a:rPr lang="en-US" dirty="0" smtClean="0"/>
+                        <a:t>57.5%</a:t>
+                      </a:r>
+                      <a:endParaRPr lang="en-US" dirty="0"/>
+                    </a:p>
+                  </a:txBody>
+                  <a:tcPr anchor="ctr"/>
+                </a:tc>
+              </a:tr>
+              <a:tr h="370840">
+                <a:tc vMerge="1">
+                  <a:txBody>
+                    <a:bodyPr/>
+                    <a:lstStyle/>
+                    <a:p>
+                      <a:pPr algn="ctr"/>
+                      <a:endParaRPr lang="en-US" dirty="0"/>
+                    </a:p>
+                  </a:txBody>
+                  <a:tcPr anchor="ctr"/>
+                </a:tc>
+                <a:tc>
+                  <a:txBody>
+                    <a:bodyPr/>
+                    <a:lstStyle/>
+                    <a:p>
+                      <a:pPr algn="ctr"/>
+                      <a:r>
+                        <a:rPr lang="en-US" dirty="0" smtClean="0"/>
+                        <a:t>E</a:t>
+                      </a:r>
+                      <a:endParaRPr lang="en-US" dirty="0"/>
+                    </a:p>
+                  </a:txBody>
+                  <a:tcPr anchor="ctr"/>
+                </a:tc>
+                <a:tc>
+                  <a:txBody>
+                    <a:bodyPr/>
+                    <a:lstStyle/>
+                    <a:p>
+                      <a:pPr algn="ctr"/>
+                      <a:r>
+                        <a:rPr lang="en-US" dirty="0" smtClean="0"/>
+                        <a:t>60.7%</a:t>
+                      </a:r>
+                      <a:endParaRPr lang="en-US" dirty="0"/>
+                    </a:p>
+                  </a:txBody>
+                  <a:tcPr anchor="ctr"/>
+                </a:tc>
+              </a:tr>
+              <a:tr h="370840">
+                <a:tc vMerge="1">
+                  <a:txBody>
+                    <a:bodyPr/>
+                    <a:lstStyle/>
+                    <a:p>
+                      <a:pPr algn="ctr"/>
+                      <a:endParaRPr lang="en-US" dirty="0"/>
+                    </a:p>
+                  </a:txBody>
+                  <a:tcPr anchor="ctr"/>
+                </a:tc>
+                <a:tc>
+                  <a:txBody>
+                    <a:bodyPr/>
+                    <a:lstStyle/>
+                    <a:p>
+                      <a:pPr algn="ctr"/>
+                      <a:r>
+                        <a:rPr lang="en-US" dirty="0" smtClean="0"/>
+                        <a:t>X</a:t>
+                      </a:r>
+                      <a:endParaRPr lang="en-US" dirty="0"/>
+                    </a:p>
+                  </a:txBody>
+                  <a:tcPr anchor="ctr"/>
+                </a:tc>
+                <a:tc>
+                  <a:txBody>
+                    <a:bodyPr/>
+                    <a:lstStyle/>
+                    <a:p>
+                      <a:pPr algn="ctr"/>
+                      <a:r>
+                        <a:rPr lang="en-US" dirty="0" smtClean="0"/>
+                        <a:t>64.4%</a:t>
+                      </a:r>
+                      <a:endParaRPr lang="en-US" dirty="0"/>
+                    </a:p>
+                  </a:txBody>
+                  <a:tcPr anchor="ctr"/>
+                </a:tc>
+              </a:tr>
+            </a:tbl>
+          </a:graphicData>
+        </a:graphic>
+      </p:graphicFrame>
+    </p:spTree>
+    <p:extLst>
+      <p:ext uri="{BB962C8B-B14F-4D97-AF65-F5344CB8AC3E}">
+        <p14:creationId xmlns:p14="http://schemas.microsoft.com/office/powerpoint/2010/main" val="1914544919"/>
+      </p:ext>
+    </p:extLst>
+  </p:cSld>
+  <p:clrMapOvr>
+    <a:masterClrMapping/>
+  </p:clrMapOvr>
+  <p:timing>
+    <p:tnLst>
+      <p:par>
+        <p:cTn id="1" dur="indefinite" restart="never" nodeType="tmRoot"/>
+      </p:par>
+    </p:tnLst>
+  </p:timing>
+</p:sld>
+</file>
+
+<file path=ppt/slides/slide22.xml><?xml version="1.0" encoding="utf-8"?>
+<p:sld xmlns:a="http://schemas.openxmlformats.org/drawingml/2006/main" xmlns:r="http://schemas.openxmlformats.org/officeDocument/2006/relationships" xmlns:p="http://schemas.openxmlformats.org/presentationml/2006/main">
+  <p:cSld>
+    <p:spTree>
+      <p:nvGrpSpPr>
+        <p:cNvPr id="1" name=""/>
+        <p:cNvGrpSpPr/>
+        <p:nvPr/>
+      </p:nvGrpSpPr>
+      <p:grpSpPr>
+        <a:xfrm>
+          <a:off x="0" y="0"/>
+          <a:ext cx="0" cy="0"/>
+          <a:chOff x="0" y="0"/>
+          <a:chExt cx="0" cy="0"/>
+        </a:xfrm>
+      </p:grpSpPr>
+      <p:sp>
+        <p:nvSpPr>
+          <p:cNvPr id="2" name="Title 1"/>
+          <p:cNvSpPr>
+            <a:spLocks noGrp="1"/>
+          </p:cNvSpPr>
+          <p:nvPr>
+            <p:ph type="title"/>
+          </p:nvPr>
+        </p:nvSpPr>
+        <p:spPr/>
+        <p:txBody>
+          <a:bodyPr>
+            <a:normAutofit fontScale="90000"/>
+          </a:bodyPr>
+          <a:lstStyle/>
+          <a:p>
+            <a:r>
+              <a:rPr lang="en-US" sz="4400" dirty="0"/>
+              <a:t>Test Results </a:t>
+            </a:r>
+            <a:r>
+              <a:rPr lang="en-US" sz="4400" dirty="0" smtClean="0"/>
+              <a:t>w/ </a:t>
+            </a:r>
+            <a:r>
+              <a:rPr lang="en-US" sz="4400" dirty="0"/>
+              <a:t>Different </a:t>
+            </a:r>
+            <a:r>
+              <a:rPr lang="en-US" sz="4400" dirty="0" smtClean="0"/>
+              <a:t>Parameters</a:t>
+            </a:r>
+            <a:endParaRPr lang="en-US" sz="4400" dirty="0"/>
+          </a:p>
+        </p:txBody>
+      </p:sp>
+      <p:graphicFrame>
+        <p:nvGraphicFramePr>
+          <p:cNvPr id="4" name="Content Placeholder 3"/>
+          <p:cNvGraphicFramePr>
+            <a:graphicFrameLocks noGrp="1"/>
+          </p:cNvGraphicFramePr>
+          <p:nvPr>
+            <p:ph idx="1"/>
+            <p:extLst>
+              <p:ext uri="{D42A27DB-BD31-4B8C-83A1-F6EECF244321}">
+                <p14:modId xmlns:p14="http://schemas.microsoft.com/office/powerpoint/2010/main" val="1776808933"/>
+              </p:ext>
+            </p:extLst>
+          </p:nvPr>
+        </p:nvGraphicFramePr>
+        <p:xfrm>
+          <a:off x="2589213" y="2133600"/>
+          <a:ext cx="8915400" cy="3778250"/>
+        </p:xfrm>
+        <a:graphic>
+          <a:graphicData uri="http://schemas.openxmlformats.org/drawingml/2006/chart">
+            <c:chart xmlns:c="http://schemas.openxmlformats.org/drawingml/2006/chart" xmlns:r="http://schemas.openxmlformats.org/officeDocument/2006/relationships" r:id="rId2"/>
+          </a:graphicData>
+        </a:graphic>
+      </p:graphicFrame>
+    </p:spTree>
+    <p:extLst>
+      <p:ext uri="{BB962C8B-B14F-4D97-AF65-F5344CB8AC3E}">
+        <p14:creationId xmlns:p14="http://schemas.microsoft.com/office/powerpoint/2010/main" val="608413784"/>
+      </p:ext>
+    </p:extLst>
+  </p:cSld>
+  <p:clrMapOvr>
+    <a:masterClrMapping/>
+  </p:clrMapOvr>
+  <p:timing>
+    <p:tnLst>
+      <p:par>
+        <p:cTn id="1" dur="indefinite" restart="never" nodeType="tmRoot"/>
       </p:par>
     </p:tnLst>
   </p:timing>
@@ -17553,8 +20441,13 @@
             <a:pPr lvl="1"/>
             <a:r>
               <a:rPr lang="en-US" sz="2400" dirty="0" smtClean="0"/>
-              <a:t>Multi-layer Perception</a:t>
-            </a:r>
+              <a:t>Multi-layer </a:t>
+            </a:r>
+            <a:r>
+              <a:rPr lang="en-US" sz="2400" dirty="0" smtClean="0"/>
+              <a:t>Perceptron</a:t>
+            </a:r>
+            <a:endParaRPr lang="en-US" sz="2400" dirty="0" smtClean="0"/>
           </a:p>
           <a:p>
             <a:r>
@@ -17692,7 +20585,11 @@
           <a:p>
             <a:r>
               <a:rPr lang="en-US" sz="2800" dirty="0" smtClean="0"/>
-              <a:t>Multi-layer Perception</a:t>
+              <a:t>Multi-layer </a:t>
+            </a:r>
+            <a:r>
+              <a:rPr lang="en-US" sz="2800" dirty="0" smtClean="0"/>
+              <a:t>Perceptron</a:t>
             </a:r>
             <a:endParaRPr lang="en-US" sz="2800" dirty="0"/>
           </a:p>

--- a/PPTGroup10.pptx
+++ b/PPTGroup10.pptx
@@ -5,7 +5,7 @@
     <p:sldMasterId id="2147483648" r:id="rId1"/>
   </p:sldMasterIdLst>
   <p:notesMasterIdLst>
-    <p:notesMasterId r:id="rId24"/>
+    <p:notesMasterId r:id="rId27"/>
   </p:notesMasterIdLst>
   <p:sldIdLst>
     <p:sldId id="256" r:id="rId2"/>
@@ -16,20 +16,23 @@
     <p:sldId id="261" r:id="rId7"/>
     <p:sldId id="266" r:id="rId8"/>
     <p:sldId id="262" r:id="rId9"/>
-    <p:sldId id="268" r:id="rId10"/>
-    <p:sldId id="269" r:id="rId11"/>
-    <p:sldId id="270" r:id="rId12"/>
-    <p:sldId id="271" r:id="rId13"/>
-    <p:sldId id="272" r:id="rId14"/>
-    <p:sldId id="273" r:id="rId15"/>
-    <p:sldId id="279" r:id="rId16"/>
-    <p:sldId id="275" r:id="rId17"/>
-    <p:sldId id="276" r:id="rId18"/>
-    <p:sldId id="280" r:id="rId19"/>
-    <p:sldId id="284" r:id="rId20"/>
-    <p:sldId id="281" r:id="rId21"/>
-    <p:sldId id="282" r:id="rId22"/>
-    <p:sldId id="283" r:id="rId23"/>
+    <p:sldId id="286" r:id="rId10"/>
+    <p:sldId id="287" r:id="rId11"/>
+    <p:sldId id="285" r:id="rId12"/>
+    <p:sldId id="268" r:id="rId13"/>
+    <p:sldId id="269" r:id="rId14"/>
+    <p:sldId id="270" r:id="rId15"/>
+    <p:sldId id="271" r:id="rId16"/>
+    <p:sldId id="272" r:id="rId17"/>
+    <p:sldId id="273" r:id="rId18"/>
+    <p:sldId id="279" r:id="rId19"/>
+    <p:sldId id="275" r:id="rId20"/>
+    <p:sldId id="276" r:id="rId21"/>
+    <p:sldId id="280" r:id="rId22"/>
+    <p:sldId id="284" r:id="rId23"/>
+    <p:sldId id="281" r:id="rId24"/>
+    <p:sldId id="282" r:id="rId25"/>
+    <p:sldId id="283" r:id="rId26"/>
   </p:sldIdLst>
   <p:sldSz cx="12192000" cy="6858000"/>
   <p:notesSz cx="6858000" cy="9144000"/>
@@ -368,11 +371,11 @@
         </c:dLbls>
         <c:gapWidth val="219"/>
         <c:overlap val="-27"/>
-        <c:axId val="2099314304"/>
-        <c:axId val="2099318544"/>
+        <c:axId val="-2096646400"/>
+        <c:axId val="-2096412336"/>
       </c:barChart>
       <c:catAx>
-        <c:axId val="2099314304"/>
+        <c:axId val="-2096646400"/>
         <c:scaling>
           <c:orientation val="minMax"/>
         </c:scaling>
@@ -415,7 +418,7 @@
             <a:endParaRPr lang="en-US"/>
           </a:p>
         </c:txPr>
-        <c:crossAx val="2099318544"/>
+        <c:crossAx val="-2096412336"/>
         <c:crosses val="autoZero"/>
         <c:auto val="1"/>
         <c:lblAlgn val="ctr"/>
@@ -423,7 +426,7 @@
         <c:noMultiLvlLbl val="0"/>
       </c:catAx>
       <c:valAx>
-        <c:axId val="2099318544"/>
+        <c:axId val="-2096412336"/>
         <c:scaling>
           <c:orientation val="minMax"/>
         </c:scaling>
@@ -474,7 +477,7 @@
             <a:endParaRPr lang="en-US"/>
           </a:p>
         </c:txPr>
-        <c:crossAx val="2099314304"/>
+        <c:crossAx val="-2096646400"/>
         <c:crosses val="autoZero"/>
         <c:crossBetween val="between"/>
       </c:valAx>
@@ -586,7 +589,6 @@
           </a:p>
         </c:rich>
       </c:tx>
-      <c:layout/>
       <c:overlay val="0"/>
       <c:spPr>
         <a:noFill/>
@@ -777,11 +779,11 @@
         </c:dLbls>
         <c:gapWidth val="219"/>
         <c:overlap val="-27"/>
-        <c:axId val="2112351168"/>
-        <c:axId val="2112384624"/>
+        <c:axId val="2120530160"/>
+        <c:axId val="-2095536096"/>
       </c:barChart>
       <c:catAx>
-        <c:axId val="2112351168"/>
+        <c:axId val="2120530160"/>
         <c:scaling>
           <c:orientation val="minMax"/>
         </c:scaling>
@@ -824,7 +826,7 @@
             <a:endParaRPr lang="en-US"/>
           </a:p>
         </c:txPr>
-        <c:crossAx val="2112384624"/>
+        <c:crossAx val="-2095536096"/>
         <c:crosses val="autoZero"/>
         <c:auto val="1"/>
         <c:lblAlgn val="ctr"/>
@@ -832,7 +834,7 @@
         <c:noMultiLvlLbl val="0"/>
       </c:catAx>
       <c:valAx>
-        <c:axId val="2112384624"/>
+        <c:axId val="-2095536096"/>
         <c:scaling>
           <c:orientation val="minMax"/>
         </c:scaling>
@@ -883,7 +885,7 @@
             <a:endParaRPr lang="en-US"/>
           </a:p>
         </c:txPr>
-        <c:crossAx val="2112351168"/>
+        <c:crossAx val="2120530160"/>
         <c:crosses val="autoZero"/>
         <c:crossBetween val="between"/>
       </c:valAx>
@@ -897,7 +899,6 @@
     </c:plotArea>
     <c:legend>
       <c:legendPos val="b"/>
-      <c:layout/>
       <c:overlay val="0"/>
       <c:spPr>
         <a:noFill/>
@@ -1124,11 +1125,11 @@
         </c:dLbls>
         <c:gapWidth val="219"/>
         <c:overlap val="-27"/>
-        <c:axId val="2079844448"/>
-        <c:axId val="2079901328"/>
+        <c:axId val="-2097044304"/>
+        <c:axId val="-2097053264"/>
       </c:barChart>
       <c:catAx>
-        <c:axId val="2079844448"/>
+        <c:axId val="-2097044304"/>
         <c:scaling>
           <c:orientation val="minMax"/>
         </c:scaling>
@@ -1171,7 +1172,7 @@
             <a:endParaRPr lang="en-US"/>
           </a:p>
         </c:txPr>
-        <c:crossAx val="2079901328"/>
+        <c:crossAx val="-2097053264"/>
         <c:crosses val="autoZero"/>
         <c:auto val="1"/>
         <c:lblAlgn val="ctr"/>
@@ -1179,7 +1180,7 @@
         <c:noMultiLvlLbl val="0"/>
       </c:catAx>
       <c:valAx>
-        <c:axId val="2079901328"/>
+        <c:axId val="-2097053264"/>
         <c:scaling>
           <c:orientation val="minMax"/>
           <c:max val="100.0"/>
@@ -1231,7 +1232,7 @@
             <a:endParaRPr lang="en-US"/>
           </a:p>
         </c:txPr>
-        <c:crossAx val="2079844448"/>
+        <c:crossAx val="-2097044304"/>
         <c:crosses val="autoZero"/>
         <c:crossBetween val="between"/>
       </c:valAx>
@@ -1522,11 +1523,11 @@
         </c:dLbls>
         <c:gapWidth val="219"/>
         <c:overlap val="-27"/>
-        <c:axId val="2112431360"/>
-        <c:axId val="2112325344"/>
+        <c:axId val="-2136627808"/>
+        <c:axId val="-2096596544"/>
       </c:barChart>
       <c:catAx>
-        <c:axId val="2112431360"/>
+        <c:axId val="-2136627808"/>
         <c:scaling>
           <c:orientation val="minMax"/>
         </c:scaling>
@@ -1569,7 +1570,7 @@
             <a:endParaRPr lang="en-US"/>
           </a:p>
         </c:txPr>
-        <c:crossAx val="2112325344"/>
+        <c:crossAx val="-2096596544"/>
         <c:crosses val="autoZero"/>
         <c:auto val="1"/>
         <c:lblAlgn val="ctr"/>
@@ -1577,7 +1578,7 @@
         <c:noMultiLvlLbl val="0"/>
       </c:catAx>
       <c:valAx>
-        <c:axId val="2112325344"/>
+        <c:axId val="-2096596544"/>
         <c:scaling>
           <c:orientation val="minMax"/>
         </c:scaling>
@@ -1628,7 +1629,7 @@
             <a:endParaRPr lang="en-US"/>
           </a:p>
         </c:txPr>
-        <c:crossAx val="2112431360"/>
+        <c:crossAx val="-2136627808"/>
         <c:crosses val="autoZero"/>
         <c:crossBetween val="between"/>
       </c:valAx>
@@ -1927,11 +1928,11 @@
         </c:dLbls>
         <c:gapWidth val="219"/>
         <c:overlap val="-27"/>
-        <c:axId val="2112515632"/>
-        <c:axId val="2112519008"/>
+        <c:axId val="-2094305968"/>
+        <c:axId val="-2094592336"/>
       </c:barChart>
       <c:catAx>
-        <c:axId val="2112515632"/>
+        <c:axId val="-2094305968"/>
         <c:scaling>
           <c:orientation val="minMax"/>
         </c:scaling>
@@ -1974,7 +1975,7 @@
             <a:endParaRPr lang="en-US"/>
           </a:p>
         </c:txPr>
-        <c:crossAx val="2112519008"/>
+        <c:crossAx val="-2094592336"/>
         <c:crosses val="autoZero"/>
         <c:auto val="1"/>
         <c:lblAlgn val="ctr"/>
@@ -1982,7 +1983,7 @@
         <c:noMultiLvlLbl val="0"/>
       </c:catAx>
       <c:valAx>
-        <c:axId val="2112519008"/>
+        <c:axId val="-2094592336"/>
         <c:scaling>
           <c:orientation val="minMax"/>
         </c:scaling>
@@ -2033,7 +2034,7 @@
             <a:endParaRPr lang="en-US"/>
           </a:p>
         </c:txPr>
-        <c:crossAx val="2112515632"/>
+        <c:crossAx val="-2094305968"/>
         <c:crosses val="autoZero"/>
         <c:crossBetween val="between"/>
       </c:valAx>
@@ -2233,7 +2234,7 @@
                   <c:v>64.1382</c:v>
                 </c:pt>
                 <c:pt idx="1">
-                  <c:v>74.1837</c:v>
+                  <c:v>74.18369999999998</c:v>
                 </c:pt>
                 <c:pt idx="2">
                   <c:v>74.03870000000001</c:v>
@@ -2312,11 +2313,11 @@
         </c:dLbls>
         <c:gapWidth val="219"/>
         <c:overlap val="-27"/>
-        <c:axId val="2107690608"/>
-        <c:axId val="2107693536"/>
+        <c:axId val="-2094557904"/>
+        <c:axId val="-2094386672"/>
       </c:barChart>
       <c:catAx>
-        <c:axId val="2107690608"/>
+        <c:axId val="-2094557904"/>
         <c:scaling>
           <c:orientation val="minMax"/>
         </c:scaling>
@@ -2359,7 +2360,7 @@
             <a:endParaRPr lang="en-US"/>
           </a:p>
         </c:txPr>
-        <c:crossAx val="2107693536"/>
+        <c:crossAx val="-2094386672"/>
         <c:crosses val="autoZero"/>
         <c:auto val="1"/>
         <c:lblAlgn val="ctr"/>
@@ -2367,7 +2368,7 @@
         <c:noMultiLvlLbl val="0"/>
       </c:catAx>
       <c:valAx>
-        <c:axId val="2107693536"/>
+        <c:axId val="-2094386672"/>
         <c:scaling>
           <c:orientation val="minMax"/>
           <c:max val="80.0"/>
@@ -2420,7 +2421,7 @@
             <a:endParaRPr lang="en-US"/>
           </a:p>
         </c:txPr>
-        <c:crossAx val="2107690608"/>
+        <c:crossAx val="-2094557904"/>
         <c:crosses val="autoZero"/>
         <c:crossBetween val="between"/>
       </c:valAx>
@@ -2707,11 +2708,11 @@
         </c:dLbls>
         <c:gapWidth val="219"/>
         <c:overlap val="-27"/>
-        <c:axId val="2118097504"/>
-        <c:axId val="2118100432"/>
+        <c:axId val="-2096502640"/>
+        <c:axId val="-2117694576"/>
       </c:barChart>
       <c:catAx>
-        <c:axId val="2118097504"/>
+        <c:axId val="-2096502640"/>
         <c:scaling>
           <c:orientation val="minMax"/>
         </c:scaling>
@@ -2754,7 +2755,7 @@
             <a:endParaRPr lang="en-US"/>
           </a:p>
         </c:txPr>
-        <c:crossAx val="2118100432"/>
+        <c:crossAx val="-2117694576"/>
         <c:crosses val="autoZero"/>
         <c:auto val="1"/>
         <c:lblAlgn val="ctr"/>
@@ -2762,7 +2763,7 @@
         <c:noMultiLvlLbl val="0"/>
       </c:catAx>
       <c:valAx>
-        <c:axId val="2118100432"/>
+        <c:axId val="-2117694576"/>
         <c:scaling>
           <c:orientation val="minMax"/>
         </c:scaling>
@@ -2813,7 +2814,7 @@
             <a:endParaRPr lang="en-US"/>
           </a:p>
         </c:txPr>
-        <c:crossAx val="2118097504"/>
+        <c:crossAx val="-2096502640"/>
         <c:crosses val="autoZero"/>
         <c:crossBetween val="between"/>
       </c:valAx>
@@ -7134,6 +7135,90 @@
 </p:notes>
 </file>
 
+<file path=ppt/notesSlides/notesSlide2.xml><?xml version="1.0" encoding="utf-8"?>
+<p:notes xmlns:a="http://schemas.openxmlformats.org/drawingml/2006/main" xmlns:r="http://schemas.openxmlformats.org/officeDocument/2006/relationships" xmlns:p="http://schemas.openxmlformats.org/presentationml/2006/main">
+  <p:cSld>
+    <p:spTree>
+      <p:nvGrpSpPr>
+        <p:cNvPr id="1" name=""/>
+        <p:cNvGrpSpPr/>
+        <p:nvPr/>
+      </p:nvGrpSpPr>
+      <p:grpSpPr>
+        <a:xfrm>
+          <a:off x="0" y="0"/>
+          <a:ext cx="0" cy="0"/>
+          <a:chOff x="0" y="0"/>
+          <a:chExt cx="0" cy="0"/>
+        </a:xfrm>
+      </p:grpSpPr>
+      <p:sp>
+        <p:nvSpPr>
+          <p:cNvPr id="2" name="Slide Image Placeholder 1"/>
+          <p:cNvSpPr>
+            <a:spLocks noGrp="1" noRot="1" noChangeAspect="1"/>
+          </p:cNvSpPr>
+          <p:nvPr>
+            <p:ph type="sldImg"/>
+          </p:nvPr>
+        </p:nvSpPr>
+        <p:spPr/>
+      </p:sp>
+      <p:sp>
+        <p:nvSpPr>
+          <p:cNvPr id="3" name="Notes Placeholder 2"/>
+          <p:cNvSpPr>
+            <a:spLocks noGrp="1"/>
+          </p:cNvSpPr>
+          <p:nvPr>
+            <p:ph type="body" idx="1"/>
+          </p:nvPr>
+        </p:nvSpPr>
+        <p:spPr/>
+        <p:txBody>
+          <a:bodyPr/>
+          <a:lstStyle/>
+          <a:p>
+            <a:endParaRPr lang="en-US" dirty="0"/>
+          </a:p>
+        </p:txBody>
+      </p:sp>
+      <p:sp>
+        <p:nvSpPr>
+          <p:cNvPr id="4" name="Slide Number Placeholder 3"/>
+          <p:cNvSpPr>
+            <a:spLocks noGrp="1"/>
+          </p:cNvSpPr>
+          <p:nvPr>
+            <p:ph type="sldNum" sz="quarter" idx="10"/>
+          </p:nvPr>
+        </p:nvSpPr>
+        <p:spPr/>
+        <p:txBody>
+          <a:bodyPr/>
+          <a:lstStyle/>
+          <a:p>
+            <a:fld id="{1C63729A-534C-874A-B073-5D3F38B81A78}" type="slidenum">
+              <a:rPr lang="en-US" smtClean="0"/>
+              <a:t>7</a:t>
+            </a:fld>
+            <a:endParaRPr lang="en-US"/>
+          </a:p>
+        </p:txBody>
+      </p:sp>
+    </p:spTree>
+    <p:extLst>
+      <p:ext uri="{BB962C8B-B14F-4D97-AF65-F5344CB8AC3E}">
+        <p14:creationId xmlns:p14="http://schemas.microsoft.com/office/powerpoint/2010/main" val="1846938652"/>
+      </p:ext>
+    </p:extLst>
+  </p:cSld>
+  <p:clrMapOvr>
+    <a:masterClrMapping/>
+  </p:clrMapOvr>
+</p:notes>
+</file>
+
 <file path=ppt/slideLayouts/slideLayout1.xml><?xml version="1.0" encoding="utf-8"?>
 <p:sldLayout xmlns:a="http://schemas.openxmlformats.org/drawingml/2006/main" xmlns:r="http://schemas.openxmlformats.org/officeDocument/2006/relationships" xmlns:p="http://schemas.openxmlformats.org/presentationml/2006/main" type="title" preserve="1">
   <p:cSld name="Title Slide">
@@ -14775,6 +14860,574 @@
           <a:p>
             <a:r>
               <a:rPr lang="en-US" sz="4400" dirty="0" smtClean="0"/>
+              <a:t>Classifiers Tuning</a:t>
+            </a:r>
+            <a:endParaRPr lang="en-US" sz="4400" dirty="0"/>
+          </a:p>
+        </p:txBody>
+      </p:sp>
+      <p:sp>
+        <p:nvSpPr>
+          <p:cNvPr id="3" name="Content Placeholder 2"/>
+          <p:cNvSpPr>
+            <a:spLocks noGrp="1"/>
+          </p:cNvSpPr>
+          <p:nvPr>
+            <p:ph idx="1"/>
+          </p:nvPr>
+        </p:nvSpPr>
+        <p:spPr/>
+        <p:txBody>
+          <a:bodyPr>
+            <a:normAutofit/>
+          </a:bodyPr>
+          <a:lstStyle/>
+          <a:p>
+            <a:r>
+              <a:rPr lang="en-US" sz="2800" dirty="0" smtClean="0"/>
+              <a:t>Naïve Bayes</a:t>
+            </a:r>
+          </a:p>
+          <a:p>
+            <a:r>
+              <a:rPr lang="en-US" sz="2800" dirty="0" smtClean="0"/>
+              <a:t>Support Vector </a:t>
+            </a:r>
+            <a:r>
+              <a:rPr lang="en-US" sz="2800" dirty="0" smtClean="0"/>
+              <a:t>Machine</a:t>
+            </a:r>
+          </a:p>
+          <a:p>
+            <a:r>
+              <a:rPr lang="en-US" sz="2800" b="1" dirty="0" smtClean="0"/>
+              <a:t>Multi-layer </a:t>
+            </a:r>
+            <a:r>
+              <a:rPr lang="en-US" sz="2800" b="1" dirty="0" smtClean="0"/>
+              <a:t>Perceptron</a:t>
+            </a:r>
+            <a:endParaRPr lang="en-US" sz="2800" b="1" dirty="0"/>
+          </a:p>
+        </p:txBody>
+      </p:sp>
+    </p:spTree>
+    <p:extLst>
+      <p:ext uri="{BB962C8B-B14F-4D97-AF65-F5344CB8AC3E}">
+        <p14:creationId xmlns:p14="http://schemas.microsoft.com/office/powerpoint/2010/main" val="393800334"/>
+      </p:ext>
+    </p:extLst>
+  </p:cSld>
+  <p:clrMapOvr>
+    <a:masterClrMapping/>
+  </p:clrMapOvr>
+  <p:timing>
+    <p:tnLst>
+      <p:par>
+        <p:cTn id="1" dur="indefinite" restart="never" nodeType="tmRoot"/>
+      </p:par>
+    </p:tnLst>
+  </p:timing>
+</p:sld>
+</file>
+
+<file path=ppt/slides/slide11.xml><?xml version="1.0" encoding="utf-8"?>
+<p:sld xmlns:a="http://schemas.openxmlformats.org/drawingml/2006/main" xmlns:r="http://schemas.openxmlformats.org/officeDocument/2006/relationships" xmlns:p="http://schemas.openxmlformats.org/presentationml/2006/main">
+  <p:cSld>
+    <p:spTree>
+      <p:nvGrpSpPr>
+        <p:cNvPr id="1" name=""/>
+        <p:cNvGrpSpPr/>
+        <p:nvPr/>
+      </p:nvGrpSpPr>
+      <p:grpSpPr>
+        <a:xfrm>
+          <a:off x="0" y="0"/>
+          <a:ext cx="0" cy="0"/>
+          <a:chOff x="0" y="0"/>
+          <a:chExt cx="0" cy="0"/>
+        </a:xfrm>
+      </p:grpSpPr>
+      <p:sp>
+        <p:nvSpPr>
+          <p:cNvPr id="2" name="Title 1"/>
+          <p:cNvSpPr>
+            <a:spLocks noGrp="1"/>
+          </p:cNvSpPr>
+          <p:nvPr>
+            <p:ph type="title"/>
+          </p:nvPr>
+        </p:nvSpPr>
+        <p:spPr/>
+        <p:txBody>
+          <a:bodyPr>
+            <a:normAutofit/>
+          </a:bodyPr>
+          <a:lstStyle/>
+          <a:p>
+            <a:r>
+              <a:rPr lang="en-US" sz="4400" dirty="0" smtClean="0"/>
+              <a:t>Test Setup</a:t>
+            </a:r>
+            <a:endParaRPr lang="en-US" sz="4400" dirty="0"/>
+          </a:p>
+        </p:txBody>
+      </p:sp>
+      <p:sp>
+        <p:nvSpPr>
+          <p:cNvPr id="3" name="Content Placeholder 2"/>
+          <p:cNvSpPr>
+            <a:spLocks noGrp="1"/>
+          </p:cNvSpPr>
+          <p:nvPr>
+            <p:ph idx="1"/>
+          </p:nvPr>
+        </p:nvSpPr>
+        <p:spPr/>
+        <p:txBody>
+          <a:bodyPr>
+            <a:normAutofit/>
+          </a:bodyPr>
+          <a:lstStyle/>
+          <a:p>
+            <a:r>
+              <a:rPr lang="en-US" sz="2800" dirty="0" smtClean="0"/>
+              <a:t>Cross-validation </a:t>
+            </a:r>
+          </a:p>
+          <a:p>
+            <a:pPr lvl="1"/>
+            <a:r>
+              <a:rPr lang="en-US" sz="2600" dirty="0" smtClean="0"/>
+              <a:t>The </a:t>
+            </a:r>
+            <a:r>
+              <a:rPr lang="en-US" sz="2600" dirty="0"/>
+              <a:t>classifier is evaluated by cross-validation, </a:t>
+            </a:r>
+            <a:r>
+              <a:rPr lang="en-US" sz="2600" dirty="0" smtClean="0"/>
+              <a:t>10 folds are used.</a:t>
+            </a:r>
+          </a:p>
+          <a:p>
+            <a:pPr lvl="1"/>
+            <a:r>
+              <a:rPr lang="en-US" sz="2600" dirty="0"/>
+              <a:t>C</a:t>
+            </a:r>
+            <a:r>
+              <a:rPr lang="en-US" sz="2600" dirty="0" smtClean="0"/>
+              <a:t>ross </a:t>
+            </a:r>
+            <a:r>
+              <a:rPr lang="en-US" sz="2600" dirty="0"/>
+              <a:t>validation </a:t>
+            </a:r>
+            <a:r>
+              <a:rPr lang="en-US" sz="2600" dirty="0" smtClean="0"/>
+              <a:t>aims to define </a:t>
+            </a:r>
+            <a:r>
+              <a:rPr lang="en-US" sz="2600" dirty="0"/>
+              <a:t>a dataset to "</a:t>
+            </a:r>
+            <a:r>
+              <a:rPr lang="en-US" sz="2600" dirty="0" smtClean="0"/>
+              <a:t>test” in </a:t>
+            </a:r>
+            <a:r>
+              <a:rPr lang="en-US" sz="2600" dirty="0"/>
+              <a:t>the training </a:t>
+            </a:r>
+            <a:r>
+              <a:rPr lang="en-US" sz="2600" dirty="0" smtClean="0"/>
+              <a:t>phase, </a:t>
+            </a:r>
+            <a:r>
+              <a:rPr lang="en-US" sz="2600" dirty="0"/>
+              <a:t>in order to limit problems like </a:t>
+            </a:r>
+            <a:r>
+              <a:rPr lang="en-US" sz="2600" dirty="0" err="1" smtClean="0"/>
+              <a:t>overfitting</a:t>
+            </a:r>
+            <a:r>
+              <a:rPr lang="en-US" sz="2600" dirty="0" smtClean="0"/>
+              <a:t>.</a:t>
+            </a:r>
+            <a:endParaRPr lang="en-US" sz="2600" baseline="-25000" dirty="0" smtClean="0"/>
+          </a:p>
+          <a:p>
+            <a:pPr lvl="1"/>
+            <a:r>
+              <a:rPr lang="en-US" sz="2600" dirty="0" smtClean="0"/>
+              <a:t>It gives </a:t>
+            </a:r>
+            <a:r>
+              <a:rPr lang="en-US" sz="2600" dirty="0"/>
+              <a:t>an insight on how the model will generalize to an independent </a:t>
+            </a:r>
+            <a:r>
+              <a:rPr lang="en-US" sz="2600" dirty="0" smtClean="0"/>
+              <a:t>dataset.</a:t>
+            </a:r>
+            <a:r>
+              <a:rPr lang="en-US" sz="2600" baseline="-25000" dirty="0" smtClean="0"/>
+              <a:t>[*]</a:t>
+            </a:r>
+            <a:endParaRPr lang="en-US" sz="2600" baseline="-25000" dirty="0" smtClean="0"/>
+          </a:p>
+        </p:txBody>
+      </p:sp>
+      <p:sp>
+        <p:nvSpPr>
+          <p:cNvPr id="4" name="Title 1"/>
+          <p:cNvSpPr txBox="1">
+            <a:spLocks/>
+          </p:cNvSpPr>
+          <p:nvPr/>
+        </p:nvSpPr>
+        <p:spPr>
+          <a:xfrm flipV="1">
+            <a:off x="842683" y="5617628"/>
+            <a:ext cx="8877953" cy="1044388"/>
+          </a:xfrm>
+          <a:prstGeom prst="rect">
+            <a:avLst/>
+          </a:prstGeom>
+        </p:spPr>
+        <p:txBody>
+          <a:bodyPr vert="horz" lIns="91440" tIns="45720" rIns="91440" bIns="45720" rtlCol="0" anchor="t">
+            <a:normAutofit/>
+          </a:bodyPr>
+          <a:lstStyle>
+            <a:lvl1pPr algn="l" defTabSz="457200" rtl="0" eaLnBrk="1" latinLnBrk="0" hangingPunct="1">
+              <a:spcBef>
+                <a:spcPct val="0"/>
+              </a:spcBef>
+              <a:buNone/>
+              <a:defRPr sz="3600" kern="1200">
+                <a:solidFill>
+                  <a:schemeClr val="tx1">
+                    <a:lumMod val="85000"/>
+                    <a:lumOff val="15000"/>
+                  </a:schemeClr>
+                </a:solidFill>
+                <a:latin typeface="+mj-lt"/>
+                <a:ea typeface="+mj-ea"/>
+                <a:cs typeface="+mj-cs"/>
+              </a:defRPr>
+            </a:lvl1pPr>
+            <a:lvl2pPr eaLnBrk="1" hangingPunct="1">
+              <a:defRPr>
+                <a:solidFill>
+                  <a:schemeClr val="tx2"/>
+                </a:solidFill>
+              </a:defRPr>
+            </a:lvl2pPr>
+            <a:lvl3pPr eaLnBrk="1" hangingPunct="1">
+              <a:defRPr>
+                <a:solidFill>
+                  <a:schemeClr val="tx2"/>
+                </a:solidFill>
+              </a:defRPr>
+            </a:lvl3pPr>
+            <a:lvl4pPr eaLnBrk="1" hangingPunct="1">
+              <a:defRPr>
+                <a:solidFill>
+                  <a:schemeClr val="tx2"/>
+                </a:solidFill>
+              </a:defRPr>
+            </a:lvl4pPr>
+            <a:lvl5pPr eaLnBrk="1" hangingPunct="1">
+              <a:defRPr>
+                <a:solidFill>
+                  <a:schemeClr val="tx2"/>
+                </a:solidFill>
+              </a:defRPr>
+            </a:lvl5pPr>
+            <a:lvl6pPr eaLnBrk="1" hangingPunct="1">
+              <a:defRPr>
+                <a:solidFill>
+                  <a:schemeClr val="tx2"/>
+                </a:solidFill>
+              </a:defRPr>
+            </a:lvl6pPr>
+            <a:lvl7pPr eaLnBrk="1" hangingPunct="1">
+              <a:defRPr>
+                <a:solidFill>
+                  <a:schemeClr val="tx2"/>
+                </a:solidFill>
+              </a:defRPr>
+            </a:lvl7pPr>
+            <a:lvl8pPr eaLnBrk="1" hangingPunct="1">
+              <a:defRPr>
+                <a:solidFill>
+                  <a:schemeClr val="tx2"/>
+                </a:solidFill>
+              </a:defRPr>
+            </a:lvl8pPr>
+            <a:lvl9pPr eaLnBrk="1" hangingPunct="1">
+              <a:defRPr>
+                <a:solidFill>
+                  <a:schemeClr val="tx2"/>
+                </a:solidFill>
+              </a:defRPr>
+            </a:lvl9pPr>
+          </a:lstStyle>
+          <a:p>
+            <a:endParaRPr lang="en-US" sz="4400" dirty="0"/>
+          </a:p>
+        </p:txBody>
+      </p:sp>
+      <p:sp>
+        <p:nvSpPr>
+          <p:cNvPr id="5" name="Title 1"/>
+          <p:cNvSpPr txBox="1">
+            <a:spLocks/>
+          </p:cNvSpPr>
+          <p:nvPr/>
+        </p:nvSpPr>
+        <p:spPr>
+          <a:xfrm>
+            <a:off x="5281659" y="6147647"/>
+            <a:ext cx="9083933" cy="578257"/>
+          </a:xfrm>
+          <a:prstGeom prst="rect">
+            <a:avLst/>
+          </a:prstGeom>
+        </p:spPr>
+        <p:txBody>
+          <a:bodyPr vert="horz" lIns="91440" tIns="45720" rIns="91440" bIns="45720" rtlCol="0" anchor="t">
+            <a:normAutofit/>
+          </a:bodyPr>
+          <a:lstStyle>
+            <a:lvl1pPr algn="l" defTabSz="457200" rtl="0" eaLnBrk="1" latinLnBrk="0" hangingPunct="1">
+              <a:spcBef>
+                <a:spcPct val="0"/>
+              </a:spcBef>
+              <a:buNone/>
+              <a:defRPr sz="3600" kern="1200">
+                <a:solidFill>
+                  <a:schemeClr val="tx1">
+                    <a:lumMod val="85000"/>
+                    <a:lumOff val="15000"/>
+                  </a:schemeClr>
+                </a:solidFill>
+                <a:latin typeface="+mj-lt"/>
+                <a:ea typeface="+mj-ea"/>
+                <a:cs typeface="+mj-cs"/>
+              </a:defRPr>
+            </a:lvl1pPr>
+            <a:lvl2pPr eaLnBrk="1" hangingPunct="1">
+              <a:defRPr>
+                <a:solidFill>
+                  <a:schemeClr val="tx2"/>
+                </a:solidFill>
+              </a:defRPr>
+            </a:lvl2pPr>
+            <a:lvl3pPr eaLnBrk="1" hangingPunct="1">
+              <a:defRPr>
+                <a:solidFill>
+                  <a:schemeClr val="tx2"/>
+                </a:solidFill>
+              </a:defRPr>
+            </a:lvl3pPr>
+            <a:lvl4pPr eaLnBrk="1" hangingPunct="1">
+              <a:defRPr>
+                <a:solidFill>
+                  <a:schemeClr val="tx2"/>
+                </a:solidFill>
+              </a:defRPr>
+            </a:lvl4pPr>
+            <a:lvl5pPr eaLnBrk="1" hangingPunct="1">
+              <a:defRPr>
+                <a:solidFill>
+                  <a:schemeClr val="tx2"/>
+                </a:solidFill>
+              </a:defRPr>
+            </a:lvl5pPr>
+            <a:lvl6pPr eaLnBrk="1" hangingPunct="1">
+              <a:defRPr>
+                <a:solidFill>
+                  <a:schemeClr val="tx2"/>
+                </a:solidFill>
+              </a:defRPr>
+            </a:lvl6pPr>
+            <a:lvl7pPr eaLnBrk="1" hangingPunct="1">
+              <a:defRPr>
+                <a:solidFill>
+                  <a:schemeClr val="tx2"/>
+                </a:solidFill>
+              </a:defRPr>
+            </a:lvl7pPr>
+            <a:lvl8pPr eaLnBrk="1" hangingPunct="1">
+              <a:defRPr>
+                <a:solidFill>
+                  <a:schemeClr val="tx2"/>
+                </a:solidFill>
+              </a:defRPr>
+            </a:lvl8pPr>
+            <a:lvl9pPr eaLnBrk="1" hangingPunct="1">
+              <a:defRPr>
+                <a:solidFill>
+                  <a:schemeClr val="tx2"/>
+                </a:solidFill>
+              </a:defRPr>
+            </a:lvl9pPr>
+          </a:lstStyle>
+          <a:p>
+            <a:r>
+              <a:rPr lang="en-US" sz="1800" dirty="0"/>
+              <a:t>[*] https://</a:t>
+            </a:r>
+            <a:r>
+              <a:rPr lang="en-US" sz="1800" dirty="0" err="1"/>
+              <a:t>en.wikipedia.org</a:t>
+            </a:r>
+            <a:r>
+              <a:rPr lang="en-US" sz="1800" dirty="0"/>
+              <a:t>/wiki/Cross-validation_(statistics)</a:t>
+            </a:r>
+          </a:p>
+        </p:txBody>
+      </p:sp>
+    </p:spTree>
+    <p:extLst>
+      <p:ext uri="{BB962C8B-B14F-4D97-AF65-F5344CB8AC3E}">
+        <p14:creationId xmlns:p14="http://schemas.microsoft.com/office/powerpoint/2010/main" val="846790584"/>
+      </p:ext>
+    </p:extLst>
+  </p:cSld>
+  <p:clrMapOvr>
+    <a:masterClrMapping/>
+  </p:clrMapOvr>
+  <p:timing>
+    <p:tnLst>
+      <p:par>
+        <p:cTn id="1" dur="indefinite" restart="never" nodeType="tmRoot"/>
+      </p:par>
+    </p:tnLst>
+  </p:timing>
+</p:sld>
+</file>
+
+<file path=ppt/slides/slide12.xml><?xml version="1.0" encoding="utf-8"?>
+<p:sld xmlns:a="http://schemas.openxmlformats.org/drawingml/2006/main" xmlns:r="http://schemas.openxmlformats.org/officeDocument/2006/relationships" xmlns:p="http://schemas.openxmlformats.org/presentationml/2006/main">
+  <p:cSld>
+    <p:spTree>
+      <p:nvGrpSpPr>
+        <p:cNvPr id="1" name=""/>
+        <p:cNvGrpSpPr/>
+        <p:nvPr/>
+      </p:nvGrpSpPr>
+      <p:grpSpPr>
+        <a:xfrm>
+          <a:off x="0" y="0"/>
+          <a:ext cx="0" cy="0"/>
+          <a:chOff x="0" y="0"/>
+          <a:chExt cx="0" cy="0"/>
+        </a:xfrm>
+      </p:grpSpPr>
+      <p:sp>
+        <p:nvSpPr>
+          <p:cNvPr id="4" name="Title 3"/>
+          <p:cNvSpPr>
+            <a:spLocks noGrp="1"/>
+          </p:cNvSpPr>
+          <p:nvPr>
+            <p:ph type="ctrTitle"/>
+          </p:nvPr>
+        </p:nvSpPr>
+        <p:spPr/>
+        <p:txBody>
+          <a:bodyPr/>
+          <a:lstStyle/>
+          <a:p>
+            <a:r>
+              <a:rPr lang="en-US" dirty="0" smtClean="0"/>
+              <a:t>Test result analysis</a:t>
+            </a:r>
+            <a:endParaRPr lang="en-US" dirty="0"/>
+          </a:p>
+        </p:txBody>
+      </p:sp>
+      <p:sp>
+        <p:nvSpPr>
+          <p:cNvPr id="5" name="Subtitle 4"/>
+          <p:cNvSpPr>
+            <a:spLocks noGrp="1"/>
+          </p:cNvSpPr>
+          <p:nvPr>
+            <p:ph type="subTitle" idx="1"/>
+          </p:nvPr>
+        </p:nvSpPr>
+        <p:spPr/>
+        <p:txBody>
+          <a:bodyPr/>
+          <a:lstStyle/>
+          <a:p>
+            <a:endParaRPr lang="en-US"/>
+          </a:p>
+        </p:txBody>
+      </p:sp>
+    </p:spTree>
+    <p:extLst>
+      <p:ext uri="{BB962C8B-B14F-4D97-AF65-F5344CB8AC3E}">
+        <p14:creationId xmlns:p14="http://schemas.microsoft.com/office/powerpoint/2010/main" val="292218004"/>
+      </p:ext>
+    </p:extLst>
+  </p:cSld>
+  <p:clrMapOvr>
+    <a:masterClrMapping/>
+  </p:clrMapOvr>
+  <p:timing>
+    <p:tnLst>
+      <p:par>
+        <p:cTn id="1" dur="indefinite" restart="never" nodeType="tmRoot"/>
+      </p:par>
+    </p:tnLst>
+  </p:timing>
+</p:sld>
+</file>
+
+<file path=ppt/slides/slide13.xml><?xml version="1.0" encoding="utf-8"?>
+<p:sld xmlns:a="http://schemas.openxmlformats.org/drawingml/2006/main" xmlns:r="http://schemas.openxmlformats.org/officeDocument/2006/relationships" xmlns:p="http://schemas.openxmlformats.org/presentationml/2006/main">
+  <p:cSld>
+    <p:spTree>
+      <p:nvGrpSpPr>
+        <p:cNvPr id="1" name=""/>
+        <p:cNvGrpSpPr/>
+        <p:nvPr/>
+      </p:nvGrpSpPr>
+      <p:grpSpPr>
+        <a:xfrm>
+          <a:off x="0" y="0"/>
+          <a:ext cx="0" cy="0"/>
+          <a:chOff x="0" y="0"/>
+          <a:chExt cx="0" cy="0"/>
+        </a:xfrm>
+      </p:grpSpPr>
+      <p:sp>
+        <p:nvSpPr>
+          <p:cNvPr id="2" name="Title 1"/>
+          <p:cNvSpPr>
+            <a:spLocks noGrp="1"/>
+          </p:cNvSpPr>
+          <p:nvPr>
+            <p:ph type="title"/>
+          </p:nvPr>
+        </p:nvSpPr>
+        <p:spPr/>
+        <p:txBody>
+          <a:bodyPr>
+            <a:normAutofit/>
+          </a:bodyPr>
+          <a:lstStyle/>
+          <a:p>
+            <a:r>
+              <a:rPr lang="en-US" sz="4400" dirty="0" smtClean="0"/>
               <a:t>Multilayer Perceptron</a:t>
             </a:r>
             <a:endParaRPr lang="en-US" sz="4400" dirty="0"/>
@@ -15116,7 +15769,7 @@
 </p:sld>
 </file>
 
-<file path=ppt/slides/slide11.xml><?xml version="1.0" encoding="utf-8"?>
+<file path=ppt/slides/slide14.xml><?xml version="1.0" encoding="utf-8"?>
 <p:sld xmlns:a="http://schemas.openxmlformats.org/drawingml/2006/main" xmlns:r="http://schemas.openxmlformats.org/officeDocument/2006/relationships" xmlns:p="http://schemas.openxmlformats.org/presentationml/2006/main">
   <p:cSld>
     <p:spTree>
@@ -15215,7 +15868,7 @@
 </p:sld>
 </file>
 
-<file path=ppt/slides/slide12.xml><?xml version="1.0" encoding="utf-8"?>
+<file path=ppt/slides/slide15.xml><?xml version="1.0" encoding="utf-8"?>
 <p:sld xmlns:a="http://schemas.openxmlformats.org/drawingml/2006/main" xmlns:r="http://schemas.openxmlformats.org/officeDocument/2006/relationships" xmlns:p="http://schemas.openxmlformats.org/presentationml/2006/main">
   <p:cSld>
     <p:spTree>
@@ -15788,7 +16441,7 @@
 </p:sld>
 </file>
 
-<file path=ppt/slides/slide13.xml><?xml version="1.0" encoding="utf-8"?>
+<file path=ppt/slides/slide16.xml><?xml version="1.0" encoding="utf-8"?>
 <p:sld xmlns:a="http://schemas.openxmlformats.org/drawingml/2006/main" xmlns:r="http://schemas.openxmlformats.org/officeDocument/2006/relationships" xmlns:p="http://schemas.openxmlformats.org/presentationml/2006/main">
   <p:cSld>
     <p:spTree>
@@ -15887,7 +16540,7 @@
 </p:sld>
 </file>
 
-<file path=ppt/slides/slide14.xml><?xml version="1.0" encoding="utf-8"?>
+<file path=ppt/slides/slide17.xml><?xml version="1.0" encoding="utf-8"?>
 <p:sld xmlns:a="http://schemas.openxmlformats.org/drawingml/2006/main" xmlns:r="http://schemas.openxmlformats.org/officeDocument/2006/relationships" xmlns:p="http://schemas.openxmlformats.org/presentationml/2006/main">
   <p:cSld>
     <p:spTree>
@@ -15974,7 +16627,7 @@
 </p:sld>
 </file>
 
-<file path=ppt/slides/slide15.xml><?xml version="1.0" encoding="utf-8"?>
+<file path=ppt/slides/slide18.xml><?xml version="1.0" encoding="utf-8"?>
 <p:sld xmlns:a="http://schemas.openxmlformats.org/drawingml/2006/main" xmlns:r="http://schemas.openxmlformats.org/officeDocument/2006/relationships" xmlns:p="http://schemas.openxmlformats.org/presentationml/2006/main">
   <p:cSld>
     <p:spTree>
@@ -16033,8 +16686,24 @@
           <a:lstStyle/>
           <a:p>
             <a:r>
+              <a:rPr lang="de-DE" sz="2800" dirty="0" smtClean="0"/>
+              <a:t>-</a:t>
+            </a:r>
+            <a:r>
               <a:rPr lang="de-DE" sz="2800" dirty="0"/>
-              <a:t>-C 0.5 -L 0.001 -P 1.0E-12 -K </a:t>
+              <a:t>C </a:t>
+            </a:r>
+            <a:r>
+              <a:rPr lang="de-DE" sz="2800" dirty="0" smtClean="0"/>
+              <a:t>0</a:t>
+            </a:r>
+            <a:r>
+              <a:rPr lang="de-DE" sz="2800" dirty="0" smtClean="0"/>
+              <a:t>.5 </a:t>
+            </a:r>
+            <a:r>
+              <a:rPr lang="de-DE" sz="2800" dirty="0"/>
+              <a:t>-L 0.001 -P 1.0E-12 -K </a:t>
             </a:r>
             <a:r>
               <a:rPr lang="de-DE" sz="2800" dirty="0" err="1"/>
@@ -16044,7 +16713,6 @@
               <a:rPr lang="de-DE" sz="2800" dirty="0"/>
               <a:t> </a:t>
             </a:r>
-            <a:endParaRPr lang="de-DE" sz="2800" dirty="0" smtClean="0"/>
           </a:p>
           <a:p>
             <a:r>
@@ -16057,13 +16725,36 @@
             </a:r>
             <a:r>
               <a:rPr lang="de-DE" sz="2800" dirty="0" smtClean="0"/>
-              <a:t>1.0 </a:t>
+              <a:t>1</a:t>
+            </a:r>
+            <a:r>
+              <a:rPr lang="de-DE" sz="2800" dirty="0" smtClean="0"/>
+              <a:t>.0 </a:t>
             </a:r>
             <a:r>
               <a:rPr lang="de-DE" sz="2800" dirty="0"/>
               <a:t>-L 0.001 -P 1.0E-12 -K </a:t>
             </a:r>
             <a:r>
+              <a:rPr lang="de-DE" sz="2800" dirty="0" err="1" smtClean="0"/>
+              <a:t>PolyKernel</a:t>
+            </a:r>
+            <a:endParaRPr lang="de-DE" sz="2800" dirty="0" smtClean="0"/>
+          </a:p>
+          <a:p>
+            <a:r>
+              <a:rPr lang="de-DE" sz="2800" dirty="0"/>
+              <a:t>-C </a:t>
+            </a:r>
+            <a:r>
+              <a:rPr lang="de-DE" sz="2800" dirty="0" smtClean="0"/>
+              <a:t>1.5 </a:t>
+            </a:r>
+            <a:r>
+              <a:rPr lang="de-DE" sz="2800" dirty="0"/>
+              <a:t>-L 0.001 -P 1.0E-12 -K </a:t>
+            </a:r>
+            <a:r>
               <a:rPr lang="de-DE" sz="2800" dirty="0" err="1"/>
               <a:t>PolyKernel</a:t>
             </a:r>
@@ -16075,51 +16766,53 @@
           <a:p>
             <a:r>
               <a:rPr lang="de-DE" sz="2800" dirty="0"/>
-              <a:t>-C </a:t>
-            </a:r>
+              <a:t>-C 2.0 -L 0.001 -P 1.0E-12 -K </a:t>
+            </a:r>
+            <a:r>
+              <a:rPr lang="de-DE" sz="2800" dirty="0" err="1" smtClean="0"/>
+              <a:t>PolyKernel</a:t>
+            </a:r>
+            <a:endParaRPr lang="de-DE" sz="2800" dirty="0" smtClean="0"/>
+          </a:p>
+          <a:p>
+            <a:endParaRPr lang="de-DE" sz="2800" dirty="0"/>
+          </a:p>
+          <a:p>
             <a:r>
               <a:rPr lang="de-DE" sz="2800" dirty="0" smtClean="0"/>
-              <a:t>1.5 </a:t>
-            </a:r>
-            <a:r>
-              <a:rPr lang="de-DE" sz="2800" dirty="0"/>
-              <a:t>-L 0.001 -P 1.0E-12 -K </a:t>
+              <a:t>C </a:t>
             </a:r>
             <a:r>
               <a:rPr lang="de-DE" sz="2800" dirty="0" err="1"/>
-              <a:t>PolyKernel</a:t>
+              <a:t>means</a:t>
             </a:r>
             <a:r>
               <a:rPr lang="de-DE" sz="2800" dirty="0"/>
               <a:t> </a:t>
             </a:r>
-            <a:endParaRPr lang="de-DE" sz="2800" dirty="0" smtClean="0"/>
-          </a:p>
-          <a:p>
+            <a:r>
+              <a:rPr lang="de-DE" sz="2800" dirty="0" err="1" smtClean="0"/>
+              <a:t>complexity</a:t>
+            </a:r>
             <a:r>
               <a:rPr lang="de-DE" sz="2800" dirty="0" smtClean="0"/>
-              <a:t>-</a:t>
-            </a:r>
-            <a:r>
-              <a:rPr lang="de-DE" sz="2800" dirty="0"/>
-              <a:t>C </a:t>
-            </a:r>
-            <a:r>
-              <a:rPr lang="de-DE" sz="2800" dirty="0" smtClean="0"/>
-              <a:t>2.0 </a:t>
-            </a:r>
-            <a:r>
-              <a:rPr lang="de-DE" sz="2800" dirty="0"/>
-              <a:t>-L 0.001 -P 1.0E-12 -K </a:t>
+              <a:t> </a:t>
             </a:r>
             <a:r>
               <a:rPr lang="de-DE" sz="2800" dirty="0" err="1"/>
-              <a:t>PolyKernel</a:t>
+              <a:t>parameter</a:t>
             </a:r>
             <a:r>
               <a:rPr lang="de-DE" sz="2800" dirty="0"/>
               <a:t> </a:t>
             </a:r>
+            <a:endParaRPr lang="de-DE" sz="2800" dirty="0"/>
+          </a:p>
+          <a:p>
+            <a:pPr marL="0" indent="0">
+              <a:buNone/>
+            </a:pPr>
+            <a:endParaRPr lang="de-DE" sz="2800" dirty="0"/>
           </a:p>
           <a:p>
             <a:endParaRPr lang="en-US" sz="2800" dirty="0"/>
@@ -16146,7 +16839,7 @@
 </p:sld>
 </file>
 
-<file path=ppt/slides/slide16.xml><?xml version="1.0" encoding="utf-8"?>
+<file path=ppt/slides/slide19.xml><?xml version="1.0" encoding="utf-8"?>
 <p:sld xmlns:a="http://schemas.openxmlformats.org/drawingml/2006/main" xmlns:r="http://schemas.openxmlformats.org/officeDocument/2006/relationships" xmlns:p="http://schemas.openxmlformats.org/presentationml/2006/main">
   <p:cSld>
     <p:spTree>
@@ -16245,7 +16938,330 @@
 </p:sld>
 </file>
 
-<file path=ppt/slides/slide17.xml><?xml version="1.0" encoding="utf-8"?>
+<file path=ppt/slides/slide2.xml><?xml version="1.0" encoding="utf-8"?>
+<p:sld xmlns:a="http://schemas.openxmlformats.org/drawingml/2006/main" xmlns:r="http://schemas.openxmlformats.org/officeDocument/2006/relationships" xmlns:p="http://schemas.openxmlformats.org/presentationml/2006/main">
+  <p:cSld>
+    <p:spTree>
+      <p:nvGrpSpPr>
+        <p:cNvPr id="1" name=""/>
+        <p:cNvGrpSpPr/>
+        <p:nvPr/>
+      </p:nvGrpSpPr>
+      <p:grpSpPr>
+        <a:xfrm>
+          <a:off x="0" y="0"/>
+          <a:ext cx="0" cy="0"/>
+          <a:chOff x="0" y="0"/>
+          <a:chExt cx="0" cy="0"/>
+        </a:xfrm>
+      </p:grpSpPr>
+      <p:sp>
+        <p:nvSpPr>
+          <p:cNvPr id="2" name="Title 1"/>
+          <p:cNvSpPr>
+            <a:spLocks noGrp="1"/>
+          </p:cNvSpPr>
+          <p:nvPr>
+            <p:ph type="title"/>
+          </p:nvPr>
+        </p:nvSpPr>
+        <p:spPr/>
+        <p:txBody>
+          <a:bodyPr>
+            <a:normAutofit/>
+          </a:bodyPr>
+          <a:lstStyle/>
+          <a:p>
+            <a:r>
+              <a:rPr lang="en-US" sz="4400" dirty="0" smtClean="0"/>
+              <a:t>Problem Description</a:t>
+            </a:r>
+            <a:endParaRPr lang="en-US" sz="4400" dirty="0"/>
+          </a:p>
+        </p:txBody>
+      </p:sp>
+      <p:sp>
+        <p:nvSpPr>
+          <p:cNvPr id="3" name="Content Placeholder 2"/>
+          <p:cNvSpPr>
+            <a:spLocks noGrp="1"/>
+          </p:cNvSpPr>
+          <p:nvPr>
+            <p:ph idx="1"/>
+          </p:nvPr>
+        </p:nvSpPr>
+        <p:spPr/>
+        <p:txBody>
+          <a:bodyPr>
+            <a:normAutofit/>
+          </a:bodyPr>
+          <a:lstStyle/>
+          <a:p>
+            <a:r>
+              <a:rPr lang="en-US" sz="2800" dirty="0" smtClean="0"/>
+              <a:t>Classifying hand-written digits (0-9)</a:t>
+            </a:r>
+          </a:p>
+          <a:p>
+            <a:endParaRPr lang="en-US" sz="2800" dirty="0"/>
+          </a:p>
+          <a:p>
+            <a:r>
+              <a:rPr lang="en-US" sz="2800" dirty="0"/>
+              <a:t>C</a:t>
+            </a:r>
+            <a:r>
+              <a:rPr lang="en-US" sz="2800" dirty="0" smtClean="0"/>
+              <a:t>lassifying </a:t>
+            </a:r>
+            <a:r>
+              <a:rPr lang="en-US" sz="2800" dirty="0"/>
+              <a:t>black-and-white rectangular pixel </a:t>
+            </a:r>
+            <a:r>
+              <a:rPr lang="en-US" sz="2800" dirty="0" smtClean="0"/>
+              <a:t>displayed capital letters (A-Z)</a:t>
+            </a:r>
+          </a:p>
+          <a:p>
+            <a:endParaRPr lang="en-US" sz="2800" dirty="0"/>
+          </a:p>
+          <a:p>
+            <a:r>
+              <a:rPr lang="en-US" sz="2800" dirty="0" smtClean="0"/>
+              <a:t>Two datasets retrieved from UCI ML repository</a:t>
+            </a:r>
+            <a:endParaRPr lang="en-US" sz="2800" dirty="0"/>
+          </a:p>
+        </p:txBody>
+      </p:sp>
+    </p:spTree>
+    <p:extLst>
+      <p:ext uri="{BB962C8B-B14F-4D97-AF65-F5344CB8AC3E}">
+        <p14:creationId xmlns:p14="http://schemas.microsoft.com/office/powerpoint/2010/main" val="719885386"/>
+      </p:ext>
+    </p:extLst>
+  </p:cSld>
+  <p:clrMapOvr>
+    <a:masterClrMapping/>
+  </p:clrMapOvr>
+  <p:timing>
+    <p:tnLst>
+      <p:par>
+        <p:cTn id="1" dur="indefinite" restart="never" nodeType="tmRoot">
+          <p:childTnLst>
+            <p:seq concurrent="1" nextAc="seek">
+              <p:cTn id="2" dur="indefinite" nodeType="mainSeq">
+                <p:childTnLst>
+                  <p:par>
+                    <p:cTn id="3" fill="hold">
+                      <p:stCondLst>
+                        <p:cond delay="indefinite"/>
+                      </p:stCondLst>
+                      <p:childTnLst>
+                        <p:par>
+                          <p:cTn id="4" fill="hold">
+                            <p:stCondLst>
+                              <p:cond delay="0"/>
+                            </p:stCondLst>
+                            <p:childTnLst>
+                              <p:par>
+                                <p:cTn id="5" presetID="9" presetClass="entr" presetSubtype="0" fill="hold" nodeType="clickEffect">
+                                  <p:stCondLst>
+                                    <p:cond delay="0"/>
+                                  </p:stCondLst>
+                                  <p:childTnLst>
+                                    <p:set>
+                                      <p:cBhvr>
+                                        <p:cTn id="6" dur="1" fill="hold">
+                                          <p:stCondLst>
+                                            <p:cond delay="0"/>
+                                          </p:stCondLst>
+                                        </p:cTn>
+                                        <p:tgtEl>
+                                          <p:spTgt spid="3">
+                                            <p:txEl>
+                                              <p:pRg st="0" end="0"/>
+                                            </p:txEl>
+                                          </p:spTgt>
+                                        </p:tgtEl>
+                                        <p:attrNameLst>
+                                          <p:attrName>style.visibility</p:attrName>
+                                        </p:attrNameLst>
+                                      </p:cBhvr>
+                                      <p:to>
+                                        <p:strVal val="visible"/>
+                                      </p:to>
+                                    </p:set>
+                                    <p:animEffect transition="in" filter="dissolve">
+                                      <p:cBhvr>
+                                        <p:cTn id="7" dur="500"/>
+                                        <p:tgtEl>
+                                          <p:spTgt spid="3">
+                                            <p:txEl>
+                                              <p:pRg st="0" end="0"/>
+                                            </p:txEl>
+                                          </p:spTgt>
+                                        </p:tgtEl>
+                                      </p:cBhvr>
+                                    </p:animEffect>
+                                  </p:childTnLst>
+                                </p:cTn>
+                              </p:par>
+                            </p:childTnLst>
+                          </p:cTn>
+                        </p:par>
+                      </p:childTnLst>
+                    </p:cTn>
+                  </p:par>
+                  <p:par>
+                    <p:cTn id="8" fill="hold">
+                      <p:stCondLst>
+                        <p:cond delay="indefinite"/>
+                      </p:stCondLst>
+                      <p:childTnLst>
+                        <p:par>
+                          <p:cTn id="9" fill="hold">
+                            <p:stCondLst>
+                              <p:cond delay="0"/>
+                            </p:stCondLst>
+                            <p:childTnLst>
+                              <p:par>
+                                <p:cTn id="10" presetID="9" presetClass="entr" presetSubtype="0" fill="hold" nodeType="clickEffect">
+                                  <p:stCondLst>
+                                    <p:cond delay="0"/>
+                                  </p:stCondLst>
+                                  <p:childTnLst>
+                                    <p:set>
+                                      <p:cBhvr>
+                                        <p:cTn id="11" dur="1" fill="hold">
+                                          <p:stCondLst>
+                                            <p:cond delay="0"/>
+                                          </p:stCondLst>
+                                        </p:cTn>
+                                        <p:tgtEl>
+                                          <p:spTgt spid="3">
+                                            <p:txEl>
+                                              <p:pRg st="2" end="2"/>
+                                            </p:txEl>
+                                          </p:spTgt>
+                                        </p:tgtEl>
+                                        <p:attrNameLst>
+                                          <p:attrName>style.visibility</p:attrName>
+                                        </p:attrNameLst>
+                                      </p:cBhvr>
+                                      <p:to>
+                                        <p:strVal val="visible"/>
+                                      </p:to>
+                                    </p:set>
+                                    <p:animEffect transition="in" filter="dissolve">
+                                      <p:cBhvr>
+                                        <p:cTn id="12" dur="500"/>
+                                        <p:tgtEl>
+                                          <p:spTgt spid="3">
+                                            <p:txEl>
+                                              <p:pRg st="2" end="2"/>
+                                            </p:txEl>
+                                          </p:spTgt>
+                                        </p:tgtEl>
+                                      </p:cBhvr>
+                                    </p:animEffect>
+                                  </p:childTnLst>
+                                </p:cTn>
+                              </p:par>
+                            </p:childTnLst>
+                          </p:cTn>
+                        </p:par>
+                      </p:childTnLst>
+                    </p:cTn>
+                  </p:par>
+                  <p:par>
+                    <p:cTn id="13" fill="hold">
+                      <p:stCondLst>
+                        <p:cond delay="indefinite"/>
+                      </p:stCondLst>
+                      <p:childTnLst>
+                        <p:par>
+                          <p:cTn id="14" fill="hold">
+                            <p:stCondLst>
+                              <p:cond delay="0"/>
+                            </p:stCondLst>
+                            <p:childTnLst>
+                              <p:par>
+                                <p:cTn id="15" presetID="9" presetClass="entr" presetSubtype="0" fill="hold" nodeType="clickEffect">
+                                  <p:stCondLst>
+                                    <p:cond delay="0"/>
+                                  </p:stCondLst>
+                                  <p:childTnLst>
+                                    <p:set>
+                                      <p:cBhvr>
+                                        <p:cTn id="16" dur="1" fill="hold">
+                                          <p:stCondLst>
+                                            <p:cond delay="0"/>
+                                          </p:stCondLst>
+                                        </p:cTn>
+                                        <p:tgtEl>
+                                          <p:spTgt spid="3">
+                                            <p:txEl>
+                                              <p:pRg st="4" end="4"/>
+                                            </p:txEl>
+                                          </p:spTgt>
+                                        </p:tgtEl>
+                                        <p:attrNameLst>
+                                          <p:attrName>style.visibility</p:attrName>
+                                        </p:attrNameLst>
+                                      </p:cBhvr>
+                                      <p:to>
+                                        <p:strVal val="visible"/>
+                                      </p:to>
+                                    </p:set>
+                                    <p:animEffect transition="in" filter="dissolve">
+                                      <p:cBhvr>
+                                        <p:cTn id="17" dur="500"/>
+                                        <p:tgtEl>
+                                          <p:spTgt spid="3">
+                                            <p:txEl>
+                                              <p:pRg st="4" end="4"/>
+                                            </p:txEl>
+                                          </p:spTgt>
+                                        </p:tgtEl>
+                                      </p:cBhvr>
+                                    </p:animEffect>
+                                  </p:childTnLst>
+                                </p:cTn>
+                              </p:par>
+                            </p:childTnLst>
+                          </p:cTn>
+                        </p:par>
+                      </p:childTnLst>
+                    </p:cTn>
+                  </p:par>
+                </p:childTnLst>
+              </p:cTn>
+              <p:prevCondLst>
+                <p:cond evt="onPrev" delay="0">
+                  <p:tgtEl>
+                    <p:sldTgt/>
+                  </p:tgtEl>
+                </p:cond>
+              </p:prevCondLst>
+              <p:nextCondLst>
+                <p:cond evt="onNext" delay="0">
+                  <p:tgtEl>
+                    <p:sldTgt/>
+                  </p:tgtEl>
+                </p:cond>
+              </p:nextCondLst>
+            </p:seq>
+          </p:childTnLst>
+        </p:cTn>
+      </p:par>
+    </p:tnLst>
+  </p:timing>
+</p:sld>
+</file>
+
+<file path=ppt/slides/slide20.xml><?xml version="1.0" encoding="utf-8"?>
 <p:sld xmlns:a="http://schemas.openxmlformats.org/drawingml/2006/main" xmlns:r="http://schemas.openxmlformats.org/officeDocument/2006/relationships" xmlns:p="http://schemas.openxmlformats.org/presentationml/2006/main">
   <p:cSld>
     <p:spTree>
@@ -17002,7 +18018,7 @@
 </p:sld>
 </file>
 
-<file path=ppt/slides/slide18.xml><?xml version="1.0" encoding="utf-8"?>
+<file path=ppt/slides/slide21.xml><?xml version="1.0" encoding="utf-8"?>
 <p:sld xmlns:a="http://schemas.openxmlformats.org/drawingml/2006/main" xmlns:r="http://schemas.openxmlformats.org/officeDocument/2006/relationships" xmlns:p="http://schemas.openxmlformats.org/presentationml/2006/main">
   <p:cSld>
     <p:spTree>
@@ -17101,7 +18117,7 @@
 </p:sld>
 </file>
 
-<file path=ppt/slides/slide19.xml><?xml version="1.0" encoding="utf-8"?>
+<file path=ppt/slides/slide22.xml><?xml version="1.0" encoding="utf-8"?>
 <p:sld xmlns:a="http://schemas.openxmlformats.org/drawingml/2006/main" xmlns:r="http://schemas.openxmlformats.org/officeDocument/2006/relationships" xmlns:p="http://schemas.openxmlformats.org/presentationml/2006/main">
   <p:cSld>
     <p:spTree>
@@ -17294,7 +18310,6 @@
               <a:rPr lang="de-DE" sz="2800" dirty="0" smtClean="0"/>
               <a:t>, D = True</a:t>
             </a:r>
-            <a:endParaRPr lang="de-DE" sz="2800" dirty="0" smtClean="0"/>
           </a:p>
           <a:p>
             <a:endParaRPr lang="en-US" sz="2800" dirty="0"/>
@@ -17321,330 +18336,7 @@
 </p:sld>
 </file>
 
-<file path=ppt/slides/slide2.xml><?xml version="1.0" encoding="utf-8"?>
-<p:sld xmlns:a="http://schemas.openxmlformats.org/drawingml/2006/main" xmlns:r="http://schemas.openxmlformats.org/officeDocument/2006/relationships" xmlns:p="http://schemas.openxmlformats.org/presentationml/2006/main">
-  <p:cSld>
-    <p:spTree>
-      <p:nvGrpSpPr>
-        <p:cNvPr id="1" name=""/>
-        <p:cNvGrpSpPr/>
-        <p:nvPr/>
-      </p:nvGrpSpPr>
-      <p:grpSpPr>
-        <a:xfrm>
-          <a:off x="0" y="0"/>
-          <a:ext cx="0" cy="0"/>
-          <a:chOff x="0" y="0"/>
-          <a:chExt cx="0" cy="0"/>
-        </a:xfrm>
-      </p:grpSpPr>
-      <p:sp>
-        <p:nvSpPr>
-          <p:cNvPr id="2" name="Title 1"/>
-          <p:cNvSpPr>
-            <a:spLocks noGrp="1"/>
-          </p:cNvSpPr>
-          <p:nvPr>
-            <p:ph type="title"/>
-          </p:nvPr>
-        </p:nvSpPr>
-        <p:spPr/>
-        <p:txBody>
-          <a:bodyPr>
-            <a:normAutofit/>
-          </a:bodyPr>
-          <a:lstStyle/>
-          <a:p>
-            <a:r>
-              <a:rPr lang="en-US" sz="4400" dirty="0" smtClean="0"/>
-              <a:t>Problem Description</a:t>
-            </a:r>
-            <a:endParaRPr lang="en-US" sz="4400" dirty="0"/>
-          </a:p>
-        </p:txBody>
-      </p:sp>
-      <p:sp>
-        <p:nvSpPr>
-          <p:cNvPr id="3" name="Content Placeholder 2"/>
-          <p:cNvSpPr>
-            <a:spLocks noGrp="1"/>
-          </p:cNvSpPr>
-          <p:nvPr>
-            <p:ph idx="1"/>
-          </p:nvPr>
-        </p:nvSpPr>
-        <p:spPr/>
-        <p:txBody>
-          <a:bodyPr>
-            <a:normAutofit/>
-          </a:bodyPr>
-          <a:lstStyle/>
-          <a:p>
-            <a:r>
-              <a:rPr lang="en-US" sz="2800" dirty="0" smtClean="0"/>
-              <a:t>Classifying hand-written digits (0-9)</a:t>
-            </a:r>
-          </a:p>
-          <a:p>
-            <a:endParaRPr lang="en-US" sz="2800" dirty="0"/>
-          </a:p>
-          <a:p>
-            <a:r>
-              <a:rPr lang="en-US" sz="2800" dirty="0"/>
-              <a:t>C</a:t>
-            </a:r>
-            <a:r>
-              <a:rPr lang="en-US" sz="2800" dirty="0" smtClean="0"/>
-              <a:t>lassifying </a:t>
-            </a:r>
-            <a:r>
-              <a:rPr lang="en-US" sz="2800" dirty="0"/>
-              <a:t>black-and-white rectangular pixel </a:t>
-            </a:r>
-            <a:r>
-              <a:rPr lang="en-US" sz="2800" dirty="0" smtClean="0"/>
-              <a:t>displayed capital letters (A-Z)</a:t>
-            </a:r>
-          </a:p>
-          <a:p>
-            <a:endParaRPr lang="en-US" sz="2800" dirty="0"/>
-          </a:p>
-          <a:p>
-            <a:r>
-              <a:rPr lang="en-US" sz="2800" dirty="0" smtClean="0"/>
-              <a:t>Two datasets retrieved from UCI ML repository</a:t>
-            </a:r>
-            <a:endParaRPr lang="en-US" sz="2800" dirty="0"/>
-          </a:p>
-        </p:txBody>
-      </p:sp>
-    </p:spTree>
-    <p:extLst>
-      <p:ext uri="{BB962C8B-B14F-4D97-AF65-F5344CB8AC3E}">
-        <p14:creationId xmlns:p14="http://schemas.microsoft.com/office/powerpoint/2010/main" val="719885386"/>
-      </p:ext>
-    </p:extLst>
-  </p:cSld>
-  <p:clrMapOvr>
-    <a:masterClrMapping/>
-  </p:clrMapOvr>
-  <p:timing>
-    <p:tnLst>
-      <p:par>
-        <p:cTn id="1" dur="indefinite" restart="never" nodeType="tmRoot">
-          <p:childTnLst>
-            <p:seq concurrent="1" nextAc="seek">
-              <p:cTn id="2" dur="indefinite" nodeType="mainSeq">
-                <p:childTnLst>
-                  <p:par>
-                    <p:cTn id="3" fill="hold">
-                      <p:stCondLst>
-                        <p:cond delay="indefinite"/>
-                      </p:stCondLst>
-                      <p:childTnLst>
-                        <p:par>
-                          <p:cTn id="4" fill="hold">
-                            <p:stCondLst>
-                              <p:cond delay="0"/>
-                            </p:stCondLst>
-                            <p:childTnLst>
-                              <p:par>
-                                <p:cTn id="5" presetID="9" presetClass="entr" presetSubtype="0" fill="hold" nodeType="clickEffect">
-                                  <p:stCondLst>
-                                    <p:cond delay="0"/>
-                                  </p:stCondLst>
-                                  <p:childTnLst>
-                                    <p:set>
-                                      <p:cBhvr>
-                                        <p:cTn id="6" dur="1" fill="hold">
-                                          <p:stCondLst>
-                                            <p:cond delay="0"/>
-                                          </p:stCondLst>
-                                        </p:cTn>
-                                        <p:tgtEl>
-                                          <p:spTgt spid="3">
-                                            <p:txEl>
-                                              <p:pRg st="0" end="0"/>
-                                            </p:txEl>
-                                          </p:spTgt>
-                                        </p:tgtEl>
-                                        <p:attrNameLst>
-                                          <p:attrName>style.visibility</p:attrName>
-                                        </p:attrNameLst>
-                                      </p:cBhvr>
-                                      <p:to>
-                                        <p:strVal val="visible"/>
-                                      </p:to>
-                                    </p:set>
-                                    <p:animEffect transition="in" filter="dissolve">
-                                      <p:cBhvr>
-                                        <p:cTn id="7" dur="500"/>
-                                        <p:tgtEl>
-                                          <p:spTgt spid="3">
-                                            <p:txEl>
-                                              <p:pRg st="0" end="0"/>
-                                            </p:txEl>
-                                          </p:spTgt>
-                                        </p:tgtEl>
-                                      </p:cBhvr>
-                                    </p:animEffect>
-                                  </p:childTnLst>
-                                </p:cTn>
-                              </p:par>
-                            </p:childTnLst>
-                          </p:cTn>
-                        </p:par>
-                      </p:childTnLst>
-                    </p:cTn>
-                  </p:par>
-                  <p:par>
-                    <p:cTn id="8" fill="hold">
-                      <p:stCondLst>
-                        <p:cond delay="indefinite"/>
-                      </p:stCondLst>
-                      <p:childTnLst>
-                        <p:par>
-                          <p:cTn id="9" fill="hold">
-                            <p:stCondLst>
-                              <p:cond delay="0"/>
-                            </p:stCondLst>
-                            <p:childTnLst>
-                              <p:par>
-                                <p:cTn id="10" presetID="9" presetClass="entr" presetSubtype="0" fill="hold" nodeType="clickEffect">
-                                  <p:stCondLst>
-                                    <p:cond delay="0"/>
-                                  </p:stCondLst>
-                                  <p:childTnLst>
-                                    <p:set>
-                                      <p:cBhvr>
-                                        <p:cTn id="11" dur="1" fill="hold">
-                                          <p:stCondLst>
-                                            <p:cond delay="0"/>
-                                          </p:stCondLst>
-                                        </p:cTn>
-                                        <p:tgtEl>
-                                          <p:spTgt spid="3">
-                                            <p:txEl>
-                                              <p:pRg st="2" end="2"/>
-                                            </p:txEl>
-                                          </p:spTgt>
-                                        </p:tgtEl>
-                                        <p:attrNameLst>
-                                          <p:attrName>style.visibility</p:attrName>
-                                        </p:attrNameLst>
-                                      </p:cBhvr>
-                                      <p:to>
-                                        <p:strVal val="visible"/>
-                                      </p:to>
-                                    </p:set>
-                                    <p:animEffect transition="in" filter="dissolve">
-                                      <p:cBhvr>
-                                        <p:cTn id="12" dur="500"/>
-                                        <p:tgtEl>
-                                          <p:spTgt spid="3">
-                                            <p:txEl>
-                                              <p:pRg st="2" end="2"/>
-                                            </p:txEl>
-                                          </p:spTgt>
-                                        </p:tgtEl>
-                                      </p:cBhvr>
-                                    </p:animEffect>
-                                  </p:childTnLst>
-                                </p:cTn>
-                              </p:par>
-                            </p:childTnLst>
-                          </p:cTn>
-                        </p:par>
-                      </p:childTnLst>
-                    </p:cTn>
-                  </p:par>
-                  <p:par>
-                    <p:cTn id="13" fill="hold">
-                      <p:stCondLst>
-                        <p:cond delay="indefinite"/>
-                      </p:stCondLst>
-                      <p:childTnLst>
-                        <p:par>
-                          <p:cTn id="14" fill="hold">
-                            <p:stCondLst>
-                              <p:cond delay="0"/>
-                            </p:stCondLst>
-                            <p:childTnLst>
-                              <p:par>
-                                <p:cTn id="15" presetID="9" presetClass="entr" presetSubtype="0" fill="hold" nodeType="clickEffect">
-                                  <p:stCondLst>
-                                    <p:cond delay="0"/>
-                                  </p:stCondLst>
-                                  <p:childTnLst>
-                                    <p:set>
-                                      <p:cBhvr>
-                                        <p:cTn id="16" dur="1" fill="hold">
-                                          <p:stCondLst>
-                                            <p:cond delay="0"/>
-                                          </p:stCondLst>
-                                        </p:cTn>
-                                        <p:tgtEl>
-                                          <p:spTgt spid="3">
-                                            <p:txEl>
-                                              <p:pRg st="4" end="4"/>
-                                            </p:txEl>
-                                          </p:spTgt>
-                                        </p:tgtEl>
-                                        <p:attrNameLst>
-                                          <p:attrName>style.visibility</p:attrName>
-                                        </p:attrNameLst>
-                                      </p:cBhvr>
-                                      <p:to>
-                                        <p:strVal val="visible"/>
-                                      </p:to>
-                                    </p:set>
-                                    <p:animEffect transition="in" filter="dissolve">
-                                      <p:cBhvr>
-                                        <p:cTn id="17" dur="500"/>
-                                        <p:tgtEl>
-                                          <p:spTgt spid="3">
-                                            <p:txEl>
-                                              <p:pRg st="4" end="4"/>
-                                            </p:txEl>
-                                          </p:spTgt>
-                                        </p:tgtEl>
-                                      </p:cBhvr>
-                                    </p:animEffect>
-                                  </p:childTnLst>
-                                </p:cTn>
-                              </p:par>
-                            </p:childTnLst>
-                          </p:cTn>
-                        </p:par>
-                      </p:childTnLst>
-                    </p:cTn>
-                  </p:par>
-                </p:childTnLst>
-              </p:cTn>
-              <p:prevCondLst>
-                <p:cond evt="onPrev" delay="0">
-                  <p:tgtEl>
-                    <p:sldTgt/>
-                  </p:tgtEl>
-                </p:cond>
-              </p:prevCondLst>
-              <p:nextCondLst>
-                <p:cond evt="onNext" delay="0">
-                  <p:tgtEl>
-                    <p:sldTgt/>
-                  </p:tgtEl>
-                </p:cond>
-              </p:nextCondLst>
-            </p:seq>
-          </p:childTnLst>
-        </p:cTn>
-      </p:par>
-    </p:tnLst>
-  </p:timing>
-</p:sld>
-</file>
-
-<file path=ppt/slides/slide20.xml><?xml version="1.0" encoding="utf-8"?>
+<file path=ppt/slides/slide23.xml><?xml version="1.0" encoding="utf-8"?>
 <p:sld xmlns:a="http://schemas.openxmlformats.org/drawingml/2006/main" xmlns:r="http://schemas.openxmlformats.org/officeDocument/2006/relationships" xmlns:p="http://schemas.openxmlformats.org/presentationml/2006/main">
   <p:cSld>
     <p:spTree>
@@ -17743,7 +18435,7 @@
 </p:sld>
 </file>
 
-<file path=ppt/slides/slide21.xml><?xml version="1.0" encoding="utf-8"?>
+<file path=ppt/slides/slide24.xml><?xml version="1.0" encoding="utf-8"?>
 <p:sld xmlns:a="http://schemas.openxmlformats.org/drawingml/2006/main" xmlns:r="http://schemas.openxmlformats.org/officeDocument/2006/relationships" xmlns:p="http://schemas.openxmlformats.org/presentationml/2006/main">
   <p:cSld>
     <p:spTree>
@@ -18334,7 +19026,7 @@
 </p:sld>
 </file>
 
-<file path=ppt/slides/slide22.xml><?xml version="1.0" encoding="utf-8"?>
+<file path=ppt/slides/slide25.xml><?xml version="1.0" encoding="utf-8"?>
 <p:sld xmlns:a="http://schemas.openxmlformats.org/drawingml/2006/main" xmlns:r="http://schemas.openxmlformats.org/officeDocument/2006/relationships" xmlns:p="http://schemas.openxmlformats.org/presentationml/2006/main">
   <p:cSld>
     <p:spTree>
@@ -20391,7 +21083,7 @@
         </p:spPr>
         <p:txBody>
           <a:bodyPr>
-            <a:normAutofit lnSpcReduction="10000"/>
+            <a:normAutofit/>
           </a:bodyPr>
           <a:lstStyle/>
           <a:p>
@@ -20404,22 +21096,26 @@
             <a:pPr lvl="1"/>
             <a:r>
               <a:rPr lang="en-US" sz="2600" dirty="0" smtClean="0"/>
-              <a:t>Zero-one Loss for the classification problems</a:t>
+              <a:t>Zero-one Loss for </a:t>
+            </a:r>
+            <a:r>
+              <a:rPr lang="en-US" sz="2600" dirty="0" smtClean="0"/>
+              <a:t>our classification </a:t>
+            </a:r>
+            <a:r>
+              <a:rPr lang="en-US" sz="2600" dirty="0" smtClean="0"/>
+              <a:t>problems</a:t>
             </a:r>
             <a:endParaRPr lang="en-US" sz="2600" dirty="0"/>
           </a:p>
           <a:p>
             <a:r>
               <a:rPr lang="en-US" sz="2800" dirty="0" smtClean="0"/>
-              <a:t>Choose hypothesis classes </a:t>
-            </a:r>
-            <a:r>
-              <a:rPr lang="en-US" sz="2800" dirty="0" err="1" smtClean="0"/>
-              <a:t>H</a:t>
-            </a:r>
-            <a:r>
-              <a:rPr lang="en-US" sz="2800" baseline="-25000" dirty="0" err="1" smtClean="0"/>
-              <a:t>n</a:t>
+              <a:t>Choose </a:t>
+            </a:r>
+            <a:r>
+              <a:rPr lang="en-US" sz="2800" dirty="0" smtClean="0"/>
+              <a:t>Classifiers</a:t>
             </a:r>
             <a:endParaRPr lang="en-US" sz="2800" dirty="0" smtClean="0"/>
           </a:p>
@@ -20427,18 +21123,16 @@
             <a:pPr lvl="1"/>
             <a:r>
               <a:rPr lang="en-US" sz="2400" dirty="0" smtClean="0"/>
-              <a:t>Naïve Bayes</a:t>
-            </a:r>
-          </a:p>
-          <a:p>
-            <a:pPr lvl="1"/>
+              <a:t>Naïve </a:t>
+            </a:r>
             <a:r>
               <a:rPr lang="en-US" sz="2400" dirty="0" smtClean="0"/>
-              <a:t>SVM</a:t>
-            </a:r>
-          </a:p>
-          <a:p>
-            <a:pPr lvl="1"/>
+              <a:t>Bayes, SVM</a:t>
+            </a:r>
+            <a:r>
+              <a:rPr lang="en-US" sz="2400" dirty="0" smtClean="0"/>
+              <a:t>, </a:t>
+            </a:r>
             <a:r>
               <a:rPr lang="en-US" sz="2400" dirty="0" smtClean="0"/>
               <a:t>Multi-layer </a:t>
@@ -20447,20 +21141,19 @@
               <a:rPr lang="en-US" sz="2400" dirty="0" smtClean="0"/>
               <a:t>Perceptron</a:t>
             </a:r>
-            <a:endParaRPr lang="en-US" sz="2400" dirty="0" smtClean="0"/>
           </a:p>
           <a:p>
             <a:r>
               <a:rPr lang="en-US" sz="2800" dirty="0" smtClean="0"/>
-              <a:t>For each H</a:t>
-            </a:r>
-            <a:r>
-              <a:rPr lang="en-US" sz="2800" baseline="-25000" dirty="0" smtClean="0"/>
-              <a:t>i</a:t>
+              <a:t>For each </a:t>
             </a:r>
             <a:r>
               <a:rPr lang="en-US" sz="2800" dirty="0" smtClean="0"/>
-              <a:t>, find f which </a:t>
+              <a:t>classifier, </a:t>
+            </a:r>
+            <a:r>
+              <a:rPr lang="en-US" sz="2800" dirty="0" smtClean="0"/>
+              <a:t>find f which </a:t>
             </a:r>
             <a:r>
               <a:rPr lang="en-US" sz="2800" dirty="0"/>
@@ -20474,15 +21167,11 @@
           <a:p>
             <a:r>
               <a:rPr lang="en-US" sz="2800" dirty="0" smtClean="0"/>
-              <a:t>Choose H</a:t>
-            </a:r>
-            <a:r>
-              <a:rPr lang="en-US" sz="2800" baseline="-25000" dirty="0" smtClean="0"/>
-              <a:t>i</a:t>
-            </a:r>
-            <a:r>
-              <a:rPr lang="en-US" sz="2800" dirty="0" smtClean="0"/>
-              <a:t> </a:t>
+              <a:t>Choose </a:t>
+            </a:r>
+            <a:r>
+              <a:rPr lang="en-US" sz="2800" dirty="0"/>
+              <a:t>classifier </a:t>
             </a:r>
             <a:r>
               <a:rPr lang="en-US" sz="2800" dirty="0"/>
@@ -20548,7 +21237,7 @@
           <a:p>
             <a:r>
               <a:rPr lang="en-US" sz="4400" dirty="0" smtClean="0"/>
-              <a:t>Classifiers</a:t>
+              <a:t>Classifier Tuning</a:t>
             </a:r>
             <a:endParaRPr lang="en-US" sz="4400" dirty="0"/>
           </a:p>
@@ -20572,14 +21261,114 @@
           <a:lstStyle/>
           <a:p>
             <a:r>
+              <a:rPr lang="en-US" sz="2800" b="1" dirty="0" smtClean="0"/>
+              <a:t>Naïve </a:t>
+            </a:r>
+            <a:r>
+              <a:rPr lang="en-US" sz="2800" b="1" dirty="0" smtClean="0"/>
+              <a:t>Bayes</a:t>
+            </a:r>
+          </a:p>
+          <a:p>
+            <a:pPr lvl="1"/>
+            <a:r>
+              <a:rPr lang="de-DE" sz="2800" dirty="0"/>
+              <a:t>K: </a:t>
+            </a:r>
+            <a:r>
+              <a:rPr lang="de-DE" sz="2800" dirty="0" err="1"/>
+              <a:t>whether</a:t>
+            </a:r>
+            <a:r>
+              <a:rPr lang="de-DE" sz="2800" dirty="0"/>
+              <a:t> </a:t>
+            </a:r>
+            <a:r>
+              <a:rPr lang="de-DE" sz="2800" dirty="0" err="1"/>
+              <a:t>to</a:t>
+            </a:r>
+            <a:r>
+              <a:rPr lang="de-DE" sz="2800" dirty="0"/>
+              <a:t> </a:t>
+            </a:r>
+            <a:r>
+              <a:rPr lang="de-DE" sz="2800" dirty="0" err="1"/>
+              <a:t>use</a:t>
+            </a:r>
+            <a:r>
+              <a:rPr lang="de-DE" sz="2800" dirty="0"/>
+              <a:t> </a:t>
+            </a:r>
+            <a:r>
+              <a:rPr lang="de-DE" sz="2800" dirty="0" err="1"/>
+              <a:t>kernel</a:t>
+            </a:r>
+            <a:r>
+              <a:rPr lang="de-DE" sz="2800" dirty="0"/>
+              <a:t> </a:t>
+            </a:r>
+            <a:r>
+              <a:rPr lang="de-DE" sz="2800" dirty="0" err="1" smtClean="0"/>
+              <a:t>estimator</a:t>
+            </a:r>
+            <a:endParaRPr lang="de-DE" sz="2800" dirty="0" smtClean="0"/>
+          </a:p>
+          <a:p>
+            <a:pPr lvl="1"/>
+            <a:r>
+              <a:rPr lang="de-DE" sz="2800" dirty="0"/>
+              <a:t>D: </a:t>
+            </a:r>
+            <a:r>
+              <a:rPr lang="de-DE" sz="2800" dirty="0" err="1"/>
+              <a:t>whether</a:t>
+            </a:r>
+            <a:r>
+              <a:rPr lang="de-DE" sz="2800" dirty="0"/>
+              <a:t> </a:t>
+            </a:r>
+            <a:r>
+              <a:rPr lang="de-DE" sz="2800" dirty="0" err="1"/>
+              <a:t>to</a:t>
+            </a:r>
+            <a:r>
+              <a:rPr lang="de-DE" sz="2800" dirty="0"/>
+              <a:t> </a:t>
+            </a:r>
+            <a:r>
+              <a:rPr lang="de-DE" sz="2800" dirty="0" err="1"/>
+              <a:t>use</a:t>
+            </a:r>
+            <a:r>
+              <a:rPr lang="de-DE" sz="2800" dirty="0"/>
+              <a:t> </a:t>
+            </a:r>
+            <a:r>
+              <a:rPr lang="de-DE" sz="2800" dirty="0" err="1"/>
+              <a:t>supervised</a:t>
+            </a:r>
+            <a:r>
+              <a:rPr lang="de-DE" sz="2800" dirty="0"/>
+              <a:t> </a:t>
+            </a:r>
+            <a:r>
+              <a:rPr lang="de-DE" sz="2800" dirty="0" err="1"/>
+              <a:t>discretization</a:t>
+            </a:r>
+            <a:endParaRPr lang="de-DE" sz="2800" dirty="0"/>
+          </a:p>
+          <a:p>
+            <a:r>
               <a:rPr lang="en-US" sz="2800" dirty="0" smtClean="0"/>
-              <a:t>Naïve Bayes</a:t>
-            </a:r>
-          </a:p>
-          <a:p>
+              <a:t>Support </a:t>
+            </a:r>
             <a:r>
               <a:rPr lang="en-US" sz="2800" dirty="0" smtClean="0"/>
-              <a:t>Support Vector Machine</a:t>
+              <a:t>Vector </a:t>
+            </a:r>
+            <a:r>
+              <a:rPr lang="en-US" sz="2800" dirty="0" smtClean="0"/>
+              <a:t>Machine</a:t>
             </a:r>
           </a:p>
           <a:p>
@@ -20634,50 +21423,109 @@
       </p:grpSpPr>
       <p:sp>
         <p:nvSpPr>
-          <p:cNvPr id="4" name="Title 3"/>
+          <p:cNvPr id="2" name="Title 1"/>
           <p:cNvSpPr>
             <a:spLocks noGrp="1"/>
           </p:cNvSpPr>
           <p:nvPr>
-            <p:ph type="ctrTitle"/>
+            <p:ph type="title"/>
           </p:nvPr>
         </p:nvSpPr>
         <p:spPr/>
         <p:txBody>
-          <a:bodyPr/>
+          <a:bodyPr>
+            <a:normAutofit/>
+          </a:bodyPr>
           <a:lstStyle/>
           <a:p>
             <a:r>
-              <a:rPr lang="en-US" dirty="0" smtClean="0"/>
-              <a:t>Test result analysis</a:t>
-            </a:r>
-            <a:endParaRPr lang="en-US" dirty="0"/>
+              <a:rPr lang="en-US" sz="4400" dirty="0" smtClean="0"/>
+              <a:t>Classifier Tuning</a:t>
+            </a:r>
+            <a:endParaRPr lang="en-US" sz="4400" dirty="0"/>
           </a:p>
         </p:txBody>
       </p:sp>
       <p:sp>
         <p:nvSpPr>
-          <p:cNvPr id="5" name="Subtitle 4"/>
+          <p:cNvPr id="3" name="Content Placeholder 2"/>
           <p:cNvSpPr>
             <a:spLocks noGrp="1"/>
           </p:cNvSpPr>
           <p:nvPr>
-            <p:ph type="subTitle" idx="1"/>
+            <p:ph idx="1"/>
           </p:nvPr>
         </p:nvSpPr>
         <p:spPr/>
         <p:txBody>
-          <a:bodyPr/>
+          <a:bodyPr>
+            <a:normAutofit fontScale="92500" lnSpcReduction="10000"/>
+          </a:bodyPr>
           <a:lstStyle/>
           <a:p>
-            <a:endParaRPr lang="en-US"/>
+            <a:r>
+              <a:rPr lang="en-US" sz="2800" dirty="0" smtClean="0"/>
+              <a:t>Naïve Bayes</a:t>
+            </a:r>
+          </a:p>
+          <a:p>
+            <a:r>
+              <a:rPr lang="en-US" sz="2800" b="1" dirty="0" smtClean="0"/>
+              <a:t>Support Vector </a:t>
+            </a:r>
+            <a:r>
+              <a:rPr lang="en-US" sz="2800" b="1" dirty="0" smtClean="0"/>
+              <a:t>Machine</a:t>
+            </a:r>
+          </a:p>
+          <a:p>
+            <a:pPr lvl="1"/>
+            <a:r>
+              <a:rPr lang="en-US" sz="2600" dirty="0" smtClean="0"/>
+              <a:t>Complexity Parameter C</a:t>
+            </a:r>
+          </a:p>
+          <a:p>
+            <a:pPr lvl="1"/>
+            <a:r>
+              <a:rPr lang="en-US" sz="2600" dirty="0"/>
+              <a:t>The C parameter </a:t>
+            </a:r>
+            <a:r>
+              <a:rPr lang="en-US" sz="2600" dirty="0" smtClean="0"/>
+              <a:t>tells SVM optimization how much misclassification should be avoided in training.</a:t>
+            </a:r>
+            <a:endParaRPr lang="en-US" sz="2600" dirty="0"/>
+          </a:p>
+          <a:p>
+            <a:pPr lvl="1"/>
+            <a:r>
+              <a:rPr lang="en-US" sz="2600" dirty="0" smtClean="0"/>
+              <a:t>For large values of C, optimization tends to choose a smaller-margin </a:t>
+            </a:r>
+            <a:r>
+              <a:rPr lang="en-US" sz="2600" dirty="0" err="1" smtClean="0"/>
+              <a:t>hyperplain</a:t>
+            </a:r>
+            <a:r>
+              <a:rPr lang="en-US" sz="2600" dirty="0" smtClean="0"/>
+              <a:t> if it does a better job in classifying training data.</a:t>
+            </a:r>
+            <a:endParaRPr lang="en-US" sz="2600" dirty="0" smtClean="0"/>
+          </a:p>
+          <a:p>
+            <a:r>
+              <a:rPr lang="en-US" sz="2800" dirty="0" smtClean="0"/>
+              <a:t>Multi-layer Perceptron</a:t>
+            </a:r>
+            <a:endParaRPr lang="en-US" sz="2800" dirty="0"/>
           </a:p>
         </p:txBody>
       </p:sp>
     </p:spTree>
     <p:extLst>
       <p:ext uri="{BB962C8B-B14F-4D97-AF65-F5344CB8AC3E}">
-        <p14:creationId xmlns:p14="http://schemas.microsoft.com/office/powerpoint/2010/main" val="292218004"/>
+        <p14:creationId xmlns:p14="http://schemas.microsoft.com/office/powerpoint/2010/main" val="1323524370"/>
       </p:ext>
     </p:extLst>
   </p:cSld>

--- a/PPTGroup10.pptx
+++ b/PPTGroup10.pptx
@@ -180,7 +180,6 @@
           </a:p>
         </c:rich>
       </c:tx>
-      <c:layout/>
       <c:overlay val="0"/>
       <c:spPr>
         <a:noFill/>
@@ -371,11 +370,11 @@
         </c:dLbls>
         <c:gapWidth val="219"/>
         <c:overlap val="-27"/>
-        <c:axId val="-2096646400"/>
-        <c:axId val="-2096412336"/>
+        <c:axId val="2143896944"/>
+        <c:axId val="2143420464"/>
       </c:barChart>
       <c:catAx>
-        <c:axId val="-2096646400"/>
+        <c:axId val="2143896944"/>
         <c:scaling>
           <c:orientation val="minMax"/>
         </c:scaling>
@@ -418,7 +417,7 @@
             <a:endParaRPr lang="en-US"/>
           </a:p>
         </c:txPr>
-        <c:crossAx val="-2096412336"/>
+        <c:crossAx val="2143420464"/>
         <c:crosses val="autoZero"/>
         <c:auto val="1"/>
         <c:lblAlgn val="ctr"/>
@@ -426,7 +425,7 @@
         <c:noMultiLvlLbl val="0"/>
       </c:catAx>
       <c:valAx>
-        <c:axId val="-2096412336"/>
+        <c:axId val="2143420464"/>
         <c:scaling>
           <c:orientation val="minMax"/>
         </c:scaling>
@@ -477,7 +476,7 @@
             <a:endParaRPr lang="en-US"/>
           </a:p>
         </c:txPr>
-        <c:crossAx val="-2096646400"/>
+        <c:crossAx val="2143896944"/>
         <c:crosses val="autoZero"/>
         <c:crossBetween val="between"/>
       </c:valAx>
@@ -491,7 +490,6 @@
     </c:plotArea>
     <c:legend>
       <c:legendPos val="b"/>
-      <c:layout/>
       <c:overlay val="0"/>
       <c:spPr>
         <a:noFill/>
@@ -779,11 +777,11 @@
         </c:dLbls>
         <c:gapWidth val="219"/>
         <c:overlap val="-27"/>
-        <c:axId val="2120530160"/>
-        <c:axId val="-2095536096"/>
+        <c:axId val="2130584640"/>
+        <c:axId val="2130588032"/>
       </c:barChart>
       <c:catAx>
-        <c:axId val="2120530160"/>
+        <c:axId val="2130584640"/>
         <c:scaling>
           <c:orientation val="minMax"/>
         </c:scaling>
@@ -826,7 +824,7 @@
             <a:endParaRPr lang="en-US"/>
           </a:p>
         </c:txPr>
-        <c:crossAx val="-2095536096"/>
+        <c:crossAx val="2130588032"/>
         <c:crosses val="autoZero"/>
         <c:auto val="1"/>
         <c:lblAlgn val="ctr"/>
@@ -834,7 +832,7 @@
         <c:noMultiLvlLbl val="0"/>
       </c:catAx>
       <c:valAx>
-        <c:axId val="-2095536096"/>
+        <c:axId val="2130588032"/>
         <c:scaling>
           <c:orientation val="minMax"/>
         </c:scaling>
@@ -885,7 +883,7 @@
             <a:endParaRPr lang="en-US"/>
           </a:p>
         </c:txPr>
-        <c:crossAx val="2120530160"/>
+        <c:crossAx val="2130584640"/>
         <c:crosses val="autoZero"/>
         <c:crossBetween val="between"/>
       </c:valAx>
@@ -970,7 +968,6 @@
   </mc:AlternateContent>
   <c:chart>
     <c:title>
-      <c:layout/>
       <c:overlay val="0"/>
       <c:spPr>
         <a:noFill/>
@@ -1125,11 +1122,11 @@
         </c:dLbls>
         <c:gapWidth val="219"/>
         <c:overlap val="-27"/>
-        <c:axId val="-2097044304"/>
-        <c:axId val="-2097053264"/>
+        <c:axId val="2133910064"/>
+        <c:axId val="2133913440"/>
       </c:barChart>
       <c:catAx>
-        <c:axId val="-2097044304"/>
+        <c:axId val="2133910064"/>
         <c:scaling>
           <c:orientation val="minMax"/>
         </c:scaling>
@@ -1172,7 +1169,7 @@
             <a:endParaRPr lang="en-US"/>
           </a:p>
         </c:txPr>
-        <c:crossAx val="-2097053264"/>
+        <c:crossAx val="2133913440"/>
         <c:crosses val="autoZero"/>
         <c:auto val="1"/>
         <c:lblAlgn val="ctr"/>
@@ -1180,7 +1177,7 @@
         <c:noMultiLvlLbl val="0"/>
       </c:catAx>
       <c:valAx>
-        <c:axId val="-2097053264"/>
+        <c:axId val="2133913440"/>
         <c:scaling>
           <c:orientation val="minMax"/>
           <c:max val="100.0"/>
@@ -1232,7 +1229,7 @@
             <a:endParaRPr lang="en-US"/>
           </a:p>
         </c:txPr>
-        <c:crossAx val="-2097044304"/>
+        <c:crossAx val="2133910064"/>
         <c:crosses val="autoZero"/>
         <c:crossBetween val="between"/>
       </c:valAx>
@@ -1246,7 +1243,6 @@
     </c:plotArea>
     <c:legend>
       <c:legendPos val="b"/>
-      <c:layout/>
       <c:overlay val="0"/>
       <c:spPr>
         <a:noFill/>
@@ -1344,7 +1340,6 @@
           </a:p>
         </c:rich>
       </c:tx>
-      <c:layout/>
       <c:overlay val="0"/>
       <c:spPr>
         <a:noFill/>
@@ -1523,11 +1518,11 @@
         </c:dLbls>
         <c:gapWidth val="219"/>
         <c:overlap val="-27"/>
-        <c:axId val="-2136627808"/>
-        <c:axId val="-2096596544"/>
+        <c:axId val="2139292720"/>
+        <c:axId val="2126813536"/>
       </c:barChart>
       <c:catAx>
-        <c:axId val="-2136627808"/>
+        <c:axId val="2139292720"/>
         <c:scaling>
           <c:orientation val="minMax"/>
         </c:scaling>
@@ -1570,7 +1565,7 @@
             <a:endParaRPr lang="en-US"/>
           </a:p>
         </c:txPr>
-        <c:crossAx val="-2096596544"/>
+        <c:crossAx val="2126813536"/>
         <c:crosses val="autoZero"/>
         <c:auto val="1"/>
         <c:lblAlgn val="ctr"/>
@@ -1578,7 +1573,7 @@
         <c:noMultiLvlLbl val="0"/>
       </c:catAx>
       <c:valAx>
-        <c:axId val="-2096596544"/>
+        <c:axId val="2126813536"/>
         <c:scaling>
           <c:orientation val="minMax"/>
         </c:scaling>
@@ -1629,7 +1624,7 @@
             <a:endParaRPr lang="en-US"/>
           </a:p>
         </c:txPr>
-        <c:crossAx val="-2136627808"/>
+        <c:crossAx val="2139292720"/>
         <c:crosses val="autoZero"/>
         <c:crossBetween val="between"/>
       </c:valAx>
@@ -1643,7 +1638,6 @@
     </c:plotArea>
     <c:legend>
       <c:legendPos val="b"/>
-      <c:layout/>
       <c:overlay val="0"/>
       <c:spPr>
         <a:noFill/>
@@ -1749,7 +1743,6 @@
           </a:p>
         </c:rich>
       </c:tx>
-      <c:layout/>
       <c:overlay val="0"/>
       <c:spPr>
         <a:noFill/>
@@ -1928,11 +1921,11 @@
         </c:dLbls>
         <c:gapWidth val="219"/>
         <c:overlap val="-27"/>
-        <c:axId val="-2094305968"/>
-        <c:axId val="-2094592336"/>
+        <c:axId val="2141277472"/>
+        <c:axId val="2141280848"/>
       </c:barChart>
       <c:catAx>
-        <c:axId val="-2094305968"/>
+        <c:axId val="2141277472"/>
         <c:scaling>
           <c:orientation val="minMax"/>
         </c:scaling>
@@ -1975,7 +1968,7 @@
             <a:endParaRPr lang="en-US"/>
           </a:p>
         </c:txPr>
-        <c:crossAx val="-2094592336"/>
+        <c:crossAx val="2141280848"/>
         <c:crosses val="autoZero"/>
         <c:auto val="1"/>
         <c:lblAlgn val="ctr"/>
@@ -1983,7 +1976,7 @@
         <c:noMultiLvlLbl val="0"/>
       </c:catAx>
       <c:valAx>
-        <c:axId val="-2094592336"/>
+        <c:axId val="2141280848"/>
         <c:scaling>
           <c:orientation val="minMax"/>
         </c:scaling>
@@ -2034,7 +2027,7 @@
             <a:endParaRPr lang="en-US"/>
           </a:p>
         </c:txPr>
-        <c:crossAx val="-2094305968"/>
+        <c:crossAx val="2141277472"/>
         <c:crosses val="autoZero"/>
         <c:crossBetween val="between"/>
       </c:valAx>
@@ -2048,7 +2041,6 @@
     </c:plotArea>
     <c:legend>
       <c:legendPos val="b"/>
-      <c:layout/>
       <c:overlay val="0"/>
       <c:spPr>
         <a:noFill/>
@@ -2313,11 +2305,11 @@
         </c:dLbls>
         <c:gapWidth val="219"/>
         <c:overlap val="-27"/>
-        <c:axId val="-2094557904"/>
-        <c:axId val="-2094386672"/>
+        <c:axId val="2141300624"/>
+        <c:axId val="2143575584"/>
       </c:barChart>
       <c:catAx>
-        <c:axId val="-2094557904"/>
+        <c:axId val="2141300624"/>
         <c:scaling>
           <c:orientation val="minMax"/>
         </c:scaling>
@@ -2360,7 +2352,7 @@
             <a:endParaRPr lang="en-US"/>
           </a:p>
         </c:txPr>
-        <c:crossAx val="-2094386672"/>
+        <c:crossAx val="2143575584"/>
         <c:crosses val="autoZero"/>
         <c:auto val="1"/>
         <c:lblAlgn val="ctr"/>
@@ -2368,7 +2360,7 @@
         <c:noMultiLvlLbl val="0"/>
       </c:catAx>
       <c:valAx>
-        <c:axId val="-2094386672"/>
+        <c:axId val="2143575584"/>
         <c:scaling>
           <c:orientation val="minMax"/>
           <c:max val="80.0"/>
@@ -2421,7 +2413,7 @@
             <a:endParaRPr lang="en-US"/>
           </a:p>
         </c:txPr>
-        <c:crossAx val="-2094557904"/>
+        <c:crossAx val="2141300624"/>
         <c:crosses val="autoZero"/>
         <c:crossBetween val="between"/>
       </c:valAx>
@@ -2541,7 +2533,6 @@
           </a:p>
         </c:rich>
       </c:tx>
-      <c:layout/>
       <c:overlay val="0"/>
       <c:spPr>
         <a:noFill/>
@@ -2708,11 +2699,11 @@
         </c:dLbls>
         <c:gapWidth val="219"/>
         <c:overlap val="-27"/>
-        <c:axId val="-2096502640"/>
-        <c:axId val="-2117694576"/>
+        <c:axId val="2139737760"/>
+        <c:axId val="2139736160"/>
       </c:barChart>
       <c:catAx>
-        <c:axId val="-2096502640"/>
+        <c:axId val="2139737760"/>
         <c:scaling>
           <c:orientation val="minMax"/>
         </c:scaling>
@@ -2755,7 +2746,7 @@
             <a:endParaRPr lang="en-US"/>
           </a:p>
         </c:txPr>
-        <c:crossAx val="-2117694576"/>
+        <c:crossAx val="2139736160"/>
         <c:crosses val="autoZero"/>
         <c:auto val="1"/>
         <c:lblAlgn val="ctr"/>
@@ -2763,7 +2754,7 @@
         <c:noMultiLvlLbl val="0"/>
       </c:catAx>
       <c:valAx>
-        <c:axId val="-2117694576"/>
+        <c:axId val="2139736160"/>
         <c:scaling>
           <c:orientation val="minMax"/>
         </c:scaling>
@@ -2814,7 +2805,7 @@
             <a:endParaRPr lang="en-US"/>
           </a:p>
         </c:txPr>
-        <c:crossAx val="-2096502640"/>
+        <c:crossAx val="2139737760"/>
         <c:crosses val="autoZero"/>
         <c:crossBetween val="between"/>
       </c:valAx>
@@ -2828,7 +2819,6 @@
     </c:plotArea>
     <c:legend>
       <c:legendPos val="b"/>
-      <c:layout/>
       <c:overlay val="0"/>
       <c:spPr>
         <a:noFill/>
@@ -14891,21 +14881,13 @@
           <a:p>
             <a:r>
               <a:rPr lang="en-US" sz="2800" dirty="0" smtClean="0"/>
-              <a:t>Support Vector </a:t>
-            </a:r>
-            <a:r>
-              <a:rPr lang="en-US" sz="2800" dirty="0" smtClean="0"/>
-              <a:t>Machine</a:t>
+              <a:t>Support Vector Machine</a:t>
             </a:r>
           </a:p>
           <a:p>
             <a:r>
               <a:rPr lang="en-US" sz="2800" b="1" dirty="0" smtClean="0"/>
-              <a:t>Multi-layer </a:t>
-            </a:r>
-            <a:r>
-              <a:rPr lang="en-US" sz="2800" b="1" dirty="0" smtClean="0"/>
-              <a:t>Perceptron</a:t>
+              <a:t>Multi-layer Perceptron</a:t>
             </a:r>
             <a:endParaRPr lang="en-US" sz="2800" b="1" dirty="0"/>
           </a:p>
@@ -15076,7 +15058,6 @@
               <a:rPr lang="en-US" sz="2600" baseline="-25000" dirty="0" smtClean="0"/>
               <a:t>[*]</a:t>
             </a:r>
-            <a:endParaRPr lang="en-US" sz="2600" baseline="-25000" dirty="0" smtClean="0"/>
           </a:p>
         </p:txBody>
       </p:sp>
@@ -16695,11 +16676,7 @@
             </a:r>
             <a:r>
               <a:rPr lang="de-DE" sz="2800" dirty="0" smtClean="0"/>
-              <a:t>0</a:t>
-            </a:r>
-            <a:r>
-              <a:rPr lang="de-DE" sz="2800" dirty="0" smtClean="0"/>
-              <a:t>.5 </a:t>
+              <a:t>0.5 </a:t>
             </a:r>
             <a:r>
               <a:rPr lang="de-DE" sz="2800" dirty="0"/>
@@ -16725,11 +16702,7 @@
             </a:r>
             <a:r>
               <a:rPr lang="de-DE" sz="2800" dirty="0" smtClean="0"/>
-              <a:t>1</a:t>
-            </a:r>
-            <a:r>
-              <a:rPr lang="de-DE" sz="2800" dirty="0" smtClean="0"/>
-              <a:t>.0 </a:t>
+              <a:t>1.0 </a:t>
             </a:r>
             <a:r>
               <a:rPr lang="de-DE" sz="2800" dirty="0"/>
@@ -16806,7 +16779,6 @@
               <a:rPr lang="de-DE" sz="2800" dirty="0"/>
               <a:t> </a:t>
             </a:r>
-            <a:endParaRPr lang="de-DE" sz="2800" dirty="0"/>
           </a:p>
           <a:p>
             <a:pPr marL="0" indent="0">
@@ -21096,17 +21068,36 @@
             <a:pPr lvl="1"/>
             <a:r>
               <a:rPr lang="en-US" sz="2600" dirty="0" smtClean="0"/>
-              <a:t>Zero-one Loss for </a:t>
-            </a:r>
-            <a:r>
-              <a:rPr lang="en-US" sz="2600" dirty="0" smtClean="0"/>
-              <a:t>our classification </a:t>
-            </a:r>
-            <a:r>
-              <a:rPr lang="en-US" sz="2600" dirty="0" smtClean="0"/>
-              <a:t>problems</a:t>
+              <a:t>Zero-one Loss for our classification problems</a:t>
             </a:r>
             <a:endParaRPr lang="en-US" sz="2600" dirty="0"/>
+          </a:p>
+          <a:p>
+            <a:r>
+              <a:rPr lang="en-US" sz="2800" dirty="0" smtClean="0"/>
+              <a:t>Choose Classifiers</a:t>
+            </a:r>
+          </a:p>
+          <a:p>
+            <a:pPr lvl="1"/>
+            <a:r>
+              <a:rPr lang="en-US" sz="2400" dirty="0" smtClean="0"/>
+              <a:t>Naïve Bayes, SVM, Multi-layer Perceptron</a:t>
+            </a:r>
+          </a:p>
+          <a:p>
+            <a:r>
+              <a:rPr lang="en-US" sz="2800" dirty="0" smtClean="0"/>
+              <a:t>For each classifier, find f which </a:t>
+            </a:r>
+            <a:r>
+              <a:rPr lang="en-US" sz="2800" dirty="0"/>
+              <a:t>minimizes </a:t>
+            </a:r>
+            <a:r>
+              <a:rPr lang="en-US" sz="2800" dirty="0" smtClean="0"/>
+              <a:t>training error and test f on validation set</a:t>
+            </a:r>
           </a:p>
           <a:p>
             <a:r>
@@ -21114,68 +21105,8 @@
               <a:t>Choose </a:t>
             </a:r>
             <a:r>
-              <a:rPr lang="en-US" sz="2800" dirty="0" smtClean="0"/>
-              <a:t>Classifiers</a:t>
-            </a:r>
-            <a:endParaRPr lang="en-US" sz="2800" dirty="0" smtClean="0"/>
-          </a:p>
-          <a:p>
-            <a:pPr lvl="1"/>
-            <a:r>
-              <a:rPr lang="en-US" sz="2400" dirty="0" smtClean="0"/>
-              <a:t>Naïve </a:t>
-            </a:r>
-            <a:r>
-              <a:rPr lang="en-US" sz="2400" dirty="0" smtClean="0"/>
-              <a:t>Bayes, SVM</a:t>
-            </a:r>
-            <a:r>
-              <a:rPr lang="en-US" sz="2400" dirty="0" smtClean="0"/>
-              <a:t>, </a:t>
-            </a:r>
-            <a:r>
-              <a:rPr lang="en-US" sz="2400" dirty="0" smtClean="0"/>
-              <a:t>Multi-layer </a:t>
-            </a:r>
-            <a:r>
-              <a:rPr lang="en-US" sz="2400" dirty="0" smtClean="0"/>
-              <a:t>Perceptron</a:t>
-            </a:r>
-          </a:p>
-          <a:p>
-            <a:r>
-              <a:rPr lang="en-US" sz="2800" dirty="0" smtClean="0"/>
-              <a:t>For each </a:t>
-            </a:r>
-            <a:r>
-              <a:rPr lang="en-US" sz="2800" dirty="0" smtClean="0"/>
-              <a:t>classifier, </a:t>
-            </a:r>
-            <a:r>
-              <a:rPr lang="en-US" sz="2800" dirty="0" smtClean="0"/>
-              <a:t>find f which </a:t>
-            </a:r>
-            <a:r>
               <a:rPr lang="en-US" sz="2800" dirty="0"/>
-              <a:t>minimizes </a:t>
-            </a:r>
-            <a:r>
-              <a:rPr lang="en-US" sz="2800" dirty="0" smtClean="0"/>
-              <a:t>training error and test f on validation set</a:t>
-            </a:r>
-          </a:p>
-          <a:p>
-            <a:r>
-              <a:rPr lang="en-US" sz="2800" dirty="0" smtClean="0"/>
-              <a:t>Choose </a:t>
-            </a:r>
-            <a:r>
-              <a:rPr lang="en-US" sz="2800" dirty="0"/>
-              <a:t>classifier </a:t>
-            </a:r>
-            <a:r>
-              <a:rPr lang="en-US" sz="2800" dirty="0"/>
-              <a:t>with the least validation error</a:t>
+              <a:t>classifier with the least validation error</a:t>
             </a:r>
             <a:endParaRPr lang="en-US" sz="2800" dirty="0" smtClean="0"/>
           </a:p>
@@ -21262,11 +21193,7 @@
           <a:p>
             <a:r>
               <a:rPr lang="en-US" sz="2800" b="1" dirty="0" smtClean="0"/>
-              <a:t>Naïve </a:t>
-            </a:r>
-            <a:r>
-              <a:rPr lang="en-US" sz="2800" b="1" dirty="0" smtClean="0"/>
-              <a:t>Bayes</a:t>
+              <a:t>Naïve Bayes</a:t>
             </a:r>
           </a:p>
           <a:p>
@@ -21360,25 +21287,13 @@
           <a:p>
             <a:r>
               <a:rPr lang="en-US" sz="2800" dirty="0" smtClean="0"/>
-              <a:t>Support </a:t>
-            </a:r>
+              <a:t>Support Vector Machine</a:t>
+            </a:r>
+          </a:p>
+          <a:p>
             <a:r>
               <a:rPr lang="en-US" sz="2800" dirty="0" smtClean="0"/>
-              <a:t>Vector </a:t>
-            </a:r>
-            <a:r>
-              <a:rPr lang="en-US" sz="2800" dirty="0" smtClean="0"/>
-              <a:t>Machine</a:t>
-            </a:r>
-          </a:p>
-          <a:p>
-            <a:r>
-              <a:rPr lang="en-US" sz="2800" dirty="0" smtClean="0"/>
-              <a:t>Multi-layer </a:t>
-            </a:r>
-            <a:r>
-              <a:rPr lang="en-US" sz="2800" dirty="0" smtClean="0"/>
-              <a:t>Perceptron</a:t>
+              <a:t>Multi-layer Perceptron</a:t>
             </a:r>
             <a:endParaRPr lang="en-US" sz="2800" dirty="0"/>
           </a:p>
@@ -21471,11 +21386,7 @@
           <a:p>
             <a:r>
               <a:rPr lang="en-US" sz="2800" b="1" dirty="0" smtClean="0"/>
-              <a:t>Support Vector </a:t>
-            </a:r>
-            <a:r>
-              <a:rPr lang="en-US" sz="2800" b="1" dirty="0" smtClean="0"/>
-              <a:t>Machine</a:t>
+              <a:t>Support Vector Machine</a:t>
             </a:r>
           </a:p>
           <a:p>
@@ -21501,17 +21412,36 @@
             <a:pPr lvl="1"/>
             <a:r>
               <a:rPr lang="en-US" sz="2600" dirty="0" smtClean="0"/>
-              <a:t>For large values of C, optimization tends to choose a smaller-margin </a:t>
-            </a:r>
-            <a:r>
-              <a:rPr lang="en-US" sz="2600" dirty="0" err="1" smtClean="0"/>
-              <a:t>hyperplain</a:t>
+              <a:t>For large values of C, optimization tends to choose a </a:t>
+            </a:r>
+            <a:r>
+              <a:rPr lang="en-US" sz="2600" smtClean="0"/>
+              <a:t>smaller-margin </a:t>
+            </a:r>
+            <a:r>
+              <a:rPr lang="en-US" sz="2600" smtClean="0"/>
+              <a:t>hyper</a:t>
+            </a:r>
+            <a:r>
+              <a:rPr lang="en-US" altLang="zh-CN" sz="2600" smtClean="0"/>
+              <a:t>-</a:t>
+            </a:r>
+            <a:r>
+              <a:rPr lang="en-US" sz="2600" smtClean="0"/>
+              <a:t>plan</a:t>
+            </a:r>
+            <a:r>
+              <a:rPr lang="en-US" altLang="zh-CN" sz="2600" smtClean="0"/>
+              <a:t>e</a:t>
+            </a:r>
+            <a:r>
+              <a:rPr lang="en-US" sz="2600" smtClean="0"/>
+              <a:t> </a:t>
             </a:r>
             <a:r>
               <a:rPr lang="en-US" sz="2600" dirty="0" smtClean="0"/>
-              <a:t> if it does a better job in classifying training data.</a:t>
-            </a:r>
-            <a:endParaRPr lang="en-US" sz="2600" dirty="0" smtClean="0"/>
+              <a:t>if it does a better job in classifying training data.</a:t>
+            </a:r>
           </a:p>
           <a:p>
             <a:r>

--- a/PPTGroup10.pptx
+++ b/PPTGroup10.pptx
@@ -5,7 +5,7 @@
     <p:sldMasterId id="2147483648" r:id="rId1"/>
   </p:sldMasterIdLst>
   <p:notesMasterIdLst>
-    <p:notesMasterId r:id="rId27"/>
+    <p:notesMasterId r:id="rId28"/>
   </p:notesMasterIdLst>
   <p:sldIdLst>
     <p:sldId id="256" r:id="rId2"/>
@@ -16,23 +16,24 @@
     <p:sldId id="261" r:id="rId7"/>
     <p:sldId id="266" r:id="rId8"/>
     <p:sldId id="262" r:id="rId9"/>
-    <p:sldId id="286" r:id="rId10"/>
-    <p:sldId id="287" r:id="rId11"/>
-    <p:sldId id="285" r:id="rId12"/>
-    <p:sldId id="268" r:id="rId13"/>
+    <p:sldId id="284" r:id="rId10"/>
+    <p:sldId id="286" r:id="rId11"/>
+    <p:sldId id="279" r:id="rId12"/>
+    <p:sldId id="287" r:id="rId13"/>
     <p:sldId id="269" r:id="rId14"/>
-    <p:sldId id="270" r:id="rId15"/>
-    <p:sldId id="271" r:id="rId16"/>
-    <p:sldId id="272" r:id="rId17"/>
-    <p:sldId id="273" r:id="rId18"/>
-    <p:sldId id="279" r:id="rId19"/>
+    <p:sldId id="285" r:id="rId15"/>
+    <p:sldId id="268" r:id="rId16"/>
+    <p:sldId id="281" r:id="rId17"/>
+    <p:sldId id="282" r:id="rId18"/>
+    <p:sldId id="283" r:id="rId19"/>
     <p:sldId id="275" r:id="rId20"/>
     <p:sldId id="276" r:id="rId21"/>
     <p:sldId id="280" r:id="rId22"/>
-    <p:sldId id="284" r:id="rId23"/>
-    <p:sldId id="281" r:id="rId24"/>
-    <p:sldId id="282" r:id="rId25"/>
-    <p:sldId id="283" r:id="rId26"/>
+    <p:sldId id="270" r:id="rId23"/>
+    <p:sldId id="271" r:id="rId24"/>
+    <p:sldId id="272" r:id="rId25"/>
+    <p:sldId id="273" r:id="rId26"/>
+    <p:sldId id="288" r:id="rId27"/>
   </p:sldIdLst>
   <p:sldSz cx="12192000" cy="6858000"/>
   <p:notesSz cx="6858000" cy="9144000"/>
@@ -180,6 +181,1589 @@
           </a:p>
         </c:rich>
       </c:tx>
+      <c:layout/>
+      <c:overlay val="0"/>
+      <c:spPr>
+        <a:noFill/>
+        <a:ln>
+          <a:noFill/>
+        </a:ln>
+        <a:effectLst/>
+      </c:spPr>
+      <c:txPr>
+        <a:bodyPr rot="0" spcFirstLastPara="1" vertOverflow="ellipsis" vert="horz" wrap="square" anchor="ctr" anchorCtr="1"/>
+        <a:lstStyle/>
+        <a:p>
+          <a:pPr>
+            <a:defRPr sz="1862" b="0" i="0" u="none" strike="noStrike" kern="1200" spc="0" baseline="0">
+              <a:solidFill>
+                <a:schemeClr val="tx1">
+                  <a:lumMod val="65000"/>
+                  <a:lumOff val="35000"/>
+                </a:schemeClr>
+              </a:solidFill>
+              <a:latin typeface="+mn-lt"/>
+              <a:ea typeface="+mn-ea"/>
+              <a:cs typeface="+mn-cs"/>
+            </a:defRPr>
+          </a:pPr>
+          <a:endParaRPr lang="en-US"/>
+        </a:p>
+      </c:txPr>
+    </c:title>
+    <c:autoTitleDeleted val="0"/>
+    <c:plotArea>
+      <c:layout/>
+      <c:barChart>
+        <c:barDir val="col"/>
+        <c:grouping val="clustered"/>
+        <c:varyColors val="0"/>
+        <c:ser>
+          <c:idx val="0"/>
+          <c:order val="0"/>
+          <c:tx>
+            <c:strRef>
+              <c:f>Sheet1!$B$1</c:f>
+              <c:strCache>
+                <c:ptCount val="1"/>
+                <c:pt idx="0">
+                  <c:v>Correctness</c:v>
+                </c:pt>
+              </c:strCache>
+            </c:strRef>
+          </c:tx>
+          <c:spPr>
+            <a:solidFill>
+              <a:schemeClr val="accent1"/>
+            </a:solidFill>
+            <a:ln>
+              <a:noFill/>
+            </a:ln>
+            <a:effectLst/>
+          </c:spPr>
+          <c:invertIfNegative val="0"/>
+          <c:cat>
+            <c:strRef>
+              <c:f>Sheet1!$A$2:$A$4</c:f>
+              <c:strCache>
+                <c:ptCount val="3"/>
+                <c:pt idx="0">
+                  <c:v>K=F, D=F</c:v>
+                </c:pt>
+                <c:pt idx="1">
+                  <c:v>K=T, D=F</c:v>
+                </c:pt>
+                <c:pt idx="2">
+                  <c:v>K=F, D=T</c:v>
+                </c:pt>
+              </c:strCache>
+            </c:strRef>
+          </c:cat>
+          <c:val>
+            <c:numRef>
+              <c:f>Sheet1!$B$2:$B$4</c:f>
+              <c:numCache>
+                <c:formatCode>General</c:formatCode>
+                <c:ptCount val="3"/>
+                <c:pt idx="0">
+                  <c:v>64.1382</c:v>
+                </c:pt>
+                <c:pt idx="1">
+                  <c:v>74.18369999999998</c:v>
+                </c:pt>
+                <c:pt idx="2">
+                  <c:v>74.03870000000001</c:v>
+                </c:pt>
+              </c:numCache>
+            </c:numRef>
+          </c:val>
+        </c:ser>
+        <c:ser>
+          <c:idx val="1"/>
+          <c:order val="1"/>
+          <c:tx>
+            <c:strRef>
+              <c:f>Sheet1!$C$1</c:f>
+              <c:strCache>
+                <c:ptCount val="1"/>
+                <c:pt idx="0">
+                  <c:v>Root relative squared error</c:v>
+                </c:pt>
+              </c:strCache>
+            </c:strRef>
+          </c:tx>
+          <c:spPr>
+            <a:solidFill>
+              <a:schemeClr val="accent2"/>
+            </a:solidFill>
+            <a:ln>
+              <a:noFill/>
+            </a:ln>
+            <a:effectLst/>
+          </c:spPr>
+          <c:invertIfNegative val="0"/>
+          <c:cat>
+            <c:strRef>
+              <c:f>Sheet1!$A$2:$A$4</c:f>
+              <c:strCache>
+                <c:ptCount val="3"/>
+                <c:pt idx="0">
+                  <c:v>K=F, D=F</c:v>
+                </c:pt>
+                <c:pt idx="1">
+                  <c:v>K=T, D=F</c:v>
+                </c:pt>
+                <c:pt idx="2">
+                  <c:v>K=F, D=T</c:v>
+                </c:pt>
+              </c:strCache>
+            </c:strRef>
+          </c:cat>
+          <c:val>
+            <c:numRef>
+              <c:f>Sheet1!$C$2:$C$4</c:f>
+              <c:numCache>
+                <c:formatCode>General</c:formatCode>
+                <c:ptCount val="3"/>
+                <c:pt idx="0">
+                  <c:v>72.3271</c:v>
+                </c:pt>
+                <c:pt idx="1">
+                  <c:v>61.8014</c:v>
+                </c:pt>
+                <c:pt idx="2">
+                  <c:v>61.9984</c:v>
+                </c:pt>
+              </c:numCache>
+            </c:numRef>
+          </c:val>
+        </c:ser>
+        <c:dLbls>
+          <c:showLegendKey val="0"/>
+          <c:showVal val="0"/>
+          <c:showCatName val="0"/>
+          <c:showSerName val="0"/>
+          <c:showPercent val="0"/>
+          <c:showBubbleSize val="0"/>
+        </c:dLbls>
+        <c:gapWidth val="219"/>
+        <c:overlap val="-27"/>
+        <c:axId val="-750838416"/>
+        <c:axId val="-750834880"/>
+      </c:barChart>
+      <c:catAx>
+        <c:axId val="-750838416"/>
+        <c:scaling>
+          <c:orientation val="minMax"/>
+        </c:scaling>
+        <c:delete val="0"/>
+        <c:axPos val="b"/>
+        <c:numFmt formatCode="General" sourceLinked="1"/>
+        <c:majorTickMark val="none"/>
+        <c:minorTickMark val="none"/>
+        <c:tickLblPos val="nextTo"/>
+        <c:spPr>
+          <a:noFill/>
+          <a:ln w="9525" cap="flat" cmpd="sng" algn="ctr">
+            <a:solidFill>
+              <a:schemeClr val="tx1">
+                <a:lumMod val="15000"/>
+                <a:lumOff val="85000"/>
+              </a:schemeClr>
+            </a:solidFill>
+            <a:round/>
+          </a:ln>
+          <a:effectLst/>
+        </c:spPr>
+        <c:txPr>
+          <a:bodyPr rot="-60000000" spcFirstLastPara="1" vertOverflow="ellipsis" vert="horz" wrap="square" anchor="ctr" anchorCtr="1"/>
+          <a:lstStyle/>
+          <a:p>
+            <a:pPr>
+              <a:defRPr sz="1197" b="0" i="0" u="none" strike="noStrike" kern="1200" baseline="0">
+                <a:solidFill>
+                  <a:schemeClr val="tx1">
+                    <a:lumMod val="65000"/>
+                    <a:lumOff val="35000"/>
+                  </a:schemeClr>
+                </a:solidFill>
+                <a:latin typeface="+mn-lt"/>
+                <a:ea typeface="+mn-ea"/>
+                <a:cs typeface="+mn-cs"/>
+              </a:defRPr>
+            </a:pPr>
+            <a:endParaRPr lang="en-US"/>
+          </a:p>
+        </c:txPr>
+        <c:crossAx val="-750834880"/>
+        <c:crosses val="autoZero"/>
+        <c:auto val="1"/>
+        <c:lblAlgn val="ctr"/>
+        <c:lblOffset val="100"/>
+        <c:noMultiLvlLbl val="0"/>
+      </c:catAx>
+      <c:valAx>
+        <c:axId val="-750834880"/>
+        <c:scaling>
+          <c:orientation val="minMax"/>
+          <c:max val="80.0"/>
+          <c:min val="50.0"/>
+        </c:scaling>
+        <c:delete val="0"/>
+        <c:axPos val="l"/>
+        <c:majorGridlines>
+          <c:spPr>
+            <a:ln w="9525" cap="flat" cmpd="sng" algn="ctr">
+              <a:solidFill>
+                <a:schemeClr val="tx1">
+                  <a:lumMod val="15000"/>
+                  <a:lumOff val="85000"/>
+                </a:schemeClr>
+              </a:solidFill>
+              <a:round/>
+            </a:ln>
+            <a:effectLst/>
+          </c:spPr>
+        </c:majorGridlines>
+        <c:numFmt formatCode="General" sourceLinked="0"/>
+        <c:majorTickMark val="none"/>
+        <c:minorTickMark val="none"/>
+        <c:tickLblPos val="nextTo"/>
+        <c:spPr>
+          <a:noFill/>
+          <a:ln>
+            <a:noFill/>
+          </a:ln>
+          <a:effectLst/>
+        </c:spPr>
+        <c:txPr>
+          <a:bodyPr rot="-60000000" spcFirstLastPara="1" vertOverflow="ellipsis" vert="horz" wrap="square" anchor="ctr" anchorCtr="1"/>
+          <a:lstStyle/>
+          <a:p>
+            <a:pPr>
+              <a:defRPr sz="1197" b="0" i="0" u="none" strike="noStrike" kern="1200" baseline="0">
+                <a:solidFill>
+                  <a:schemeClr val="tx1">
+                    <a:lumMod val="65000"/>
+                    <a:lumOff val="35000"/>
+                  </a:schemeClr>
+                </a:solidFill>
+                <a:latin typeface="+mn-lt"/>
+                <a:ea typeface="+mn-ea"/>
+                <a:cs typeface="+mn-cs"/>
+              </a:defRPr>
+            </a:pPr>
+            <a:endParaRPr lang="en-US"/>
+          </a:p>
+        </c:txPr>
+        <c:crossAx val="-750838416"/>
+        <c:crosses val="autoZero"/>
+        <c:crossBetween val="between"/>
+      </c:valAx>
+      <c:spPr>
+        <a:noFill/>
+        <a:ln>
+          <a:noFill/>
+        </a:ln>
+        <a:effectLst/>
+      </c:spPr>
+    </c:plotArea>
+    <c:legend>
+      <c:legendPos val="b"/>
+      <c:layout/>
+      <c:overlay val="0"/>
+      <c:spPr>
+        <a:noFill/>
+        <a:ln>
+          <a:noFill/>
+        </a:ln>
+        <a:effectLst/>
+      </c:spPr>
+      <c:txPr>
+        <a:bodyPr rot="0" spcFirstLastPara="1" vertOverflow="ellipsis" vert="horz" wrap="square" anchor="ctr" anchorCtr="1"/>
+        <a:lstStyle/>
+        <a:p>
+          <a:pPr>
+            <a:defRPr sz="1197" b="0" i="0" u="none" strike="noStrike" kern="1200" baseline="0">
+              <a:solidFill>
+                <a:schemeClr val="tx1">
+                  <a:lumMod val="65000"/>
+                  <a:lumOff val="35000"/>
+                </a:schemeClr>
+              </a:solidFill>
+              <a:latin typeface="+mn-lt"/>
+              <a:ea typeface="+mn-ea"/>
+              <a:cs typeface="+mn-cs"/>
+            </a:defRPr>
+          </a:pPr>
+          <a:endParaRPr lang="en-US"/>
+        </a:p>
+      </c:txPr>
+    </c:legend>
+    <c:plotVisOnly val="1"/>
+    <c:dispBlanksAs val="gap"/>
+    <c:showDLblsOverMax val="0"/>
+  </c:chart>
+  <c:spPr>
+    <a:noFill/>
+    <a:ln>
+      <a:noFill/>
+    </a:ln>
+    <a:effectLst/>
+  </c:spPr>
+  <c:txPr>
+    <a:bodyPr/>
+    <a:lstStyle/>
+    <a:p>
+      <a:pPr>
+        <a:defRPr/>
+      </a:pPr>
+      <a:endParaRPr lang="en-US"/>
+    </a:p>
+  </c:txPr>
+  <c:externalData r:id="rId3">
+    <c:autoUpdate val="0"/>
+  </c:externalData>
+</c:chartSpace>
+</file>
+
+<file path=ppt/charts/chart2.xml><?xml version="1.0" encoding="utf-8"?>
+<c:chartSpace xmlns:c="http://schemas.openxmlformats.org/drawingml/2006/chart" xmlns:a="http://schemas.openxmlformats.org/drawingml/2006/main" xmlns:r="http://schemas.openxmlformats.org/officeDocument/2006/relationships">
+  <c:date1904 val="0"/>
+  <c:lang val="en-US"/>
+  <c:roundedCorners val="0"/>
+  <mc:AlternateContent xmlns:mc="http://schemas.openxmlformats.org/markup-compatibility/2006">
+    <mc:Choice xmlns:c14="http://schemas.microsoft.com/office/drawing/2007/8/2/chart" Requires="c14">
+      <c14:style val="102"/>
+    </mc:Choice>
+    <mc:Fallback>
+      <c:style val="2"/>
+    </mc:Fallback>
+  </mc:AlternateContent>
+  <c:chart>
+    <c:title>
+      <c:tx>
+        <c:rich>
+          <a:bodyPr rot="0" spcFirstLastPara="1" vertOverflow="ellipsis" vert="horz" wrap="square" anchor="ctr" anchorCtr="1"/>
+          <a:lstStyle/>
+          <a:p>
+            <a:pPr>
+              <a:defRPr sz="1862" b="0" i="0" u="none" strike="noStrike" kern="1200" spc="0" baseline="0">
+                <a:solidFill>
+                  <a:schemeClr val="tx1">
+                    <a:lumMod val="65000"/>
+                    <a:lumOff val="35000"/>
+                  </a:schemeClr>
+                </a:solidFill>
+                <a:latin typeface="+mn-lt"/>
+                <a:ea typeface="+mn-ea"/>
+                <a:cs typeface="+mn-cs"/>
+              </a:defRPr>
+            </a:pPr>
+            <a:r>
+              <a:rPr lang="en-US" dirty="0" smtClean="0"/>
+              <a:t>Digit</a:t>
+            </a:r>
+            <a:r>
+              <a:rPr lang="en-US" baseline="0" dirty="0" smtClean="0"/>
+              <a:t> </a:t>
+            </a:r>
+            <a:r>
+              <a:rPr lang="en-US" dirty="0" smtClean="0"/>
+              <a:t>Recognition</a:t>
+            </a:r>
+            <a:endParaRPr lang="en-US" dirty="0"/>
+          </a:p>
+        </c:rich>
+      </c:tx>
+      <c:layout/>
+      <c:overlay val="0"/>
+      <c:spPr>
+        <a:noFill/>
+        <a:ln>
+          <a:noFill/>
+        </a:ln>
+        <a:effectLst/>
+      </c:spPr>
+      <c:txPr>
+        <a:bodyPr rot="0" spcFirstLastPara="1" vertOverflow="ellipsis" vert="horz" wrap="square" anchor="ctr" anchorCtr="1"/>
+        <a:lstStyle/>
+        <a:p>
+          <a:pPr>
+            <a:defRPr sz="1862" b="0" i="0" u="none" strike="noStrike" kern="1200" spc="0" baseline="0">
+              <a:solidFill>
+                <a:schemeClr val="tx1">
+                  <a:lumMod val="65000"/>
+                  <a:lumOff val="35000"/>
+                </a:schemeClr>
+              </a:solidFill>
+              <a:latin typeface="+mn-lt"/>
+              <a:ea typeface="+mn-ea"/>
+              <a:cs typeface="+mn-cs"/>
+            </a:defRPr>
+          </a:pPr>
+          <a:endParaRPr lang="en-US"/>
+        </a:p>
+      </c:txPr>
+    </c:title>
+    <c:autoTitleDeleted val="0"/>
+    <c:plotArea>
+      <c:layout/>
+      <c:barChart>
+        <c:barDir val="col"/>
+        <c:grouping val="clustered"/>
+        <c:varyColors val="0"/>
+        <c:ser>
+          <c:idx val="0"/>
+          <c:order val="0"/>
+          <c:tx>
+            <c:strRef>
+              <c:f>Sheet1!$B$1</c:f>
+              <c:strCache>
+                <c:ptCount val="1"/>
+                <c:pt idx="0">
+                  <c:v>Correctness</c:v>
+                </c:pt>
+              </c:strCache>
+            </c:strRef>
+          </c:tx>
+          <c:spPr>
+            <a:solidFill>
+              <a:schemeClr val="accent1"/>
+            </a:solidFill>
+            <a:ln>
+              <a:noFill/>
+            </a:ln>
+            <a:effectLst/>
+          </c:spPr>
+          <c:invertIfNegative val="0"/>
+          <c:cat>
+            <c:strRef>
+              <c:f>Sheet1!$A$2:$A$4</c:f>
+              <c:strCache>
+                <c:ptCount val="3"/>
+                <c:pt idx="0">
+                  <c:v>K=F, D=F</c:v>
+                </c:pt>
+                <c:pt idx="1">
+                  <c:v>K=T, D=F</c:v>
+                </c:pt>
+                <c:pt idx="2">
+                  <c:v>K=F, D=T</c:v>
+                </c:pt>
+              </c:strCache>
+            </c:strRef>
+          </c:cat>
+          <c:val>
+            <c:numRef>
+              <c:f>Sheet1!$B$2:$B$4</c:f>
+              <c:numCache>
+                <c:formatCode>General</c:formatCode>
+                <c:ptCount val="3"/>
+                <c:pt idx="0">
+                  <c:v>91.2958</c:v>
+                </c:pt>
+                <c:pt idx="1">
+                  <c:v>92.0256</c:v>
+                </c:pt>
+                <c:pt idx="2">
+                  <c:v>92.0256</c:v>
+                </c:pt>
+              </c:numCache>
+            </c:numRef>
+          </c:val>
+        </c:ser>
+        <c:ser>
+          <c:idx val="1"/>
+          <c:order val="1"/>
+          <c:tx>
+            <c:strRef>
+              <c:f>Sheet1!$C$1</c:f>
+              <c:strCache>
+                <c:ptCount val="1"/>
+                <c:pt idx="0">
+                  <c:v>Root relative squared error</c:v>
+                </c:pt>
+              </c:strCache>
+            </c:strRef>
+          </c:tx>
+          <c:spPr>
+            <a:solidFill>
+              <a:schemeClr val="accent2"/>
+            </a:solidFill>
+            <a:ln>
+              <a:noFill/>
+            </a:ln>
+            <a:effectLst/>
+          </c:spPr>
+          <c:invertIfNegative val="0"/>
+          <c:cat>
+            <c:strRef>
+              <c:f>Sheet1!$A$2:$A$4</c:f>
+              <c:strCache>
+                <c:ptCount val="3"/>
+                <c:pt idx="0">
+                  <c:v>K=F, D=F</c:v>
+                </c:pt>
+                <c:pt idx="1">
+                  <c:v>K=T, D=F</c:v>
+                </c:pt>
+                <c:pt idx="2">
+                  <c:v>K=F, D=T</c:v>
+                </c:pt>
+              </c:strCache>
+            </c:strRef>
+          </c:cat>
+          <c:val>
+            <c:numRef>
+              <c:f>Sheet1!$C$2:$C$4</c:f>
+              <c:numCache>
+                <c:formatCode>General</c:formatCode>
+                <c:ptCount val="3"/>
+                <c:pt idx="0">
+                  <c:v>42.3396</c:v>
+                </c:pt>
+                <c:pt idx="1">
+                  <c:v>38.9948</c:v>
+                </c:pt>
+                <c:pt idx="2">
+                  <c:v>39.3713</c:v>
+                </c:pt>
+              </c:numCache>
+            </c:numRef>
+          </c:val>
+        </c:ser>
+        <c:dLbls>
+          <c:showLegendKey val="0"/>
+          <c:showVal val="0"/>
+          <c:showCatName val="0"/>
+          <c:showSerName val="0"/>
+          <c:showPercent val="0"/>
+          <c:showBubbleSize val="0"/>
+        </c:dLbls>
+        <c:gapWidth val="219"/>
+        <c:overlap val="-27"/>
+        <c:axId val="-750932240"/>
+        <c:axId val="-750929920"/>
+      </c:barChart>
+      <c:catAx>
+        <c:axId val="-750932240"/>
+        <c:scaling>
+          <c:orientation val="minMax"/>
+        </c:scaling>
+        <c:delete val="0"/>
+        <c:axPos val="b"/>
+        <c:numFmt formatCode="General" sourceLinked="1"/>
+        <c:majorTickMark val="none"/>
+        <c:minorTickMark val="none"/>
+        <c:tickLblPos val="nextTo"/>
+        <c:spPr>
+          <a:noFill/>
+          <a:ln w="9525" cap="flat" cmpd="sng" algn="ctr">
+            <a:solidFill>
+              <a:schemeClr val="tx1">
+                <a:lumMod val="15000"/>
+                <a:lumOff val="85000"/>
+              </a:schemeClr>
+            </a:solidFill>
+            <a:round/>
+          </a:ln>
+          <a:effectLst/>
+        </c:spPr>
+        <c:txPr>
+          <a:bodyPr rot="-60000000" spcFirstLastPara="1" vertOverflow="ellipsis" vert="horz" wrap="square" anchor="ctr" anchorCtr="1"/>
+          <a:lstStyle/>
+          <a:p>
+            <a:pPr>
+              <a:defRPr sz="1197" b="0" i="0" u="none" strike="noStrike" kern="1200" baseline="0">
+                <a:solidFill>
+                  <a:schemeClr val="tx1">
+                    <a:lumMod val="65000"/>
+                    <a:lumOff val="35000"/>
+                  </a:schemeClr>
+                </a:solidFill>
+                <a:latin typeface="+mn-lt"/>
+                <a:ea typeface="+mn-ea"/>
+                <a:cs typeface="+mn-cs"/>
+              </a:defRPr>
+            </a:pPr>
+            <a:endParaRPr lang="en-US"/>
+          </a:p>
+        </c:txPr>
+        <c:crossAx val="-750929920"/>
+        <c:crosses val="autoZero"/>
+        <c:auto val="1"/>
+        <c:lblAlgn val="ctr"/>
+        <c:lblOffset val="100"/>
+        <c:noMultiLvlLbl val="0"/>
+      </c:catAx>
+      <c:valAx>
+        <c:axId val="-750929920"/>
+        <c:scaling>
+          <c:orientation val="minMax"/>
+        </c:scaling>
+        <c:delete val="0"/>
+        <c:axPos val="l"/>
+        <c:majorGridlines>
+          <c:spPr>
+            <a:ln w="9525" cap="flat" cmpd="sng" algn="ctr">
+              <a:solidFill>
+                <a:schemeClr val="tx1">
+                  <a:lumMod val="15000"/>
+                  <a:lumOff val="85000"/>
+                </a:schemeClr>
+              </a:solidFill>
+              <a:round/>
+            </a:ln>
+            <a:effectLst/>
+          </c:spPr>
+        </c:majorGridlines>
+        <c:numFmt formatCode="General" sourceLinked="0"/>
+        <c:majorTickMark val="none"/>
+        <c:minorTickMark val="none"/>
+        <c:tickLblPos val="nextTo"/>
+        <c:spPr>
+          <a:noFill/>
+          <a:ln>
+            <a:noFill/>
+          </a:ln>
+          <a:effectLst/>
+        </c:spPr>
+        <c:txPr>
+          <a:bodyPr rot="-60000000" spcFirstLastPara="1" vertOverflow="ellipsis" vert="horz" wrap="square" anchor="ctr" anchorCtr="1"/>
+          <a:lstStyle/>
+          <a:p>
+            <a:pPr>
+              <a:defRPr sz="1197" b="0" i="0" u="none" strike="noStrike" kern="1200" baseline="0">
+                <a:solidFill>
+                  <a:schemeClr val="tx1">
+                    <a:lumMod val="65000"/>
+                    <a:lumOff val="35000"/>
+                  </a:schemeClr>
+                </a:solidFill>
+                <a:latin typeface="+mn-lt"/>
+                <a:ea typeface="+mn-ea"/>
+                <a:cs typeface="+mn-cs"/>
+              </a:defRPr>
+            </a:pPr>
+            <a:endParaRPr lang="en-US"/>
+          </a:p>
+        </c:txPr>
+        <c:crossAx val="-750932240"/>
+        <c:crosses val="autoZero"/>
+        <c:crossBetween val="between"/>
+      </c:valAx>
+      <c:spPr>
+        <a:noFill/>
+        <a:ln>
+          <a:noFill/>
+        </a:ln>
+        <a:effectLst/>
+      </c:spPr>
+    </c:plotArea>
+    <c:legend>
+      <c:legendPos val="b"/>
+      <c:layout/>
+      <c:overlay val="0"/>
+      <c:spPr>
+        <a:noFill/>
+        <a:ln>
+          <a:noFill/>
+        </a:ln>
+        <a:effectLst/>
+      </c:spPr>
+      <c:txPr>
+        <a:bodyPr rot="0" spcFirstLastPara="1" vertOverflow="ellipsis" vert="horz" wrap="square" anchor="ctr" anchorCtr="1"/>
+        <a:lstStyle/>
+        <a:p>
+          <a:pPr>
+            <a:defRPr sz="1197" b="0" i="0" u="none" strike="noStrike" kern="1200" baseline="0">
+              <a:solidFill>
+                <a:schemeClr val="tx1">
+                  <a:lumMod val="65000"/>
+                  <a:lumOff val="35000"/>
+                </a:schemeClr>
+              </a:solidFill>
+              <a:latin typeface="+mn-lt"/>
+              <a:ea typeface="+mn-ea"/>
+              <a:cs typeface="+mn-cs"/>
+            </a:defRPr>
+          </a:pPr>
+          <a:endParaRPr lang="en-US"/>
+        </a:p>
+      </c:txPr>
+    </c:legend>
+    <c:plotVisOnly val="1"/>
+    <c:dispBlanksAs val="gap"/>
+    <c:showDLblsOverMax val="0"/>
+  </c:chart>
+  <c:spPr>
+    <a:noFill/>
+    <a:ln>
+      <a:noFill/>
+    </a:ln>
+    <a:effectLst/>
+  </c:spPr>
+  <c:txPr>
+    <a:bodyPr/>
+    <a:lstStyle/>
+    <a:p>
+      <a:pPr>
+        <a:defRPr/>
+      </a:pPr>
+      <a:endParaRPr lang="en-US"/>
+    </a:p>
+  </c:txPr>
+  <c:externalData r:id="rId3">
+    <c:autoUpdate val="0"/>
+  </c:externalData>
+</c:chartSpace>
+</file>
+
+<file path=ppt/charts/chart3.xml><?xml version="1.0" encoding="utf-8"?>
+<c:chartSpace xmlns:c="http://schemas.openxmlformats.org/drawingml/2006/chart" xmlns:a="http://schemas.openxmlformats.org/drawingml/2006/main" xmlns:r="http://schemas.openxmlformats.org/officeDocument/2006/relationships">
+  <c:date1904 val="0"/>
+  <c:lang val="en-US"/>
+  <c:roundedCorners val="0"/>
+  <mc:AlternateContent xmlns:mc="http://schemas.openxmlformats.org/markup-compatibility/2006">
+    <mc:Choice xmlns:c14="http://schemas.microsoft.com/office/drawing/2007/8/2/chart" Requires="c14">
+      <c14:style val="102"/>
+    </mc:Choice>
+    <mc:Fallback>
+      <c:style val="2"/>
+    </mc:Fallback>
+  </mc:AlternateContent>
+  <c:chart>
+    <c:title>
+      <c:tx>
+        <c:rich>
+          <a:bodyPr rot="0" spcFirstLastPara="1" vertOverflow="ellipsis" vert="horz" wrap="square" anchor="ctr" anchorCtr="1"/>
+          <a:lstStyle/>
+          <a:p>
+            <a:pPr>
+              <a:defRPr sz="1862" b="0" i="0" u="none" strike="noStrike" kern="1200" spc="0" baseline="0">
+                <a:solidFill>
+                  <a:schemeClr val="tx1">
+                    <a:lumMod val="65000"/>
+                    <a:lumOff val="35000"/>
+                  </a:schemeClr>
+                </a:solidFill>
+                <a:latin typeface="+mn-lt"/>
+                <a:ea typeface="+mn-ea"/>
+                <a:cs typeface="+mn-cs"/>
+              </a:defRPr>
+            </a:pPr>
+            <a:r>
+              <a:rPr lang="en-US" dirty="0" smtClean="0"/>
+              <a:t>Letter Recognition</a:t>
+            </a:r>
+            <a:endParaRPr lang="en-US" dirty="0"/>
+          </a:p>
+        </c:rich>
+      </c:tx>
+      <c:layout/>
+      <c:overlay val="0"/>
+      <c:spPr>
+        <a:noFill/>
+        <a:ln>
+          <a:noFill/>
+        </a:ln>
+        <a:effectLst/>
+      </c:spPr>
+      <c:txPr>
+        <a:bodyPr rot="0" spcFirstLastPara="1" vertOverflow="ellipsis" vert="horz" wrap="square" anchor="ctr" anchorCtr="1"/>
+        <a:lstStyle/>
+        <a:p>
+          <a:pPr>
+            <a:defRPr sz="1862" b="0" i="0" u="none" strike="noStrike" kern="1200" spc="0" baseline="0">
+              <a:solidFill>
+                <a:schemeClr val="tx1">
+                  <a:lumMod val="65000"/>
+                  <a:lumOff val="35000"/>
+                </a:schemeClr>
+              </a:solidFill>
+              <a:latin typeface="+mn-lt"/>
+              <a:ea typeface="+mn-ea"/>
+              <a:cs typeface="+mn-cs"/>
+            </a:defRPr>
+          </a:pPr>
+          <a:endParaRPr lang="en-US"/>
+        </a:p>
+      </c:txPr>
+    </c:title>
+    <c:autoTitleDeleted val="0"/>
+    <c:plotArea>
+      <c:layout/>
+      <c:barChart>
+        <c:barDir val="col"/>
+        <c:grouping val="clustered"/>
+        <c:varyColors val="0"/>
+        <c:ser>
+          <c:idx val="0"/>
+          <c:order val="0"/>
+          <c:tx>
+            <c:strRef>
+              <c:f>Sheet1!$B$1</c:f>
+              <c:strCache>
+                <c:ptCount val="1"/>
+                <c:pt idx="0">
+                  <c:v>Correctness</c:v>
+                </c:pt>
+              </c:strCache>
+            </c:strRef>
+          </c:tx>
+          <c:spPr>
+            <a:solidFill>
+              <a:schemeClr val="accent1"/>
+            </a:solidFill>
+            <a:ln>
+              <a:noFill/>
+            </a:ln>
+            <a:effectLst/>
+          </c:spPr>
+          <c:invertIfNegative val="0"/>
+          <c:cat>
+            <c:strRef>
+              <c:f>Sheet1!$A$2:$A$5</c:f>
+              <c:strCache>
+                <c:ptCount val="4"/>
+                <c:pt idx="0">
+                  <c:v>C=0.5</c:v>
+                </c:pt>
+                <c:pt idx="1">
+                  <c:v>C=1.0</c:v>
+                </c:pt>
+                <c:pt idx="2">
+                  <c:v>C=1.5</c:v>
+                </c:pt>
+                <c:pt idx="3">
+                  <c:v>C=2.0</c:v>
+                </c:pt>
+              </c:strCache>
+            </c:strRef>
+          </c:cat>
+          <c:val>
+            <c:numRef>
+              <c:f>Sheet1!$B$2:$B$5</c:f>
+              <c:numCache>
+                <c:formatCode>General</c:formatCode>
+                <c:ptCount val="4"/>
+                <c:pt idx="0">
+                  <c:v>80.739</c:v>
+                </c:pt>
+                <c:pt idx="1">
+                  <c:v>82.37909999999998</c:v>
+                </c:pt>
+                <c:pt idx="2">
+                  <c:v>83.1542</c:v>
+                </c:pt>
+                <c:pt idx="3">
+                  <c:v>83.6092</c:v>
+                </c:pt>
+              </c:numCache>
+            </c:numRef>
+          </c:val>
+        </c:ser>
+        <c:ser>
+          <c:idx val="1"/>
+          <c:order val="1"/>
+          <c:tx>
+            <c:strRef>
+              <c:f>Sheet1!$C$1</c:f>
+              <c:strCache>
+                <c:ptCount val="1"/>
+                <c:pt idx="0">
+                  <c:v>Root relative squared error</c:v>
+                </c:pt>
+              </c:strCache>
+            </c:strRef>
+          </c:tx>
+          <c:spPr>
+            <a:solidFill>
+              <a:schemeClr val="accent2"/>
+            </a:solidFill>
+            <a:ln>
+              <a:noFill/>
+            </a:ln>
+            <a:effectLst/>
+          </c:spPr>
+          <c:invertIfNegative val="0"/>
+          <c:cat>
+            <c:strRef>
+              <c:f>Sheet1!$A$2:$A$5</c:f>
+              <c:strCache>
+                <c:ptCount val="4"/>
+                <c:pt idx="0">
+                  <c:v>C=0.5</c:v>
+                </c:pt>
+                <c:pt idx="1">
+                  <c:v>C=1.0</c:v>
+                </c:pt>
+                <c:pt idx="2">
+                  <c:v>C=1.5</c:v>
+                </c:pt>
+                <c:pt idx="3">
+                  <c:v>C=2.0</c:v>
+                </c:pt>
+              </c:strCache>
+            </c:strRef>
+          </c:cat>
+          <c:val>
+            <c:numRef>
+              <c:f>Sheet1!$C$2:$C$5</c:f>
+              <c:numCache>
+                <c:formatCode>General</c:formatCode>
+                <c:ptCount val="4"/>
+                <c:pt idx="0">
+                  <c:v>96.8279</c:v>
+                </c:pt>
+                <c:pt idx="1">
+                  <c:v>96.7869</c:v>
+                </c:pt>
+                <c:pt idx="2">
+                  <c:v>96.7669</c:v>
+                </c:pt>
+                <c:pt idx="3">
+                  <c:v>96.7546</c:v>
+                </c:pt>
+              </c:numCache>
+            </c:numRef>
+          </c:val>
+        </c:ser>
+        <c:dLbls>
+          <c:showLegendKey val="0"/>
+          <c:showVal val="0"/>
+          <c:showCatName val="0"/>
+          <c:showSerName val="0"/>
+          <c:showPercent val="0"/>
+          <c:showBubbleSize val="0"/>
+        </c:dLbls>
+        <c:gapWidth val="219"/>
+        <c:overlap val="-27"/>
+        <c:axId val="-753542480"/>
+        <c:axId val="-753540704"/>
+      </c:barChart>
+      <c:catAx>
+        <c:axId val="-753542480"/>
+        <c:scaling>
+          <c:orientation val="minMax"/>
+        </c:scaling>
+        <c:delete val="0"/>
+        <c:axPos val="b"/>
+        <c:numFmt formatCode="General" sourceLinked="1"/>
+        <c:majorTickMark val="none"/>
+        <c:minorTickMark val="none"/>
+        <c:tickLblPos val="nextTo"/>
+        <c:spPr>
+          <a:noFill/>
+          <a:ln w="9525" cap="flat" cmpd="sng" algn="ctr">
+            <a:solidFill>
+              <a:schemeClr val="tx1">
+                <a:lumMod val="15000"/>
+                <a:lumOff val="85000"/>
+              </a:schemeClr>
+            </a:solidFill>
+            <a:round/>
+          </a:ln>
+          <a:effectLst/>
+        </c:spPr>
+        <c:txPr>
+          <a:bodyPr rot="-60000000" spcFirstLastPara="1" vertOverflow="ellipsis" vert="horz" wrap="square" anchor="ctr" anchorCtr="1"/>
+          <a:lstStyle/>
+          <a:p>
+            <a:pPr>
+              <a:defRPr sz="1197" b="0" i="0" u="none" strike="noStrike" kern="1200" baseline="0">
+                <a:solidFill>
+                  <a:schemeClr val="tx1">
+                    <a:lumMod val="65000"/>
+                    <a:lumOff val="35000"/>
+                  </a:schemeClr>
+                </a:solidFill>
+                <a:latin typeface="+mn-lt"/>
+                <a:ea typeface="+mn-ea"/>
+                <a:cs typeface="+mn-cs"/>
+              </a:defRPr>
+            </a:pPr>
+            <a:endParaRPr lang="en-US"/>
+          </a:p>
+        </c:txPr>
+        <c:crossAx val="-753540704"/>
+        <c:crosses val="autoZero"/>
+        <c:auto val="1"/>
+        <c:lblAlgn val="ctr"/>
+        <c:lblOffset val="100"/>
+        <c:noMultiLvlLbl val="0"/>
+      </c:catAx>
+      <c:valAx>
+        <c:axId val="-753540704"/>
+        <c:scaling>
+          <c:orientation val="minMax"/>
+        </c:scaling>
+        <c:delete val="0"/>
+        <c:axPos val="l"/>
+        <c:majorGridlines>
+          <c:spPr>
+            <a:ln w="9525" cap="flat" cmpd="sng" algn="ctr">
+              <a:solidFill>
+                <a:schemeClr val="tx1">
+                  <a:lumMod val="15000"/>
+                  <a:lumOff val="85000"/>
+                </a:schemeClr>
+              </a:solidFill>
+              <a:round/>
+            </a:ln>
+            <a:effectLst/>
+          </c:spPr>
+        </c:majorGridlines>
+        <c:numFmt formatCode="General" sourceLinked="0"/>
+        <c:majorTickMark val="none"/>
+        <c:minorTickMark val="none"/>
+        <c:tickLblPos val="nextTo"/>
+        <c:spPr>
+          <a:noFill/>
+          <a:ln>
+            <a:noFill/>
+          </a:ln>
+          <a:effectLst/>
+        </c:spPr>
+        <c:txPr>
+          <a:bodyPr rot="-60000000" spcFirstLastPara="1" vertOverflow="ellipsis" vert="horz" wrap="square" anchor="ctr" anchorCtr="1"/>
+          <a:lstStyle/>
+          <a:p>
+            <a:pPr>
+              <a:defRPr sz="1197" b="0" i="0" u="none" strike="noStrike" kern="1200" baseline="0">
+                <a:solidFill>
+                  <a:schemeClr val="tx1">
+                    <a:lumMod val="65000"/>
+                    <a:lumOff val="35000"/>
+                  </a:schemeClr>
+                </a:solidFill>
+                <a:latin typeface="+mn-lt"/>
+                <a:ea typeface="+mn-ea"/>
+                <a:cs typeface="+mn-cs"/>
+              </a:defRPr>
+            </a:pPr>
+            <a:endParaRPr lang="en-US"/>
+          </a:p>
+        </c:txPr>
+        <c:crossAx val="-753542480"/>
+        <c:crosses val="autoZero"/>
+        <c:crossBetween val="between"/>
+      </c:valAx>
+      <c:spPr>
+        <a:noFill/>
+        <a:ln>
+          <a:noFill/>
+        </a:ln>
+        <a:effectLst/>
+      </c:spPr>
+    </c:plotArea>
+    <c:legend>
+      <c:legendPos val="b"/>
+      <c:layout/>
+      <c:overlay val="0"/>
+      <c:spPr>
+        <a:noFill/>
+        <a:ln>
+          <a:noFill/>
+        </a:ln>
+        <a:effectLst/>
+      </c:spPr>
+      <c:txPr>
+        <a:bodyPr rot="0" spcFirstLastPara="1" vertOverflow="ellipsis" vert="horz" wrap="square" anchor="ctr" anchorCtr="1"/>
+        <a:lstStyle/>
+        <a:p>
+          <a:pPr>
+            <a:defRPr sz="1197" b="0" i="0" u="none" strike="noStrike" kern="1200" baseline="0">
+              <a:solidFill>
+                <a:schemeClr val="tx1">
+                  <a:lumMod val="65000"/>
+                  <a:lumOff val="35000"/>
+                </a:schemeClr>
+              </a:solidFill>
+              <a:latin typeface="+mn-lt"/>
+              <a:ea typeface="+mn-ea"/>
+              <a:cs typeface="+mn-cs"/>
+            </a:defRPr>
+          </a:pPr>
+          <a:endParaRPr lang="en-US"/>
+        </a:p>
+      </c:txPr>
+    </c:legend>
+    <c:plotVisOnly val="1"/>
+    <c:dispBlanksAs val="gap"/>
+    <c:showDLblsOverMax val="0"/>
+  </c:chart>
+  <c:spPr>
+    <a:noFill/>
+    <a:ln>
+      <a:noFill/>
+    </a:ln>
+    <a:effectLst/>
+  </c:spPr>
+  <c:txPr>
+    <a:bodyPr/>
+    <a:lstStyle/>
+    <a:p>
+      <a:pPr>
+        <a:defRPr/>
+      </a:pPr>
+      <a:endParaRPr lang="en-US"/>
+    </a:p>
+  </c:txPr>
+  <c:externalData r:id="rId3">
+    <c:autoUpdate val="0"/>
+  </c:externalData>
+</c:chartSpace>
+</file>
+
+<file path=ppt/charts/chart4.xml><?xml version="1.0" encoding="utf-8"?>
+<c:chartSpace xmlns:c="http://schemas.openxmlformats.org/drawingml/2006/chart" xmlns:a="http://schemas.openxmlformats.org/drawingml/2006/main" xmlns:r="http://schemas.openxmlformats.org/officeDocument/2006/relationships">
+  <c:date1904 val="0"/>
+  <c:lang val="en-US"/>
+  <c:roundedCorners val="0"/>
+  <mc:AlternateContent xmlns:mc="http://schemas.openxmlformats.org/markup-compatibility/2006">
+    <mc:Choice xmlns:c14="http://schemas.microsoft.com/office/drawing/2007/8/2/chart" Requires="c14">
+      <c14:style val="102"/>
+    </mc:Choice>
+    <mc:Fallback>
+      <c:style val="2"/>
+    </mc:Fallback>
+  </mc:AlternateContent>
+  <c:chart>
+    <c:title>
+      <c:tx>
+        <c:rich>
+          <a:bodyPr rot="0" spcFirstLastPara="1" vertOverflow="ellipsis" vert="horz" wrap="square" anchor="ctr" anchorCtr="1"/>
+          <a:lstStyle/>
+          <a:p>
+            <a:pPr>
+              <a:defRPr sz="1862" b="0" i="0" u="none" strike="noStrike" kern="1200" spc="0" baseline="0">
+                <a:solidFill>
+                  <a:schemeClr val="tx1">
+                    <a:lumMod val="65000"/>
+                    <a:lumOff val="35000"/>
+                  </a:schemeClr>
+                </a:solidFill>
+                <a:latin typeface="+mn-lt"/>
+                <a:ea typeface="+mn-ea"/>
+                <a:cs typeface="+mn-cs"/>
+              </a:defRPr>
+            </a:pPr>
+            <a:r>
+              <a:rPr lang="en-US" dirty="0" smtClean="0"/>
+              <a:t>Digit</a:t>
+            </a:r>
+            <a:r>
+              <a:rPr lang="en-US" baseline="0" dirty="0" smtClean="0"/>
+              <a:t> </a:t>
+            </a:r>
+            <a:r>
+              <a:rPr lang="en-US" dirty="0" smtClean="0"/>
+              <a:t>Recognition</a:t>
+            </a:r>
+            <a:endParaRPr lang="en-US" dirty="0"/>
+          </a:p>
+        </c:rich>
+      </c:tx>
+      <c:layout/>
+      <c:overlay val="0"/>
+      <c:spPr>
+        <a:noFill/>
+        <a:ln>
+          <a:noFill/>
+        </a:ln>
+        <a:effectLst/>
+      </c:spPr>
+      <c:txPr>
+        <a:bodyPr rot="0" spcFirstLastPara="1" vertOverflow="ellipsis" vert="horz" wrap="square" anchor="ctr" anchorCtr="1"/>
+        <a:lstStyle/>
+        <a:p>
+          <a:pPr>
+            <a:defRPr sz="1862" b="0" i="0" u="none" strike="noStrike" kern="1200" spc="0" baseline="0">
+              <a:solidFill>
+                <a:schemeClr val="tx1">
+                  <a:lumMod val="65000"/>
+                  <a:lumOff val="35000"/>
+                </a:schemeClr>
+              </a:solidFill>
+              <a:latin typeface="+mn-lt"/>
+              <a:ea typeface="+mn-ea"/>
+              <a:cs typeface="+mn-cs"/>
+            </a:defRPr>
+          </a:pPr>
+          <a:endParaRPr lang="en-US"/>
+        </a:p>
+      </c:txPr>
+    </c:title>
+    <c:autoTitleDeleted val="0"/>
+    <c:plotArea>
+      <c:layout/>
+      <c:barChart>
+        <c:barDir val="col"/>
+        <c:grouping val="clustered"/>
+        <c:varyColors val="0"/>
+        <c:ser>
+          <c:idx val="0"/>
+          <c:order val="0"/>
+          <c:tx>
+            <c:strRef>
+              <c:f>Sheet1!$B$1</c:f>
+              <c:strCache>
+                <c:ptCount val="1"/>
+                <c:pt idx="0">
+                  <c:v>Correctness</c:v>
+                </c:pt>
+              </c:strCache>
+            </c:strRef>
+          </c:tx>
+          <c:spPr>
+            <a:solidFill>
+              <a:schemeClr val="accent1"/>
+            </a:solidFill>
+            <a:ln>
+              <a:noFill/>
+            </a:ln>
+            <a:effectLst/>
+          </c:spPr>
+          <c:invertIfNegative val="0"/>
+          <c:cat>
+            <c:strRef>
+              <c:f>Sheet1!$A$2:$A$5</c:f>
+              <c:strCache>
+                <c:ptCount val="4"/>
+                <c:pt idx="0">
+                  <c:v>C=0.5</c:v>
+                </c:pt>
+                <c:pt idx="1">
+                  <c:v>C=1.0</c:v>
+                </c:pt>
+                <c:pt idx="2">
+                  <c:v>C=1.5</c:v>
+                </c:pt>
+                <c:pt idx="3">
+                  <c:v>C=2.0</c:v>
+                </c:pt>
+              </c:strCache>
+            </c:strRef>
+          </c:cat>
+          <c:val>
+            <c:numRef>
+              <c:f>Sheet1!$B$2:$B$5</c:f>
+              <c:numCache>
+                <c:formatCode>General</c:formatCode>
+                <c:ptCount val="4"/>
+                <c:pt idx="0">
+                  <c:v>98.2193</c:v>
+                </c:pt>
+                <c:pt idx="1">
+                  <c:v>98.2749</c:v>
+                </c:pt>
+                <c:pt idx="2">
+                  <c:v>98.2193</c:v>
+                </c:pt>
+                <c:pt idx="3">
+                  <c:v>98.2193</c:v>
+                </c:pt>
+              </c:numCache>
+            </c:numRef>
+          </c:val>
+        </c:ser>
+        <c:ser>
+          <c:idx val="1"/>
+          <c:order val="1"/>
+          <c:tx>
+            <c:strRef>
+              <c:f>Sheet1!$C$1</c:f>
+              <c:strCache>
+                <c:ptCount val="1"/>
+                <c:pt idx="0">
+                  <c:v>Root relative squared error</c:v>
+                </c:pt>
+              </c:strCache>
+            </c:strRef>
+          </c:tx>
+          <c:spPr>
+            <a:solidFill>
+              <a:schemeClr val="accent2"/>
+            </a:solidFill>
+            <a:ln>
+              <a:noFill/>
+            </a:ln>
+            <a:effectLst/>
+          </c:spPr>
+          <c:invertIfNegative val="0"/>
+          <c:cat>
+            <c:strRef>
+              <c:f>Sheet1!$A$2:$A$5</c:f>
+              <c:strCache>
+                <c:ptCount val="4"/>
+                <c:pt idx="0">
+                  <c:v>C=0.5</c:v>
+                </c:pt>
+                <c:pt idx="1">
+                  <c:v>C=1.0</c:v>
+                </c:pt>
+                <c:pt idx="2">
+                  <c:v>C=1.5</c:v>
+                </c:pt>
+                <c:pt idx="3">
+                  <c:v>C=2.0</c:v>
+                </c:pt>
+              </c:strCache>
+            </c:strRef>
+          </c:cat>
+          <c:val>
+            <c:numRef>
+              <c:f>Sheet1!$C$2:$C$5</c:f>
+              <c:numCache>
+                <c:formatCode>General</c:formatCode>
+                <c:ptCount val="4"/>
+                <c:pt idx="0">
+                  <c:v>90.6182</c:v>
+                </c:pt>
+                <c:pt idx="1">
+                  <c:v>90.5978</c:v>
+                </c:pt>
+                <c:pt idx="2">
+                  <c:v>90.5968</c:v>
+                </c:pt>
+                <c:pt idx="3">
+                  <c:v>90.5931</c:v>
+                </c:pt>
+              </c:numCache>
+            </c:numRef>
+          </c:val>
+        </c:ser>
+        <c:dLbls>
+          <c:showLegendKey val="0"/>
+          <c:showVal val="0"/>
+          <c:showCatName val="0"/>
+          <c:showSerName val="0"/>
+          <c:showPercent val="0"/>
+          <c:showBubbleSize val="0"/>
+        </c:dLbls>
+        <c:gapWidth val="219"/>
+        <c:overlap val="-27"/>
+        <c:axId val="-746645616"/>
+        <c:axId val="-746651408"/>
+      </c:barChart>
+      <c:catAx>
+        <c:axId val="-746645616"/>
+        <c:scaling>
+          <c:orientation val="minMax"/>
+        </c:scaling>
+        <c:delete val="0"/>
+        <c:axPos val="b"/>
+        <c:numFmt formatCode="General" sourceLinked="1"/>
+        <c:majorTickMark val="none"/>
+        <c:minorTickMark val="none"/>
+        <c:tickLblPos val="nextTo"/>
+        <c:spPr>
+          <a:noFill/>
+          <a:ln w="9525" cap="flat" cmpd="sng" algn="ctr">
+            <a:solidFill>
+              <a:schemeClr val="tx1">
+                <a:lumMod val="15000"/>
+                <a:lumOff val="85000"/>
+              </a:schemeClr>
+            </a:solidFill>
+            <a:round/>
+          </a:ln>
+          <a:effectLst/>
+        </c:spPr>
+        <c:txPr>
+          <a:bodyPr rot="-60000000" spcFirstLastPara="1" vertOverflow="ellipsis" vert="horz" wrap="square" anchor="ctr" anchorCtr="1"/>
+          <a:lstStyle/>
+          <a:p>
+            <a:pPr>
+              <a:defRPr sz="1197" b="0" i="0" u="none" strike="noStrike" kern="1200" baseline="0">
+                <a:solidFill>
+                  <a:schemeClr val="tx1">
+                    <a:lumMod val="65000"/>
+                    <a:lumOff val="35000"/>
+                  </a:schemeClr>
+                </a:solidFill>
+                <a:latin typeface="+mn-lt"/>
+                <a:ea typeface="+mn-ea"/>
+                <a:cs typeface="+mn-cs"/>
+              </a:defRPr>
+            </a:pPr>
+            <a:endParaRPr lang="en-US"/>
+          </a:p>
+        </c:txPr>
+        <c:crossAx val="-746651408"/>
+        <c:crosses val="autoZero"/>
+        <c:auto val="1"/>
+        <c:lblAlgn val="ctr"/>
+        <c:lblOffset val="100"/>
+        <c:noMultiLvlLbl val="0"/>
+      </c:catAx>
+      <c:valAx>
+        <c:axId val="-746651408"/>
+        <c:scaling>
+          <c:orientation val="minMax"/>
+        </c:scaling>
+        <c:delete val="0"/>
+        <c:axPos val="l"/>
+        <c:majorGridlines>
+          <c:spPr>
+            <a:ln w="9525" cap="flat" cmpd="sng" algn="ctr">
+              <a:solidFill>
+                <a:schemeClr val="tx1">
+                  <a:lumMod val="15000"/>
+                  <a:lumOff val="85000"/>
+                </a:schemeClr>
+              </a:solidFill>
+              <a:round/>
+            </a:ln>
+            <a:effectLst/>
+          </c:spPr>
+        </c:majorGridlines>
+        <c:numFmt formatCode="General" sourceLinked="0"/>
+        <c:majorTickMark val="none"/>
+        <c:minorTickMark val="none"/>
+        <c:tickLblPos val="nextTo"/>
+        <c:spPr>
+          <a:noFill/>
+          <a:ln>
+            <a:noFill/>
+          </a:ln>
+          <a:effectLst/>
+        </c:spPr>
+        <c:txPr>
+          <a:bodyPr rot="-60000000" spcFirstLastPara="1" vertOverflow="ellipsis" vert="horz" wrap="square" anchor="ctr" anchorCtr="1"/>
+          <a:lstStyle/>
+          <a:p>
+            <a:pPr>
+              <a:defRPr sz="1197" b="0" i="0" u="none" strike="noStrike" kern="1200" baseline="0">
+                <a:solidFill>
+                  <a:schemeClr val="tx1">
+                    <a:lumMod val="65000"/>
+                    <a:lumOff val="35000"/>
+                  </a:schemeClr>
+                </a:solidFill>
+                <a:latin typeface="+mn-lt"/>
+                <a:ea typeface="+mn-ea"/>
+                <a:cs typeface="+mn-cs"/>
+              </a:defRPr>
+            </a:pPr>
+            <a:endParaRPr lang="en-US"/>
+          </a:p>
+        </c:txPr>
+        <c:crossAx val="-746645616"/>
+        <c:crosses val="autoZero"/>
+        <c:crossBetween val="between"/>
+      </c:valAx>
+      <c:spPr>
+        <a:noFill/>
+        <a:ln>
+          <a:noFill/>
+        </a:ln>
+        <a:effectLst/>
+      </c:spPr>
+    </c:plotArea>
+    <c:legend>
+      <c:legendPos val="b"/>
+      <c:layout/>
+      <c:overlay val="0"/>
+      <c:spPr>
+        <a:noFill/>
+        <a:ln>
+          <a:noFill/>
+        </a:ln>
+        <a:effectLst/>
+      </c:spPr>
+      <c:txPr>
+        <a:bodyPr rot="0" spcFirstLastPara="1" vertOverflow="ellipsis" vert="horz" wrap="square" anchor="ctr" anchorCtr="1"/>
+        <a:lstStyle/>
+        <a:p>
+          <a:pPr>
+            <a:defRPr sz="1197" b="0" i="0" u="none" strike="noStrike" kern="1200" baseline="0">
+              <a:solidFill>
+                <a:schemeClr val="tx1">
+                  <a:lumMod val="65000"/>
+                  <a:lumOff val="35000"/>
+                </a:schemeClr>
+              </a:solidFill>
+              <a:latin typeface="+mn-lt"/>
+              <a:ea typeface="+mn-ea"/>
+              <a:cs typeface="+mn-cs"/>
+            </a:defRPr>
+          </a:pPr>
+          <a:endParaRPr lang="en-US"/>
+        </a:p>
+      </c:txPr>
+    </c:legend>
+    <c:plotVisOnly val="1"/>
+    <c:dispBlanksAs val="gap"/>
+    <c:showDLblsOverMax val="0"/>
+  </c:chart>
+  <c:spPr>
+    <a:noFill/>
+    <a:ln>
+      <a:noFill/>
+    </a:ln>
+    <a:effectLst/>
+  </c:spPr>
+  <c:txPr>
+    <a:bodyPr/>
+    <a:lstStyle/>
+    <a:p>
+      <a:pPr>
+        <a:defRPr/>
+      </a:pPr>
+      <a:endParaRPr lang="en-US"/>
+    </a:p>
+  </c:txPr>
+  <c:externalData r:id="rId3">
+    <c:autoUpdate val="0"/>
+  </c:externalData>
+</c:chartSpace>
+</file>
+
+<file path=ppt/charts/chart5.xml><?xml version="1.0" encoding="utf-8"?>
+<c:chartSpace xmlns:c="http://schemas.openxmlformats.org/drawingml/2006/chart" xmlns:a="http://schemas.openxmlformats.org/drawingml/2006/main" xmlns:r="http://schemas.openxmlformats.org/officeDocument/2006/relationships">
+  <c:date1904 val="0"/>
+  <c:lang val="en-US"/>
+  <c:roundedCorners val="0"/>
+  <mc:AlternateContent xmlns:mc="http://schemas.openxmlformats.org/markup-compatibility/2006">
+    <mc:Choice xmlns:c14="http://schemas.microsoft.com/office/drawing/2007/8/2/chart" Requires="c14">
+      <c14:style val="102"/>
+    </mc:Choice>
+    <mc:Fallback>
+      <c:style val="2"/>
+    </mc:Fallback>
+  </mc:AlternateContent>
+  <c:chart>
+    <c:title>
+      <c:tx>
+        <c:rich>
+          <a:bodyPr rot="0" spcFirstLastPara="1" vertOverflow="ellipsis" vert="horz" wrap="square" anchor="ctr" anchorCtr="1"/>
+          <a:lstStyle/>
+          <a:p>
+            <a:pPr>
+              <a:defRPr sz="1862" b="0" i="0" u="none" strike="noStrike" kern="1200" spc="0" baseline="0">
+                <a:solidFill>
+                  <a:schemeClr val="tx1">
+                    <a:lumMod val="65000"/>
+                    <a:lumOff val="35000"/>
+                  </a:schemeClr>
+                </a:solidFill>
+                <a:latin typeface="+mn-lt"/>
+                <a:ea typeface="+mn-ea"/>
+                <a:cs typeface="+mn-cs"/>
+              </a:defRPr>
+            </a:pPr>
+            <a:r>
+              <a:rPr lang="en-US" dirty="0" smtClean="0"/>
+              <a:t>Letter Recognition</a:t>
+            </a:r>
+            <a:endParaRPr lang="en-US" dirty="0"/>
+          </a:p>
+        </c:rich>
+      </c:tx>
+      <c:layout/>
       <c:overlay val="0"/>
       <c:spPr>
         <a:noFill/>
@@ -370,11 +1954,11 @@
         </c:dLbls>
         <c:gapWidth val="219"/>
         <c:overlap val="-27"/>
-        <c:axId val="2143896944"/>
-        <c:axId val="2143420464"/>
+        <c:axId val="-782812608"/>
+        <c:axId val="-783002576"/>
       </c:barChart>
       <c:catAx>
-        <c:axId val="2143896944"/>
+        <c:axId val="-782812608"/>
         <c:scaling>
           <c:orientation val="minMax"/>
         </c:scaling>
@@ -417,7 +2001,7 @@
             <a:endParaRPr lang="en-US"/>
           </a:p>
         </c:txPr>
-        <c:crossAx val="2143420464"/>
+        <c:crossAx val="-783002576"/>
         <c:crosses val="autoZero"/>
         <c:auto val="1"/>
         <c:lblAlgn val="ctr"/>
@@ -425,7 +2009,7 @@
         <c:noMultiLvlLbl val="0"/>
       </c:catAx>
       <c:valAx>
-        <c:axId val="2143420464"/>
+        <c:axId val="-783002576"/>
         <c:scaling>
           <c:orientation val="minMax"/>
         </c:scaling>
@@ -476,7 +2060,7 @@
             <a:endParaRPr lang="en-US"/>
           </a:p>
         </c:txPr>
-        <c:crossAx val="2143896944"/>
+        <c:crossAx val="-782812608"/>
         <c:crosses val="autoZero"/>
         <c:crossBetween val="between"/>
       </c:valAx>
@@ -490,6 +2074,7 @@
     </c:plotArea>
     <c:legend>
       <c:legendPos val="b"/>
+      <c:layout/>
       <c:overlay val="0"/>
       <c:spPr>
         <a:noFill/>
@@ -546,7 +2131,7 @@
 </c:chartSpace>
 </file>
 
-<file path=ppt/charts/chart2.xml><?xml version="1.0" encoding="utf-8"?>
+<file path=ppt/charts/chart6.xml><?xml version="1.0" encoding="utf-8"?>
 <c:chartSpace xmlns:c="http://schemas.openxmlformats.org/drawingml/2006/chart" xmlns:a="http://schemas.openxmlformats.org/drawingml/2006/main" xmlns:r="http://schemas.openxmlformats.org/officeDocument/2006/relationships">
   <c:date1904 val="0"/>
   <c:lang val="en-US"/>
@@ -587,6 +2172,7 @@
           </a:p>
         </c:rich>
       </c:tx>
+      <c:layout/>
       <c:overlay val="0"/>
       <c:spPr>
         <a:noFill/>
@@ -777,11 +2363,11 @@
         </c:dLbls>
         <c:gapWidth val="219"/>
         <c:overlap val="-27"/>
-        <c:axId val="2130584640"/>
-        <c:axId val="2130588032"/>
+        <c:axId val="-822861200"/>
+        <c:axId val="-822902416"/>
       </c:barChart>
       <c:catAx>
-        <c:axId val="2130584640"/>
+        <c:axId val="-822861200"/>
         <c:scaling>
           <c:orientation val="minMax"/>
         </c:scaling>
@@ -824,7 +2410,7 @@
             <a:endParaRPr lang="en-US"/>
           </a:p>
         </c:txPr>
-        <c:crossAx val="2130588032"/>
+        <c:crossAx val="-822902416"/>
         <c:crosses val="autoZero"/>
         <c:auto val="1"/>
         <c:lblAlgn val="ctr"/>
@@ -832,7 +2418,7 @@
         <c:noMultiLvlLbl val="0"/>
       </c:catAx>
       <c:valAx>
-        <c:axId val="2130588032"/>
+        <c:axId val="-822902416"/>
         <c:scaling>
           <c:orientation val="minMax"/>
         </c:scaling>
@@ -883,7 +2469,7 @@
             <a:endParaRPr lang="en-US"/>
           </a:p>
         </c:txPr>
-        <c:crossAx val="2130584640"/>
+        <c:crossAx val="-822861200"/>
         <c:crosses val="autoZero"/>
         <c:crossBetween val="between"/>
       </c:valAx>
@@ -897,6 +2483,7 @@
     </c:plotArea>
     <c:legend>
       <c:legendPos val="b"/>
+      <c:layout/>
       <c:overlay val="0"/>
       <c:spPr>
         <a:noFill/>
@@ -953,7 +2540,7 @@
 </c:chartSpace>
 </file>
 
-<file path=ppt/charts/chart3.xml><?xml version="1.0" encoding="utf-8"?>
+<file path=ppt/charts/chart7.xml><?xml version="1.0" encoding="utf-8"?>
 <c:chartSpace xmlns:c="http://schemas.openxmlformats.org/drawingml/2006/chart" xmlns:a="http://schemas.openxmlformats.org/drawingml/2006/main" xmlns:r="http://schemas.openxmlformats.org/officeDocument/2006/relationships">
   <c:date1904 val="0"/>
   <c:lang val="en-US"/>
@@ -968,6 +2555,37 @@
   </mc:AlternateContent>
   <c:chart>
     <c:title>
+      <c:tx>
+        <c:rich>
+          <a:bodyPr rot="0" spcFirstLastPara="1" vertOverflow="ellipsis" vert="horz" wrap="square" anchor="ctr" anchorCtr="1"/>
+          <a:lstStyle/>
+          <a:p>
+            <a:pPr>
+              <a:defRPr sz="1862" b="0" i="0" u="none" strike="noStrike" kern="1200" spc="0" baseline="0">
+                <a:solidFill>
+                  <a:schemeClr val="tx1">
+                    <a:lumMod val="65000"/>
+                    <a:lumOff val="35000"/>
+                  </a:schemeClr>
+                </a:solidFill>
+                <a:latin typeface="+mn-lt"/>
+                <a:ea typeface="+mn-ea"/>
+                <a:cs typeface="+mn-cs"/>
+              </a:defRPr>
+            </a:pPr>
+            <a:r>
+              <a:rPr lang="en-US" dirty="0" smtClean="0"/>
+              <a:t>Two times</a:t>
+            </a:r>
+            <a:r>
+              <a:rPr lang="en-US" baseline="0" dirty="0" smtClean="0"/>
+              <a:t> tests with L=0.6</a:t>
+            </a:r>
+            <a:endParaRPr lang="en-US" dirty="0"/>
+          </a:p>
+        </c:rich>
+      </c:tx>
+      <c:layout/>
       <c:overlay val="0"/>
       <c:spPr>
         <a:noFill/>
@@ -1122,11 +2740,11 @@
         </c:dLbls>
         <c:gapWidth val="219"/>
         <c:overlap val="-27"/>
-        <c:axId val="2133910064"/>
-        <c:axId val="2133913440"/>
+        <c:axId val="-747291216"/>
+        <c:axId val="-747289440"/>
       </c:barChart>
       <c:catAx>
-        <c:axId val="2133910064"/>
+        <c:axId val="-747291216"/>
         <c:scaling>
           <c:orientation val="minMax"/>
         </c:scaling>
@@ -1169,7 +2787,7 @@
             <a:endParaRPr lang="en-US"/>
           </a:p>
         </c:txPr>
-        <c:crossAx val="2133913440"/>
+        <c:crossAx val="-747289440"/>
         <c:crosses val="autoZero"/>
         <c:auto val="1"/>
         <c:lblAlgn val="ctr"/>
@@ -1177,7 +2795,7 @@
         <c:noMultiLvlLbl val="0"/>
       </c:catAx>
       <c:valAx>
-        <c:axId val="2133913440"/>
+        <c:axId val="-747289440"/>
         <c:scaling>
           <c:orientation val="minMax"/>
           <c:max val="100.0"/>
@@ -1229,1191 +2847,7 @@
             <a:endParaRPr lang="en-US"/>
           </a:p>
         </c:txPr>
-        <c:crossAx val="2133910064"/>
-        <c:crosses val="autoZero"/>
-        <c:crossBetween val="between"/>
-      </c:valAx>
-      <c:spPr>
-        <a:noFill/>
-        <a:ln>
-          <a:noFill/>
-        </a:ln>
-        <a:effectLst/>
-      </c:spPr>
-    </c:plotArea>
-    <c:legend>
-      <c:legendPos val="b"/>
-      <c:overlay val="0"/>
-      <c:spPr>
-        <a:noFill/>
-        <a:ln>
-          <a:noFill/>
-        </a:ln>
-        <a:effectLst/>
-      </c:spPr>
-      <c:txPr>
-        <a:bodyPr rot="0" spcFirstLastPara="1" vertOverflow="ellipsis" vert="horz" wrap="square" anchor="ctr" anchorCtr="1"/>
-        <a:lstStyle/>
-        <a:p>
-          <a:pPr>
-            <a:defRPr sz="1197" b="0" i="0" u="none" strike="noStrike" kern="1200" baseline="0">
-              <a:solidFill>
-                <a:schemeClr val="tx1">
-                  <a:lumMod val="65000"/>
-                  <a:lumOff val="35000"/>
-                </a:schemeClr>
-              </a:solidFill>
-              <a:latin typeface="+mn-lt"/>
-              <a:ea typeface="+mn-ea"/>
-              <a:cs typeface="+mn-cs"/>
-            </a:defRPr>
-          </a:pPr>
-          <a:endParaRPr lang="en-US"/>
-        </a:p>
-      </c:txPr>
-    </c:legend>
-    <c:plotVisOnly val="1"/>
-    <c:dispBlanksAs val="gap"/>
-    <c:showDLblsOverMax val="0"/>
-  </c:chart>
-  <c:spPr>
-    <a:noFill/>
-    <a:ln>
-      <a:noFill/>
-    </a:ln>
-    <a:effectLst/>
-  </c:spPr>
-  <c:txPr>
-    <a:bodyPr/>
-    <a:lstStyle/>
-    <a:p>
-      <a:pPr>
-        <a:defRPr/>
-      </a:pPr>
-      <a:endParaRPr lang="en-US"/>
-    </a:p>
-  </c:txPr>
-  <c:externalData r:id="rId3">
-    <c:autoUpdate val="0"/>
-  </c:externalData>
-</c:chartSpace>
-</file>
-
-<file path=ppt/charts/chart4.xml><?xml version="1.0" encoding="utf-8"?>
-<c:chartSpace xmlns:c="http://schemas.openxmlformats.org/drawingml/2006/chart" xmlns:a="http://schemas.openxmlformats.org/drawingml/2006/main" xmlns:r="http://schemas.openxmlformats.org/officeDocument/2006/relationships">
-  <c:date1904 val="0"/>
-  <c:lang val="en-US"/>
-  <c:roundedCorners val="0"/>
-  <mc:AlternateContent xmlns:mc="http://schemas.openxmlformats.org/markup-compatibility/2006">
-    <mc:Choice xmlns:c14="http://schemas.microsoft.com/office/drawing/2007/8/2/chart" Requires="c14">
-      <c14:style val="102"/>
-    </mc:Choice>
-    <mc:Fallback>
-      <c:style val="2"/>
-    </mc:Fallback>
-  </mc:AlternateContent>
-  <c:chart>
-    <c:title>
-      <c:tx>
-        <c:rich>
-          <a:bodyPr rot="0" spcFirstLastPara="1" vertOverflow="ellipsis" vert="horz" wrap="square" anchor="ctr" anchorCtr="1"/>
-          <a:lstStyle/>
-          <a:p>
-            <a:pPr>
-              <a:defRPr sz="1862" b="0" i="0" u="none" strike="noStrike" kern="1200" spc="0" baseline="0">
-                <a:solidFill>
-                  <a:schemeClr val="tx1">
-                    <a:lumMod val="65000"/>
-                    <a:lumOff val="35000"/>
-                  </a:schemeClr>
-                </a:solidFill>
-                <a:latin typeface="+mn-lt"/>
-                <a:ea typeface="+mn-ea"/>
-                <a:cs typeface="+mn-cs"/>
-              </a:defRPr>
-            </a:pPr>
-            <a:r>
-              <a:rPr lang="en-US" dirty="0" smtClean="0"/>
-              <a:t>Letter Recognition</a:t>
-            </a:r>
-            <a:endParaRPr lang="en-US" dirty="0"/>
-          </a:p>
-        </c:rich>
-      </c:tx>
-      <c:overlay val="0"/>
-      <c:spPr>
-        <a:noFill/>
-        <a:ln>
-          <a:noFill/>
-        </a:ln>
-        <a:effectLst/>
-      </c:spPr>
-      <c:txPr>
-        <a:bodyPr rot="0" spcFirstLastPara="1" vertOverflow="ellipsis" vert="horz" wrap="square" anchor="ctr" anchorCtr="1"/>
-        <a:lstStyle/>
-        <a:p>
-          <a:pPr>
-            <a:defRPr sz="1862" b="0" i="0" u="none" strike="noStrike" kern="1200" spc="0" baseline="0">
-              <a:solidFill>
-                <a:schemeClr val="tx1">
-                  <a:lumMod val="65000"/>
-                  <a:lumOff val="35000"/>
-                </a:schemeClr>
-              </a:solidFill>
-              <a:latin typeface="+mn-lt"/>
-              <a:ea typeface="+mn-ea"/>
-              <a:cs typeface="+mn-cs"/>
-            </a:defRPr>
-          </a:pPr>
-          <a:endParaRPr lang="en-US"/>
-        </a:p>
-      </c:txPr>
-    </c:title>
-    <c:autoTitleDeleted val="0"/>
-    <c:plotArea>
-      <c:layout/>
-      <c:barChart>
-        <c:barDir val="col"/>
-        <c:grouping val="clustered"/>
-        <c:varyColors val="0"/>
-        <c:ser>
-          <c:idx val="0"/>
-          <c:order val="0"/>
-          <c:tx>
-            <c:strRef>
-              <c:f>Sheet1!$B$1</c:f>
-              <c:strCache>
-                <c:ptCount val="1"/>
-                <c:pt idx="0">
-                  <c:v>Correctness</c:v>
-                </c:pt>
-              </c:strCache>
-            </c:strRef>
-          </c:tx>
-          <c:spPr>
-            <a:solidFill>
-              <a:schemeClr val="accent1"/>
-            </a:solidFill>
-            <a:ln>
-              <a:noFill/>
-            </a:ln>
-            <a:effectLst/>
-          </c:spPr>
-          <c:invertIfNegative val="0"/>
-          <c:cat>
-            <c:strRef>
-              <c:f>Sheet1!$A$2:$A$5</c:f>
-              <c:strCache>
-                <c:ptCount val="4"/>
-                <c:pt idx="0">
-                  <c:v>C=0.5</c:v>
-                </c:pt>
-                <c:pt idx="1">
-                  <c:v>C=1.0</c:v>
-                </c:pt>
-                <c:pt idx="2">
-                  <c:v>C=1.5</c:v>
-                </c:pt>
-                <c:pt idx="3">
-                  <c:v>C=2.0</c:v>
-                </c:pt>
-              </c:strCache>
-            </c:strRef>
-          </c:cat>
-          <c:val>
-            <c:numRef>
-              <c:f>Sheet1!$B$2:$B$5</c:f>
-              <c:numCache>
-                <c:formatCode>General</c:formatCode>
-                <c:ptCount val="4"/>
-                <c:pt idx="0">
-                  <c:v>80.739</c:v>
-                </c:pt>
-                <c:pt idx="1">
-                  <c:v>82.37909999999998</c:v>
-                </c:pt>
-                <c:pt idx="2">
-                  <c:v>83.1542</c:v>
-                </c:pt>
-                <c:pt idx="3">
-                  <c:v>83.6092</c:v>
-                </c:pt>
-              </c:numCache>
-            </c:numRef>
-          </c:val>
-        </c:ser>
-        <c:ser>
-          <c:idx val="1"/>
-          <c:order val="1"/>
-          <c:tx>
-            <c:strRef>
-              <c:f>Sheet1!$C$1</c:f>
-              <c:strCache>
-                <c:ptCount val="1"/>
-                <c:pt idx="0">
-                  <c:v>Root relative squared error</c:v>
-                </c:pt>
-              </c:strCache>
-            </c:strRef>
-          </c:tx>
-          <c:spPr>
-            <a:solidFill>
-              <a:schemeClr val="accent2"/>
-            </a:solidFill>
-            <a:ln>
-              <a:noFill/>
-            </a:ln>
-            <a:effectLst/>
-          </c:spPr>
-          <c:invertIfNegative val="0"/>
-          <c:cat>
-            <c:strRef>
-              <c:f>Sheet1!$A$2:$A$5</c:f>
-              <c:strCache>
-                <c:ptCount val="4"/>
-                <c:pt idx="0">
-                  <c:v>C=0.5</c:v>
-                </c:pt>
-                <c:pt idx="1">
-                  <c:v>C=1.0</c:v>
-                </c:pt>
-                <c:pt idx="2">
-                  <c:v>C=1.5</c:v>
-                </c:pt>
-                <c:pt idx="3">
-                  <c:v>C=2.0</c:v>
-                </c:pt>
-              </c:strCache>
-            </c:strRef>
-          </c:cat>
-          <c:val>
-            <c:numRef>
-              <c:f>Sheet1!$C$2:$C$5</c:f>
-              <c:numCache>
-                <c:formatCode>General</c:formatCode>
-                <c:ptCount val="4"/>
-                <c:pt idx="0">
-                  <c:v>96.8279</c:v>
-                </c:pt>
-                <c:pt idx="1">
-                  <c:v>96.7869</c:v>
-                </c:pt>
-                <c:pt idx="2">
-                  <c:v>96.7669</c:v>
-                </c:pt>
-                <c:pt idx="3">
-                  <c:v>96.7546</c:v>
-                </c:pt>
-              </c:numCache>
-            </c:numRef>
-          </c:val>
-        </c:ser>
-        <c:dLbls>
-          <c:showLegendKey val="0"/>
-          <c:showVal val="0"/>
-          <c:showCatName val="0"/>
-          <c:showSerName val="0"/>
-          <c:showPercent val="0"/>
-          <c:showBubbleSize val="0"/>
-        </c:dLbls>
-        <c:gapWidth val="219"/>
-        <c:overlap val="-27"/>
-        <c:axId val="2139292720"/>
-        <c:axId val="2126813536"/>
-      </c:barChart>
-      <c:catAx>
-        <c:axId val="2139292720"/>
-        <c:scaling>
-          <c:orientation val="minMax"/>
-        </c:scaling>
-        <c:delete val="0"/>
-        <c:axPos val="b"/>
-        <c:numFmt formatCode="General" sourceLinked="1"/>
-        <c:majorTickMark val="none"/>
-        <c:minorTickMark val="none"/>
-        <c:tickLblPos val="nextTo"/>
-        <c:spPr>
-          <a:noFill/>
-          <a:ln w="9525" cap="flat" cmpd="sng" algn="ctr">
-            <a:solidFill>
-              <a:schemeClr val="tx1">
-                <a:lumMod val="15000"/>
-                <a:lumOff val="85000"/>
-              </a:schemeClr>
-            </a:solidFill>
-            <a:round/>
-          </a:ln>
-          <a:effectLst/>
-        </c:spPr>
-        <c:txPr>
-          <a:bodyPr rot="-60000000" spcFirstLastPara="1" vertOverflow="ellipsis" vert="horz" wrap="square" anchor="ctr" anchorCtr="1"/>
-          <a:lstStyle/>
-          <a:p>
-            <a:pPr>
-              <a:defRPr sz="1197" b="0" i="0" u="none" strike="noStrike" kern="1200" baseline="0">
-                <a:solidFill>
-                  <a:schemeClr val="tx1">
-                    <a:lumMod val="65000"/>
-                    <a:lumOff val="35000"/>
-                  </a:schemeClr>
-                </a:solidFill>
-                <a:latin typeface="+mn-lt"/>
-                <a:ea typeface="+mn-ea"/>
-                <a:cs typeface="+mn-cs"/>
-              </a:defRPr>
-            </a:pPr>
-            <a:endParaRPr lang="en-US"/>
-          </a:p>
-        </c:txPr>
-        <c:crossAx val="2126813536"/>
-        <c:crosses val="autoZero"/>
-        <c:auto val="1"/>
-        <c:lblAlgn val="ctr"/>
-        <c:lblOffset val="100"/>
-        <c:noMultiLvlLbl val="0"/>
-      </c:catAx>
-      <c:valAx>
-        <c:axId val="2126813536"/>
-        <c:scaling>
-          <c:orientation val="minMax"/>
-        </c:scaling>
-        <c:delete val="0"/>
-        <c:axPos val="l"/>
-        <c:majorGridlines>
-          <c:spPr>
-            <a:ln w="9525" cap="flat" cmpd="sng" algn="ctr">
-              <a:solidFill>
-                <a:schemeClr val="tx1">
-                  <a:lumMod val="15000"/>
-                  <a:lumOff val="85000"/>
-                </a:schemeClr>
-              </a:solidFill>
-              <a:round/>
-            </a:ln>
-            <a:effectLst/>
-          </c:spPr>
-        </c:majorGridlines>
-        <c:numFmt formatCode="General" sourceLinked="0"/>
-        <c:majorTickMark val="none"/>
-        <c:minorTickMark val="none"/>
-        <c:tickLblPos val="nextTo"/>
-        <c:spPr>
-          <a:noFill/>
-          <a:ln>
-            <a:noFill/>
-          </a:ln>
-          <a:effectLst/>
-        </c:spPr>
-        <c:txPr>
-          <a:bodyPr rot="-60000000" spcFirstLastPara="1" vertOverflow="ellipsis" vert="horz" wrap="square" anchor="ctr" anchorCtr="1"/>
-          <a:lstStyle/>
-          <a:p>
-            <a:pPr>
-              <a:defRPr sz="1197" b="0" i="0" u="none" strike="noStrike" kern="1200" baseline="0">
-                <a:solidFill>
-                  <a:schemeClr val="tx1">
-                    <a:lumMod val="65000"/>
-                    <a:lumOff val="35000"/>
-                  </a:schemeClr>
-                </a:solidFill>
-                <a:latin typeface="+mn-lt"/>
-                <a:ea typeface="+mn-ea"/>
-                <a:cs typeface="+mn-cs"/>
-              </a:defRPr>
-            </a:pPr>
-            <a:endParaRPr lang="en-US"/>
-          </a:p>
-        </c:txPr>
-        <c:crossAx val="2139292720"/>
-        <c:crosses val="autoZero"/>
-        <c:crossBetween val="between"/>
-      </c:valAx>
-      <c:spPr>
-        <a:noFill/>
-        <a:ln>
-          <a:noFill/>
-        </a:ln>
-        <a:effectLst/>
-      </c:spPr>
-    </c:plotArea>
-    <c:legend>
-      <c:legendPos val="b"/>
-      <c:overlay val="0"/>
-      <c:spPr>
-        <a:noFill/>
-        <a:ln>
-          <a:noFill/>
-        </a:ln>
-        <a:effectLst/>
-      </c:spPr>
-      <c:txPr>
-        <a:bodyPr rot="0" spcFirstLastPara="1" vertOverflow="ellipsis" vert="horz" wrap="square" anchor="ctr" anchorCtr="1"/>
-        <a:lstStyle/>
-        <a:p>
-          <a:pPr>
-            <a:defRPr sz="1197" b="0" i="0" u="none" strike="noStrike" kern="1200" baseline="0">
-              <a:solidFill>
-                <a:schemeClr val="tx1">
-                  <a:lumMod val="65000"/>
-                  <a:lumOff val="35000"/>
-                </a:schemeClr>
-              </a:solidFill>
-              <a:latin typeface="+mn-lt"/>
-              <a:ea typeface="+mn-ea"/>
-              <a:cs typeface="+mn-cs"/>
-            </a:defRPr>
-          </a:pPr>
-          <a:endParaRPr lang="en-US"/>
-        </a:p>
-      </c:txPr>
-    </c:legend>
-    <c:plotVisOnly val="1"/>
-    <c:dispBlanksAs val="gap"/>
-    <c:showDLblsOverMax val="0"/>
-  </c:chart>
-  <c:spPr>
-    <a:noFill/>
-    <a:ln>
-      <a:noFill/>
-    </a:ln>
-    <a:effectLst/>
-  </c:spPr>
-  <c:txPr>
-    <a:bodyPr/>
-    <a:lstStyle/>
-    <a:p>
-      <a:pPr>
-        <a:defRPr/>
-      </a:pPr>
-      <a:endParaRPr lang="en-US"/>
-    </a:p>
-  </c:txPr>
-  <c:externalData r:id="rId3">
-    <c:autoUpdate val="0"/>
-  </c:externalData>
-</c:chartSpace>
-</file>
-
-<file path=ppt/charts/chart5.xml><?xml version="1.0" encoding="utf-8"?>
-<c:chartSpace xmlns:c="http://schemas.openxmlformats.org/drawingml/2006/chart" xmlns:a="http://schemas.openxmlformats.org/drawingml/2006/main" xmlns:r="http://schemas.openxmlformats.org/officeDocument/2006/relationships">
-  <c:date1904 val="0"/>
-  <c:lang val="en-US"/>
-  <c:roundedCorners val="0"/>
-  <mc:AlternateContent xmlns:mc="http://schemas.openxmlformats.org/markup-compatibility/2006">
-    <mc:Choice xmlns:c14="http://schemas.microsoft.com/office/drawing/2007/8/2/chart" Requires="c14">
-      <c14:style val="102"/>
-    </mc:Choice>
-    <mc:Fallback>
-      <c:style val="2"/>
-    </mc:Fallback>
-  </mc:AlternateContent>
-  <c:chart>
-    <c:title>
-      <c:tx>
-        <c:rich>
-          <a:bodyPr rot="0" spcFirstLastPara="1" vertOverflow="ellipsis" vert="horz" wrap="square" anchor="ctr" anchorCtr="1"/>
-          <a:lstStyle/>
-          <a:p>
-            <a:pPr>
-              <a:defRPr sz="1862" b="0" i="0" u="none" strike="noStrike" kern="1200" spc="0" baseline="0">
-                <a:solidFill>
-                  <a:schemeClr val="tx1">
-                    <a:lumMod val="65000"/>
-                    <a:lumOff val="35000"/>
-                  </a:schemeClr>
-                </a:solidFill>
-                <a:latin typeface="+mn-lt"/>
-                <a:ea typeface="+mn-ea"/>
-                <a:cs typeface="+mn-cs"/>
-              </a:defRPr>
-            </a:pPr>
-            <a:r>
-              <a:rPr lang="en-US" dirty="0" smtClean="0"/>
-              <a:t>Digit</a:t>
-            </a:r>
-            <a:r>
-              <a:rPr lang="en-US" baseline="0" dirty="0" smtClean="0"/>
-              <a:t> </a:t>
-            </a:r>
-            <a:r>
-              <a:rPr lang="en-US" dirty="0" smtClean="0"/>
-              <a:t>Recognition</a:t>
-            </a:r>
-            <a:endParaRPr lang="en-US" dirty="0"/>
-          </a:p>
-        </c:rich>
-      </c:tx>
-      <c:overlay val="0"/>
-      <c:spPr>
-        <a:noFill/>
-        <a:ln>
-          <a:noFill/>
-        </a:ln>
-        <a:effectLst/>
-      </c:spPr>
-      <c:txPr>
-        <a:bodyPr rot="0" spcFirstLastPara="1" vertOverflow="ellipsis" vert="horz" wrap="square" anchor="ctr" anchorCtr="1"/>
-        <a:lstStyle/>
-        <a:p>
-          <a:pPr>
-            <a:defRPr sz="1862" b="0" i="0" u="none" strike="noStrike" kern="1200" spc="0" baseline="0">
-              <a:solidFill>
-                <a:schemeClr val="tx1">
-                  <a:lumMod val="65000"/>
-                  <a:lumOff val="35000"/>
-                </a:schemeClr>
-              </a:solidFill>
-              <a:latin typeface="+mn-lt"/>
-              <a:ea typeface="+mn-ea"/>
-              <a:cs typeface="+mn-cs"/>
-            </a:defRPr>
-          </a:pPr>
-          <a:endParaRPr lang="en-US"/>
-        </a:p>
-      </c:txPr>
-    </c:title>
-    <c:autoTitleDeleted val="0"/>
-    <c:plotArea>
-      <c:layout/>
-      <c:barChart>
-        <c:barDir val="col"/>
-        <c:grouping val="clustered"/>
-        <c:varyColors val="0"/>
-        <c:ser>
-          <c:idx val="0"/>
-          <c:order val="0"/>
-          <c:tx>
-            <c:strRef>
-              <c:f>Sheet1!$B$1</c:f>
-              <c:strCache>
-                <c:ptCount val="1"/>
-                <c:pt idx="0">
-                  <c:v>Correctness</c:v>
-                </c:pt>
-              </c:strCache>
-            </c:strRef>
-          </c:tx>
-          <c:spPr>
-            <a:solidFill>
-              <a:schemeClr val="accent1"/>
-            </a:solidFill>
-            <a:ln>
-              <a:noFill/>
-            </a:ln>
-            <a:effectLst/>
-          </c:spPr>
-          <c:invertIfNegative val="0"/>
-          <c:cat>
-            <c:strRef>
-              <c:f>Sheet1!$A$2:$A$5</c:f>
-              <c:strCache>
-                <c:ptCount val="4"/>
-                <c:pt idx="0">
-                  <c:v>C=0.5</c:v>
-                </c:pt>
-                <c:pt idx="1">
-                  <c:v>C=1.0</c:v>
-                </c:pt>
-                <c:pt idx="2">
-                  <c:v>C=1.5</c:v>
-                </c:pt>
-                <c:pt idx="3">
-                  <c:v>C=2.0</c:v>
-                </c:pt>
-              </c:strCache>
-            </c:strRef>
-          </c:cat>
-          <c:val>
-            <c:numRef>
-              <c:f>Sheet1!$B$2:$B$5</c:f>
-              <c:numCache>
-                <c:formatCode>General</c:formatCode>
-                <c:ptCount val="4"/>
-                <c:pt idx="0">
-                  <c:v>98.2193</c:v>
-                </c:pt>
-                <c:pt idx="1">
-                  <c:v>98.2749</c:v>
-                </c:pt>
-                <c:pt idx="2">
-                  <c:v>98.2193</c:v>
-                </c:pt>
-                <c:pt idx="3">
-                  <c:v>98.2193</c:v>
-                </c:pt>
-              </c:numCache>
-            </c:numRef>
-          </c:val>
-        </c:ser>
-        <c:ser>
-          <c:idx val="1"/>
-          <c:order val="1"/>
-          <c:tx>
-            <c:strRef>
-              <c:f>Sheet1!$C$1</c:f>
-              <c:strCache>
-                <c:ptCount val="1"/>
-                <c:pt idx="0">
-                  <c:v>Root relative squared error</c:v>
-                </c:pt>
-              </c:strCache>
-            </c:strRef>
-          </c:tx>
-          <c:spPr>
-            <a:solidFill>
-              <a:schemeClr val="accent2"/>
-            </a:solidFill>
-            <a:ln>
-              <a:noFill/>
-            </a:ln>
-            <a:effectLst/>
-          </c:spPr>
-          <c:invertIfNegative val="0"/>
-          <c:cat>
-            <c:strRef>
-              <c:f>Sheet1!$A$2:$A$5</c:f>
-              <c:strCache>
-                <c:ptCount val="4"/>
-                <c:pt idx="0">
-                  <c:v>C=0.5</c:v>
-                </c:pt>
-                <c:pt idx="1">
-                  <c:v>C=1.0</c:v>
-                </c:pt>
-                <c:pt idx="2">
-                  <c:v>C=1.5</c:v>
-                </c:pt>
-                <c:pt idx="3">
-                  <c:v>C=2.0</c:v>
-                </c:pt>
-              </c:strCache>
-            </c:strRef>
-          </c:cat>
-          <c:val>
-            <c:numRef>
-              <c:f>Sheet1!$C$2:$C$5</c:f>
-              <c:numCache>
-                <c:formatCode>General</c:formatCode>
-                <c:ptCount val="4"/>
-                <c:pt idx="0">
-                  <c:v>90.6182</c:v>
-                </c:pt>
-                <c:pt idx="1">
-                  <c:v>90.5978</c:v>
-                </c:pt>
-                <c:pt idx="2">
-                  <c:v>90.5968</c:v>
-                </c:pt>
-                <c:pt idx="3">
-                  <c:v>90.5931</c:v>
-                </c:pt>
-              </c:numCache>
-            </c:numRef>
-          </c:val>
-        </c:ser>
-        <c:dLbls>
-          <c:showLegendKey val="0"/>
-          <c:showVal val="0"/>
-          <c:showCatName val="0"/>
-          <c:showSerName val="0"/>
-          <c:showPercent val="0"/>
-          <c:showBubbleSize val="0"/>
-        </c:dLbls>
-        <c:gapWidth val="219"/>
-        <c:overlap val="-27"/>
-        <c:axId val="2141277472"/>
-        <c:axId val="2141280848"/>
-      </c:barChart>
-      <c:catAx>
-        <c:axId val="2141277472"/>
-        <c:scaling>
-          <c:orientation val="minMax"/>
-        </c:scaling>
-        <c:delete val="0"/>
-        <c:axPos val="b"/>
-        <c:numFmt formatCode="General" sourceLinked="1"/>
-        <c:majorTickMark val="none"/>
-        <c:minorTickMark val="none"/>
-        <c:tickLblPos val="nextTo"/>
-        <c:spPr>
-          <a:noFill/>
-          <a:ln w="9525" cap="flat" cmpd="sng" algn="ctr">
-            <a:solidFill>
-              <a:schemeClr val="tx1">
-                <a:lumMod val="15000"/>
-                <a:lumOff val="85000"/>
-              </a:schemeClr>
-            </a:solidFill>
-            <a:round/>
-          </a:ln>
-          <a:effectLst/>
-        </c:spPr>
-        <c:txPr>
-          <a:bodyPr rot="-60000000" spcFirstLastPara="1" vertOverflow="ellipsis" vert="horz" wrap="square" anchor="ctr" anchorCtr="1"/>
-          <a:lstStyle/>
-          <a:p>
-            <a:pPr>
-              <a:defRPr sz="1197" b="0" i="0" u="none" strike="noStrike" kern="1200" baseline="0">
-                <a:solidFill>
-                  <a:schemeClr val="tx1">
-                    <a:lumMod val="65000"/>
-                    <a:lumOff val="35000"/>
-                  </a:schemeClr>
-                </a:solidFill>
-                <a:latin typeface="+mn-lt"/>
-                <a:ea typeface="+mn-ea"/>
-                <a:cs typeface="+mn-cs"/>
-              </a:defRPr>
-            </a:pPr>
-            <a:endParaRPr lang="en-US"/>
-          </a:p>
-        </c:txPr>
-        <c:crossAx val="2141280848"/>
-        <c:crosses val="autoZero"/>
-        <c:auto val="1"/>
-        <c:lblAlgn val="ctr"/>
-        <c:lblOffset val="100"/>
-        <c:noMultiLvlLbl val="0"/>
-      </c:catAx>
-      <c:valAx>
-        <c:axId val="2141280848"/>
-        <c:scaling>
-          <c:orientation val="minMax"/>
-        </c:scaling>
-        <c:delete val="0"/>
-        <c:axPos val="l"/>
-        <c:majorGridlines>
-          <c:spPr>
-            <a:ln w="9525" cap="flat" cmpd="sng" algn="ctr">
-              <a:solidFill>
-                <a:schemeClr val="tx1">
-                  <a:lumMod val="15000"/>
-                  <a:lumOff val="85000"/>
-                </a:schemeClr>
-              </a:solidFill>
-              <a:round/>
-            </a:ln>
-            <a:effectLst/>
-          </c:spPr>
-        </c:majorGridlines>
-        <c:numFmt formatCode="General" sourceLinked="0"/>
-        <c:majorTickMark val="none"/>
-        <c:minorTickMark val="none"/>
-        <c:tickLblPos val="nextTo"/>
-        <c:spPr>
-          <a:noFill/>
-          <a:ln>
-            <a:noFill/>
-          </a:ln>
-          <a:effectLst/>
-        </c:spPr>
-        <c:txPr>
-          <a:bodyPr rot="-60000000" spcFirstLastPara="1" vertOverflow="ellipsis" vert="horz" wrap="square" anchor="ctr" anchorCtr="1"/>
-          <a:lstStyle/>
-          <a:p>
-            <a:pPr>
-              <a:defRPr sz="1197" b="0" i="0" u="none" strike="noStrike" kern="1200" baseline="0">
-                <a:solidFill>
-                  <a:schemeClr val="tx1">
-                    <a:lumMod val="65000"/>
-                    <a:lumOff val="35000"/>
-                  </a:schemeClr>
-                </a:solidFill>
-                <a:latin typeface="+mn-lt"/>
-                <a:ea typeface="+mn-ea"/>
-                <a:cs typeface="+mn-cs"/>
-              </a:defRPr>
-            </a:pPr>
-            <a:endParaRPr lang="en-US"/>
-          </a:p>
-        </c:txPr>
-        <c:crossAx val="2141277472"/>
-        <c:crosses val="autoZero"/>
-        <c:crossBetween val="between"/>
-      </c:valAx>
-      <c:spPr>
-        <a:noFill/>
-        <a:ln>
-          <a:noFill/>
-        </a:ln>
-        <a:effectLst/>
-      </c:spPr>
-    </c:plotArea>
-    <c:legend>
-      <c:legendPos val="b"/>
-      <c:overlay val="0"/>
-      <c:spPr>
-        <a:noFill/>
-        <a:ln>
-          <a:noFill/>
-        </a:ln>
-        <a:effectLst/>
-      </c:spPr>
-      <c:txPr>
-        <a:bodyPr rot="0" spcFirstLastPara="1" vertOverflow="ellipsis" vert="horz" wrap="square" anchor="ctr" anchorCtr="1"/>
-        <a:lstStyle/>
-        <a:p>
-          <a:pPr>
-            <a:defRPr sz="1197" b="0" i="0" u="none" strike="noStrike" kern="1200" baseline="0">
-              <a:solidFill>
-                <a:schemeClr val="tx1">
-                  <a:lumMod val="65000"/>
-                  <a:lumOff val="35000"/>
-                </a:schemeClr>
-              </a:solidFill>
-              <a:latin typeface="+mn-lt"/>
-              <a:ea typeface="+mn-ea"/>
-              <a:cs typeface="+mn-cs"/>
-            </a:defRPr>
-          </a:pPr>
-          <a:endParaRPr lang="en-US"/>
-        </a:p>
-      </c:txPr>
-    </c:legend>
-    <c:plotVisOnly val="1"/>
-    <c:dispBlanksAs val="gap"/>
-    <c:showDLblsOverMax val="0"/>
-  </c:chart>
-  <c:spPr>
-    <a:noFill/>
-    <a:ln>
-      <a:noFill/>
-    </a:ln>
-    <a:effectLst/>
-  </c:spPr>
-  <c:txPr>
-    <a:bodyPr/>
-    <a:lstStyle/>
-    <a:p>
-      <a:pPr>
-        <a:defRPr/>
-      </a:pPr>
-      <a:endParaRPr lang="en-US"/>
-    </a:p>
-  </c:txPr>
-  <c:externalData r:id="rId3">
-    <c:autoUpdate val="0"/>
-  </c:externalData>
-</c:chartSpace>
-</file>
-
-<file path=ppt/charts/chart6.xml><?xml version="1.0" encoding="utf-8"?>
-<c:chartSpace xmlns:c="http://schemas.openxmlformats.org/drawingml/2006/chart" xmlns:a="http://schemas.openxmlformats.org/drawingml/2006/main" xmlns:r="http://schemas.openxmlformats.org/officeDocument/2006/relationships">
-  <c:date1904 val="0"/>
-  <c:lang val="en-US"/>
-  <c:roundedCorners val="0"/>
-  <mc:AlternateContent xmlns:mc="http://schemas.openxmlformats.org/markup-compatibility/2006">
-    <mc:Choice xmlns:c14="http://schemas.microsoft.com/office/drawing/2007/8/2/chart" Requires="c14">
-      <c14:style val="102"/>
-    </mc:Choice>
-    <mc:Fallback>
-      <c:style val="2"/>
-    </mc:Fallback>
-  </mc:AlternateContent>
-  <c:chart>
-    <c:title>
-      <c:tx>
-        <c:rich>
-          <a:bodyPr rot="0" spcFirstLastPara="1" vertOverflow="ellipsis" vert="horz" wrap="square" anchor="ctr" anchorCtr="1"/>
-          <a:lstStyle/>
-          <a:p>
-            <a:pPr>
-              <a:defRPr sz="1862" b="0" i="0" u="none" strike="noStrike" kern="1200" spc="0" baseline="0">
-                <a:solidFill>
-                  <a:schemeClr val="tx1">
-                    <a:lumMod val="65000"/>
-                    <a:lumOff val="35000"/>
-                  </a:schemeClr>
-                </a:solidFill>
-                <a:latin typeface="+mn-lt"/>
-                <a:ea typeface="+mn-ea"/>
-                <a:cs typeface="+mn-cs"/>
-              </a:defRPr>
-            </a:pPr>
-            <a:r>
-              <a:rPr lang="en-US" dirty="0" smtClean="0"/>
-              <a:t>Letter Recognition</a:t>
-            </a:r>
-            <a:endParaRPr lang="en-US" dirty="0"/>
-          </a:p>
-        </c:rich>
-      </c:tx>
-      <c:layout/>
-      <c:overlay val="0"/>
-      <c:spPr>
-        <a:noFill/>
-        <a:ln>
-          <a:noFill/>
-        </a:ln>
-        <a:effectLst/>
-      </c:spPr>
-      <c:txPr>
-        <a:bodyPr rot="0" spcFirstLastPara="1" vertOverflow="ellipsis" vert="horz" wrap="square" anchor="ctr" anchorCtr="1"/>
-        <a:lstStyle/>
-        <a:p>
-          <a:pPr>
-            <a:defRPr sz="1862" b="0" i="0" u="none" strike="noStrike" kern="1200" spc="0" baseline="0">
-              <a:solidFill>
-                <a:schemeClr val="tx1">
-                  <a:lumMod val="65000"/>
-                  <a:lumOff val="35000"/>
-                </a:schemeClr>
-              </a:solidFill>
-              <a:latin typeface="+mn-lt"/>
-              <a:ea typeface="+mn-ea"/>
-              <a:cs typeface="+mn-cs"/>
-            </a:defRPr>
-          </a:pPr>
-          <a:endParaRPr lang="en-US"/>
-        </a:p>
-      </c:txPr>
-    </c:title>
-    <c:autoTitleDeleted val="0"/>
-    <c:plotArea>
-      <c:layout/>
-      <c:barChart>
-        <c:barDir val="col"/>
-        <c:grouping val="clustered"/>
-        <c:varyColors val="0"/>
-        <c:ser>
-          <c:idx val="0"/>
-          <c:order val="0"/>
-          <c:tx>
-            <c:strRef>
-              <c:f>Sheet1!$B$1</c:f>
-              <c:strCache>
-                <c:ptCount val="1"/>
-                <c:pt idx="0">
-                  <c:v>Correctness</c:v>
-                </c:pt>
-              </c:strCache>
-            </c:strRef>
-          </c:tx>
-          <c:spPr>
-            <a:solidFill>
-              <a:schemeClr val="accent1"/>
-            </a:solidFill>
-            <a:ln>
-              <a:noFill/>
-            </a:ln>
-            <a:effectLst/>
-          </c:spPr>
-          <c:invertIfNegative val="0"/>
-          <c:cat>
-            <c:strRef>
-              <c:f>Sheet1!$A$2:$A$4</c:f>
-              <c:strCache>
-                <c:ptCount val="3"/>
-                <c:pt idx="0">
-                  <c:v>K=F, D=F</c:v>
-                </c:pt>
-                <c:pt idx="1">
-                  <c:v>K=T, D=F</c:v>
-                </c:pt>
-                <c:pt idx="2">
-                  <c:v>K=F, D=T</c:v>
-                </c:pt>
-              </c:strCache>
-            </c:strRef>
-          </c:cat>
-          <c:val>
-            <c:numRef>
-              <c:f>Sheet1!$B$2:$B$4</c:f>
-              <c:numCache>
-                <c:formatCode>General</c:formatCode>
-                <c:ptCount val="3"/>
-                <c:pt idx="0">
-                  <c:v>64.1382</c:v>
-                </c:pt>
-                <c:pt idx="1">
-                  <c:v>74.18369999999998</c:v>
-                </c:pt>
-                <c:pt idx="2">
-                  <c:v>74.03870000000001</c:v>
-                </c:pt>
-              </c:numCache>
-            </c:numRef>
-          </c:val>
-        </c:ser>
-        <c:ser>
-          <c:idx val="1"/>
-          <c:order val="1"/>
-          <c:tx>
-            <c:strRef>
-              <c:f>Sheet1!$C$1</c:f>
-              <c:strCache>
-                <c:ptCount val="1"/>
-                <c:pt idx="0">
-                  <c:v>Root relative squared error</c:v>
-                </c:pt>
-              </c:strCache>
-            </c:strRef>
-          </c:tx>
-          <c:spPr>
-            <a:solidFill>
-              <a:schemeClr val="accent2"/>
-            </a:solidFill>
-            <a:ln>
-              <a:noFill/>
-            </a:ln>
-            <a:effectLst/>
-          </c:spPr>
-          <c:invertIfNegative val="0"/>
-          <c:cat>
-            <c:strRef>
-              <c:f>Sheet1!$A$2:$A$4</c:f>
-              <c:strCache>
-                <c:ptCount val="3"/>
-                <c:pt idx="0">
-                  <c:v>K=F, D=F</c:v>
-                </c:pt>
-                <c:pt idx="1">
-                  <c:v>K=T, D=F</c:v>
-                </c:pt>
-                <c:pt idx="2">
-                  <c:v>K=F, D=T</c:v>
-                </c:pt>
-              </c:strCache>
-            </c:strRef>
-          </c:cat>
-          <c:val>
-            <c:numRef>
-              <c:f>Sheet1!$C$2:$C$4</c:f>
-              <c:numCache>
-                <c:formatCode>General</c:formatCode>
-                <c:ptCount val="3"/>
-                <c:pt idx="0">
-                  <c:v>72.3271</c:v>
-                </c:pt>
-                <c:pt idx="1">
-                  <c:v>61.8014</c:v>
-                </c:pt>
-                <c:pt idx="2">
-                  <c:v>61.9984</c:v>
-                </c:pt>
-              </c:numCache>
-            </c:numRef>
-          </c:val>
-        </c:ser>
-        <c:dLbls>
-          <c:showLegendKey val="0"/>
-          <c:showVal val="0"/>
-          <c:showCatName val="0"/>
-          <c:showSerName val="0"/>
-          <c:showPercent val="0"/>
-          <c:showBubbleSize val="0"/>
-        </c:dLbls>
-        <c:gapWidth val="219"/>
-        <c:overlap val="-27"/>
-        <c:axId val="2141300624"/>
-        <c:axId val="2143575584"/>
-      </c:barChart>
-      <c:catAx>
-        <c:axId val="2141300624"/>
-        <c:scaling>
-          <c:orientation val="minMax"/>
-        </c:scaling>
-        <c:delete val="0"/>
-        <c:axPos val="b"/>
-        <c:numFmt formatCode="General" sourceLinked="1"/>
-        <c:majorTickMark val="none"/>
-        <c:minorTickMark val="none"/>
-        <c:tickLblPos val="nextTo"/>
-        <c:spPr>
-          <a:noFill/>
-          <a:ln w="9525" cap="flat" cmpd="sng" algn="ctr">
-            <a:solidFill>
-              <a:schemeClr val="tx1">
-                <a:lumMod val="15000"/>
-                <a:lumOff val="85000"/>
-              </a:schemeClr>
-            </a:solidFill>
-            <a:round/>
-          </a:ln>
-          <a:effectLst/>
-        </c:spPr>
-        <c:txPr>
-          <a:bodyPr rot="-60000000" spcFirstLastPara="1" vertOverflow="ellipsis" vert="horz" wrap="square" anchor="ctr" anchorCtr="1"/>
-          <a:lstStyle/>
-          <a:p>
-            <a:pPr>
-              <a:defRPr sz="1197" b="0" i="0" u="none" strike="noStrike" kern="1200" baseline="0">
-                <a:solidFill>
-                  <a:schemeClr val="tx1">
-                    <a:lumMod val="65000"/>
-                    <a:lumOff val="35000"/>
-                  </a:schemeClr>
-                </a:solidFill>
-                <a:latin typeface="+mn-lt"/>
-                <a:ea typeface="+mn-ea"/>
-                <a:cs typeface="+mn-cs"/>
-              </a:defRPr>
-            </a:pPr>
-            <a:endParaRPr lang="en-US"/>
-          </a:p>
-        </c:txPr>
-        <c:crossAx val="2143575584"/>
-        <c:crosses val="autoZero"/>
-        <c:auto val="1"/>
-        <c:lblAlgn val="ctr"/>
-        <c:lblOffset val="100"/>
-        <c:noMultiLvlLbl val="0"/>
-      </c:catAx>
-      <c:valAx>
-        <c:axId val="2143575584"/>
-        <c:scaling>
-          <c:orientation val="minMax"/>
-          <c:max val="80.0"/>
-          <c:min val="50.0"/>
-        </c:scaling>
-        <c:delete val="0"/>
-        <c:axPos val="l"/>
-        <c:majorGridlines>
-          <c:spPr>
-            <a:ln w="9525" cap="flat" cmpd="sng" algn="ctr">
-              <a:solidFill>
-                <a:schemeClr val="tx1">
-                  <a:lumMod val="15000"/>
-                  <a:lumOff val="85000"/>
-                </a:schemeClr>
-              </a:solidFill>
-              <a:round/>
-            </a:ln>
-            <a:effectLst/>
-          </c:spPr>
-        </c:majorGridlines>
-        <c:numFmt formatCode="General" sourceLinked="0"/>
-        <c:majorTickMark val="none"/>
-        <c:minorTickMark val="none"/>
-        <c:tickLblPos val="nextTo"/>
-        <c:spPr>
-          <a:noFill/>
-          <a:ln>
-            <a:noFill/>
-          </a:ln>
-          <a:effectLst/>
-        </c:spPr>
-        <c:txPr>
-          <a:bodyPr rot="-60000000" spcFirstLastPara="1" vertOverflow="ellipsis" vert="horz" wrap="square" anchor="ctr" anchorCtr="1"/>
-          <a:lstStyle/>
-          <a:p>
-            <a:pPr>
-              <a:defRPr sz="1197" b="0" i="0" u="none" strike="noStrike" kern="1200" baseline="0">
-                <a:solidFill>
-                  <a:schemeClr val="tx1">
-                    <a:lumMod val="65000"/>
-                    <a:lumOff val="35000"/>
-                  </a:schemeClr>
-                </a:solidFill>
-                <a:latin typeface="+mn-lt"/>
-                <a:ea typeface="+mn-ea"/>
-                <a:cs typeface="+mn-cs"/>
-              </a:defRPr>
-            </a:pPr>
-            <a:endParaRPr lang="en-US"/>
-          </a:p>
-        </c:txPr>
-        <c:crossAx val="2141300624"/>
+        <c:crossAx val="-747291216"/>
         <c:crosses val="autoZero"/>
         <c:crossBetween val="between"/>
       </c:valAx>
@@ -2428,397 +2862,6 @@
     <c:legend>
       <c:legendPos val="b"/>
       <c:layout/>
-      <c:overlay val="0"/>
-      <c:spPr>
-        <a:noFill/>
-        <a:ln>
-          <a:noFill/>
-        </a:ln>
-        <a:effectLst/>
-      </c:spPr>
-      <c:txPr>
-        <a:bodyPr rot="0" spcFirstLastPara="1" vertOverflow="ellipsis" vert="horz" wrap="square" anchor="ctr" anchorCtr="1"/>
-        <a:lstStyle/>
-        <a:p>
-          <a:pPr>
-            <a:defRPr sz="1197" b="0" i="0" u="none" strike="noStrike" kern="1200" baseline="0">
-              <a:solidFill>
-                <a:schemeClr val="tx1">
-                  <a:lumMod val="65000"/>
-                  <a:lumOff val="35000"/>
-                </a:schemeClr>
-              </a:solidFill>
-              <a:latin typeface="+mn-lt"/>
-              <a:ea typeface="+mn-ea"/>
-              <a:cs typeface="+mn-cs"/>
-            </a:defRPr>
-          </a:pPr>
-          <a:endParaRPr lang="en-US"/>
-        </a:p>
-      </c:txPr>
-    </c:legend>
-    <c:plotVisOnly val="1"/>
-    <c:dispBlanksAs val="gap"/>
-    <c:showDLblsOverMax val="0"/>
-  </c:chart>
-  <c:spPr>
-    <a:noFill/>
-    <a:ln>
-      <a:noFill/>
-    </a:ln>
-    <a:effectLst/>
-  </c:spPr>
-  <c:txPr>
-    <a:bodyPr/>
-    <a:lstStyle/>
-    <a:p>
-      <a:pPr>
-        <a:defRPr/>
-      </a:pPr>
-      <a:endParaRPr lang="en-US"/>
-    </a:p>
-  </c:txPr>
-  <c:externalData r:id="rId3">
-    <c:autoUpdate val="0"/>
-  </c:externalData>
-</c:chartSpace>
-</file>
-
-<file path=ppt/charts/chart7.xml><?xml version="1.0" encoding="utf-8"?>
-<c:chartSpace xmlns:c="http://schemas.openxmlformats.org/drawingml/2006/chart" xmlns:a="http://schemas.openxmlformats.org/drawingml/2006/main" xmlns:r="http://schemas.openxmlformats.org/officeDocument/2006/relationships">
-  <c:date1904 val="0"/>
-  <c:lang val="en-US"/>
-  <c:roundedCorners val="0"/>
-  <mc:AlternateContent xmlns:mc="http://schemas.openxmlformats.org/markup-compatibility/2006">
-    <mc:Choice xmlns:c14="http://schemas.microsoft.com/office/drawing/2007/8/2/chart" Requires="c14">
-      <c14:style val="102"/>
-    </mc:Choice>
-    <mc:Fallback>
-      <c:style val="2"/>
-    </mc:Fallback>
-  </mc:AlternateContent>
-  <c:chart>
-    <c:title>
-      <c:tx>
-        <c:rich>
-          <a:bodyPr rot="0" spcFirstLastPara="1" vertOverflow="ellipsis" vert="horz" wrap="square" anchor="ctr" anchorCtr="1"/>
-          <a:lstStyle/>
-          <a:p>
-            <a:pPr>
-              <a:defRPr sz="1862" b="0" i="0" u="none" strike="noStrike" kern="1200" spc="0" baseline="0">
-                <a:solidFill>
-                  <a:schemeClr val="tx1">
-                    <a:lumMod val="65000"/>
-                    <a:lumOff val="35000"/>
-                  </a:schemeClr>
-                </a:solidFill>
-                <a:latin typeface="+mn-lt"/>
-                <a:ea typeface="+mn-ea"/>
-                <a:cs typeface="+mn-cs"/>
-              </a:defRPr>
-            </a:pPr>
-            <a:r>
-              <a:rPr lang="en-US" dirty="0" smtClean="0"/>
-              <a:t>Digit</a:t>
-            </a:r>
-            <a:r>
-              <a:rPr lang="en-US" baseline="0" dirty="0" smtClean="0"/>
-              <a:t> </a:t>
-            </a:r>
-            <a:r>
-              <a:rPr lang="en-US" dirty="0" smtClean="0"/>
-              <a:t>Recognition</a:t>
-            </a:r>
-            <a:endParaRPr lang="en-US" dirty="0"/>
-          </a:p>
-        </c:rich>
-      </c:tx>
-      <c:overlay val="0"/>
-      <c:spPr>
-        <a:noFill/>
-        <a:ln>
-          <a:noFill/>
-        </a:ln>
-        <a:effectLst/>
-      </c:spPr>
-      <c:txPr>
-        <a:bodyPr rot="0" spcFirstLastPara="1" vertOverflow="ellipsis" vert="horz" wrap="square" anchor="ctr" anchorCtr="1"/>
-        <a:lstStyle/>
-        <a:p>
-          <a:pPr>
-            <a:defRPr sz="1862" b="0" i="0" u="none" strike="noStrike" kern="1200" spc="0" baseline="0">
-              <a:solidFill>
-                <a:schemeClr val="tx1">
-                  <a:lumMod val="65000"/>
-                  <a:lumOff val="35000"/>
-                </a:schemeClr>
-              </a:solidFill>
-              <a:latin typeface="+mn-lt"/>
-              <a:ea typeface="+mn-ea"/>
-              <a:cs typeface="+mn-cs"/>
-            </a:defRPr>
-          </a:pPr>
-          <a:endParaRPr lang="en-US"/>
-        </a:p>
-      </c:txPr>
-    </c:title>
-    <c:autoTitleDeleted val="0"/>
-    <c:plotArea>
-      <c:layout/>
-      <c:barChart>
-        <c:barDir val="col"/>
-        <c:grouping val="clustered"/>
-        <c:varyColors val="0"/>
-        <c:ser>
-          <c:idx val="0"/>
-          <c:order val="0"/>
-          <c:tx>
-            <c:strRef>
-              <c:f>Sheet1!$B$1</c:f>
-              <c:strCache>
-                <c:ptCount val="1"/>
-                <c:pt idx="0">
-                  <c:v>Correctness</c:v>
-                </c:pt>
-              </c:strCache>
-            </c:strRef>
-          </c:tx>
-          <c:spPr>
-            <a:solidFill>
-              <a:schemeClr val="accent1"/>
-            </a:solidFill>
-            <a:ln>
-              <a:noFill/>
-            </a:ln>
-            <a:effectLst/>
-          </c:spPr>
-          <c:invertIfNegative val="0"/>
-          <c:cat>
-            <c:strRef>
-              <c:f>Sheet1!$A$2:$A$4</c:f>
-              <c:strCache>
-                <c:ptCount val="3"/>
-                <c:pt idx="0">
-                  <c:v>K=F, D=F</c:v>
-                </c:pt>
-                <c:pt idx="1">
-                  <c:v>K=T, D=F</c:v>
-                </c:pt>
-                <c:pt idx="2">
-                  <c:v>K=F, D=T</c:v>
-                </c:pt>
-              </c:strCache>
-            </c:strRef>
-          </c:cat>
-          <c:val>
-            <c:numRef>
-              <c:f>Sheet1!$B$2:$B$4</c:f>
-              <c:numCache>
-                <c:formatCode>General</c:formatCode>
-                <c:ptCount val="3"/>
-                <c:pt idx="0">
-                  <c:v>91.2958</c:v>
-                </c:pt>
-                <c:pt idx="1">
-                  <c:v>92.0256</c:v>
-                </c:pt>
-                <c:pt idx="2">
-                  <c:v>92.0256</c:v>
-                </c:pt>
-              </c:numCache>
-            </c:numRef>
-          </c:val>
-        </c:ser>
-        <c:ser>
-          <c:idx val="1"/>
-          <c:order val="1"/>
-          <c:tx>
-            <c:strRef>
-              <c:f>Sheet1!$C$1</c:f>
-              <c:strCache>
-                <c:ptCount val="1"/>
-                <c:pt idx="0">
-                  <c:v>Root relative squared error</c:v>
-                </c:pt>
-              </c:strCache>
-            </c:strRef>
-          </c:tx>
-          <c:spPr>
-            <a:solidFill>
-              <a:schemeClr val="accent2"/>
-            </a:solidFill>
-            <a:ln>
-              <a:noFill/>
-            </a:ln>
-            <a:effectLst/>
-          </c:spPr>
-          <c:invertIfNegative val="0"/>
-          <c:cat>
-            <c:strRef>
-              <c:f>Sheet1!$A$2:$A$4</c:f>
-              <c:strCache>
-                <c:ptCount val="3"/>
-                <c:pt idx="0">
-                  <c:v>K=F, D=F</c:v>
-                </c:pt>
-                <c:pt idx="1">
-                  <c:v>K=T, D=F</c:v>
-                </c:pt>
-                <c:pt idx="2">
-                  <c:v>K=F, D=T</c:v>
-                </c:pt>
-              </c:strCache>
-            </c:strRef>
-          </c:cat>
-          <c:val>
-            <c:numRef>
-              <c:f>Sheet1!$C$2:$C$4</c:f>
-              <c:numCache>
-                <c:formatCode>General</c:formatCode>
-                <c:ptCount val="3"/>
-                <c:pt idx="0">
-                  <c:v>42.3396</c:v>
-                </c:pt>
-                <c:pt idx="1">
-                  <c:v>38.9948</c:v>
-                </c:pt>
-                <c:pt idx="2">
-                  <c:v>39.3713</c:v>
-                </c:pt>
-              </c:numCache>
-            </c:numRef>
-          </c:val>
-        </c:ser>
-        <c:dLbls>
-          <c:showLegendKey val="0"/>
-          <c:showVal val="0"/>
-          <c:showCatName val="0"/>
-          <c:showSerName val="0"/>
-          <c:showPercent val="0"/>
-          <c:showBubbleSize val="0"/>
-        </c:dLbls>
-        <c:gapWidth val="219"/>
-        <c:overlap val="-27"/>
-        <c:axId val="2139737760"/>
-        <c:axId val="2139736160"/>
-      </c:barChart>
-      <c:catAx>
-        <c:axId val="2139737760"/>
-        <c:scaling>
-          <c:orientation val="minMax"/>
-        </c:scaling>
-        <c:delete val="0"/>
-        <c:axPos val="b"/>
-        <c:numFmt formatCode="General" sourceLinked="1"/>
-        <c:majorTickMark val="none"/>
-        <c:minorTickMark val="none"/>
-        <c:tickLblPos val="nextTo"/>
-        <c:spPr>
-          <a:noFill/>
-          <a:ln w="9525" cap="flat" cmpd="sng" algn="ctr">
-            <a:solidFill>
-              <a:schemeClr val="tx1">
-                <a:lumMod val="15000"/>
-                <a:lumOff val="85000"/>
-              </a:schemeClr>
-            </a:solidFill>
-            <a:round/>
-          </a:ln>
-          <a:effectLst/>
-        </c:spPr>
-        <c:txPr>
-          <a:bodyPr rot="-60000000" spcFirstLastPara="1" vertOverflow="ellipsis" vert="horz" wrap="square" anchor="ctr" anchorCtr="1"/>
-          <a:lstStyle/>
-          <a:p>
-            <a:pPr>
-              <a:defRPr sz="1197" b="0" i="0" u="none" strike="noStrike" kern="1200" baseline="0">
-                <a:solidFill>
-                  <a:schemeClr val="tx1">
-                    <a:lumMod val="65000"/>
-                    <a:lumOff val="35000"/>
-                  </a:schemeClr>
-                </a:solidFill>
-                <a:latin typeface="+mn-lt"/>
-                <a:ea typeface="+mn-ea"/>
-                <a:cs typeface="+mn-cs"/>
-              </a:defRPr>
-            </a:pPr>
-            <a:endParaRPr lang="en-US"/>
-          </a:p>
-        </c:txPr>
-        <c:crossAx val="2139736160"/>
-        <c:crosses val="autoZero"/>
-        <c:auto val="1"/>
-        <c:lblAlgn val="ctr"/>
-        <c:lblOffset val="100"/>
-        <c:noMultiLvlLbl val="0"/>
-      </c:catAx>
-      <c:valAx>
-        <c:axId val="2139736160"/>
-        <c:scaling>
-          <c:orientation val="minMax"/>
-        </c:scaling>
-        <c:delete val="0"/>
-        <c:axPos val="l"/>
-        <c:majorGridlines>
-          <c:spPr>
-            <a:ln w="9525" cap="flat" cmpd="sng" algn="ctr">
-              <a:solidFill>
-                <a:schemeClr val="tx1">
-                  <a:lumMod val="15000"/>
-                  <a:lumOff val="85000"/>
-                </a:schemeClr>
-              </a:solidFill>
-              <a:round/>
-            </a:ln>
-            <a:effectLst/>
-          </c:spPr>
-        </c:majorGridlines>
-        <c:numFmt formatCode="General" sourceLinked="0"/>
-        <c:majorTickMark val="none"/>
-        <c:minorTickMark val="none"/>
-        <c:tickLblPos val="nextTo"/>
-        <c:spPr>
-          <a:noFill/>
-          <a:ln>
-            <a:noFill/>
-          </a:ln>
-          <a:effectLst/>
-        </c:spPr>
-        <c:txPr>
-          <a:bodyPr rot="-60000000" spcFirstLastPara="1" vertOverflow="ellipsis" vert="horz" wrap="square" anchor="ctr" anchorCtr="1"/>
-          <a:lstStyle/>
-          <a:p>
-            <a:pPr>
-              <a:defRPr sz="1197" b="0" i="0" u="none" strike="noStrike" kern="1200" baseline="0">
-                <a:solidFill>
-                  <a:schemeClr val="tx1">
-                    <a:lumMod val="65000"/>
-                    <a:lumOff val="35000"/>
-                  </a:schemeClr>
-                </a:solidFill>
-                <a:latin typeface="+mn-lt"/>
-                <a:ea typeface="+mn-ea"/>
-                <a:cs typeface="+mn-cs"/>
-              </a:defRPr>
-            </a:pPr>
-            <a:endParaRPr lang="en-US"/>
-          </a:p>
-        </c:txPr>
-        <c:crossAx val="2139737760"/>
-        <c:crosses val="autoZero"/>
-        <c:crossBetween val="between"/>
-      </c:valAx>
-      <c:spPr>
-        <a:noFill/>
-        <a:ln>
-          <a:noFill/>
-        </a:ln>
-        <a:effectLst/>
-      </c:spPr>
-    </c:plotArea>
-    <c:legend>
-      <c:legendPos val="b"/>
       <c:overlay val="0"/>
       <c:spPr>
         <a:noFill/>
@@ -7209,6 +7252,98 @@
 </p:notes>
 </file>
 
+<file path=ppt/notesSlides/notesSlide3.xml><?xml version="1.0" encoding="utf-8"?>
+<p:notes xmlns:a="http://schemas.openxmlformats.org/drawingml/2006/main" xmlns:r="http://schemas.openxmlformats.org/officeDocument/2006/relationships" xmlns:p="http://schemas.openxmlformats.org/presentationml/2006/main">
+  <p:cSld>
+    <p:spTree>
+      <p:nvGrpSpPr>
+        <p:cNvPr id="1" name=""/>
+        <p:cNvGrpSpPr/>
+        <p:nvPr/>
+      </p:nvGrpSpPr>
+      <p:grpSpPr>
+        <a:xfrm>
+          <a:off x="0" y="0"/>
+          <a:ext cx="0" cy="0"/>
+          <a:chOff x="0" y="0"/>
+          <a:chExt cx="0" cy="0"/>
+        </a:xfrm>
+      </p:grpSpPr>
+      <p:sp>
+        <p:nvSpPr>
+          <p:cNvPr id="2" name="Slide Image Placeholder 1"/>
+          <p:cNvSpPr>
+            <a:spLocks noGrp="1" noRot="1" noChangeAspect="1"/>
+          </p:cNvSpPr>
+          <p:nvPr>
+            <p:ph type="sldImg"/>
+          </p:nvPr>
+        </p:nvSpPr>
+        <p:spPr/>
+      </p:sp>
+      <p:sp>
+        <p:nvSpPr>
+          <p:cNvPr id="3" name="Notes Placeholder 2"/>
+          <p:cNvSpPr>
+            <a:spLocks noGrp="1"/>
+          </p:cNvSpPr>
+          <p:nvPr>
+            <p:ph type="body" idx="1"/>
+          </p:nvPr>
+        </p:nvSpPr>
+        <p:spPr/>
+        <p:txBody>
+          <a:bodyPr/>
+          <a:lstStyle/>
+          <a:p>
+            <a:r>
+              <a:rPr lang="en-US" dirty="0" smtClean="0"/>
+              <a:t>Only change one parameter at</a:t>
+            </a:r>
+            <a:r>
+              <a:rPr lang="en-US" baseline="0" dirty="0" smtClean="0"/>
+              <a:t> a time to see its effect.</a:t>
+            </a:r>
+            <a:endParaRPr lang="en-US" dirty="0"/>
+          </a:p>
+        </p:txBody>
+      </p:sp>
+      <p:sp>
+        <p:nvSpPr>
+          <p:cNvPr id="4" name="Slide Number Placeholder 3"/>
+          <p:cNvSpPr>
+            <a:spLocks noGrp="1"/>
+          </p:cNvSpPr>
+          <p:nvPr>
+            <p:ph type="sldNum" sz="quarter" idx="10"/>
+          </p:nvPr>
+        </p:nvSpPr>
+        <p:spPr/>
+        <p:txBody>
+          <a:bodyPr/>
+          <a:lstStyle/>
+          <a:p>
+            <a:fld id="{1C63729A-534C-874A-B073-5D3F38B81A78}" type="slidenum">
+              <a:rPr lang="en-US" smtClean="0"/>
+              <a:t>13</a:t>
+            </a:fld>
+            <a:endParaRPr lang="en-US"/>
+          </a:p>
+        </p:txBody>
+      </p:sp>
+    </p:spTree>
+    <p:extLst>
+      <p:ext uri="{BB962C8B-B14F-4D97-AF65-F5344CB8AC3E}">
+        <p14:creationId xmlns:p14="http://schemas.microsoft.com/office/powerpoint/2010/main" val="1583550923"/>
+      </p:ext>
+    </p:extLst>
+  </p:cSld>
+  <p:clrMapOvr>
+    <a:masterClrMapping/>
+  </p:clrMapOvr>
+</p:notes>
+</file>
+
 <file path=ppt/slideLayouts/slideLayout1.xml><?xml version="1.0" encoding="utf-8"?>
 <p:sldLayout xmlns:a="http://schemas.openxmlformats.org/drawingml/2006/main" xmlns:r="http://schemas.openxmlformats.org/officeDocument/2006/relationships" xmlns:p="http://schemas.openxmlformats.org/presentationml/2006/main" type="title" preserve="1">
   <p:cSld name="Title Slide">
@@ -14850,9 +14985,149 @@
           <a:p>
             <a:r>
               <a:rPr lang="en-US" sz="4400" dirty="0" smtClean="0"/>
-              <a:t>Classifiers Tuning</a:t>
+              <a:t>Classifier Tuning</a:t>
             </a:r>
             <a:endParaRPr lang="en-US" sz="4400" dirty="0"/>
+          </a:p>
+        </p:txBody>
+      </p:sp>
+      <p:sp>
+        <p:nvSpPr>
+          <p:cNvPr id="3" name="Content Placeholder 2"/>
+          <p:cNvSpPr>
+            <a:spLocks noGrp="1"/>
+          </p:cNvSpPr>
+          <p:nvPr>
+            <p:ph idx="1"/>
+          </p:nvPr>
+        </p:nvSpPr>
+        <p:spPr/>
+        <p:txBody>
+          <a:bodyPr>
+            <a:normAutofit fontScale="92500" lnSpcReduction="10000"/>
+          </a:bodyPr>
+          <a:lstStyle/>
+          <a:p>
+            <a:r>
+              <a:rPr lang="en-US" sz="2800" dirty="0" smtClean="0"/>
+              <a:t>Naïve Bayes</a:t>
+            </a:r>
+          </a:p>
+          <a:p>
+            <a:r>
+              <a:rPr lang="en-US" sz="2800" b="1" dirty="0" smtClean="0"/>
+              <a:t>Support Vector Machine</a:t>
+            </a:r>
+          </a:p>
+          <a:p>
+            <a:pPr lvl="1"/>
+            <a:r>
+              <a:rPr lang="en-US" sz="2600" dirty="0" smtClean="0"/>
+              <a:t>Complexity Parameter C</a:t>
+            </a:r>
+          </a:p>
+          <a:p>
+            <a:pPr lvl="1"/>
+            <a:r>
+              <a:rPr lang="en-US" sz="2600" dirty="0"/>
+              <a:t>The C parameter </a:t>
+            </a:r>
+            <a:r>
+              <a:rPr lang="en-US" sz="2600" dirty="0" smtClean="0"/>
+              <a:t>tells SVM optimization how much misclassification should be avoided in training.</a:t>
+            </a:r>
+            <a:endParaRPr lang="en-US" sz="2600" dirty="0"/>
+          </a:p>
+          <a:p>
+            <a:pPr lvl="1"/>
+            <a:r>
+              <a:rPr lang="en-US" sz="2600" dirty="0" smtClean="0"/>
+              <a:t>For large values of C, optimization tends to choose a smaller-margin hyper</a:t>
+            </a:r>
+            <a:r>
+              <a:rPr lang="en-US" altLang="zh-CN" sz="2600" dirty="0" smtClean="0"/>
+              <a:t>-</a:t>
+            </a:r>
+            <a:r>
+              <a:rPr lang="en-US" sz="2600" dirty="0" smtClean="0"/>
+              <a:t>plan</a:t>
+            </a:r>
+            <a:r>
+              <a:rPr lang="en-US" altLang="zh-CN" sz="2600" dirty="0" smtClean="0"/>
+              <a:t>e</a:t>
+            </a:r>
+            <a:r>
+              <a:rPr lang="en-US" sz="2600" dirty="0" smtClean="0"/>
+              <a:t> if it does a better job in classifying training data.</a:t>
+            </a:r>
+          </a:p>
+          <a:p>
+            <a:r>
+              <a:rPr lang="en-US" sz="2800" dirty="0" smtClean="0"/>
+              <a:t>Multi-layer Perceptron</a:t>
+            </a:r>
+            <a:endParaRPr lang="en-US" sz="2800" dirty="0"/>
+          </a:p>
+        </p:txBody>
+      </p:sp>
+    </p:spTree>
+    <p:extLst>
+      <p:ext uri="{BB962C8B-B14F-4D97-AF65-F5344CB8AC3E}">
+        <p14:creationId xmlns:p14="http://schemas.microsoft.com/office/powerpoint/2010/main" val="1323524370"/>
+      </p:ext>
+    </p:extLst>
+  </p:cSld>
+  <p:clrMapOvr>
+    <a:masterClrMapping/>
+  </p:clrMapOvr>
+  <p:timing>
+    <p:tnLst>
+      <p:par>
+        <p:cTn id="1" dur="indefinite" restart="never" nodeType="tmRoot"/>
+      </p:par>
+    </p:tnLst>
+  </p:timing>
+</p:sld>
+</file>
+
+<file path=ppt/slides/slide11.xml><?xml version="1.0" encoding="utf-8"?>
+<p:sld xmlns:a="http://schemas.openxmlformats.org/drawingml/2006/main" xmlns:r="http://schemas.openxmlformats.org/officeDocument/2006/relationships" xmlns:p="http://schemas.openxmlformats.org/presentationml/2006/main">
+  <p:cSld>
+    <p:spTree>
+      <p:nvGrpSpPr>
+        <p:cNvPr id="1" name=""/>
+        <p:cNvGrpSpPr/>
+        <p:nvPr/>
+      </p:nvGrpSpPr>
+      <p:grpSpPr>
+        <a:xfrm>
+          <a:off x="0" y="0"/>
+          <a:ext cx="0" cy="0"/>
+          <a:chOff x="0" y="0"/>
+          <a:chExt cx="0" cy="0"/>
+        </a:xfrm>
+      </p:grpSpPr>
+      <p:sp>
+        <p:nvSpPr>
+          <p:cNvPr id="2" name="Title 1"/>
+          <p:cNvSpPr>
+            <a:spLocks noGrp="1"/>
+          </p:cNvSpPr>
+          <p:nvPr>
+            <p:ph type="title"/>
+          </p:nvPr>
+        </p:nvSpPr>
+        <p:spPr/>
+        <p:txBody>
+          <a:bodyPr>
+            <a:normAutofit/>
+          </a:bodyPr>
+          <a:lstStyle/>
+          <a:p>
+            <a:r>
+              <a:rPr lang="en-US" sz="4400" dirty="0"/>
+              <a:t>Support Vector Machine</a:t>
+            </a:r>
           </a:p>
         </p:txBody>
       </p:sp>
@@ -14874,22 +15149,318 @@
           <a:lstStyle/>
           <a:p>
             <a:r>
-              <a:rPr lang="en-US" sz="2800" dirty="0" smtClean="0"/>
+              <a:rPr lang="de-DE" sz="2800" dirty="0" smtClean="0"/>
+              <a:t>-</a:t>
+            </a:r>
+            <a:r>
+              <a:rPr lang="de-DE" sz="2800" dirty="0"/>
+              <a:t>C </a:t>
+            </a:r>
+            <a:r>
+              <a:rPr lang="de-DE" sz="2800" dirty="0" smtClean="0"/>
+              <a:t>0.5 </a:t>
+            </a:r>
+            <a:r>
+              <a:rPr lang="de-DE" sz="2800" dirty="0"/>
+              <a:t>-L 0.001 -P 1.0E-12 -K </a:t>
+            </a:r>
+            <a:r>
+              <a:rPr lang="de-DE" sz="2800" dirty="0" err="1"/>
+              <a:t>PolyKernel</a:t>
+            </a:r>
+            <a:r>
+              <a:rPr lang="de-DE" sz="2800" dirty="0"/>
+              <a:t> </a:t>
+            </a:r>
+          </a:p>
+          <a:p>
+            <a:r>
+              <a:rPr lang="de-DE" sz="2800" dirty="0" smtClean="0"/>
+              <a:t>-</a:t>
+            </a:r>
+            <a:r>
+              <a:rPr lang="de-DE" sz="2800" dirty="0"/>
+              <a:t>C </a:t>
+            </a:r>
+            <a:r>
+              <a:rPr lang="de-DE" sz="2800" dirty="0" smtClean="0"/>
+              <a:t>1.0 </a:t>
+            </a:r>
+            <a:r>
+              <a:rPr lang="de-DE" sz="2800" dirty="0"/>
+              <a:t>-L 0.001 -P 1.0E-12 -K </a:t>
+            </a:r>
+            <a:r>
+              <a:rPr lang="de-DE" sz="2800" dirty="0" err="1" smtClean="0"/>
+              <a:t>PolyKernel</a:t>
+            </a:r>
+            <a:endParaRPr lang="de-DE" sz="2800" dirty="0" smtClean="0"/>
+          </a:p>
+          <a:p>
+            <a:r>
+              <a:rPr lang="de-DE" sz="2800" dirty="0"/>
+              <a:t>-C </a:t>
+            </a:r>
+            <a:r>
+              <a:rPr lang="de-DE" sz="2800" dirty="0" smtClean="0"/>
+              <a:t>1.5 </a:t>
+            </a:r>
+            <a:r>
+              <a:rPr lang="de-DE" sz="2800" dirty="0"/>
+              <a:t>-L 0.001 -P 1.0E-12 -K </a:t>
+            </a:r>
+            <a:r>
+              <a:rPr lang="de-DE" sz="2800" dirty="0" err="1"/>
+              <a:t>PolyKernel</a:t>
+            </a:r>
+            <a:r>
+              <a:rPr lang="de-DE" sz="2800" dirty="0"/>
+              <a:t> </a:t>
+            </a:r>
+          </a:p>
+          <a:p>
+            <a:r>
+              <a:rPr lang="de-DE" sz="2800" dirty="0"/>
+              <a:t>-C 2.0 -L 0.001 -P 1.0E-12 -K </a:t>
+            </a:r>
+            <a:r>
+              <a:rPr lang="de-DE" sz="2800" dirty="0" err="1" smtClean="0"/>
+              <a:t>PolyKernel</a:t>
+            </a:r>
+            <a:endParaRPr lang="de-DE" sz="2800" dirty="0" smtClean="0"/>
+          </a:p>
+          <a:p>
+            <a:endParaRPr lang="de-DE" sz="2800" dirty="0"/>
+          </a:p>
+          <a:p>
+            <a:r>
+              <a:rPr lang="de-DE" sz="2800" dirty="0" smtClean="0"/>
+              <a:t>C </a:t>
+            </a:r>
+            <a:r>
+              <a:rPr lang="de-DE" sz="2800" dirty="0" err="1"/>
+              <a:t>means</a:t>
+            </a:r>
+            <a:r>
+              <a:rPr lang="de-DE" sz="2800" dirty="0"/>
+              <a:t> </a:t>
+            </a:r>
+            <a:r>
+              <a:rPr lang="de-DE" sz="2800" dirty="0" err="1" smtClean="0"/>
+              <a:t>complexity</a:t>
+            </a:r>
+            <a:r>
+              <a:rPr lang="de-DE" sz="2800" dirty="0" smtClean="0"/>
+              <a:t> </a:t>
+            </a:r>
+            <a:r>
+              <a:rPr lang="de-DE" sz="2800" dirty="0" err="1"/>
+              <a:t>parameter</a:t>
+            </a:r>
+            <a:r>
+              <a:rPr lang="de-DE" sz="2800" dirty="0"/>
+              <a:t> </a:t>
+            </a:r>
+          </a:p>
+          <a:p>
+            <a:pPr marL="0" indent="0">
+              <a:buNone/>
+            </a:pPr>
+            <a:endParaRPr lang="de-DE" sz="2800" dirty="0"/>
+          </a:p>
+          <a:p>
+            <a:endParaRPr lang="en-US" sz="2800" dirty="0"/>
+          </a:p>
+        </p:txBody>
+      </p:sp>
+    </p:spTree>
+    <p:extLst>
+      <p:ext uri="{BB962C8B-B14F-4D97-AF65-F5344CB8AC3E}">
+        <p14:creationId xmlns:p14="http://schemas.microsoft.com/office/powerpoint/2010/main" val="1389705387"/>
+      </p:ext>
+    </p:extLst>
+  </p:cSld>
+  <p:clrMapOvr>
+    <a:masterClrMapping/>
+  </p:clrMapOvr>
+  <p:timing>
+    <p:tnLst>
+      <p:par>
+        <p:cTn id="1" dur="indefinite" restart="never" nodeType="tmRoot"/>
+      </p:par>
+    </p:tnLst>
+  </p:timing>
+</p:sld>
+</file>
+
+<file path=ppt/slides/slide12.xml><?xml version="1.0" encoding="utf-8"?>
+<p:sld xmlns:a="http://schemas.openxmlformats.org/drawingml/2006/main" xmlns:r="http://schemas.openxmlformats.org/officeDocument/2006/relationships" xmlns:p="http://schemas.openxmlformats.org/presentationml/2006/main">
+  <p:cSld>
+    <p:spTree>
+      <p:nvGrpSpPr>
+        <p:cNvPr id="1" name=""/>
+        <p:cNvGrpSpPr/>
+        <p:nvPr/>
+      </p:nvGrpSpPr>
+      <p:grpSpPr>
+        <a:xfrm>
+          <a:off x="0" y="0"/>
+          <a:ext cx="0" cy="0"/>
+          <a:chOff x="0" y="0"/>
+          <a:chExt cx="0" cy="0"/>
+        </a:xfrm>
+      </p:grpSpPr>
+      <p:sp>
+        <p:nvSpPr>
+          <p:cNvPr id="2" name="Title 1"/>
+          <p:cNvSpPr>
+            <a:spLocks noGrp="1"/>
+          </p:cNvSpPr>
+          <p:nvPr>
+            <p:ph type="title"/>
+          </p:nvPr>
+        </p:nvSpPr>
+        <p:spPr/>
+        <p:txBody>
+          <a:bodyPr>
+            <a:normAutofit/>
+          </a:bodyPr>
+          <a:lstStyle/>
+          <a:p>
+            <a:r>
+              <a:rPr lang="en-US" sz="4400" dirty="0" smtClean="0"/>
+              <a:t>Classifiers Tuning</a:t>
+            </a:r>
+            <a:endParaRPr lang="en-US" sz="4400" dirty="0"/>
+          </a:p>
+        </p:txBody>
+      </p:sp>
+      <p:sp>
+        <p:nvSpPr>
+          <p:cNvPr id="3" name="Content Placeholder 2"/>
+          <p:cNvSpPr>
+            <a:spLocks noGrp="1"/>
+          </p:cNvSpPr>
+          <p:nvPr>
+            <p:ph idx="1"/>
+          </p:nvPr>
+        </p:nvSpPr>
+        <p:spPr>
+          <a:xfrm>
+            <a:off x="2592925" y="1571223"/>
+            <a:ext cx="8779120" cy="5164428"/>
+          </a:xfrm>
+        </p:spPr>
+        <p:txBody>
+          <a:bodyPr>
+            <a:normAutofit fontScale="55000" lnSpcReduction="20000"/>
+          </a:bodyPr>
+          <a:lstStyle/>
+          <a:p>
+            <a:r>
+              <a:rPr lang="en-US" sz="4700" dirty="0" smtClean="0"/>
               <a:t>Naïve Bayes</a:t>
             </a:r>
           </a:p>
           <a:p>
             <a:r>
-              <a:rPr lang="en-US" sz="2800" dirty="0" smtClean="0"/>
+              <a:rPr lang="en-US" sz="4700" dirty="0" smtClean="0"/>
               <a:t>Support Vector Machine</a:t>
             </a:r>
           </a:p>
           <a:p>
             <a:r>
-              <a:rPr lang="en-US" sz="2800" b="1" dirty="0" smtClean="0"/>
-              <a:t>Multi-layer Perceptron</a:t>
-            </a:r>
-            <a:endParaRPr lang="en-US" sz="2800" b="1" dirty="0"/>
+              <a:rPr lang="en-US" sz="4700" b="1" dirty="0" smtClean="0"/>
+              <a:t>Multi-layer </a:t>
+            </a:r>
+            <a:r>
+              <a:rPr lang="en-US" sz="4700" b="1" dirty="0" smtClean="0"/>
+              <a:t>Perceptron</a:t>
+            </a:r>
+          </a:p>
+          <a:p>
+            <a:pPr lvl="1"/>
+            <a:r>
+              <a:rPr lang="en-US" sz="4400" dirty="0" err="1"/>
+              <a:t>learningRate</a:t>
+            </a:r>
+            <a:r>
+              <a:rPr lang="en-US" sz="4400" dirty="0"/>
+              <a:t> -- The amount the weights are updated</a:t>
+            </a:r>
+            <a:r>
+              <a:rPr lang="en-US" sz="4400" dirty="0" smtClean="0"/>
+              <a:t>.</a:t>
+            </a:r>
+          </a:p>
+          <a:p>
+            <a:pPr lvl="1"/>
+            <a:r>
+              <a:rPr lang="en-US" sz="4400" dirty="0" err="1" smtClean="0"/>
+              <a:t>trainingTime</a:t>
+            </a:r>
+            <a:r>
+              <a:rPr lang="en-US" sz="4400" dirty="0" smtClean="0"/>
+              <a:t> </a:t>
+            </a:r>
+            <a:r>
+              <a:rPr lang="en-US" sz="4400" dirty="0"/>
+              <a:t>-- The number of epochs to train through. If the validation set is non-zero then it can terminate the network </a:t>
+            </a:r>
+            <a:r>
+              <a:rPr lang="en-US" sz="4400" dirty="0" smtClean="0"/>
+              <a:t>early</a:t>
+            </a:r>
+          </a:p>
+          <a:p>
+            <a:pPr lvl="1"/>
+            <a:r>
+              <a:rPr lang="en-US" sz="4400" dirty="0" err="1"/>
+              <a:t>validationThreshold</a:t>
+            </a:r>
+            <a:r>
+              <a:rPr lang="en-US" sz="4400" dirty="0"/>
+              <a:t> -- Used to terminate validation </a:t>
+            </a:r>
+            <a:r>
+              <a:rPr lang="en-US" sz="4400" dirty="0" err="1"/>
+              <a:t>testing.The</a:t>
+            </a:r>
+            <a:r>
+              <a:rPr lang="en-US" sz="4400" dirty="0"/>
+              <a:t> value here dictates how many times in a row the validation set error can get worse before training is terminated</a:t>
+            </a:r>
+            <a:r>
+              <a:rPr lang="en-US" sz="4400" dirty="0" smtClean="0"/>
+              <a:t>.</a:t>
+            </a:r>
+          </a:p>
+          <a:p>
+            <a:pPr lvl="1"/>
+            <a:r>
+              <a:rPr lang="en-US" sz="4400" dirty="0" smtClean="0"/>
+              <a:t>Other parameters </a:t>
+            </a:r>
+            <a:r>
+              <a:rPr lang="en-US" sz="4400" dirty="0"/>
+              <a:t>include momentum, seed, </a:t>
+            </a:r>
+            <a:r>
+              <a:rPr lang="en-US" sz="4400" dirty="0" err="1" smtClean="0"/>
+              <a:t>nominalToBinaryFilter</a:t>
+            </a:r>
+            <a:r>
+              <a:rPr lang="en-US" sz="4400" dirty="0"/>
+              <a:t>, </a:t>
+            </a:r>
+            <a:r>
+              <a:rPr lang="en-US" sz="4400" dirty="0" err="1" smtClean="0"/>
+              <a:t>hiddenLayers</a:t>
+            </a:r>
+            <a:r>
+              <a:rPr lang="en-US" sz="4400" dirty="0" smtClean="0"/>
+              <a:t> etc.</a:t>
+            </a:r>
           </a:p>
         </p:txBody>
       </p:sp>
@@ -14913,7 +15484,384 @@
 </p:sld>
 </file>
 
-<file path=ppt/slides/slide11.xml><?xml version="1.0" encoding="utf-8"?>
+<file path=ppt/slides/slide13.xml><?xml version="1.0" encoding="utf-8"?>
+<p:sld xmlns:a="http://schemas.openxmlformats.org/drawingml/2006/main" xmlns:r="http://schemas.openxmlformats.org/officeDocument/2006/relationships" xmlns:p="http://schemas.openxmlformats.org/presentationml/2006/main">
+  <p:cSld>
+    <p:spTree>
+      <p:nvGrpSpPr>
+        <p:cNvPr id="1" name=""/>
+        <p:cNvGrpSpPr/>
+        <p:nvPr/>
+      </p:nvGrpSpPr>
+      <p:grpSpPr>
+        <a:xfrm>
+          <a:off x="0" y="0"/>
+          <a:ext cx="0" cy="0"/>
+          <a:chOff x="0" y="0"/>
+          <a:chExt cx="0" cy="0"/>
+        </a:xfrm>
+      </p:grpSpPr>
+      <p:sp>
+        <p:nvSpPr>
+          <p:cNvPr id="2" name="Title 1"/>
+          <p:cNvSpPr>
+            <a:spLocks noGrp="1"/>
+          </p:cNvSpPr>
+          <p:nvPr>
+            <p:ph type="title"/>
+          </p:nvPr>
+        </p:nvSpPr>
+        <p:spPr/>
+        <p:txBody>
+          <a:bodyPr>
+            <a:normAutofit/>
+          </a:bodyPr>
+          <a:lstStyle/>
+          <a:p>
+            <a:r>
+              <a:rPr lang="en-US" sz="4400" dirty="0" smtClean="0"/>
+              <a:t>Multilayer Perceptron</a:t>
+            </a:r>
+            <a:endParaRPr lang="en-US" sz="4400" dirty="0"/>
+          </a:p>
+        </p:txBody>
+      </p:sp>
+      <p:sp>
+        <p:nvSpPr>
+          <p:cNvPr id="3" name="Content Placeholder 2"/>
+          <p:cNvSpPr>
+            <a:spLocks noGrp="1"/>
+          </p:cNvSpPr>
+          <p:nvPr>
+            <p:ph idx="1"/>
+          </p:nvPr>
+        </p:nvSpPr>
+        <p:spPr/>
+        <p:txBody>
+          <a:bodyPr>
+            <a:normAutofit/>
+          </a:bodyPr>
+          <a:lstStyle/>
+          <a:p>
+            <a:r>
+              <a:rPr lang="en-US" sz="2800" dirty="0" smtClean="0"/>
+              <a:t>-L 0.3 </a:t>
+            </a:r>
+            <a:r>
+              <a:rPr lang="mr-IN" sz="2800" dirty="0" smtClean="0"/>
+              <a:t>-</a:t>
+            </a:r>
+            <a:r>
+              <a:rPr lang="en-US" sz="2800" dirty="0" smtClean="0"/>
+              <a:t>M 0.2 </a:t>
+            </a:r>
+            <a:r>
+              <a:rPr lang="mr-IN" sz="2800" dirty="0" smtClean="0"/>
+              <a:t>-</a:t>
+            </a:r>
+            <a:r>
+              <a:rPr lang="en-US" sz="2800" dirty="0" smtClean="0"/>
+              <a:t>N 500 </a:t>
+            </a:r>
+            <a:r>
+              <a:rPr lang="mr-IN" sz="2800" dirty="0" smtClean="0"/>
+              <a:t>-</a:t>
+            </a:r>
+            <a:r>
+              <a:rPr lang="en-US" sz="2800" dirty="0" smtClean="0"/>
+              <a:t>V 0 </a:t>
+            </a:r>
+            <a:r>
+              <a:rPr lang="mr-IN" sz="2800" dirty="0" smtClean="0"/>
+              <a:t>-</a:t>
+            </a:r>
+            <a:r>
+              <a:rPr lang="en-US" sz="2800" dirty="0" smtClean="0"/>
+              <a:t>S 0 </a:t>
+            </a:r>
+            <a:r>
+              <a:rPr lang="mr-IN" sz="2800" dirty="0" smtClean="0"/>
+              <a:t>-</a:t>
+            </a:r>
+            <a:r>
+              <a:rPr lang="en-US" sz="2800" dirty="0" smtClean="0"/>
+              <a:t>E 20 </a:t>
+            </a:r>
+            <a:r>
+              <a:rPr lang="mr-IN" sz="2800" dirty="0" smtClean="0"/>
+              <a:t>-</a:t>
+            </a:r>
+            <a:r>
+              <a:rPr lang="en-US" sz="2800" dirty="0" smtClean="0"/>
+              <a:t>H a</a:t>
+            </a:r>
+          </a:p>
+          <a:p>
+            <a:r>
+              <a:rPr lang="en-US" sz="2800" dirty="0"/>
+              <a:t>-L </a:t>
+            </a:r>
+            <a:r>
+              <a:rPr lang="en-US" sz="2800" dirty="0" smtClean="0"/>
+              <a:t>0.6 </a:t>
+            </a:r>
+            <a:r>
+              <a:rPr lang="mr-IN" sz="2800" dirty="0"/>
+              <a:t>-</a:t>
+            </a:r>
+            <a:r>
+              <a:rPr lang="en-US" sz="2800" dirty="0"/>
+              <a:t>M 0.2 </a:t>
+            </a:r>
+            <a:r>
+              <a:rPr lang="mr-IN" sz="2800" dirty="0"/>
+              <a:t>-</a:t>
+            </a:r>
+            <a:r>
+              <a:rPr lang="en-US" sz="2800" dirty="0"/>
+              <a:t>N 500 </a:t>
+            </a:r>
+            <a:r>
+              <a:rPr lang="mr-IN" sz="2800" dirty="0"/>
+              <a:t>-</a:t>
+            </a:r>
+            <a:r>
+              <a:rPr lang="en-US" sz="2800" dirty="0"/>
+              <a:t>V 0 </a:t>
+            </a:r>
+            <a:r>
+              <a:rPr lang="mr-IN" sz="2800" dirty="0"/>
+              <a:t>-</a:t>
+            </a:r>
+            <a:r>
+              <a:rPr lang="en-US" sz="2800" dirty="0"/>
+              <a:t>S 0 </a:t>
+            </a:r>
+            <a:r>
+              <a:rPr lang="mr-IN" sz="2800" dirty="0"/>
+              <a:t>-</a:t>
+            </a:r>
+            <a:r>
+              <a:rPr lang="en-US" sz="2800" dirty="0"/>
+              <a:t>E 20 </a:t>
+            </a:r>
+            <a:r>
+              <a:rPr lang="mr-IN" sz="2800" dirty="0"/>
+              <a:t>-</a:t>
+            </a:r>
+            <a:r>
+              <a:rPr lang="en-US" sz="2800" dirty="0"/>
+              <a:t>H a</a:t>
+            </a:r>
+          </a:p>
+          <a:p>
+            <a:r>
+              <a:rPr lang="en-US" sz="2800" dirty="0"/>
+              <a:t>-L 0.3 </a:t>
+            </a:r>
+            <a:r>
+              <a:rPr lang="mr-IN" sz="2800" dirty="0"/>
+              <a:t>-</a:t>
+            </a:r>
+            <a:r>
+              <a:rPr lang="en-US" sz="2800" dirty="0"/>
+              <a:t>M 0.2 </a:t>
+            </a:r>
+            <a:r>
+              <a:rPr lang="mr-IN" sz="2800" dirty="0"/>
+              <a:t>-</a:t>
+            </a:r>
+            <a:r>
+              <a:rPr lang="en-US" sz="2800" dirty="0"/>
+              <a:t>N </a:t>
+            </a:r>
+            <a:r>
+              <a:rPr lang="en-US" sz="2800" dirty="0" smtClean="0"/>
+              <a:t>200 </a:t>
+            </a:r>
+            <a:r>
+              <a:rPr lang="mr-IN" sz="2800" dirty="0"/>
+              <a:t>-</a:t>
+            </a:r>
+            <a:r>
+              <a:rPr lang="en-US" sz="2800" dirty="0"/>
+              <a:t>V 0 </a:t>
+            </a:r>
+            <a:r>
+              <a:rPr lang="mr-IN" sz="2800" dirty="0"/>
+              <a:t>-</a:t>
+            </a:r>
+            <a:r>
+              <a:rPr lang="en-US" sz="2800" dirty="0"/>
+              <a:t>S 0 </a:t>
+            </a:r>
+            <a:r>
+              <a:rPr lang="mr-IN" sz="2800" dirty="0"/>
+              <a:t>-</a:t>
+            </a:r>
+            <a:r>
+              <a:rPr lang="en-US" sz="2800" dirty="0"/>
+              <a:t>E 20 </a:t>
+            </a:r>
+            <a:r>
+              <a:rPr lang="mr-IN" sz="2800" dirty="0"/>
+              <a:t>-</a:t>
+            </a:r>
+            <a:r>
+              <a:rPr lang="en-US" sz="2800" dirty="0"/>
+              <a:t>H a</a:t>
+            </a:r>
+          </a:p>
+          <a:p>
+            <a:r>
+              <a:rPr lang="en-US" sz="2800" dirty="0"/>
+              <a:t>-L 0.3 </a:t>
+            </a:r>
+            <a:r>
+              <a:rPr lang="mr-IN" sz="2800" dirty="0"/>
+              <a:t>-</a:t>
+            </a:r>
+            <a:r>
+              <a:rPr lang="en-US" sz="2800" dirty="0"/>
+              <a:t>M 0.2 </a:t>
+            </a:r>
+            <a:r>
+              <a:rPr lang="mr-IN" sz="2800" dirty="0"/>
+              <a:t>-</a:t>
+            </a:r>
+            <a:r>
+              <a:rPr lang="en-US" sz="2800" dirty="0"/>
+              <a:t>N </a:t>
+            </a:r>
+            <a:r>
+              <a:rPr lang="en-US" sz="2800" dirty="0" smtClean="0"/>
+              <a:t>500 </a:t>
+            </a:r>
+            <a:r>
+              <a:rPr lang="mr-IN" sz="2800" dirty="0"/>
+              <a:t>-</a:t>
+            </a:r>
+            <a:r>
+              <a:rPr lang="en-US" sz="2800" dirty="0"/>
+              <a:t>V 0 </a:t>
+            </a:r>
+            <a:r>
+              <a:rPr lang="mr-IN" sz="2800" dirty="0"/>
+              <a:t>-</a:t>
+            </a:r>
+            <a:r>
+              <a:rPr lang="en-US" sz="2800" dirty="0"/>
+              <a:t>S 0 </a:t>
+            </a:r>
+            <a:r>
+              <a:rPr lang="mr-IN" sz="2800" dirty="0"/>
+              <a:t>-</a:t>
+            </a:r>
+            <a:r>
+              <a:rPr lang="en-US" sz="2800" dirty="0"/>
+              <a:t>E </a:t>
+            </a:r>
+            <a:r>
+              <a:rPr lang="en-US" sz="2800" dirty="0" smtClean="0"/>
+              <a:t>10 </a:t>
+            </a:r>
+            <a:r>
+              <a:rPr lang="mr-IN" sz="2800" dirty="0"/>
+              <a:t>-</a:t>
+            </a:r>
+            <a:r>
+              <a:rPr lang="en-US" sz="2800" dirty="0"/>
+              <a:t>H a</a:t>
+            </a:r>
+          </a:p>
+          <a:p>
+            <a:r>
+              <a:rPr lang="en-US" sz="2800" dirty="0"/>
+              <a:t>-L 0.3 </a:t>
+            </a:r>
+            <a:r>
+              <a:rPr lang="mr-IN" sz="2800" dirty="0"/>
+              <a:t>-</a:t>
+            </a:r>
+            <a:r>
+              <a:rPr lang="en-US" sz="2800" dirty="0"/>
+              <a:t>M 0.2 </a:t>
+            </a:r>
+            <a:r>
+              <a:rPr lang="mr-IN" sz="2800" dirty="0"/>
+              <a:t>-</a:t>
+            </a:r>
+            <a:r>
+              <a:rPr lang="en-US" sz="2800" dirty="0"/>
+              <a:t>N </a:t>
+            </a:r>
+            <a:r>
+              <a:rPr lang="en-US" sz="2800" dirty="0" smtClean="0"/>
+              <a:t>500 </a:t>
+            </a:r>
+            <a:r>
+              <a:rPr lang="mr-IN" sz="2800" dirty="0"/>
+              <a:t>-</a:t>
+            </a:r>
+            <a:r>
+              <a:rPr lang="en-US" sz="2800" dirty="0"/>
+              <a:t>V 0 </a:t>
+            </a:r>
+            <a:r>
+              <a:rPr lang="mr-IN" sz="2800" dirty="0"/>
+              <a:t>-</a:t>
+            </a:r>
+            <a:r>
+              <a:rPr lang="en-US" sz="2800" dirty="0"/>
+              <a:t>S 0 </a:t>
+            </a:r>
+            <a:r>
+              <a:rPr lang="mr-IN" sz="2800" dirty="0"/>
+              <a:t>-</a:t>
+            </a:r>
+            <a:r>
+              <a:rPr lang="en-US" sz="2800" dirty="0"/>
+              <a:t>E </a:t>
+            </a:r>
+            <a:r>
+              <a:rPr lang="en-US" sz="2800" dirty="0" smtClean="0"/>
+              <a:t>30 </a:t>
+            </a:r>
+            <a:r>
+              <a:rPr lang="mr-IN" sz="2800" dirty="0"/>
+              <a:t>-</a:t>
+            </a:r>
+            <a:r>
+              <a:rPr lang="en-US" sz="2800" dirty="0"/>
+              <a:t>H a</a:t>
+            </a:r>
+          </a:p>
+          <a:p>
+            <a:endParaRPr lang="en-US" sz="2800" dirty="0"/>
+          </a:p>
+        </p:txBody>
+      </p:sp>
+    </p:spTree>
+    <p:extLst>
+      <p:ext uri="{BB962C8B-B14F-4D97-AF65-F5344CB8AC3E}">
+        <p14:creationId xmlns:p14="http://schemas.microsoft.com/office/powerpoint/2010/main" val="11614769"/>
+      </p:ext>
+    </p:extLst>
+  </p:cSld>
+  <p:clrMapOvr>
+    <a:masterClrMapping/>
+  </p:clrMapOvr>
+  <p:timing>
+    <p:tnLst>
+      <p:par>
+        <p:cTn id="1" dur="indefinite" restart="never" nodeType="tmRoot"/>
+      </p:par>
+    </p:tnLst>
+  </p:timing>
+</p:sld>
+</file>
+
+<file path=ppt/slides/slide14.xml><?xml version="1.0" encoding="utf-8"?>
 <p:sld xmlns:a="http://schemas.openxmlformats.org/drawingml/2006/main" xmlns:r="http://schemas.openxmlformats.org/officeDocument/2006/relationships" xmlns:p="http://schemas.openxmlformats.org/presentationml/2006/main">
   <p:cSld>
     <p:spTree>
@@ -15294,7 +16242,7 @@
 </p:sld>
 </file>
 
-<file path=ppt/slides/slide12.xml><?xml version="1.0" encoding="utf-8"?>
+<file path=ppt/slides/slide15.xml><?xml version="1.0" encoding="utf-8"?>
 <p:sld xmlns:a="http://schemas.openxmlformats.org/drawingml/2006/main" xmlns:r="http://schemas.openxmlformats.org/officeDocument/2006/relationships" xmlns:p="http://schemas.openxmlformats.org/presentationml/2006/main">
   <p:cSld>
     <p:spTree>
@@ -15373,7 +16321,117 @@
 </p:sld>
 </file>
 
-<file path=ppt/slides/slide13.xml><?xml version="1.0" encoding="utf-8"?>
+<file path=ppt/slides/slide16.xml><?xml version="1.0" encoding="utf-8"?>
+<p:sld xmlns:a="http://schemas.openxmlformats.org/drawingml/2006/main" xmlns:r="http://schemas.openxmlformats.org/officeDocument/2006/relationships" xmlns:p="http://schemas.openxmlformats.org/presentationml/2006/main">
+  <p:cSld>
+    <p:spTree>
+      <p:nvGrpSpPr>
+        <p:cNvPr id="1" name=""/>
+        <p:cNvGrpSpPr/>
+        <p:nvPr/>
+      </p:nvGrpSpPr>
+      <p:grpSpPr>
+        <a:xfrm>
+          <a:off x="0" y="0"/>
+          <a:ext cx="0" cy="0"/>
+          <a:chOff x="0" y="0"/>
+          <a:chExt cx="0" cy="0"/>
+        </a:xfrm>
+      </p:grpSpPr>
+      <p:sp>
+        <p:nvSpPr>
+          <p:cNvPr id="2" name="Title 1"/>
+          <p:cNvSpPr>
+            <a:spLocks noGrp="1"/>
+          </p:cNvSpPr>
+          <p:nvPr>
+            <p:ph type="title"/>
+          </p:nvPr>
+        </p:nvSpPr>
+        <p:spPr/>
+        <p:txBody>
+          <a:bodyPr>
+            <a:normAutofit fontScale="90000"/>
+          </a:bodyPr>
+          <a:lstStyle/>
+          <a:p>
+            <a:r>
+              <a:rPr lang="en-US" sz="4400" dirty="0"/>
+              <a:t>Test Results </a:t>
+            </a:r>
+            <a:r>
+              <a:rPr lang="en-US" sz="4400" dirty="0" smtClean="0"/>
+              <a:t>w/ </a:t>
+            </a:r>
+            <a:r>
+              <a:rPr lang="en-US" sz="4400" dirty="0"/>
+              <a:t>Different </a:t>
+            </a:r>
+            <a:r>
+              <a:rPr lang="en-US" sz="4400" dirty="0"/>
+              <a:t>Parameters</a:t>
+            </a:r>
+            <a:br>
+              <a:rPr lang="en-US" sz="4400" dirty="0"/>
+            </a:br>
+            <a:r>
+              <a:rPr lang="en-US" sz="4400" dirty="0"/>
+              <a:t>Naïve </a:t>
+            </a:r>
+            <a:r>
+              <a:rPr lang="en-US" sz="4400" dirty="0" smtClean="0"/>
+              <a:t>Bayes</a:t>
+            </a:r>
+            <a:endParaRPr lang="en-US" sz="4400" dirty="0"/>
+          </a:p>
+        </p:txBody>
+      </p:sp>
+      <p:graphicFrame>
+        <p:nvGraphicFramePr>
+          <p:cNvPr id="4" name="Content Placeholder 3"/>
+          <p:cNvGraphicFramePr>
+            <a:graphicFrameLocks noGrp="1"/>
+          </p:cNvGraphicFramePr>
+          <p:nvPr>
+            <p:ph idx="1"/>
+            <p:extLst>
+              <p:ext uri="{D42A27DB-BD31-4B8C-83A1-F6EECF244321}">
+                <p14:modId xmlns:p14="http://schemas.microsoft.com/office/powerpoint/2010/main" val="1470503465"/>
+              </p:ext>
+            </p:extLst>
+          </p:nvPr>
+        </p:nvGraphicFramePr>
+        <p:xfrm>
+          <a:off x="2589213" y="2133600"/>
+          <a:ext cx="8915400" cy="3778250"/>
+        </p:xfrm>
+        <a:graphic>
+          <a:graphicData uri="http://schemas.openxmlformats.org/drawingml/2006/chart">
+            <c:chart xmlns:c="http://schemas.openxmlformats.org/drawingml/2006/chart" xmlns:r="http://schemas.openxmlformats.org/officeDocument/2006/relationships" r:id="rId2"/>
+          </a:graphicData>
+        </a:graphic>
+      </p:graphicFrame>
+    </p:spTree>
+    <p:extLst>
+      <p:ext uri="{BB962C8B-B14F-4D97-AF65-F5344CB8AC3E}">
+        <p14:creationId xmlns:p14="http://schemas.microsoft.com/office/powerpoint/2010/main" val="859484421"/>
+      </p:ext>
+    </p:extLst>
+  </p:cSld>
+  <p:clrMapOvr>
+    <a:masterClrMapping/>
+  </p:clrMapOvr>
+  <p:timing>
+    <p:tnLst>
+      <p:par>
+        <p:cTn id="1" dur="indefinite" restart="never" nodeType="tmRoot"/>
+      </p:par>
+    </p:tnLst>
+  </p:timing>
+</p:sld>
+</file>
+
+<file path=ppt/slides/slide17.xml><?xml version="1.0" encoding="utf-8"?>
 <p:sld xmlns:a="http://schemas.openxmlformats.org/drawingml/2006/main" xmlns:r="http://schemas.openxmlformats.org/officeDocument/2006/relationships" xmlns:p="http://schemas.openxmlformats.org/presentationml/2006/main">
   <p:cSld>
     <p:spTree>
@@ -15409,396 +16467,7 @@
           <a:p>
             <a:r>
               <a:rPr lang="en-US" sz="4400" dirty="0" smtClean="0"/>
-              <a:t>Multilayer Perceptron</a:t>
-            </a:r>
-            <a:endParaRPr lang="en-US" sz="4400" dirty="0"/>
-          </a:p>
-        </p:txBody>
-      </p:sp>
-      <p:sp>
-        <p:nvSpPr>
-          <p:cNvPr id="3" name="Content Placeholder 2"/>
-          <p:cNvSpPr>
-            <a:spLocks noGrp="1"/>
-          </p:cNvSpPr>
-          <p:nvPr>
-            <p:ph idx="1"/>
-          </p:nvPr>
-        </p:nvSpPr>
-        <p:spPr/>
-        <p:txBody>
-          <a:bodyPr>
-            <a:normAutofit/>
-          </a:bodyPr>
-          <a:lstStyle/>
-          <a:p>
-            <a:r>
-              <a:rPr lang="en-US" sz="2800" dirty="0" smtClean="0"/>
-              <a:t>-L 0.3 </a:t>
-            </a:r>
-            <a:r>
-              <a:rPr lang="mr-IN" sz="2800" dirty="0" smtClean="0"/>
-              <a:t>-</a:t>
-            </a:r>
-            <a:r>
-              <a:rPr lang="en-US" sz="2800" dirty="0" smtClean="0"/>
-              <a:t>M 0.2 </a:t>
-            </a:r>
-            <a:r>
-              <a:rPr lang="mr-IN" sz="2800" dirty="0" smtClean="0"/>
-              <a:t>-</a:t>
-            </a:r>
-            <a:r>
-              <a:rPr lang="en-US" sz="2800" dirty="0" smtClean="0"/>
-              <a:t>N 500 </a:t>
-            </a:r>
-            <a:r>
-              <a:rPr lang="mr-IN" sz="2800" dirty="0" smtClean="0"/>
-              <a:t>-</a:t>
-            </a:r>
-            <a:r>
-              <a:rPr lang="en-US" sz="2800" dirty="0" smtClean="0"/>
-              <a:t>V 0 </a:t>
-            </a:r>
-            <a:r>
-              <a:rPr lang="mr-IN" sz="2800" dirty="0" smtClean="0"/>
-              <a:t>-</a:t>
-            </a:r>
-            <a:r>
-              <a:rPr lang="en-US" sz="2800" dirty="0" smtClean="0"/>
-              <a:t>S 0 </a:t>
-            </a:r>
-            <a:r>
-              <a:rPr lang="mr-IN" sz="2800" dirty="0" smtClean="0"/>
-              <a:t>-</a:t>
-            </a:r>
-            <a:r>
-              <a:rPr lang="en-US" sz="2800" dirty="0" smtClean="0"/>
-              <a:t>E 20 </a:t>
-            </a:r>
-            <a:r>
-              <a:rPr lang="mr-IN" sz="2800" dirty="0" smtClean="0"/>
-              <a:t>-</a:t>
-            </a:r>
-            <a:r>
-              <a:rPr lang="en-US" sz="2800" dirty="0" smtClean="0"/>
-              <a:t>H a</a:t>
-            </a:r>
-          </a:p>
-          <a:p>
-            <a:r>
-              <a:rPr lang="en-US" sz="2800" dirty="0"/>
-              <a:t>-L </a:t>
-            </a:r>
-            <a:r>
-              <a:rPr lang="en-US" sz="2800" dirty="0" smtClean="0"/>
-              <a:t>0.6 </a:t>
-            </a:r>
-            <a:r>
-              <a:rPr lang="mr-IN" sz="2800" dirty="0"/>
-              <a:t>-</a:t>
-            </a:r>
-            <a:r>
-              <a:rPr lang="en-US" sz="2800" dirty="0"/>
-              <a:t>M 0.2 </a:t>
-            </a:r>
-            <a:r>
-              <a:rPr lang="mr-IN" sz="2800" dirty="0"/>
-              <a:t>-</a:t>
-            </a:r>
-            <a:r>
-              <a:rPr lang="en-US" sz="2800" dirty="0"/>
-              <a:t>N 500 </a:t>
-            </a:r>
-            <a:r>
-              <a:rPr lang="mr-IN" sz="2800" dirty="0"/>
-              <a:t>-</a:t>
-            </a:r>
-            <a:r>
-              <a:rPr lang="en-US" sz="2800" dirty="0"/>
-              <a:t>V 0 </a:t>
-            </a:r>
-            <a:r>
-              <a:rPr lang="mr-IN" sz="2800" dirty="0"/>
-              <a:t>-</a:t>
-            </a:r>
-            <a:r>
-              <a:rPr lang="en-US" sz="2800" dirty="0"/>
-              <a:t>S 0 </a:t>
-            </a:r>
-            <a:r>
-              <a:rPr lang="mr-IN" sz="2800" dirty="0"/>
-              <a:t>-</a:t>
-            </a:r>
-            <a:r>
-              <a:rPr lang="en-US" sz="2800" dirty="0"/>
-              <a:t>E 20 </a:t>
-            </a:r>
-            <a:r>
-              <a:rPr lang="mr-IN" sz="2800" dirty="0"/>
-              <a:t>-</a:t>
-            </a:r>
-            <a:r>
-              <a:rPr lang="en-US" sz="2800" dirty="0"/>
-              <a:t>H a</a:t>
-            </a:r>
-          </a:p>
-          <a:p>
-            <a:r>
-              <a:rPr lang="en-US" sz="2800" dirty="0"/>
-              <a:t>-L 0.3 </a:t>
-            </a:r>
-            <a:r>
-              <a:rPr lang="mr-IN" sz="2800" dirty="0"/>
-              <a:t>-</a:t>
-            </a:r>
-            <a:r>
-              <a:rPr lang="en-US" sz="2800" dirty="0"/>
-              <a:t>M 0.2 </a:t>
-            </a:r>
-            <a:r>
-              <a:rPr lang="mr-IN" sz="2800" dirty="0"/>
-              <a:t>-</a:t>
-            </a:r>
-            <a:r>
-              <a:rPr lang="en-US" sz="2800" dirty="0"/>
-              <a:t>N </a:t>
-            </a:r>
-            <a:r>
-              <a:rPr lang="en-US" sz="2800" dirty="0" smtClean="0"/>
-              <a:t>200 </a:t>
-            </a:r>
-            <a:r>
-              <a:rPr lang="mr-IN" sz="2800" dirty="0"/>
-              <a:t>-</a:t>
-            </a:r>
-            <a:r>
-              <a:rPr lang="en-US" sz="2800" dirty="0"/>
-              <a:t>V 0 </a:t>
-            </a:r>
-            <a:r>
-              <a:rPr lang="mr-IN" sz="2800" dirty="0"/>
-              <a:t>-</a:t>
-            </a:r>
-            <a:r>
-              <a:rPr lang="en-US" sz="2800" dirty="0"/>
-              <a:t>S 0 </a:t>
-            </a:r>
-            <a:r>
-              <a:rPr lang="mr-IN" sz="2800" dirty="0"/>
-              <a:t>-</a:t>
-            </a:r>
-            <a:r>
-              <a:rPr lang="en-US" sz="2800" dirty="0"/>
-              <a:t>E 20 </a:t>
-            </a:r>
-            <a:r>
-              <a:rPr lang="mr-IN" sz="2800" dirty="0"/>
-              <a:t>-</a:t>
-            </a:r>
-            <a:r>
-              <a:rPr lang="en-US" sz="2800" dirty="0"/>
-              <a:t>H a</a:t>
-            </a:r>
-          </a:p>
-          <a:p>
-            <a:r>
-              <a:rPr lang="en-US" sz="2800" dirty="0"/>
-              <a:t>-L 0.3 </a:t>
-            </a:r>
-            <a:r>
-              <a:rPr lang="mr-IN" sz="2800" dirty="0"/>
-              <a:t>-</a:t>
-            </a:r>
-            <a:r>
-              <a:rPr lang="en-US" sz="2800" dirty="0"/>
-              <a:t>M 0.2 </a:t>
-            </a:r>
-            <a:r>
-              <a:rPr lang="mr-IN" sz="2800" dirty="0"/>
-              <a:t>-</a:t>
-            </a:r>
-            <a:r>
-              <a:rPr lang="en-US" sz="2800" dirty="0"/>
-              <a:t>N </a:t>
-            </a:r>
-            <a:r>
-              <a:rPr lang="en-US" sz="2800" dirty="0" smtClean="0"/>
-              <a:t>500 </a:t>
-            </a:r>
-            <a:r>
-              <a:rPr lang="mr-IN" sz="2800" dirty="0"/>
-              <a:t>-</a:t>
-            </a:r>
-            <a:r>
-              <a:rPr lang="en-US" sz="2800" dirty="0"/>
-              <a:t>V 0 </a:t>
-            </a:r>
-            <a:r>
-              <a:rPr lang="mr-IN" sz="2800" dirty="0"/>
-              <a:t>-</a:t>
-            </a:r>
-            <a:r>
-              <a:rPr lang="en-US" sz="2800" dirty="0"/>
-              <a:t>S 0 </a:t>
-            </a:r>
-            <a:r>
-              <a:rPr lang="mr-IN" sz="2800" dirty="0"/>
-              <a:t>-</a:t>
-            </a:r>
-            <a:r>
-              <a:rPr lang="en-US" sz="2800" dirty="0"/>
-              <a:t>E </a:t>
-            </a:r>
-            <a:r>
-              <a:rPr lang="en-US" sz="2800" dirty="0" smtClean="0"/>
-              <a:t>10 </a:t>
-            </a:r>
-            <a:r>
-              <a:rPr lang="mr-IN" sz="2800" dirty="0"/>
-              <a:t>-</a:t>
-            </a:r>
-            <a:r>
-              <a:rPr lang="en-US" sz="2800" dirty="0"/>
-              <a:t>H a</a:t>
-            </a:r>
-          </a:p>
-          <a:p>
-            <a:r>
-              <a:rPr lang="en-US" sz="2800" dirty="0"/>
-              <a:t>-L 0.3 </a:t>
-            </a:r>
-            <a:r>
-              <a:rPr lang="mr-IN" sz="2800" dirty="0"/>
-              <a:t>-</a:t>
-            </a:r>
-            <a:r>
-              <a:rPr lang="en-US" sz="2800" dirty="0"/>
-              <a:t>M 0.2 </a:t>
-            </a:r>
-            <a:r>
-              <a:rPr lang="mr-IN" sz="2800" dirty="0"/>
-              <a:t>-</a:t>
-            </a:r>
-            <a:r>
-              <a:rPr lang="en-US" sz="2800" dirty="0"/>
-              <a:t>N </a:t>
-            </a:r>
-            <a:r>
-              <a:rPr lang="en-US" sz="2800" dirty="0" smtClean="0"/>
-              <a:t>500 </a:t>
-            </a:r>
-            <a:r>
-              <a:rPr lang="mr-IN" sz="2800" dirty="0"/>
-              <a:t>-</a:t>
-            </a:r>
-            <a:r>
-              <a:rPr lang="en-US" sz="2800" dirty="0"/>
-              <a:t>V 0 </a:t>
-            </a:r>
-            <a:r>
-              <a:rPr lang="mr-IN" sz="2800" dirty="0"/>
-              <a:t>-</a:t>
-            </a:r>
-            <a:r>
-              <a:rPr lang="en-US" sz="2800" dirty="0"/>
-              <a:t>S 0 </a:t>
-            </a:r>
-            <a:r>
-              <a:rPr lang="mr-IN" sz="2800" dirty="0"/>
-              <a:t>-</a:t>
-            </a:r>
-            <a:r>
-              <a:rPr lang="en-US" sz="2800" dirty="0"/>
-              <a:t>E </a:t>
-            </a:r>
-            <a:r>
-              <a:rPr lang="en-US" sz="2800" dirty="0" smtClean="0"/>
-              <a:t>30 </a:t>
-            </a:r>
-            <a:r>
-              <a:rPr lang="mr-IN" sz="2800" dirty="0"/>
-              <a:t>-</a:t>
-            </a:r>
-            <a:r>
-              <a:rPr lang="en-US" sz="2800" dirty="0"/>
-              <a:t>H a</a:t>
-            </a:r>
-          </a:p>
-          <a:p>
-            <a:endParaRPr lang="en-US" sz="2800" dirty="0"/>
-          </a:p>
-        </p:txBody>
-      </p:sp>
-    </p:spTree>
-    <p:extLst>
-      <p:ext uri="{BB962C8B-B14F-4D97-AF65-F5344CB8AC3E}">
-        <p14:creationId xmlns:p14="http://schemas.microsoft.com/office/powerpoint/2010/main" val="11614769"/>
-      </p:ext>
-    </p:extLst>
-  </p:cSld>
-  <p:clrMapOvr>
-    <a:masterClrMapping/>
-  </p:clrMapOvr>
-  <p:timing>
-    <p:tnLst>
-      <p:par>
-        <p:cTn id="1" dur="indefinite" restart="never" nodeType="tmRoot"/>
-      </p:par>
-    </p:tnLst>
-  </p:timing>
-</p:sld>
-</file>
-
-<file path=ppt/slides/slide14.xml><?xml version="1.0" encoding="utf-8"?>
-<p:sld xmlns:a="http://schemas.openxmlformats.org/drawingml/2006/main" xmlns:r="http://schemas.openxmlformats.org/officeDocument/2006/relationships" xmlns:p="http://schemas.openxmlformats.org/presentationml/2006/main">
-  <p:cSld>
-    <p:spTree>
-      <p:nvGrpSpPr>
-        <p:cNvPr id="1" name=""/>
-        <p:cNvGrpSpPr/>
-        <p:nvPr/>
-      </p:nvGrpSpPr>
-      <p:grpSpPr>
-        <a:xfrm>
-          <a:off x="0" y="0"/>
-          <a:ext cx="0" cy="0"/>
-          <a:chOff x="0" y="0"/>
-          <a:chExt cx="0" cy="0"/>
-        </a:xfrm>
-      </p:grpSpPr>
-      <p:sp>
-        <p:nvSpPr>
-          <p:cNvPr id="2" name="Title 1"/>
-          <p:cNvSpPr>
-            <a:spLocks noGrp="1"/>
-          </p:cNvSpPr>
-          <p:nvPr>
-            <p:ph type="title"/>
-          </p:nvPr>
-        </p:nvSpPr>
-        <p:spPr/>
-        <p:txBody>
-          <a:bodyPr>
-            <a:normAutofit fontScale="90000"/>
-          </a:bodyPr>
-          <a:lstStyle/>
-          <a:p>
-            <a:r>
-              <a:rPr lang="en-US" sz="4400" dirty="0"/>
-              <a:t>Test Results </a:t>
-            </a:r>
-            <a:r>
-              <a:rPr lang="en-US" sz="4400" dirty="0" smtClean="0"/>
-              <a:t>w/ </a:t>
-            </a:r>
-            <a:r>
-              <a:rPr lang="en-US" sz="4400" dirty="0"/>
-              <a:t>Different </a:t>
-            </a:r>
-            <a:r>
-              <a:rPr lang="en-US" sz="4400" dirty="0" smtClean="0"/>
-              <a:t>Parameters</a:t>
+              <a:t>Least Correct Class</a:t>
             </a:r>
             <a:endParaRPr lang="en-US" sz="4400" dirty="0"/>
           </a:p>
@@ -15814,101 +16483,14 @@
             <p:ph idx="1"/>
             <p:extLst>
               <p:ext uri="{D42A27DB-BD31-4B8C-83A1-F6EECF244321}">
-                <p14:modId xmlns:p14="http://schemas.microsoft.com/office/powerpoint/2010/main" val="1918265136"/>
+                <p14:modId xmlns:p14="http://schemas.microsoft.com/office/powerpoint/2010/main" val="1541027284"/>
               </p:ext>
             </p:extLst>
           </p:nvPr>
         </p:nvGraphicFramePr>
         <p:xfrm>
-          <a:off x="2589213" y="2133600"/>
-          <a:ext cx="8915400" cy="3778250"/>
-        </p:xfrm>
-        <a:graphic>
-          <a:graphicData uri="http://schemas.openxmlformats.org/drawingml/2006/chart">
-            <c:chart xmlns:c="http://schemas.openxmlformats.org/drawingml/2006/chart" xmlns:r="http://schemas.openxmlformats.org/officeDocument/2006/relationships" r:id="rId2"/>
-          </a:graphicData>
-        </a:graphic>
-      </p:graphicFrame>
-    </p:spTree>
-    <p:extLst>
-      <p:ext uri="{BB962C8B-B14F-4D97-AF65-F5344CB8AC3E}">
-        <p14:creationId xmlns:p14="http://schemas.microsoft.com/office/powerpoint/2010/main" val="1662981776"/>
-      </p:ext>
-    </p:extLst>
-  </p:cSld>
-  <p:clrMapOvr>
-    <a:masterClrMapping/>
-  </p:clrMapOvr>
-  <p:timing>
-    <p:tnLst>
-      <p:par>
-        <p:cTn id="1" dur="indefinite" restart="never" nodeType="tmRoot"/>
-      </p:par>
-    </p:tnLst>
-  </p:timing>
-</p:sld>
-</file>
-
-<file path=ppt/slides/slide15.xml><?xml version="1.0" encoding="utf-8"?>
-<p:sld xmlns:a="http://schemas.openxmlformats.org/drawingml/2006/main" xmlns:r="http://schemas.openxmlformats.org/officeDocument/2006/relationships" xmlns:p="http://schemas.openxmlformats.org/presentationml/2006/main">
-  <p:cSld>
-    <p:spTree>
-      <p:nvGrpSpPr>
-        <p:cNvPr id="1" name=""/>
-        <p:cNvGrpSpPr/>
-        <p:nvPr/>
-      </p:nvGrpSpPr>
-      <p:grpSpPr>
-        <a:xfrm>
-          <a:off x="0" y="0"/>
-          <a:ext cx="0" cy="0"/>
-          <a:chOff x="0" y="0"/>
-          <a:chExt cx="0" cy="0"/>
-        </a:xfrm>
-      </p:grpSpPr>
-      <p:sp>
-        <p:nvSpPr>
-          <p:cNvPr id="2" name="Title 1"/>
-          <p:cNvSpPr>
-            <a:spLocks noGrp="1"/>
-          </p:cNvSpPr>
-          <p:nvPr>
-            <p:ph type="title"/>
-          </p:nvPr>
-        </p:nvSpPr>
-        <p:spPr/>
-        <p:txBody>
-          <a:bodyPr>
-            <a:normAutofit/>
-          </a:bodyPr>
-          <a:lstStyle/>
-          <a:p>
-            <a:r>
-              <a:rPr lang="en-US" sz="4400" dirty="0" smtClean="0"/>
-              <a:t>Least Correct Class</a:t>
-            </a:r>
-            <a:endParaRPr lang="en-US" sz="4400" dirty="0"/>
-          </a:p>
-        </p:txBody>
-      </p:sp>
-      <p:graphicFrame>
-        <p:nvGraphicFramePr>
-          <p:cNvPr id="4" name="Content Placeholder 3"/>
-          <p:cNvGraphicFramePr>
-            <a:graphicFrameLocks noGrp="1"/>
-          </p:cNvGraphicFramePr>
-          <p:nvPr>
-            <p:ph idx="1"/>
-            <p:extLst>
-              <p:ext uri="{D42A27DB-BD31-4B8C-83A1-F6EECF244321}">
-                <p14:modId xmlns:p14="http://schemas.microsoft.com/office/powerpoint/2010/main" val="2071942186"/>
-              </p:ext>
-            </p:extLst>
-          </p:nvPr>
-        </p:nvGraphicFramePr>
-        <p:xfrm>
-          <a:off x="2589213" y="2133600"/>
-          <a:ext cx="8915400" cy="3708400"/>
+          <a:off x="2769095" y="1816308"/>
+          <a:ext cx="8915400" cy="3703320"/>
         </p:xfrm>
         <a:graphic>
           <a:graphicData uri="http://schemas.openxmlformats.org/drawingml/2006/table">
@@ -15921,7 +16503,7 @@
                 <a:gridCol w="2971800"/>
                 <a:gridCol w="2971800"/>
               </a:tblGrid>
-              <a:tr h="370840">
+              <a:tr h="0">
                 <a:tc>
                   <a:txBody>
                     <a:bodyPr/>
@@ -15978,7 +16560,11 @@
                       <a:pPr algn="ctr"/>
                       <a:r>
                         <a:rPr lang="en-US" dirty="0" smtClean="0"/>
-                        <a:t>Default</a:t>
+                        <a:t>K</a:t>
+                      </a:r>
+                      <a:r>
+                        <a:rPr lang="en-US" baseline="0" dirty="0" smtClean="0"/>
+                        <a:t> = F, D = F</a:t>
                       </a:r>
                       <a:endParaRPr lang="en-US" dirty="0"/>
                     </a:p>
@@ -15993,7 +16579,7 @@
                       <a:pPr algn="ctr"/>
                       <a:r>
                         <a:rPr lang="en-US" dirty="0" smtClean="0"/>
-                        <a:t>G</a:t>
+                        <a:t>S</a:t>
                       </a:r>
                       <a:endParaRPr lang="en-US" dirty="0"/>
                     </a:p>
@@ -16007,8 +16593,12 @@
                     <a:p>
                       <a:pPr algn="ctr"/>
                       <a:r>
+                        <a:rPr lang="nb-NO" dirty="0" smtClean="0"/>
+                        <a:t>29.4</a:t>
+                      </a:r>
+                      <a:r>
                         <a:rPr lang="en-US" dirty="0" smtClean="0"/>
-                        <a:t>69%</a:t>
+                        <a:t>%</a:t>
                       </a:r>
                       <a:endParaRPr lang="en-US" dirty="0"/>
                     </a:p>
@@ -16051,7 +16641,117 @@
                       <a:pPr algn="ctr"/>
                       <a:r>
                         <a:rPr lang="en-US" dirty="0" smtClean="0"/>
-                        <a:t>64.4%</a:t>
+                        <a:t>30.5%</a:t>
+                      </a:r>
+                      <a:endParaRPr lang="en-US" dirty="0"/>
+                    </a:p>
+                  </a:txBody>
+                  <a:tcPr anchor="ctr"/>
+                </a:tc>
+              </a:tr>
+              <a:tr h="370840">
+                <a:tc vMerge="1">
+                  <a:txBody>
+                    <a:bodyPr/>
+                    <a:lstStyle/>
+                    <a:p>
+                      <a:pPr algn="ctr"/>
+                      <a:endParaRPr lang="en-US" dirty="0"/>
+                    </a:p>
+                  </a:txBody>
+                  <a:tcPr anchor="ctr"/>
+                </a:tc>
+                <a:tc>
+                  <a:txBody>
+                    <a:bodyPr/>
+                    <a:lstStyle/>
+                    <a:p>
+                      <a:pPr algn="ctr"/>
+                      <a:r>
+                        <a:rPr lang="en-US" dirty="0" smtClean="0"/>
+                        <a:t>Y</a:t>
+                      </a:r>
+                      <a:endParaRPr lang="en-US" dirty="0"/>
+                    </a:p>
+                  </a:txBody>
+                  <a:tcPr anchor="ctr"/>
+                </a:tc>
+                <a:tc>
+                  <a:txBody>
+                    <a:bodyPr/>
+                    <a:lstStyle/>
+                    <a:p>
+                      <a:pPr algn="ctr"/>
+                      <a:r>
+                        <a:rPr lang="en-US" dirty="0" smtClean="0"/>
+                        <a:t>33.1%</a:t>
+                      </a:r>
+                      <a:endParaRPr lang="en-US" dirty="0"/>
+                    </a:p>
+                  </a:txBody>
+                  <a:tcPr anchor="ctr"/>
+                </a:tc>
+              </a:tr>
+              <a:tr h="370840">
+                <a:tc rowSpan="3">
+                  <a:txBody>
+                    <a:bodyPr/>
+                    <a:lstStyle/>
+                    <a:p>
+                      <a:pPr marL="0" marR="0" indent="0" algn="ctr" defTabSz="457200" rtl="0" eaLnBrk="1" fontAlgn="auto" latinLnBrk="0" hangingPunct="1">
+                        <a:lnSpc>
+                          <a:spcPct val="100000"/>
+                        </a:lnSpc>
+                        <a:spcBef>
+                          <a:spcPts val="0"/>
+                        </a:spcBef>
+                        <a:spcAft>
+                          <a:spcPts val="0"/>
+                        </a:spcAft>
+                        <a:buClrTx/>
+                        <a:buSzTx/>
+                        <a:buFontTx/>
+                        <a:buNone/>
+                        <a:tabLst/>
+                        <a:defRPr/>
+                      </a:pPr>
+                      <a:r>
+                        <a:rPr lang="en-US" dirty="0" smtClean="0"/>
+                        <a:t>K</a:t>
+                      </a:r>
+                      <a:r>
+                        <a:rPr lang="en-US" baseline="0" dirty="0" smtClean="0"/>
+                        <a:t> = T, D = F</a:t>
+                      </a:r>
+                      <a:endParaRPr lang="en-US" dirty="0" smtClean="0"/>
+                    </a:p>
+                  </a:txBody>
+                  <a:tcPr anchor="ctr"/>
+                </a:tc>
+                <a:tc>
+                  <a:txBody>
+                    <a:bodyPr/>
+                    <a:lstStyle/>
+                    <a:p>
+                      <a:pPr algn="ctr"/>
+                      <a:r>
+                        <a:rPr lang="en-US" dirty="0" smtClean="0"/>
+                        <a:t>H</a:t>
+                      </a:r>
+                      <a:endParaRPr lang="en-US" dirty="0"/>
+                    </a:p>
+                  </a:txBody>
+                  <a:tcPr anchor="ctr"/>
+                </a:tc>
+                <a:tc>
+                  <a:txBody>
+                    <a:bodyPr/>
+                    <a:lstStyle/>
+                    <a:p>
+                      <a:pPr algn="ctr"/>
+                      <a:r>
+                        <a:rPr lang="en-US" dirty="0" smtClean="0"/>
+                        <a:t>57.4%</a:t>
                       </a:r>
                       <a:endParaRPr lang="en-US" dirty="0"/>
                     </a:p>
@@ -16094,7 +16794,50 @@
                       <a:pPr algn="ctr"/>
                       <a:r>
                         <a:rPr lang="en-US" dirty="0" smtClean="0"/>
-                        <a:t>65%</a:t>
+                        <a:t>64.2%</a:t>
+                      </a:r>
+                      <a:endParaRPr lang="en-US" dirty="0"/>
+                    </a:p>
+                  </a:txBody>
+                  <a:tcPr anchor="ctr"/>
+                </a:tc>
+              </a:tr>
+              <a:tr h="370840">
+                <a:tc vMerge="1">
+                  <a:txBody>
+                    <a:bodyPr/>
+                    <a:lstStyle/>
+                    <a:p>
+                      <a:pPr algn="ctr"/>
+                      <a:endParaRPr lang="en-US" dirty="0"/>
+                    </a:p>
+                  </a:txBody>
+                  <a:tcPr anchor="ctr"/>
+                </a:tc>
+                <a:tc>
+                  <a:txBody>
+                    <a:bodyPr/>
+                    <a:lstStyle/>
+                    <a:p>
+                      <a:pPr algn="ctr"/>
+                      <a:r>
+                        <a:rPr lang="en-US" dirty="0" smtClean="0"/>
+                        <a:t>X</a:t>
+                      </a:r>
+                      <a:endParaRPr lang="en-US" dirty="0"/>
+                    </a:p>
+                  </a:txBody>
+                  <a:tcPr anchor="ctr"/>
+                </a:tc>
+                <a:tc>
+                  <a:txBody>
+                    <a:bodyPr/>
+                    <a:lstStyle/>
+                    <a:p>
+                      <a:pPr algn="ctr"/>
+                      <a:r>
+                        <a:rPr lang="en-US" dirty="0" smtClean="0"/>
+                        <a:t>64.3%</a:t>
                       </a:r>
                       <a:endParaRPr lang="en-US" dirty="0"/>
                     </a:p>
@@ -16127,8 +16870,13 @@
                       </a:pPr>
                       <a:r>
                         <a:rPr lang="en-US" dirty="0" smtClean="0"/>
-                        <a:t>L=0.6</a:t>
+                        <a:t>D</a:t>
                       </a:r>
+                      <a:r>
+                        <a:rPr lang="en-US" baseline="0" dirty="0" smtClean="0"/>
+                        <a:t> = F, K = T</a:t>
+                      </a:r>
+                      <a:endParaRPr lang="en-US" dirty="0" smtClean="0"/>
                     </a:p>
                   </a:txBody>
                   <a:tcPr anchor="ctr"/>
@@ -16141,7 +16889,7 @@
                       <a:pPr algn="ctr"/>
                       <a:r>
                         <a:rPr lang="en-US" dirty="0" smtClean="0"/>
-                        <a:t>G</a:t>
+                        <a:t>H</a:t>
                       </a:r>
                       <a:endParaRPr lang="en-US" dirty="0"/>
                     </a:p>
@@ -16156,7 +16904,7 @@
                       <a:pPr algn="ctr"/>
                       <a:r>
                         <a:rPr lang="en-US" dirty="0" smtClean="0"/>
-                        <a:t>68.2%</a:t>
+                        <a:t>57.5%</a:t>
                       </a:r>
                       <a:endParaRPr lang="en-US" dirty="0"/>
                     </a:p>
@@ -16184,7 +16932,7 @@
                       <a:pPr algn="ctr"/>
                       <a:r>
                         <a:rPr lang="en-US" dirty="0" smtClean="0"/>
-                        <a:t>H</a:t>
+                        <a:t>E</a:t>
                       </a:r>
                       <a:endParaRPr lang="en-US" dirty="0"/>
                     </a:p>
@@ -16199,7 +16947,7 @@
                       <a:pPr algn="ctr"/>
                       <a:r>
                         <a:rPr lang="en-US" dirty="0" smtClean="0"/>
-                        <a:t>69.1%</a:t>
+                        <a:t>60.7%</a:t>
                       </a:r>
                       <a:endParaRPr lang="en-US" dirty="0"/>
                     </a:p>
@@ -16227,155 +16975,7 @@
                       <a:pPr algn="ctr"/>
                       <a:r>
                         <a:rPr lang="en-US" dirty="0" smtClean="0"/>
-                        <a:t>S</a:t>
-                      </a:r>
-                      <a:endParaRPr lang="en-US" dirty="0"/>
-                    </a:p>
-                  </a:txBody>
-                  <a:tcPr anchor="ctr"/>
-                </a:tc>
-                <a:tc>
-                  <a:txBody>
-                    <a:bodyPr/>
-                    <a:lstStyle/>
-                    <a:p>
-                      <a:pPr algn="ctr"/>
-                      <a:r>
-                        <a:rPr lang="en-US" dirty="0" smtClean="0"/>
-                        <a:t>64%</a:t>
-                      </a:r>
-                      <a:endParaRPr lang="en-US" dirty="0"/>
-                    </a:p>
-                  </a:txBody>
-                  <a:tcPr anchor="ctr"/>
-                </a:tc>
-              </a:tr>
-              <a:tr h="370840">
-                <a:tc rowSpan="3">
-                  <a:txBody>
-                    <a:bodyPr/>
-                    <a:lstStyle/>
-                    <a:p>
-                      <a:pPr marL="0" marR="0" indent="0" algn="ctr" defTabSz="457200" rtl="0" eaLnBrk="1" fontAlgn="auto" latinLnBrk="0" hangingPunct="1">
-                        <a:lnSpc>
-                          <a:spcPct val="100000"/>
-                        </a:lnSpc>
-                        <a:spcBef>
-                          <a:spcPts val="0"/>
-                        </a:spcBef>
-                        <a:spcAft>
-                          <a:spcPts val="0"/>
-                        </a:spcAft>
-                        <a:buClrTx/>
-                        <a:buSzTx/>
-                        <a:buFontTx/>
-                        <a:buNone/>
-                        <a:tabLst/>
-                        <a:defRPr/>
-                      </a:pPr>
-                      <a:r>
-                        <a:rPr lang="en-US" dirty="0" smtClean="0"/>
-                        <a:t>N=200</a:t>
-                      </a:r>
-                    </a:p>
-                  </a:txBody>
-                  <a:tcPr anchor="ctr"/>
-                </a:tc>
-                <a:tc>
-                  <a:txBody>
-                    <a:bodyPr/>
-                    <a:lstStyle/>
-                    <a:p>
-                      <a:pPr algn="ctr"/>
-                      <a:r>
-                        <a:rPr lang="en-US" dirty="0" smtClean="0"/>
-                        <a:t>G</a:t>
-                      </a:r>
-                      <a:endParaRPr lang="en-US" dirty="0"/>
-                    </a:p>
-                  </a:txBody>
-                  <a:tcPr anchor="ctr"/>
-                </a:tc>
-                <a:tc>
-                  <a:txBody>
-                    <a:bodyPr/>
-                    <a:lstStyle/>
-                    <a:p>
-                      <a:pPr algn="ctr"/>
-                      <a:r>
-                        <a:rPr lang="en-US" dirty="0" smtClean="0"/>
-                        <a:t>69.3%</a:t>
-                      </a:r>
-                      <a:endParaRPr lang="en-US" dirty="0"/>
-                    </a:p>
-                  </a:txBody>
-                  <a:tcPr anchor="ctr"/>
-                </a:tc>
-              </a:tr>
-              <a:tr h="370840">
-                <a:tc vMerge="1">
-                  <a:txBody>
-                    <a:bodyPr/>
-                    <a:lstStyle/>
-                    <a:p>
-                      <a:pPr algn="ctr"/>
-                      <a:endParaRPr lang="en-US" dirty="0"/>
-                    </a:p>
-                  </a:txBody>
-                  <a:tcPr anchor="ctr"/>
-                </a:tc>
-                <a:tc>
-                  <a:txBody>
-                    <a:bodyPr/>
-                    <a:lstStyle/>
-                    <a:p>
-                      <a:pPr algn="ctr"/>
-                      <a:r>
-                        <a:rPr lang="en-US" dirty="0" smtClean="0"/>
-                        <a:t>H</a:t>
-                      </a:r>
-                      <a:endParaRPr lang="en-US" dirty="0"/>
-                    </a:p>
-                  </a:txBody>
-                  <a:tcPr anchor="ctr"/>
-                </a:tc>
-                <a:tc>
-                  <a:txBody>
-                    <a:bodyPr/>
-                    <a:lstStyle/>
-                    <a:p>
-                      <a:pPr algn="ctr"/>
-                      <a:r>
-                        <a:rPr lang="en-US" dirty="0" smtClean="0"/>
-                        <a:t>65.1%</a:t>
-                      </a:r>
-                      <a:endParaRPr lang="en-US" dirty="0"/>
-                    </a:p>
-                  </a:txBody>
-                  <a:tcPr anchor="ctr"/>
-                </a:tc>
-              </a:tr>
-              <a:tr h="370840">
-                <a:tc vMerge="1">
-                  <a:txBody>
-                    <a:bodyPr/>
-                    <a:lstStyle/>
-                    <a:p>
-                      <a:pPr algn="ctr"/>
-                      <a:endParaRPr lang="en-US" dirty="0"/>
-                    </a:p>
-                  </a:txBody>
-                  <a:tcPr anchor="ctr"/>
-                </a:tc>
-                <a:tc>
-                  <a:txBody>
-                    <a:bodyPr/>
-                    <a:lstStyle/>
-                    <a:p>
-                      <a:pPr algn="ctr"/>
-                      <a:r>
-                        <a:rPr lang="en-US" dirty="0" smtClean="0"/>
-                        <a:t>S</a:t>
+                        <a:t>X</a:t>
                       </a:r>
                       <a:endParaRPr lang="en-US" dirty="0"/>
                     </a:p>
@@ -16405,193 +17005,7 @@
     </p:spTree>
     <p:extLst>
       <p:ext uri="{BB962C8B-B14F-4D97-AF65-F5344CB8AC3E}">
-        <p14:creationId xmlns:p14="http://schemas.microsoft.com/office/powerpoint/2010/main" val="246247255"/>
-      </p:ext>
-    </p:extLst>
-  </p:cSld>
-  <p:clrMapOvr>
-    <a:masterClrMapping/>
-  </p:clrMapOvr>
-  <p:timing>
-    <p:tnLst>
-      <p:par>
-        <p:cTn id="1" dur="indefinite" restart="never" nodeType="tmRoot"/>
-      </p:par>
-    </p:tnLst>
-  </p:timing>
-</p:sld>
-</file>
-
-<file path=ppt/slides/slide16.xml><?xml version="1.0" encoding="utf-8"?>
-<p:sld xmlns:a="http://schemas.openxmlformats.org/drawingml/2006/main" xmlns:r="http://schemas.openxmlformats.org/officeDocument/2006/relationships" xmlns:p="http://schemas.openxmlformats.org/presentationml/2006/main">
-  <p:cSld>
-    <p:spTree>
-      <p:nvGrpSpPr>
-        <p:cNvPr id="1" name=""/>
-        <p:cNvGrpSpPr/>
-        <p:nvPr/>
-      </p:nvGrpSpPr>
-      <p:grpSpPr>
-        <a:xfrm>
-          <a:off x="0" y="0"/>
-          <a:ext cx="0" cy="0"/>
-          <a:chOff x="0" y="0"/>
-          <a:chExt cx="0" cy="0"/>
-        </a:xfrm>
-      </p:grpSpPr>
-      <p:graphicFrame>
-        <p:nvGraphicFramePr>
-          <p:cNvPr id="4" name="Content Placeholder 3"/>
-          <p:cNvGraphicFramePr>
-            <a:graphicFrameLocks noGrp="1"/>
-          </p:cNvGraphicFramePr>
-          <p:nvPr>
-            <p:ph idx="1"/>
-            <p:extLst>
-              <p:ext uri="{D42A27DB-BD31-4B8C-83A1-F6EECF244321}">
-                <p14:modId xmlns:p14="http://schemas.microsoft.com/office/powerpoint/2010/main" val="1967832537"/>
-              </p:ext>
-            </p:extLst>
-          </p:nvPr>
-        </p:nvGraphicFramePr>
-        <p:xfrm>
-          <a:off x="2589213" y="2133600"/>
-          <a:ext cx="8915400" cy="3778250"/>
-        </p:xfrm>
-        <a:graphic>
-          <a:graphicData uri="http://schemas.openxmlformats.org/drawingml/2006/chart">
-            <c:chart xmlns:c="http://schemas.openxmlformats.org/drawingml/2006/chart" xmlns:r="http://schemas.openxmlformats.org/officeDocument/2006/relationships" r:id="rId2"/>
-          </a:graphicData>
-        </a:graphic>
-      </p:graphicFrame>
-      <p:sp>
-        <p:nvSpPr>
-          <p:cNvPr id="5" name="Title 1"/>
-          <p:cNvSpPr>
-            <a:spLocks noGrp="1"/>
-          </p:cNvSpPr>
-          <p:nvPr>
-            <p:ph type="title"/>
-          </p:nvPr>
-        </p:nvSpPr>
-        <p:spPr/>
-        <p:txBody>
-          <a:bodyPr>
-            <a:normAutofit fontScale="90000"/>
-          </a:bodyPr>
-          <a:lstStyle/>
-          <a:p>
-            <a:r>
-              <a:rPr lang="en-US" sz="4400" dirty="0"/>
-              <a:t>Test Results </a:t>
-            </a:r>
-            <a:r>
-              <a:rPr lang="en-US" sz="4400" dirty="0" smtClean="0"/>
-              <a:t>w/ </a:t>
-            </a:r>
-            <a:r>
-              <a:rPr lang="en-US" sz="4400" dirty="0"/>
-              <a:t>Different </a:t>
-            </a:r>
-            <a:r>
-              <a:rPr lang="en-US" sz="4400" dirty="0" smtClean="0"/>
-              <a:t>Parameters</a:t>
-            </a:r>
-            <a:endParaRPr lang="en-US" sz="4400" dirty="0"/>
-          </a:p>
-        </p:txBody>
-      </p:sp>
-    </p:spTree>
-    <p:extLst>
-      <p:ext uri="{BB962C8B-B14F-4D97-AF65-F5344CB8AC3E}">
-        <p14:creationId xmlns:p14="http://schemas.microsoft.com/office/powerpoint/2010/main" val="1548348142"/>
-      </p:ext>
-    </p:extLst>
-  </p:cSld>
-  <p:clrMapOvr>
-    <a:masterClrMapping/>
-  </p:clrMapOvr>
-  <p:timing>
-    <p:tnLst>
-      <p:par>
-        <p:cTn id="1" dur="indefinite" restart="never" nodeType="tmRoot"/>
-      </p:par>
-    </p:tnLst>
-  </p:timing>
-</p:sld>
-</file>
-
-<file path=ppt/slides/slide17.xml><?xml version="1.0" encoding="utf-8"?>
-<p:sld xmlns:a="http://schemas.openxmlformats.org/drawingml/2006/main" xmlns:r="http://schemas.openxmlformats.org/officeDocument/2006/relationships" xmlns:p="http://schemas.openxmlformats.org/presentationml/2006/main">
-  <p:cSld>
-    <p:spTree>
-      <p:nvGrpSpPr>
-        <p:cNvPr id="1" name=""/>
-        <p:cNvGrpSpPr/>
-        <p:nvPr/>
-      </p:nvGrpSpPr>
-      <p:grpSpPr>
-        <a:xfrm>
-          <a:off x="0" y="0"/>
-          <a:ext cx="0" cy="0"/>
-          <a:chOff x="0" y="0"/>
-          <a:chExt cx="0" cy="0"/>
-        </a:xfrm>
-      </p:grpSpPr>
-      <p:sp>
-        <p:nvSpPr>
-          <p:cNvPr id="2" name="Title 1"/>
-          <p:cNvSpPr>
-            <a:spLocks noGrp="1"/>
-          </p:cNvSpPr>
-          <p:nvPr>
-            <p:ph type="title"/>
-          </p:nvPr>
-        </p:nvSpPr>
-        <p:spPr/>
-        <p:txBody>
-          <a:bodyPr>
-            <a:normAutofit/>
-          </a:bodyPr>
-          <a:lstStyle/>
-          <a:p>
-            <a:r>
-              <a:rPr lang="en-US" sz="4400" dirty="0" smtClean="0"/>
-              <a:t>Special case: L=0.6 (Digit)</a:t>
-            </a:r>
-            <a:endParaRPr lang="en-US" sz="4400" dirty="0"/>
-          </a:p>
-        </p:txBody>
-      </p:sp>
-      <p:graphicFrame>
-        <p:nvGraphicFramePr>
-          <p:cNvPr id="4" name="Content Placeholder 3"/>
-          <p:cNvGraphicFramePr>
-            <a:graphicFrameLocks noGrp="1"/>
-          </p:cNvGraphicFramePr>
-          <p:nvPr>
-            <p:ph idx="1"/>
-            <p:extLst>
-              <p:ext uri="{D42A27DB-BD31-4B8C-83A1-F6EECF244321}">
-                <p14:modId xmlns:p14="http://schemas.microsoft.com/office/powerpoint/2010/main" val="1081213686"/>
-              </p:ext>
-            </p:extLst>
-          </p:nvPr>
-        </p:nvGraphicFramePr>
-        <p:xfrm>
-          <a:off x="2589213" y="2133600"/>
-          <a:ext cx="8915400" cy="3778250"/>
-        </p:xfrm>
-        <a:graphic>
-          <a:graphicData uri="http://schemas.openxmlformats.org/drawingml/2006/chart">
-            <c:chart xmlns:c="http://schemas.openxmlformats.org/drawingml/2006/chart" xmlns:r="http://schemas.openxmlformats.org/officeDocument/2006/relationships" r:id="rId2"/>
-          </a:graphicData>
-        </a:graphic>
-      </p:graphicFrame>
-    </p:spTree>
-    <p:extLst>
-      <p:ext uri="{BB962C8B-B14F-4D97-AF65-F5344CB8AC3E}">
-        <p14:creationId xmlns:p14="http://schemas.microsoft.com/office/powerpoint/2010/main" val="964445884"/>
+        <p14:creationId xmlns:p14="http://schemas.microsoft.com/office/powerpoint/2010/main" val="1914544919"/>
       </p:ext>
     </p:extLst>
   </p:cSld>
@@ -16638,163 +17052,74 @@
         <p:spPr/>
         <p:txBody>
           <a:bodyPr>
-            <a:normAutofit/>
+            <a:normAutofit fontScale="90000"/>
           </a:bodyPr>
           <a:lstStyle/>
           <a:p>
             <a:r>
+              <a:rPr lang="en-US" sz="4400" dirty="0" smtClean="0"/>
+              <a:t>Test </a:t>
+            </a:r>
+            <a:r>
               <a:rPr lang="en-US" sz="4400" dirty="0"/>
-              <a:t>Support Vector Machine</a:t>
-            </a:r>
+              <a:t>Results </a:t>
+            </a:r>
+            <a:r>
+              <a:rPr lang="en-US" sz="4400" dirty="0" smtClean="0"/>
+              <a:t>w/ </a:t>
+            </a:r>
+            <a:r>
+              <a:rPr lang="en-US" sz="4400" dirty="0"/>
+              <a:t>Different </a:t>
+            </a:r>
+            <a:r>
+              <a:rPr lang="en-US" sz="4400" dirty="0"/>
+              <a:t>Parameters</a:t>
+            </a:r>
+            <a:br>
+              <a:rPr lang="en-US" sz="4400" dirty="0"/>
+            </a:br>
+            <a:r>
+              <a:rPr lang="en-US" sz="4400" dirty="0"/>
+              <a:t>Naïve </a:t>
+            </a:r>
+            <a:r>
+              <a:rPr lang="en-US" sz="4400" dirty="0" smtClean="0"/>
+              <a:t>Bayes</a:t>
+            </a:r>
+            <a:endParaRPr lang="en-US" sz="4400" dirty="0"/>
           </a:p>
         </p:txBody>
       </p:sp>
-      <p:sp>
-        <p:nvSpPr>
-          <p:cNvPr id="3" name="Content Placeholder 2"/>
-          <p:cNvSpPr>
-            <a:spLocks noGrp="1"/>
-          </p:cNvSpPr>
+      <p:graphicFrame>
+        <p:nvGraphicFramePr>
+          <p:cNvPr id="4" name="Content Placeholder 3"/>
+          <p:cNvGraphicFramePr>
+            <a:graphicFrameLocks noGrp="1"/>
+          </p:cNvGraphicFramePr>
           <p:nvPr>
             <p:ph idx="1"/>
+            <p:extLst>
+              <p:ext uri="{D42A27DB-BD31-4B8C-83A1-F6EECF244321}">
+                <p14:modId xmlns:p14="http://schemas.microsoft.com/office/powerpoint/2010/main" val="1776808933"/>
+              </p:ext>
+            </p:extLst>
           </p:nvPr>
-        </p:nvSpPr>
-        <p:spPr/>
-        <p:txBody>
-          <a:bodyPr>
-            <a:normAutofit/>
-          </a:bodyPr>
-          <a:lstStyle/>
-          <a:p>
-            <a:r>
-              <a:rPr lang="de-DE" sz="2800" dirty="0" smtClean="0"/>
-              <a:t>-</a:t>
-            </a:r>
-            <a:r>
-              <a:rPr lang="de-DE" sz="2800" dirty="0"/>
-              <a:t>C </a:t>
-            </a:r>
-            <a:r>
-              <a:rPr lang="de-DE" sz="2800" dirty="0" smtClean="0"/>
-              <a:t>0.5 </a:t>
-            </a:r>
-            <a:r>
-              <a:rPr lang="de-DE" sz="2800" dirty="0"/>
-              <a:t>-L 0.001 -P 1.0E-12 -K </a:t>
-            </a:r>
-            <a:r>
-              <a:rPr lang="de-DE" sz="2800" dirty="0" err="1"/>
-              <a:t>PolyKernel</a:t>
-            </a:r>
-            <a:r>
-              <a:rPr lang="de-DE" sz="2800" dirty="0"/>
-              <a:t> </a:t>
-            </a:r>
-          </a:p>
-          <a:p>
-            <a:r>
-              <a:rPr lang="de-DE" sz="2800" dirty="0" smtClean="0"/>
-              <a:t>-</a:t>
-            </a:r>
-            <a:r>
-              <a:rPr lang="de-DE" sz="2800" dirty="0"/>
-              <a:t>C </a:t>
-            </a:r>
-            <a:r>
-              <a:rPr lang="de-DE" sz="2800" dirty="0" smtClean="0"/>
-              <a:t>1.0 </a:t>
-            </a:r>
-            <a:r>
-              <a:rPr lang="de-DE" sz="2800" dirty="0"/>
-              <a:t>-L 0.001 -P 1.0E-12 -K </a:t>
-            </a:r>
-            <a:r>
-              <a:rPr lang="de-DE" sz="2800" dirty="0" err="1" smtClean="0"/>
-              <a:t>PolyKernel</a:t>
-            </a:r>
-            <a:endParaRPr lang="de-DE" sz="2800" dirty="0" smtClean="0"/>
-          </a:p>
-          <a:p>
-            <a:r>
-              <a:rPr lang="de-DE" sz="2800" dirty="0"/>
-              <a:t>-C </a:t>
-            </a:r>
-            <a:r>
-              <a:rPr lang="de-DE" sz="2800" dirty="0" smtClean="0"/>
-              <a:t>1.5 </a:t>
-            </a:r>
-            <a:r>
-              <a:rPr lang="de-DE" sz="2800" dirty="0"/>
-              <a:t>-L 0.001 -P 1.0E-12 -K </a:t>
-            </a:r>
-            <a:r>
-              <a:rPr lang="de-DE" sz="2800" dirty="0" err="1"/>
-              <a:t>PolyKernel</a:t>
-            </a:r>
-            <a:r>
-              <a:rPr lang="de-DE" sz="2800" dirty="0"/>
-              <a:t> </a:t>
-            </a:r>
-          </a:p>
-          <a:p>
-            <a:r>
-              <a:rPr lang="de-DE" sz="2800" dirty="0"/>
-              <a:t>-C 2.0 -L 0.001 -P 1.0E-12 -K </a:t>
-            </a:r>
-            <a:r>
-              <a:rPr lang="de-DE" sz="2800" dirty="0" err="1" smtClean="0"/>
-              <a:t>PolyKernel</a:t>
-            </a:r>
-            <a:endParaRPr lang="de-DE" sz="2800" dirty="0" smtClean="0"/>
-          </a:p>
-          <a:p>
-            <a:endParaRPr lang="de-DE" sz="2800" dirty="0"/>
-          </a:p>
-          <a:p>
-            <a:r>
-              <a:rPr lang="de-DE" sz="2800" dirty="0" smtClean="0"/>
-              <a:t>C </a:t>
-            </a:r>
-            <a:r>
-              <a:rPr lang="de-DE" sz="2800" dirty="0" err="1"/>
-              <a:t>means</a:t>
-            </a:r>
-            <a:r>
-              <a:rPr lang="de-DE" sz="2800" dirty="0"/>
-              <a:t> </a:t>
-            </a:r>
-            <a:r>
-              <a:rPr lang="de-DE" sz="2800" dirty="0" err="1" smtClean="0"/>
-              <a:t>complexity</a:t>
-            </a:r>
-            <a:r>
-              <a:rPr lang="de-DE" sz="2800" dirty="0" smtClean="0"/>
-              <a:t> </a:t>
-            </a:r>
-            <a:r>
-              <a:rPr lang="de-DE" sz="2800" dirty="0" err="1"/>
-              <a:t>parameter</a:t>
-            </a:r>
-            <a:r>
-              <a:rPr lang="de-DE" sz="2800" dirty="0"/>
-              <a:t> </a:t>
-            </a:r>
-          </a:p>
-          <a:p>
-            <a:pPr marL="0" indent="0">
-              <a:buNone/>
-            </a:pPr>
-            <a:endParaRPr lang="de-DE" sz="2800" dirty="0"/>
-          </a:p>
-          <a:p>
-            <a:endParaRPr lang="en-US" sz="2800" dirty="0"/>
-          </a:p>
-        </p:txBody>
-      </p:sp>
+        </p:nvGraphicFramePr>
+        <p:xfrm>
+          <a:off x="2589213" y="2133600"/>
+          <a:ext cx="8915400" cy="3778250"/>
+        </p:xfrm>
+        <a:graphic>
+          <a:graphicData uri="http://schemas.openxmlformats.org/drawingml/2006/chart">
+            <c:chart xmlns:c="http://schemas.openxmlformats.org/drawingml/2006/chart" xmlns:r="http://schemas.openxmlformats.org/officeDocument/2006/relationships" r:id="rId2"/>
+          </a:graphicData>
+        </a:graphic>
+      </p:graphicFrame>
     </p:spTree>
     <p:extLst>
       <p:ext uri="{BB962C8B-B14F-4D97-AF65-F5344CB8AC3E}">
-        <p14:creationId xmlns:p14="http://schemas.microsoft.com/office/powerpoint/2010/main" val="1389705387"/>
+        <p14:creationId xmlns:p14="http://schemas.microsoft.com/office/powerpoint/2010/main" val="608413784"/>
       </p:ext>
     </p:extLst>
   </p:cSld>
@@ -16858,8 +17183,19 @@
               <a:t>Different </a:t>
             </a:r>
             <a:r>
+              <a:rPr lang="en-US" sz="4400" dirty="0"/>
+              <a:t>Parameters</a:t>
+            </a:r>
+            <a:br>
+              <a:rPr lang="en-US" sz="4400" dirty="0"/>
+            </a:br>
+            <a:r>
+              <a:rPr lang="en-US" sz="4400" dirty="0"/>
+              <a:t>Support Vector </a:t>
+            </a:r>
+            <a:r>
               <a:rPr lang="en-US" sz="4400" dirty="0" smtClean="0"/>
-              <a:t>Parameters</a:t>
+              <a:t>Machine</a:t>
             </a:r>
             <a:endParaRPr lang="en-US" sz="4400" dirty="0"/>
           </a:p>
@@ -18037,8 +18373,19 @@
               <a:t>Different </a:t>
             </a:r>
             <a:r>
+              <a:rPr lang="en-US" sz="4400" dirty="0"/>
+              <a:t>Parameters</a:t>
+            </a:r>
+            <a:br>
+              <a:rPr lang="en-US" sz="4400" dirty="0"/>
+            </a:br>
+            <a:r>
+              <a:rPr lang="en-US" sz="4400" dirty="0"/>
+              <a:t>Support Vector </a:t>
+            </a:r>
+            <a:r>
               <a:rPr lang="en-US" sz="4400" dirty="0" smtClean="0"/>
-              <a:t>Parameters</a:t>
+              <a:t>Machine</a:t>
             </a:r>
             <a:endParaRPr lang="en-US" sz="4400" dirty="0"/>
           </a:p>
@@ -18119,179 +18466,70 @@
         <p:spPr/>
         <p:txBody>
           <a:bodyPr>
-            <a:normAutofit/>
+            <a:normAutofit fontScale="90000"/>
           </a:bodyPr>
           <a:lstStyle/>
           <a:p>
             <a:r>
+              <a:rPr lang="en-US" sz="4400" dirty="0"/>
+              <a:t>Test Results </a:t>
+            </a:r>
+            <a:r>
               <a:rPr lang="en-US" sz="4400" dirty="0" smtClean="0"/>
-              <a:t>Naïve Bayes</a:t>
+              <a:t>w/ </a:t>
+            </a:r>
+            <a:r>
+              <a:rPr lang="en-US" sz="4400" dirty="0"/>
+              <a:t>Different </a:t>
+            </a:r>
+            <a:r>
+              <a:rPr lang="en-US" sz="4400" dirty="0"/>
+              <a:t>Parameters</a:t>
+            </a:r>
+            <a:br>
+              <a:rPr lang="en-US" sz="4400" dirty="0"/>
+            </a:br>
+            <a:r>
+              <a:rPr lang="en-US" sz="4400" dirty="0"/>
+              <a:t>Multi-layer </a:t>
+            </a:r>
+            <a:r>
+              <a:rPr lang="en-US" sz="4400" dirty="0" smtClean="0"/>
+              <a:t>Perceptron</a:t>
             </a:r>
             <a:endParaRPr lang="en-US" sz="4400" dirty="0"/>
           </a:p>
         </p:txBody>
       </p:sp>
-      <p:sp>
-        <p:nvSpPr>
-          <p:cNvPr id="3" name="Content Placeholder 2"/>
-          <p:cNvSpPr>
-            <a:spLocks noGrp="1"/>
-          </p:cNvSpPr>
+      <p:graphicFrame>
+        <p:nvGraphicFramePr>
+          <p:cNvPr id="4" name="Content Placeholder 3"/>
+          <p:cNvGraphicFramePr>
+            <a:graphicFrameLocks noGrp="1"/>
+          </p:cNvGraphicFramePr>
           <p:nvPr>
             <p:ph idx="1"/>
+            <p:extLst>
+              <p:ext uri="{D42A27DB-BD31-4B8C-83A1-F6EECF244321}">
+                <p14:modId xmlns:p14="http://schemas.microsoft.com/office/powerpoint/2010/main" val="1918265136"/>
+              </p:ext>
+            </p:extLst>
           </p:nvPr>
-        </p:nvSpPr>
-        <p:spPr/>
-        <p:txBody>
-          <a:bodyPr>
-            <a:normAutofit/>
-          </a:bodyPr>
-          <a:lstStyle/>
-          <a:p>
-            <a:r>
-              <a:rPr lang="de-DE" sz="2800" dirty="0" smtClean="0"/>
-              <a:t>K: </a:t>
-            </a:r>
-            <a:r>
-              <a:rPr lang="de-DE" sz="2800" dirty="0" err="1" smtClean="0"/>
-              <a:t>whether</a:t>
-            </a:r>
-            <a:r>
-              <a:rPr lang="de-DE" sz="2800" dirty="0" smtClean="0"/>
-              <a:t> </a:t>
-            </a:r>
-            <a:r>
-              <a:rPr lang="de-DE" sz="2800" dirty="0" err="1"/>
-              <a:t>to</a:t>
-            </a:r>
-            <a:r>
-              <a:rPr lang="de-DE" sz="2800" dirty="0"/>
-              <a:t> </a:t>
-            </a:r>
-            <a:r>
-              <a:rPr lang="de-DE" sz="2800" dirty="0" err="1"/>
-              <a:t>use</a:t>
-            </a:r>
-            <a:r>
-              <a:rPr lang="de-DE" sz="2800" dirty="0"/>
-              <a:t> </a:t>
-            </a:r>
-            <a:r>
-              <a:rPr lang="de-DE" sz="2800" dirty="0" err="1"/>
-              <a:t>kernel</a:t>
-            </a:r>
-            <a:r>
-              <a:rPr lang="de-DE" sz="2800" dirty="0"/>
-              <a:t> </a:t>
-            </a:r>
-            <a:r>
-              <a:rPr lang="de-DE" sz="2800" dirty="0" err="1" smtClean="0"/>
-              <a:t>estimator</a:t>
-            </a:r>
-            <a:r>
-              <a:rPr lang="de-DE" sz="2800" dirty="0" smtClean="0"/>
-              <a:t> </a:t>
-            </a:r>
-          </a:p>
-          <a:p>
-            <a:r>
-              <a:rPr lang="de-DE" sz="2800" dirty="0" smtClean="0"/>
-              <a:t>D: </a:t>
-            </a:r>
-            <a:r>
-              <a:rPr lang="de-DE" sz="2800" dirty="0" err="1" smtClean="0"/>
-              <a:t>whether</a:t>
-            </a:r>
-            <a:r>
-              <a:rPr lang="de-DE" sz="2800" dirty="0" smtClean="0"/>
-              <a:t> </a:t>
-            </a:r>
-            <a:r>
-              <a:rPr lang="de-DE" sz="2800" dirty="0" err="1"/>
-              <a:t>to</a:t>
-            </a:r>
-            <a:r>
-              <a:rPr lang="de-DE" sz="2800" dirty="0"/>
-              <a:t> </a:t>
-            </a:r>
-            <a:r>
-              <a:rPr lang="de-DE" sz="2800" dirty="0" err="1"/>
-              <a:t>use</a:t>
-            </a:r>
-            <a:r>
-              <a:rPr lang="de-DE" sz="2800" dirty="0"/>
-              <a:t> </a:t>
-            </a:r>
-            <a:r>
-              <a:rPr lang="de-DE" sz="2800" dirty="0" err="1"/>
-              <a:t>supervised</a:t>
-            </a:r>
-            <a:r>
-              <a:rPr lang="de-DE" sz="2800" dirty="0"/>
-              <a:t> </a:t>
-            </a:r>
-            <a:r>
-              <a:rPr lang="de-DE" sz="2800" dirty="0" err="1" smtClean="0"/>
-              <a:t>discretization</a:t>
-            </a:r>
-            <a:endParaRPr lang="de-DE" sz="2800" dirty="0" smtClean="0"/>
-          </a:p>
-          <a:p>
-            <a:endParaRPr lang="de-DE" sz="2800" dirty="0"/>
-          </a:p>
-          <a:p>
-            <a:r>
-              <a:rPr lang="de-DE" sz="2800" dirty="0" smtClean="0"/>
-              <a:t>K = </a:t>
-            </a:r>
-            <a:r>
-              <a:rPr lang="de-DE" sz="2800" dirty="0" err="1" smtClean="0"/>
-              <a:t>False</a:t>
-            </a:r>
-            <a:r>
-              <a:rPr lang="de-DE" sz="2800" dirty="0" smtClean="0"/>
-              <a:t>, D = </a:t>
-            </a:r>
-            <a:r>
-              <a:rPr lang="de-DE" sz="2800" dirty="0" err="1" smtClean="0"/>
-              <a:t>False</a:t>
-            </a:r>
-            <a:endParaRPr lang="de-DE" sz="2800" dirty="0" smtClean="0"/>
-          </a:p>
-          <a:p>
-            <a:r>
-              <a:rPr lang="de-DE" sz="2800" dirty="0" smtClean="0"/>
-              <a:t>K = True, D = </a:t>
-            </a:r>
-            <a:r>
-              <a:rPr lang="de-DE" sz="2800" dirty="0" err="1" smtClean="0"/>
-              <a:t>False</a:t>
-            </a:r>
-            <a:endParaRPr lang="de-DE" sz="2800" dirty="0"/>
-          </a:p>
-          <a:p>
-            <a:r>
-              <a:rPr lang="de-DE" sz="2800" dirty="0" smtClean="0"/>
-              <a:t>K = </a:t>
-            </a:r>
-            <a:r>
-              <a:rPr lang="de-DE" sz="2800" dirty="0" err="1" smtClean="0"/>
-              <a:t>False</a:t>
-            </a:r>
-            <a:r>
-              <a:rPr lang="de-DE" sz="2800" dirty="0" smtClean="0"/>
-              <a:t>, D = True</a:t>
-            </a:r>
-          </a:p>
-          <a:p>
-            <a:endParaRPr lang="en-US" sz="2800" dirty="0"/>
-          </a:p>
-        </p:txBody>
-      </p:sp>
+        </p:nvGraphicFramePr>
+        <p:xfrm>
+          <a:off x="2589213" y="2133600"/>
+          <a:ext cx="8915400" cy="3778250"/>
+        </p:xfrm>
+        <a:graphic>
+          <a:graphicData uri="http://schemas.openxmlformats.org/drawingml/2006/chart">
+            <c:chart xmlns:c="http://schemas.openxmlformats.org/drawingml/2006/chart" xmlns:r="http://schemas.openxmlformats.org/officeDocument/2006/relationships" r:id="rId2"/>
+          </a:graphicData>
+        </a:graphic>
+      </p:graphicFrame>
     </p:spTree>
     <p:extLst>
       <p:ext uri="{BB962C8B-B14F-4D97-AF65-F5344CB8AC3E}">
-        <p14:creationId xmlns:p14="http://schemas.microsoft.com/office/powerpoint/2010/main" val="155324914"/>
+        <p14:creationId xmlns:p14="http://schemas.microsoft.com/office/powerpoint/2010/main" val="1662981776"/>
       </p:ext>
     </p:extLst>
   </p:cSld>
@@ -18338,25 +18576,13 @@
         <p:spPr/>
         <p:txBody>
           <a:bodyPr>
-            <a:normAutofit fontScale="90000"/>
+            <a:normAutofit/>
           </a:bodyPr>
           <a:lstStyle/>
           <a:p>
             <a:r>
-              <a:rPr lang="en-US" sz="4400" dirty="0"/>
-              <a:t>Test Results </a:t>
-            </a:r>
-            <a:r>
               <a:rPr lang="en-US" sz="4400" dirty="0" smtClean="0"/>
-              <a:t>w/ </a:t>
-            </a:r>
-            <a:r>
-              <a:rPr lang="en-US" sz="4400" dirty="0"/>
-              <a:t>Different </a:t>
-            </a:r>
-            <a:r>
-              <a:rPr lang="en-US" sz="4400" dirty="0" smtClean="0"/>
-              <a:t>Parameters</a:t>
+              <a:t>Least Correct Class</a:t>
             </a:r>
             <a:endParaRPr lang="en-US" sz="4400" dirty="0"/>
           </a:p>
@@ -18372,101 +18598,14 @@
             <p:ph idx="1"/>
             <p:extLst>
               <p:ext uri="{D42A27DB-BD31-4B8C-83A1-F6EECF244321}">
-                <p14:modId xmlns:p14="http://schemas.microsoft.com/office/powerpoint/2010/main" val="1470503465"/>
+                <p14:modId xmlns:p14="http://schemas.microsoft.com/office/powerpoint/2010/main" val="2071942186"/>
               </p:ext>
             </p:extLst>
           </p:nvPr>
         </p:nvGraphicFramePr>
         <p:xfrm>
           <a:off x="2589213" y="2133600"/>
-          <a:ext cx="8915400" cy="3778250"/>
-        </p:xfrm>
-        <a:graphic>
-          <a:graphicData uri="http://schemas.openxmlformats.org/drawingml/2006/chart">
-            <c:chart xmlns:c="http://schemas.openxmlformats.org/drawingml/2006/chart" xmlns:r="http://schemas.openxmlformats.org/officeDocument/2006/relationships" r:id="rId2"/>
-          </a:graphicData>
-        </a:graphic>
-      </p:graphicFrame>
-    </p:spTree>
-    <p:extLst>
-      <p:ext uri="{BB962C8B-B14F-4D97-AF65-F5344CB8AC3E}">
-        <p14:creationId xmlns:p14="http://schemas.microsoft.com/office/powerpoint/2010/main" val="859484421"/>
-      </p:ext>
-    </p:extLst>
-  </p:cSld>
-  <p:clrMapOvr>
-    <a:masterClrMapping/>
-  </p:clrMapOvr>
-  <p:timing>
-    <p:tnLst>
-      <p:par>
-        <p:cTn id="1" dur="indefinite" restart="never" nodeType="tmRoot"/>
-      </p:par>
-    </p:tnLst>
-  </p:timing>
-</p:sld>
-</file>
-
-<file path=ppt/slides/slide24.xml><?xml version="1.0" encoding="utf-8"?>
-<p:sld xmlns:a="http://schemas.openxmlformats.org/drawingml/2006/main" xmlns:r="http://schemas.openxmlformats.org/officeDocument/2006/relationships" xmlns:p="http://schemas.openxmlformats.org/presentationml/2006/main">
-  <p:cSld>
-    <p:spTree>
-      <p:nvGrpSpPr>
-        <p:cNvPr id="1" name=""/>
-        <p:cNvGrpSpPr/>
-        <p:nvPr/>
-      </p:nvGrpSpPr>
-      <p:grpSpPr>
-        <a:xfrm>
-          <a:off x="0" y="0"/>
-          <a:ext cx="0" cy="0"/>
-          <a:chOff x="0" y="0"/>
-          <a:chExt cx="0" cy="0"/>
-        </a:xfrm>
-      </p:grpSpPr>
-      <p:sp>
-        <p:nvSpPr>
-          <p:cNvPr id="2" name="Title 1"/>
-          <p:cNvSpPr>
-            <a:spLocks noGrp="1"/>
-          </p:cNvSpPr>
-          <p:nvPr>
-            <p:ph type="title"/>
-          </p:nvPr>
-        </p:nvSpPr>
-        <p:spPr/>
-        <p:txBody>
-          <a:bodyPr>
-            <a:normAutofit/>
-          </a:bodyPr>
-          <a:lstStyle/>
-          <a:p>
-            <a:r>
-              <a:rPr lang="en-US" sz="4400" dirty="0" smtClean="0"/>
-              <a:t>Least Correct Class</a:t>
-            </a:r>
-            <a:endParaRPr lang="en-US" sz="4400" dirty="0"/>
-          </a:p>
-        </p:txBody>
-      </p:sp>
-      <p:graphicFrame>
-        <p:nvGraphicFramePr>
-          <p:cNvPr id="4" name="Content Placeholder 3"/>
-          <p:cNvGraphicFramePr>
-            <a:graphicFrameLocks noGrp="1"/>
-          </p:cNvGraphicFramePr>
-          <p:nvPr>
-            <p:ph idx="1"/>
-            <p:extLst>
-              <p:ext uri="{D42A27DB-BD31-4B8C-83A1-F6EECF244321}">
-                <p14:modId xmlns:p14="http://schemas.microsoft.com/office/powerpoint/2010/main" val="1541027284"/>
-              </p:ext>
-            </p:extLst>
-          </p:nvPr>
-        </p:nvGraphicFramePr>
-        <p:xfrm>
-          <a:off x="2769095" y="1816308"/>
-          <a:ext cx="8915400" cy="3703320"/>
+          <a:ext cx="8915400" cy="3708400"/>
         </p:xfrm>
         <a:graphic>
           <a:graphicData uri="http://schemas.openxmlformats.org/drawingml/2006/table">
@@ -18479,7 +18618,7 @@
                 <a:gridCol w="2971800"/>
                 <a:gridCol w="2971800"/>
               </a:tblGrid>
-              <a:tr h="0">
+              <a:tr h="370840">
                 <a:tc>
                   <a:txBody>
                     <a:bodyPr/>
@@ -18536,11 +18675,7 @@
                       <a:pPr algn="ctr"/>
                       <a:r>
                         <a:rPr lang="en-US" dirty="0" smtClean="0"/>
-                        <a:t>K</a:t>
-                      </a:r>
-                      <a:r>
-                        <a:rPr lang="en-US" baseline="0" dirty="0" smtClean="0"/>
-                        <a:t> = F, D = F</a:t>
+                        <a:t>Default</a:t>
                       </a:r>
                       <a:endParaRPr lang="en-US" dirty="0"/>
                     </a:p>
@@ -18555,7 +18690,7 @@
                       <a:pPr algn="ctr"/>
                       <a:r>
                         <a:rPr lang="en-US" dirty="0" smtClean="0"/>
-                        <a:t>S</a:t>
+                        <a:t>G</a:t>
                       </a:r>
                       <a:endParaRPr lang="en-US" dirty="0"/>
                     </a:p>
@@ -18569,12 +18704,8 @@
                     <a:p>
                       <a:pPr algn="ctr"/>
                       <a:r>
-                        <a:rPr lang="nb-NO" dirty="0" smtClean="0"/>
-                        <a:t>29.4</a:t>
-                      </a:r>
-                      <a:r>
                         <a:rPr lang="en-US" dirty="0" smtClean="0"/>
-                        <a:t>%</a:t>
+                        <a:t>69%</a:t>
                       </a:r>
                       <a:endParaRPr lang="en-US" dirty="0"/>
                     </a:p>
@@ -18617,117 +18748,7 @@
                       <a:pPr algn="ctr"/>
                       <a:r>
                         <a:rPr lang="en-US" dirty="0" smtClean="0"/>
-                        <a:t>30.5%</a:t>
-                      </a:r>
-                      <a:endParaRPr lang="en-US" dirty="0"/>
-                    </a:p>
-                  </a:txBody>
-                  <a:tcPr anchor="ctr"/>
-                </a:tc>
-              </a:tr>
-              <a:tr h="370840">
-                <a:tc vMerge="1">
-                  <a:txBody>
-                    <a:bodyPr/>
-                    <a:lstStyle/>
-                    <a:p>
-                      <a:pPr algn="ctr"/>
-                      <a:endParaRPr lang="en-US" dirty="0"/>
-                    </a:p>
-                  </a:txBody>
-                  <a:tcPr anchor="ctr"/>
-                </a:tc>
-                <a:tc>
-                  <a:txBody>
-                    <a:bodyPr/>
-                    <a:lstStyle/>
-                    <a:p>
-                      <a:pPr algn="ctr"/>
-                      <a:r>
-                        <a:rPr lang="en-US" dirty="0" smtClean="0"/>
-                        <a:t>Y</a:t>
-                      </a:r>
-                      <a:endParaRPr lang="en-US" dirty="0"/>
-                    </a:p>
-                  </a:txBody>
-                  <a:tcPr anchor="ctr"/>
-                </a:tc>
-                <a:tc>
-                  <a:txBody>
-                    <a:bodyPr/>
-                    <a:lstStyle/>
-                    <a:p>
-                      <a:pPr algn="ctr"/>
-                      <a:r>
-                        <a:rPr lang="en-US" dirty="0" smtClean="0"/>
-                        <a:t>33.1%</a:t>
-                      </a:r>
-                      <a:endParaRPr lang="en-US" dirty="0"/>
-                    </a:p>
-                  </a:txBody>
-                  <a:tcPr anchor="ctr"/>
-                </a:tc>
-              </a:tr>
-              <a:tr h="370840">
-                <a:tc rowSpan="3">
-                  <a:txBody>
-                    <a:bodyPr/>
-                    <a:lstStyle/>
-                    <a:p>
-                      <a:pPr marL="0" marR="0" indent="0" algn="ctr" defTabSz="457200" rtl="0" eaLnBrk="1" fontAlgn="auto" latinLnBrk="0" hangingPunct="1">
-                        <a:lnSpc>
-                          <a:spcPct val="100000"/>
-                        </a:lnSpc>
-                        <a:spcBef>
-                          <a:spcPts val="0"/>
-                        </a:spcBef>
-                        <a:spcAft>
-                          <a:spcPts val="0"/>
-                        </a:spcAft>
-                        <a:buClrTx/>
-                        <a:buSzTx/>
-                        <a:buFontTx/>
-                        <a:buNone/>
-                        <a:tabLst/>
-                        <a:defRPr/>
-                      </a:pPr>
-                      <a:r>
-                        <a:rPr lang="en-US" dirty="0" smtClean="0"/>
-                        <a:t>K</a:t>
-                      </a:r>
-                      <a:r>
-                        <a:rPr lang="en-US" baseline="0" dirty="0" smtClean="0"/>
-                        <a:t> = T, D = F</a:t>
-                      </a:r>
-                      <a:endParaRPr lang="en-US" dirty="0" smtClean="0"/>
-                    </a:p>
-                  </a:txBody>
-                  <a:tcPr anchor="ctr"/>
-                </a:tc>
-                <a:tc>
-                  <a:txBody>
-                    <a:bodyPr/>
-                    <a:lstStyle/>
-                    <a:p>
-                      <a:pPr algn="ctr"/>
-                      <a:r>
-                        <a:rPr lang="en-US" dirty="0" smtClean="0"/>
-                        <a:t>H</a:t>
-                      </a:r>
-                      <a:endParaRPr lang="en-US" dirty="0"/>
-                    </a:p>
-                  </a:txBody>
-                  <a:tcPr anchor="ctr"/>
-                </a:tc>
-                <a:tc>
-                  <a:txBody>
-                    <a:bodyPr/>
-                    <a:lstStyle/>
-                    <a:p>
-                      <a:pPr algn="ctr"/>
-                      <a:r>
-                        <a:rPr lang="en-US" dirty="0" smtClean="0"/>
-                        <a:t>57.4%</a:t>
+                        <a:t>64.4%</a:t>
                       </a:r>
                       <a:endParaRPr lang="en-US" dirty="0"/>
                     </a:p>
@@ -18770,50 +18791,7 @@
                       <a:pPr algn="ctr"/>
                       <a:r>
                         <a:rPr lang="en-US" dirty="0" smtClean="0"/>
-                        <a:t>64.2%</a:t>
-                      </a:r>
-                      <a:endParaRPr lang="en-US" dirty="0"/>
-                    </a:p>
-                  </a:txBody>
-                  <a:tcPr anchor="ctr"/>
-                </a:tc>
-              </a:tr>
-              <a:tr h="370840">
-                <a:tc vMerge="1">
-                  <a:txBody>
-                    <a:bodyPr/>
-                    <a:lstStyle/>
-                    <a:p>
-                      <a:pPr algn="ctr"/>
-                      <a:endParaRPr lang="en-US" dirty="0"/>
-                    </a:p>
-                  </a:txBody>
-                  <a:tcPr anchor="ctr"/>
-                </a:tc>
-                <a:tc>
-                  <a:txBody>
-                    <a:bodyPr/>
-                    <a:lstStyle/>
-                    <a:p>
-                      <a:pPr algn="ctr"/>
-                      <a:r>
-                        <a:rPr lang="en-US" dirty="0" smtClean="0"/>
-                        <a:t>X</a:t>
-                      </a:r>
-                      <a:endParaRPr lang="en-US" dirty="0"/>
-                    </a:p>
-                  </a:txBody>
-                  <a:tcPr anchor="ctr"/>
-                </a:tc>
-                <a:tc>
-                  <a:txBody>
-                    <a:bodyPr/>
-                    <a:lstStyle/>
-                    <a:p>
-                      <a:pPr algn="ctr"/>
-                      <a:r>
-                        <a:rPr lang="en-US" dirty="0" smtClean="0"/>
-                        <a:t>64.3%</a:t>
+                        <a:t>65%</a:t>
                       </a:r>
                       <a:endParaRPr lang="en-US" dirty="0"/>
                     </a:p>
@@ -18846,13 +18824,51 @@
                       </a:pPr>
                       <a:r>
                         <a:rPr lang="en-US" dirty="0" smtClean="0"/>
-                        <a:t>D</a:t>
+                        <a:t>L=0.6</a:t>
                       </a:r>
+                    </a:p>
+                  </a:txBody>
+                  <a:tcPr anchor="ctr"/>
+                </a:tc>
+                <a:tc>
+                  <a:txBody>
+                    <a:bodyPr/>
+                    <a:lstStyle/>
+                    <a:p>
+                      <a:pPr algn="ctr"/>
                       <a:r>
-                        <a:rPr lang="en-US" baseline="0" dirty="0" smtClean="0"/>
-                        <a:t> = F, K = T</a:t>
+                        <a:rPr lang="en-US" dirty="0" smtClean="0"/>
+                        <a:t>G</a:t>
                       </a:r>
-                      <a:endParaRPr lang="en-US" dirty="0" smtClean="0"/>
+                      <a:endParaRPr lang="en-US" dirty="0"/>
+                    </a:p>
+                  </a:txBody>
+                  <a:tcPr anchor="ctr"/>
+                </a:tc>
+                <a:tc>
+                  <a:txBody>
+                    <a:bodyPr/>
+                    <a:lstStyle/>
+                    <a:p>
+                      <a:pPr algn="ctr"/>
+                      <a:r>
+                        <a:rPr lang="en-US" dirty="0" smtClean="0"/>
+                        <a:t>68.2%</a:t>
+                      </a:r>
+                      <a:endParaRPr lang="en-US" dirty="0"/>
+                    </a:p>
+                  </a:txBody>
+                  <a:tcPr anchor="ctr"/>
+                </a:tc>
+              </a:tr>
+              <a:tr h="370840">
+                <a:tc vMerge="1">
+                  <a:txBody>
+                    <a:bodyPr/>
+                    <a:lstStyle/>
+                    <a:p>
+                      <a:pPr algn="ctr"/>
+                      <a:endParaRPr lang="en-US" dirty="0"/>
                     </a:p>
                   </a:txBody>
                   <a:tcPr anchor="ctr"/>
@@ -18880,7 +18896,7 @@
                       <a:pPr algn="ctr"/>
                       <a:r>
                         <a:rPr lang="en-US" dirty="0" smtClean="0"/>
-                        <a:t>57.5%</a:t>
+                        <a:t>69.1%</a:t>
                       </a:r>
                       <a:endParaRPr lang="en-US" dirty="0"/>
                     </a:p>
@@ -18908,7 +18924,7 @@
                       <a:pPr algn="ctr"/>
                       <a:r>
                         <a:rPr lang="en-US" dirty="0" smtClean="0"/>
-                        <a:t>E</a:t>
+                        <a:t>S</a:t>
                       </a:r>
                       <a:endParaRPr lang="en-US" dirty="0"/>
                     </a:p>
@@ -18923,7 +18939,69 @@
                       <a:pPr algn="ctr"/>
                       <a:r>
                         <a:rPr lang="en-US" dirty="0" smtClean="0"/>
-                        <a:t>60.7%</a:t>
+                        <a:t>64%</a:t>
+                      </a:r>
+                      <a:endParaRPr lang="en-US" dirty="0"/>
+                    </a:p>
+                  </a:txBody>
+                  <a:tcPr anchor="ctr"/>
+                </a:tc>
+              </a:tr>
+              <a:tr h="370840">
+                <a:tc rowSpan="3">
+                  <a:txBody>
+                    <a:bodyPr/>
+                    <a:lstStyle/>
+                    <a:p>
+                      <a:pPr marL="0" marR="0" indent="0" algn="ctr" defTabSz="457200" rtl="0" eaLnBrk="1" fontAlgn="auto" latinLnBrk="0" hangingPunct="1">
+                        <a:lnSpc>
+                          <a:spcPct val="100000"/>
+                        </a:lnSpc>
+                        <a:spcBef>
+                          <a:spcPts val="0"/>
+                        </a:spcBef>
+                        <a:spcAft>
+                          <a:spcPts val="0"/>
+                        </a:spcAft>
+                        <a:buClrTx/>
+                        <a:buSzTx/>
+                        <a:buFontTx/>
+                        <a:buNone/>
+                        <a:tabLst/>
+                        <a:defRPr/>
+                      </a:pPr>
+                      <a:r>
+                        <a:rPr lang="en-US" dirty="0" smtClean="0"/>
+                        <a:t>N=200</a:t>
+                      </a:r>
+                    </a:p>
+                  </a:txBody>
+                  <a:tcPr anchor="ctr"/>
+                </a:tc>
+                <a:tc>
+                  <a:txBody>
+                    <a:bodyPr/>
+                    <a:lstStyle/>
+                    <a:p>
+                      <a:pPr algn="ctr"/>
+                      <a:r>
+                        <a:rPr lang="en-US" dirty="0" smtClean="0"/>
+                        <a:t>G</a:t>
+                      </a:r>
+                      <a:endParaRPr lang="en-US" dirty="0"/>
+                    </a:p>
+                  </a:txBody>
+                  <a:tcPr anchor="ctr"/>
+                </a:tc>
+                <a:tc>
+                  <a:txBody>
+                    <a:bodyPr/>
+                    <a:lstStyle/>
+                    <a:p>
+                      <a:pPr algn="ctr"/>
+                      <a:r>
+                        <a:rPr lang="en-US" dirty="0" smtClean="0"/>
+                        <a:t>69.3%</a:t>
                       </a:r>
                       <a:endParaRPr lang="en-US" dirty="0"/>
                     </a:p>
@@ -18951,7 +19029,50 @@
                       <a:pPr algn="ctr"/>
                       <a:r>
                         <a:rPr lang="en-US" dirty="0" smtClean="0"/>
-                        <a:t>X</a:t>
+                        <a:t>H</a:t>
+                      </a:r>
+                      <a:endParaRPr lang="en-US" dirty="0"/>
+                    </a:p>
+                  </a:txBody>
+                  <a:tcPr anchor="ctr"/>
+                </a:tc>
+                <a:tc>
+                  <a:txBody>
+                    <a:bodyPr/>
+                    <a:lstStyle/>
+                    <a:p>
+                      <a:pPr algn="ctr"/>
+                      <a:r>
+                        <a:rPr lang="en-US" dirty="0" smtClean="0"/>
+                        <a:t>65.1%</a:t>
+                      </a:r>
+                      <a:endParaRPr lang="en-US" dirty="0"/>
+                    </a:p>
+                  </a:txBody>
+                  <a:tcPr anchor="ctr"/>
+                </a:tc>
+              </a:tr>
+              <a:tr h="370840">
+                <a:tc vMerge="1">
+                  <a:txBody>
+                    <a:bodyPr/>
+                    <a:lstStyle/>
+                    <a:p>
+                      <a:pPr algn="ctr"/>
+                      <a:endParaRPr lang="en-US" dirty="0"/>
+                    </a:p>
+                  </a:txBody>
+                  <a:tcPr anchor="ctr"/>
+                </a:tc>
+                <a:tc>
+                  <a:txBody>
+                    <a:bodyPr/>
+                    <a:lstStyle/>
+                    <a:p>
+                      <a:pPr algn="ctr"/>
+                      <a:r>
+                        <a:rPr lang="en-US" dirty="0" smtClean="0"/>
+                        <a:t>S</a:t>
                       </a:r>
                       <a:endParaRPr lang="en-US" dirty="0"/>
                     </a:p>
@@ -18981,7 +19102,117 @@
     </p:spTree>
     <p:extLst>
       <p:ext uri="{BB962C8B-B14F-4D97-AF65-F5344CB8AC3E}">
-        <p14:creationId xmlns:p14="http://schemas.microsoft.com/office/powerpoint/2010/main" val="1914544919"/>
+        <p14:creationId xmlns:p14="http://schemas.microsoft.com/office/powerpoint/2010/main" val="246247255"/>
+      </p:ext>
+    </p:extLst>
+  </p:cSld>
+  <p:clrMapOvr>
+    <a:masterClrMapping/>
+  </p:clrMapOvr>
+  <p:timing>
+    <p:tnLst>
+      <p:par>
+        <p:cTn id="1" dur="indefinite" restart="never" nodeType="tmRoot"/>
+      </p:par>
+    </p:tnLst>
+  </p:timing>
+</p:sld>
+</file>
+
+<file path=ppt/slides/slide24.xml><?xml version="1.0" encoding="utf-8"?>
+<p:sld xmlns:a="http://schemas.openxmlformats.org/drawingml/2006/main" xmlns:r="http://schemas.openxmlformats.org/officeDocument/2006/relationships" xmlns:p="http://schemas.openxmlformats.org/presentationml/2006/main">
+  <p:cSld>
+    <p:spTree>
+      <p:nvGrpSpPr>
+        <p:cNvPr id="1" name=""/>
+        <p:cNvGrpSpPr/>
+        <p:nvPr/>
+      </p:nvGrpSpPr>
+      <p:grpSpPr>
+        <a:xfrm>
+          <a:off x="0" y="0"/>
+          <a:ext cx="0" cy="0"/>
+          <a:chOff x="0" y="0"/>
+          <a:chExt cx="0" cy="0"/>
+        </a:xfrm>
+      </p:grpSpPr>
+      <p:graphicFrame>
+        <p:nvGraphicFramePr>
+          <p:cNvPr id="4" name="Content Placeholder 3"/>
+          <p:cNvGraphicFramePr>
+            <a:graphicFrameLocks noGrp="1"/>
+          </p:cNvGraphicFramePr>
+          <p:nvPr>
+            <p:ph idx="1"/>
+            <p:extLst>
+              <p:ext uri="{D42A27DB-BD31-4B8C-83A1-F6EECF244321}">
+                <p14:modId xmlns:p14="http://schemas.microsoft.com/office/powerpoint/2010/main" val="1967832537"/>
+              </p:ext>
+            </p:extLst>
+          </p:nvPr>
+        </p:nvGraphicFramePr>
+        <p:xfrm>
+          <a:off x="2589213" y="2133600"/>
+          <a:ext cx="8915400" cy="3778250"/>
+        </p:xfrm>
+        <a:graphic>
+          <a:graphicData uri="http://schemas.openxmlformats.org/drawingml/2006/chart">
+            <c:chart xmlns:c="http://schemas.openxmlformats.org/drawingml/2006/chart" xmlns:r="http://schemas.openxmlformats.org/officeDocument/2006/relationships" r:id="rId2"/>
+          </a:graphicData>
+        </a:graphic>
+      </p:graphicFrame>
+      <p:sp>
+        <p:nvSpPr>
+          <p:cNvPr id="5" name="Title 1"/>
+          <p:cNvSpPr>
+            <a:spLocks noGrp="1"/>
+          </p:cNvSpPr>
+          <p:nvPr>
+            <p:ph type="title"/>
+          </p:nvPr>
+        </p:nvSpPr>
+        <p:spPr/>
+        <p:txBody>
+          <a:bodyPr>
+            <a:normAutofit fontScale="90000"/>
+          </a:bodyPr>
+          <a:lstStyle/>
+          <a:p>
+            <a:r>
+              <a:rPr lang="en-US" sz="4400" dirty="0"/>
+              <a:t>Test Results </a:t>
+            </a:r>
+            <a:r>
+              <a:rPr lang="en-US" sz="4400" dirty="0" smtClean="0"/>
+              <a:t>w/ </a:t>
+            </a:r>
+            <a:r>
+              <a:rPr lang="en-US" sz="4400" dirty="0"/>
+              <a:t>Different </a:t>
+            </a:r>
+            <a:r>
+              <a:rPr lang="en-US" sz="4400" dirty="0"/>
+              <a:t>Parameters</a:t>
+            </a:r>
+            <a:br>
+              <a:rPr lang="en-US" sz="4400" dirty="0"/>
+            </a:br>
+            <a:r>
+              <a:rPr lang="en-US" sz="4400" dirty="0"/>
+              <a:t>Multi-layer </a:t>
+            </a:r>
+            <a:r>
+              <a:rPr lang="en-US" sz="4400" dirty="0" smtClean="0"/>
+              <a:t>Perceptron</a:t>
+            </a:r>
+            <a:endParaRPr lang="en-US" sz="4400" dirty="0"/>
+          </a:p>
+        </p:txBody>
+      </p:sp>
+    </p:spTree>
+    <p:extLst>
+      <p:ext uri="{BB962C8B-B14F-4D97-AF65-F5344CB8AC3E}">
+        <p14:creationId xmlns:p14="http://schemas.microsoft.com/office/powerpoint/2010/main" val="1548348142"/>
       </p:ext>
     </p:extLst>
   </p:cSld>
@@ -19033,20 +19264,31 @@
           <a:lstStyle/>
           <a:p>
             <a:r>
+              <a:rPr lang="en-US" sz="4400" dirty="0" smtClean="0"/>
+              <a:t>Special case: </a:t>
+            </a:r>
+            <a:r>
               <a:rPr lang="en-US" sz="4400" dirty="0"/>
-              <a:t>Test Results </a:t>
+              <a:t>L=0.6</a:t>
+            </a:r>
+            <a:br>
+              <a:rPr lang="en-US" sz="4400" dirty="0"/>
+            </a:br>
+            <a:r>
+              <a:rPr lang="en-US" sz="4400" dirty="0"/>
+              <a:t>(</a:t>
             </a:r>
             <a:r>
               <a:rPr lang="en-US" sz="4400" dirty="0" smtClean="0"/>
-              <a:t>w/ </a:t>
+              <a:t>Digit -- </a:t>
             </a:r>
             <a:r>
               <a:rPr lang="en-US" sz="4400" dirty="0"/>
-              <a:t>Different </a:t>
+              <a:t>Multi-layer </a:t>
             </a:r>
             <a:r>
               <a:rPr lang="en-US" sz="4400" dirty="0" smtClean="0"/>
-              <a:t>Parameters</a:t>
+              <a:t>Perceptron)</a:t>
             </a:r>
             <a:endParaRPr lang="en-US" sz="4400" dirty="0"/>
           </a:p>
@@ -19062,7 +19304,7 @@
             <p:ph idx="1"/>
             <p:extLst>
               <p:ext uri="{D42A27DB-BD31-4B8C-83A1-F6EECF244321}">
-                <p14:modId xmlns:p14="http://schemas.microsoft.com/office/powerpoint/2010/main" val="1776808933"/>
+                <p14:modId xmlns:p14="http://schemas.microsoft.com/office/powerpoint/2010/main" val="336355854"/>
               </p:ext>
             </p:extLst>
           </p:nvPr>
@@ -19080,7 +19322,7 @@
     </p:spTree>
     <p:extLst>
       <p:ext uri="{BB962C8B-B14F-4D97-AF65-F5344CB8AC3E}">
-        <p14:creationId xmlns:p14="http://schemas.microsoft.com/office/powerpoint/2010/main" val="608413784"/>
+        <p14:creationId xmlns:p14="http://schemas.microsoft.com/office/powerpoint/2010/main" val="964445884"/>
       </p:ext>
     </p:extLst>
   </p:cSld>
@@ -19094,6 +19336,105 @@
       </p:par>
     </p:tnLst>
   </p:timing>
+</p:sld>
+</file>
+
+<file path=ppt/slides/slide26.xml><?xml version="1.0" encoding="utf-8"?>
+<p:sld xmlns:a="http://schemas.openxmlformats.org/drawingml/2006/main" xmlns:r="http://schemas.openxmlformats.org/officeDocument/2006/relationships" xmlns:p="http://schemas.openxmlformats.org/presentationml/2006/main">
+  <p:cSld>
+    <p:spTree>
+      <p:nvGrpSpPr>
+        <p:cNvPr id="1" name=""/>
+        <p:cNvGrpSpPr/>
+        <p:nvPr/>
+      </p:nvGrpSpPr>
+      <p:grpSpPr>
+        <a:xfrm>
+          <a:off x="0" y="0"/>
+          <a:ext cx="0" cy="0"/>
+          <a:chOff x="0" y="0"/>
+          <a:chExt cx="0" cy="0"/>
+        </a:xfrm>
+      </p:grpSpPr>
+      <p:sp>
+        <p:nvSpPr>
+          <p:cNvPr id="2" name="Title 1"/>
+          <p:cNvSpPr>
+            <a:spLocks noGrp="1"/>
+          </p:cNvSpPr>
+          <p:nvPr>
+            <p:ph type="title"/>
+          </p:nvPr>
+        </p:nvSpPr>
+        <p:spPr/>
+        <p:txBody>
+          <a:bodyPr/>
+          <a:lstStyle/>
+          <a:p>
+            <a:r>
+              <a:rPr lang="en-US" dirty="0" err="1" smtClean="0"/>
+              <a:t>Conlusion</a:t>
+            </a:r>
+            <a:endParaRPr lang="en-US" dirty="0"/>
+          </a:p>
+        </p:txBody>
+      </p:sp>
+      <p:sp>
+        <p:nvSpPr>
+          <p:cNvPr id="3" name="Content Placeholder 2"/>
+          <p:cNvSpPr>
+            <a:spLocks noGrp="1"/>
+          </p:cNvSpPr>
+          <p:nvPr>
+            <p:ph idx="1"/>
+          </p:nvPr>
+        </p:nvSpPr>
+        <p:spPr>
+          <a:xfrm>
+            <a:off x="2589212" y="1798746"/>
+            <a:ext cx="8915400" cy="4460383"/>
+          </a:xfrm>
+        </p:spPr>
+        <p:txBody>
+          <a:bodyPr>
+            <a:noAutofit/>
+          </a:bodyPr>
+          <a:lstStyle/>
+          <a:p>
+            <a:r>
+              <a:rPr lang="en-US" sz="2400" dirty="0"/>
+              <a:t>Naïve </a:t>
+            </a:r>
+            <a:r>
+              <a:rPr lang="en-US" sz="2400" dirty="0" smtClean="0"/>
+              <a:t>Bayes performs badly in letter recognition when K=D, D=f. With other parameter settings, the correctness is around 75% with small deviation among different letters.</a:t>
+            </a:r>
+          </a:p>
+          <a:p>
+            <a:r>
+              <a:rPr lang="en-US" sz="2400" dirty="0" smtClean="0"/>
+              <a:t>SVM seems generally not suitable for letter recognition. The classes that cannot be correctly classified are: H, S, Q, G, O.</a:t>
+            </a:r>
+          </a:p>
+          <a:p>
+            <a:r>
+              <a:rPr lang="en-US" sz="2400" dirty="0" smtClean="0"/>
+              <a:t>Artificial Neural Network is heavily influenced by the parameters that control the stochastics. But generally speaking, it has a relatively stable performance. Weak in classifying: G, H, S.</a:t>
+            </a:r>
+            <a:endParaRPr lang="en-US" sz="2400" dirty="0"/>
+          </a:p>
+        </p:txBody>
+      </p:sp>
+    </p:spTree>
+    <p:extLst>
+      <p:ext uri="{BB962C8B-B14F-4D97-AF65-F5344CB8AC3E}">
+        <p14:creationId xmlns:p14="http://schemas.microsoft.com/office/powerpoint/2010/main" val="955879274"/>
+      </p:ext>
+    </p:extLst>
+  </p:cSld>
+  <p:clrMapOvr>
+    <a:masterClrMapping/>
+  </p:clrMapOvr>
 </p:sld>
 </file>
 
@@ -21355,7 +21696,7 @@
           <a:p>
             <a:r>
               <a:rPr lang="en-US" sz="4400" dirty="0" smtClean="0"/>
-              <a:t>Classifier Tuning</a:t>
+              <a:t>Naïve Bayes</a:t>
             </a:r>
             <a:endParaRPr lang="en-US" sz="4400" dirty="0"/>
           </a:p>
@@ -21374,80 +21715,146 @@
         <p:spPr/>
         <p:txBody>
           <a:bodyPr>
-            <a:normAutofit fontScale="92500" lnSpcReduction="10000"/>
+            <a:normAutofit/>
           </a:bodyPr>
           <a:lstStyle/>
           <a:p>
             <a:r>
-              <a:rPr lang="en-US" sz="2800" dirty="0" smtClean="0"/>
-              <a:t>Naïve Bayes</a:t>
-            </a:r>
-          </a:p>
-          <a:p>
-            <a:r>
-              <a:rPr lang="en-US" sz="2800" b="1" dirty="0" smtClean="0"/>
-              <a:t>Support Vector Machine</a:t>
-            </a:r>
-          </a:p>
-          <a:p>
-            <a:pPr lvl="1"/>
-            <a:r>
-              <a:rPr lang="en-US" sz="2600" dirty="0" smtClean="0"/>
-              <a:t>Complexity Parameter C</a:t>
-            </a:r>
-          </a:p>
-          <a:p>
-            <a:pPr lvl="1"/>
-            <a:r>
-              <a:rPr lang="en-US" sz="2600" dirty="0"/>
-              <a:t>The C parameter </a:t>
-            </a:r>
-            <a:r>
-              <a:rPr lang="en-US" sz="2600" dirty="0" smtClean="0"/>
-              <a:t>tells SVM optimization how much misclassification should be avoided in training.</a:t>
-            </a:r>
-            <a:endParaRPr lang="en-US" sz="2600" dirty="0"/>
-          </a:p>
-          <a:p>
-            <a:pPr lvl="1"/>
-            <a:r>
-              <a:rPr lang="en-US" sz="2600" dirty="0" smtClean="0"/>
-              <a:t>For large values of C, optimization tends to choose a </a:t>
-            </a:r>
-            <a:r>
-              <a:rPr lang="en-US" sz="2600" smtClean="0"/>
-              <a:t>smaller-margin </a:t>
-            </a:r>
-            <a:r>
-              <a:rPr lang="en-US" sz="2600" smtClean="0"/>
-              <a:t>hyper</a:t>
-            </a:r>
-            <a:r>
-              <a:rPr lang="en-US" altLang="zh-CN" sz="2600" smtClean="0"/>
-              <a:t>-</a:t>
-            </a:r>
-            <a:r>
-              <a:rPr lang="en-US" sz="2600" smtClean="0"/>
-              <a:t>plan</a:t>
-            </a:r>
-            <a:r>
-              <a:rPr lang="en-US" altLang="zh-CN" sz="2600" smtClean="0"/>
-              <a:t>e</a:t>
-            </a:r>
-            <a:r>
-              <a:rPr lang="en-US" sz="2600" smtClean="0"/>
+              <a:rPr lang="de-DE" sz="2800" dirty="0" smtClean="0"/>
+              <a:t>K: </a:t>
+            </a:r>
+            <a:r>
+              <a:rPr lang="de-DE" sz="2800" dirty="0" err="1" smtClean="0"/>
+              <a:t>whether</a:t>
+            </a:r>
+            <a:r>
+              <a:rPr lang="de-DE" sz="2800" dirty="0" smtClean="0"/>
               <a:t> </a:t>
             </a:r>
             <a:r>
-              <a:rPr lang="en-US" sz="2600" dirty="0" smtClean="0"/>
-              <a:t>if it does a better job in classifying training data.</a:t>
-            </a:r>
-          </a:p>
-          <a:p>
-            <a:r>
-              <a:rPr lang="en-US" sz="2800" dirty="0" smtClean="0"/>
-              <a:t>Multi-layer Perceptron</a:t>
-            </a:r>
+              <a:rPr lang="de-DE" sz="2800" dirty="0" err="1"/>
+              <a:t>to</a:t>
+            </a:r>
+            <a:r>
+              <a:rPr lang="de-DE" sz="2800" dirty="0"/>
+              <a:t> </a:t>
+            </a:r>
+            <a:r>
+              <a:rPr lang="de-DE" sz="2800" dirty="0" err="1"/>
+              <a:t>use</a:t>
+            </a:r>
+            <a:r>
+              <a:rPr lang="de-DE" sz="2800" dirty="0"/>
+              <a:t> </a:t>
+            </a:r>
+            <a:r>
+              <a:rPr lang="de-DE" sz="2800" dirty="0" err="1"/>
+              <a:t>kernel</a:t>
+            </a:r>
+            <a:r>
+              <a:rPr lang="de-DE" sz="2800" dirty="0"/>
+              <a:t> </a:t>
+            </a:r>
+            <a:r>
+              <a:rPr lang="de-DE" sz="2800" dirty="0" err="1" smtClean="0"/>
+              <a:t>estimator</a:t>
+            </a:r>
+            <a:r>
+              <a:rPr lang="de-DE" sz="2800" dirty="0" smtClean="0"/>
+              <a:t> </a:t>
+            </a:r>
+          </a:p>
+          <a:p>
+            <a:r>
+              <a:rPr lang="de-DE" sz="2800" dirty="0" smtClean="0"/>
+              <a:t>D: </a:t>
+            </a:r>
+            <a:r>
+              <a:rPr lang="de-DE" sz="2800" dirty="0" err="1" smtClean="0"/>
+              <a:t>whether</a:t>
+            </a:r>
+            <a:r>
+              <a:rPr lang="de-DE" sz="2800" dirty="0" smtClean="0"/>
+              <a:t> </a:t>
+            </a:r>
+            <a:r>
+              <a:rPr lang="de-DE" sz="2800" dirty="0" err="1"/>
+              <a:t>to</a:t>
+            </a:r>
+            <a:r>
+              <a:rPr lang="de-DE" sz="2800" dirty="0"/>
+              <a:t> </a:t>
+            </a:r>
+            <a:r>
+              <a:rPr lang="de-DE" sz="2800" dirty="0" err="1"/>
+              <a:t>use</a:t>
+            </a:r>
+            <a:r>
+              <a:rPr lang="de-DE" sz="2800" dirty="0"/>
+              <a:t> </a:t>
+            </a:r>
+            <a:r>
+              <a:rPr lang="de-DE" sz="2800" dirty="0" err="1"/>
+              <a:t>supervised</a:t>
+            </a:r>
+            <a:r>
+              <a:rPr lang="de-DE" sz="2800" dirty="0"/>
+              <a:t> </a:t>
+            </a:r>
+            <a:r>
+              <a:rPr lang="de-DE" sz="2800" dirty="0" err="1" smtClean="0"/>
+              <a:t>discretization</a:t>
+            </a:r>
+            <a:endParaRPr lang="de-DE" sz="2800" dirty="0" smtClean="0"/>
+          </a:p>
+          <a:p>
+            <a:endParaRPr lang="de-DE" sz="2800" dirty="0"/>
+          </a:p>
+          <a:p>
+            <a:r>
+              <a:rPr lang="de-DE" sz="2800" dirty="0" smtClean="0"/>
+              <a:t>K = </a:t>
+            </a:r>
+            <a:r>
+              <a:rPr lang="de-DE" sz="2800" dirty="0" err="1" smtClean="0"/>
+              <a:t>False</a:t>
+            </a:r>
+            <a:r>
+              <a:rPr lang="de-DE" sz="2800" dirty="0" smtClean="0"/>
+              <a:t>, D = </a:t>
+            </a:r>
+            <a:r>
+              <a:rPr lang="de-DE" sz="2800" dirty="0" err="1" smtClean="0"/>
+              <a:t>False</a:t>
+            </a:r>
+            <a:endParaRPr lang="de-DE" sz="2800" dirty="0" smtClean="0"/>
+          </a:p>
+          <a:p>
+            <a:r>
+              <a:rPr lang="de-DE" sz="2800" dirty="0" smtClean="0"/>
+              <a:t>K = True, D = </a:t>
+            </a:r>
+            <a:r>
+              <a:rPr lang="de-DE" sz="2800" dirty="0" err="1" smtClean="0"/>
+              <a:t>False</a:t>
+            </a:r>
+            <a:endParaRPr lang="de-DE" sz="2800" dirty="0"/>
+          </a:p>
+          <a:p>
+            <a:r>
+              <a:rPr lang="de-DE" sz="2800" dirty="0" smtClean="0"/>
+              <a:t>K = </a:t>
+            </a:r>
+            <a:r>
+              <a:rPr lang="de-DE" sz="2800" dirty="0" err="1" smtClean="0"/>
+              <a:t>False</a:t>
+            </a:r>
+            <a:r>
+              <a:rPr lang="de-DE" sz="2800" dirty="0" smtClean="0"/>
+              <a:t>, D = True</a:t>
+            </a:r>
+          </a:p>
+          <a:p>
             <a:endParaRPr lang="en-US" sz="2800" dirty="0"/>
           </a:p>
         </p:txBody>
@@ -21455,7 +21862,7 @@
     </p:spTree>
     <p:extLst>
       <p:ext uri="{BB962C8B-B14F-4D97-AF65-F5344CB8AC3E}">
-        <p14:creationId xmlns:p14="http://schemas.microsoft.com/office/powerpoint/2010/main" val="1323524370"/>
+        <p14:creationId xmlns:p14="http://schemas.microsoft.com/office/powerpoint/2010/main" val="155324914"/>
       </p:ext>
     </p:extLst>
   </p:cSld>

--- a/PPTGroup10.pptx
+++ b/PPTGroup10.pptx
@@ -348,11 +348,11 @@
         </c:dLbls>
         <c:gapWidth val="219"/>
         <c:overlap val="-27"/>
-        <c:axId val="-750838416"/>
-        <c:axId val="-750834880"/>
+        <c:axId val="-2131547856"/>
+        <c:axId val="-2131538128"/>
       </c:barChart>
       <c:catAx>
-        <c:axId val="-750838416"/>
+        <c:axId val="-2131547856"/>
         <c:scaling>
           <c:orientation val="minMax"/>
         </c:scaling>
@@ -395,7 +395,7 @@
             <a:endParaRPr lang="en-US"/>
           </a:p>
         </c:txPr>
-        <c:crossAx val="-750834880"/>
+        <c:crossAx val="-2131538128"/>
         <c:crosses val="autoZero"/>
         <c:auto val="1"/>
         <c:lblAlgn val="ctr"/>
@@ -403,7 +403,7 @@
         <c:noMultiLvlLbl val="0"/>
       </c:catAx>
       <c:valAx>
-        <c:axId val="-750834880"/>
+        <c:axId val="-2131538128"/>
         <c:scaling>
           <c:orientation val="minMax"/>
           <c:max val="80.0"/>
@@ -456,7 +456,7 @@
             <a:endParaRPr lang="en-US"/>
           </a:p>
         </c:txPr>
-        <c:crossAx val="-750838416"/>
+        <c:crossAx val="-2131547856"/>
         <c:crosses val="autoZero"/>
         <c:crossBetween val="between"/>
       </c:valAx>
@@ -576,7 +576,6 @@
           </a:p>
         </c:rich>
       </c:tx>
-      <c:layout/>
       <c:overlay val="0"/>
       <c:spPr>
         <a:noFill/>
@@ -743,11 +742,11 @@
         </c:dLbls>
         <c:gapWidth val="219"/>
         <c:overlap val="-27"/>
-        <c:axId val="-750932240"/>
-        <c:axId val="-750929920"/>
+        <c:axId val="-2133371456"/>
+        <c:axId val="-2133368080"/>
       </c:barChart>
       <c:catAx>
-        <c:axId val="-750932240"/>
+        <c:axId val="-2133371456"/>
         <c:scaling>
           <c:orientation val="minMax"/>
         </c:scaling>
@@ -790,7 +789,7 @@
             <a:endParaRPr lang="en-US"/>
           </a:p>
         </c:txPr>
-        <c:crossAx val="-750929920"/>
+        <c:crossAx val="-2133368080"/>
         <c:crosses val="autoZero"/>
         <c:auto val="1"/>
         <c:lblAlgn val="ctr"/>
@@ -798,7 +797,7 @@
         <c:noMultiLvlLbl val="0"/>
       </c:catAx>
       <c:valAx>
-        <c:axId val="-750929920"/>
+        <c:axId val="-2133368080"/>
         <c:scaling>
           <c:orientation val="minMax"/>
         </c:scaling>
@@ -849,7 +848,7 @@
             <a:endParaRPr lang="en-US"/>
           </a:p>
         </c:txPr>
-        <c:crossAx val="-750932240"/>
+        <c:crossAx val="-2133371456"/>
         <c:crosses val="autoZero"/>
         <c:crossBetween val="between"/>
       </c:valAx>
@@ -863,7 +862,6 @@
     </c:plotArea>
     <c:legend>
       <c:legendPos val="b"/>
-      <c:layout/>
       <c:overlay val="0"/>
       <c:spPr>
         <a:noFill/>
@@ -961,7 +959,6 @@
           </a:p>
         </c:rich>
       </c:tx>
-      <c:layout/>
       <c:overlay val="0"/>
       <c:spPr>
         <a:noFill/>
@@ -1140,11 +1137,11 @@
         </c:dLbls>
         <c:gapWidth val="219"/>
         <c:overlap val="-27"/>
-        <c:axId val="-753542480"/>
-        <c:axId val="-753540704"/>
+        <c:axId val="-2128390880"/>
+        <c:axId val="-2128387504"/>
       </c:barChart>
       <c:catAx>
-        <c:axId val="-753542480"/>
+        <c:axId val="-2128390880"/>
         <c:scaling>
           <c:orientation val="minMax"/>
         </c:scaling>
@@ -1187,7 +1184,7 @@
             <a:endParaRPr lang="en-US"/>
           </a:p>
         </c:txPr>
-        <c:crossAx val="-753540704"/>
+        <c:crossAx val="-2128387504"/>
         <c:crosses val="autoZero"/>
         <c:auto val="1"/>
         <c:lblAlgn val="ctr"/>
@@ -1195,7 +1192,7 @@
         <c:noMultiLvlLbl val="0"/>
       </c:catAx>
       <c:valAx>
-        <c:axId val="-753540704"/>
+        <c:axId val="-2128387504"/>
         <c:scaling>
           <c:orientation val="minMax"/>
         </c:scaling>
@@ -1246,7 +1243,7 @@
             <a:endParaRPr lang="en-US"/>
           </a:p>
         </c:txPr>
-        <c:crossAx val="-753542480"/>
+        <c:crossAx val="-2128390880"/>
         <c:crosses val="autoZero"/>
         <c:crossBetween val="between"/>
       </c:valAx>
@@ -1260,7 +1257,6 @@
     </c:plotArea>
     <c:legend>
       <c:legendPos val="b"/>
-      <c:layout/>
       <c:overlay val="0"/>
       <c:spPr>
         <a:noFill/>
@@ -1366,7 +1362,6 @@
           </a:p>
         </c:rich>
       </c:tx>
-      <c:layout/>
       <c:overlay val="0"/>
       <c:spPr>
         <a:noFill/>
@@ -1545,11 +1540,11 @@
         </c:dLbls>
         <c:gapWidth val="219"/>
         <c:overlap val="-27"/>
-        <c:axId val="-746645616"/>
-        <c:axId val="-746651408"/>
+        <c:axId val="-2128335440"/>
+        <c:axId val="-2128332064"/>
       </c:barChart>
       <c:catAx>
-        <c:axId val="-746645616"/>
+        <c:axId val="-2128335440"/>
         <c:scaling>
           <c:orientation val="minMax"/>
         </c:scaling>
@@ -1592,7 +1587,7 @@
             <a:endParaRPr lang="en-US"/>
           </a:p>
         </c:txPr>
-        <c:crossAx val="-746651408"/>
+        <c:crossAx val="-2128332064"/>
         <c:crosses val="autoZero"/>
         <c:auto val="1"/>
         <c:lblAlgn val="ctr"/>
@@ -1600,7 +1595,7 @@
         <c:noMultiLvlLbl val="0"/>
       </c:catAx>
       <c:valAx>
-        <c:axId val="-746651408"/>
+        <c:axId val="-2128332064"/>
         <c:scaling>
           <c:orientation val="minMax"/>
         </c:scaling>
@@ -1651,7 +1646,7 @@
             <a:endParaRPr lang="en-US"/>
           </a:p>
         </c:txPr>
-        <c:crossAx val="-746645616"/>
+        <c:crossAx val="-2128335440"/>
         <c:crosses val="autoZero"/>
         <c:crossBetween val="between"/>
       </c:valAx>
@@ -1665,7 +1660,6 @@
     </c:plotArea>
     <c:legend>
       <c:legendPos val="b"/>
-      <c:layout/>
       <c:overlay val="0"/>
       <c:spPr>
         <a:noFill/>
@@ -1763,7 +1757,6 @@
           </a:p>
         </c:rich>
       </c:tx>
-      <c:layout/>
       <c:overlay val="0"/>
       <c:spPr>
         <a:noFill/>
@@ -1954,11 +1947,11 @@
         </c:dLbls>
         <c:gapWidth val="219"/>
         <c:overlap val="-27"/>
-        <c:axId val="-782812608"/>
-        <c:axId val="-783002576"/>
+        <c:axId val="-2128310464"/>
+        <c:axId val="-2128306368"/>
       </c:barChart>
       <c:catAx>
-        <c:axId val="-782812608"/>
+        <c:axId val="-2128310464"/>
         <c:scaling>
           <c:orientation val="minMax"/>
         </c:scaling>
@@ -2001,7 +1994,7 @@
             <a:endParaRPr lang="en-US"/>
           </a:p>
         </c:txPr>
-        <c:crossAx val="-783002576"/>
+        <c:crossAx val="-2128306368"/>
         <c:crosses val="autoZero"/>
         <c:auto val="1"/>
         <c:lblAlgn val="ctr"/>
@@ -2009,7 +2002,7 @@
         <c:noMultiLvlLbl val="0"/>
       </c:catAx>
       <c:valAx>
-        <c:axId val="-783002576"/>
+        <c:axId val="-2128306368"/>
         <c:scaling>
           <c:orientation val="minMax"/>
         </c:scaling>
@@ -2060,7 +2053,7 @@
             <a:endParaRPr lang="en-US"/>
           </a:p>
         </c:txPr>
-        <c:crossAx val="-782812608"/>
+        <c:crossAx val="-2128310464"/>
         <c:crosses val="autoZero"/>
         <c:crossBetween val="between"/>
       </c:valAx>
@@ -2074,7 +2067,6 @@
     </c:plotArea>
     <c:legend>
       <c:legendPos val="b"/>
-      <c:layout/>
       <c:overlay val="0"/>
       <c:spPr>
         <a:noFill/>
@@ -2172,7 +2164,6 @@
           </a:p>
         </c:rich>
       </c:tx>
-      <c:layout/>
       <c:overlay val="0"/>
       <c:spPr>
         <a:noFill/>
@@ -2363,11 +2354,11 @@
         </c:dLbls>
         <c:gapWidth val="219"/>
         <c:overlap val="-27"/>
-        <c:axId val="-822861200"/>
-        <c:axId val="-822902416"/>
+        <c:axId val="2112999136"/>
+        <c:axId val="2112976096"/>
       </c:barChart>
       <c:catAx>
-        <c:axId val="-822861200"/>
+        <c:axId val="2112999136"/>
         <c:scaling>
           <c:orientation val="minMax"/>
         </c:scaling>
@@ -2410,7 +2401,7 @@
             <a:endParaRPr lang="en-US"/>
           </a:p>
         </c:txPr>
-        <c:crossAx val="-822902416"/>
+        <c:crossAx val="2112976096"/>
         <c:crosses val="autoZero"/>
         <c:auto val="1"/>
         <c:lblAlgn val="ctr"/>
@@ -2418,7 +2409,7 @@
         <c:noMultiLvlLbl val="0"/>
       </c:catAx>
       <c:valAx>
-        <c:axId val="-822902416"/>
+        <c:axId val="2112976096"/>
         <c:scaling>
           <c:orientation val="minMax"/>
         </c:scaling>
@@ -2469,7 +2460,7 @@
             <a:endParaRPr lang="en-US"/>
           </a:p>
         </c:txPr>
-        <c:crossAx val="-822861200"/>
+        <c:crossAx val="2112999136"/>
         <c:crosses val="autoZero"/>
         <c:crossBetween val="between"/>
       </c:valAx>
@@ -2483,7 +2474,6 @@
     </c:plotArea>
     <c:legend>
       <c:legendPos val="b"/>
-      <c:layout/>
       <c:overlay val="0"/>
       <c:spPr>
         <a:noFill/>
@@ -2585,7 +2575,6 @@
           </a:p>
         </c:rich>
       </c:tx>
-      <c:layout/>
       <c:overlay val="0"/>
       <c:spPr>
         <a:noFill/>
@@ -2740,11 +2729,11 @@
         </c:dLbls>
         <c:gapWidth val="219"/>
         <c:overlap val="-27"/>
-        <c:axId val="-747291216"/>
-        <c:axId val="-747289440"/>
+        <c:axId val="-2128225040"/>
+        <c:axId val="-2128221664"/>
       </c:barChart>
       <c:catAx>
-        <c:axId val="-747291216"/>
+        <c:axId val="-2128225040"/>
         <c:scaling>
           <c:orientation val="minMax"/>
         </c:scaling>
@@ -2787,7 +2776,7 @@
             <a:endParaRPr lang="en-US"/>
           </a:p>
         </c:txPr>
-        <c:crossAx val="-747289440"/>
+        <c:crossAx val="-2128221664"/>
         <c:crosses val="autoZero"/>
         <c:auto val="1"/>
         <c:lblAlgn val="ctr"/>
@@ -2795,7 +2784,7 @@
         <c:noMultiLvlLbl val="0"/>
       </c:catAx>
       <c:valAx>
-        <c:axId val="-747289440"/>
+        <c:axId val="-2128221664"/>
         <c:scaling>
           <c:orientation val="minMax"/>
           <c:max val="100.0"/>
@@ -2847,7 +2836,7 @@
             <a:endParaRPr lang="en-US"/>
           </a:p>
         </c:txPr>
-        <c:crossAx val="-747291216"/>
+        <c:crossAx val="-2128225040"/>
         <c:crosses val="autoZero"/>
         <c:crossBetween val="between"/>
       </c:valAx>
@@ -2861,7 +2850,6 @@
     </c:plotArea>
     <c:legend>
       <c:legendPos val="b"/>
-      <c:layout/>
       <c:overlay val="0"/>
       <c:spPr>
         <a:noFill/>
@@ -6801,7 +6789,7 @@
           <a:p>
             <a:fld id="{921DB55A-F66E-884C-A409-CC81ACA880E7}" type="datetimeFigureOut">
               <a:rPr lang="en-US" smtClean="0"/>
-              <a:t>11/28/16</a:t>
+              <a:t>11/30/16</a:t>
             </a:fld>
             <a:endParaRPr lang="en-US"/>
           </a:p>
@@ -7533,7 +7521,7 @@
             <a:fld id="{B61BEF0D-F0BB-DE4B-95CE-6DB70DBA9567}" type="datetimeFigureOut">
               <a:rPr lang="en-US" dirty="0"/>
               <a:pPr/>
-              <a:t>11/28/16</a:t>
+              <a:t>11/30/16</a:t>
             </a:fld>
             <a:endParaRPr lang="en-US" dirty="0"/>
           </a:p>
@@ -7868,7 +7856,7 @@
             <a:fld id="{B61BEF0D-F0BB-DE4B-95CE-6DB70DBA9567}" type="datetimeFigureOut">
               <a:rPr lang="en-US" dirty="0"/>
               <a:pPr/>
-              <a:t>11/28/16</a:t>
+              <a:t>11/30/16</a:t>
             </a:fld>
             <a:endParaRPr lang="en-US" dirty="0"/>
           </a:p>
@@ -8266,7 +8254,7 @@
             <a:fld id="{B61BEF0D-F0BB-DE4B-95CE-6DB70DBA9567}" type="datetimeFigureOut">
               <a:rPr lang="en-US" dirty="0"/>
               <a:pPr/>
-              <a:t>11/28/16</a:t>
+              <a:t>11/30/16</a:t>
             </a:fld>
             <a:endParaRPr lang="en-US" dirty="0"/>
           </a:p>
@@ -8599,7 +8587,7 @@
             <a:fld id="{B61BEF0D-F0BB-DE4B-95CE-6DB70DBA9567}" type="datetimeFigureOut">
               <a:rPr lang="en-US" dirty="0"/>
               <a:pPr/>
-              <a:t>11/28/16</a:t>
+              <a:t>11/30/16</a:t>
             </a:fld>
             <a:endParaRPr lang="en-US" dirty="0"/>
           </a:p>
@@ -8916,7 +8904,7 @@
             <a:fld id="{B61BEF0D-F0BB-DE4B-95CE-6DB70DBA9567}" type="datetimeFigureOut">
               <a:rPr lang="en-US" dirty="0"/>
               <a:pPr/>
-              <a:t>11/28/16</a:t>
+              <a:t>11/30/16</a:t>
             </a:fld>
             <a:endParaRPr lang="en-US" dirty="0"/>
           </a:p>
@@ -9309,7 +9297,7 @@
             <a:fld id="{B61BEF0D-F0BB-DE4B-95CE-6DB70DBA9567}" type="datetimeFigureOut">
               <a:rPr lang="en-US" dirty="0"/>
               <a:pPr/>
-              <a:t>11/28/16</a:t>
+              <a:t>11/30/16</a:t>
             </a:fld>
             <a:endParaRPr lang="en-US" dirty="0"/>
           </a:p>
@@ -9563,7 +9551,7 @@
             <a:fld id="{B61BEF0D-F0BB-DE4B-95CE-6DB70DBA9567}" type="datetimeFigureOut">
               <a:rPr lang="en-US" dirty="0"/>
               <a:pPr/>
-              <a:t>11/28/16</a:t>
+              <a:t>11/30/16</a:t>
             </a:fld>
             <a:endParaRPr lang="en-US" dirty="0"/>
           </a:p>
@@ -9822,7 +9810,7 @@
             <a:fld id="{B61BEF0D-F0BB-DE4B-95CE-6DB70DBA9567}" type="datetimeFigureOut">
               <a:rPr lang="en-US" dirty="0"/>
               <a:pPr/>
-              <a:t>11/28/16</a:t>
+              <a:t>11/30/16</a:t>
             </a:fld>
             <a:endParaRPr lang="en-US" dirty="0"/>
           </a:p>
@@ -10081,7 +10069,7 @@
             <a:fld id="{B61BEF0D-F0BB-DE4B-95CE-6DB70DBA9567}" type="datetimeFigureOut">
               <a:rPr lang="en-US" dirty="0"/>
               <a:pPr/>
-              <a:t>11/28/16</a:t>
+              <a:t>11/30/16</a:t>
             </a:fld>
             <a:endParaRPr lang="en-US" dirty="0"/>
           </a:p>
@@ -10407,7 +10395,7 @@
             <a:fld id="{B61BEF0D-F0BB-DE4B-95CE-6DB70DBA9567}" type="datetimeFigureOut">
               <a:rPr lang="en-US" dirty="0"/>
               <a:pPr/>
-              <a:t>11/28/16</a:t>
+              <a:t>11/30/16</a:t>
             </a:fld>
             <a:endParaRPr lang="en-US" dirty="0"/>
           </a:p>
@@ -10727,7 +10715,7 @@
             <a:fld id="{B61BEF0D-F0BB-DE4B-95CE-6DB70DBA9567}" type="datetimeFigureOut">
               <a:rPr lang="en-US" dirty="0"/>
               <a:pPr/>
-              <a:t>11/28/16</a:t>
+              <a:t>11/30/16</a:t>
             </a:fld>
             <a:endParaRPr lang="en-US" dirty="0"/>
           </a:p>
@@ -11181,7 +11169,7 @@
             <a:fld id="{B61BEF0D-F0BB-DE4B-95CE-6DB70DBA9567}" type="datetimeFigureOut">
               <a:rPr lang="en-US" dirty="0"/>
               <a:pPr/>
-              <a:t>11/28/16</a:t>
+              <a:t>11/30/16</a:t>
             </a:fld>
             <a:endParaRPr lang="en-US" dirty="0"/>
           </a:p>
@@ -11383,7 +11371,7 @@
             <a:fld id="{B61BEF0D-F0BB-DE4B-95CE-6DB70DBA9567}" type="datetimeFigureOut">
               <a:rPr lang="en-US" dirty="0"/>
               <a:pPr/>
-              <a:t>11/28/16</a:t>
+              <a:t>11/30/16</a:t>
             </a:fld>
             <a:endParaRPr lang="en-US" dirty="0"/>
           </a:p>
@@ -11557,7 +11545,7 @@
             <a:fld id="{B61BEF0D-F0BB-DE4B-95CE-6DB70DBA9567}" type="datetimeFigureOut">
               <a:rPr lang="en-US" dirty="0"/>
               <a:pPr/>
-              <a:t>11/28/16</a:t>
+              <a:t>11/30/16</a:t>
             </a:fld>
             <a:endParaRPr lang="en-US" dirty="0"/>
           </a:p>
@@ -11887,7 +11875,7 @@
             <a:fld id="{B61BEF0D-F0BB-DE4B-95CE-6DB70DBA9567}" type="datetimeFigureOut">
               <a:rPr lang="en-US" dirty="0"/>
               <a:pPr/>
-              <a:t>11/28/16</a:t>
+              <a:t>11/30/16</a:t>
             </a:fld>
             <a:endParaRPr lang="en-US" dirty="0"/>
           </a:p>
@@ -12229,7 +12217,7 @@
             <a:fld id="{B61BEF0D-F0BB-DE4B-95CE-6DB70DBA9567}" type="datetimeFigureOut">
               <a:rPr lang="en-US" dirty="0"/>
               <a:pPr/>
-              <a:t>11/28/16</a:t>
+              <a:t>11/30/16</a:t>
             </a:fld>
             <a:endParaRPr lang="en-US" dirty="0"/>
           </a:p>
@@ -14343,7 +14331,7 @@
             <a:fld id="{B61BEF0D-F0BB-DE4B-95CE-6DB70DBA9567}" type="datetimeFigureOut">
               <a:rPr lang="en-US" dirty="0"/>
               <a:pPr/>
-              <a:t>11/28/16</a:t>
+              <a:t>11/30/16</a:t>
             </a:fld>
             <a:endParaRPr lang="en-US" dirty="0"/>
           </a:p>
@@ -15371,11 +15359,7 @@
           <a:p>
             <a:r>
               <a:rPr lang="en-US" sz="4700" b="1" dirty="0" smtClean="0"/>
-              <a:t>Multi-layer </a:t>
-            </a:r>
-            <a:r>
-              <a:rPr lang="en-US" sz="4700" b="1" dirty="0" smtClean="0"/>
-              <a:t>Perceptron</a:t>
+              <a:t>Multi-layer Perceptron</a:t>
             </a:r>
           </a:p>
           <a:p>
@@ -16365,11 +16349,7 @@
             </a:r>
             <a:r>
               <a:rPr lang="en-US" sz="4400" dirty="0"/>
-              <a:t>Different </a:t>
-            </a:r>
-            <a:r>
-              <a:rPr lang="en-US" sz="4400" dirty="0"/>
-              <a:t>Parameters</a:t>
+              <a:t>Different Parameters</a:t>
             </a:r>
             <a:br>
               <a:rPr lang="en-US" sz="4400" dirty="0"/>
@@ -17070,11 +17050,7 @@
             </a:r>
             <a:r>
               <a:rPr lang="en-US" sz="4400" dirty="0"/>
-              <a:t>Different </a:t>
-            </a:r>
-            <a:r>
-              <a:rPr lang="en-US" sz="4400" dirty="0"/>
-              <a:t>Parameters</a:t>
+              <a:t>Different Parameters</a:t>
             </a:r>
             <a:br>
               <a:rPr lang="en-US" sz="4400" dirty="0"/>
@@ -17180,11 +17156,7 @@
             </a:r>
             <a:r>
               <a:rPr lang="en-US" sz="4400" dirty="0"/>
-              <a:t>Different </a:t>
-            </a:r>
-            <a:r>
-              <a:rPr lang="en-US" sz="4400" dirty="0"/>
-              <a:t>Parameters</a:t>
+              <a:t>Different Parameters</a:t>
             </a:r>
             <a:br>
               <a:rPr lang="en-US" sz="4400" dirty="0"/>
@@ -18370,11 +18342,7 @@
             </a:r>
             <a:r>
               <a:rPr lang="en-US" sz="4400" dirty="0"/>
-              <a:t>Different </a:t>
-            </a:r>
-            <a:r>
-              <a:rPr lang="en-US" sz="4400" dirty="0"/>
-              <a:t>Parameters</a:t>
+              <a:t>Different Parameters</a:t>
             </a:r>
             <a:br>
               <a:rPr lang="en-US" sz="4400" dirty="0"/>
@@ -18480,11 +18448,7 @@
             </a:r>
             <a:r>
               <a:rPr lang="en-US" sz="4400" dirty="0"/>
-              <a:t>Different </a:t>
-            </a:r>
-            <a:r>
-              <a:rPr lang="en-US" sz="4400" dirty="0"/>
-              <a:t>Parameters</a:t>
+              <a:t>Different Parameters</a:t>
             </a:r>
             <a:br>
               <a:rPr lang="en-US" sz="4400" dirty="0"/>
@@ -19188,11 +19152,7 @@
             </a:r>
             <a:r>
               <a:rPr lang="en-US" sz="4400" dirty="0"/>
-              <a:t>Different </a:t>
-            </a:r>
-            <a:r>
-              <a:rPr lang="en-US" sz="4400" dirty="0"/>
-              <a:t>Parameters</a:t>
+              <a:t>Different Parameters</a:t>
             </a:r>
             <a:br>
               <a:rPr lang="en-US" sz="4400" dirty="0"/>
@@ -21390,55 +21350,58 @@
         </p:nvSpPr>
         <p:spPr>
           <a:xfrm>
-            <a:off x="2589212" y="2133600"/>
-            <a:ext cx="8915400" cy="4374776"/>
+            <a:off x="2589212" y="1413164"/>
+            <a:ext cx="8915400" cy="5095212"/>
           </a:xfrm>
         </p:spPr>
         <p:txBody>
           <a:bodyPr>
-            <a:normAutofit/>
+            <a:normAutofit lnSpcReduction="10000"/>
           </a:bodyPr>
           <a:lstStyle/>
           <a:p>
             <a:r>
-              <a:rPr lang="en-US" sz="2800" dirty="0" smtClean="0"/>
-              <a:t>Choose a performance measure </a:t>
-            </a:r>
-          </a:p>
-          <a:p>
-            <a:pPr lvl="1"/>
-            <a:r>
-              <a:rPr lang="en-US" sz="2600" dirty="0" smtClean="0"/>
-              <a:t>Zero-one Loss for our classification problems</a:t>
-            </a:r>
-            <a:endParaRPr lang="en-US" sz="2600" dirty="0"/>
-          </a:p>
-          <a:p>
-            <a:r>
-              <a:rPr lang="en-US" sz="2800" dirty="0" smtClean="0"/>
-              <a:t>Choose Classifiers</a:t>
-            </a:r>
-          </a:p>
-          <a:p>
-            <a:pPr lvl="1"/>
-            <a:r>
-              <a:rPr lang="en-US" sz="2400" dirty="0" smtClean="0"/>
-              <a:t>Naïve Bayes, SVM, Multi-layer Perceptron</a:t>
-            </a:r>
-          </a:p>
-          <a:p>
-            <a:r>
-              <a:rPr lang="en-US" sz="2800" dirty="0" smtClean="0"/>
-              <a:t>For each classifier, find f which </a:t>
-            </a:r>
-            <a:r>
-              <a:rPr lang="en-US" sz="2800" dirty="0"/>
-              <a:t>minimizes </a:t>
-            </a:r>
-            <a:r>
-              <a:rPr lang="en-US" sz="2800" dirty="0" smtClean="0"/>
-              <a:t>training error and test f on validation set</a:t>
-            </a:r>
+              <a:rPr lang="en-US" altLang="zh-CN" sz="2800" dirty="0" smtClean="0"/>
+              <a:t>Tool:</a:t>
+            </a:r>
+            <a:r>
+              <a:rPr lang="zh-CN" altLang="en-US" sz="2800" dirty="0" smtClean="0"/>
+              <a:t> </a:t>
+            </a:r>
+            <a:r>
+              <a:rPr lang="en-US" altLang="zh-CN" sz="2800" dirty="0" err="1" smtClean="0"/>
+              <a:t>Weka</a:t>
+            </a:r>
+            <a:r>
+              <a:rPr lang="zh-CN" altLang="en-US" sz="2800" dirty="0" smtClean="0"/>
+              <a:t> </a:t>
+            </a:r>
+            <a:r>
+              <a:rPr lang="en-US" altLang="zh-CN" sz="2800" dirty="0" smtClean="0"/>
+              <a:t>3.8.0</a:t>
+            </a:r>
+            <a:endParaRPr lang="zh-CN" altLang="en-US" sz="2800" dirty="0" smtClean="0"/>
+          </a:p>
+          <a:p>
+            <a:endParaRPr lang="zh-CN" altLang="en-US" sz="2800" dirty="0" smtClean="0"/>
+          </a:p>
+          <a:p>
+            <a:endParaRPr lang="zh-CN" altLang="en-US" sz="2800" dirty="0"/>
+          </a:p>
+          <a:p>
+            <a:endParaRPr lang="zh-CN" altLang="en-US" sz="2800" dirty="0" smtClean="0"/>
+          </a:p>
+          <a:p>
+            <a:endParaRPr lang="zh-CN" altLang="en-US" sz="2800" dirty="0"/>
+          </a:p>
+          <a:p>
+            <a:endParaRPr lang="zh-CN" altLang="en-US" sz="2800" dirty="0" smtClean="0"/>
+          </a:p>
+          <a:p>
+            <a:endParaRPr lang="zh-CN" altLang="en-US" sz="2800" dirty="0" smtClean="0"/>
+          </a:p>
+          <a:p>
+            <a:endParaRPr lang="zh-CN" altLang="en-US" sz="2800" dirty="0" smtClean="0"/>
           </a:p>
           <a:p>
             <a:r>
@@ -21446,13 +21409,48 @@
               <a:t>Choose </a:t>
             </a:r>
             <a:r>
-              <a:rPr lang="en-US" sz="2800" dirty="0"/>
-              <a:t>classifier with the least validation error</a:t>
-            </a:r>
-            <a:endParaRPr lang="en-US" sz="2800" dirty="0" smtClean="0"/>
+              <a:rPr lang="en-US" sz="2800" dirty="0" smtClean="0"/>
+              <a:t>Classifiers</a:t>
+            </a:r>
+          </a:p>
+          <a:p>
+            <a:pPr lvl="1"/>
+            <a:r>
+              <a:rPr lang="en-US" sz="2400" dirty="0" smtClean="0"/>
+              <a:t>Naïve Bayes, SVM, Multi-layer </a:t>
+            </a:r>
+            <a:r>
+              <a:rPr lang="en-US" sz="2400" dirty="0" smtClean="0"/>
+              <a:t>Perceptron</a:t>
+            </a:r>
+            <a:endParaRPr lang="en-US" sz="2400" dirty="0" smtClean="0"/>
           </a:p>
         </p:txBody>
       </p:sp>
+      <p:pic>
+        <p:nvPicPr>
+          <p:cNvPr id="4" name="Picture 3"/>
+          <p:cNvPicPr>
+            <a:picLocks noChangeAspect="1"/>
+          </p:cNvPicPr>
+          <p:nvPr/>
+        </p:nvPicPr>
+        <p:blipFill>
+          <a:blip r:embed="rId3"/>
+          <a:stretch>
+            <a:fillRect/>
+          </a:stretch>
+        </p:blipFill>
+        <p:spPr>
+          <a:xfrm>
+            <a:off x="3338947" y="1905000"/>
+            <a:ext cx="5805053" cy="3595986"/>
+          </a:xfrm>
+          <a:prstGeom prst="rect">
+            <a:avLst/>
+          </a:prstGeom>
+        </p:spPr>
+      </p:pic>
     </p:spTree>
     <p:extLst>
       <p:ext uri="{BB962C8B-B14F-4D97-AF65-F5344CB8AC3E}">

--- a/PPTGroup10.pptx
+++ b/PPTGroup10.pptx
@@ -181,7 +181,6 @@
           </a:p>
         </c:rich>
       </c:tx>
-      <c:layout/>
       <c:overlay val="0"/>
       <c:spPr>
         <a:noFill/>
@@ -348,11 +347,11 @@
         </c:dLbls>
         <c:gapWidth val="219"/>
         <c:overlap val="-27"/>
-        <c:axId val="-2131547856"/>
-        <c:axId val="-2131538128"/>
+        <c:axId val="-2139587072"/>
+        <c:axId val="-2139624992"/>
       </c:barChart>
       <c:catAx>
-        <c:axId val="-2131547856"/>
+        <c:axId val="-2139587072"/>
         <c:scaling>
           <c:orientation val="minMax"/>
         </c:scaling>
@@ -395,7 +394,7 @@
             <a:endParaRPr lang="en-US"/>
           </a:p>
         </c:txPr>
-        <c:crossAx val="-2131538128"/>
+        <c:crossAx val="-2139624992"/>
         <c:crosses val="autoZero"/>
         <c:auto val="1"/>
         <c:lblAlgn val="ctr"/>
@@ -403,7 +402,7 @@
         <c:noMultiLvlLbl val="0"/>
       </c:catAx>
       <c:valAx>
-        <c:axId val="-2131538128"/>
+        <c:axId val="-2139624992"/>
         <c:scaling>
           <c:orientation val="minMax"/>
           <c:max val="80.0"/>
@@ -456,7 +455,7 @@
             <a:endParaRPr lang="en-US"/>
           </a:p>
         </c:txPr>
-        <c:crossAx val="-2131547856"/>
+        <c:crossAx val="-2139587072"/>
         <c:crosses val="autoZero"/>
         <c:crossBetween val="between"/>
       </c:valAx>
@@ -470,7 +469,6 @@
     </c:plotArea>
     <c:legend>
       <c:legendPos val="b"/>
-      <c:layout/>
       <c:overlay val="0"/>
       <c:spPr>
         <a:noFill/>
@@ -742,11 +740,11 @@
         </c:dLbls>
         <c:gapWidth val="219"/>
         <c:overlap val="-27"/>
-        <c:axId val="-2133371456"/>
-        <c:axId val="-2133368080"/>
+        <c:axId val="2143387984"/>
+        <c:axId val="2143443184"/>
       </c:barChart>
       <c:catAx>
-        <c:axId val="-2133371456"/>
+        <c:axId val="2143387984"/>
         <c:scaling>
           <c:orientation val="minMax"/>
         </c:scaling>
@@ -789,7 +787,7 @@
             <a:endParaRPr lang="en-US"/>
           </a:p>
         </c:txPr>
-        <c:crossAx val="-2133368080"/>
+        <c:crossAx val="2143443184"/>
         <c:crosses val="autoZero"/>
         <c:auto val="1"/>
         <c:lblAlgn val="ctr"/>
@@ -797,7 +795,7 @@
         <c:noMultiLvlLbl val="0"/>
       </c:catAx>
       <c:valAx>
-        <c:axId val="-2133368080"/>
+        <c:axId val="2143443184"/>
         <c:scaling>
           <c:orientation val="minMax"/>
         </c:scaling>
@@ -848,7 +846,7 @@
             <a:endParaRPr lang="en-US"/>
           </a:p>
         </c:txPr>
-        <c:crossAx val="-2133371456"/>
+        <c:crossAx val="2143387984"/>
         <c:crosses val="autoZero"/>
         <c:crossBetween val="between"/>
       </c:valAx>
@@ -1137,11 +1135,11 @@
         </c:dLbls>
         <c:gapWidth val="219"/>
         <c:overlap val="-27"/>
-        <c:axId val="-2128390880"/>
-        <c:axId val="-2128387504"/>
+        <c:axId val="2120570736"/>
+        <c:axId val="2120567312"/>
       </c:barChart>
       <c:catAx>
-        <c:axId val="-2128390880"/>
+        <c:axId val="2120570736"/>
         <c:scaling>
           <c:orientation val="minMax"/>
         </c:scaling>
@@ -1184,7 +1182,7 @@
             <a:endParaRPr lang="en-US"/>
           </a:p>
         </c:txPr>
-        <c:crossAx val="-2128387504"/>
+        <c:crossAx val="2120567312"/>
         <c:crosses val="autoZero"/>
         <c:auto val="1"/>
         <c:lblAlgn val="ctr"/>
@@ -1192,7 +1190,7 @@
         <c:noMultiLvlLbl val="0"/>
       </c:catAx>
       <c:valAx>
-        <c:axId val="-2128387504"/>
+        <c:axId val="2120567312"/>
         <c:scaling>
           <c:orientation val="minMax"/>
         </c:scaling>
@@ -1243,7 +1241,7 @@
             <a:endParaRPr lang="en-US"/>
           </a:p>
         </c:txPr>
-        <c:crossAx val="-2128390880"/>
+        <c:crossAx val="2120570736"/>
         <c:crosses val="autoZero"/>
         <c:crossBetween val="between"/>
       </c:valAx>
@@ -1540,11 +1538,11 @@
         </c:dLbls>
         <c:gapWidth val="219"/>
         <c:overlap val="-27"/>
-        <c:axId val="-2128335440"/>
-        <c:axId val="-2128332064"/>
+        <c:axId val="-2138119504"/>
+        <c:axId val="-2138116096"/>
       </c:barChart>
       <c:catAx>
-        <c:axId val="-2128335440"/>
+        <c:axId val="-2138119504"/>
         <c:scaling>
           <c:orientation val="minMax"/>
         </c:scaling>
@@ -1587,7 +1585,7 @@
             <a:endParaRPr lang="en-US"/>
           </a:p>
         </c:txPr>
-        <c:crossAx val="-2128332064"/>
+        <c:crossAx val="-2138116096"/>
         <c:crosses val="autoZero"/>
         <c:auto val="1"/>
         <c:lblAlgn val="ctr"/>
@@ -1595,7 +1593,7 @@
         <c:noMultiLvlLbl val="0"/>
       </c:catAx>
       <c:valAx>
-        <c:axId val="-2128332064"/>
+        <c:axId val="-2138116096"/>
         <c:scaling>
           <c:orientation val="minMax"/>
         </c:scaling>
@@ -1646,7 +1644,7 @@
             <a:endParaRPr lang="en-US"/>
           </a:p>
         </c:txPr>
-        <c:crossAx val="-2128335440"/>
+        <c:crossAx val="-2138119504"/>
         <c:crosses val="autoZero"/>
         <c:crossBetween val="between"/>
       </c:valAx>
@@ -1947,11 +1945,11 @@
         </c:dLbls>
         <c:gapWidth val="219"/>
         <c:overlap val="-27"/>
-        <c:axId val="-2128310464"/>
-        <c:axId val="-2128306368"/>
+        <c:axId val="2120511392"/>
+        <c:axId val="2120507952"/>
       </c:barChart>
       <c:catAx>
-        <c:axId val="-2128310464"/>
+        <c:axId val="2120511392"/>
         <c:scaling>
           <c:orientation val="minMax"/>
         </c:scaling>
@@ -1994,7 +1992,7 @@
             <a:endParaRPr lang="en-US"/>
           </a:p>
         </c:txPr>
-        <c:crossAx val="-2128306368"/>
+        <c:crossAx val="2120507952"/>
         <c:crosses val="autoZero"/>
         <c:auto val="1"/>
         <c:lblAlgn val="ctr"/>
@@ -2002,7 +2000,7 @@
         <c:noMultiLvlLbl val="0"/>
       </c:catAx>
       <c:valAx>
-        <c:axId val="-2128306368"/>
+        <c:axId val="2120507952"/>
         <c:scaling>
           <c:orientation val="minMax"/>
         </c:scaling>
@@ -2053,7 +2051,7 @@
             <a:endParaRPr lang="en-US"/>
           </a:p>
         </c:txPr>
-        <c:crossAx val="-2128310464"/>
+        <c:crossAx val="2120511392"/>
         <c:crosses val="autoZero"/>
         <c:crossBetween val="between"/>
       </c:valAx>
@@ -2354,11 +2352,11 @@
         </c:dLbls>
         <c:gapWidth val="219"/>
         <c:overlap val="-27"/>
-        <c:axId val="2112999136"/>
-        <c:axId val="2112976096"/>
+        <c:axId val="-2138647520"/>
+        <c:axId val="-2138650960"/>
       </c:barChart>
       <c:catAx>
-        <c:axId val="2112999136"/>
+        <c:axId val="-2138647520"/>
         <c:scaling>
           <c:orientation val="minMax"/>
         </c:scaling>
@@ -2401,7 +2399,7 @@
             <a:endParaRPr lang="en-US"/>
           </a:p>
         </c:txPr>
-        <c:crossAx val="2112976096"/>
+        <c:crossAx val="-2138650960"/>
         <c:crosses val="autoZero"/>
         <c:auto val="1"/>
         <c:lblAlgn val="ctr"/>
@@ -2409,7 +2407,7 @@
         <c:noMultiLvlLbl val="0"/>
       </c:catAx>
       <c:valAx>
-        <c:axId val="2112976096"/>
+        <c:axId val="-2138650960"/>
         <c:scaling>
           <c:orientation val="minMax"/>
         </c:scaling>
@@ -2460,7 +2458,7 @@
             <a:endParaRPr lang="en-US"/>
           </a:p>
         </c:txPr>
-        <c:crossAx val="2112999136"/>
+        <c:crossAx val="-2138647520"/>
         <c:crosses val="autoZero"/>
         <c:crossBetween val="between"/>
       </c:valAx>
@@ -2729,11 +2727,11 @@
         </c:dLbls>
         <c:gapWidth val="219"/>
         <c:overlap val="-27"/>
-        <c:axId val="-2128225040"/>
-        <c:axId val="-2128221664"/>
+        <c:axId val="-2138902912"/>
+        <c:axId val="-2138909904"/>
       </c:barChart>
       <c:catAx>
-        <c:axId val="-2128225040"/>
+        <c:axId val="-2138902912"/>
         <c:scaling>
           <c:orientation val="minMax"/>
         </c:scaling>
@@ -2776,7 +2774,7 @@
             <a:endParaRPr lang="en-US"/>
           </a:p>
         </c:txPr>
-        <c:crossAx val="-2128221664"/>
+        <c:crossAx val="-2138909904"/>
         <c:crosses val="autoZero"/>
         <c:auto val="1"/>
         <c:lblAlgn val="ctr"/>
@@ -2784,7 +2782,7 @@
         <c:noMultiLvlLbl val="0"/>
       </c:catAx>
       <c:valAx>
-        <c:axId val="-2128221664"/>
+        <c:axId val="-2138909904"/>
         <c:scaling>
           <c:orientation val="minMax"/>
           <c:max val="100.0"/>
@@ -2836,7 +2834,7 @@
             <a:endParaRPr lang="en-US"/>
           </a:p>
         </c:txPr>
-        <c:crossAx val="-2128225040"/>
+        <c:crossAx val="-2138902912"/>
         <c:crosses val="autoZero"/>
         <c:crossBetween val="between"/>
       </c:valAx>
@@ -6789,7 +6787,7 @@
           <a:p>
             <a:fld id="{921DB55A-F66E-884C-A409-CC81ACA880E7}" type="datetimeFigureOut">
               <a:rPr lang="en-US" smtClean="0"/>
-              <a:t>11/30/16</a:t>
+              <a:t>12/1/16</a:t>
             </a:fld>
             <a:endParaRPr lang="en-US"/>
           </a:p>
@@ -7521,7 +7519,7 @@
             <a:fld id="{B61BEF0D-F0BB-DE4B-95CE-6DB70DBA9567}" type="datetimeFigureOut">
               <a:rPr lang="en-US" dirty="0"/>
               <a:pPr/>
-              <a:t>11/30/16</a:t>
+              <a:t>12/1/16</a:t>
             </a:fld>
             <a:endParaRPr lang="en-US" dirty="0"/>
           </a:p>
@@ -7856,7 +7854,7 @@
             <a:fld id="{B61BEF0D-F0BB-DE4B-95CE-6DB70DBA9567}" type="datetimeFigureOut">
               <a:rPr lang="en-US" dirty="0"/>
               <a:pPr/>
-              <a:t>11/30/16</a:t>
+              <a:t>12/1/16</a:t>
             </a:fld>
             <a:endParaRPr lang="en-US" dirty="0"/>
           </a:p>
@@ -8254,7 +8252,7 @@
             <a:fld id="{B61BEF0D-F0BB-DE4B-95CE-6DB70DBA9567}" type="datetimeFigureOut">
               <a:rPr lang="en-US" dirty="0"/>
               <a:pPr/>
-              <a:t>11/30/16</a:t>
+              <a:t>12/1/16</a:t>
             </a:fld>
             <a:endParaRPr lang="en-US" dirty="0"/>
           </a:p>
@@ -8587,7 +8585,7 @@
             <a:fld id="{B61BEF0D-F0BB-DE4B-95CE-6DB70DBA9567}" type="datetimeFigureOut">
               <a:rPr lang="en-US" dirty="0"/>
               <a:pPr/>
-              <a:t>11/30/16</a:t>
+              <a:t>12/1/16</a:t>
             </a:fld>
             <a:endParaRPr lang="en-US" dirty="0"/>
           </a:p>
@@ -8904,7 +8902,7 @@
             <a:fld id="{B61BEF0D-F0BB-DE4B-95CE-6DB70DBA9567}" type="datetimeFigureOut">
               <a:rPr lang="en-US" dirty="0"/>
               <a:pPr/>
-              <a:t>11/30/16</a:t>
+              <a:t>12/1/16</a:t>
             </a:fld>
             <a:endParaRPr lang="en-US" dirty="0"/>
           </a:p>
@@ -9297,7 +9295,7 @@
             <a:fld id="{B61BEF0D-F0BB-DE4B-95CE-6DB70DBA9567}" type="datetimeFigureOut">
               <a:rPr lang="en-US" dirty="0"/>
               <a:pPr/>
-              <a:t>11/30/16</a:t>
+              <a:t>12/1/16</a:t>
             </a:fld>
             <a:endParaRPr lang="en-US" dirty="0"/>
           </a:p>
@@ -9551,7 +9549,7 @@
             <a:fld id="{B61BEF0D-F0BB-DE4B-95CE-6DB70DBA9567}" type="datetimeFigureOut">
               <a:rPr lang="en-US" dirty="0"/>
               <a:pPr/>
-              <a:t>11/30/16</a:t>
+              <a:t>12/1/16</a:t>
             </a:fld>
             <a:endParaRPr lang="en-US" dirty="0"/>
           </a:p>
@@ -9810,7 +9808,7 @@
             <a:fld id="{B61BEF0D-F0BB-DE4B-95CE-6DB70DBA9567}" type="datetimeFigureOut">
               <a:rPr lang="en-US" dirty="0"/>
               <a:pPr/>
-              <a:t>11/30/16</a:t>
+              <a:t>12/1/16</a:t>
             </a:fld>
             <a:endParaRPr lang="en-US" dirty="0"/>
           </a:p>
@@ -10069,7 +10067,7 @@
             <a:fld id="{B61BEF0D-F0BB-DE4B-95CE-6DB70DBA9567}" type="datetimeFigureOut">
               <a:rPr lang="en-US" dirty="0"/>
               <a:pPr/>
-              <a:t>11/30/16</a:t>
+              <a:t>12/1/16</a:t>
             </a:fld>
             <a:endParaRPr lang="en-US" dirty="0"/>
           </a:p>
@@ -10395,7 +10393,7 @@
             <a:fld id="{B61BEF0D-F0BB-DE4B-95CE-6DB70DBA9567}" type="datetimeFigureOut">
               <a:rPr lang="en-US" dirty="0"/>
               <a:pPr/>
-              <a:t>11/30/16</a:t>
+              <a:t>12/1/16</a:t>
             </a:fld>
             <a:endParaRPr lang="en-US" dirty="0"/>
           </a:p>
@@ -10715,7 +10713,7 @@
             <a:fld id="{B61BEF0D-F0BB-DE4B-95CE-6DB70DBA9567}" type="datetimeFigureOut">
               <a:rPr lang="en-US" dirty="0"/>
               <a:pPr/>
-              <a:t>11/30/16</a:t>
+              <a:t>12/1/16</a:t>
             </a:fld>
             <a:endParaRPr lang="en-US" dirty="0"/>
           </a:p>
@@ -11169,7 +11167,7 @@
             <a:fld id="{B61BEF0D-F0BB-DE4B-95CE-6DB70DBA9567}" type="datetimeFigureOut">
               <a:rPr lang="en-US" dirty="0"/>
               <a:pPr/>
-              <a:t>11/30/16</a:t>
+              <a:t>12/1/16</a:t>
             </a:fld>
             <a:endParaRPr lang="en-US" dirty="0"/>
           </a:p>
@@ -11371,7 +11369,7 @@
             <a:fld id="{B61BEF0D-F0BB-DE4B-95CE-6DB70DBA9567}" type="datetimeFigureOut">
               <a:rPr lang="en-US" dirty="0"/>
               <a:pPr/>
-              <a:t>11/30/16</a:t>
+              <a:t>12/1/16</a:t>
             </a:fld>
             <a:endParaRPr lang="en-US" dirty="0"/>
           </a:p>
@@ -11545,7 +11543,7 @@
             <a:fld id="{B61BEF0D-F0BB-DE4B-95CE-6DB70DBA9567}" type="datetimeFigureOut">
               <a:rPr lang="en-US" dirty="0"/>
               <a:pPr/>
-              <a:t>11/30/16</a:t>
+              <a:t>12/1/16</a:t>
             </a:fld>
             <a:endParaRPr lang="en-US" dirty="0"/>
           </a:p>
@@ -11875,7 +11873,7 @@
             <a:fld id="{B61BEF0D-F0BB-DE4B-95CE-6DB70DBA9567}" type="datetimeFigureOut">
               <a:rPr lang="en-US" dirty="0"/>
               <a:pPr/>
-              <a:t>11/30/16</a:t>
+              <a:t>12/1/16</a:t>
             </a:fld>
             <a:endParaRPr lang="en-US" dirty="0"/>
           </a:p>
@@ -12217,7 +12215,7 @@
             <a:fld id="{B61BEF0D-F0BB-DE4B-95CE-6DB70DBA9567}" type="datetimeFigureOut">
               <a:rPr lang="en-US" dirty="0"/>
               <a:pPr/>
-              <a:t>11/30/16</a:t>
+              <a:t>12/1/16</a:t>
             </a:fld>
             <a:endParaRPr lang="en-US" dirty="0"/>
           </a:p>
@@ -14331,7 +14329,7 @@
             <a:fld id="{B61BEF0D-F0BB-DE4B-95CE-6DB70DBA9567}" type="datetimeFigureOut">
               <a:rPr lang="en-US" dirty="0"/>
               <a:pPr/>
-              <a:t>11/30/16</a:t>
+              <a:t>12/1/16</a:t>
             </a:fld>
             <a:endParaRPr lang="en-US" dirty="0"/>
           </a:p>
@@ -19367,7 +19365,19 @@
             </a:r>
             <a:r>
               <a:rPr lang="en-US" sz="2400" dirty="0" smtClean="0"/>
-              <a:t>Bayes performs badly in letter recognition when K=D, D=f. With other parameter settings, the correctness is around 75% with small deviation among different letters.</a:t>
+              <a:t>Bayes performs badly in letter recognition </a:t>
+            </a:r>
+            <a:r>
+              <a:rPr lang="en-US" sz="2400" smtClean="0"/>
+              <a:t>when </a:t>
+            </a:r>
+            <a:r>
+              <a:rPr lang="en-US" sz="2400" smtClean="0"/>
+              <a:t>K=f, </a:t>
+            </a:r>
+            <a:r>
+              <a:rPr lang="en-US" sz="2400" dirty="0" smtClean="0"/>
+              <a:t>D=f. With other parameter settings, the correctness is around 75% with small deviation among different letters.</a:t>
             </a:r>
           </a:p>
           <a:p>
@@ -21406,24 +21416,15 @@
           <a:p>
             <a:r>
               <a:rPr lang="en-US" sz="2800" dirty="0" smtClean="0"/>
-              <a:t>Choose </a:t>
-            </a:r>
-            <a:r>
-              <a:rPr lang="en-US" sz="2800" dirty="0" smtClean="0"/>
-              <a:t>Classifiers</a:t>
+              <a:t>Choose Classifiers</a:t>
             </a:r>
           </a:p>
           <a:p>
             <a:pPr lvl="1"/>
             <a:r>
               <a:rPr lang="en-US" sz="2400" dirty="0" smtClean="0"/>
-              <a:t>Naïve Bayes, SVM, Multi-layer </a:t>
-            </a:r>
-            <a:r>
-              <a:rPr lang="en-US" sz="2400" dirty="0" smtClean="0"/>
-              <a:t>Perceptron</a:t>
-            </a:r>
-            <a:endParaRPr lang="en-US" sz="2400" dirty="0" smtClean="0"/>
+              <a:t>Naïve Bayes, SVM, Multi-layer Perceptron</a:t>
+            </a:r>
           </a:p>
         </p:txBody>
       </p:sp>

--- a/PPTGroup10.pptx
+++ b/PPTGroup10.pptx
@@ -181,6 +181,7 @@
           </a:p>
         </c:rich>
       </c:tx>
+      <c:layout/>
       <c:overlay val="0"/>
       <c:spPr>
         <a:noFill/>
@@ -226,7 +227,7 @@
               <c:strCache>
                 <c:ptCount val="1"/>
                 <c:pt idx="0">
-                  <c:v>Correctness</c:v>
+                  <c:v>Accuracy</c:v>
                 </c:pt>
               </c:strCache>
             </c:strRef>
@@ -268,7 +269,7 @@
                   <c:v>64.1382</c:v>
                 </c:pt>
                 <c:pt idx="1">
-                  <c:v>74.18369999999998</c:v>
+                  <c:v>74.1837</c:v>
                 </c:pt>
                 <c:pt idx="2">
                   <c:v>74.03870000000001</c:v>
@@ -286,7 +287,7 @@
               <c:strCache>
                 <c:ptCount val="1"/>
                 <c:pt idx="0">
-                  <c:v>Root relative squared error</c:v>
+                  <c:v>F-measure</c:v>
                 </c:pt>
               </c:strCache>
             </c:strRef>
@@ -325,13 +326,13 @@
                 <c:formatCode>General</c:formatCode>
                 <c:ptCount val="3"/>
                 <c:pt idx="0">
-                  <c:v>72.3271</c:v>
+                  <c:v>63.8</c:v>
                 </c:pt>
                 <c:pt idx="1">
-                  <c:v>61.8014</c:v>
+                  <c:v>74.5</c:v>
                 </c:pt>
                 <c:pt idx="2">
-                  <c:v>61.9984</c:v>
+                  <c:v>74.3</c:v>
                 </c:pt>
               </c:numCache>
             </c:numRef>
@@ -347,11 +348,11 @@
         </c:dLbls>
         <c:gapWidth val="219"/>
         <c:overlap val="-27"/>
-        <c:axId val="-2139587072"/>
-        <c:axId val="-2139624992"/>
+        <c:axId val="2137021872"/>
+        <c:axId val="2137031264"/>
       </c:barChart>
       <c:catAx>
-        <c:axId val="-2139587072"/>
+        <c:axId val="2137021872"/>
         <c:scaling>
           <c:orientation val="minMax"/>
         </c:scaling>
@@ -394,7 +395,7 @@
             <a:endParaRPr lang="en-US"/>
           </a:p>
         </c:txPr>
-        <c:crossAx val="-2139624992"/>
+        <c:crossAx val="2137031264"/>
         <c:crosses val="autoZero"/>
         <c:auto val="1"/>
         <c:lblAlgn val="ctr"/>
@@ -402,7 +403,7 @@
         <c:noMultiLvlLbl val="0"/>
       </c:catAx>
       <c:valAx>
-        <c:axId val="-2139624992"/>
+        <c:axId val="2137031264"/>
         <c:scaling>
           <c:orientation val="minMax"/>
           <c:max val="80.0"/>
@@ -455,7 +456,7 @@
             <a:endParaRPr lang="en-US"/>
           </a:p>
         </c:txPr>
-        <c:crossAx val="-2139587072"/>
+        <c:crossAx val="2137021872"/>
         <c:crosses val="autoZero"/>
         <c:crossBetween val="between"/>
       </c:valAx>
@@ -469,6 +470,7 @@
     </c:plotArea>
     <c:legend>
       <c:legendPos val="b"/>
+      <c:layout/>
       <c:overlay val="0"/>
       <c:spPr>
         <a:noFill/>
@@ -574,6 +576,7 @@
           </a:p>
         </c:rich>
       </c:tx>
+      <c:layout/>
       <c:overlay val="0"/>
       <c:spPr>
         <a:noFill/>
@@ -619,7 +622,7 @@
               <c:strCache>
                 <c:ptCount val="1"/>
                 <c:pt idx="0">
-                  <c:v>Correctness</c:v>
+                  <c:v>Accuracy</c:v>
                 </c:pt>
               </c:strCache>
             </c:strRef>
@@ -679,7 +682,7 @@
               <c:strCache>
                 <c:ptCount val="1"/>
                 <c:pt idx="0">
-                  <c:v>Root relative squared error</c:v>
+                  <c:v>F-measure</c:v>
                 </c:pt>
               </c:strCache>
             </c:strRef>
@@ -718,13 +721,13 @@
                 <c:formatCode>General</c:formatCode>
                 <c:ptCount val="3"/>
                 <c:pt idx="0">
-                  <c:v>42.3396</c:v>
+                  <c:v>91.3</c:v>
                 </c:pt>
                 <c:pt idx="1">
-                  <c:v>38.9948</c:v>
+                  <c:v>92.1</c:v>
                 </c:pt>
                 <c:pt idx="2">
-                  <c:v>39.3713</c:v>
+                  <c:v>92.1</c:v>
                 </c:pt>
               </c:numCache>
             </c:numRef>
@@ -740,11 +743,11 @@
         </c:dLbls>
         <c:gapWidth val="219"/>
         <c:overlap val="-27"/>
-        <c:axId val="2143387984"/>
-        <c:axId val="2143443184"/>
+        <c:axId val="2111773024"/>
+        <c:axId val="2111776432"/>
       </c:barChart>
       <c:catAx>
-        <c:axId val="2143387984"/>
+        <c:axId val="2111773024"/>
         <c:scaling>
           <c:orientation val="minMax"/>
         </c:scaling>
@@ -787,7 +790,7 @@
             <a:endParaRPr lang="en-US"/>
           </a:p>
         </c:txPr>
-        <c:crossAx val="2143443184"/>
+        <c:crossAx val="2111776432"/>
         <c:crosses val="autoZero"/>
         <c:auto val="1"/>
         <c:lblAlgn val="ctr"/>
@@ -795,7 +798,7 @@
         <c:noMultiLvlLbl val="0"/>
       </c:catAx>
       <c:valAx>
-        <c:axId val="2143443184"/>
+        <c:axId val="2111776432"/>
         <c:scaling>
           <c:orientation val="minMax"/>
         </c:scaling>
@@ -846,7 +849,7 @@
             <a:endParaRPr lang="en-US"/>
           </a:p>
         </c:txPr>
-        <c:crossAx val="2143387984"/>
+        <c:crossAx val="2111773024"/>
         <c:crosses val="autoZero"/>
         <c:crossBetween val="between"/>
       </c:valAx>
@@ -860,6 +863,7 @@
     </c:plotArea>
     <c:legend>
       <c:legendPos val="b"/>
+      <c:layout/>
       <c:overlay val="0"/>
       <c:spPr>
         <a:noFill/>
@@ -957,6 +961,7 @@
           </a:p>
         </c:rich>
       </c:tx>
+      <c:layout/>
       <c:overlay val="0"/>
       <c:spPr>
         <a:noFill/>
@@ -1135,11 +1140,11 @@
         </c:dLbls>
         <c:gapWidth val="219"/>
         <c:overlap val="-27"/>
-        <c:axId val="2120570736"/>
-        <c:axId val="2120567312"/>
+        <c:axId val="-2145776032"/>
+        <c:axId val="-2146005664"/>
       </c:barChart>
       <c:catAx>
-        <c:axId val="2120570736"/>
+        <c:axId val="-2145776032"/>
         <c:scaling>
           <c:orientation val="minMax"/>
         </c:scaling>
@@ -1182,7 +1187,7 @@
             <a:endParaRPr lang="en-US"/>
           </a:p>
         </c:txPr>
-        <c:crossAx val="2120567312"/>
+        <c:crossAx val="-2146005664"/>
         <c:crosses val="autoZero"/>
         <c:auto val="1"/>
         <c:lblAlgn val="ctr"/>
@@ -1190,7 +1195,7 @@
         <c:noMultiLvlLbl val="0"/>
       </c:catAx>
       <c:valAx>
-        <c:axId val="2120567312"/>
+        <c:axId val="-2146005664"/>
         <c:scaling>
           <c:orientation val="minMax"/>
         </c:scaling>
@@ -1241,7 +1246,7 @@
             <a:endParaRPr lang="en-US"/>
           </a:p>
         </c:txPr>
-        <c:crossAx val="2120570736"/>
+        <c:crossAx val="-2145776032"/>
         <c:crosses val="autoZero"/>
         <c:crossBetween val="between"/>
       </c:valAx>
@@ -1255,6 +1260,7 @@
     </c:plotArea>
     <c:legend>
       <c:legendPos val="b"/>
+      <c:layout/>
       <c:overlay val="0"/>
       <c:spPr>
         <a:noFill/>
@@ -1360,6 +1366,7 @@
           </a:p>
         </c:rich>
       </c:tx>
+      <c:layout/>
       <c:overlay val="0"/>
       <c:spPr>
         <a:noFill/>
@@ -1538,11 +1545,11 @@
         </c:dLbls>
         <c:gapWidth val="219"/>
         <c:overlap val="-27"/>
-        <c:axId val="-2138119504"/>
-        <c:axId val="-2138116096"/>
+        <c:axId val="2135978624"/>
+        <c:axId val="2135982000"/>
       </c:barChart>
       <c:catAx>
-        <c:axId val="-2138119504"/>
+        <c:axId val="2135978624"/>
         <c:scaling>
           <c:orientation val="minMax"/>
         </c:scaling>
@@ -1585,7 +1592,7 @@
             <a:endParaRPr lang="en-US"/>
           </a:p>
         </c:txPr>
-        <c:crossAx val="-2138116096"/>
+        <c:crossAx val="2135982000"/>
         <c:crosses val="autoZero"/>
         <c:auto val="1"/>
         <c:lblAlgn val="ctr"/>
@@ -1593,7 +1600,7 @@
         <c:noMultiLvlLbl val="0"/>
       </c:catAx>
       <c:valAx>
-        <c:axId val="-2138116096"/>
+        <c:axId val="2135982000"/>
         <c:scaling>
           <c:orientation val="minMax"/>
         </c:scaling>
@@ -1644,7 +1651,7 @@
             <a:endParaRPr lang="en-US"/>
           </a:p>
         </c:txPr>
-        <c:crossAx val="-2138119504"/>
+        <c:crossAx val="2135978624"/>
         <c:crosses val="autoZero"/>
         <c:crossBetween val="between"/>
       </c:valAx>
@@ -1658,6 +1665,7 @@
     </c:plotArea>
     <c:legend>
       <c:legendPos val="b"/>
+      <c:layout/>
       <c:overlay val="0"/>
       <c:spPr>
         <a:noFill/>
@@ -1755,6 +1763,7 @@
           </a:p>
         </c:rich>
       </c:tx>
+      <c:layout/>
       <c:overlay val="0"/>
       <c:spPr>
         <a:noFill/>
@@ -1945,11 +1954,11 @@
         </c:dLbls>
         <c:gapWidth val="219"/>
         <c:overlap val="-27"/>
-        <c:axId val="2120511392"/>
-        <c:axId val="2120507952"/>
+        <c:axId val="2144342528"/>
+        <c:axId val="2144345920"/>
       </c:barChart>
       <c:catAx>
-        <c:axId val="2120511392"/>
+        <c:axId val="2144342528"/>
         <c:scaling>
           <c:orientation val="minMax"/>
         </c:scaling>
@@ -1992,7 +2001,7 @@
             <a:endParaRPr lang="en-US"/>
           </a:p>
         </c:txPr>
-        <c:crossAx val="2120507952"/>
+        <c:crossAx val="2144345920"/>
         <c:crosses val="autoZero"/>
         <c:auto val="1"/>
         <c:lblAlgn val="ctr"/>
@@ -2000,7 +2009,7 @@
         <c:noMultiLvlLbl val="0"/>
       </c:catAx>
       <c:valAx>
-        <c:axId val="2120507952"/>
+        <c:axId val="2144345920"/>
         <c:scaling>
           <c:orientation val="minMax"/>
         </c:scaling>
@@ -2051,7 +2060,7 @@
             <a:endParaRPr lang="en-US"/>
           </a:p>
         </c:txPr>
-        <c:crossAx val="2120511392"/>
+        <c:crossAx val="2144342528"/>
         <c:crosses val="autoZero"/>
         <c:crossBetween val="between"/>
       </c:valAx>
@@ -2065,6 +2074,7 @@
     </c:plotArea>
     <c:legend>
       <c:legendPos val="b"/>
+      <c:layout/>
       <c:overlay val="0"/>
       <c:spPr>
         <a:noFill/>
@@ -2352,11 +2362,11 @@
         </c:dLbls>
         <c:gapWidth val="219"/>
         <c:overlap val="-27"/>
-        <c:axId val="-2138647520"/>
-        <c:axId val="-2138650960"/>
+        <c:axId val="2144375584"/>
+        <c:axId val="2144378976"/>
       </c:barChart>
       <c:catAx>
-        <c:axId val="-2138647520"/>
+        <c:axId val="2144375584"/>
         <c:scaling>
           <c:orientation val="minMax"/>
         </c:scaling>
@@ -2399,7 +2409,7 @@
             <a:endParaRPr lang="en-US"/>
           </a:p>
         </c:txPr>
-        <c:crossAx val="-2138650960"/>
+        <c:crossAx val="2144378976"/>
         <c:crosses val="autoZero"/>
         <c:auto val="1"/>
         <c:lblAlgn val="ctr"/>
@@ -2407,7 +2417,7 @@
         <c:noMultiLvlLbl val="0"/>
       </c:catAx>
       <c:valAx>
-        <c:axId val="-2138650960"/>
+        <c:axId val="2144378976"/>
         <c:scaling>
           <c:orientation val="minMax"/>
         </c:scaling>
@@ -2458,7 +2468,7 @@
             <a:endParaRPr lang="en-US"/>
           </a:p>
         </c:txPr>
-        <c:crossAx val="-2138647520"/>
+        <c:crossAx val="2144375584"/>
         <c:crosses val="autoZero"/>
         <c:crossBetween val="between"/>
       </c:valAx>
@@ -2727,11 +2737,11 @@
         </c:dLbls>
         <c:gapWidth val="219"/>
         <c:overlap val="-27"/>
-        <c:axId val="-2138902912"/>
-        <c:axId val="-2138909904"/>
+        <c:axId val="2142857584"/>
+        <c:axId val="2142309344"/>
       </c:barChart>
       <c:catAx>
-        <c:axId val="-2138902912"/>
+        <c:axId val="2142857584"/>
         <c:scaling>
           <c:orientation val="minMax"/>
         </c:scaling>
@@ -2774,7 +2784,7 @@
             <a:endParaRPr lang="en-US"/>
           </a:p>
         </c:txPr>
-        <c:crossAx val="-2138909904"/>
+        <c:crossAx val="2142309344"/>
         <c:crosses val="autoZero"/>
         <c:auto val="1"/>
         <c:lblAlgn val="ctr"/>
@@ -2782,7 +2792,7 @@
         <c:noMultiLvlLbl val="0"/>
       </c:catAx>
       <c:valAx>
-        <c:axId val="-2138909904"/>
+        <c:axId val="2142309344"/>
         <c:scaling>
           <c:orientation val="minMax"/>
           <c:max val="100.0"/>
@@ -2834,7 +2844,7 @@
             <a:endParaRPr lang="en-US"/>
           </a:p>
         </c:txPr>
-        <c:crossAx val="-2138902912"/>
+        <c:crossAx val="2142857584"/>
         <c:crosses val="autoZero"/>
         <c:crossBetween val="between"/>
       </c:valAx>
@@ -6787,7 +6797,7 @@
           <a:p>
             <a:fld id="{921DB55A-F66E-884C-A409-CC81ACA880E7}" type="datetimeFigureOut">
               <a:rPr lang="en-US" smtClean="0"/>
-              <a:t>12/1/16</a:t>
+              <a:t>12/3/16</a:t>
             </a:fld>
             <a:endParaRPr lang="en-US"/>
           </a:p>
@@ -7519,7 +7529,7 @@
             <a:fld id="{B61BEF0D-F0BB-DE4B-95CE-6DB70DBA9567}" type="datetimeFigureOut">
               <a:rPr lang="en-US" dirty="0"/>
               <a:pPr/>
-              <a:t>12/1/16</a:t>
+              <a:t>12/3/16</a:t>
             </a:fld>
             <a:endParaRPr lang="en-US" dirty="0"/>
           </a:p>
@@ -7854,7 +7864,7 @@
             <a:fld id="{B61BEF0D-F0BB-DE4B-95CE-6DB70DBA9567}" type="datetimeFigureOut">
               <a:rPr lang="en-US" dirty="0"/>
               <a:pPr/>
-              <a:t>12/1/16</a:t>
+              <a:t>12/3/16</a:t>
             </a:fld>
             <a:endParaRPr lang="en-US" dirty="0"/>
           </a:p>
@@ -8252,7 +8262,7 @@
             <a:fld id="{B61BEF0D-F0BB-DE4B-95CE-6DB70DBA9567}" type="datetimeFigureOut">
               <a:rPr lang="en-US" dirty="0"/>
               <a:pPr/>
-              <a:t>12/1/16</a:t>
+              <a:t>12/3/16</a:t>
             </a:fld>
             <a:endParaRPr lang="en-US" dirty="0"/>
           </a:p>
@@ -8585,7 +8595,7 @@
             <a:fld id="{B61BEF0D-F0BB-DE4B-95CE-6DB70DBA9567}" type="datetimeFigureOut">
               <a:rPr lang="en-US" dirty="0"/>
               <a:pPr/>
-              <a:t>12/1/16</a:t>
+              <a:t>12/3/16</a:t>
             </a:fld>
             <a:endParaRPr lang="en-US" dirty="0"/>
           </a:p>
@@ -8902,7 +8912,7 @@
             <a:fld id="{B61BEF0D-F0BB-DE4B-95CE-6DB70DBA9567}" type="datetimeFigureOut">
               <a:rPr lang="en-US" dirty="0"/>
               <a:pPr/>
-              <a:t>12/1/16</a:t>
+              <a:t>12/3/16</a:t>
             </a:fld>
             <a:endParaRPr lang="en-US" dirty="0"/>
           </a:p>
@@ -9295,7 +9305,7 @@
             <a:fld id="{B61BEF0D-F0BB-DE4B-95CE-6DB70DBA9567}" type="datetimeFigureOut">
               <a:rPr lang="en-US" dirty="0"/>
               <a:pPr/>
-              <a:t>12/1/16</a:t>
+              <a:t>12/3/16</a:t>
             </a:fld>
             <a:endParaRPr lang="en-US" dirty="0"/>
           </a:p>
@@ -9549,7 +9559,7 @@
             <a:fld id="{B61BEF0D-F0BB-DE4B-95CE-6DB70DBA9567}" type="datetimeFigureOut">
               <a:rPr lang="en-US" dirty="0"/>
               <a:pPr/>
-              <a:t>12/1/16</a:t>
+              <a:t>12/3/16</a:t>
             </a:fld>
             <a:endParaRPr lang="en-US" dirty="0"/>
           </a:p>
@@ -9808,7 +9818,7 @@
             <a:fld id="{B61BEF0D-F0BB-DE4B-95CE-6DB70DBA9567}" type="datetimeFigureOut">
               <a:rPr lang="en-US" dirty="0"/>
               <a:pPr/>
-              <a:t>12/1/16</a:t>
+              <a:t>12/3/16</a:t>
             </a:fld>
             <a:endParaRPr lang="en-US" dirty="0"/>
           </a:p>
@@ -10067,7 +10077,7 @@
             <a:fld id="{B61BEF0D-F0BB-DE4B-95CE-6DB70DBA9567}" type="datetimeFigureOut">
               <a:rPr lang="en-US" dirty="0"/>
               <a:pPr/>
-              <a:t>12/1/16</a:t>
+              <a:t>12/3/16</a:t>
             </a:fld>
             <a:endParaRPr lang="en-US" dirty="0"/>
           </a:p>
@@ -10393,7 +10403,7 @@
             <a:fld id="{B61BEF0D-F0BB-DE4B-95CE-6DB70DBA9567}" type="datetimeFigureOut">
               <a:rPr lang="en-US" dirty="0"/>
               <a:pPr/>
-              <a:t>12/1/16</a:t>
+              <a:t>12/3/16</a:t>
             </a:fld>
             <a:endParaRPr lang="en-US" dirty="0"/>
           </a:p>
@@ -10713,7 +10723,7 @@
             <a:fld id="{B61BEF0D-F0BB-DE4B-95CE-6DB70DBA9567}" type="datetimeFigureOut">
               <a:rPr lang="en-US" dirty="0"/>
               <a:pPr/>
-              <a:t>12/1/16</a:t>
+              <a:t>12/3/16</a:t>
             </a:fld>
             <a:endParaRPr lang="en-US" dirty="0"/>
           </a:p>
@@ -11167,7 +11177,7 @@
             <a:fld id="{B61BEF0D-F0BB-DE4B-95CE-6DB70DBA9567}" type="datetimeFigureOut">
               <a:rPr lang="en-US" dirty="0"/>
               <a:pPr/>
-              <a:t>12/1/16</a:t>
+              <a:t>12/3/16</a:t>
             </a:fld>
             <a:endParaRPr lang="en-US" dirty="0"/>
           </a:p>
@@ -11369,7 +11379,7 @@
             <a:fld id="{B61BEF0D-F0BB-DE4B-95CE-6DB70DBA9567}" type="datetimeFigureOut">
               <a:rPr lang="en-US" dirty="0"/>
               <a:pPr/>
-              <a:t>12/1/16</a:t>
+              <a:t>12/3/16</a:t>
             </a:fld>
             <a:endParaRPr lang="en-US" dirty="0"/>
           </a:p>
@@ -11543,7 +11553,7 @@
             <a:fld id="{B61BEF0D-F0BB-DE4B-95CE-6DB70DBA9567}" type="datetimeFigureOut">
               <a:rPr lang="en-US" dirty="0"/>
               <a:pPr/>
-              <a:t>12/1/16</a:t>
+              <a:t>12/3/16</a:t>
             </a:fld>
             <a:endParaRPr lang="en-US" dirty="0"/>
           </a:p>
@@ -11873,7 +11883,7 @@
             <a:fld id="{B61BEF0D-F0BB-DE4B-95CE-6DB70DBA9567}" type="datetimeFigureOut">
               <a:rPr lang="en-US" dirty="0"/>
               <a:pPr/>
-              <a:t>12/1/16</a:t>
+              <a:t>12/3/16</a:t>
             </a:fld>
             <a:endParaRPr lang="en-US" dirty="0"/>
           </a:p>
@@ -12215,7 +12225,7 @@
             <a:fld id="{B61BEF0D-F0BB-DE4B-95CE-6DB70DBA9567}" type="datetimeFigureOut">
               <a:rPr lang="en-US" dirty="0"/>
               <a:pPr/>
-              <a:t>12/1/16</a:t>
+              <a:t>12/3/16</a:t>
             </a:fld>
             <a:endParaRPr lang="en-US" dirty="0"/>
           </a:p>
@@ -14329,7 +14339,7 @@
             <a:fld id="{B61BEF0D-F0BB-DE4B-95CE-6DB70DBA9567}" type="datetimeFigureOut">
               <a:rPr lang="en-US" dirty="0"/>
               <a:pPr/>
-              <a:t>12/1/16</a:t>
+              <a:t>12/3/16</a:t>
             </a:fld>
             <a:endParaRPr lang="en-US" dirty="0"/>
           </a:p>
@@ -16374,7 +16384,7 @@
             <p:ph idx="1"/>
             <p:extLst>
               <p:ext uri="{D42A27DB-BD31-4B8C-83A1-F6EECF244321}">
-                <p14:modId xmlns:p14="http://schemas.microsoft.com/office/powerpoint/2010/main" val="1470503465"/>
+                <p14:modId xmlns:p14="http://schemas.microsoft.com/office/powerpoint/2010/main" val="959997301"/>
               </p:ext>
             </p:extLst>
           </p:nvPr>
@@ -17075,7 +17085,7 @@
             <p:ph idx="1"/>
             <p:extLst>
               <p:ext uri="{D42A27DB-BD31-4B8C-83A1-F6EECF244321}">
-                <p14:modId xmlns:p14="http://schemas.microsoft.com/office/powerpoint/2010/main" val="1776808933"/>
+                <p14:modId xmlns:p14="http://schemas.microsoft.com/office/powerpoint/2010/main" val="498777856"/>
               </p:ext>
             </p:extLst>
           </p:nvPr>
@@ -19369,11 +19379,7 @@
             </a:r>
             <a:r>
               <a:rPr lang="en-US" sz="2400" smtClean="0"/>
-              <a:t>when </a:t>
-            </a:r>
-            <a:r>
-              <a:rPr lang="en-US" sz="2400" smtClean="0"/>
-              <a:t>K=f, </a:t>
+              <a:t>when K=f, </a:t>
             </a:r>
             <a:r>
               <a:rPr lang="en-US" sz="2400" dirty="0" smtClean="0"/>

--- a/PPTGroup10.pptx
+++ b/PPTGroup10.pptx
@@ -269,7 +269,7 @@
                   <c:v>64.1382</c:v>
                 </c:pt>
                 <c:pt idx="1">
-                  <c:v>74.1837</c:v>
+                  <c:v>74.18369999999998</c:v>
                 </c:pt>
                 <c:pt idx="2">
                   <c:v>74.03870000000001</c:v>
@@ -348,11 +348,11 @@
         </c:dLbls>
         <c:gapWidth val="219"/>
         <c:overlap val="-27"/>
-        <c:axId val="2137021872"/>
-        <c:axId val="2137031264"/>
+        <c:axId val="2117385408"/>
+        <c:axId val="2117388784"/>
       </c:barChart>
       <c:catAx>
-        <c:axId val="2137021872"/>
+        <c:axId val="2117385408"/>
         <c:scaling>
           <c:orientation val="minMax"/>
         </c:scaling>
@@ -395,7 +395,7 @@
             <a:endParaRPr lang="en-US"/>
           </a:p>
         </c:txPr>
-        <c:crossAx val="2137031264"/>
+        <c:crossAx val="2117388784"/>
         <c:crosses val="autoZero"/>
         <c:auto val="1"/>
         <c:lblAlgn val="ctr"/>
@@ -403,7 +403,7 @@
         <c:noMultiLvlLbl val="0"/>
       </c:catAx>
       <c:valAx>
-        <c:axId val="2137031264"/>
+        <c:axId val="2117388784"/>
         <c:scaling>
           <c:orientation val="minMax"/>
           <c:max val="80.0"/>
@@ -456,7 +456,7 @@
             <a:endParaRPr lang="en-US"/>
           </a:p>
         </c:txPr>
-        <c:crossAx val="2137021872"/>
+        <c:crossAx val="2117385408"/>
         <c:crosses val="autoZero"/>
         <c:crossBetween val="between"/>
       </c:valAx>
@@ -570,7 +570,7 @@
             </a:r>
             <a:r>
               <a:rPr lang="en-US" dirty="0" smtClean="0"/>
-              <a:t>Recognition</a:t>
+              <a:t>Classification</a:t>
             </a:r>
             <a:endParaRPr lang="en-US" dirty="0"/>
           </a:p>
@@ -743,11 +743,11 @@
         </c:dLbls>
         <c:gapWidth val="219"/>
         <c:overlap val="-27"/>
-        <c:axId val="2111773024"/>
-        <c:axId val="2111776432"/>
+        <c:axId val="2118845472"/>
+        <c:axId val="2118848880"/>
       </c:barChart>
       <c:catAx>
-        <c:axId val="2111773024"/>
+        <c:axId val="2118845472"/>
         <c:scaling>
           <c:orientation val="minMax"/>
         </c:scaling>
@@ -790,7 +790,7 @@
             <a:endParaRPr lang="en-US"/>
           </a:p>
         </c:txPr>
-        <c:crossAx val="2111776432"/>
+        <c:crossAx val="2118848880"/>
         <c:crosses val="autoZero"/>
         <c:auto val="1"/>
         <c:lblAlgn val="ctr"/>
@@ -798,9 +798,11 @@
         <c:noMultiLvlLbl val="0"/>
       </c:catAx>
       <c:valAx>
-        <c:axId val="2111776432"/>
+        <c:axId val="2118848880"/>
         <c:scaling>
           <c:orientation val="minMax"/>
+          <c:max val="93.0"/>
+          <c:min val="90.0"/>
         </c:scaling>
         <c:delete val="0"/>
         <c:axPos val="l"/>
@@ -849,9 +851,10 @@
             <a:endParaRPr lang="en-US"/>
           </a:p>
         </c:txPr>
-        <c:crossAx val="2111773024"/>
+        <c:crossAx val="2118845472"/>
         <c:crosses val="autoZero"/>
         <c:crossBetween val="between"/>
+        <c:majorUnit val="0.5"/>
       </c:valAx>
       <c:spPr>
         <a:noFill/>
@@ -1140,11 +1143,11 @@
         </c:dLbls>
         <c:gapWidth val="219"/>
         <c:overlap val="-27"/>
-        <c:axId val="-2145776032"/>
-        <c:axId val="-2146005664"/>
+        <c:axId val="2118918928"/>
+        <c:axId val="2118922336"/>
       </c:barChart>
       <c:catAx>
-        <c:axId val="-2145776032"/>
+        <c:axId val="2118918928"/>
         <c:scaling>
           <c:orientation val="minMax"/>
         </c:scaling>
@@ -1187,7 +1190,7 @@
             <a:endParaRPr lang="en-US"/>
           </a:p>
         </c:txPr>
-        <c:crossAx val="-2146005664"/>
+        <c:crossAx val="2118922336"/>
         <c:crosses val="autoZero"/>
         <c:auto val="1"/>
         <c:lblAlgn val="ctr"/>
@@ -1195,7 +1198,7 @@
         <c:noMultiLvlLbl val="0"/>
       </c:catAx>
       <c:valAx>
-        <c:axId val="-2146005664"/>
+        <c:axId val="2118922336"/>
         <c:scaling>
           <c:orientation val="minMax"/>
         </c:scaling>
@@ -1246,7 +1249,7 @@
             <a:endParaRPr lang="en-US"/>
           </a:p>
         </c:txPr>
-        <c:crossAx val="-2145776032"/>
+        <c:crossAx val="2118918928"/>
         <c:crosses val="autoZero"/>
         <c:crossBetween val="between"/>
       </c:valAx>
@@ -1366,7 +1369,6 @@
           </a:p>
         </c:rich>
       </c:tx>
-      <c:layout/>
       <c:overlay val="0"/>
       <c:spPr>
         <a:noFill/>
@@ -1545,11 +1547,11 @@
         </c:dLbls>
         <c:gapWidth val="219"/>
         <c:overlap val="-27"/>
-        <c:axId val="2135978624"/>
-        <c:axId val="2135982000"/>
+        <c:axId val="2116583440"/>
+        <c:axId val="2116586816"/>
       </c:barChart>
       <c:catAx>
-        <c:axId val="2135978624"/>
+        <c:axId val="2116583440"/>
         <c:scaling>
           <c:orientation val="minMax"/>
         </c:scaling>
@@ -1592,7 +1594,7 @@
             <a:endParaRPr lang="en-US"/>
           </a:p>
         </c:txPr>
-        <c:crossAx val="2135982000"/>
+        <c:crossAx val="2116586816"/>
         <c:crosses val="autoZero"/>
         <c:auto val="1"/>
         <c:lblAlgn val="ctr"/>
@@ -1600,7 +1602,7 @@
         <c:noMultiLvlLbl val="0"/>
       </c:catAx>
       <c:valAx>
-        <c:axId val="2135982000"/>
+        <c:axId val="2116586816"/>
         <c:scaling>
           <c:orientation val="minMax"/>
         </c:scaling>
@@ -1651,7 +1653,7 @@
             <a:endParaRPr lang="en-US"/>
           </a:p>
         </c:txPr>
-        <c:crossAx val="2135978624"/>
+        <c:crossAx val="2116583440"/>
         <c:crosses val="autoZero"/>
         <c:crossBetween val="between"/>
       </c:valAx>
@@ -1665,7 +1667,6 @@
     </c:plotArea>
     <c:legend>
       <c:legendPos val="b"/>
-      <c:layout/>
       <c:overlay val="0"/>
       <c:spPr>
         <a:noFill/>
@@ -1954,11 +1955,11 @@
         </c:dLbls>
         <c:gapWidth val="219"/>
         <c:overlap val="-27"/>
-        <c:axId val="2144342528"/>
-        <c:axId val="2144345920"/>
+        <c:axId val="2119055056"/>
+        <c:axId val="2119058480"/>
       </c:barChart>
       <c:catAx>
-        <c:axId val="2144342528"/>
+        <c:axId val="2119055056"/>
         <c:scaling>
           <c:orientation val="minMax"/>
         </c:scaling>
@@ -2001,7 +2002,7 @@
             <a:endParaRPr lang="en-US"/>
           </a:p>
         </c:txPr>
-        <c:crossAx val="2144345920"/>
+        <c:crossAx val="2119058480"/>
         <c:crosses val="autoZero"/>
         <c:auto val="1"/>
         <c:lblAlgn val="ctr"/>
@@ -2009,7 +2010,7 @@
         <c:noMultiLvlLbl val="0"/>
       </c:catAx>
       <c:valAx>
-        <c:axId val="2144345920"/>
+        <c:axId val="2119058480"/>
         <c:scaling>
           <c:orientation val="minMax"/>
         </c:scaling>
@@ -2060,7 +2061,7 @@
             <a:endParaRPr lang="en-US"/>
           </a:p>
         </c:txPr>
-        <c:crossAx val="2144342528"/>
+        <c:crossAx val="2119055056"/>
         <c:crosses val="autoZero"/>
         <c:crossBetween val="between"/>
       </c:valAx>
@@ -2362,11 +2363,11 @@
         </c:dLbls>
         <c:gapWidth val="219"/>
         <c:overlap val="-27"/>
-        <c:axId val="2144375584"/>
-        <c:axId val="2144378976"/>
+        <c:axId val="2114432144"/>
+        <c:axId val="2114435568"/>
       </c:barChart>
       <c:catAx>
-        <c:axId val="2144375584"/>
+        <c:axId val="2114432144"/>
         <c:scaling>
           <c:orientation val="minMax"/>
         </c:scaling>
@@ -2409,7 +2410,7 @@
             <a:endParaRPr lang="en-US"/>
           </a:p>
         </c:txPr>
-        <c:crossAx val="2144378976"/>
+        <c:crossAx val="2114435568"/>
         <c:crosses val="autoZero"/>
         <c:auto val="1"/>
         <c:lblAlgn val="ctr"/>
@@ -2417,7 +2418,7 @@
         <c:noMultiLvlLbl val="0"/>
       </c:catAx>
       <c:valAx>
-        <c:axId val="2144378976"/>
+        <c:axId val="2114435568"/>
         <c:scaling>
           <c:orientation val="minMax"/>
         </c:scaling>
@@ -2468,7 +2469,7 @@
             <a:endParaRPr lang="en-US"/>
           </a:p>
         </c:txPr>
-        <c:crossAx val="2144375584"/>
+        <c:crossAx val="2114432144"/>
         <c:crosses val="autoZero"/>
         <c:crossBetween val="between"/>
       </c:valAx>
@@ -2737,11 +2738,11 @@
         </c:dLbls>
         <c:gapWidth val="219"/>
         <c:overlap val="-27"/>
-        <c:axId val="2142857584"/>
-        <c:axId val="2142309344"/>
+        <c:axId val="2117667760"/>
+        <c:axId val="2118022016"/>
       </c:barChart>
       <c:catAx>
-        <c:axId val="2142857584"/>
+        <c:axId val="2117667760"/>
         <c:scaling>
           <c:orientation val="minMax"/>
         </c:scaling>
@@ -2784,7 +2785,7 @@
             <a:endParaRPr lang="en-US"/>
           </a:p>
         </c:txPr>
-        <c:crossAx val="2142309344"/>
+        <c:crossAx val="2118022016"/>
         <c:crosses val="autoZero"/>
         <c:auto val="1"/>
         <c:lblAlgn val="ctr"/>
@@ -2792,7 +2793,7 @@
         <c:noMultiLvlLbl val="0"/>
       </c:catAx>
       <c:valAx>
-        <c:axId val="2142309344"/>
+        <c:axId val="2118022016"/>
         <c:scaling>
           <c:orientation val="minMax"/>
           <c:max val="100.0"/>
@@ -2844,7 +2845,7 @@
             <a:endParaRPr lang="en-US"/>
           </a:p>
         </c:txPr>
-        <c:crossAx val="2142857584"/>
+        <c:crossAx val="2117667760"/>
         <c:crosses val="autoZero"/>
         <c:crossBetween val="between"/>
       </c:valAx>
@@ -16384,7 +16385,7 @@
             <p:ph idx="1"/>
             <p:extLst>
               <p:ext uri="{D42A27DB-BD31-4B8C-83A1-F6EECF244321}">
-                <p14:modId xmlns:p14="http://schemas.microsoft.com/office/powerpoint/2010/main" val="959997301"/>
+                <p14:modId xmlns:p14="http://schemas.microsoft.com/office/powerpoint/2010/main" val="1734575198"/>
               </p:ext>
             </p:extLst>
           </p:nvPr>
@@ -17085,7 +17086,7 @@
             <p:ph idx="1"/>
             <p:extLst>
               <p:ext uri="{D42A27DB-BD31-4B8C-83A1-F6EECF244321}">
-                <p14:modId xmlns:p14="http://schemas.microsoft.com/office/powerpoint/2010/main" val="498777856"/>
+                <p14:modId xmlns:p14="http://schemas.microsoft.com/office/powerpoint/2010/main" val="402724286"/>
               </p:ext>
             </p:extLst>
           </p:nvPr>

--- a/PPTGroup10.pptx
+++ b/PPTGroup10.pptx
@@ -5,7 +5,7 @@
     <p:sldMasterId id="2147483648" r:id="rId1"/>
   </p:sldMasterIdLst>
   <p:notesMasterIdLst>
-    <p:notesMasterId r:id="rId28"/>
+    <p:notesMasterId r:id="rId29"/>
   </p:notesMasterIdLst>
   <p:sldIdLst>
     <p:sldId id="256" r:id="rId2"/>
@@ -26,14 +26,15 @@
     <p:sldId id="281" r:id="rId17"/>
     <p:sldId id="282" r:id="rId18"/>
     <p:sldId id="283" r:id="rId19"/>
-    <p:sldId id="275" r:id="rId20"/>
-    <p:sldId id="276" r:id="rId21"/>
-    <p:sldId id="280" r:id="rId22"/>
-    <p:sldId id="270" r:id="rId23"/>
-    <p:sldId id="271" r:id="rId24"/>
-    <p:sldId id="272" r:id="rId25"/>
-    <p:sldId id="273" r:id="rId26"/>
-    <p:sldId id="288" r:id="rId27"/>
+    <p:sldId id="289" r:id="rId20"/>
+    <p:sldId id="291" r:id="rId21"/>
+    <p:sldId id="276" r:id="rId22"/>
+    <p:sldId id="290" r:id="rId23"/>
+    <p:sldId id="270" r:id="rId24"/>
+    <p:sldId id="271" r:id="rId25"/>
+    <p:sldId id="272" r:id="rId26"/>
+    <p:sldId id="273" r:id="rId27"/>
+    <p:sldId id="288" r:id="rId28"/>
   </p:sldIdLst>
   <p:sldSz cx="12192000" cy="6858000"/>
   <p:notesSz cx="6858000" cy="9144000"/>
@@ -348,11 +349,11 @@
         </c:dLbls>
         <c:gapWidth val="219"/>
         <c:overlap val="-27"/>
-        <c:axId val="2117385408"/>
-        <c:axId val="2117388784"/>
+        <c:axId val="-2130538848"/>
+        <c:axId val="-2126672576"/>
       </c:barChart>
       <c:catAx>
-        <c:axId val="2117385408"/>
+        <c:axId val="-2130538848"/>
         <c:scaling>
           <c:orientation val="minMax"/>
         </c:scaling>
@@ -395,7 +396,7 @@
             <a:endParaRPr lang="en-US"/>
           </a:p>
         </c:txPr>
-        <c:crossAx val="2117388784"/>
+        <c:crossAx val="-2126672576"/>
         <c:crosses val="autoZero"/>
         <c:auto val="1"/>
         <c:lblAlgn val="ctr"/>
@@ -403,7 +404,7 @@
         <c:noMultiLvlLbl val="0"/>
       </c:catAx>
       <c:valAx>
-        <c:axId val="2117388784"/>
+        <c:axId val="-2126672576"/>
         <c:scaling>
           <c:orientation val="minMax"/>
           <c:max val="80.0"/>
@@ -456,7 +457,7 @@
             <a:endParaRPr lang="en-US"/>
           </a:p>
         </c:txPr>
-        <c:crossAx val="2117385408"/>
+        <c:crossAx val="-2130538848"/>
         <c:crosses val="autoZero"/>
         <c:crossBetween val="between"/>
       </c:valAx>
@@ -743,11 +744,11 @@
         </c:dLbls>
         <c:gapWidth val="219"/>
         <c:overlap val="-27"/>
-        <c:axId val="2118845472"/>
-        <c:axId val="2118848880"/>
+        <c:axId val="2120349312"/>
+        <c:axId val="-2090540160"/>
       </c:barChart>
       <c:catAx>
-        <c:axId val="2118845472"/>
+        <c:axId val="2120349312"/>
         <c:scaling>
           <c:orientation val="minMax"/>
         </c:scaling>
@@ -790,7 +791,7 @@
             <a:endParaRPr lang="en-US"/>
           </a:p>
         </c:txPr>
-        <c:crossAx val="2118848880"/>
+        <c:crossAx val="-2090540160"/>
         <c:crosses val="autoZero"/>
         <c:auto val="1"/>
         <c:lblAlgn val="ctr"/>
@@ -798,7 +799,7 @@
         <c:noMultiLvlLbl val="0"/>
       </c:catAx>
       <c:valAx>
-        <c:axId val="2118848880"/>
+        <c:axId val="-2090540160"/>
         <c:scaling>
           <c:orientation val="minMax"/>
           <c:max val="93.0"/>
@@ -851,7 +852,7 @@
             <a:endParaRPr lang="en-US"/>
           </a:p>
         </c:txPr>
-        <c:crossAx val="2118845472"/>
+        <c:crossAx val="2120349312"/>
         <c:crosses val="autoZero"/>
         <c:crossBetween val="between"/>
         <c:majorUnit val="0.5"/>
@@ -944,7 +945,7 @@
           <a:lstStyle/>
           <a:p>
             <a:pPr>
-              <a:defRPr sz="1862" b="0" i="0" u="none" strike="noStrike" kern="1200" spc="0" baseline="0">
+              <a:defRPr sz="2400" b="0" i="0" u="none" strike="noStrike" kern="1200" spc="0" baseline="0">
                 <a:solidFill>
                   <a:schemeClr val="tx1">
                     <a:lumMod val="65000"/>
@@ -957,10 +958,9 @@
               </a:defRPr>
             </a:pPr>
             <a:r>
-              <a:rPr lang="en-US" dirty="0" smtClean="0"/>
+              <a:rPr lang="en-US" dirty="0"/>
               <a:t>Letter Recognition</a:t>
             </a:r>
-            <a:endParaRPr lang="en-US" dirty="0"/>
           </a:p>
         </c:rich>
       </c:tx>
@@ -978,7 +978,7 @@
         <a:lstStyle/>
         <a:p>
           <a:pPr>
-            <a:defRPr sz="1862" b="0" i="0" u="none" strike="noStrike" kern="1200" spc="0" baseline="0">
+            <a:defRPr sz="2400" b="0" i="0" u="none" strike="noStrike" kern="1200" spc="0" baseline="0">
               <a:solidFill>
                 <a:schemeClr val="tx1">
                   <a:lumMod val="65000"/>
@@ -1010,7 +1010,7 @@
               <c:strCache>
                 <c:ptCount val="1"/>
                 <c:pt idx="0">
-                  <c:v>Correctness</c:v>
+                  <c:v>Accuracy</c:v>
                 </c:pt>
               </c:strCache>
             </c:strRef>
@@ -1031,16 +1031,16 @@
               <c:strCache>
                 <c:ptCount val="4"/>
                 <c:pt idx="0">
-                  <c:v>C=0.5</c:v>
+                  <c:v>K=linear, C=1</c:v>
                 </c:pt>
                 <c:pt idx="1">
-                  <c:v>C=1.0</c:v>
+                  <c:v>K=poly, C=1</c:v>
                 </c:pt>
                 <c:pt idx="2">
-                  <c:v>C=1.5</c:v>
+                  <c:v>K=linear, C=2</c:v>
                 </c:pt>
                 <c:pt idx="3">
-                  <c:v>C=2.0</c:v>
+                  <c:v>K=poly, C=2</c:v>
                 </c:pt>
               </c:strCache>
             </c:strRef>
@@ -1052,16 +1052,16 @@
                 <c:formatCode>General</c:formatCode>
                 <c:ptCount val="4"/>
                 <c:pt idx="0">
-                  <c:v>80.739</c:v>
+                  <c:v>85.27</c:v>
                 </c:pt>
                 <c:pt idx="1">
-                  <c:v>82.37909999999998</c:v>
+                  <c:v>95.325</c:v>
                 </c:pt>
                 <c:pt idx="2">
-                  <c:v>83.1542</c:v>
+                  <c:v>85.245</c:v>
                 </c:pt>
                 <c:pt idx="3">
-                  <c:v>83.6092</c:v>
+                  <c:v>95.315</c:v>
                 </c:pt>
               </c:numCache>
             </c:numRef>
@@ -1076,7 +1076,7 @@
               <c:strCache>
                 <c:ptCount val="1"/>
                 <c:pt idx="0">
-                  <c:v>Root relative squared error</c:v>
+                  <c:v>F-measure</c:v>
                 </c:pt>
               </c:strCache>
             </c:strRef>
@@ -1097,16 +1097,16 @@
               <c:strCache>
                 <c:ptCount val="4"/>
                 <c:pt idx="0">
-                  <c:v>C=0.5</c:v>
+                  <c:v>K=linear, C=1</c:v>
                 </c:pt>
                 <c:pt idx="1">
-                  <c:v>C=1.0</c:v>
+                  <c:v>K=poly, C=1</c:v>
                 </c:pt>
                 <c:pt idx="2">
-                  <c:v>C=1.5</c:v>
+                  <c:v>K=linear, C=2</c:v>
                 </c:pt>
                 <c:pt idx="3">
-                  <c:v>C=2.0</c:v>
+                  <c:v>K=poly, C=2</c:v>
                 </c:pt>
               </c:strCache>
             </c:strRef>
@@ -1118,16 +1118,16 @@
                 <c:formatCode>General</c:formatCode>
                 <c:ptCount val="4"/>
                 <c:pt idx="0">
-                  <c:v>96.8279</c:v>
+                  <c:v>85.3</c:v>
                 </c:pt>
                 <c:pt idx="1">
-                  <c:v>96.7869</c:v>
+                  <c:v>95.3</c:v>
                 </c:pt>
                 <c:pt idx="2">
-                  <c:v>96.7669</c:v>
+                  <c:v>85.3</c:v>
                 </c:pt>
                 <c:pt idx="3">
-                  <c:v>96.7546</c:v>
+                  <c:v>95.3</c:v>
                 </c:pt>
               </c:numCache>
             </c:numRef>
@@ -1143,11 +1143,11 @@
         </c:dLbls>
         <c:gapWidth val="219"/>
         <c:overlap val="-27"/>
-        <c:axId val="2118918928"/>
-        <c:axId val="2118922336"/>
+        <c:axId val="-2061293040"/>
+        <c:axId val="-2060567760"/>
       </c:barChart>
       <c:catAx>
-        <c:axId val="2118918928"/>
+        <c:axId val="-2061293040"/>
         <c:scaling>
           <c:orientation val="minMax"/>
         </c:scaling>
@@ -1175,7 +1175,7 @@
           <a:lstStyle/>
           <a:p>
             <a:pPr>
-              <a:defRPr sz="1197" b="0" i="0" u="none" strike="noStrike" kern="1200" baseline="0">
+              <a:defRPr sz="2000" b="0" i="0" u="none" strike="noStrike" kern="1200" baseline="0">
                 <a:solidFill>
                   <a:schemeClr val="tx1">
                     <a:lumMod val="65000"/>
@@ -1190,7 +1190,7 @@
             <a:endParaRPr lang="en-US"/>
           </a:p>
         </c:txPr>
-        <c:crossAx val="2118922336"/>
+        <c:crossAx val="-2060567760"/>
         <c:crosses val="autoZero"/>
         <c:auto val="1"/>
         <c:lblAlgn val="ctr"/>
@@ -1198,9 +1198,11 @@
         <c:noMultiLvlLbl val="0"/>
       </c:catAx>
       <c:valAx>
-        <c:axId val="2118922336"/>
+        <c:axId val="-2060567760"/>
         <c:scaling>
           <c:orientation val="minMax"/>
+          <c:max val="100.0"/>
+          <c:min val="80.0"/>
         </c:scaling>
         <c:delete val="0"/>
         <c:axPos val="l"/>
@@ -1234,7 +1236,7 @@
           <a:lstStyle/>
           <a:p>
             <a:pPr>
-              <a:defRPr sz="1197" b="0" i="0" u="none" strike="noStrike" kern="1200" baseline="0">
+              <a:defRPr sz="2000" b="0" i="0" u="none" strike="noStrike" kern="1200" baseline="0">
                 <a:solidFill>
                   <a:schemeClr val="tx1">
                     <a:lumMod val="65000"/>
@@ -1249,9 +1251,10 @@
             <a:endParaRPr lang="en-US"/>
           </a:p>
         </c:txPr>
-        <c:crossAx val="2118918928"/>
+        <c:crossAx val="-2061293040"/>
         <c:crosses val="autoZero"/>
         <c:crossBetween val="between"/>
+        <c:majorUnit val="3.0"/>
       </c:valAx>
       <c:spPr>
         <a:noFill/>
@@ -1277,7 +1280,7 @@
         <a:lstStyle/>
         <a:p>
           <a:pPr>
-            <a:defRPr sz="1197" b="0" i="0" u="none" strike="noStrike" kern="1200" baseline="0">
+            <a:defRPr sz="2000" b="0" i="0" u="none" strike="noStrike" kern="1200" baseline="0">
               <a:solidFill>
                 <a:schemeClr val="tx1">
                   <a:lumMod val="65000"/>
@@ -1309,7 +1312,7 @@
     <a:lstStyle/>
     <a:p>
       <a:pPr>
-        <a:defRPr/>
+        <a:defRPr sz="2000"/>
       </a:pPr>
       <a:endParaRPr lang="en-US"/>
     </a:p>
@@ -1341,7 +1344,7 @@
           <a:lstStyle/>
           <a:p>
             <a:pPr>
-              <a:defRPr sz="1862" b="0" i="0" u="none" strike="noStrike" kern="1200" spc="0" baseline="0">
+              <a:defRPr sz="2000" b="0" i="0" u="none" strike="noStrike" kern="1200" spc="0" baseline="0">
                 <a:solidFill>
                   <a:schemeClr val="tx1">
                     <a:lumMod val="65000"/>
@@ -1354,21 +1357,30 @@
               </a:defRPr>
             </a:pPr>
             <a:r>
-              <a:rPr lang="en-US" dirty="0" smtClean="0"/>
-              <a:t>Digit</a:t>
-            </a:r>
-            <a:r>
-              <a:rPr lang="en-US" baseline="0" dirty="0" smtClean="0"/>
-              <a:t> </a:t>
-            </a:r>
-            <a:r>
-              <a:rPr lang="en-US" dirty="0" smtClean="0"/>
-              <a:t>Recognition</a:t>
-            </a:r>
-            <a:endParaRPr lang="en-US" dirty="0"/>
+              <a:rPr lang="en-US" sz="2000" b="0" i="0" baseline="0" dirty="0" smtClean="0">
+                <a:effectLst/>
+              </a:rPr>
+              <a:t>Letter Recognition (SMO vs </a:t>
+            </a:r>
+            <a:r>
+              <a:rPr lang="en-US" sz="2000" b="0" i="0" baseline="0" dirty="0" err="1" smtClean="0">
+                <a:effectLst/>
+              </a:rPr>
+              <a:t>LibSVM</a:t>
+            </a:r>
+            <a:r>
+              <a:rPr lang="en-US" sz="2000" b="0" i="0" baseline="0" dirty="0" smtClean="0">
+                <a:effectLst/>
+              </a:rPr>
+              <a:t>)</a:t>
+            </a:r>
+            <a:endParaRPr lang="en-US" sz="2000" dirty="0">
+              <a:effectLst/>
+            </a:endParaRPr>
           </a:p>
         </c:rich>
       </c:tx>
+      <c:layout/>
       <c:overlay val="0"/>
       <c:spPr>
         <a:noFill/>
@@ -1382,7 +1394,7 @@
         <a:lstStyle/>
         <a:p>
           <a:pPr>
-            <a:defRPr sz="1862" b="0" i="0" u="none" strike="noStrike" kern="1200" spc="0" baseline="0">
+            <a:defRPr sz="2000" b="0" i="0" u="none" strike="noStrike" kern="1200" spc="0" baseline="0">
               <a:solidFill>
                 <a:schemeClr val="tx1">
                   <a:lumMod val="65000"/>
@@ -1414,7 +1426,7 @@
               <c:strCache>
                 <c:ptCount val="1"/>
                 <c:pt idx="0">
-                  <c:v>Correctness</c:v>
+                  <c:v>Accuracy</c:v>
                 </c:pt>
               </c:strCache>
             </c:strRef>
@@ -1435,16 +1447,16 @@
               <c:strCache>
                 <c:ptCount val="4"/>
                 <c:pt idx="0">
-                  <c:v>C=0.5</c:v>
+                  <c:v>SMO, C=1</c:v>
                 </c:pt>
                 <c:pt idx="1">
-                  <c:v>C=1.0</c:v>
+                  <c:v>LibSVM, C=1</c:v>
                 </c:pt>
                 <c:pt idx="2">
-                  <c:v>C=1.5</c:v>
+                  <c:v>SMO, C=2</c:v>
                 </c:pt>
                 <c:pt idx="3">
-                  <c:v>C=2.0</c:v>
+                  <c:v>LibSVM, C=2</c:v>
                 </c:pt>
               </c:strCache>
             </c:strRef>
@@ -1456,16 +1468,16 @@
                 <c:formatCode>General</c:formatCode>
                 <c:ptCount val="4"/>
                 <c:pt idx="0">
-                  <c:v>98.2193</c:v>
+                  <c:v>82.37909999999999</c:v>
                 </c:pt>
                 <c:pt idx="1">
-                  <c:v>98.2749</c:v>
+                  <c:v>95.325</c:v>
                 </c:pt>
                 <c:pt idx="2">
-                  <c:v>98.2193</c:v>
+                  <c:v>83.6092</c:v>
                 </c:pt>
                 <c:pt idx="3">
-                  <c:v>98.2193</c:v>
+                  <c:v>95.315</c:v>
                 </c:pt>
               </c:numCache>
             </c:numRef>
@@ -1480,7 +1492,7 @@
               <c:strCache>
                 <c:ptCount val="1"/>
                 <c:pt idx="0">
-                  <c:v>Root relative squared error</c:v>
+                  <c:v>F-measure</c:v>
                 </c:pt>
               </c:strCache>
             </c:strRef>
@@ -1501,16 +1513,16 @@
               <c:strCache>
                 <c:ptCount val="4"/>
                 <c:pt idx="0">
-                  <c:v>C=0.5</c:v>
+                  <c:v>SMO, C=1</c:v>
                 </c:pt>
                 <c:pt idx="1">
-                  <c:v>C=1.0</c:v>
+                  <c:v>LibSVM, C=1</c:v>
                 </c:pt>
                 <c:pt idx="2">
-                  <c:v>C=1.5</c:v>
+                  <c:v>SMO, C=2</c:v>
                 </c:pt>
                 <c:pt idx="3">
-                  <c:v>C=2.0</c:v>
+                  <c:v>LibSVM, C=2</c:v>
                 </c:pt>
               </c:strCache>
             </c:strRef>
@@ -1522,16 +1534,16 @@
                 <c:formatCode>General</c:formatCode>
                 <c:ptCount val="4"/>
                 <c:pt idx="0">
-                  <c:v>90.6182</c:v>
+                  <c:v>82.5</c:v>
                 </c:pt>
                 <c:pt idx="1">
-                  <c:v>90.5978</c:v>
+                  <c:v>95.3</c:v>
                 </c:pt>
                 <c:pt idx="2">
-                  <c:v>90.5968</c:v>
+                  <c:v>83.7</c:v>
                 </c:pt>
                 <c:pt idx="3">
-                  <c:v>90.5931</c:v>
+                  <c:v>95.3</c:v>
                 </c:pt>
               </c:numCache>
             </c:numRef>
@@ -1547,11 +1559,11 @@
         </c:dLbls>
         <c:gapWidth val="219"/>
         <c:overlap val="-27"/>
-        <c:axId val="2116583440"/>
-        <c:axId val="2116586816"/>
+        <c:axId val="-2120248288"/>
+        <c:axId val="-2125324080"/>
       </c:barChart>
       <c:catAx>
-        <c:axId val="2116583440"/>
+        <c:axId val="-2120248288"/>
         <c:scaling>
           <c:orientation val="minMax"/>
         </c:scaling>
@@ -1579,7 +1591,7 @@
           <a:lstStyle/>
           <a:p>
             <a:pPr>
-              <a:defRPr sz="1197" b="0" i="0" u="none" strike="noStrike" kern="1200" baseline="0">
+              <a:defRPr sz="2000" b="0" i="0" u="none" strike="noStrike" kern="1200" baseline="0">
                 <a:solidFill>
                   <a:schemeClr val="tx1">
                     <a:lumMod val="65000"/>
@@ -1594,7 +1606,7 @@
             <a:endParaRPr lang="en-US"/>
           </a:p>
         </c:txPr>
-        <c:crossAx val="2116586816"/>
+        <c:crossAx val="-2125324080"/>
         <c:crosses val="autoZero"/>
         <c:auto val="1"/>
         <c:lblAlgn val="ctr"/>
@@ -1602,9 +1614,11 @@
         <c:noMultiLvlLbl val="0"/>
       </c:catAx>
       <c:valAx>
-        <c:axId val="2116586816"/>
+        <c:axId val="-2125324080"/>
         <c:scaling>
           <c:orientation val="minMax"/>
+          <c:max val="100.0"/>
+          <c:min val="80.0"/>
         </c:scaling>
         <c:delete val="0"/>
         <c:axPos val="l"/>
@@ -1638,7 +1652,7 @@
           <a:lstStyle/>
           <a:p>
             <a:pPr>
-              <a:defRPr sz="1197" b="0" i="0" u="none" strike="noStrike" kern="1200" baseline="0">
+              <a:defRPr sz="2000" b="0" i="0" u="none" strike="noStrike" kern="1200" baseline="0">
                 <a:solidFill>
                   <a:schemeClr val="tx1">
                     <a:lumMod val="65000"/>
@@ -1653,9 +1667,10 @@
             <a:endParaRPr lang="en-US"/>
           </a:p>
         </c:txPr>
-        <c:crossAx val="2116583440"/>
+        <c:crossAx val="-2120248288"/>
         <c:crosses val="autoZero"/>
         <c:crossBetween val="between"/>
+        <c:majorUnit val="3.0"/>
       </c:valAx>
       <c:spPr>
         <a:noFill/>
@@ -1667,6 +1682,7 @@
     </c:plotArea>
     <c:legend>
       <c:legendPos val="b"/>
+      <c:layout/>
       <c:overlay val="0"/>
       <c:spPr>
         <a:noFill/>
@@ -1680,7 +1696,7 @@
         <a:lstStyle/>
         <a:p>
           <a:pPr>
-            <a:defRPr sz="1197" b="0" i="0" u="none" strike="noStrike" kern="1200" baseline="0">
+            <a:defRPr sz="2000" b="0" i="0" u="none" strike="noStrike" kern="1200" baseline="0">
               <a:solidFill>
                 <a:schemeClr val="tx1">
                   <a:lumMod val="65000"/>
@@ -1712,7 +1728,7 @@
     <a:lstStyle/>
     <a:p>
       <a:pPr>
-        <a:defRPr/>
+        <a:defRPr sz="2000"/>
       </a:pPr>
       <a:endParaRPr lang="en-US"/>
     </a:p>
@@ -1724,6 +1740,404 @@
 </file>
 
 <file path=ppt/charts/chart5.xml><?xml version="1.0" encoding="utf-8"?>
+<c:chartSpace xmlns:c="http://schemas.openxmlformats.org/drawingml/2006/chart" xmlns:a="http://schemas.openxmlformats.org/drawingml/2006/main" xmlns:r="http://schemas.openxmlformats.org/officeDocument/2006/relationships">
+  <c:date1904 val="0"/>
+  <c:lang val="en-US"/>
+  <c:roundedCorners val="0"/>
+  <mc:AlternateContent xmlns:mc="http://schemas.openxmlformats.org/markup-compatibility/2006">
+    <mc:Choice xmlns:c14="http://schemas.microsoft.com/office/drawing/2007/8/2/chart" Requires="c14">
+      <c14:style val="102"/>
+    </mc:Choice>
+    <mc:Fallback>
+      <c:style val="2"/>
+    </mc:Fallback>
+  </mc:AlternateContent>
+  <c:chart>
+    <c:title>
+      <c:tx>
+        <c:rich>
+          <a:bodyPr rot="0" spcFirstLastPara="1" vertOverflow="ellipsis" vert="horz" wrap="square" anchor="ctr" anchorCtr="1"/>
+          <a:lstStyle/>
+          <a:p>
+            <a:pPr>
+              <a:defRPr sz="2400" b="0" i="0" u="none" strike="noStrike" kern="1200" spc="0" baseline="0">
+                <a:solidFill>
+                  <a:schemeClr val="tx1">
+                    <a:lumMod val="65000"/>
+                    <a:lumOff val="35000"/>
+                  </a:schemeClr>
+                </a:solidFill>
+                <a:latin typeface="+mn-lt"/>
+                <a:ea typeface="+mn-ea"/>
+                <a:cs typeface="+mn-cs"/>
+              </a:defRPr>
+            </a:pPr>
+            <a:r>
+              <a:rPr lang="en-US"/>
+              <a:t>Digit Classification</a:t>
+            </a:r>
+          </a:p>
+        </c:rich>
+      </c:tx>
+      <c:layout/>
+      <c:overlay val="0"/>
+      <c:spPr>
+        <a:noFill/>
+        <a:ln>
+          <a:noFill/>
+        </a:ln>
+        <a:effectLst/>
+      </c:spPr>
+      <c:txPr>
+        <a:bodyPr rot="0" spcFirstLastPara="1" vertOverflow="ellipsis" vert="horz" wrap="square" anchor="ctr" anchorCtr="1"/>
+        <a:lstStyle/>
+        <a:p>
+          <a:pPr>
+            <a:defRPr sz="2400" b="0" i="0" u="none" strike="noStrike" kern="1200" spc="0" baseline="0">
+              <a:solidFill>
+                <a:schemeClr val="tx1">
+                  <a:lumMod val="65000"/>
+                  <a:lumOff val="35000"/>
+                </a:schemeClr>
+              </a:solidFill>
+              <a:latin typeface="+mn-lt"/>
+              <a:ea typeface="+mn-ea"/>
+              <a:cs typeface="+mn-cs"/>
+            </a:defRPr>
+          </a:pPr>
+          <a:endParaRPr lang="en-US"/>
+        </a:p>
+      </c:txPr>
+    </c:title>
+    <c:autoTitleDeleted val="0"/>
+    <c:plotArea>
+      <c:layout/>
+      <c:barChart>
+        <c:barDir val="col"/>
+        <c:grouping val="clustered"/>
+        <c:varyColors val="0"/>
+        <c:ser>
+          <c:idx val="0"/>
+          <c:order val="0"/>
+          <c:tx>
+            <c:strRef>
+              <c:f>Sheet1!$B$1</c:f>
+              <c:strCache>
+                <c:ptCount val="1"/>
+                <c:pt idx="0">
+                  <c:v>Accuracy</c:v>
+                </c:pt>
+              </c:strCache>
+            </c:strRef>
+          </c:tx>
+          <c:spPr>
+            <a:solidFill>
+              <a:schemeClr val="accent1"/>
+            </a:solidFill>
+            <a:ln>
+              <a:noFill/>
+            </a:ln>
+            <a:effectLst/>
+          </c:spPr>
+          <c:invertIfNegative val="0"/>
+          <c:cat>
+            <c:strRef>
+              <c:f>Sheet1!$A$2:$A$5</c:f>
+              <c:strCache>
+                <c:ptCount val="4"/>
+                <c:pt idx="0">
+                  <c:v>K=linear, C=1</c:v>
+                </c:pt>
+                <c:pt idx="1">
+                  <c:v>K=poly, C=1</c:v>
+                </c:pt>
+                <c:pt idx="2">
+                  <c:v>K=linear, C=2</c:v>
+                </c:pt>
+                <c:pt idx="3">
+                  <c:v>K=poly, C=2</c:v>
+                </c:pt>
+              </c:strCache>
+            </c:strRef>
+          </c:cat>
+          <c:val>
+            <c:numRef>
+              <c:f>Sheet1!$B$2:$B$5</c:f>
+              <c:numCache>
+                <c:formatCode>General</c:formatCode>
+                <c:ptCount val="4"/>
+                <c:pt idx="0">
+                  <c:v>97.9181</c:v>
+                </c:pt>
+                <c:pt idx="1">
+                  <c:v>98.968</c:v>
+                </c:pt>
+                <c:pt idx="2">
+                  <c:v>97.9181</c:v>
+                </c:pt>
+                <c:pt idx="3">
+                  <c:v>98.968</c:v>
+                </c:pt>
+              </c:numCache>
+            </c:numRef>
+          </c:val>
+        </c:ser>
+        <c:ser>
+          <c:idx val="1"/>
+          <c:order val="1"/>
+          <c:tx>
+            <c:strRef>
+              <c:f>Sheet1!$C$1</c:f>
+              <c:strCache>
+                <c:ptCount val="1"/>
+                <c:pt idx="0">
+                  <c:v>F-measure</c:v>
+                </c:pt>
+              </c:strCache>
+            </c:strRef>
+          </c:tx>
+          <c:spPr>
+            <a:solidFill>
+              <a:schemeClr val="accent2"/>
+            </a:solidFill>
+            <a:ln>
+              <a:noFill/>
+            </a:ln>
+            <a:effectLst/>
+          </c:spPr>
+          <c:invertIfNegative val="0"/>
+          <c:cat>
+            <c:strRef>
+              <c:f>Sheet1!$A$2:$A$5</c:f>
+              <c:strCache>
+                <c:ptCount val="4"/>
+                <c:pt idx="0">
+                  <c:v>K=linear, C=1</c:v>
+                </c:pt>
+                <c:pt idx="1">
+                  <c:v>K=poly, C=1</c:v>
+                </c:pt>
+                <c:pt idx="2">
+                  <c:v>K=linear, C=2</c:v>
+                </c:pt>
+                <c:pt idx="3">
+                  <c:v>K=poly, C=2</c:v>
+                </c:pt>
+              </c:strCache>
+            </c:strRef>
+          </c:cat>
+          <c:val>
+            <c:numRef>
+              <c:f>Sheet1!$C$2:$C$5</c:f>
+              <c:numCache>
+                <c:formatCode>General</c:formatCode>
+                <c:ptCount val="4"/>
+                <c:pt idx="0">
+                  <c:v>97.9</c:v>
+                </c:pt>
+                <c:pt idx="1">
+                  <c:v>99.0</c:v>
+                </c:pt>
+                <c:pt idx="2">
+                  <c:v>97.9</c:v>
+                </c:pt>
+                <c:pt idx="3">
+                  <c:v>99.0</c:v>
+                </c:pt>
+              </c:numCache>
+            </c:numRef>
+          </c:val>
+        </c:ser>
+        <c:dLbls>
+          <c:showLegendKey val="0"/>
+          <c:showVal val="0"/>
+          <c:showCatName val="0"/>
+          <c:showSerName val="0"/>
+          <c:showPercent val="0"/>
+          <c:showBubbleSize val="0"/>
+        </c:dLbls>
+        <c:gapWidth val="219"/>
+        <c:overlap val="-27"/>
+        <c:axId val="-2093026192"/>
+        <c:axId val="-2058492528"/>
+      </c:barChart>
+      <c:catAx>
+        <c:axId val="-2093026192"/>
+        <c:scaling>
+          <c:orientation val="minMax"/>
+        </c:scaling>
+        <c:delete val="0"/>
+        <c:axPos val="b"/>
+        <c:numFmt formatCode="General" sourceLinked="1"/>
+        <c:majorTickMark val="none"/>
+        <c:minorTickMark val="none"/>
+        <c:tickLblPos val="nextTo"/>
+        <c:spPr>
+          <a:noFill/>
+          <a:ln w="9525" cap="flat" cmpd="sng" algn="ctr">
+            <a:solidFill>
+              <a:schemeClr val="tx1">
+                <a:lumMod val="15000"/>
+                <a:lumOff val="85000"/>
+              </a:schemeClr>
+            </a:solidFill>
+            <a:round/>
+          </a:ln>
+          <a:effectLst/>
+        </c:spPr>
+        <c:txPr>
+          <a:bodyPr rot="-60000000" spcFirstLastPara="1" vertOverflow="ellipsis" vert="horz" wrap="square" anchor="ctr" anchorCtr="1"/>
+          <a:lstStyle/>
+          <a:p>
+            <a:pPr>
+              <a:defRPr sz="2000" b="0" i="0" u="none" strike="noStrike" kern="1200" baseline="0">
+                <a:solidFill>
+                  <a:schemeClr val="tx1">
+                    <a:lumMod val="65000"/>
+                    <a:lumOff val="35000"/>
+                  </a:schemeClr>
+                </a:solidFill>
+                <a:latin typeface="+mn-lt"/>
+                <a:ea typeface="+mn-ea"/>
+                <a:cs typeface="+mn-cs"/>
+              </a:defRPr>
+            </a:pPr>
+            <a:endParaRPr lang="en-US"/>
+          </a:p>
+        </c:txPr>
+        <c:crossAx val="-2058492528"/>
+        <c:crosses val="autoZero"/>
+        <c:auto val="1"/>
+        <c:lblAlgn val="ctr"/>
+        <c:lblOffset val="100"/>
+        <c:noMultiLvlLbl val="0"/>
+      </c:catAx>
+      <c:valAx>
+        <c:axId val="-2058492528"/>
+        <c:scaling>
+          <c:orientation val="minMax"/>
+          <c:min val="95.0"/>
+        </c:scaling>
+        <c:delete val="0"/>
+        <c:axPos val="l"/>
+        <c:majorGridlines>
+          <c:spPr>
+            <a:ln w="9525" cap="flat" cmpd="sng" algn="ctr">
+              <a:solidFill>
+                <a:schemeClr val="tx1">
+                  <a:lumMod val="15000"/>
+                  <a:lumOff val="85000"/>
+                </a:schemeClr>
+              </a:solidFill>
+              <a:round/>
+            </a:ln>
+            <a:effectLst/>
+          </c:spPr>
+        </c:majorGridlines>
+        <c:numFmt formatCode="General" sourceLinked="0"/>
+        <c:majorTickMark val="none"/>
+        <c:minorTickMark val="none"/>
+        <c:tickLblPos val="nextTo"/>
+        <c:spPr>
+          <a:noFill/>
+          <a:ln>
+            <a:noFill/>
+          </a:ln>
+          <a:effectLst/>
+        </c:spPr>
+        <c:txPr>
+          <a:bodyPr rot="-60000000" spcFirstLastPara="1" vertOverflow="ellipsis" vert="horz" wrap="square" anchor="ctr" anchorCtr="1"/>
+          <a:lstStyle/>
+          <a:p>
+            <a:pPr>
+              <a:defRPr sz="2000" b="0" i="0" u="none" strike="noStrike" kern="1200" baseline="0">
+                <a:solidFill>
+                  <a:schemeClr val="tx1">
+                    <a:lumMod val="65000"/>
+                    <a:lumOff val="35000"/>
+                  </a:schemeClr>
+                </a:solidFill>
+                <a:latin typeface="+mn-lt"/>
+                <a:ea typeface="+mn-ea"/>
+                <a:cs typeface="+mn-cs"/>
+              </a:defRPr>
+            </a:pPr>
+            <a:endParaRPr lang="en-US"/>
+          </a:p>
+        </c:txPr>
+        <c:crossAx val="-2093026192"/>
+        <c:crosses val="autoZero"/>
+        <c:crossBetween val="between"/>
+        <c:majorUnit val="1.0"/>
+      </c:valAx>
+      <c:spPr>
+        <a:noFill/>
+        <a:ln>
+          <a:noFill/>
+        </a:ln>
+        <a:effectLst/>
+      </c:spPr>
+    </c:plotArea>
+    <c:legend>
+      <c:legendPos val="b"/>
+      <c:layout/>
+      <c:overlay val="0"/>
+      <c:spPr>
+        <a:noFill/>
+        <a:ln>
+          <a:noFill/>
+        </a:ln>
+        <a:effectLst/>
+      </c:spPr>
+      <c:txPr>
+        <a:bodyPr rot="0" spcFirstLastPara="1" vertOverflow="ellipsis" vert="horz" wrap="square" anchor="ctr" anchorCtr="1"/>
+        <a:lstStyle/>
+        <a:p>
+          <a:pPr>
+            <a:defRPr sz="2000" b="0" i="0" u="none" strike="noStrike" kern="1200" baseline="0">
+              <a:solidFill>
+                <a:schemeClr val="tx1">
+                  <a:lumMod val="65000"/>
+                  <a:lumOff val="35000"/>
+                </a:schemeClr>
+              </a:solidFill>
+              <a:latin typeface="+mn-lt"/>
+              <a:ea typeface="+mn-ea"/>
+              <a:cs typeface="+mn-cs"/>
+            </a:defRPr>
+          </a:pPr>
+          <a:endParaRPr lang="en-US"/>
+        </a:p>
+      </c:txPr>
+    </c:legend>
+    <c:plotVisOnly val="1"/>
+    <c:dispBlanksAs val="gap"/>
+    <c:showDLblsOverMax val="0"/>
+  </c:chart>
+  <c:spPr>
+    <a:noFill/>
+    <a:ln>
+      <a:noFill/>
+    </a:ln>
+    <a:effectLst/>
+  </c:spPr>
+  <c:txPr>
+    <a:bodyPr/>
+    <a:lstStyle/>
+    <a:p>
+      <a:pPr>
+        <a:defRPr sz="2000"/>
+      </a:pPr>
+      <a:endParaRPr lang="en-US"/>
+    </a:p>
+  </c:txPr>
+  <c:externalData r:id="rId3">
+    <c:autoUpdate val="0"/>
+  </c:externalData>
+</c:chartSpace>
+</file>
+
+<file path=ppt/charts/chart6.xml><?xml version="1.0" encoding="utf-8"?>
 <c:chartSpace xmlns:c="http://schemas.openxmlformats.org/drawingml/2006/chart" xmlns:a="http://schemas.openxmlformats.org/drawingml/2006/main" xmlns:r="http://schemas.openxmlformats.org/officeDocument/2006/relationships">
   <c:date1904 val="0"/>
   <c:lang val="en-US"/>
@@ -1955,11 +2369,11 @@
         </c:dLbls>
         <c:gapWidth val="219"/>
         <c:overlap val="-27"/>
-        <c:axId val="2119055056"/>
-        <c:axId val="2119058480"/>
+        <c:axId val="-2124962528"/>
+        <c:axId val="-2125455504"/>
       </c:barChart>
       <c:catAx>
-        <c:axId val="2119055056"/>
+        <c:axId val="-2124962528"/>
         <c:scaling>
           <c:orientation val="minMax"/>
         </c:scaling>
@@ -2002,7 +2416,7 @@
             <a:endParaRPr lang="en-US"/>
           </a:p>
         </c:txPr>
-        <c:crossAx val="2119058480"/>
+        <c:crossAx val="-2125455504"/>
         <c:crosses val="autoZero"/>
         <c:auto val="1"/>
         <c:lblAlgn val="ctr"/>
@@ -2010,7 +2424,7 @@
         <c:noMultiLvlLbl val="0"/>
       </c:catAx>
       <c:valAx>
-        <c:axId val="2119058480"/>
+        <c:axId val="-2125455504"/>
         <c:scaling>
           <c:orientation val="minMax"/>
         </c:scaling>
@@ -2061,7 +2475,7 @@
             <a:endParaRPr lang="en-US"/>
           </a:p>
         </c:txPr>
-        <c:crossAx val="2119055056"/>
+        <c:crossAx val="-2124962528"/>
         <c:crosses val="autoZero"/>
         <c:crossBetween val="between"/>
       </c:valAx>
@@ -2132,7 +2546,7 @@
 </c:chartSpace>
 </file>
 
-<file path=ppt/charts/chart6.xml><?xml version="1.0" encoding="utf-8"?>
+<file path=ppt/charts/chart7.xml><?xml version="1.0" encoding="utf-8"?>
 <c:chartSpace xmlns:c="http://schemas.openxmlformats.org/drawingml/2006/chart" xmlns:a="http://schemas.openxmlformats.org/drawingml/2006/main" xmlns:r="http://schemas.openxmlformats.org/officeDocument/2006/relationships">
   <c:date1904 val="0"/>
   <c:lang val="en-US"/>
@@ -2173,6 +2587,7 @@
           </a:p>
         </c:rich>
       </c:tx>
+      <c:layout/>
       <c:overlay val="0"/>
       <c:spPr>
         <a:noFill/>
@@ -2363,11 +2778,11 @@
         </c:dLbls>
         <c:gapWidth val="219"/>
         <c:overlap val="-27"/>
-        <c:axId val="2114432144"/>
-        <c:axId val="2114435568"/>
+        <c:axId val="-2089962864"/>
+        <c:axId val="-2090855792"/>
       </c:barChart>
       <c:catAx>
-        <c:axId val="2114432144"/>
+        <c:axId val="-2089962864"/>
         <c:scaling>
           <c:orientation val="minMax"/>
         </c:scaling>
@@ -2410,7 +2825,7 @@
             <a:endParaRPr lang="en-US"/>
           </a:p>
         </c:txPr>
-        <c:crossAx val="2114435568"/>
+        <c:crossAx val="-2090855792"/>
         <c:crosses val="autoZero"/>
         <c:auto val="1"/>
         <c:lblAlgn val="ctr"/>
@@ -2418,7 +2833,7 @@
         <c:noMultiLvlLbl val="0"/>
       </c:catAx>
       <c:valAx>
-        <c:axId val="2114435568"/>
+        <c:axId val="-2090855792"/>
         <c:scaling>
           <c:orientation val="minMax"/>
         </c:scaling>
@@ -2469,7 +2884,7 @@
             <a:endParaRPr lang="en-US"/>
           </a:p>
         </c:txPr>
-        <c:crossAx val="2114432144"/>
+        <c:crossAx val="-2089962864"/>
         <c:crosses val="autoZero"/>
         <c:crossBetween val="between"/>
       </c:valAx>
@@ -2483,6 +2898,7 @@
     </c:plotArea>
     <c:legend>
       <c:legendPos val="b"/>
+      <c:layout/>
       <c:overlay val="0"/>
       <c:spPr>
         <a:noFill/>
@@ -2539,7 +2955,7 @@
 </c:chartSpace>
 </file>
 
-<file path=ppt/charts/chart7.xml><?xml version="1.0" encoding="utf-8"?>
+<file path=ppt/charts/chart8.xml><?xml version="1.0" encoding="utf-8"?>
 <c:chartSpace xmlns:c="http://schemas.openxmlformats.org/drawingml/2006/chart" xmlns:a="http://schemas.openxmlformats.org/drawingml/2006/main" xmlns:r="http://schemas.openxmlformats.org/officeDocument/2006/relationships">
   <c:date1904 val="0"/>
   <c:lang val="en-US"/>
@@ -2584,6 +3000,7 @@
           </a:p>
         </c:rich>
       </c:tx>
+      <c:layout/>
       <c:overlay val="0"/>
       <c:spPr>
         <a:noFill/>
@@ -2738,11 +3155,11 @@
         </c:dLbls>
         <c:gapWidth val="219"/>
         <c:overlap val="-27"/>
-        <c:axId val="2117667760"/>
-        <c:axId val="2118022016"/>
+        <c:axId val="-2121677264"/>
+        <c:axId val="-2135992528"/>
       </c:barChart>
       <c:catAx>
-        <c:axId val="2117667760"/>
+        <c:axId val="-2121677264"/>
         <c:scaling>
           <c:orientation val="minMax"/>
         </c:scaling>
@@ -2785,7 +3202,7 @@
             <a:endParaRPr lang="en-US"/>
           </a:p>
         </c:txPr>
-        <c:crossAx val="2118022016"/>
+        <c:crossAx val="-2135992528"/>
         <c:crosses val="autoZero"/>
         <c:auto val="1"/>
         <c:lblAlgn val="ctr"/>
@@ -2793,7 +3210,7 @@
         <c:noMultiLvlLbl val="0"/>
       </c:catAx>
       <c:valAx>
-        <c:axId val="2118022016"/>
+        <c:axId val="-2135992528"/>
         <c:scaling>
           <c:orientation val="minMax"/>
           <c:max val="100.0"/>
@@ -2845,7 +3262,7 @@
             <a:endParaRPr lang="en-US"/>
           </a:p>
         </c:txPr>
-        <c:crossAx val="2117667760"/>
+        <c:crossAx val="-2121677264"/>
         <c:crosses val="autoZero"/>
         <c:crossBetween val="between"/>
       </c:valAx>
@@ -2859,6 +3276,7 @@
     </c:plotArea>
     <c:legend>
       <c:legendPos val="b"/>
+      <c:layout/>
       <c:overlay val="0"/>
       <c:spPr>
         <a:noFill/>
@@ -3195,6 +3613,46 @@
 </cs:colorStyle>
 </file>
 
+<file path=ppt/charts/colors8.xml><?xml version="1.0" encoding="utf-8"?>
+<cs:colorStyle xmlns:cs="http://schemas.microsoft.com/office/drawing/2012/chartStyle" xmlns:a="http://schemas.openxmlformats.org/drawingml/2006/main" meth="cycle" id="10">
+  <a:schemeClr val="accent1"/>
+  <a:schemeClr val="accent2"/>
+  <a:schemeClr val="accent3"/>
+  <a:schemeClr val="accent4"/>
+  <a:schemeClr val="accent5"/>
+  <a:schemeClr val="accent6"/>
+  <cs:variation/>
+  <cs:variation>
+    <a:lumMod val="60000"/>
+  </cs:variation>
+  <cs:variation>
+    <a:lumMod val="80000"/>
+    <a:lumOff val="20000"/>
+  </cs:variation>
+  <cs:variation>
+    <a:lumMod val="80000"/>
+  </cs:variation>
+  <cs:variation>
+    <a:lumMod val="60000"/>
+    <a:lumOff val="40000"/>
+  </cs:variation>
+  <cs:variation>
+    <a:lumMod val="50000"/>
+  </cs:variation>
+  <cs:variation>
+    <a:lumMod val="70000"/>
+    <a:lumOff val="30000"/>
+  </cs:variation>
+  <cs:variation>
+    <a:lumMod val="70000"/>
+  </cs:variation>
+  <cs:variation>
+    <a:lumMod val="50000"/>
+    <a:lumOff val="50000"/>
+  </cs:variation>
+</cs:colorStyle>
+</file>
+
 <file path=ppt/charts/style1.xml><?xml version="1.0" encoding="utf-8"?>
 <cs:chartStyle xmlns:cs="http://schemas.microsoft.com/office/drawing/2012/chartStyle" xmlns:a="http://schemas.openxmlformats.org/drawingml/2006/main" id="201">
   <cs:axisTitle>
@@ -6214,6 +6672,509 @@
 </file>
 
 <file path=ppt/charts/style7.xml><?xml version="1.0" encoding="utf-8"?>
+<cs:chartStyle xmlns:cs="http://schemas.microsoft.com/office/drawing/2012/chartStyle" xmlns:a="http://schemas.openxmlformats.org/drawingml/2006/main" id="201">
+  <cs:axisTitle>
+    <cs:lnRef idx="0"/>
+    <cs:fillRef idx="0"/>
+    <cs:effectRef idx="0"/>
+    <cs:fontRef idx="minor">
+      <a:schemeClr val="tx1">
+        <a:lumMod val="65000"/>
+        <a:lumOff val="35000"/>
+      </a:schemeClr>
+    </cs:fontRef>
+    <cs:defRPr sz="1330" kern="1200"/>
+  </cs:axisTitle>
+  <cs:categoryAxis>
+    <cs:lnRef idx="0"/>
+    <cs:fillRef idx="0"/>
+    <cs:effectRef idx="0"/>
+    <cs:fontRef idx="minor">
+      <a:schemeClr val="tx1">
+        <a:lumMod val="65000"/>
+        <a:lumOff val="35000"/>
+      </a:schemeClr>
+    </cs:fontRef>
+    <cs:spPr>
+      <a:ln w="9525" cap="flat" cmpd="sng" algn="ctr">
+        <a:solidFill>
+          <a:schemeClr val="tx1">
+            <a:lumMod val="15000"/>
+            <a:lumOff val="85000"/>
+          </a:schemeClr>
+        </a:solidFill>
+        <a:round/>
+      </a:ln>
+    </cs:spPr>
+    <cs:defRPr sz="1197" kern="1200"/>
+  </cs:categoryAxis>
+  <cs:chartArea mods="allowNoFillOverride allowNoLineOverride">
+    <cs:lnRef idx="0"/>
+    <cs:fillRef idx="0"/>
+    <cs:effectRef idx="0"/>
+    <cs:fontRef idx="minor">
+      <a:schemeClr val="tx1"/>
+    </cs:fontRef>
+    <cs:spPr>
+      <a:solidFill>
+        <a:schemeClr val="bg1"/>
+      </a:solidFill>
+      <a:ln w="9525" cap="flat" cmpd="sng" algn="ctr">
+        <a:solidFill>
+          <a:schemeClr val="tx1">
+            <a:lumMod val="15000"/>
+            <a:lumOff val="85000"/>
+          </a:schemeClr>
+        </a:solidFill>
+        <a:round/>
+      </a:ln>
+    </cs:spPr>
+    <cs:defRPr sz="1330" kern="1200"/>
+  </cs:chartArea>
+  <cs:dataLabel>
+    <cs:lnRef idx="0"/>
+    <cs:fillRef idx="0"/>
+    <cs:effectRef idx="0"/>
+    <cs:fontRef idx="minor">
+      <a:schemeClr val="tx1">
+        <a:lumMod val="75000"/>
+        <a:lumOff val="25000"/>
+      </a:schemeClr>
+    </cs:fontRef>
+    <cs:defRPr sz="1197" kern="1200"/>
+  </cs:dataLabel>
+  <cs:dataLabelCallout>
+    <cs:lnRef idx="0"/>
+    <cs:fillRef idx="0"/>
+    <cs:effectRef idx="0"/>
+    <cs:fontRef idx="minor">
+      <a:schemeClr val="dk1">
+        <a:lumMod val="65000"/>
+        <a:lumOff val="35000"/>
+      </a:schemeClr>
+    </cs:fontRef>
+    <cs:spPr>
+      <a:solidFill>
+        <a:schemeClr val="lt1"/>
+      </a:solidFill>
+      <a:ln>
+        <a:solidFill>
+          <a:schemeClr val="dk1">
+            <a:lumMod val="25000"/>
+            <a:lumOff val="75000"/>
+          </a:schemeClr>
+        </a:solidFill>
+      </a:ln>
+    </cs:spPr>
+    <cs:defRPr sz="1197" kern="1200"/>
+    <cs:bodyPr rot="0" spcFirstLastPara="1" vertOverflow="clip" horzOverflow="clip" vert="horz" wrap="square" lIns="36576" tIns="18288" rIns="36576" bIns="18288" anchor="ctr" anchorCtr="1">
+      <a:spAutoFit/>
+    </cs:bodyPr>
+  </cs:dataLabelCallout>
+  <cs:dataPoint>
+    <cs:lnRef idx="0"/>
+    <cs:fillRef idx="1">
+      <cs:styleClr val="auto"/>
+    </cs:fillRef>
+    <cs:effectRef idx="0"/>
+    <cs:fontRef idx="minor">
+      <a:schemeClr val="tx1"/>
+    </cs:fontRef>
+  </cs:dataPoint>
+  <cs:dataPoint3D>
+    <cs:lnRef idx="0"/>
+    <cs:fillRef idx="1">
+      <cs:styleClr val="auto"/>
+    </cs:fillRef>
+    <cs:effectRef idx="0"/>
+    <cs:fontRef idx="minor">
+      <a:schemeClr val="tx1"/>
+    </cs:fontRef>
+  </cs:dataPoint3D>
+  <cs:dataPointLine>
+    <cs:lnRef idx="0">
+      <cs:styleClr val="auto"/>
+    </cs:lnRef>
+    <cs:fillRef idx="1"/>
+    <cs:effectRef idx="0"/>
+    <cs:fontRef idx="minor">
+      <a:schemeClr val="tx1"/>
+    </cs:fontRef>
+    <cs:spPr>
+      <a:ln w="28575" cap="rnd">
+        <a:solidFill>
+          <a:schemeClr val="phClr"/>
+        </a:solidFill>
+        <a:round/>
+      </a:ln>
+    </cs:spPr>
+  </cs:dataPointLine>
+  <cs:dataPointMarker>
+    <cs:lnRef idx="0">
+      <cs:styleClr val="auto"/>
+    </cs:lnRef>
+    <cs:fillRef idx="1">
+      <cs:styleClr val="auto"/>
+    </cs:fillRef>
+    <cs:effectRef idx="0"/>
+    <cs:fontRef idx="minor">
+      <a:schemeClr val="tx1"/>
+    </cs:fontRef>
+    <cs:spPr>
+      <a:ln w="9525">
+        <a:solidFill>
+          <a:schemeClr val="phClr"/>
+        </a:solidFill>
+      </a:ln>
+    </cs:spPr>
+  </cs:dataPointMarker>
+  <cs:dataPointMarkerLayout symbol="circle" size="5"/>
+  <cs:dataPointWireframe>
+    <cs:lnRef idx="0">
+      <cs:styleClr val="auto"/>
+    </cs:lnRef>
+    <cs:fillRef idx="1"/>
+    <cs:effectRef idx="0"/>
+    <cs:fontRef idx="minor">
+      <a:schemeClr val="tx1"/>
+    </cs:fontRef>
+    <cs:spPr>
+      <a:ln w="9525" cap="rnd">
+        <a:solidFill>
+          <a:schemeClr val="phClr"/>
+        </a:solidFill>
+        <a:round/>
+      </a:ln>
+    </cs:spPr>
+  </cs:dataPointWireframe>
+  <cs:dataTable>
+    <cs:lnRef idx="0"/>
+    <cs:fillRef idx="0"/>
+    <cs:effectRef idx="0"/>
+    <cs:fontRef idx="minor">
+      <a:schemeClr val="tx1">
+        <a:lumMod val="65000"/>
+        <a:lumOff val="35000"/>
+      </a:schemeClr>
+    </cs:fontRef>
+    <cs:spPr>
+      <a:noFill/>
+      <a:ln w="9525" cap="flat" cmpd="sng" algn="ctr">
+        <a:solidFill>
+          <a:schemeClr val="tx1">
+            <a:lumMod val="15000"/>
+            <a:lumOff val="85000"/>
+          </a:schemeClr>
+        </a:solidFill>
+        <a:round/>
+      </a:ln>
+    </cs:spPr>
+    <cs:defRPr sz="1197" kern="1200"/>
+  </cs:dataTable>
+  <cs:downBar>
+    <cs:lnRef idx="0"/>
+    <cs:fillRef idx="0"/>
+    <cs:effectRef idx="0"/>
+    <cs:fontRef idx="minor">
+      <a:schemeClr val="dk1"/>
+    </cs:fontRef>
+    <cs:spPr>
+      <a:solidFill>
+        <a:schemeClr val="dk1">
+          <a:lumMod val="65000"/>
+          <a:lumOff val="35000"/>
+        </a:schemeClr>
+      </a:solidFill>
+      <a:ln w="9525">
+        <a:solidFill>
+          <a:schemeClr val="tx1">
+            <a:lumMod val="65000"/>
+            <a:lumOff val="35000"/>
+          </a:schemeClr>
+        </a:solidFill>
+      </a:ln>
+    </cs:spPr>
+  </cs:downBar>
+  <cs:dropLine>
+    <cs:lnRef idx="0"/>
+    <cs:fillRef idx="0"/>
+    <cs:effectRef idx="0"/>
+    <cs:fontRef idx="minor">
+      <a:schemeClr val="tx1"/>
+    </cs:fontRef>
+    <cs:spPr>
+      <a:ln w="9525" cap="flat" cmpd="sng" algn="ctr">
+        <a:solidFill>
+          <a:schemeClr val="tx1">
+            <a:lumMod val="35000"/>
+            <a:lumOff val="65000"/>
+          </a:schemeClr>
+        </a:solidFill>
+        <a:round/>
+      </a:ln>
+    </cs:spPr>
+  </cs:dropLine>
+  <cs:errorBar>
+    <cs:lnRef idx="0"/>
+    <cs:fillRef idx="0"/>
+    <cs:effectRef idx="0"/>
+    <cs:fontRef idx="minor">
+      <a:schemeClr val="tx1"/>
+    </cs:fontRef>
+    <cs:spPr>
+      <a:ln w="9525" cap="flat" cmpd="sng" algn="ctr">
+        <a:solidFill>
+          <a:schemeClr val="tx1">
+            <a:lumMod val="65000"/>
+            <a:lumOff val="35000"/>
+          </a:schemeClr>
+        </a:solidFill>
+        <a:round/>
+      </a:ln>
+    </cs:spPr>
+  </cs:errorBar>
+  <cs:floor>
+    <cs:lnRef idx="0"/>
+    <cs:fillRef idx="0"/>
+    <cs:effectRef idx="0"/>
+    <cs:fontRef idx="minor">
+      <a:schemeClr val="tx1"/>
+    </cs:fontRef>
+    <cs:spPr>
+      <a:noFill/>
+      <a:ln>
+        <a:noFill/>
+      </a:ln>
+    </cs:spPr>
+  </cs:floor>
+  <cs:gridlineMajor>
+    <cs:lnRef idx="0"/>
+    <cs:fillRef idx="0"/>
+    <cs:effectRef idx="0"/>
+    <cs:fontRef idx="minor">
+      <a:schemeClr val="tx1"/>
+    </cs:fontRef>
+    <cs:spPr>
+      <a:ln w="9525" cap="flat" cmpd="sng" algn="ctr">
+        <a:solidFill>
+          <a:schemeClr val="tx1">
+            <a:lumMod val="15000"/>
+            <a:lumOff val="85000"/>
+          </a:schemeClr>
+        </a:solidFill>
+        <a:round/>
+      </a:ln>
+    </cs:spPr>
+  </cs:gridlineMajor>
+  <cs:gridlineMinor>
+    <cs:lnRef idx="0"/>
+    <cs:fillRef idx="0"/>
+    <cs:effectRef idx="0"/>
+    <cs:fontRef idx="minor">
+      <a:schemeClr val="tx1"/>
+    </cs:fontRef>
+    <cs:spPr>
+      <a:ln w="9525" cap="flat" cmpd="sng" algn="ctr">
+        <a:solidFill>
+          <a:schemeClr val="tx1">
+            <a:lumMod val="5000"/>
+            <a:lumOff val="95000"/>
+          </a:schemeClr>
+        </a:solidFill>
+        <a:round/>
+      </a:ln>
+    </cs:spPr>
+  </cs:gridlineMinor>
+  <cs:hiLoLine>
+    <cs:lnRef idx="0"/>
+    <cs:fillRef idx="0"/>
+    <cs:effectRef idx="0"/>
+    <cs:fontRef idx="minor">
+      <a:schemeClr val="tx1"/>
+    </cs:fontRef>
+    <cs:spPr>
+      <a:ln w="9525" cap="flat" cmpd="sng" algn="ctr">
+        <a:solidFill>
+          <a:schemeClr val="tx1">
+            <a:lumMod val="75000"/>
+            <a:lumOff val="25000"/>
+          </a:schemeClr>
+        </a:solidFill>
+        <a:round/>
+      </a:ln>
+    </cs:spPr>
+  </cs:hiLoLine>
+  <cs:leaderLine>
+    <cs:lnRef idx="0"/>
+    <cs:fillRef idx="0"/>
+    <cs:effectRef idx="0"/>
+    <cs:fontRef idx="minor">
+      <a:schemeClr val="tx1"/>
+    </cs:fontRef>
+    <cs:spPr>
+      <a:ln w="9525" cap="flat" cmpd="sng" algn="ctr">
+        <a:solidFill>
+          <a:schemeClr val="tx1">
+            <a:lumMod val="35000"/>
+            <a:lumOff val="65000"/>
+          </a:schemeClr>
+        </a:solidFill>
+        <a:round/>
+      </a:ln>
+    </cs:spPr>
+  </cs:leaderLine>
+  <cs:legend>
+    <cs:lnRef idx="0"/>
+    <cs:fillRef idx="0"/>
+    <cs:effectRef idx="0"/>
+    <cs:fontRef idx="minor">
+      <a:schemeClr val="tx1">
+        <a:lumMod val="65000"/>
+        <a:lumOff val="35000"/>
+      </a:schemeClr>
+    </cs:fontRef>
+    <cs:defRPr sz="1197" kern="1200"/>
+  </cs:legend>
+  <cs:plotArea mods="allowNoFillOverride allowNoLineOverride">
+    <cs:lnRef idx="0"/>
+    <cs:fillRef idx="0"/>
+    <cs:effectRef idx="0"/>
+    <cs:fontRef idx="minor">
+      <a:schemeClr val="tx1"/>
+    </cs:fontRef>
+  </cs:plotArea>
+  <cs:plotArea3D mods="allowNoFillOverride allowNoLineOverride">
+    <cs:lnRef idx="0"/>
+    <cs:fillRef idx="0"/>
+    <cs:effectRef idx="0"/>
+    <cs:fontRef idx="minor">
+      <a:schemeClr val="tx1"/>
+    </cs:fontRef>
+  </cs:plotArea3D>
+  <cs:seriesAxis>
+    <cs:lnRef idx="0"/>
+    <cs:fillRef idx="0"/>
+    <cs:effectRef idx="0"/>
+    <cs:fontRef idx="minor">
+      <a:schemeClr val="tx1">
+        <a:lumMod val="65000"/>
+        <a:lumOff val="35000"/>
+      </a:schemeClr>
+    </cs:fontRef>
+    <cs:defRPr sz="1197" kern="1200"/>
+  </cs:seriesAxis>
+  <cs:seriesLine>
+    <cs:lnRef idx="0"/>
+    <cs:fillRef idx="0"/>
+    <cs:effectRef idx="0"/>
+    <cs:fontRef idx="minor">
+      <a:schemeClr val="tx1"/>
+    </cs:fontRef>
+    <cs:spPr>
+      <a:ln w="9525" cap="flat" cmpd="sng" algn="ctr">
+        <a:solidFill>
+          <a:schemeClr val="tx1">
+            <a:lumMod val="35000"/>
+            <a:lumOff val="65000"/>
+          </a:schemeClr>
+        </a:solidFill>
+        <a:round/>
+      </a:ln>
+    </cs:spPr>
+  </cs:seriesLine>
+  <cs:title>
+    <cs:lnRef idx="0"/>
+    <cs:fillRef idx="0"/>
+    <cs:effectRef idx="0"/>
+    <cs:fontRef idx="minor">
+      <a:schemeClr val="tx1">
+        <a:lumMod val="65000"/>
+        <a:lumOff val="35000"/>
+      </a:schemeClr>
+    </cs:fontRef>
+    <cs:defRPr sz="1862" b="0" kern="1200" spc="0" baseline="0"/>
+  </cs:title>
+  <cs:trendline>
+    <cs:lnRef idx="0">
+      <cs:styleClr val="auto"/>
+    </cs:lnRef>
+    <cs:fillRef idx="0"/>
+    <cs:effectRef idx="0"/>
+    <cs:fontRef idx="minor">
+      <a:schemeClr val="tx1"/>
+    </cs:fontRef>
+    <cs:spPr>
+      <a:ln w="19050" cap="rnd">
+        <a:solidFill>
+          <a:schemeClr val="phClr"/>
+        </a:solidFill>
+        <a:prstDash val="sysDot"/>
+      </a:ln>
+    </cs:spPr>
+  </cs:trendline>
+  <cs:trendlineLabel>
+    <cs:lnRef idx="0"/>
+    <cs:fillRef idx="0"/>
+    <cs:effectRef idx="0"/>
+    <cs:fontRef idx="minor">
+      <a:schemeClr val="tx1">
+        <a:lumMod val="65000"/>
+        <a:lumOff val="35000"/>
+      </a:schemeClr>
+    </cs:fontRef>
+    <cs:defRPr sz="1197" kern="1200"/>
+  </cs:trendlineLabel>
+  <cs:upBar>
+    <cs:lnRef idx="0"/>
+    <cs:fillRef idx="0"/>
+    <cs:effectRef idx="0"/>
+    <cs:fontRef idx="minor">
+      <a:schemeClr val="dk1"/>
+    </cs:fontRef>
+    <cs:spPr>
+      <a:solidFill>
+        <a:schemeClr val="lt1"/>
+      </a:solidFill>
+      <a:ln w="9525">
+        <a:solidFill>
+          <a:schemeClr val="tx1">
+            <a:lumMod val="15000"/>
+            <a:lumOff val="85000"/>
+          </a:schemeClr>
+        </a:solidFill>
+      </a:ln>
+    </cs:spPr>
+  </cs:upBar>
+  <cs:valueAxis>
+    <cs:lnRef idx="0"/>
+    <cs:fillRef idx="0"/>
+    <cs:effectRef idx="0"/>
+    <cs:fontRef idx="minor">
+      <a:schemeClr val="tx1">
+        <a:lumMod val="65000"/>
+        <a:lumOff val="35000"/>
+      </a:schemeClr>
+    </cs:fontRef>
+    <cs:defRPr sz="1197" kern="1200"/>
+  </cs:valueAxis>
+  <cs:wall>
+    <cs:lnRef idx="0"/>
+    <cs:fillRef idx="0"/>
+    <cs:effectRef idx="0"/>
+    <cs:fontRef idx="minor">
+      <a:schemeClr val="tx1"/>
+    </cs:fontRef>
+    <cs:spPr>
+      <a:noFill/>
+      <a:ln>
+        <a:noFill/>
+      </a:ln>
+    </cs:spPr>
+  </cs:wall>
+</cs:chartStyle>
+</file>
+
+<file path=ppt/charts/style8.xml><?xml version="1.0" encoding="utf-8"?>
 <cs:chartStyle xmlns:cs="http://schemas.microsoft.com/office/drawing/2012/chartStyle" xmlns:a="http://schemas.openxmlformats.org/drawingml/2006/main" id="201">
   <cs:axisTitle>
     <cs:lnRef idx="0"/>
@@ -6798,7 +7759,7 @@
           <a:p>
             <a:fld id="{921DB55A-F66E-884C-A409-CC81ACA880E7}" type="datetimeFigureOut">
               <a:rPr lang="en-US" smtClean="0"/>
-              <a:t>12/3/16</a:t>
+              <a:t>12/7/16</a:t>
             </a:fld>
             <a:endParaRPr lang="en-US"/>
           </a:p>
@@ -7530,7 +8491,7 @@
             <a:fld id="{B61BEF0D-F0BB-DE4B-95CE-6DB70DBA9567}" type="datetimeFigureOut">
               <a:rPr lang="en-US" dirty="0"/>
               <a:pPr/>
-              <a:t>12/3/16</a:t>
+              <a:t>12/7/16</a:t>
             </a:fld>
             <a:endParaRPr lang="en-US" dirty="0"/>
           </a:p>
@@ -7865,7 +8826,7 @@
             <a:fld id="{B61BEF0D-F0BB-DE4B-95CE-6DB70DBA9567}" type="datetimeFigureOut">
               <a:rPr lang="en-US" dirty="0"/>
               <a:pPr/>
-              <a:t>12/3/16</a:t>
+              <a:t>12/7/16</a:t>
             </a:fld>
             <a:endParaRPr lang="en-US" dirty="0"/>
           </a:p>
@@ -8263,7 +9224,7 @@
             <a:fld id="{B61BEF0D-F0BB-DE4B-95CE-6DB70DBA9567}" type="datetimeFigureOut">
               <a:rPr lang="en-US" dirty="0"/>
               <a:pPr/>
-              <a:t>12/3/16</a:t>
+              <a:t>12/7/16</a:t>
             </a:fld>
             <a:endParaRPr lang="en-US" dirty="0"/>
           </a:p>
@@ -8596,7 +9557,7 @@
             <a:fld id="{B61BEF0D-F0BB-DE4B-95CE-6DB70DBA9567}" type="datetimeFigureOut">
               <a:rPr lang="en-US" dirty="0"/>
               <a:pPr/>
-              <a:t>12/3/16</a:t>
+              <a:t>12/7/16</a:t>
             </a:fld>
             <a:endParaRPr lang="en-US" dirty="0"/>
           </a:p>
@@ -8913,7 +9874,7 @@
             <a:fld id="{B61BEF0D-F0BB-DE4B-95CE-6DB70DBA9567}" type="datetimeFigureOut">
               <a:rPr lang="en-US" dirty="0"/>
               <a:pPr/>
-              <a:t>12/3/16</a:t>
+              <a:t>12/7/16</a:t>
             </a:fld>
             <a:endParaRPr lang="en-US" dirty="0"/>
           </a:p>
@@ -9306,7 +10267,7 @@
             <a:fld id="{B61BEF0D-F0BB-DE4B-95CE-6DB70DBA9567}" type="datetimeFigureOut">
               <a:rPr lang="en-US" dirty="0"/>
               <a:pPr/>
-              <a:t>12/3/16</a:t>
+              <a:t>12/7/16</a:t>
             </a:fld>
             <a:endParaRPr lang="en-US" dirty="0"/>
           </a:p>
@@ -9560,7 +10521,7 @@
             <a:fld id="{B61BEF0D-F0BB-DE4B-95CE-6DB70DBA9567}" type="datetimeFigureOut">
               <a:rPr lang="en-US" dirty="0"/>
               <a:pPr/>
-              <a:t>12/3/16</a:t>
+              <a:t>12/7/16</a:t>
             </a:fld>
             <a:endParaRPr lang="en-US" dirty="0"/>
           </a:p>
@@ -9819,7 +10780,7 @@
             <a:fld id="{B61BEF0D-F0BB-DE4B-95CE-6DB70DBA9567}" type="datetimeFigureOut">
               <a:rPr lang="en-US" dirty="0"/>
               <a:pPr/>
-              <a:t>12/3/16</a:t>
+              <a:t>12/7/16</a:t>
             </a:fld>
             <a:endParaRPr lang="en-US" dirty="0"/>
           </a:p>
@@ -10078,7 +11039,7 @@
             <a:fld id="{B61BEF0D-F0BB-DE4B-95CE-6DB70DBA9567}" type="datetimeFigureOut">
               <a:rPr lang="en-US" dirty="0"/>
               <a:pPr/>
-              <a:t>12/3/16</a:t>
+              <a:t>12/7/16</a:t>
             </a:fld>
             <a:endParaRPr lang="en-US" dirty="0"/>
           </a:p>
@@ -10404,7 +11365,7 @@
             <a:fld id="{B61BEF0D-F0BB-DE4B-95CE-6DB70DBA9567}" type="datetimeFigureOut">
               <a:rPr lang="en-US" dirty="0"/>
               <a:pPr/>
-              <a:t>12/3/16</a:t>
+              <a:t>12/7/16</a:t>
             </a:fld>
             <a:endParaRPr lang="en-US" dirty="0"/>
           </a:p>
@@ -10724,7 +11685,7 @@
             <a:fld id="{B61BEF0D-F0BB-DE4B-95CE-6DB70DBA9567}" type="datetimeFigureOut">
               <a:rPr lang="en-US" dirty="0"/>
               <a:pPr/>
-              <a:t>12/3/16</a:t>
+              <a:t>12/7/16</a:t>
             </a:fld>
             <a:endParaRPr lang="en-US" dirty="0"/>
           </a:p>
@@ -11178,7 +12139,7 @@
             <a:fld id="{B61BEF0D-F0BB-DE4B-95CE-6DB70DBA9567}" type="datetimeFigureOut">
               <a:rPr lang="en-US" dirty="0"/>
               <a:pPr/>
-              <a:t>12/3/16</a:t>
+              <a:t>12/7/16</a:t>
             </a:fld>
             <a:endParaRPr lang="en-US" dirty="0"/>
           </a:p>
@@ -11380,7 +12341,7 @@
             <a:fld id="{B61BEF0D-F0BB-DE4B-95CE-6DB70DBA9567}" type="datetimeFigureOut">
               <a:rPr lang="en-US" dirty="0"/>
               <a:pPr/>
-              <a:t>12/3/16</a:t>
+              <a:t>12/7/16</a:t>
             </a:fld>
             <a:endParaRPr lang="en-US" dirty="0"/>
           </a:p>
@@ -11554,7 +12515,7 @@
             <a:fld id="{B61BEF0D-F0BB-DE4B-95CE-6DB70DBA9567}" type="datetimeFigureOut">
               <a:rPr lang="en-US" dirty="0"/>
               <a:pPr/>
-              <a:t>12/3/16</a:t>
+              <a:t>12/7/16</a:t>
             </a:fld>
             <a:endParaRPr lang="en-US" dirty="0"/>
           </a:p>
@@ -11884,7 +12845,7 @@
             <a:fld id="{B61BEF0D-F0BB-DE4B-95CE-6DB70DBA9567}" type="datetimeFigureOut">
               <a:rPr lang="en-US" dirty="0"/>
               <a:pPr/>
-              <a:t>12/3/16</a:t>
+              <a:t>12/7/16</a:t>
             </a:fld>
             <a:endParaRPr lang="en-US" dirty="0"/>
           </a:p>
@@ -12226,7 +13187,7 @@
             <a:fld id="{B61BEF0D-F0BB-DE4B-95CE-6DB70DBA9567}" type="datetimeFigureOut">
               <a:rPr lang="en-US" dirty="0"/>
               <a:pPr/>
-              <a:t>12/3/16</a:t>
+              <a:t>12/7/16</a:t>
             </a:fld>
             <a:endParaRPr lang="en-US" dirty="0"/>
           </a:p>
@@ -14340,7 +15301,7 @@
             <a:fld id="{B61BEF0D-F0BB-DE4B-95CE-6DB70DBA9567}" type="datetimeFigureOut">
               <a:rPr lang="en-US" dirty="0"/>
               <a:pPr/>
-              <a:t>12/3/16</a:t>
+              <a:t>12/7/16</a:t>
             </a:fld>
             <a:endParaRPr lang="en-US" dirty="0"/>
           </a:p>
@@ -17156,8 +18117,12 @@
           <a:lstStyle/>
           <a:p>
             <a:r>
+              <a:rPr lang="en-US" sz="4400" dirty="0" smtClean="0"/>
+              <a:t>Test </a:t>
+            </a:r>
+            <a:r>
               <a:rPr lang="en-US" sz="4400" dirty="0"/>
-              <a:t>Test Results </a:t>
+              <a:t>Results </a:t>
             </a:r>
             <a:r>
               <a:rPr lang="en-US" sz="4400" dirty="0" smtClean="0"/>
@@ -17171,12 +18136,8 @@
               <a:rPr lang="en-US" sz="4400" dirty="0"/>
             </a:br>
             <a:r>
-              <a:rPr lang="en-US" sz="4400" dirty="0"/>
-              <a:t>Support Vector </a:t>
-            </a:r>
-            <a:r>
               <a:rPr lang="en-US" sz="4400" dirty="0" smtClean="0"/>
-              <a:t>Machine</a:t>
+              <a:t>SVM</a:t>
             </a:r>
             <a:endParaRPr lang="en-US" sz="4400" dirty="0"/>
           </a:p>
@@ -17192,7 +18153,7 @@
             <p:ph idx="1"/>
             <p:extLst>
               <p:ext uri="{D42A27DB-BD31-4B8C-83A1-F6EECF244321}">
-                <p14:modId xmlns:p14="http://schemas.microsoft.com/office/powerpoint/2010/main" val="1023786602"/>
+                <p14:modId xmlns:p14="http://schemas.microsoft.com/office/powerpoint/2010/main" val="1875929970"/>
               </p:ext>
             </p:extLst>
           </p:nvPr>
@@ -17210,7 +18171,7 @@
     </p:spTree>
     <p:extLst>
       <p:ext uri="{BB962C8B-B14F-4D97-AF65-F5344CB8AC3E}">
-        <p14:creationId xmlns:p14="http://schemas.microsoft.com/office/powerpoint/2010/main" val="1228388074"/>
+        <p14:creationId xmlns:p14="http://schemas.microsoft.com/office/powerpoint/2010/main" val="233364658"/>
       </p:ext>
     </p:extLst>
   </p:cSld>
@@ -17551,6 +18512,112 @@
 </file>
 
 <file path=ppt/slides/slide20.xml><?xml version="1.0" encoding="utf-8"?>
+<p:sld xmlns:a="http://schemas.openxmlformats.org/drawingml/2006/main" xmlns:r="http://schemas.openxmlformats.org/officeDocument/2006/relationships" xmlns:p="http://schemas.openxmlformats.org/presentationml/2006/main">
+  <p:cSld>
+    <p:spTree>
+      <p:nvGrpSpPr>
+        <p:cNvPr id="1" name=""/>
+        <p:cNvGrpSpPr/>
+        <p:nvPr/>
+      </p:nvGrpSpPr>
+      <p:grpSpPr>
+        <a:xfrm>
+          <a:off x="0" y="0"/>
+          <a:ext cx="0" cy="0"/>
+          <a:chOff x="0" y="0"/>
+          <a:chExt cx="0" cy="0"/>
+        </a:xfrm>
+      </p:grpSpPr>
+      <p:sp>
+        <p:nvSpPr>
+          <p:cNvPr id="2" name="Title 1"/>
+          <p:cNvSpPr>
+            <a:spLocks noGrp="1"/>
+          </p:cNvSpPr>
+          <p:nvPr>
+            <p:ph type="title"/>
+          </p:nvPr>
+        </p:nvSpPr>
+        <p:spPr/>
+        <p:txBody>
+          <a:bodyPr>
+            <a:normAutofit fontScale="90000"/>
+          </a:bodyPr>
+          <a:lstStyle/>
+          <a:p>
+            <a:r>
+              <a:rPr lang="en-US" sz="4400" dirty="0" smtClean="0"/>
+              <a:t>Test </a:t>
+            </a:r>
+            <a:r>
+              <a:rPr lang="en-US" sz="4400" dirty="0"/>
+              <a:t>Results </a:t>
+            </a:r>
+            <a:r>
+              <a:rPr lang="en-US" sz="4400" dirty="0" smtClean="0"/>
+              <a:t>w/ </a:t>
+            </a:r>
+            <a:r>
+              <a:rPr lang="en-US" sz="4400" dirty="0"/>
+              <a:t>Different Parameters</a:t>
+            </a:r>
+            <a:br>
+              <a:rPr lang="en-US" sz="4400" dirty="0"/>
+            </a:br>
+            <a:r>
+              <a:rPr lang="en-US" sz="4400" dirty="0" smtClean="0"/>
+              <a:t>SVM</a:t>
+            </a:r>
+            <a:endParaRPr lang="en-US" sz="4400" dirty="0"/>
+          </a:p>
+        </p:txBody>
+      </p:sp>
+      <p:graphicFrame>
+        <p:nvGraphicFramePr>
+          <p:cNvPr id="4" name="Content Placeholder 3"/>
+          <p:cNvGraphicFramePr>
+            <a:graphicFrameLocks noGrp="1"/>
+          </p:cNvGraphicFramePr>
+          <p:nvPr>
+            <p:ph idx="1"/>
+            <p:extLst>
+              <p:ext uri="{D42A27DB-BD31-4B8C-83A1-F6EECF244321}">
+                <p14:modId xmlns:p14="http://schemas.microsoft.com/office/powerpoint/2010/main" val="716859386"/>
+              </p:ext>
+            </p:extLst>
+          </p:nvPr>
+        </p:nvGraphicFramePr>
+        <p:xfrm>
+          <a:off x="2589213" y="2133600"/>
+          <a:ext cx="8915400" cy="3778250"/>
+        </p:xfrm>
+        <a:graphic>
+          <a:graphicData uri="http://schemas.openxmlformats.org/drawingml/2006/chart">
+            <c:chart xmlns:c="http://schemas.openxmlformats.org/drawingml/2006/chart" xmlns:r="http://schemas.openxmlformats.org/officeDocument/2006/relationships" r:id="rId2"/>
+          </a:graphicData>
+        </a:graphic>
+      </p:graphicFrame>
+    </p:spTree>
+    <p:extLst>
+      <p:ext uri="{BB962C8B-B14F-4D97-AF65-F5344CB8AC3E}">
+        <p14:creationId xmlns:p14="http://schemas.microsoft.com/office/powerpoint/2010/main" val="518595578"/>
+      </p:ext>
+    </p:extLst>
+  </p:cSld>
+  <p:clrMapOvr>
+    <a:masterClrMapping/>
+  </p:clrMapOvr>
+  <p:timing>
+    <p:tnLst>
+      <p:par>
+        <p:cTn id="1" dur="indefinite" restart="never" nodeType="tmRoot"/>
+      </p:par>
+    </p:tnLst>
+  </p:timing>
+</p:sld>
+</file>
+
+<file path=ppt/slides/slide21.xml><?xml version="1.0" encoding="utf-8"?>
 <p:sld xmlns:a="http://schemas.openxmlformats.org/drawingml/2006/main" xmlns:r="http://schemas.openxmlformats.org/officeDocument/2006/relationships" xmlns:p="http://schemas.openxmlformats.org/presentationml/2006/main">
   <p:cSld>
     <p:spTree>
@@ -18307,7 +19374,7 @@
 </p:sld>
 </file>
 
-<file path=ppt/slides/slide21.xml><?xml version="1.0" encoding="utf-8"?>
+<file path=ppt/slides/slide22.xml><?xml version="1.0" encoding="utf-8"?>
 <p:sld xmlns:a="http://schemas.openxmlformats.org/drawingml/2006/main" xmlns:r="http://schemas.openxmlformats.org/officeDocument/2006/relationships" xmlns:p="http://schemas.openxmlformats.org/presentationml/2006/main">
   <p:cSld>
     <p:spTree>
@@ -18342,8 +19409,12 @@
           <a:lstStyle/>
           <a:p>
             <a:r>
+              <a:rPr lang="en-US" sz="4400" dirty="0" smtClean="0"/>
+              <a:t>Test </a:t>
+            </a:r>
+            <a:r>
               <a:rPr lang="en-US" sz="4400" dirty="0"/>
-              <a:t>Test Results </a:t>
+              <a:t>Results </a:t>
             </a:r>
             <a:r>
               <a:rPr lang="en-US" sz="4400" dirty="0" smtClean="0"/>
@@ -18357,12 +19428,8 @@
               <a:rPr lang="en-US" sz="4400" dirty="0"/>
             </a:br>
             <a:r>
-              <a:rPr lang="en-US" sz="4400" dirty="0"/>
-              <a:t>Support Vector </a:t>
-            </a:r>
-            <a:r>
               <a:rPr lang="en-US" sz="4400" dirty="0" smtClean="0"/>
-              <a:t>Machine</a:t>
+              <a:t>SVM</a:t>
             </a:r>
             <a:endParaRPr lang="en-US" sz="4400" dirty="0"/>
           </a:p>
@@ -18378,7 +19445,7 @@
             <p:ph idx="1"/>
             <p:extLst>
               <p:ext uri="{D42A27DB-BD31-4B8C-83A1-F6EECF244321}">
-                <p14:modId xmlns:p14="http://schemas.microsoft.com/office/powerpoint/2010/main" val="802062037"/>
+                <p14:modId xmlns:p14="http://schemas.microsoft.com/office/powerpoint/2010/main" val="471699644"/>
               </p:ext>
             </p:extLst>
           </p:nvPr>
@@ -18396,7 +19463,7 @@
     </p:spTree>
     <p:extLst>
       <p:ext uri="{BB962C8B-B14F-4D97-AF65-F5344CB8AC3E}">
-        <p14:creationId xmlns:p14="http://schemas.microsoft.com/office/powerpoint/2010/main" val="1235489395"/>
+        <p14:creationId xmlns:p14="http://schemas.microsoft.com/office/powerpoint/2010/main" val="55766523"/>
       </p:ext>
     </p:extLst>
   </p:cSld>
@@ -18413,7 +19480,7 @@
 </p:sld>
 </file>
 
-<file path=ppt/slides/slide22.xml><?xml version="1.0" encoding="utf-8"?>
+<file path=ppt/slides/slide23.xml><?xml version="1.0" encoding="utf-8"?>
 <p:sld xmlns:a="http://schemas.openxmlformats.org/drawingml/2006/main" xmlns:r="http://schemas.openxmlformats.org/officeDocument/2006/relationships" xmlns:p="http://schemas.openxmlformats.org/presentationml/2006/main">
   <p:cSld>
     <p:spTree>
@@ -18519,7 +19586,7 @@
 </p:sld>
 </file>
 
-<file path=ppt/slides/slide23.xml><?xml version="1.0" encoding="utf-8"?>
+<file path=ppt/slides/slide24.xml><?xml version="1.0" encoding="utf-8"?>
 <p:sld xmlns:a="http://schemas.openxmlformats.org/drawingml/2006/main" xmlns:r="http://schemas.openxmlformats.org/officeDocument/2006/relationships" xmlns:p="http://schemas.openxmlformats.org/presentationml/2006/main">
   <p:cSld>
     <p:spTree>
@@ -19092,7 +20159,7 @@
 </p:sld>
 </file>
 
-<file path=ppt/slides/slide24.xml><?xml version="1.0" encoding="utf-8"?>
+<file path=ppt/slides/slide25.xml><?xml version="1.0" encoding="utf-8"?>
 <p:sld xmlns:a="http://schemas.openxmlformats.org/drawingml/2006/main" xmlns:r="http://schemas.openxmlformats.org/officeDocument/2006/relationships" xmlns:p="http://schemas.openxmlformats.org/presentationml/2006/main">
   <p:cSld>
     <p:spTree>
@@ -19198,7 +20265,7 @@
 </p:sld>
 </file>
 
-<file path=ppt/slides/slide25.xml><?xml version="1.0" encoding="utf-8"?>
+<file path=ppt/slides/slide26.xml><?xml version="1.0" encoding="utf-8"?>
 <p:sld xmlns:a="http://schemas.openxmlformats.org/drawingml/2006/main" xmlns:r="http://schemas.openxmlformats.org/officeDocument/2006/relationships" xmlns:p="http://schemas.openxmlformats.org/presentationml/2006/main">
   <p:cSld>
     <p:spTree>
@@ -19308,7 +20375,7 @@
 </p:sld>
 </file>
 
-<file path=ppt/slides/slide26.xml><?xml version="1.0" encoding="utf-8"?>
+<file path=ppt/slides/slide27.xml><?xml version="1.0" encoding="utf-8"?>
 <p:sld xmlns:a="http://schemas.openxmlformats.org/drawingml/2006/main" xmlns:r="http://schemas.openxmlformats.org/officeDocument/2006/relationships" xmlns:p="http://schemas.openxmlformats.org/presentationml/2006/main">
   <p:cSld>
     <p:spTree>

--- a/PPTGroup10.pptx
+++ b/PPTGroup10.pptx
@@ -182,7 +182,6 @@
           </a:p>
         </c:rich>
       </c:tx>
-      <c:layout/>
       <c:overlay val="0"/>
       <c:spPr>
         <a:noFill/>
@@ -349,11 +348,11 @@
         </c:dLbls>
         <c:gapWidth val="219"/>
         <c:overlap val="-27"/>
-        <c:axId val="-2130538848"/>
-        <c:axId val="-2126672576"/>
+        <c:axId val="-2127706480"/>
+        <c:axId val="-2052419984"/>
       </c:barChart>
       <c:catAx>
-        <c:axId val="-2130538848"/>
+        <c:axId val="-2127706480"/>
         <c:scaling>
           <c:orientation val="minMax"/>
         </c:scaling>
@@ -396,7 +395,7 @@
             <a:endParaRPr lang="en-US"/>
           </a:p>
         </c:txPr>
-        <c:crossAx val="-2126672576"/>
+        <c:crossAx val="-2052419984"/>
         <c:crosses val="autoZero"/>
         <c:auto val="1"/>
         <c:lblAlgn val="ctr"/>
@@ -404,7 +403,7 @@
         <c:noMultiLvlLbl val="0"/>
       </c:catAx>
       <c:valAx>
-        <c:axId val="-2126672576"/>
+        <c:axId val="-2052419984"/>
         <c:scaling>
           <c:orientation val="minMax"/>
           <c:max val="80.0"/>
@@ -457,7 +456,7 @@
             <a:endParaRPr lang="en-US"/>
           </a:p>
         </c:txPr>
-        <c:crossAx val="-2130538848"/>
+        <c:crossAx val="-2127706480"/>
         <c:crosses val="autoZero"/>
         <c:crossBetween val="between"/>
       </c:valAx>
@@ -471,7 +470,6 @@
     </c:plotArea>
     <c:legend>
       <c:legendPos val="b"/>
-      <c:layout/>
       <c:overlay val="0"/>
       <c:spPr>
         <a:noFill/>
@@ -744,11 +742,11 @@
         </c:dLbls>
         <c:gapWidth val="219"/>
         <c:overlap val="-27"/>
-        <c:axId val="2120349312"/>
-        <c:axId val="-2090540160"/>
+        <c:axId val="-2053556576"/>
+        <c:axId val="-2051534784"/>
       </c:barChart>
       <c:catAx>
-        <c:axId val="2120349312"/>
+        <c:axId val="-2053556576"/>
         <c:scaling>
           <c:orientation val="minMax"/>
         </c:scaling>
@@ -791,7 +789,7 @@
             <a:endParaRPr lang="en-US"/>
           </a:p>
         </c:txPr>
-        <c:crossAx val="-2090540160"/>
+        <c:crossAx val="-2051534784"/>
         <c:crosses val="autoZero"/>
         <c:auto val="1"/>
         <c:lblAlgn val="ctr"/>
@@ -799,7 +797,7 @@
         <c:noMultiLvlLbl val="0"/>
       </c:catAx>
       <c:valAx>
-        <c:axId val="-2090540160"/>
+        <c:axId val="-2051534784"/>
         <c:scaling>
           <c:orientation val="minMax"/>
           <c:max val="93.0"/>
@@ -852,7 +850,7 @@
             <a:endParaRPr lang="en-US"/>
           </a:p>
         </c:txPr>
-        <c:crossAx val="2120349312"/>
+        <c:crossAx val="-2053556576"/>
         <c:crosses val="autoZero"/>
         <c:crossBetween val="between"/>
         <c:majorUnit val="0.5"/>
@@ -1055,7 +1053,7 @@
                   <c:v>85.27</c:v>
                 </c:pt>
                 <c:pt idx="1">
-                  <c:v>95.325</c:v>
+                  <c:v>95.32499999999998</c:v>
                 </c:pt>
                 <c:pt idx="2">
                   <c:v>85.245</c:v>
@@ -1143,11 +1141,11 @@
         </c:dLbls>
         <c:gapWidth val="219"/>
         <c:overlap val="-27"/>
-        <c:axId val="-2061293040"/>
-        <c:axId val="-2060567760"/>
+        <c:axId val="-2052544000"/>
+        <c:axId val="-2060374576"/>
       </c:barChart>
       <c:catAx>
-        <c:axId val="-2061293040"/>
+        <c:axId val="-2052544000"/>
         <c:scaling>
           <c:orientation val="minMax"/>
         </c:scaling>
@@ -1190,7 +1188,7 @@
             <a:endParaRPr lang="en-US"/>
           </a:p>
         </c:txPr>
-        <c:crossAx val="-2060567760"/>
+        <c:crossAx val="-2060374576"/>
         <c:crosses val="autoZero"/>
         <c:auto val="1"/>
         <c:lblAlgn val="ctr"/>
@@ -1198,11 +1196,11 @@
         <c:noMultiLvlLbl val="0"/>
       </c:catAx>
       <c:valAx>
-        <c:axId val="-2060567760"/>
+        <c:axId val="-2060374576"/>
         <c:scaling>
           <c:orientation val="minMax"/>
           <c:max val="100.0"/>
-          <c:min val="80.0"/>
+          <c:min val="0.0"/>
         </c:scaling>
         <c:delete val="0"/>
         <c:axPos val="l"/>
@@ -1251,10 +1249,10 @@
             <a:endParaRPr lang="en-US"/>
           </a:p>
         </c:txPr>
-        <c:crossAx val="-2061293040"/>
+        <c:crossAx val="-2052544000"/>
         <c:crosses val="autoZero"/>
         <c:crossBetween val="between"/>
-        <c:majorUnit val="3.0"/>
+        <c:majorUnit val="20.0"/>
       </c:valAx>
       <c:spPr>
         <a:noFill/>
@@ -1468,10 +1466,10 @@
                 <c:formatCode>General</c:formatCode>
                 <c:ptCount val="4"/>
                 <c:pt idx="0">
-                  <c:v>82.37909999999999</c:v>
+                  <c:v>82.37909999999998</c:v>
                 </c:pt>
                 <c:pt idx="1">
-                  <c:v>95.325</c:v>
+                  <c:v>95.32499999999998</c:v>
                 </c:pt>
                 <c:pt idx="2">
                   <c:v>83.6092</c:v>
@@ -1559,11 +1557,11 @@
         </c:dLbls>
         <c:gapWidth val="219"/>
         <c:overlap val="-27"/>
-        <c:axId val="-2120248288"/>
-        <c:axId val="-2125324080"/>
+        <c:axId val="-2054545056"/>
+        <c:axId val="-2056402288"/>
       </c:barChart>
       <c:catAx>
-        <c:axId val="-2120248288"/>
+        <c:axId val="-2054545056"/>
         <c:scaling>
           <c:orientation val="minMax"/>
         </c:scaling>
@@ -1606,7 +1604,7 @@
             <a:endParaRPr lang="en-US"/>
           </a:p>
         </c:txPr>
-        <c:crossAx val="-2125324080"/>
+        <c:crossAx val="-2056402288"/>
         <c:crosses val="autoZero"/>
         <c:auto val="1"/>
         <c:lblAlgn val="ctr"/>
@@ -1614,11 +1612,11 @@
         <c:noMultiLvlLbl val="0"/>
       </c:catAx>
       <c:valAx>
-        <c:axId val="-2125324080"/>
+        <c:axId val="-2056402288"/>
         <c:scaling>
           <c:orientation val="minMax"/>
           <c:max val="100.0"/>
-          <c:min val="80.0"/>
+          <c:min val="0.0"/>
         </c:scaling>
         <c:delete val="0"/>
         <c:axPos val="l"/>
@@ -1667,10 +1665,10 @@
             <a:endParaRPr lang="en-US"/>
           </a:p>
         </c:txPr>
-        <c:crossAx val="-2120248288"/>
+        <c:crossAx val="-2054545056"/>
         <c:crosses val="autoZero"/>
         <c:crossBetween val="between"/>
-        <c:majorUnit val="3.0"/>
+        <c:majorUnit val="20.0"/>
       </c:valAx>
       <c:spPr>
         <a:noFill/>
@@ -1958,11 +1956,11 @@
         </c:dLbls>
         <c:gapWidth val="219"/>
         <c:overlap val="-27"/>
-        <c:axId val="-2093026192"/>
-        <c:axId val="-2058492528"/>
+        <c:axId val="-2051866768"/>
+        <c:axId val="-2053613888"/>
       </c:barChart>
       <c:catAx>
-        <c:axId val="-2093026192"/>
+        <c:axId val="-2051866768"/>
         <c:scaling>
           <c:orientation val="minMax"/>
         </c:scaling>
@@ -2005,7 +2003,7 @@
             <a:endParaRPr lang="en-US"/>
           </a:p>
         </c:txPr>
-        <c:crossAx val="-2058492528"/>
+        <c:crossAx val="-2053613888"/>
         <c:crosses val="autoZero"/>
         <c:auto val="1"/>
         <c:lblAlgn val="ctr"/>
@@ -2013,10 +2011,10 @@
         <c:noMultiLvlLbl val="0"/>
       </c:catAx>
       <c:valAx>
-        <c:axId val="-2058492528"/>
+        <c:axId val="-2053613888"/>
         <c:scaling>
           <c:orientation val="minMax"/>
-          <c:min val="95.0"/>
+          <c:min val="0.0"/>
         </c:scaling>
         <c:delete val="0"/>
         <c:axPos val="l"/>
@@ -2065,10 +2063,10 @@
             <a:endParaRPr lang="en-US"/>
           </a:p>
         </c:txPr>
-        <c:crossAx val="-2093026192"/>
+        <c:crossAx val="-2051866768"/>
         <c:crosses val="autoZero"/>
         <c:crossBetween val="between"/>
-        <c:majorUnit val="1.0"/>
+        <c:majorUnit val="20.0"/>
       </c:valAx>
       <c:spPr>
         <a:noFill/>
@@ -2369,11 +2367,11 @@
         </c:dLbls>
         <c:gapWidth val="219"/>
         <c:overlap val="-27"/>
-        <c:axId val="-2124962528"/>
-        <c:axId val="-2125455504"/>
+        <c:axId val="-2053322976"/>
+        <c:axId val="-2053577872"/>
       </c:barChart>
       <c:catAx>
-        <c:axId val="-2124962528"/>
+        <c:axId val="-2053322976"/>
         <c:scaling>
           <c:orientation val="minMax"/>
         </c:scaling>
@@ -2416,7 +2414,7 @@
             <a:endParaRPr lang="en-US"/>
           </a:p>
         </c:txPr>
-        <c:crossAx val="-2125455504"/>
+        <c:crossAx val="-2053577872"/>
         <c:crosses val="autoZero"/>
         <c:auto val="1"/>
         <c:lblAlgn val="ctr"/>
@@ -2424,7 +2422,7 @@
         <c:noMultiLvlLbl val="0"/>
       </c:catAx>
       <c:valAx>
-        <c:axId val="-2125455504"/>
+        <c:axId val="-2053577872"/>
         <c:scaling>
           <c:orientation val="minMax"/>
         </c:scaling>
@@ -2475,7 +2473,7 @@
             <a:endParaRPr lang="en-US"/>
           </a:p>
         </c:txPr>
-        <c:crossAx val="-2124962528"/>
+        <c:crossAx val="-2053322976"/>
         <c:crosses val="autoZero"/>
         <c:crossBetween val="between"/>
       </c:valAx>
@@ -2778,11 +2776,11 @@
         </c:dLbls>
         <c:gapWidth val="219"/>
         <c:overlap val="-27"/>
-        <c:axId val="-2089962864"/>
-        <c:axId val="-2090855792"/>
+        <c:axId val="-2051946592"/>
+        <c:axId val="-2053682544"/>
       </c:barChart>
       <c:catAx>
-        <c:axId val="-2089962864"/>
+        <c:axId val="-2051946592"/>
         <c:scaling>
           <c:orientation val="minMax"/>
         </c:scaling>
@@ -2825,7 +2823,7 @@
             <a:endParaRPr lang="en-US"/>
           </a:p>
         </c:txPr>
-        <c:crossAx val="-2090855792"/>
+        <c:crossAx val="-2053682544"/>
         <c:crosses val="autoZero"/>
         <c:auto val="1"/>
         <c:lblAlgn val="ctr"/>
@@ -2833,7 +2831,7 @@
         <c:noMultiLvlLbl val="0"/>
       </c:catAx>
       <c:valAx>
-        <c:axId val="-2090855792"/>
+        <c:axId val="-2053682544"/>
         <c:scaling>
           <c:orientation val="minMax"/>
         </c:scaling>
@@ -2884,7 +2882,7 @@
             <a:endParaRPr lang="en-US"/>
           </a:p>
         </c:txPr>
-        <c:crossAx val="-2089962864"/>
+        <c:crossAx val="-2051946592"/>
         <c:crosses val="autoZero"/>
         <c:crossBetween val="between"/>
       </c:valAx>
@@ -3155,11 +3153,11 @@
         </c:dLbls>
         <c:gapWidth val="219"/>
         <c:overlap val="-27"/>
-        <c:axId val="-2121677264"/>
-        <c:axId val="-2135992528"/>
+        <c:axId val="-2095048352"/>
+        <c:axId val="-2094851952"/>
       </c:barChart>
       <c:catAx>
-        <c:axId val="-2121677264"/>
+        <c:axId val="-2095048352"/>
         <c:scaling>
           <c:orientation val="minMax"/>
         </c:scaling>
@@ -3202,7 +3200,7 @@
             <a:endParaRPr lang="en-US"/>
           </a:p>
         </c:txPr>
-        <c:crossAx val="-2135992528"/>
+        <c:crossAx val="-2094851952"/>
         <c:crosses val="autoZero"/>
         <c:auto val="1"/>
         <c:lblAlgn val="ctr"/>
@@ -3210,7 +3208,7 @@
         <c:noMultiLvlLbl val="0"/>
       </c:catAx>
       <c:valAx>
-        <c:axId val="-2135992528"/>
+        <c:axId val="-2094851952"/>
         <c:scaling>
           <c:orientation val="minMax"/>
           <c:max val="100.0"/>
@@ -3262,7 +3260,7 @@
             <a:endParaRPr lang="en-US"/>
           </a:p>
         </c:txPr>
-        <c:crossAx val="-2121677264"/>
+        <c:crossAx val="-2095048352"/>
         <c:crosses val="autoZero"/>
         <c:crossBetween val="between"/>
       </c:valAx>
@@ -18153,7 +18151,7 @@
             <p:ph idx="1"/>
             <p:extLst>
               <p:ext uri="{D42A27DB-BD31-4B8C-83A1-F6EECF244321}">
-                <p14:modId xmlns:p14="http://schemas.microsoft.com/office/powerpoint/2010/main" val="1875929970"/>
+                <p14:modId xmlns:p14="http://schemas.microsoft.com/office/powerpoint/2010/main" val="830359506"/>
               </p:ext>
             </p:extLst>
           </p:nvPr>
@@ -18582,7 +18580,7 @@
             <p:ph idx="1"/>
             <p:extLst>
               <p:ext uri="{D42A27DB-BD31-4B8C-83A1-F6EECF244321}">
-                <p14:modId xmlns:p14="http://schemas.microsoft.com/office/powerpoint/2010/main" val="716859386"/>
+                <p14:modId xmlns:p14="http://schemas.microsoft.com/office/powerpoint/2010/main" val="148347321"/>
               </p:ext>
             </p:extLst>
           </p:nvPr>
@@ -19445,7 +19443,7 @@
             <p:ph idx="1"/>
             <p:extLst>
               <p:ext uri="{D42A27DB-BD31-4B8C-83A1-F6EECF244321}">
-                <p14:modId xmlns:p14="http://schemas.microsoft.com/office/powerpoint/2010/main" val="471699644"/>
+                <p14:modId xmlns:p14="http://schemas.microsoft.com/office/powerpoint/2010/main" val="1777675879"/>
               </p:ext>
             </p:extLst>
           </p:nvPr>

--- a/PPTGroup10.pptx
+++ b/PPTGroup10.pptx
@@ -182,6 +182,7 @@
           </a:p>
         </c:rich>
       </c:tx>
+      <c:layout/>
       <c:overlay val="0"/>
       <c:spPr>
         <a:noFill/>
@@ -348,11 +349,11 @@
         </c:dLbls>
         <c:gapWidth val="219"/>
         <c:overlap val="-27"/>
-        <c:axId val="-2127706480"/>
-        <c:axId val="-2052419984"/>
+        <c:axId val="2140893856"/>
+        <c:axId val="2140898944"/>
       </c:barChart>
       <c:catAx>
-        <c:axId val="-2127706480"/>
+        <c:axId val="2140893856"/>
         <c:scaling>
           <c:orientation val="minMax"/>
         </c:scaling>
@@ -395,7 +396,7 @@
             <a:endParaRPr lang="en-US"/>
           </a:p>
         </c:txPr>
-        <c:crossAx val="-2052419984"/>
+        <c:crossAx val="2140898944"/>
         <c:crosses val="autoZero"/>
         <c:auto val="1"/>
         <c:lblAlgn val="ctr"/>
@@ -403,10 +404,10 @@
         <c:noMultiLvlLbl val="0"/>
       </c:catAx>
       <c:valAx>
-        <c:axId val="-2052419984"/>
+        <c:axId val="2140898944"/>
         <c:scaling>
           <c:orientation val="minMax"/>
-          <c:max val="80.0"/>
+          <c:max val="100.0"/>
           <c:min val="50.0"/>
         </c:scaling>
         <c:delete val="0"/>
@@ -456,9 +457,10 @@
             <a:endParaRPr lang="en-US"/>
           </a:p>
         </c:txPr>
-        <c:crossAx val="-2127706480"/>
+        <c:crossAx val="2140893856"/>
         <c:crosses val="autoZero"/>
         <c:crossBetween val="between"/>
+        <c:majorUnit val="10.0"/>
       </c:valAx>
       <c:spPr>
         <a:noFill/>
@@ -470,6 +472,7 @@
     </c:plotArea>
     <c:legend>
       <c:legendPos val="b"/>
+      <c:layout/>
       <c:overlay val="0"/>
       <c:spPr>
         <a:noFill/>
@@ -742,11 +745,11 @@
         </c:dLbls>
         <c:gapWidth val="219"/>
         <c:overlap val="-27"/>
-        <c:axId val="-2053556576"/>
-        <c:axId val="-2051534784"/>
+        <c:axId val="-2146250832"/>
+        <c:axId val="2146103984"/>
       </c:barChart>
       <c:catAx>
-        <c:axId val="-2053556576"/>
+        <c:axId val="-2146250832"/>
         <c:scaling>
           <c:orientation val="minMax"/>
         </c:scaling>
@@ -789,7 +792,7 @@
             <a:endParaRPr lang="en-US"/>
           </a:p>
         </c:txPr>
-        <c:crossAx val="-2051534784"/>
+        <c:crossAx val="2146103984"/>
         <c:crosses val="autoZero"/>
         <c:auto val="1"/>
         <c:lblAlgn val="ctr"/>
@@ -797,11 +800,11 @@
         <c:noMultiLvlLbl val="0"/>
       </c:catAx>
       <c:valAx>
-        <c:axId val="-2051534784"/>
+        <c:axId val="2146103984"/>
         <c:scaling>
           <c:orientation val="minMax"/>
-          <c:max val="93.0"/>
-          <c:min val="90.0"/>
+          <c:max val="100.0"/>
+          <c:min val="50.0"/>
         </c:scaling>
         <c:delete val="0"/>
         <c:axPos val="l"/>
@@ -850,10 +853,10 @@
             <a:endParaRPr lang="en-US"/>
           </a:p>
         </c:txPr>
-        <c:crossAx val="-2053556576"/>
+        <c:crossAx val="-2146250832"/>
         <c:crosses val="autoZero"/>
         <c:crossBetween val="between"/>
-        <c:majorUnit val="0.5"/>
+        <c:majorUnit val="10.0"/>
       </c:valAx>
       <c:spPr>
         <a:noFill/>
@@ -1141,11 +1144,11 @@
         </c:dLbls>
         <c:gapWidth val="219"/>
         <c:overlap val="-27"/>
-        <c:axId val="-2052544000"/>
-        <c:axId val="-2060374576"/>
+        <c:axId val="2146210432"/>
+        <c:axId val="2146213808"/>
       </c:barChart>
       <c:catAx>
-        <c:axId val="-2052544000"/>
+        <c:axId val="2146210432"/>
         <c:scaling>
           <c:orientation val="minMax"/>
         </c:scaling>
@@ -1188,7 +1191,7 @@
             <a:endParaRPr lang="en-US"/>
           </a:p>
         </c:txPr>
-        <c:crossAx val="-2060374576"/>
+        <c:crossAx val="2146213808"/>
         <c:crosses val="autoZero"/>
         <c:auto val="1"/>
         <c:lblAlgn val="ctr"/>
@@ -1196,7 +1199,7 @@
         <c:noMultiLvlLbl val="0"/>
       </c:catAx>
       <c:valAx>
-        <c:axId val="-2060374576"/>
+        <c:axId val="2146213808"/>
         <c:scaling>
           <c:orientation val="minMax"/>
           <c:max val="100.0"/>
@@ -1249,7 +1252,7 @@
             <a:endParaRPr lang="en-US"/>
           </a:p>
         </c:txPr>
-        <c:crossAx val="-2052544000"/>
+        <c:crossAx val="2146210432"/>
         <c:crosses val="autoZero"/>
         <c:crossBetween val="between"/>
         <c:majorUnit val="20.0"/>
@@ -1557,11 +1560,11 @@
         </c:dLbls>
         <c:gapWidth val="219"/>
         <c:overlap val="-27"/>
-        <c:axId val="-2054545056"/>
-        <c:axId val="-2056402288"/>
+        <c:axId val="-2146226016"/>
+        <c:axId val="-2146222784"/>
       </c:barChart>
       <c:catAx>
-        <c:axId val="-2054545056"/>
+        <c:axId val="-2146226016"/>
         <c:scaling>
           <c:orientation val="minMax"/>
         </c:scaling>
@@ -1604,7 +1607,7 @@
             <a:endParaRPr lang="en-US"/>
           </a:p>
         </c:txPr>
-        <c:crossAx val="-2056402288"/>
+        <c:crossAx val="-2146222784"/>
         <c:crosses val="autoZero"/>
         <c:auto val="1"/>
         <c:lblAlgn val="ctr"/>
@@ -1612,7 +1615,7 @@
         <c:noMultiLvlLbl val="0"/>
       </c:catAx>
       <c:valAx>
-        <c:axId val="-2056402288"/>
+        <c:axId val="-2146222784"/>
         <c:scaling>
           <c:orientation val="minMax"/>
           <c:max val="100.0"/>
@@ -1665,7 +1668,7 @@
             <a:endParaRPr lang="en-US"/>
           </a:p>
         </c:txPr>
-        <c:crossAx val="-2054545056"/>
+        <c:crossAx val="-2146226016"/>
         <c:crosses val="autoZero"/>
         <c:crossBetween val="between"/>
         <c:majorUnit val="20.0"/>
@@ -1956,11 +1959,11 @@
         </c:dLbls>
         <c:gapWidth val="219"/>
         <c:overlap val="-27"/>
-        <c:axId val="-2051866768"/>
-        <c:axId val="-2053613888"/>
+        <c:axId val="2147360544"/>
+        <c:axId val="2147363920"/>
       </c:barChart>
       <c:catAx>
-        <c:axId val="-2051866768"/>
+        <c:axId val="2147360544"/>
         <c:scaling>
           <c:orientation val="minMax"/>
         </c:scaling>
@@ -2003,7 +2006,7 @@
             <a:endParaRPr lang="en-US"/>
           </a:p>
         </c:txPr>
-        <c:crossAx val="-2053613888"/>
+        <c:crossAx val="2147363920"/>
         <c:crosses val="autoZero"/>
         <c:auto val="1"/>
         <c:lblAlgn val="ctr"/>
@@ -2011,7 +2014,7 @@
         <c:noMultiLvlLbl val="0"/>
       </c:catAx>
       <c:valAx>
-        <c:axId val="-2053613888"/>
+        <c:axId val="2147363920"/>
         <c:scaling>
           <c:orientation val="minMax"/>
           <c:min val="0.0"/>
@@ -2063,7 +2066,7 @@
             <a:endParaRPr lang="en-US"/>
           </a:p>
         </c:txPr>
-        <c:crossAx val="-2051866768"/>
+        <c:crossAx val="2147360544"/>
         <c:crosses val="autoZero"/>
         <c:crossBetween val="between"/>
         <c:majorUnit val="20.0"/>
@@ -2176,7 +2179,6 @@
           </a:p>
         </c:rich>
       </c:tx>
-      <c:layout/>
       <c:overlay val="0"/>
       <c:spPr>
         <a:noFill/>
@@ -2367,11 +2369,11 @@
         </c:dLbls>
         <c:gapWidth val="219"/>
         <c:overlap val="-27"/>
-        <c:axId val="-2053322976"/>
-        <c:axId val="-2053577872"/>
+        <c:axId val="-2145185552"/>
+        <c:axId val="-2145182160"/>
       </c:barChart>
       <c:catAx>
-        <c:axId val="-2053322976"/>
+        <c:axId val="-2145185552"/>
         <c:scaling>
           <c:orientation val="minMax"/>
         </c:scaling>
@@ -2414,7 +2416,7 @@
             <a:endParaRPr lang="en-US"/>
           </a:p>
         </c:txPr>
-        <c:crossAx val="-2053577872"/>
+        <c:crossAx val="-2145182160"/>
         <c:crosses val="autoZero"/>
         <c:auto val="1"/>
         <c:lblAlgn val="ctr"/>
@@ -2422,7 +2424,7 @@
         <c:noMultiLvlLbl val="0"/>
       </c:catAx>
       <c:valAx>
-        <c:axId val="-2053577872"/>
+        <c:axId val="-2145182160"/>
         <c:scaling>
           <c:orientation val="minMax"/>
         </c:scaling>
@@ -2473,7 +2475,7 @@
             <a:endParaRPr lang="en-US"/>
           </a:p>
         </c:txPr>
-        <c:crossAx val="-2053322976"/>
+        <c:crossAx val="-2145185552"/>
         <c:crosses val="autoZero"/>
         <c:crossBetween val="between"/>
       </c:valAx>
@@ -2487,7 +2489,6 @@
     </c:plotArea>
     <c:legend>
       <c:legendPos val="b"/>
-      <c:layout/>
       <c:overlay val="0"/>
       <c:spPr>
         <a:noFill/>
@@ -2776,11 +2777,11 @@
         </c:dLbls>
         <c:gapWidth val="219"/>
         <c:overlap val="-27"/>
-        <c:axId val="-2051946592"/>
-        <c:axId val="-2053682544"/>
+        <c:axId val="2146240992"/>
+        <c:axId val="-2138568528"/>
       </c:barChart>
       <c:catAx>
-        <c:axId val="-2051946592"/>
+        <c:axId val="2146240992"/>
         <c:scaling>
           <c:orientation val="minMax"/>
         </c:scaling>
@@ -2823,7 +2824,7 @@
             <a:endParaRPr lang="en-US"/>
           </a:p>
         </c:txPr>
-        <c:crossAx val="-2053682544"/>
+        <c:crossAx val="-2138568528"/>
         <c:crosses val="autoZero"/>
         <c:auto val="1"/>
         <c:lblAlgn val="ctr"/>
@@ -2831,7 +2832,7 @@
         <c:noMultiLvlLbl val="0"/>
       </c:catAx>
       <c:valAx>
-        <c:axId val="-2053682544"/>
+        <c:axId val="-2138568528"/>
         <c:scaling>
           <c:orientation val="minMax"/>
         </c:scaling>
@@ -2882,7 +2883,7 @@
             <a:endParaRPr lang="en-US"/>
           </a:p>
         </c:txPr>
-        <c:crossAx val="-2051946592"/>
+        <c:crossAx val="2146240992"/>
         <c:crosses val="autoZero"/>
         <c:crossBetween val="between"/>
       </c:valAx>
@@ -2998,7 +2999,6 @@
           </a:p>
         </c:rich>
       </c:tx>
-      <c:layout/>
       <c:overlay val="0"/>
       <c:spPr>
         <a:noFill/>
@@ -3153,11 +3153,11 @@
         </c:dLbls>
         <c:gapWidth val="219"/>
         <c:overlap val="-27"/>
-        <c:axId val="-2095048352"/>
-        <c:axId val="-2094851952"/>
+        <c:axId val="2147111936"/>
+        <c:axId val="2147129232"/>
       </c:barChart>
       <c:catAx>
-        <c:axId val="-2095048352"/>
+        <c:axId val="2147111936"/>
         <c:scaling>
           <c:orientation val="minMax"/>
         </c:scaling>
@@ -3200,7 +3200,7 @@
             <a:endParaRPr lang="en-US"/>
           </a:p>
         </c:txPr>
-        <c:crossAx val="-2094851952"/>
+        <c:crossAx val="2147129232"/>
         <c:crosses val="autoZero"/>
         <c:auto val="1"/>
         <c:lblAlgn val="ctr"/>
@@ -3208,7 +3208,7 @@
         <c:noMultiLvlLbl val="0"/>
       </c:catAx>
       <c:valAx>
-        <c:axId val="-2094851952"/>
+        <c:axId val="2147129232"/>
         <c:scaling>
           <c:orientation val="minMax"/>
           <c:max val="100.0"/>
@@ -3260,7 +3260,7 @@
             <a:endParaRPr lang="en-US"/>
           </a:p>
         </c:txPr>
-        <c:crossAx val="-2095048352"/>
+        <c:crossAx val="2147111936"/>
         <c:crosses val="autoZero"/>
         <c:crossBetween val="between"/>
       </c:valAx>
@@ -3274,7 +3274,6 @@
     </c:plotArea>
     <c:legend>
       <c:legendPos val="b"/>
-      <c:layout/>
       <c:overlay val="0"/>
       <c:spPr>
         <a:noFill/>
@@ -7757,7 +7756,7 @@
           <a:p>
             <a:fld id="{921DB55A-F66E-884C-A409-CC81ACA880E7}" type="datetimeFigureOut">
               <a:rPr lang="en-US" smtClean="0"/>
-              <a:t>12/7/16</a:t>
+              <a:t>12/8/16</a:t>
             </a:fld>
             <a:endParaRPr lang="en-US"/>
           </a:p>
@@ -8489,7 +8488,7 @@
             <a:fld id="{B61BEF0D-F0BB-DE4B-95CE-6DB70DBA9567}" type="datetimeFigureOut">
               <a:rPr lang="en-US" dirty="0"/>
               <a:pPr/>
-              <a:t>12/7/16</a:t>
+              <a:t>12/8/16</a:t>
             </a:fld>
             <a:endParaRPr lang="en-US" dirty="0"/>
           </a:p>
@@ -8824,7 +8823,7 @@
             <a:fld id="{B61BEF0D-F0BB-DE4B-95CE-6DB70DBA9567}" type="datetimeFigureOut">
               <a:rPr lang="en-US" dirty="0"/>
               <a:pPr/>
-              <a:t>12/7/16</a:t>
+              <a:t>12/8/16</a:t>
             </a:fld>
             <a:endParaRPr lang="en-US" dirty="0"/>
           </a:p>
@@ -9222,7 +9221,7 @@
             <a:fld id="{B61BEF0D-F0BB-DE4B-95CE-6DB70DBA9567}" type="datetimeFigureOut">
               <a:rPr lang="en-US" dirty="0"/>
               <a:pPr/>
-              <a:t>12/7/16</a:t>
+              <a:t>12/8/16</a:t>
             </a:fld>
             <a:endParaRPr lang="en-US" dirty="0"/>
           </a:p>
@@ -9555,7 +9554,7 @@
             <a:fld id="{B61BEF0D-F0BB-DE4B-95CE-6DB70DBA9567}" type="datetimeFigureOut">
               <a:rPr lang="en-US" dirty="0"/>
               <a:pPr/>
-              <a:t>12/7/16</a:t>
+              <a:t>12/8/16</a:t>
             </a:fld>
             <a:endParaRPr lang="en-US" dirty="0"/>
           </a:p>
@@ -9872,7 +9871,7 @@
             <a:fld id="{B61BEF0D-F0BB-DE4B-95CE-6DB70DBA9567}" type="datetimeFigureOut">
               <a:rPr lang="en-US" dirty="0"/>
               <a:pPr/>
-              <a:t>12/7/16</a:t>
+              <a:t>12/8/16</a:t>
             </a:fld>
             <a:endParaRPr lang="en-US" dirty="0"/>
           </a:p>
@@ -10265,7 +10264,7 @@
             <a:fld id="{B61BEF0D-F0BB-DE4B-95CE-6DB70DBA9567}" type="datetimeFigureOut">
               <a:rPr lang="en-US" dirty="0"/>
               <a:pPr/>
-              <a:t>12/7/16</a:t>
+              <a:t>12/8/16</a:t>
             </a:fld>
             <a:endParaRPr lang="en-US" dirty="0"/>
           </a:p>
@@ -10519,7 +10518,7 @@
             <a:fld id="{B61BEF0D-F0BB-DE4B-95CE-6DB70DBA9567}" type="datetimeFigureOut">
               <a:rPr lang="en-US" dirty="0"/>
               <a:pPr/>
-              <a:t>12/7/16</a:t>
+              <a:t>12/8/16</a:t>
             </a:fld>
             <a:endParaRPr lang="en-US" dirty="0"/>
           </a:p>
@@ -10778,7 +10777,7 @@
             <a:fld id="{B61BEF0D-F0BB-DE4B-95CE-6DB70DBA9567}" type="datetimeFigureOut">
               <a:rPr lang="en-US" dirty="0"/>
               <a:pPr/>
-              <a:t>12/7/16</a:t>
+              <a:t>12/8/16</a:t>
             </a:fld>
             <a:endParaRPr lang="en-US" dirty="0"/>
           </a:p>
@@ -11037,7 +11036,7 @@
             <a:fld id="{B61BEF0D-F0BB-DE4B-95CE-6DB70DBA9567}" type="datetimeFigureOut">
               <a:rPr lang="en-US" dirty="0"/>
               <a:pPr/>
-              <a:t>12/7/16</a:t>
+              <a:t>12/8/16</a:t>
             </a:fld>
             <a:endParaRPr lang="en-US" dirty="0"/>
           </a:p>
@@ -11363,7 +11362,7 @@
             <a:fld id="{B61BEF0D-F0BB-DE4B-95CE-6DB70DBA9567}" type="datetimeFigureOut">
               <a:rPr lang="en-US" dirty="0"/>
               <a:pPr/>
-              <a:t>12/7/16</a:t>
+              <a:t>12/8/16</a:t>
             </a:fld>
             <a:endParaRPr lang="en-US" dirty="0"/>
           </a:p>
@@ -11683,7 +11682,7 @@
             <a:fld id="{B61BEF0D-F0BB-DE4B-95CE-6DB70DBA9567}" type="datetimeFigureOut">
               <a:rPr lang="en-US" dirty="0"/>
               <a:pPr/>
-              <a:t>12/7/16</a:t>
+              <a:t>12/8/16</a:t>
             </a:fld>
             <a:endParaRPr lang="en-US" dirty="0"/>
           </a:p>
@@ -12137,7 +12136,7 @@
             <a:fld id="{B61BEF0D-F0BB-DE4B-95CE-6DB70DBA9567}" type="datetimeFigureOut">
               <a:rPr lang="en-US" dirty="0"/>
               <a:pPr/>
-              <a:t>12/7/16</a:t>
+              <a:t>12/8/16</a:t>
             </a:fld>
             <a:endParaRPr lang="en-US" dirty="0"/>
           </a:p>
@@ -12339,7 +12338,7 @@
             <a:fld id="{B61BEF0D-F0BB-DE4B-95CE-6DB70DBA9567}" type="datetimeFigureOut">
               <a:rPr lang="en-US" dirty="0"/>
               <a:pPr/>
-              <a:t>12/7/16</a:t>
+              <a:t>12/8/16</a:t>
             </a:fld>
             <a:endParaRPr lang="en-US" dirty="0"/>
           </a:p>
@@ -12513,7 +12512,7 @@
             <a:fld id="{B61BEF0D-F0BB-DE4B-95CE-6DB70DBA9567}" type="datetimeFigureOut">
               <a:rPr lang="en-US" dirty="0"/>
               <a:pPr/>
-              <a:t>12/7/16</a:t>
+              <a:t>12/8/16</a:t>
             </a:fld>
             <a:endParaRPr lang="en-US" dirty="0"/>
           </a:p>
@@ -12843,7 +12842,7 @@
             <a:fld id="{B61BEF0D-F0BB-DE4B-95CE-6DB70DBA9567}" type="datetimeFigureOut">
               <a:rPr lang="en-US" dirty="0"/>
               <a:pPr/>
-              <a:t>12/7/16</a:t>
+              <a:t>12/8/16</a:t>
             </a:fld>
             <a:endParaRPr lang="en-US" dirty="0"/>
           </a:p>
@@ -13185,7 +13184,7 @@
             <a:fld id="{B61BEF0D-F0BB-DE4B-95CE-6DB70DBA9567}" type="datetimeFigureOut">
               <a:rPr lang="en-US" dirty="0"/>
               <a:pPr/>
-              <a:t>12/7/16</a:t>
+              <a:t>12/8/16</a:t>
             </a:fld>
             <a:endParaRPr lang="en-US" dirty="0"/>
           </a:p>
@@ -15299,7 +15298,7 @@
             <a:fld id="{B61BEF0D-F0BB-DE4B-95CE-6DB70DBA9567}" type="datetimeFigureOut">
               <a:rPr lang="en-US" dirty="0"/>
               <a:pPr/>
-              <a:t>12/7/16</a:t>
+              <a:t>12/8/16</a:t>
             </a:fld>
             <a:endParaRPr lang="en-US" dirty="0"/>
           </a:p>
@@ -17344,7 +17343,7 @@
             <p:ph idx="1"/>
             <p:extLst>
               <p:ext uri="{D42A27DB-BD31-4B8C-83A1-F6EECF244321}">
-                <p14:modId xmlns:p14="http://schemas.microsoft.com/office/powerpoint/2010/main" val="1734575198"/>
+                <p14:modId xmlns:p14="http://schemas.microsoft.com/office/powerpoint/2010/main" val="2053999932"/>
               </p:ext>
             </p:extLst>
           </p:nvPr>
@@ -18045,7 +18044,7 @@
             <p:ph idx="1"/>
             <p:extLst>
               <p:ext uri="{D42A27DB-BD31-4B8C-83A1-F6EECF244321}">
-                <p14:modId xmlns:p14="http://schemas.microsoft.com/office/powerpoint/2010/main" val="402724286"/>
+                <p14:modId xmlns:p14="http://schemas.microsoft.com/office/powerpoint/2010/main" val="945117276"/>
               </p:ext>
             </p:extLst>
           </p:nvPr>

--- a/PPTGroup10.pptx
+++ b/PPTGroup10.pptx
@@ -162,7 +162,7 @@
           <a:lstStyle/>
           <a:p>
             <a:pPr>
-              <a:defRPr sz="1862" b="0" i="0" u="none" strike="noStrike" kern="1200" spc="0" baseline="0">
+              <a:defRPr sz="2400" b="0" i="0" u="none" strike="noStrike" kern="1200" spc="0" baseline="0">
                 <a:solidFill>
                   <a:schemeClr val="tx1">
                     <a:lumMod val="65000"/>
@@ -175,10 +175,9 @@
               </a:defRPr>
             </a:pPr>
             <a:r>
-              <a:rPr lang="en-US" dirty="0" smtClean="0"/>
+              <a:rPr lang="en-US"/>
               <a:t>Letter Recognition</a:t>
             </a:r>
-            <a:endParaRPr lang="en-US" dirty="0"/>
           </a:p>
         </c:rich>
       </c:tx>
@@ -196,7 +195,7 @@
         <a:lstStyle/>
         <a:p>
           <a:pPr>
-            <a:defRPr sz="1862" b="0" i="0" u="none" strike="noStrike" kern="1200" spc="0" baseline="0">
+            <a:defRPr sz="2400" b="0" i="0" u="none" strike="noStrike" kern="1200" spc="0" baseline="0">
               <a:solidFill>
                 <a:schemeClr val="tx1">
                   <a:lumMod val="65000"/>
@@ -349,11 +348,11 @@
         </c:dLbls>
         <c:gapWidth val="219"/>
         <c:overlap val="-27"/>
-        <c:axId val="2140893856"/>
-        <c:axId val="2140898944"/>
+        <c:axId val="2124693728"/>
+        <c:axId val="2124556656"/>
       </c:barChart>
       <c:catAx>
-        <c:axId val="2140893856"/>
+        <c:axId val="2124693728"/>
         <c:scaling>
           <c:orientation val="minMax"/>
         </c:scaling>
@@ -381,7 +380,7 @@
           <a:lstStyle/>
           <a:p>
             <a:pPr>
-              <a:defRPr sz="1197" b="0" i="0" u="none" strike="noStrike" kern="1200" baseline="0">
+              <a:defRPr sz="2000" b="0" i="0" u="none" strike="noStrike" kern="1200" baseline="0">
                 <a:solidFill>
                   <a:schemeClr val="tx1">
                     <a:lumMod val="65000"/>
@@ -396,7 +395,7 @@
             <a:endParaRPr lang="en-US"/>
           </a:p>
         </c:txPr>
-        <c:crossAx val="2140898944"/>
+        <c:crossAx val="2124556656"/>
         <c:crosses val="autoZero"/>
         <c:auto val="1"/>
         <c:lblAlgn val="ctr"/>
@@ -404,7 +403,7 @@
         <c:noMultiLvlLbl val="0"/>
       </c:catAx>
       <c:valAx>
-        <c:axId val="2140898944"/>
+        <c:axId val="2124556656"/>
         <c:scaling>
           <c:orientation val="minMax"/>
           <c:max val="100.0"/>
@@ -442,7 +441,7 @@
           <a:lstStyle/>
           <a:p>
             <a:pPr>
-              <a:defRPr sz="1197" b="0" i="0" u="none" strike="noStrike" kern="1200" baseline="0">
+              <a:defRPr sz="2000" b="0" i="0" u="none" strike="noStrike" kern="1200" baseline="0">
                 <a:solidFill>
                   <a:schemeClr val="tx1">
                     <a:lumMod val="65000"/>
@@ -457,7 +456,7 @@
             <a:endParaRPr lang="en-US"/>
           </a:p>
         </c:txPr>
-        <c:crossAx val="2140893856"/>
+        <c:crossAx val="2124693728"/>
         <c:crosses val="autoZero"/>
         <c:crossBetween val="between"/>
         <c:majorUnit val="10.0"/>
@@ -486,7 +485,7 @@
         <a:lstStyle/>
         <a:p>
           <a:pPr>
-            <a:defRPr sz="1197" b="0" i="0" u="none" strike="noStrike" kern="1200" baseline="0">
+            <a:defRPr sz="2000" b="0" i="0" u="none" strike="noStrike" kern="1200" baseline="0">
               <a:solidFill>
                 <a:schemeClr val="tx1">
                   <a:lumMod val="65000"/>
@@ -518,7 +517,7 @@
     <a:lstStyle/>
     <a:p>
       <a:pPr>
-        <a:defRPr/>
+        <a:defRPr sz="2000" baseline="0"/>
       </a:pPr>
       <a:endParaRPr lang="en-US"/>
     </a:p>
@@ -550,7 +549,7 @@
           <a:lstStyle/>
           <a:p>
             <a:pPr>
-              <a:defRPr sz="1862" b="0" i="0" u="none" strike="noStrike" kern="1200" spc="0" baseline="0">
+              <a:defRPr sz="2400" b="0" i="0" u="none" strike="noStrike" kern="1200" spc="0" baseline="0">
                 <a:solidFill>
                   <a:schemeClr val="tx1">
                     <a:lumMod val="65000"/>
@@ -563,18 +562,9 @@
               </a:defRPr>
             </a:pPr>
             <a:r>
-              <a:rPr lang="en-US" dirty="0" smtClean="0"/>
-              <a:t>Digit</a:t>
-            </a:r>
-            <a:r>
-              <a:rPr lang="en-US" baseline="0" dirty="0" smtClean="0"/>
-              <a:t> </a:t>
-            </a:r>
-            <a:r>
-              <a:rPr lang="en-US" dirty="0" smtClean="0"/>
-              <a:t>Classification</a:t>
-            </a:r>
-            <a:endParaRPr lang="en-US" dirty="0"/>
+              <a:rPr lang="en-US"/>
+              <a:t>Digit Classification</a:t>
+            </a:r>
           </a:p>
         </c:rich>
       </c:tx>
@@ -592,7 +582,7 @@
         <a:lstStyle/>
         <a:p>
           <a:pPr>
-            <a:defRPr sz="1862" b="0" i="0" u="none" strike="noStrike" kern="1200" spc="0" baseline="0">
+            <a:defRPr sz="2400" b="0" i="0" u="none" strike="noStrike" kern="1200" spc="0" baseline="0">
               <a:solidFill>
                 <a:schemeClr val="tx1">
                   <a:lumMod val="65000"/>
@@ -745,11 +735,11 @@
         </c:dLbls>
         <c:gapWidth val="219"/>
         <c:overlap val="-27"/>
-        <c:axId val="-2146250832"/>
-        <c:axId val="2146103984"/>
+        <c:axId val="2125122000"/>
+        <c:axId val="2125125376"/>
       </c:barChart>
       <c:catAx>
-        <c:axId val="-2146250832"/>
+        <c:axId val="2125122000"/>
         <c:scaling>
           <c:orientation val="minMax"/>
         </c:scaling>
@@ -777,7 +767,7 @@
           <a:lstStyle/>
           <a:p>
             <a:pPr>
-              <a:defRPr sz="1197" b="0" i="0" u="none" strike="noStrike" kern="1200" baseline="0">
+              <a:defRPr sz="2000" b="0" i="0" u="none" strike="noStrike" kern="1200" baseline="0">
                 <a:solidFill>
                   <a:schemeClr val="tx1">
                     <a:lumMod val="65000"/>
@@ -792,7 +782,7 @@
             <a:endParaRPr lang="en-US"/>
           </a:p>
         </c:txPr>
-        <c:crossAx val="2146103984"/>
+        <c:crossAx val="2125125376"/>
         <c:crosses val="autoZero"/>
         <c:auto val="1"/>
         <c:lblAlgn val="ctr"/>
@@ -800,7 +790,7 @@
         <c:noMultiLvlLbl val="0"/>
       </c:catAx>
       <c:valAx>
-        <c:axId val="2146103984"/>
+        <c:axId val="2125125376"/>
         <c:scaling>
           <c:orientation val="minMax"/>
           <c:max val="100.0"/>
@@ -838,7 +828,7 @@
           <a:lstStyle/>
           <a:p>
             <a:pPr>
-              <a:defRPr sz="1197" b="0" i="0" u="none" strike="noStrike" kern="1200" baseline="0">
+              <a:defRPr sz="2000" b="0" i="0" u="none" strike="noStrike" kern="1200" baseline="0">
                 <a:solidFill>
                   <a:schemeClr val="tx1">
                     <a:lumMod val="65000"/>
@@ -853,7 +843,7 @@
             <a:endParaRPr lang="en-US"/>
           </a:p>
         </c:txPr>
-        <c:crossAx val="-2146250832"/>
+        <c:crossAx val="2125122000"/>
         <c:crosses val="autoZero"/>
         <c:crossBetween val="between"/>
         <c:majorUnit val="10.0"/>
@@ -882,7 +872,7 @@
         <a:lstStyle/>
         <a:p>
           <a:pPr>
-            <a:defRPr sz="1197" b="0" i="0" u="none" strike="noStrike" kern="1200" baseline="0">
+            <a:defRPr sz="2000" b="0" i="0" u="none" strike="noStrike" kern="1200" baseline="0">
               <a:solidFill>
                 <a:schemeClr val="tx1">
                   <a:lumMod val="65000"/>
@@ -914,7 +904,7 @@
     <a:lstStyle/>
     <a:p>
       <a:pPr>
-        <a:defRPr/>
+        <a:defRPr sz="2000" baseline="0"/>
       </a:pPr>
       <a:endParaRPr lang="en-US"/>
     </a:p>
@@ -965,7 +955,6 @@
           </a:p>
         </c:rich>
       </c:tx>
-      <c:layout/>
       <c:overlay val="0"/>
       <c:spPr>
         <a:noFill/>
@@ -1144,11 +1133,11 @@
         </c:dLbls>
         <c:gapWidth val="219"/>
         <c:overlap val="-27"/>
-        <c:axId val="2146210432"/>
-        <c:axId val="2146213808"/>
+        <c:axId val="2128893024"/>
+        <c:axId val="2128881696"/>
       </c:barChart>
       <c:catAx>
-        <c:axId val="2146210432"/>
+        <c:axId val="2128893024"/>
         <c:scaling>
           <c:orientation val="minMax"/>
         </c:scaling>
@@ -1191,7 +1180,7 @@
             <a:endParaRPr lang="en-US"/>
           </a:p>
         </c:txPr>
-        <c:crossAx val="2146213808"/>
+        <c:crossAx val="2128881696"/>
         <c:crosses val="autoZero"/>
         <c:auto val="1"/>
         <c:lblAlgn val="ctr"/>
@@ -1199,7 +1188,7 @@
         <c:noMultiLvlLbl val="0"/>
       </c:catAx>
       <c:valAx>
-        <c:axId val="2146213808"/>
+        <c:axId val="2128881696"/>
         <c:scaling>
           <c:orientation val="minMax"/>
           <c:max val="100.0"/>
@@ -1252,7 +1241,7 @@
             <a:endParaRPr lang="en-US"/>
           </a:p>
         </c:txPr>
-        <c:crossAx val="2146210432"/>
+        <c:crossAx val="2128893024"/>
         <c:crosses val="autoZero"/>
         <c:crossBetween val="between"/>
         <c:majorUnit val="20.0"/>
@@ -1267,7 +1256,6 @@
     </c:plotArea>
     <c:legend>
       <c:legendPos val="b"/>
-      <c:layout/>
       <c:overlay val="0"/>
       <c:spPr>
         <a:noFill/>
@@ -1560,11 +1548,11 @@
         </c:dLbls>
         <c:gapWidth val="219"/>
         <c:overlap val="-27"/>
-        <c:axId val="-2146226016"/>
-        <c:axId val="-2146222784"/>
+        <c:axId val="2125175056"/>
+        <c:axId val="2125178432"/>
       </c:barChart>
       <c:catAx>
-        <c:axId val="-2146226016"/>
+        <c:axId val="2125175056"/>
         <c:scaling>
           <c:orientation val="minMax"/>
         </c:scaling>
@@ -1607,7 +1595,7 @@
             <a:endParaRPr lang="en-US"/>
           </a:p>
         </c:txPr>
-        <c:crossAx val="-2146222784"/>
+        <c:crossAx val="2125178432"/>
         <c:crosses val="autoZero"/>
         <c:auto val="1"/>
         <c:lblAlgn val="ctr"/>
@@ -1615,7 +1603,7 @@
         <c:noMultiLvlLbl val="0"/>
       </c:catAx>
       <c:valAx>
-        <c:axId val="-2146222784"/>
+        <c:axId val="2125178432"/>
         <c:scaling>
           <c:orientation val="minMax"/>
           <c:max val="100.0"/>
@@ -1668,7 +1656,7 @@
             <a:endParaRPr lang="en-US"/>
           </a:p>
         </c:txPr>
-        <c:crossAx val="-2146226016"/>
+        <c:crossAx val="2125175056"/>
         <c:crosses val="autoZero"/>
         <c:crossBetween val="between"/>
         <c:majorUnit val="20.0"/>
@@ -1780,7 +1768,6 @@
           </a:p>
         </c:rich>
       </c:tx>
-      <c:layout/>
       <c:overlay val="0"/>
       <c:spPr>
         <a:noFill/>
@@ -1959,11 +1946,11 @@
         </c:dLbls>
         <c:gapWidth val="219"/>
         <c:overlap val="-27"/>
-        <c:axId val="2147360544"/>
-        <c:axId val="2147363920"/>
+        <c:axId val="2129161952"/>
+        <c:axId val="2129165328"/>
       </c:barChart>
       <c:catAx>
-        <c:axId val="2147360544"/>
+        <c:axId val="2129161952"/>
         <c:scaling>
           <c:orientation val="minMax"/>
         </c:scaling>
@@ -2006,7 +1993,7 @@
             <a:endParaRPr lang="en-US"/>
           </a:p>
         </c:txPr>
-        <c:crossAx val="2147363920"/>
+        <c:crossAx val="2129165328"/>
         <c:crosses val="autoZero"/>
         <c:auto val="1"/>
         <c:lblAlgn val="ctr"/>
@@ -2014,7 +2001,7 @@
         <c:noMultiLvlLbl val="0"/>
       </c:catAx>
       <c:valAx>
-        <c:axId val="2147363920"/>
+        <c:axId val="2129165328"/>
         <c:scaling>
           <c:orientation val="minMax"/>
           <c:min val="0.0"/>
@@ -2066,7 +2053,7 @@
             <a:endParaRPr lang="en-US"/>
           </a:p>
         </c:txPr>
-        <c:crossAx val="2147360544"/>
+        <c:crossAx val="2129161952"/>
         <c:crosses val="autoZero"/>
         <c:crossBetween val="between"/>
         <c:majorUnit val="20.0"/>
@@ -2081,7 +2068,6 @@
     </c:plotArea>
     <c:legend>
       <c:legendPos val="b"/>
-      <c:layout/>
       <c:overlay val="0"/>
       <c:spPr>
         <a:noFill/>
@@ -2369,11 +2355,11 @@
         </c:dLbls>
         <c:gapWidth val="219"/>
         <c:overlap val="-27"/>
-        <c:axId val="-2145185552"/>
-        <c:axId val="-2145182160"/>
+        <c:axId val="2125281600"/>
+        <c:axId val="2125284992"/>
       </c:barChart>
       <c:catAx>
-        <c:axId val="-2145185552"/>
+        <c:axId val="2125281600"/>
         <c:scaling>
           <c:orientation val="minMax"/>
         </c:scaling>
@@ -2416,7 +2402,7 @@
             <a:endParaRPr lang="en-US"/>
           </a:p>
         </c:txPr>
-        <c:crossAx val="-2145182160"/>
+        <c:crossAx val="2125284992"/>
         <c:crosses val="autoZero"/>
         <c:auto val="1"/>
         <c:lblAlgn val="ctr"/>
@@ -2424,7 +2410,7 @@
         <c:noMultiLvlLbl val="0"/>
       </c:catAx>
       <c:valAx>
-        <c:axId val="-2145182160"/>
+        <c:axId val="2125284992"/>
         <c:scaling>
           <c:orientation val="minMax"/>
         </c:scaling>
@@ -2475,7 +2461,7 @@
             <a:endParaRPr lang="en-US"/>
           </a:p>
         </c:txPr>
-        <c:crossAx val="-2145185552"/>
+        <c:crossAx val="2125281600"/>
         <c:crosses val="autoZero"/>
         <c:crossBetween val="between"/>
       </c:valAx>
@@ -2586,7 +2572,6 @@
           </a:p>
         </c:rich>
       </c:tx>
-      <c:layout/>
       <c:overlay val="0"/>
       <c:spPr>
         <a:noFill/>
@@ -2777,11 +2762,11 @@
         </c:dLbls>
         <c:gapWidth val="219"/>
         <c:overlap val="-27"/>
-        <c:axId val="2146240992"/>
-        <c:axId val="-2138568528"/>
+        <c:axId val="2129220064"/>
+        <c:axId val="2129201296"/>
       </c:barChart>
       <c:catAx>
-        <c:axId val="2146240992"/>
+        <c:axId val="2129220064"/>
         <c:scaling>
           <c:orientation val="minMax"/>
         </c:scaling>
@@ -2824,7 +2809,7 @@
             <a:endParaRPr lang="en-US"/>
           </a:p>
         </c:txPr>
-        <c:crossAx val="-2138568528"/>
+        <c:crossAx val="2129201296"/>
         <c:crosses val="autoZero"/>
         <c:auto val="1"/>
         <c:lblAlgn val="ctr"/>
@@ -2832,7 +2817,7 @@
         <c:noMultiLvlLbl val="0"/>
       </c:catAx>
       <c:valAx>
-        <c:axId val="-2138568528"/>
+        <c:axId val="2129201296"/>
         <c:scaling>
           <c:orientation val="minMax"/>
         </c:scaling>
@@ -2883,7 +2868,7 @@
             <a:endParaRPr lang="en-US"/>
           </a:p>
         </c:txPr>
-        <c:crossAx val="2146240992"/>
+        <c:crossAx val="2129220064"/>
         <c:crosses val="autoZero"/>
         <c:crossBetween val="between"/>
       </c:valAx>
@@ -2897,7 +2882,6 @@
     </c:plotArea>
     <c:legend>
       <c:legendPos val="b"/>
-      <c:layout/>
       <c:overlay val="0"/>
       <c:spPr>
         <a:noFill/>
@@ -3153,11 +3137,11 @@
         </c:dLbls>
         <c:gapWidth val="219"/>
         <c:overlap val="-27"/>
-        <c:axId val="2147111936"/>
-        <c:axId val="2147129232"/>
+        <c:axId val="2129551072"/>
+        <c:axId val="2130706576"/>
       </c:barChart>
       <c:catAx>
-        <c:axId val="2147111936"/>
+        <c:axId val="2129551072"/>
         <c:scaling>
           <c:orientation val="minMax"/>
         </c:scaling>
@@ -3200,7 +3184,7 @@
             <a:endParaRPr lang="en-US"/>
           </a:p>
         </c:txPr>
-        <c:crossAx val="2147129232"/>
+        <c:crossAx val="2130706576"/>
         <c:crosses val="autoZero"/>
         <c:auto val="1"/>
         <c:lblAlgn val="ctr"/>
@@ -3208,7 +3192,7 @@
         <c:noMultiLvlLbl val="0"/>
       </c:catAx>
       <c:valAx>
-        <c:axId val="2147129232"/>
+        <c:axId val="2130706576"/>
         <c:scaling>
           <c:orientation val="minMax"/>
           <c:max val="100.0"/>
@@ -3260,7 +3244,7 @@
             <a:endParaRPr lang="en-US"/>
           </a:p>
         </c:txPr>
-        <c:crossAx val="2147111936"/>
+        <c:crossAx val="2129551072"/>
         <c:crosses val="autoZero"/>
         <c:crossBetween val="between"/>
       </c:valAx>
@@ -17343,7 +17327,7 @@
             <p:ph idx="1"/>
             <p:extLst>
               <p:ext uri="{D42A27DB-BD31-4B8C-83A1-F6EECF244321}">
-                <p14:modId xmlns:p14="http://schemas.microsoft.com/office/powerpoint/2010/main" val="2053999932"/>
+                <p14:modId xmlns:p14="http://schemas.microsoft.com/office/powerpoint/2010/main" val="184803526"/>
               </p:ext>
             </p:extLst>
           </p:nvPr>
@@ -18044,7 +18028,7 @@
             <p:ph idx="1"/>
             <p:extLst>
               <p:ext uri="{D42A27DB-BD31-4B8C-83A1-F6EECF244321}">
-                <p14:modId xmlns:p14="http://schemas.microsoft.com/office/powerpoint/2010/main" val="945117276"/>
+                <p14:modId xmlns:p14="http://schemas.microsoft.com/office/powerpoint/2010/main" val="42999170"/>
               </p:ext>
             </p:extLst>
           </p:nvPr>

--- a/PPTGroup10.pptx
+++ b/PPTGroup10.pptx
@@ -349,11 +349,11 @@
         </c:dLbls>
         <c:gapWidth val="219"/>
         <c:overlap val="-27"/>
-        <c:axId val="2140893856"/>
-        <c:axId val="2140898944"/>
+        <c:axId val="1467638448"/>
+        <c:axId val="1467640496"/>
       </c:barChart>
       <c:catAx>
-        <c:axId val="2140893856"/>
+        <c:axId val="1467638448"/>
         <c:scaling>
           <c:orientation val="minMax"/>
         </c:scaling>
@@ -396,7 +396,7 @@
             <a:endParaRPr lang="en-US"/>
           </a:p>
         </c:txPr>
-        <c:crossAx val="2140898944"/>
+        <c:crossAx val="1467640496"/>
         <c:crosses val="autoZero"/>
         <c:auto val="1"/>
         <c:lblAlgn val="ctr"/>
@@ -404,7 +404,7 @@
         <c:noMultiLvlLbl val="0"/>
       </c:catAx>
       <c:valAx>
-        <c:axId val="2140898944"/>
+        <c:axId val="1467640496"/>
         <c:scaling>
           <c:orientation val="minMax"/>
           <c:max val="100.0"/>
@@ -457,7 +457,7 @@
             <a:endParaRPr lang="en-US"/>
           </a:p>
         </c:txPr>
-        <c:crossAx val="2140893856"/>
+        <c:crossAx val="1467638448"/>
         <c:crosses val="autoZero"/>
         <c:crossBetween val="between"/>
         <c:majorUnit val="10.0"/>
@@ -745,11 +745,11 @@
         </c:dLbls>
         <c:gapWidth val="219"/>
         <c:overlap val="-27"/>
-        <c:axId val="-2146250832"/>
-        <c:axId val="2146103984"/>
+        <c:axId val="1494253040"/>
+        <c:axId val="1494255088"/>
       </c:barChart>
       <c:catAx>
-        <c:axId val="-2146250832"/>
+        <c:axId val="1494253040"/>
         <c:scaling>
           <c:orientation val="minMax"/>
         </c:scaling>
@@ -792,7 +792,7 @@
             <a:endParaRPr lang="en-US"/>
           </a:p>
         </c:txPr>
-        <c:crossAx val="2146103984"/>
+        <c:crossAx val="1494255088"/>
         <c:crosses val="autoZero"/>
         <c:auto val="1"/>
         <c:lblAlgn val="ctr"/>
@@ -800,7 +800,7 @@
         <c:noMultiLvlLbl val="0"/>
       </c:catAx>
       <c:valAx>
-        <c:axId val="2146103984"/>
+        <c:axId val="1494255088"/>
         <c:scaling>
           <c:orientation val="minMax"/>
           <c:max val="100.0"/>
@@ -853,7 +853,7 @@
             <a:endParaRPr lang="en-US"/>
           </a:p>
         </c:txPr>
-        <c:crossAx val="-2146250832"/>
+        <c:crossAx val="1494253040"/>
         <c:crosses val="autoZero"/>
         <c:crossBetween val="between"/>
         <c:majorUnit val="10.0"/>
@@ -965,7 +965,6 @@
           </a:p>
         </c:rich>
       </c:tx>
-      <c:layout/>
       <c:overlay val="0"/>
       <c:spPr>
         <a:noFill/>
@@ -1144,11 +1143,11 @@
         </c:dLbls>
         <c:gapWidth val="219"/>
         <c:overlap val="-27"/>
-        <c:axId val="2146210432"/>
-        <c:axId val="2146213808"/>
+        <c:axId val="1380876016"/>
+        <c:axId val="1380870800"/>
       </c:barChart>
       <c:catAx>
-        <c:axId val="2146210432"/>
+        <c:axId val="1380876016"/>
         <c:scaling>
           <c:orientation val="minMax"/>
         </c:scaling>
@@ -1191,7 +1190,7 @@
             <a:endParaRPr lang="en-US"/>
           </a:p>
         </c:txPr>
-        <c:crossAx val="2146213808"/>
+        <c:crossAx val="1380870800"/>
         <c:crosses val="autoZero"/>
         <c:auto val="1"/>
         <c:lblAlgn val="ctr"/>
@@ -1199,7 +1198,7 @@
         <c:noMultiLvlLbl val="0"/>
       </c:catAx>
       <c:valAx>
-        <c:axId val="2146213808"/>
+        <c:axId val="1380870800"/>
         <c:scaling>
           <c:orientation val="minMax"/>
           <c:max val="100.0"/>
@@ -1252,7 +1251,7 @@
             <a:endParaRPr lang="en-US"/>
           </a:p>
         </c:txPr>
-        <c:crossAx val="2146210432"/>
+        <c:crossAx val="1380876016"/>
         <c:crosses val="autoZero"/>
         <c:crossBetween val="between"/>
         <c:majorUnit val="20.0"/>
@@ -1267,7 +1266,6 @@
     </c:plotArea>
     <c:legend>
       <c:legendPos val="b"/>
-      <c:layout/>
       <c:overlay val="0"/>
       <c:spPr>
         <a:noFill/>
@@ -1381,7 +1379,6 @@
           </a:p>
         </c:rich>
       </c:tx>
-      <c:layout/>
       <c:overlay val="0"/>
       <c:spPr>
         <a:noFill/>
@@ -1560,11 +1557,11 @@
         </c:dLbls>
         <c:gapWidth val="219"/>
         <c:overlap val="-27"/>
-        <c:axId val="-2146226016"/>
-        <c:axId val="-2146222784"/>
+        <c:axId val="1467113856"/>
+        <c:axId val="1467078688"/>
       </c:barChart>
       <c:catAx>
-        <c:axId val="-2146226016"/>
+        <c:axId val="1467113856"/>
         <c:scaling>
           <c:orientation val="minMax"/>
         </c:scaling>
@@ -1607,7 +1604,7 @@
             <a:endParaRPr lang="en-US"/>
           </a:p>
         </c:txPr>
-        <c:crossAx val="-2146222784"/>
+        <c:crossAx val="1467078688"/>
         <c:crosses val="autoZero"/>
         <c:auto val="1"/>
         <c:lblAlgn val="ctr"/>
@@ -1615,7 +1612,7 @@
         <c:noMultiLvlLbl val="0"/>
       </c:catAx>
       <c:valAx>
-        <c:axId val="-2146222784"/>
+        <c:axId val="1467078688"/>
         <c:scaling>
           <c:orientation val="minMax"/>
           <c:max val="100.0"/>
@@ -1668,7 +1665,7 @@
             <a:endParaRPr lang="en-US"/>
           </a:p>
         </c:txPr>
-        <c:crossAx val="-2146226016"/>
+        <c:crossAx val="1467113856"/>
         <c:crosses val="autoZero"/>
         <c:crossBetween val="between"/>
         <c:majorUnit val="20.0"/>
@@ -1683,7 +1680,6 @@
     </c:plotArea>
     <c:legend>
       <c:legendPos val="b"/>
-      <c:layout/>
       <c:overlay val="0"/>
       <c:spPr>
         <a:noFill/>
@@ -1780,7 +1776,6 @@
           </a:p>
         </c:rich>
       </c:tx>
-      <c:layout/>
       <c:overlay val="0"/>
       <c:spPr>
         <a:noFill/>
@@ -1959,11 +1954,11 @@
         </c:dLbls>
         <c:gapWidth val="219"/>
         <c:overlap val="-27"/>
-        <c:axId val="2147360544"/>
-        <c:axId val="2147363920"/>
+        <c:axId val="1467958976"/>
+        <c:axId val="1467482416"/>
       </c:barChart>
       <c:catAx>
-        <c:axId val="2147360544"/>
+        <c:axId val="1467958976"/>
         <c:scaling>
           <c:orientation val="minMax"/>
         </c:scaling>
@@ -2006,7 +2001,7 @@
             <a:endParaRPr lang="en-US"/>
           </a:p>
         </c:txPr>
-        <c:crossAx val="2147363920"/>
+        <c:crossAx val="1467482416"/>
         <c:crosses val="autoZero"/>
         <c:auto val="1"/>
         <c:lblAlgn val="ctr"/>
@@ -2014,7 +2009,7 @@
         <c:noMultiLvlLbl val="0"/>
       </c:catAx>
       <c:valAx>
-        <c:axId val="2147363920"/>
+        <c:axId val="1467482416"/>
         <c:scaling>
           <c:orientation val="minMax"/>
           <c:min val="0.0"/>
@@ -2066,7 +2061,7 @@
             <a:endParaRPr lang="en-US"/>
           </a:p>
         </c:txPr>
-        <c:crossAx val="2147360544"/>
+        <c:crossAx val="1467958976"/>
         <c:crosses val="autoZero"/>
         <c:crossBetween val="between"/>
         <c:majorUnit val="20.0"/>
@@ -2081,7 +2076,6 @@
     </c:plotArea>
     <c:legend>
       <c:legendPos val="b"/>
-      <c:layout/>
       <c:overlay val="0"/>
       <c:spPr>
         <a:noFill/>
@@ -2159,7 +2153,7 @@
           <a:lstStyle/>
           <a:p>
             <a:pPr>
-              <a:defRPr sz="1862" b="0" i="0" u="none" strike="noStrike" kern="1200" spc="0" baseline="0">
+              <a:defRPr sz="2400" b="0" i="0" u="none" strike="noStrike" kern="1200" spc="0" baseline="0">
                 <a:solidFill>
                   <a:schemeClr val="tx1">
                     <a:lumMod val="65000"/>
@@ -2172,10 +2166,9 @@
               </a:defRPr>
             </a:pPr>
             <a:r>
-              <a:rPr lang="en-US" dirty="0" smtClean="0"/>
+              <a:rPr lang="en-US"/>
               <a:t>Letter Recognition</a:t>
             </a:r>
-            <a:endParaRPr lang="en-US" dirty="0"/>
           </a:p>
         </c:rich>
       </c:tx>
@@ -2192,7 +2185,7 @@
         <a:lstStyle/>
         <a:p>
           <a:pPr>
-            <a:defRPr sz="1862" b="0" i="0" u="none" strike="noStrike" kern="1200" spc="0" baseline="0">
+            <a:defRPr sz="2400" b="0" i="0" u="none" strike="noStrike" kern="1200" spc="0" baseline="0">
               <a:solidFill>
                 <a:schemeClr val="tx1">
                   <a:lumMod val="65000"/>
@@ -2224,7 +2217,7 @@
               <c:strCache>
                 <c:ptCount val="1"/>
                 <c:pt idx="0">
-                  <c:v>Correctness</c:v>
+                  <c:v>Accuracy</c:v>
                 </c:pt>
               </c:strCache>
             </c:strRef>
@@ -2296,7 +2289,7 @@
               <c:strCache>
                 <c:ptCount val="1"/>
                 <c:pt idx="0">
-                  <c:v>Root relative squared error</c:v>
+                  <c:v>F-measure</c:v>
                 </c:pt>
               </c:strCache>
             </c:strRef>
@@ -2369,11 +2362,11 @@
         </c:dLbls>
         <c:gapWidth val="219"/>
         <c:overlap val="-27"/>
-        <c:axId val="-2145185552"/>
-        <c:axId val="-2145182160"/>
+        <c:axId val="1467822208"/>
+        <c:axId val="1467824528"/>
       </c:barChart>
       <c:catAx>
-        <c:axId val="-2145185552"/>
+        <c:axId val="1467822208"/>
         <c:scaling>
           <c:orientation val="minMax"/>
         </c:scaling>
@@ -2401,7 +2394,7 @@
           <a:lstStyle/>
           <a:p>
             <a:pPr>
-              <a:defRPr sz="1197" b="0" i="0" u="none" strike="noStrike" kern="1200" baseline="0">
+              <a:defRPr sz="2000" b="0" i="0" u="none" strike="noStrike" kern="1200" baseline="0">
                 <a:solidFill>
                   <a:schemeClr val="tx1">
                     <a:lumMod val="65000"/>
@@ -2416,7 +2409,7 @@
             <a:endParaRPr lang="en-US"/>
           </a:p>
         </c:txPr>
-        <c:crossAx val="-2145182160"/>
+        <c:crossAx val="1467824528"/>
         <c:crosses val="autoZero"/>
         <c:auto val="1"/>
         <c:lblAlgn val="ctr"/>
@@ -2424,7 +2417,7 @@
         <c:noMultiLvlLbl val="0"/>
       </c:catAx>
       <c:valAx>
-        <c:axId val="-2145182160"/>
+        <c:axId val="1467824528"/>
         <c:scaling>
           <c:orientation val="minMax"/>
         </c:scaling>
@@ -2460,7 +2453,7 @@
           <a:lstStyle/>
           <a:p>
             <a:pPr>
-              <a:defRPr sz="1197" b="0" i="0" u="none" strike="noStrike" kern="1200" baseline="0">
+              <a:defRPr sz="2000" b="0" i="0" u="none" strike="noStrike" kern="1200" baseline="0">
                 <a:solidFill>
                   <a:schemeClr val="tx1">
                     <a:lumMod val="65000"/>
@@ -2475,7 +2468,7 @@
             <a:endParaRPr lang="en-US"/>
           </a:p>
         </c:txPr>
-        <c:crossAx val="-2145185552"/>
+        <c:crossAx val="1467822208"/>
         <c:crosses val="autoZero"/>
         <c:crossBetween val="between"/>
       </c:valAx>
@@ -2502,7 +2495,7 @@
         <a:lstStyle/>
         <a:p>
           <a:pPr>
-            <a:defRPr sz="1197" b="0" i="0" u="none" strike="noStrike" kern="1200" baseline="0">
+            <a:defRPr sz="2000" b="0" i="0" u="none" strike="noStrike" kern="1200" baseline="0">
               <a:solidFill>
                 <a:schemeClr val="tx1">
                   <a:lumMod val="65000"/>
@@ -2534,7 +2527,7 @@
     <a:lstStyle/>
     <a:p>
       <a:pPr>
-        <a:defRPr/>
+        <a:defRPr sz="2000" baseline="0"/>
       </a:pPr>
       <a:endParaRPr lang="en-US"/>
     </a:p>
@@ -2565,13 +2558,27 @@
           <a:bodyPr rot="0" spcFirstLastPara="1" vertOverflow="ellipsis" vert="horz" wrap="square" anchor="ctr" anchorCtr="1"/>
           <a:lstStyle/>
           <a:p>
-            <a:pPr>
-              <a:defRPr sz="1862" b="0" i="0" u="none" strike="noStrike" kern="1200" spc="0" baseline="0">
+            <a:pPr marL="0" marR="0" indent="0" algn="ctr" defTabSz="914400" rtl="0" eaLnBrk="1" fontAlgn="auto" latinLnBrk="0" hangingPunct="1">
+              <a:lnSpc>
+                <a:spcPct val="100000"/>
+              </a:lnSpc>
+              <a:spcBef>
+                <a:spcPts val="0"/>
+              </a:spcBef>
+              <a:spcAft>
+                <a:spcPts val="0"/>
+              </a:spcAft>
+              <a:buClrTx/>
+              <a:buSzTx/>
+              <a:buFontTx/>
+              <a:buNone/>
+              <a:tabLst/>
+              <a:defRPr sz="2400" b="0" i="0" u="none" strike="noStrike" kern="1200" spc="0" baseline="0">
                 <a:solidFill>
-                  <a:schemeClr val="tx1">
+                  <a:prstClr val="black">
                     <a:lumMod val="65000"/>
                     <a:lumOff val="35000"/>
-                  </a:schemeClr>
+                  </a:prstClr>
                 </a:solidFill>
                 <a:latin typeface="+mn-lt"/>
                 <a:ea typeface="+mn-ea"/>
@@ -2580,9 +2587,8 @@
             </a:pPr>
             <a:r>
               <a:rPr lang="en-US" dirty="0" smtClean="0"/>
-              <a:t>Digit Recognition</a:t>
-            </a:r>
-            <a:endParaRPr lang="en-US" dirty="0"/>
+              <a:t>Digit Classification</a:t>
+            </a:r>
           </a:p>
         </c:rich>
       </c:tx>
@@ -2599,13 +2605,27 @@
         <a:bodyPr rot="0" spcFirstLastPara="1" vertOverflow="ellipsis" vert="horz" wrap="square" anchor="ctr" anchorCtr="1"/>
         <a:lstStyle/>
         <a:p>
-          <a:pPr>
-            <a:defRPr sz="1862" b="0" i="0" u="none" strike="noStrike" kern="1200" spc="0" baseline="0">
+          <a:pPr marL="0" marR="0" indent="0" algn="ctr" defTabSz="914400" rtl="0" eaLnBrk="1" fontAlgn="auto" latinLnBrk="0" hangingPunct="1">
+            <a:lnSpc>
+              <a:spcPct val="100000"/>
+            </a:lnSpc>
+            <a:spcBef>
+              <a:spcPts val="0"/>
+            </a:spcBef>
+            <a:spcAft>
+              <a:spcPts val="0"/>
+            </a:spcAft>
+            <a:buClrTx/>
+            <a:buSzTx/>
+            <a:buFontTx/>
+            <a:buNone/>
+            <a:tabLst/>
+            <a:defRPr sz="2400" b="0" i="0" u="none" strike="noStrike" kern="1200" spc="0" baseline="0">
               <a:solidFill>
-                <a:schemeClr val="tx1">
+                <a:prstClr val="black">
                   <a:lumMod val="65000"/>
                   <a:lumOff val="35000"/>
-                </a:schemeClr>
+                </a:prstClr>
               </a:solidFill>
               <a:latin typeface="+mn-lt"/>
               <a:ea typeface="+mn-ea"/>
@@ -2632,7 +2652,7 @@
               <c:strCache>
                 <c:ptCount val="1"/>
                 <c:pt idx="0">
-                  <c:v>Correctness</c:v>
+                  <c:v>Accuracy</c:v>
                 </c:pt>
               </c:strCache>
             </c:strRef>
@@ -2704,7 +2724,7 @@
               <c:strCache>
                 <c:ptCount val="1"/>
                 <c:pt idx="0">
-                  <c:v>Root relative squared error</c:v>
+                  <c:v>F-measure</c:v>
                 </c:pt>
               </c:strCache>
             </c:strRef>
@@ -2777,11 +2797,11 @@
         </c:dLbls>
         <c:gapWidth val="219"/>
         <c:overlap val="-27"/>
-        <c:axId val="2146240992"/>
-        <c:axId val="-2138568528"/>
+        <c:axId val="1380866704"/>
+        <c:axId val="1467646336"/>
       </c:barChart>
       <c:catAx>
-        <c:axId val="2146240992"/>
+        <c:axId val="1380866704"/>
         <c:scaling>
           <c:orientation val="minMax"/>
         </c:scaling>
@@ -2809,7 +2829,7 @@
           <a:lstStyle/>
           <a:p>
             <a:pPr>
-              <a:defRPr sz="1197" b="0" i="0" u="none" strike="noStrike" kern="1200" baseline="0">
+              <a:defRPr sz="2000" b="0" i="0" u="none" strike="noStrike" kern="1200" baseline="0">
                 <a:solidFill>
                   <a:schemeClr val="tx1">
                     <a:lumMod val="65000"/>
@@ -2824,7 +2844,7 @@
             <a:endParaRPr lang="en-US"/>
           </a:p>
         </c:txPr>
-        <c:crossAx val="-2138568528"/>
+        <c:crossAx val="1467646336"/>
         <c:crosses val="autoZero"/>
         <c:auto val="1"/>
         <c:lblAlgn val="ctr"/>
@@ -2832,7 +2852,7 @@
         <c:noMultiLvlLbl val="0"/>
       </c:catAx>
       <c:valAx>
-        <c:axId val="-2138568528"/>
+        <c:axId val="1467646336"/>
         <c:scaling>
           <c:orientation val="minMax"/>
         </c:scaling>
@@ -2868,7 +2888,7 @@
           <a:lstStyle/>
           <a:p>
             <a:pPr>
-              <a:defRPr sz="1197" b="0" i="0" u="none" strike="noStrike" kern="1200" baseline="0">
+              <a:defRPr sz="2000" b="0" i="0" u="none" strike="noStrike" kern="1200" baseline="0">
                 <a:solidFill>
                   <a:schemeClr val="tx1">
                     <a:lumMod val="65000"/>
@@ -2883,7 +2903,7 @@
             <a:endParaRPr lang="en-US"/>
           </a:p>
         </c:txPr>
-        <c:crossAx val="2146240992"/>
+        <c:crossAx val="1380866704"/>
         <c:crosses val="autoZero"/>
         <c:crossBetween val="between"/>
       </c:valAx>
@@ -2911,7 +2931,7 @@
         <a:lstStyle/>
         <a:p>
           <a:pPr>
-            <a:defRPr sz="1197" b="0" i="0" u="none" strike="noStrike" kern="1200" baseline="0">
+            <a:defRPr sz="2000" b="0" i="0" u="none" strike="noStrike" kern="1200" baseline="0">
               <a:solidFill>
                 <a:schemeClr val="tx1">
                   <a:lumMod val="65000"/>
@@ -2943,7 +2963,7 @@
     <a:lstStyle/>
     <a:p>
       <a:pPr>
-        <a:defRPr/>
+        <a:defRPr sz="2000" baseline="0"/>
       </a:pPr>
       <a:endParaRPr lang="en-US"/>
     </a:p>
@@ -2975,7 +2995,7 @@
           <a:lstStyle/>
           <a:p>
             <a:pPr>
-              <a:defRPr sz="1862" b="0" i="0" u="none" strike="noStrike" kern="1200" spc="0" baseline="0">
+              <a:defRPr sz="2400" b="0" i="0" u="none" strike="noStrike" kern="1200" spc="0" baseline="0">
                 <a:solidFill>
                   <a:schemeClr val="tx1">
                     <a:lumMod val="65000"/>
@@ -2988,14 +3008,9 @@
               </a:defRPr>
             </a:pPr>
             <a:r>
-              <a:rPr lang="en-US" dirty="0" smtClean="0"/>
-              <a:t>Two times</a:t>
-            </a:r>
-            <a:r>
-              <a:rPr lang="en-US" baseline="0" dirty="0" smtClean="0"/>
-              <a:t> tests with L=0.6</a:t>
-            </a:r>
-            <a:endParaRPr lang="en-US" dirty="0"/>
+              <a:rPr lang="en-US"/>
+              <a:t>Two times tests with L=0.6</a:t>
+            </a:r>
           </a:p>
         </c:rich>
       </c:tx>
@@ -3012,7 +3027,7 @@
         <a:lstStyle/>
         <a:p>
           <a:pPr>
-            <a:defRPr sz="1862" b="0" i="0" u="none" strike="noStrike" kern="1200" spc="0" baseline="0">
+            <a:defRPr sz="2400" b="0" i="0" u="none" strike="noStrike" kern="1200" spc="0" baseline="0">
               <a:solidFill>
                 <a:schemeClr val="tx1">
                   <a:lumMod val="65000"/>
@@ -3044,7 +3059,7 @@
               <c:strCache>
                 <c:ptCount val="1"/>
                 <c:pt idx="0">
-                  <c:v>Correctness</c:v>
+                  <c:v>Accuracy</c:v>
                 </c:pt>
               </c:strCache>
             </c:strRef>
@@ -3098,7 +3113,7 @@
               <c:strCache>
                 <c:ptCount val="1"/>
                 <c:pt idx="0">
-                  <c:v>Root relative squared error</c:v>
+                  <c:v>F-measure</c:v>
                 </c:pt>
               </c:strCache>
             </c:strRef>
@@ -3153,11 +3168,11 @@
         </c:dLbls>
         <c:gapWidth val="219"/>
         <c:overlap val="-27"/>
-        <c:axId val="2147111936"/>
-        <c:axId val="2147129232"/>
+        <c:axId val="1380062464"/>
+        <c:axId val="1462106048"/>
       </c:barChart>
       <c:catAx>
-        <c:axId val="2147111936"/>
+        <c:axId val="1380062464"/>
         <c:scaling>
           <c:orientation val="minMax"/>
         </c:scaling>
@@ -3185,7 +3200,7 @@
           <a:lstStyle/>
           <a:p>
             <a:pPr>
-              <a:defRPr sz="1197" b="0" i="0" u="none" strike="noStrike" kern="1200" baseline="0">
+              <a:defRPr sz="2000" b="0" i="0" u="none" strike="noStrike" kern="1200" baseline="0">
                 <a:solidFill>
                   <a:schemeClr val="tx1">
                     <a:lumMod val="65000"/>
@@ -3200,7 +3215,7 @@
             <a:endParaRPr lang="en-US"/>
           </a:p>
         </c:txPr>
-        <c:crossAx val="2147129232"/>
+        <c:crossAx val="1462106048"/>
         <c:crosses val="autoZero"/>
         <c:auto val="1"/>
         <c:lblAlgn val="ctr"/>
@@ -3208,7 +3223,7 @@
         <c:noMultiLvlLbl val="0"/>
       </c:catAx>
       <c:valAx>
-        <c:axId val="2147129232"/>
+        <c:axId val="1462106048"/>
         <c:scaling>
           <c:orientation val="minMax"/>
           <c:max val="100.0"/>
@@ -3245,7 +3260,7 @@
           <a:lstStyle/>
           <a:p>
             <a:pPr>
-              <a:defRPr sz="1197" b="0" i="0" u="none" strike="noStrike" kern="1200" baseline="0">
+              <a:defRPr sz="2000" b="0" i="0" u="none" strike="noStrike" kern="1200" baseline="0">
                 <a:solidFill>
                   <a:schemeClr val="tx1">
                     <a:lumMod val="65000"/>
@@ -3260,7 +3275,7 @@
             <a:endParaRPr lang="en-US"/>
           </a:p>
         </c:txPr>
-        <c:crossAx val="2147111936"/>
+        <c:crossAx val="1380062464"/>
         <c:crosses val="autoZero"/>
         <c:crossBetween val="between"/>
       </c:valAx>
@@ -3287,7 +3302,7 @@
         <a:lstStyle/>
         <a:p>
           <a:pPr>
-            <a:defRPr sz="1197" b="0" i="0" u="none" strike="noStrike" kern="1200" baseline="0">
+            <a:defRPr sz="2000" b="0" i="0" u="none" strike="noStrike" kern="1200" baseline="0">
               <a:solidFill>
                 <a:schemeClr val="tx1">
                   <a:lumMod val="65000"/>
@@ -3319,7 +3334,7 @@
     <a:lstStyle/>
     <a:p>
       <a:pPr>
-        <a:defRPr/>
+        <a:defRPr sz="2000" baseline="0"/>
       </a:pPr>
       <a:endParaRPr lang="en-US"/>
     </a:p>
@@ -19548,7 +19563,7 @@
             <p:ph idx="1"/>
             <p:extLst>
               <p:ext uri="{D42A27DB-BD31-4B8C-83A1-F6EECF244321}">
-                <p14:modId xmlns:p14="http://schemas.microsoft.com/office/powerpoint/2010/main" val="1918265136"/>
+                <p14:modId xmlns:p14="http://schemas.microsoft.com/office/powerpoint/2010/main" val="1861452544"/>
               </p:ext>
             </p:extLst>
           </p:nvPr>
@@ -20183,7 +20198,7 @@
             <p:ph idx="1"/>
             <p:extLst>
               <p:ext uri="{D42A27DB-BD31-4B8C-83A1-F6EECF244321}">
-                <p14:modId xmlns:p14="http://schemas.microsoft.com/office/powerpoint/2010/main" val="1967832537"/>
+                <p14:modId xmlns:p14="http://schemas.microsoft.com/office/powerpoint/2010/main" val="1455404246"/>
               </p:ext>
             </p:extLst>
           </p:nvPr>
@@ -20337,7 +20352,7 @@
             <p:ph idx="1"/>
             <p:extLst>
               <p:ext uri="{D42A27DB-BD31-4B8C-83A1-F6EECF244321}">
-                <p14:modId xmlns:p14="http://schemas.microsoft.com/office/powerpoint/2010/main" val="336355854"/>
+                <p14:modId xmlns:p14="http://schemas.microsoft.com/office/powerpoint/2010/main" val="797210006"/>
               </p:ext>
             </p:extLst>
           </p:nvPr>

--- a/PPTGroup10.pptx
+++ b/PPTGroup10.pptx
@@ -349,11 +349,11 @@
         </c:dLbls>
         <c:gapWidth val="219"/>
         <c:overlap val="-27"/>
-        <c:axId val="1467638448"/>
-        <c:axId val="1467640496"/>
+        <c:axId val="1463988752"/>
+        <c:axId val="1418293328"/>
       </c:barChart>
       <c:catAx>
-        <c:axId val="1467638448"/>
+        <c:axId val="1463988752"/>
         <c:scaling>
           <c:orientation val="minMax"/>
         </c:scaling>
@@ -396,7 +396,7 @@
             <a:endParaRPr lang="en-US"/>
           </a:p>
         </c:txPr>
-        <c:crossAx val="1467640496"/>
+        <c:crossAx val="1418293328"/>
         <c:crosses val="autoZero"/>
         <c:auto val="1"/>
         <c:lblAlgn val="ctr"/>
@@ -404,7 +404,7 @@
         <c:noMultiLvlLbl val="0"/>
       </c:catAx>
       <c:valAx>
-        <c:axId val="1467640496"/>
+        <c:axId val="1418293328"/>
         <c:scaling>
           <c:orientation val="minMax"/>
           <c:max val="100.0"/>
@@ -457,7 +457,7 @@
             <a:endParaRPr lang="en-US"/>
           </a:p>
         </c:txPr>
-        <c:crossAx val="1467638448"/>
+        <c:crossAx val="1463988752"/>
         <c:crosses val="autoZero"/>
         <c:crossBetween val="between"/>
         <c:majorUnit val="10.0"/>
@@ -745,11 +745,11 @@
         </c:dLbls>
         <c:gapWidth val="219"/>
         <c:overlap val="-27"/>
-        <c:axId val="1494253040"/>
-        <c:axId val="1494255088"/>
+        <c:axId val="1380953552"/>
+        <c:axId val="1380955328"/>
       </c:barChart>
       <c:catAx>
-        <c:axId val="1494253040"/>
+        <c:axId val="1380953552"/>
         <c:scaling>
           <c:orientation val="minMax"/>
         </c:scaling>
@@ -792,7 +792,7 @@
             <a:endParaRPr lang="en-US"/>
           </a:p>
         </c:txPr>
-        <c:crossAx val="1494255088"/>
+        <c:crossAx val="1380955328"/>
         <c:crosses val="autoZero"/>
         <c:auto val="1"/>
         <c:lblAlgn val="ctr"/>
@@ -800,7 +800,7 @@
         <c:noMultiLvlLbl val="0"/>
       </c:catAx>
       <c:valAx>
-        <c:axId val="1494255088"/>
+        <c:axId val="1380955328"/>
         <c:scaling>
           <c:orientation val="minMax"/>
           <c:max val="100.0"/>
@@ -853,7 +853,7 @@
             <a:endParaRPr lang="en-US"/>
           </a:p>
         </c:txPr>
-        <c:crossAx val="1494253040"/>
+        <c:crossAx val="1380953552"/>
         <c:crosses val="autoZero"/>
         <c:crossBetween val="between"/>
         <c:majorUnit val="10.0"/>
@@ -965,6 +965,7 @@
           </a:p>
         </c:rich>
       </c:tx>
+      <c:layout/>
       <c:overlay val="0"/>
       <c:spPr>
         <a:noFill/>
@@ -1143,11 +1144,11 @@
         </c:dLbls>
         <c:gapWidth val="219"/>
         <c:overlap val="-27"/>
-        <c:axId val="1380876016"/>
-        <c:axId val="1380870800"/>
+        <c:axId val="1467756608"/>
+        <c:axId val="1467758928"/>
       </c:barChart>
       <c:catAx>
-        <c:axId val="1380876016"/>
+        <c:axId val="1467756608"/>
         <c:scaling>
           <c:orientation val="minMax"/>
         </c:scaling>
@@ -1190,7 +1191,7 @@
             <a:endParaRPr lang="en-US"/>
           </a:p>
         </c:txPr>
-        <c:crossAx val="1380870800"/>
+        <c:crossAx val="1467758928"/>
         <c:crosses val="autoZero"/>
         <c:auto val="1"/>
         <c:lblAlgn val="ctr"/>
@@ -1198,7 +1199,7 @@
         <c:noMultiLvlLbl val="0"/>
       </c:catAx>
       <c:valAx>
-        <c:axId val="1380870800"/>
+        <c:axId val="1467758928"/>
         <c:scaling>
           <c:orientation val="minMax"/>
           <c:max val="100.0"/>
@@ -1251,7 +1252,7 @@
             <a:endParaRPr lang="en-US"/>
           </a:p>
         </c:txPr>
-        <c:crossAx val="1380876016"/>
+        <c:crossAx val="1467756608"/>
         <c:crosses val="autoZero"/>
         <c:crossBetween val="between"/>
         <c:majorUnit val="20.0"/>
@@ -1266,6 +1267,7 @@
     </c:plotArea>
     <c:legend>
       <c:legendPos val="b"/>
+      <c:layout/>
       <c:overlay val="0"/>
       <c:spPr>
         <a:noFill/>
@@ -1379,6 +1381,7 @@
           </a:p>
         </c:rich>
       </c:tx>
+      <c:layout/>
       <c:overlay val="0"/>
       <c:spPr>
         <a:noFill/>
@@ -1557,11 +1560,11 @@
         </c:dLbls>
         <c:gapWidth val="219"/>
         <c:overlap val="-27"/>
-        <c:axId val="1467113856"/>
-        <c:axId val="1467078688"/>
+        <c:axId val="1418565632"/>
+        <c:axId val="1418567408"/>
       </c:barChart>
       <c:catAx>
-        <c:axId val="1467113856"/>
+        <c:axId val="1418565632"/>
         <c:scaling>
           <c:orientation val="minMax"/>
         </c:scaling>
@@ -1604,7 +1607,7 @@
             <a:endParaRPr lang="en-US"/>
           </a:p>
         </c:txPr>
-        <c:crossAx val="1467078688"/>
+        <c:crossAx val="1418567408"/>
         <c:crosses val="autoZero"/>
         <c:auto val="1"/>
         <c:lblAlgn val="ctr"/>
@@ -1612,7 +1615,7 @@
         <c:noMultiLvlLbl val="0"/>
       </c:catAx>
       <c:valAx>
-        <c:axId val="1467078688"/>
+        <c:axId val="1418567408"/>
         <c:scaling>
           <c:orientation val="minMax"/>
           <c:max val="100.0"/>
@@ -1665,7 +1668,7 @@
             <a:endParaRPr lang="en-US"/>
           </a:p>
         </c:txPr>
-        <c:crossAx val="1467113856"/>
+        <c:crossAx val="1418565632"/>
         <c:crosses val="autoZero"/>
         <c:crossBetween val="between"/>
         <c:majorUnit val="20.0"/>
@@ -1680,6 +1683,7 @@
     </c:plotArea>
     <c:legend>
       <c:legendPos val="b"/>
+      <c:layout/>
       <c:overlay val="0"/>
       <c:spPr>
         <a:noFill/>
@@ -1776,6 +1780,7 @@
           </a:p>
         </c:rich>
       </c:tx>
+      <c:layout/>
       <c:overlay val="0"/>
       <c:spPr>
         <a:noFill/>
@@ -1954,11 +1959,11 @@
         </c:dLbls>
         <c:gapWidth val="219"/>
         <c:overlap val="-27"/>
-        <c:axId val="1467958976"/>
-        <c:axId val="1467482416"/>
+        <c:axId val="1467310352"/>
+        <c:axId val="1461880288"/>
       </c:barChart>
       <c:catAx>
-        <c:axId val="1467958976"/>
+        <c:axId val="1467310352"/>
         <c:scaling>
           <c:orientation val="minMax"/>
         </c:scaling>
@@ -2001,7 +2006,7 @@
             <a:endParaRPr lang="en-US"/>
           </a:p>
         </c:txPr>
-        <c:crossAx val="1467482416"/>
+        <c:crossAx val="1461880288"/>
         <c:crosses val="autoZero"/>
         <c:auto val="1"/>
         <c:lblAlgn val="ctr"/>
@@ -2009,7 +2014,7 @@
         <c:noMultiLvlLbl val="0"/>
       </c:catAx>
       <c:valAx>
-        <c:axId val="1467482416"/>
+        <c:axId val="1461880288"/>
         <c:scaling>
           <c:orientation val="minMax"/>
           <c:min val="0.0"/>
@@ -2061,7 +2066,7 @@
             <a:endParaRPr lang="en-US"/>
           </a:p>
         </c:txPr>
-        <c:crossAx val="1467958976"/>
+        <c:crossAx val="1467310352"/>
         <c:crosses val="autoZero"/>
         <c:crossBetween val="between"/>
         <c:majorUnit val="20.0"/>
@@ -2076,6 +2081,7 @@
     </c:plotArea>
     <c:legend>
       <c:legendPos val="b"/>
+      <c:layout/>
       <c:overlay val="0"/>
       <c:spPr>
         <a:noFill/>
@@ -2172,6 +2178,7 @@
           </a:p>
         </c:rich>
       </c:tx>
+      <c:layout/>
       <c:overlay val="0"/>
       <c:spPr>
         <a:noFill/>
@@ -2289,7 +2296,7 @@
               <c:strCache>
                 <c:ptCount val="1"/>
                 <c:pt idx="0">
-                  <c:v>F-measure</c:v>
+                  <c:v>Root relative squared error</c:v>
                 </c:pt>
               </c:strCache>
             </c:strRef>
@@ -2362,11 +2369,11 @@
         </c:dLbls>
         <c:gapWidth val="219"/>
         <c:overlap val="-27"/>
-        <c:axId val="1467822208"/>
-        <c:axId val="1467824528"/>
+        <c:axId val="1467954080"/>
+        <c:axId val="1467955856"/>
       </c:barChart>
       <c:catAx>
-        <c:axId val="1467822208"/>
+        <c:axId val="1467954080"/>
         <c:scaling>
           <c:orientation val="minMax"/>
         </c:scaling>
@@ -2409,7 +2416,7 @@
             <a:endParaRPr lang="en-US"/>
           </a:p>
         </c:txPr>
-        <c:crossAx val="1467824528"/>
+        <c:crossAx val="1467955856"/>
         <c:crosses val="autoZero"/>
         <c:auto val="1"/>
         <c:lblAlgn val="ctr"/>
@@ -2417,7 +2424,7 @@
         <c:noMultiLvlLbl val="0"/>
       </c:catAx>
       <c:valAx>
-        <c:axId val="1467824528"/>
+        <c:axId val="1467955856"/>
         <c:scaling>
           <c:orientation val="minMax"/>
         </c:scaling>
@@ -2468,7 +2475,7 @@
             <a:endParaRPr lang="en-US"/>
           </a:p>
         </c:txPr>
-        <c:crossAx val="1467822208"/>
+        <c:crossAx val="1467954080"/>
         <c:crosses val="autoZero"/>
         <c:crossBetween val="between"/>
       </c:valAx>
@@ -2482,6 +2489,7 @@
     </c:plotArea>
     <c:legend>
       <c:legendPos val="b"/>
+      <c:layout/>
       <c:overlay val="0"/>
       <c:spPr>
         <a:noFill/>
@@ -2724,7 +2732,7 @@
               <c:strCache>
                 <c:ptCount val="1"/>
                 <c:pt idx="0">
-                  <c:v>F-measure</c:v>
+                  <c:v>Root relative squared error</c:v>
                 </c:pt>
               </c:strCache>
             </c:strRef>
@@ -2797,11 +2805,11 @@
         </c:dLbls>
         <c:gapWidth val="219"/>
         <c:overlap val="-27"/>
-        <c:axId val="1380866704"/>
-        <c:axId val="1467646336"/>
+        <c:axId val="1464079296"/>
+        <c:axId val="1464584240"/>
       </c:barChart>
       <c:catAx>
-        <c:axId val="1380866704"/>
+        <c:axId val="1464079296"/>
         <c:scaling>
           <c:orientation val="minMax"/>
         </c:scaling>
@@ -2844,7 +2852,7 @@
             <a:endParaRPr lang="en-US"/>
           </a:p>
         </c:txPr>
-        <c:crossAx val="1467646336"/>
+        <c:crossAx val="1464584240"/>
         <c:crosses val="autoZero"/>
         <c:auto val="1"/>
         <c:lblAlgn val="ctr"/>
@@ -2852,7 +2860,7 @@
         <c:noMultiLvlLbl val="0"/>
       </c:catAx>
       <c:valAx>
-        <c:axId val="1467646336"/>
+        <c:axId val="1464584240"/>
         <c:scaling>
           <c:orientation val="minMax"/>
         </c:scaling>
@@ -2903,7 +2911,7 @@
             <a:endParaRPr lang="en-US"/>
           </a:p>
         </c:txPr>
-        <c:crossAx val="1380866704"/>
+        <c:crossAx val="1464079296"/>
         <c:crosses val="autoZero"/>
         <c:crossBetween val="between"/>
       </c:valAx>
@@ -3014,6 +3022,7 @@
           </a:p>
         </c:rich>
       </c:tx>
+      <c:layout/>
       <c:overlay val="0"/>
       <c:spPr>
         <a:noFill/>
@@ -3098,7 +3107,7 @@
                   <c:v>74.77</c:v>
                 </c:pt>
                 <c:pt idx="1">
-                  <c:v>98.36239999999998</c:v>
+                  <c:v>98.36239999999999</c:v>
                 </c:pt>
               </c:numCache>
             </c:numRef>
@@ -3113,7 +3122,7 @@
               <c:strCache>
                 <c:ptCount val="1"/>
                 <c:pt idx="0">
-                  <c:v>F-measure</c:v>
+                  <c:v>Root relative squared error</c:v>
                 </c:pt>
               </c:strCache>
             </c:strRef>
@@ -3168,11 +3177,11 @@
         </c:dLbls>
         <c:gapWidth val="219"/>
         <c:overlap val="-27"/>
-        <c:axId val="1380062464"/>
-        <c:axId val="1462106048"/>
+        <c:axId val="1467858912"/>
+        <c:axId val="1467860272"/>
       </c:barChart>
       <c:catAx>
-        <c:axId val="1380062464"/>
+        <c:axId val="1467858912"/>
         <c:scaling>
           <c:orientation val="minMax"/>
         </c:scaling>
@@ -3215,7 +3224,7 @@
             <a:endParaRPr lang="en-US"/>
           </a:p>
         </c:txPr>
-        <c:crossAx val="1462106048"/>
+        <c:crossAx val="1467860272"/>
         <c:crosses val="autoZero"/>
         <c:auto val="1"/>
         <c:lblAlgn val="ctr"/>
@@ -3223,7 +3232,7 @@
         <c:noMultiLvlLbl val="0"/>
       </c:catAx>
       <c:valAx>
-        <c:axId val="1462106048"/>
+        <c:axId val="1467860272"/>
         <c:scaling>
           <c:orientation val="minMax"/>
           <c:max val="100.0"/>
@@ -3275,7 +3284,7 @@
             <a:endParaRPr lang="en-US"/>
           </a:p>
         </c:txPr>
-        <c:crossAx val="1380062464"/>
+        <c:crossAx val="1467858912"/>
         <c:crosses val="autoZero"/>
         <c:crossBetween val="between"/>
       </c:valAx>
@@ -3289,6 +3298,7 @@
     </c:plotArea>
     <c:legend>
       <c:legendPos val="b"/>
+      <c:layout/>
       <c:overlay val="0"/>
       <c:spPr>
         <a:noFill/>
@@ -19563,7 +19573,7 @@
             <p:ph idx="1"/>
             <p:extLst>
               <p:ext uri="{D42A27DB-BD31-4B8C-83A1-F6EECF244321}">
-                <p14:modId xmlns:p14="http://schemas.microsoft.com/office/powerpoint/2010/main" val="1861452544"/>
+                <p14:modId xmlns:p14="http://schemas.microsoft.com/office/powerpoint/2010/main" val="44259302"/>
               </p:ext>
             </p:extLst>
           </p:nvPr>
@@ -20198,7 +20208,7 @@
             <p:ph idx="1"/>
             <p:extLst>
               <p:ext uri="{D42A27DB-BD31-4B8C-83A1-F6EECF244321}">
-                <p14:modId xmlns:p14="http://schemas.microsoft.com/office/powerpoint/2010/main" val="1455404246"/>
+                <p14:modId xmlns:p14="http://schemas.microsoft.com/office/powerpoint/2010/main" val="836746852"/>
               </p:ext>
             </p:extLst>
           </p:nvPr>
@@ -20352,7 +20362,7 @@
             <p:ph idx="1"/>
             <p:extLst>
               <p:ext uri="{D42A27DB-BD31-4B8C-83A1-F6EECF244321}">
-                <p14:modId xmlns:p14="http://schemas.microsoft.com/office/powerpoint/2010/main" val="797210006"/>
+                <p14:modId xmlns:p14="http://schemas.microsoft.com/office/powerpoint/2010/main" val="1481421008"/>
               </p:ext>
             </p:extLst>
           </p:nvPr>

--- a/PPTGroup10.pptx
+++ b/PPTGroup10.pptx
@@ -181,7 +181,6 @@
           </a:p>
         </c:rich>
       </c:tx>
-      <c:layout/>
       <c:overlay val="0"/>
       <c:spPr>
         <a:noFill/>
@@ -348,11 +347,11 @@
         </c:dLbls>
         <c:gapWidth val="219"/>
         <c:overlap val="-27"/>
-        <c:axId val="2124693728"/>
-        <c:axId val="2124556656"/>
+        <c:axId val="1463626416"/>
+        <c:axId val="1463628192"/>
       </c:barChart>
       <c:catAx>
-        <c:axId val="2124693728"/>
+        <c:axId val="1463626416"/>
         <c:scaling>
           <c:orientation val="minMax"/>
         </c:scaling>
@@ -395,7 +394,7 @@
             <a:endParaRPr lang="en-US"/>
           </a:p>
         </c:txPr>
-        <c:crossAx val="2124556656"/>
+        <c:crossAx val="1463628192"/>
         <c:crosses val="autoZero"/>
         <c:auto val="1"/>
         <c:lblAlgn val="ctr"/>
@@ -403,7 +402,7 @@
         <c:noMultiLvlLbl val="0"/>
       </c:catAx>
       <c:valAx>
-        <c:axId val="2124556656"/>
+        <c:axId val="1463628192"/>
         <c:scaling>
           <c:orientation val="minMax"/>
           <c:max val="100.0"/>
@@ -456,7 +455,7 @@
             <a:endParaRPr lang="en-US"/>
           </a:p>
         </c:txPr>
-        <c:crossAx val="2124693728"/>
+        <c:crossAx val="1463626416"/>
         <c:crosses val="autoZero"/>
         <c:crossBetween val="between"/>
         <c:majorUnit val="10.0"/>
@@ -471,7 +470,6 @@
     </c:plotArea>
     <c:legend>
       <c:legendPos val="b"/>
-      <c:layout/>
       <c:overlay val="0"/>
       <c:spPr>
         <a:noFill/>
@@ -568,7 +566,6 @@
           </a:p>
         </c:rich>
       </c:tx>
-      <c:layout/>
       <c:overlay val="0"/>
       <c:spPr>
         <a:noFill/>
@@ -735,11 +732,11 @@
         </c:dLbls>
         <c:gapWidth val="219"/>
         <c:overlap val="-27"/>
-        <c:axId val="2125122000"/>
-        <c:axId val="2125125376"/>
+        <c:axId val="1462868384"/>
+        <c:axId val="1462870704"/>
       </c:barChart>
       <c:catAx>
-        <c:axId val="2125122000"/>
+        <c:axId val="1462868384"/>
         <c:scaling>
           <c:orientation val="minMax"/>
         </c:scaling>
@@ -782,7 +779,7 @@
             <a:endParaRPr lang="en-US"/>
           </a:p>
         </c:txPr>
-        <c:crossAx val="2125125376"/>
+        <c:crossAx val="1462870704"/>
         <c:crosses val="autoZero"/>
         <c:auto val="1"/>
         <c:lblAlgn val="ctr"/>
@@ -790,7 +787,7 @@
         <c:noMultiLvlLbl val="0"/>
       </c:catAx>
       <c:valAx>
-        <c:axId val="2125125376"/>
+        <c:axId val="1462870704"/>
         <c:scaling>
           <c:orientation val="minMax"/>
           <c:max val="100.0"/>
@@ -843,7 +840,7 @@
             <a:endParaRPr lang="en-US"/>
           </a:p>
         </c:txPr>
-        <c:crossAx val="2125122000"/>
+        <c:crossAx val="1462868384"/>
         <c:crosses val="autoZero"/>
         <c:crossBetween val="between"/>
         <c:majorUnit val="10.0"/>
@@ -858,7 +855,6 @@
     </c:plotArea>
     <c:legend>
       <c:legendPos val="b"/>
-      <c:layout/>
       <c:overlay val="0"/>
       <c:spPr>
         <a:noFill/>
@@ -1133,11 +1129,11 @@
         </c:dLbls>
         <c:gapWidth val="219"/>
         <c:overlap val="-27"/>
-        <c:axId val="2128893024"/>
-        <c:axId val="2128881696"/>
+        <c:axId val="1464321456"/>
+        <c:axId val="1382665888"/>
       </c:barChart>
       <c:catAx>
-        <c:axId val="2128893024"/>
+        <c:axId val="1464321456"/>
         <c:scaling>
           <c:orientation val="minMax"/>
         </c:scaling>
@@ -1180,7 +1176,7 @@
             <a:endParaRPr lang="en-US"/>
           </a:p>
         </c:txPr>
-        <c:crossAx val="2128881696"/>
+        <c:crossAx val="1382665888"/>
         <c:crosses val="autoZero"/>
         <c:auto val="1"/>
         <c:lblAlgn val="ctr"/>
@@ -1188,7 +1184,7 @@
         <c:noMultiLvlLbl val="0"/>
       </c:catAx>
       <c:valAx>
-        <c:axId val="2128881696"/>
+        <c:axId val="1382665888"/>
         <c:scaling>
           <c:orientation val="minMax"/>
           <c:max val="100.0"/>
@@ -1241,7 +1237,7 @@
             <a:endParaRPr lang="en-US"/>
           </a:p>
         </c:txPr>
-        <c:crossAx val="2128893024"/>
+        <c:crossAx val="1464321456"/>
         <c:crosses val="autoZero"/>
         <c:crossBetween val="between"/>
         <c:majorUnit val="20.0"/>
@@ -1548,11 +1544,11 @@
         </c:dLbls>
         <c:gapWidth val="219"/>
         <c:overlap val="-27"/>
-        <c:axId val="2125175056"/>
-        <c:axId val="2125178432"/>
+        <c:axId val="1465764704"/>
+        <c:axId val="1465760096"/>
       </c:barChart>
       <c:catAx>
-        <c:axId val="2125175056"/>
+        <c:axId val="1465764704"/>
         <c:scaling>
           <c:orientation val="minMax"/>
         </c:scaling>
@@ -1595,7 +1591,7 @@
             <a:endParaRPr lang="en-US"/>
           </a:p>
         </c:txPr>
-        <c:crossAx val="2125178432"/>
+        <c:crossAx val="1465760096"/>
         <c:crosses val="autoZero"/>
         <c:auto val="1"/>
         <c:lblAlgn val="ctr"/>
@@ -1603,7 +1599,7 @@
         <c:noMultiLvlLbl val="0"/>
       </c:catAx>
       <c:valAx>
-        <c:axId val="2125178432"/>
+        <c:axId val="1465760096"/>
         <c:scaling>
           <c:orientation val="minMax"/>
           <c:max val="100.0"/>
@@ -1656,7 +1652,7 @@
             <a:endParaRPr lang="en-US"/>
           </a:p>
         </c:txPr>
-        <c:crossAx val="2125175056"/>
+        <c:crossAx val="1465764704"/>
         <c:crosses val="autoZero"/>
         <c:crossBetween val="between"/>
         <c:majorUnit val="20.0"/>
@@ -1946,11 +1942,11 @@
         </c:dLbls>
         <c:gapWidth val="219"/>
         <c:overlap val="-27"/>
-        <c:axId val="2129161952"/>
-        <c:axId val="2129165328"/>
+        <c:axId val="1465657888"/>
+        <c:axId val="1465644432"/>
       </c:barChart>
       <c:catAx>
-        <c:axId val="2129161952"/>
+        <c:axId val="1465657888"/>
         <c:scaling>
           <c:orientation val="minMax"/>
         </c:scaling>
@@ -1993,7 +1989,7 @@
             <a:endParaRPr lang="en-US"/>
           </a:p>
         </c:txPr>
-        <c:crossAx val="2129165328"/>
+        <c:crossAx val="1465644432"/>
         <c:crosses val="autoZero"/>
         <c:auto val="1"/>
         <c:lblAlgn val="ctr"/>
@@ -2001,7 +1997,7 @@
         <c:noMultiLvlLbl val="0"/>
       </c:catAx>
       <c:valAx>
-        <c:axId val="2129165328"/>
+        <c:axId val="1465644432"/>
         <c:scaling>
           <c:orientation val="minMax"/>
           <c:min val="0.0"/>
@@ -2053,7 +2049,7 @@
             <a:endParaRPr lang="en-US"/>
           </a:p>
         </c:txPr>
-        <c:crossAx val="2129161952"/>
+        <c:crossAx val="1465657888"/>
         <c:crosses val="autoZero"/>
         <c:crossBetween val="between"/>
         <c:majorUnit val="20.0"/>
@@ -2145,7 +2141,7 @@
           <a:lstStyle/>
           <a:p>
             <a:pPr>
-              <a:defRPr sz="1862" b="0" i="0" u="none" strike="noStrike" kern="1200" spc="0" baseline="0">
+              <a:defRPr sz="2400" b="0" i="0" u="none" strike="noStrike" kern="1200" spc="0" baseline="0">
                 <a:solidFill>
                   <a:schemeClr val="tx1">
                     <a:lumMod val="65000"/>
@@ -2158,10 +2154,9 @@
               </a:defRPr>
             </a:pPr>
             <a:r>
-              <a:rPr lang="en-US" dirty="0" smtClean="0"/>
+              <a:rPr lang="en-US"/>
               <a:t>Letter Recognition</a:t>
             </a:r>
-            <a:endParaRPr lang="en-US" dirty="0"/>
           </a:p>
         </c:rich>
       </c:tx>
@@ -2178,7 +2173,7 @@
         <a:lstStyle/>
         <a:p>
           <a:pPr>
-            <a:defRPr sz="1862" b="0" i="0" u="none" strike="noStrike" kern="1200" spc="0" baseline="0">
+            <a:defRPr sz="2400" b="0" i="0" u="none" strike="noStrike" kern="1200" spc="0" baseline="0">
               <a:solidFill>
                 <a:schemeClr val="tx1">
                   <a:lumMod val="65000"/>
@@ -2210,7 +2205,7 @@
               <c:strCache>
                 <c:ptCount val="1"/>
                 <c:pt idx="0">
-                  <c:v>Correctness</c:v>
+                  <c:v>Accuracy</c:v>
                 </c:pt>
               </c:strCache>
             </c:strRef>
@@ -2282,7 +2277,7 @@
               <c:strCache>
                 <c:ptCount val="1"/>
                 <c:pt idx="0">
-                  <c:v>Root relative squared error</c:v>
+                  <c:v>F-measure</c:v>
                 </c:pt>
               </c:strCache>
             </c:strRef>
@@ -2327,6 +2322,78 @@
                 <c:formatCode>General</c:formatCode>
                 <c:ptCount val="5"/>
                 <c:pt idx="0">
+                  <c:v>82.56</c:v>
+                </c:pt>
+                <c:pt idx="1">
+                  <c:v>81.23</c:v>
+                </c:pt>
+                <c:pt idx="2">
+                  <c:v>82.77500000000001</c:v>
+                </c:pt>
+                <c:pt idx="3">
+                  <c:v>82.56</c:v>
+                </c:pt>
+                <c:pt idx="4">
+                  <c:v>82.56</c:v>
+                </c:pt>
+              </c:numCache>
+            </c:numRef>
+          </c:val>
+        </c:ser>
+        <c:ser>
+          <c:idx val="2"/>
+          <c:order val="2"/>
+          <c:tx>
+            <c:strRef>
+              <c:f>Sheet1!$D$1</c:f>
+              <c:strCache>
+                <c:ptCount val="1"/>
+                <c:pt idx="0">
+                  <c:v>Root relative squared error</c:v>
+                </c:pt>
+              </c:strCache>
+            </c:strRef>
+          </c:tx>
+          <c:spPr>
+            <a:solidFill>
+              <a:schemeClr val="accent3"/>
+            </a:solidFill>
+            <a:ln>
+              <a:noFill/>
+            </a:ln>
+            <a:effectLst/>
+          </c:spPr>
+          <c:invertIfNegative val="0"/>
+          <c:cat>
+            <c:strRef>
+              <c:f>Sheet1!$A$2:$A$6</c:f>
+              <c:strCache>
+                <c:ptCount val="5"/>
+                <c:pt idx="0">
+                  <c:v>Default</c:v>
+                </c:pt>
+                <c:pt idx="1">
+                  <c:v>L=0.6</c:v>
+                </c:pt>
+                <c:pt idx="2">
+                  <c:v>N=200</c:v>
+                </c:pt>
+                <c:pt idx="3">
+                  <c:v>E=10</c:v>
+                </c:pt>
+                <c:pt idx="4">
+                  <c:v>E=30</c:v>
+                </c:pt>
+              </c:strCache>
+            </c:strRef>
+          </c:cat>
+          <c:val>
+            <c:numRef>
+              <c:f>Sheet1!$D$2:$D$6</c:f>
+              <c:numCache>
+                <c:formatCode>General</c:formatCode>
+                <c:ptCount val="5"/>
+                <c:pt idx="0">
                   <c:v>56.0979</c:v>
                 </c:pt>
                 <c:pt idx="1">
@@ -2355,11 +2422,11 @@
         </c:dLbls>
         <c:gapWidth val="219"/>
         <c:overlap val="-27"/>
-        <c:axId val="2125281600"/>
-        <c:axId val="2125284992"/>
+        <c:axId val="1380850480"/>
+        <c:axId val="1380404416"/>
       </c:barChart>
       <c:catAx>
-        <c:axId val="2125281600"/>
+        <c:axId val="1380850480"/>
         <c:scaling>
           <c:orientation val="minMax"/>
         </c:scaling>
@@ -2387,7 +2454,7 @@
           <a:lstStyle/>
           <a:p>
             <a:pPr>
-              <a:defRPr sz="1197" b="0" i="0" u="none" strike="noStrike" kern="1200" baseline="0">
+              <a:defRPr sz="2000" b="0" i="0" u="none" strike="noStrike" kern="1200" baseline="0">
                 <a:solidFill>
                   <a:schemeClr val="tx1">
                     <a:lumMod val="65000"/>
@@ -2402,7 +2469,7 @@
             <a:endParaRPr lang="en-US"/>
           </a:p>
         </c:txPr>
-        <c:crossAx val="2125284992"/>
+        <c:crossAx val="1380404416"/>
         <c:crosses val="autoZero"/>
         <c:auto val="1"/>
         <c:lblAlgn val="ctr"/>
@@ -2410,7 +2477,7 @@
         <c:noMultiLvlLbl val="0"/>
       </c:catAx>
       <c:valAx>
-        <c:axId val="2125284992"/>
+        <c:axId val="1380404416"/>
         <c:scaling>
           <c:orientation val="minMax"/>
         </c:scaling>
@@ -2446,7 +2513,7 @@
           <a:lstStyle/>
           <a:p>
             <a:pPr>
-              <a:defRPr sz="1197" b="0" i="0" u="none" strike="noStrike" kern="1200" baseline="0">
+              <a:defRPr sz="2000" b="0" i="0" u="none" strike="noStrike" kern="1200" baseline="0">
                 <a:solidFill>
                   <a:schemeClr val="tx1">
                     <a:lumMod val="65000"/>
@@ -2461,7 +2528,7 @@
             <a:endParaRPr lang="en-US"/>
           </a:p>
         </c:txPr>
-        <c:crossAx val="2125281600"/>
+        <c:crossAx val="1380850480"/>
         <c:crosses val="autoZero"/>
         <c:crossBetween val="between"/>
       </c:valAx>
@@ -2488,7 +2555,7 @@
         <a:lstStyle/>
         <a:p>
           <a:pPr>
-            <a:defRPr sz="1197" b="0" i="0" u="none" strike="noStrike" kern="1200" baseline="0">
+            <a:defRPr sz="2000" b="0" i="0" u="none" strike="noStrike" kern="1200" baseline="0">
               <a:solidFill>
                 <a:schemeClr val="tx1">
                   <a:lumMod val="65000"/>
@@ -2520,7 +2587,7 @@
     <a:lstStyle/>
     <a:p>
       <a:pPr>
-        <a:defRPr/>
+        <a:defRPr sz="2000" baseline="0"/>
       </a:pPr>
       <a:endParaRPr lang="en-US"/>
     </a:p>
@@ -2552,7 +2619,7 @@
           <a:lstStyle/>
           <a:p>
             <a:pPr>
-              <a:defRPr sz="1862" b="0" i="0" u="none" strike="noStrike" kern="1200" spc="0" baseline="0">
+              <a:defRPr sz="2400" b="0" i="0" u="none" strike="noStrike" kern="1200" spc="0" baseline="0">
                 <a:solidFill>
                   <a:schemeClr val="tx1">
                     <a:lumMod val="65000"/>
@@ -2565,13 +2632,17 @@
               </a:defRPr>
             </a:pPr>
             <a:r>
+              <a:rPr lang="en-US" dirty="0"/>
+              <a:t>Digit </a:t>
+            </a:r>
+            <a:r>
               <a:rPr lang="en-US" dirty="0" smtClean="0"/>
-              <a:t>Digit Recognition</a:t>
-            </a:r>
-            <a:endParaRPr lang="en-US" dirty="0"/>
+              <a:t>Classification</a:t>
+            </a:r>
           </a:p>
         </c:rich>
       </c:tx>
+      <c:layout/>
       <c:overlay val="0"/>
       <c:spPr>
         <a:noFill/>
@@ -2585,7 +2656,7 @@
         <a:lstStyle/>
         <a:p>
           <a:pPr>
-            <a:defRPr sz="1862" b="0" i="0" u="none" strike="noStrike" kern="1200" spc="0" baseline="0">
+            <a:defRPr sz="2400" b="0" i="0" u="none" strike="noStrike" kern="1200" spc="0" baseline="0">
               <a:solidFill>
                 <a:schemeClr val="tx1">
                   <a:lumMod val="65000"/>
@@ -2617,7 +2688,7 @@
               <c:strCache>
                 <c:ptCount val="1"/>
                 <c:pt idx="0">
-                  <c:v>Correctness</c:v>
+                  <c:v>Accuracy</c:v>
                 </c:pt>
               </c:strCache>
             </c:strRef>
@@ -2689,7 +2760,7 @@
               <c:strCache>
                 <c:ptCount val="1"/>
                 <c:pt idx="0">
-                  <c:v>Root relative squared error</c:v>
+                  <c:v>F-measure</c:v>
                 </c:pt>
               </c:strCache>
             </c:strRef>
@@ -2734,6 +2805,78 @@
                 <c:formatCode>General</c:formatCode>
                 <c:ptCount val="5"/>
                 <c:pt idx="0">
+                  <c:v>92.73</c:v>
+                </c:pt>
+                <c:pt idx="1">
+                  <c:v>74.77</c:v>
+                </c:pt>
+                <c:pt idx="2">
+                  <c:v>93.27</c:v>
+                </c:pt>
+                <c:pt idx="3">
+                  <c:v>92.73</c:v>
+                </c:pt>
+                <c:pt idx="4">
+                  <c:v>92.73</c:v>
+                </c:pt>
+              </c:numCache>
+            </c:numRef>
+          </c:val>
+        </c:ser>
+        <c:ser>
+          <c:idx val="2"/>
+          <c:order val="2"/>
+          <c:tx>
+            <c:strRef>
+              <c:f>Sheet1!$D$1</c:f>
+              <c:strCache>
+                <c:ptCount val="1"/>
+                <c:pt idx="0">
+                  <c:v>Root relative squared error</c:v>
+                </c:pt>
+              </c:strCache>
+            </c:strRef>
+          </c:tx>
+          <c:spPr>
+            <a:solidFill>
+              <a:schemeClr val="accent3"/>
+            </a:solidFill>
+            <a:ln>
+              <a:noFill/>
+            </a:ln>
+            <a:effectLst/>
+          </c:spPr>
+          <c:invertIfNegative val="0"/>
+          <c:cat>
+            <c:strRef>
+              <c:f>Sheet1!$A$2:$A$6</c:f>
+              <c:strCache>
+                <c:ptCount val="5"/>
+                <c:pt idx="0">
+                  <c:v>Default</c:v>
+                </c:pt>
+                <c:pt idx="1">
+                  <c:v>L=0.6</c:v>
+                </c:pt>
+                <c:pt idx="2">
+                  <c:v>N=200</c:v>
+                </c:pt>
+                <c:pt idx="3">
+                  <c:v>E=10</c:v>
+                </c:pt>
+                <c:pt idx="4">
+                  <c:v>E=30</c:v>
+                </c:pt>
+              </c:strCache>
+            </c:strRef>
+          </c:cat>
+          <c:val>
+            <c:numRef>
+              <c:f>Sheet1!$D$2:$D$6</c:f>
+              <c:numCache>
+                <c:formatCode>General</c:formatCode>
+                <c:ptCount val="5"/>
+                <c:pt idx="0">
                   <c:v>38.5267</c:v>
                 </c:pt>
                 <c:pt idx="1">
@@ -2762,11 +2905,11 @@
         </c:dLbls>
         <c:gapWidth val="219"/>
         <c:overlap val="-27"/>
-        <c:axId val="2129220064"/>
-        <c:axId val="2129201296"/>
+        <c:axId val="1465581776"/>
+        <c:axId val="1465576480"/>
       </c:barChart>
       <c:catAx>
-        <c:axId val="2129220064"/>
+        <c:axId val="1465581776"/>
         <c:scaling>
           <c:orientation val="minMax"/>
         </c:scaling>
@@ -2794,7 +2937,7 @@
           <a:lstStyle/>
           <a:p>
             <a:pPr>
-              <a:defRPr sz="1197" b="0" i="0" u="none" strike="noStrike" kern="1200" baseline="0">
+              <a:defRPr sz="2000" b="0" i="0" u="none" strike="noStrike" kern="1200" baseline="0">
                 <a:solidFill>
                   <a:schemeClr val="tx1">
                     <a:lumMod val="65000"/>
@@ -2809,7 +2952,7 @@
             <a:endParaRPr lang="en-US"/>
           </a:p>
         </c:txPr>
-        <c:crossAx val="2129201296"/>
+        <c:crossAx val="1465576480"/>
         <c:crosses val="autoZero"/>
         <c:auto val="1"/>
         <c:lblAlgn val="ctr"/>
@@ -2817,7 +2960,7 @@
         <c:noMultiLvlLbl val="0"/>
       </c:catAx>
       <c:valAx>
-        <c:axId val="2129201296"/>
+        <c:axId val="1465576480"/>
         <c:scaling>
           <c:orientation val="minMax"/>
         </c:scaling>
@@ -2853,7 +2996,7 @@
           <a:lstStyle/>
           <a:p>
             <a:pPr>
-              <a:defRPr sz="1197" b="0" i="0" u="none" strike="noStrike" kern="1200" baseline="0">
+              <a:defRPr sz="2000" b="0" i="0" u="none" strike="noStrike" kern="1200" baseline="0">
                 <a:solidFill>
                   <a:schemeClr val="tx1">
                     <a:lumMod val="65000"/>
@@ -2868,7 +3011,7 @@
             <a:endParaRPr lang="en-US"/>
           </a:p>
         </c:txPr>
-        <c:crossAx val="2129220064"/>
+        <c:crossAx val="1465581776"/>
         <c:crosses val="autoZero"/>
         <c:crossBetween val="between"/>
       </c:valAx>
@@ -2882,6 +3025,7 @@
     </c:plotArea>
     <c:legend>
       <c:legendPos val="b"/>
+      <c:layout/>
       <c:overlay val="0"/>
       <c:spPr>
         <a:noFill/>
@@ -2895,7 +3039,7 @@
         <a:lstStyle/>
         <a:p>
           <a:pPr>
-            <a:defRPr sz="1197" b="0" i="0" u="none" strike="noStrike" kern="1200" baseline="0">
+            <a:defRPr sz="2000" b="0" i="0" u="none" strike="noStrike" kern="1200" baseline="0">
               <a:solidFill>
                 <a:schemeClr val="tx1">
                   <a:lumMod val="65000"/>
@@ -2927,7 +3071,7 @@
     <a:lstStyle/>
     <a:p>
       <a:pPr>
-        <a:defRPr/>
+        <a:defRPr sz="2000" baseline="0"/>
       </a:pPr>
       <a:endParaRPr lang="en-US"/>
     </a:p>
@@ -2959,7 +3103,7 @@
           <a:lstStyle/>
           <a:p>
             <a:pPr>
-              <a:defRPr sz="1862" b="0" i="0" u="none" strike="noStrike" kern="1200" spc="0" baseline="0">
+              <a:defRPr sz="2400" b="0" i="0" u="none" strike="noStrike" kern="1200" spc="0" baseline="0">
                 <a:solidFill>
                   <a:schemeClr val="tx1">
                     <a:lumMod val="65000"/>
@@ -2972,14 +3116,9 @@
               </a:defRPr>
             </a:pPr>
             <a:r>
-              <a:rPr lang="en-US" dirty="0" smtClean="0"/>
-              <a:t>Two times</a:t>
-            </a:r>
-            <a:r>
-              <a:rPr lang="en-US" baseline="0" dirty="0" smtClean="0"/>
-              <a:t> tests with L=0.6</a:t>
-            </a:r>
-            <a:endParaRPr lang="en-US" dirty="0"/>
+              <a:rPr lang="en-US"/>
+              <a:t>Two times tests with L=0.6</a:t>
+            </a:r>
           </a:p>
         </c:rich>
       </c:tx>
@@ -2996,7 +3135,7 @@
         <a:lstStyle/>
         <a:p>
           <a:pPr>
-            <a:defRPr sz="1862" b="0" i="0" u="none" strike="noStrike" kern="1200" spc="0" baseline="0">
+            <a:defRPr sz="2400" b="0" i="0" u="none" strike="noStrike" kern="1200" spc="0" baseline="0">
               <a:solidFill>
                 <a:schemeClr val="tx1">
                   <a:lumMod val="65000"/>
@@ -3028,7 +3167,7 @@
               <c:strCache>
                 <c:ptCount val="1"/>
                 <c:pt idx="0">
-                  <c:v>Correctness</c:v>
+                  <c:v>Accuracy</c:v>
                 </c:pt>
               </c:strCache>
             </c:strRef>
@@ -3082,7 +3221,7 @@
               <c:strCache>
                 <c:ptCount val="1"/>
                 <c:pt idx="0">
-                  <c:v>Root relative squared error</c:v>
+                  <c:v>F-measure</c:v>
                 </c:pt>
               </c:strCache>
             </c:strRef>
@@ -3118,6 +3257,60 @@
                 <c:formatCode>General</c:formatCode>
                 <c:ptCount val="2"/>
                 <c:pt idx="0">
+                  <c:v>74.65000000000001</c:v>
+                </c:pt>
+                <c:pt idx="1">
+                  <c:v>98.36</c:v>
+                </c:pt>
+              </c:numCache>
+            </c:numRef>
+          </c:val>
+        </c:ser>
+        <c:ser>
+          <c:idx val="2"/>
+          <c:order val="2"/>
+          <c:tx>
+            <c:strRef>
+              <c:f>Sheet1!$D$1</c:f>
+              <c:strCache>
+                <c:ptCount val="1"/>
+                <c:pt idx="0">
+                  <c:v>Root relative squared error</c:v>
+                </c:pt>
+              </c:strCache>
+            </c:strRef>
+          </c:tx>
+          <c:spPr>
+            <a:solidFill>
+              <a:schemeClr val="accent3"/>
+            </a:solidFill>
+            <a:ln>
+              <a:noFill/>
+            </a:ln>
+            <a:effectLst/>
+          </c:spPr>
+          <c:invertIfNegative val="0"/>
+          <c:cat>
+            <c:strRef>
+              <c:f>Sheet1!$A$2:$A$3</c:f>
+              <c:strCache>
+                <c:ptCount val="2"/>
+                <c:pt idx="0">
+                  <c:v>1st</c:v>
+                </c:pt>
+                <c:pt idx="1">
+                  <c:v>2nd</c:v>
+                </c:pt>
+              </c:strCache>
+            </c:strRef>
+          </c:cat>
+          <c:val>
+            <c:numRef>
+              <c:f>Sheet1!$D$2:$D$3</c:f>
+              <c:numCache>
+                <c:formatCode>General</c:formatCode>
+                <c:ptCount val="2"/>
+                <c:pt idx="0">
                   <c:v>74.6975</c:v>
                 </c:pt>
                 <c:pt idx="1">
@@ -3137,11 +3330,11 @@
         </c:dLbls>
         <c:gapWidth val="219"/>
         <c:overlap val="-27"/>
-        <c:axId val="2129551072"/>
-        <c:axId val="2130706576"/>
+        <c:axId val="1418653024"/>
+        <c:axId val="1382577616"/>
       </c:barChart>
       <c:catAx>
-        <c:axId val="2129551072"/>
+        <c:axId val="1418653024"/>
         <c:scaling>
           <c:orientation val="minMax"/>
         </c:scaling>
@@ -3169,7 +3362,7 @@
           <a:lstStyle/>
           <a:p>
             <a:pPr>
-              <a:defRPr sz="1197" b="0" i="0" u="none" strike="noStrike" kern="1200" baseline="0">
+              <a:defRPr sz="2000" b="0" i="0" u="none" strike="noStrike" kern="1200" baseline="0">
                 <a:solidFill>
                   <a:schemeClr val="tx1">
                     <a:lumMod val="65000"/>
@@ -3184,7 +3377,7 @@
             <a:endParaRPr lang="en-US"/>
           </a:p>
         </c:txPr>
-        <c:crossAx val="2130706576"/>
+        <c:crossAx val="1382577616"/>
         <c:crosses val="autoZero"/>
         <c:auto val="1"/>
         <c:lblAlgn val="ctr"/>
@@ -3192,7 +3385,7 @@
         <c:noMultiLvlLbl val="0"/>
       </c:catAx>
       <c:valAx>
-        <c:axId val="2130706576"/>
+        <c:axId val="1382577616"/>
         <c:scaling>
           <c:orientation val="minMax"/>
           <c:max val="100.0"/>
@@ -3229,7 +3422,7 @@
           <a:lstStyle/>
           <a:p>
             <a:pPr>
-              <a:defRPr sz="1197" b="0" i="0" u="none" strike="noStrike" kern="1200" baseline="0">
+              <a:defRPr sz="2000" b="0" i="0" u="none" strike="noStrike" kern="1200" baseline="0">
                 <a:solidFill>
                   <a:schemeClr val="tx1">
                     <a:lumMod val="65000"/>
@@ -3244,7 +3437,7 @@
             <a:endParaRPr lang="en-US"/>
           </a:p>
         </c:txPr>
-        <c:crossAx val="2129551072"/>
+        <c:crossAx val="1418653024"/>
         <c:crosses val="autoZero"/>
         <c:crossBetween val="between"/>
       </c:valAx>
@@ -3271,7 +3464,7 @@
         <a:lstStyle/>
         <a:p>
           <a:pPr>
-            <a:defRPr sz="1197" b="0" i="0" u="none" strike="noStrike" kern="1200" baseline="0">
+            <a:defRPr sz="2000" b="0" i="0" u="none" strike="noStrike" kern="1200" baseline="0">
               <a:solidFill>
                 <a:schemeClr val="tx1">
                   <a:lumMod val="65000"/>
@@ -3303,7 +3496,7 @@
     <a:lstStyle/>
     <a:p>
       <a:pPr>
-        <a:defRPr/>
+        <a:defRPr sz="2000" baseline="0"/>
       </a:pPr>
       <a:endParaRPr lang="en-US"/>
     </a:p>
@@ -19532,7 +19725,7 @@
             <p:ph idx="1"/>
             <p:extLst>
               <p:ext uri="{D42A27DB-BD31-4B8C-83A1-F6EECF244321}">
-                <p14:modId xmlns:p14="http://schemas.microsoft.com/office/powerpoint/2010/main" val="1918265136"/>
+                <p14:modId xmlns:p14="http://schemas.microsoft.com/office/powerpoint/2010/main" val="1531262828"/>
               </p:ext>
             </p:extLst>
           </p:nvPr>
@@ -20167,7 +20360,7 @@
             <p:ph idx="1"/>
             <p:extLst>
               <p:ext uri="{D42A27DB-BD31-4B8C-83A1-F6EECF244321}">
-                <p14:modId xmlns:p14="http://schemas.microsoft.com/office/powerpoint/2010/main" val="1967832537"/>
+                <p14:modId xmlns:p14="http://schemas.microsoft.com/office/powerpoint/2010/main" val="1862143310"/>
               </p:ext>
             </p:extLst>
           </p:nvPr>
@@ -20321,7 +20514,7 @@
             <p:ph idx="1"/>
             <p:extLst>
               <p:ext uri="{D42A27DB-BD31-4B8C-83A1-F6EECF244321}">
-                <p14:modId xmlns:p14="http://schemas.microsoft.com/office/powerpoint/2010/main" val="336355854"/>
+                <p14:modId xmlns:p14="http://schemas.microsoft.com/office/powerpoint/2010/main" val="959513038"/>
               </p:ext>
             </p:extLst>
           </p:nvPr>

--- a/PPTGroup10.pptx
+++ b/PPTGroup10.pptx
@@ -347,11 +347,11 @@
         </c:dLbls>
         <c:gapWidth val="219"/>
         <c:overlap val="-27"/>
-        <c:axId val="1463626416"/>
-        <c:axId val="1463628192"/>
+        <c:axId val="-2121546288"/>
+        <c:axId val="-2052000480"/>
       </c:barChart>
       <c:catAx>
-        <c:axId val="1463626416"/>
+        <c:axId val="-2121546288"/>
         <c:scaling>
           <c:orientation val="minMax"/>
         </c:scaling>
@@ -394,7 +394,7 @@
             <a:endParaRPr lang="en-US"/>
           </a:p>
         </c:txPr>
-        <c:crossAx val="1463628192"/>
+        <c:crossAx val="-2052000480"/>
         <c:crosses val="autoZero"/>
         <c:auto val="1"/>
         <c:lblAlgn val="ctr"/>
@@ -402,7 +402,7 @@
         <c:noMultiLvlLbl val="0"/>
       </c:catAx>
       <c:valAx>
-        <c:axId val="1463628192"/>
+        <c:axId val="-2052000480"/>
         <c:scaling>
           <c:orientation val="minMax"/>
           <c:max val="100.0"/>
@@ -455,7 +455,7 @@
             <a:endParaRPr lang="en-US"/>
           </a:p>
         </c:txPr>
-        <c:crossAx val="1463626416"/>
+        <c:crossAx val="-2121546288"/>
         <c:crosses val="autoZero"/>
         <c:crossBetween val="between"/>
         <c:majorUnit val="10.0"/>
@@ -732,11 +732,11 @@
         </c:dLbls>
         <c:gapWidth val="219"/>
         <c:overlap val="-27"/>
-        <c:axId val="1462868384"/>
-        <c:axId val="1462870704"/>
+        <c:axId val="-2127319744"/>
+        <c:axId val="-2055869520"/>
       </c:barChart>
       <c:catAx>
-        <c:axId val="1462868384"/>
+        <c:axId val="-2127319744"/>
         <c:scaling>
           <c:orientation val="minMax"/>
         </c:scaling>
@@ -779,7 +779,7 @@
             <a:endParaRPr lang="en-US"/>
           </a:p>
         </c:txPr>
-        <c:crossAx val="1462870704"/>
+        <c:crossAx val="-2055869520"/>
         <c:crosses val="autoZero"/>
         <c:auto val="1"/>
         <c:lblAlgn val="ctr"/>
@@ -787,7 +787,7 @@
         <c:noMultiLvlLbl val="0"/>
       </c:catAx>
       <c:valAx>
-        <c:axId val="1462870704"/>
+        <c:axId val="-2055869520"/>
         <c:scaling>
           <c:orientation val="minMax"/>
           <c:max val="100.0"/>
@@ -840,7 +840,7 @@
             <a:endParaRPr lang="en-US"/>
           </a:p>
         </c:txPr>
-        <c:crossAx val="1462868384"/>
+        <c:crossAx val="-2127319744"/>
         <c:crosses val="autoZero"/>
         <c:crossBetween val="between"/>
         <c:majorUnit val="10.0"/>
@@ -946,11 +946,25 @@
             </a:pPr>
             <a:r>
               <a:rPr lang="en-US" dirty="0"/>
-              <a:t>Letter Recognition</a:t>
-            </a:r>
+              <a:t>Letter </a:t>
+            </a:r>
+            <a:r>
+              <a:rPr lang="en-US" dirty="0" smtClean="0"/>
+              <a:t>Recognition (</a:t>
+            </a:r>
+            <a:r>
+              <a:rPr lang="en-US" dirty="0" err="1" smtClean="0"/>
+              <a:t>LibSVM</a:t>
+            </a:r>
+            <a:r>
+              <a:rPr lang="en-US" dirty="0" smtClean="0"/>
+              <a:t>)</a:t>
+            </a:r>
+            <a:endParaRPr lang="en-US" dirty="0"/>
           </a:p>
         </c:rich>
       </c:tx>
+      <c:layout/>
       <c:overlay val="0"/>
       <c:spPr>
         <a:noFill/>
@@ -1129,11 +1143,11 @@
         </c:dLbls>
         <c:gapWidth val="219"/>
         <c:overlap val="-27"/>
-        <c:axId val="1464321456"/>
-        <c:axId val="1382665888"/>
+        <c:axId val="-2096089392"/>
+        <c:axId val="-2051368000"/>
       </c:barChart>
       <c:catAx>
-        <c:axId val="1464321456"/>
+        <c:axId val="-2096089392"/>
         <c:scaling>
           <c:orientation val="minMax"/>
         </c:scaling>
@@ -1176,7 +1190,7 @@
             <a:endParaRPr lang="en-US"/>
           </a:p>
         </c:txPr>
-        <c:crossAx val="1382665888"/>
+        <c:crossAx val="-2051368000"/>
         <c:crosses val="autoZero"/>
         <c:auto val="1"/>
         <c:lblAlgn val="ctr"/>
@@ -1184,11 +1198,11 @@
         <c:noMultiLvlLbl val="0"/>
       </c:catAx>
       <c:valAx>
-        <c:axId val="1382665888"/>
+        <c:axId val="-2051368000"/>
         <c:scaling>
           <c:orientation val="minMax"/>
           <c:max val="100.0"/>
-          <c:min val="0.0"/>
+          <c:min val="50.0"/>
         </c:scaling>
         <c:delete val="0"/>
         <c:axPos val="l"/>
@@ -1237,10 +1251,10 @@
             <a:endParaRPr lang="en-US"/>
           </a:p>
         </c:txPr>
-        <c:crossAx val="1464321456"/>
+        <c:crossAx val="-2096089392"/>
         <c:crosses val="autoZero"/>
         <c:crossBetween val="between"/>
-        <c:majorUnit val="20.0"/>
+        <c:majorUnit val="10.0"/>
       </c:valAx>
       <c:spPr>
         <a:noFill/>
@@ -1252,6 +1266,7 @@
     </c:plotArea>
     <c:legend>
       <c:legendPos val="b"/>
+      <c:layout/>
       <c:overlay val="0"/>
       <c:spPr>
         <a:noFill/>
@@ -1544,11 +1559,11 @@
         </c:dLbls>
         <c:gapWidth val="219"/>
         <c:overlap val="-27"/>
-        <c:axId val="1465764704"/>
-        <c:axId val="1465760096"/>
+        <c:axId val="-2053741536"/>
+        <c:axId val="-2115447792"/>
       </c:barChart>
       <c:catAx>
-        <c:axId val="1465764704"/>
+        <c:axId val="-2053741536"/>
         <c:scaling>
           <c:orientation val="minMax"/>
         </c:scaling>
@@ -1591,7 +1606,7 @@
             <a:endParaRPr lang="en-US"/>
           </a:p>
         </c:txPr>
-        <c:crossAx val="1465760096"/>
+        <c:crossAx val="-2115447792"/>
         <c:crosses val="autoZero"/>
         <c:auto val="1"/>
         <c:lblAlgn val="ctr"/>
@@ -1599,11 +1614,11 @@
         <c:noMultiLvlLbl val="0"/>
       </c:catAx>
       <c:valAx>
-        <c:axId val="1465760096"/>
+        <c:axId val="-2115447792"/>
         <c:scaling>
           <c:orientation val="minMax"/>
           <c:max val="100.0"/>
-          <c:min val="0.0"/>
+          <c:min val="50.0"/>
         </c:scaling>
         <c:delete val="0"/>
         <c:axPos val="l"/>
@@ -1652,10 +1667,10 @@
             <a:endParaRPr lang="en-US"/>
           </a:p>
         </c:txPr>
-        <c:crossAx val="1465764704"/>
+        <c:crossAx val="-2053741536"/>
         <c:crosses val="autoZero"/>
         <c:crossBetween val="between"/>
-        <c:majorUnit val="20.0"/>
+        <c:majorUnit val="10.0"/>
       </c:valAx>
       <c:spPr>
         <a:noFill/>
@@ -1758,12 +1773,26 @@
               </a:defRPr>
             </a:pPr>
             <a:r>
-              <a:rPr lang="en-US"/>
-              <a:t>Digit Classification</a:t>
-            </a:r>
+              <a:rPr lang="en-US" dirty="0"/>
+              <a:t>Digit </a:t>
+            </a:r>
+            <a:r>
+              <a:rPr lang="en-US" dirty="0" smtClean="0"/>
+              <a:t>Classification (</a:t>
+            </a:r>
+            <a:r>
+              <a:rPr lang="en-US" dirty="0" err="1" smtClean="0"/>
+              <a:t>LibSVM</a:t>
+            </a:r>
+            <a:r>
+              <a:rPr lang="en-US" dirty="0" smtClean="0"/>
+              <a:t>)</a:t>
+            </a:r>
+            <a:endParaRPr lang="en-US" dirty="0"/>
           </a:p>
         </c:rich>
       </c:tx>
+      <c:layout/>
       <c:overlay val="0"/>
       <c:spPr>
         <a:noFill/>
@@ -1942,11 +1971,11 @@
         </c:dLbls>
         <c:gapWidth val="219"/>
         <c:overlap val="-27"/>
-        <c:axId val="1465657888"/>
-        <c:axId val="1465644432"/>
+        <c:axId val="-2094334992"/>
+        <c:axId val="-2094395760"/>
       </c:barChart>
       <c:catAx>
-        <c:axId val="1465657888"/>
+        <c:axId val="-2094334992"/>
         <c:scaling>
           <c:orientation val="minMax"/>
         </c:scaling>
@@ -1989,7 +2018,7 @@
             <a:endParaRPr lang="en-US"/>
           </a:p>
         </c:txPr>
-        <c:crossAx val="1465644432"/>
+        <c:crossAx val="-2094395760"/>
         <c:crosses val="autoZero"/>
         <c:auto val="1"/>
         <c:lblAlgn val="ctr"/>
@@ -1997,10 +2026,10 @@
         <c:noMultiLvlLbl val="0"/>
       </c:catAx>
       <c:valAx>
-        <c:axId val="1465644432"/>
+        <c:axId val="-2094395760"/>
         <c:scaling>
           <c:orientation val="minMax"/>
-          <c:min val="0.0"/>
+          <c:min val="50.0"/>
         </c:scaling>
         <c:delete val="0"/>
         <c:axPos val="l"/>
@@ -2049,10 +2078,10 @@
             <a:endParaRPr lang="en-US"/>
           </a:p>
         </c:txPr>
-        <c:crossAx val="1465657888"/>
+        <c:crossAx val="-2094334992"/>
         <c:crosses val="autoZero"/>
         <c:crossBetween val="between"/>
-        <c:majorUnit val="20.0"/>
+        <c:majorUnit val="10.0"/>
       </c:valAx>
       <c:spPr>
         <a:noFill/>
@@ -2064,6 +2093,7 @@
     </c:plotArea>
     <c:legend>
       <c:legendPos val="b"/>
+      <c:layout/>
       <c:overlay val="0"/>
       <c:spPr>
         <a:noFill/>
@@ -2422,11 +2452,11 @@
         </c:dLbls>
         <c:gapWidth val="219"/>
         <c:overlap val="-27"/>
-        <c:axId val="1380850480"/>
-        <c:axId val="1380404416"/>
+        <c:axId val="-2131568896"/>
+        <c:axId val="-2054488944"/>
       </c:barChart>
       <c:catAx>
-        <c:axId val="1380850480"/>
+        <c:axId val="-2131568896"/>
         <c:scaling>
           <c:orientation val="minMax"/>
         </c:scaling>
@@ -2469,7 +2499,7 @@
             <a:endParaRPr lang="en-US"/>
           </a:p>
         </c:txPr>
-        <c:crossAx val="1380404416"/>
+        <c:crossAx val="-2054488944"/>
         <c:crosses val="autoZero"/>
         <c:auto val="1"/>
         <c:lblAlgn val="ctr"/>
@@ -2477,7 +2507,7 @@
         <c:noMultiLvlLbl val="0"/>
       </c:catAx>
       <c:valAx>
-        <c:axId val="1380404416"/>
+        <c:axId val="-2054488944"/>
         <c:scaling>
           <c:orientation val="minMax"/>
         </c:scaling>
@@ -2528,7 +2558,7 @@
             <a:endParaRPr lang="en-US"/>
           </a:p>
         </c:txPr>
-        <c:crossAx val="1380850480"/>
+        <c:crossAx val="-2131568896"/>
         <c:crosses val="autoZero"/>
         <c:crossBetween val="between"/>
       </c:valAx>
@@ -2642,7 +2672,6 @@
           </a:p>
         </c:rich>
       </c:tx>
-      <c:layout/>
       <c:overlay val="0"/>
       <c:spPr>
         <a:noFill/>
@@ -2905,11 +2934,11 @@
         </c:dLbls>
         <c:gapWidth val="219"/>
         <c:overlap val="-27"/>
-        <c:axId val="1465581776"/>
-        <c:axId val="1465576480"/>
+        <c:axId val="-2117720000"/>
+        <c:axId val="-2117633952"/>
       </c:barChart>
       <c:catAx>
-        <c:axId val="1465581776"/>
+        <c:axId val="-2117720000"/>
         <c:scaling>
           <c:orientation val="minMax"/>
         </c:scaling>
@@ -2952,7 +2981,7 @@
             <a:endParaRPr lang="en-US"/>
           </a:p>
         </c:txPr>
-        <c:crossAx val="1465576480"/>
+        <c:crossAx val="-2117633952"/>
         <c:crosses val="autoZero"/>
         <c:auto val="1"/>
         <c:lblAlgn val="ctr"/>
@@ -2960,7 +2989,7 @@
         <c:noMultiLvlLbl val="0"/>
       </c:catAx>
       <c:valAx>
-        <c:axId val="1465576480"/>
+        <c:axId val="-2117633952"/>
         <c:scaling>
           <c:orientation val="minMax"/>
         </c:scaling>
@@ -3011,7 +3040,7 @@
             <a:endParaRPr lang="en-US"/>
           </a:p>
         </c:txPr>
-        <c:crossAx val="1465581776"/>
+        <c:crossAx val="-2117720000"/>
         <c:crosses val="autoZero"/>
         <c:crossBetween val="between"/>
       </c:valAx>
@@ -3025,7 +3054,6 @@
     </c:plotArea>
     <c:legend>
       <c:legendPos val="b"/>
-      <c:layout/>
       <c:overlay val="0"/>
       <c:spPr>
         <a:noFill/>
@@ -3330,11 +3358,11 @@
         </c:dLbls>
         <c:gapWidth val="219"/>
         <c:overlap val="-27"/>
-        <c:axId val="1418653024"/>
-        <c:axId val="1382577616"/>
+        <c:axId val="-2096100208"/>
+        <c:axId val="-2050491216"/>
       </c:barChart>
       <c:catAx>
-        <c:axId val="1418653024"/>
+        <c:axId val="-2096100208"/>
         <c:scaling>
           <c:orientation val="minMax"/>
         </c:scaling>
@@ -3377,7 +3405,7 @@
             <a:endParaRPr lang="en-US"/>
           </a:p>
         </c:txPr>
-        <c:crossAx val="1382577616"/>
+        <c:crossAx val="-2050491216"/>
         <c:crosses val="autoZero"/>
         <c:auto val="1"/>
         <c:lblAlgn val="ctr"/>
@@ -3385,7 +3413,7 @@
         <c:noMultiLvlLbl val="0"/>
       </c:catAx>
       <c:valAx>
-        <c:axId val="1382577616"/>
+        <c:axId val="-2050491216"/>
         <c:scaling>
           <c:orientation val="minMax"/>
           <c:max val="100.0"/>
@@ -3437,7 +3465,7 @@
             <a:endParaRPr lang="en-US"/>
           </a:p>
         </c:txPr>
-        <c:crossAx val="1418653024"/>
+        <c:crossAx val="-2096100208"/>
         <c:crosses val="autoZero"/>
         <c:crossBetween val="between"/>
       </c:valAx>
@@ -18327,7 +18355,7 @@
             <p:ph idx="1"/>
             <p:extLst>
               <p:ext uri="{D42A27DB-BD31-4B8C-83A1-F6EECF244321}">
-                <p14:modId xmlns:p14="http://schemas.microsoft.com/office/powerpoint/2010/main" val="830359506"/>
+                <p14:modId xmlns:p14="http://schemas.microsoft.com/office/powerpoint/2010/main" val="830494299"/>
               </p:ext>
             </p:extLst>
           </p:nvPr>
@@ -18756,7 +18784,7 @@
             <p:ph idx="1"/>
             <p:extLst>
               <p:ext uri="{D42A27DB-BD31-4B8C-83A1-F6EECF244321}">
-                <p14:modId xmlns:p14="http://schemas.microsoft.com/office/powerpoint/2010/main" val="148347321"/>
+                <p14:modId xmlns:p14="http://schemas.microsoft.com/office/powerpoint/2010/main" val="2066048963"/>
               </p:ext>
             </p:extLst>
           </p:nvPr>
@@ -19619,7 +19647,7 @@
             <p:ph idx="1"/>
             <p:extLst>
               <p:ext uri="{D42A27DB-BD31-4B8C-83A1-F6EECF244321}">
-                <p14:modId xmlns:p14="http://schemas.microsoft.com/office/powerpoint/2010/main" val="1777675879"/>
+                <p14:modId xmlns:p14="http://schemas.microsoft.com/office/powerpoint/2010/main" val="2053116012"/>
               </p:ext>
             </p:extLst>
           </p:nvPr>

--- a/PPTGroup10.pptx
+++ b/PPTGroup10.pptx
@@ -347,11 +347,11 @@
         </c:dLbls>
         <c:gapWidth val="219"/>
         <c:overlap val="-27"/>
-        <c:axId val="-2121546288"/>
-        <c:axId val="-2052000480"/>
+        <c:axId val="-2056005696"/>
+        <c:axId val="-2117937040"/>
       </c:barChart>
       <c:catAx>
-        <c:axId val="-2121546288"/>
+        <c:axId val="-2056005696"/>
         <c:scaling>
           <c:orientation val="minMax"/>
         </c:scaling>
@@ -394,7 +394,7 @@
             <a:endParaRPr lang="en-US"/>
           </a:p>
         </c:txPr>
-        <c:crossAx val="-2052000480"/>
+        <c:crossAx val="-2117937040"/>
         <c:crosses val="autoZero"/>
         <c:auto val="1"/>
         <c:lblAlgn val="ctr"/>
@@ -402,7 +402,7 @@
         <c:noMultiLvlLbl val="0"/>
       </c:catAx>
       <c:valAx>
-        <c:axId val="-2052000480"/>
+        <c:axId val="-2117937040"/>
         <c:scaling>
           <c:orientation val="minMax"/>
           <c:max val="100.0"/>
@@ -455,7 +455,7 @@
             <a:endParaRPr lang="en-US"/>
           </a:p>
         </c:txPr>
-        <c:crossAx val="-2121546288"/>
+        <c:crossAx val="-2056005696"/>
         <c:crosses val="autoZero"/>
         <c:crossBetween val="between"/>
         <c:majorUnit val="10.0"/>
@@ -566,6 +566,7 @@
           </a:p>
         </c:rich>
       </c:tx>
+      <c:layout/>
       <c:overlay val="0"/>
       <c:spPr>
         <a:noFill/>
@@ -732,11 +733,11 @@
         </c:dLbls>
         <c:gapWidth val="219"/>
         <c:overlap val="-27"/>
-        <c:axId val="-2127319744"/>
-        <c:axId val="-2055869520"/>
+        <c:axId val="-2095594704"/>
+        <c:axId val="-2054042288"/>
       </c:barChart>
       <c:catAx>
-        <c:axId val="-2127319744"/>
+        <c:axId val="-2095594704"/>
         <c:scaling>
           <c:orientation val="minMax"/>
         </c:scaling>
@@ -779,7 +780,7 @@
             <a:endParaRPr lang="en-US"/>
           </a:p>
         </c:txPr>
-        <c:crossAx val="-2055869520"/>
+        <c:crossAx val="-2054042288"/>
         <c:crosses val="autoZero"/>
         <c:auto val="1"/>
         <c:lblAlgn val="ctr"/>
@@ -787,7 +788,7 @@
         <c:noMultiLvlLbl val="0"/>
       </c:catAx>
       <c:valAx>
-        <c:axId val="-2055869520"/>
+        <c:axId val="-2054042288"/>
         <c:scaling>
           <c:orientation val="minMax"/>
           <c:max val="100.0"/>
@@ -840,7 +841,7 @@
             <a:endParaRPr lang="en-US"/>
           </a:p>
         </c:txPr>
-        <c:crossAx val="-2127319744"/>
+        <c:crossAx val="-2095594704"/>
         <c:crosses val="autoZero"/>
         <c:crossBetween val="between"/>
         <c:majorUnit val="10.0"/>
@@ -855,6 +856,7 @@
     </c:plotArea>
     <c:legend>
       <c:legendPos val="b"/>
+      <c:layout/>
       <c:overlay val="0"/>
       <c:spPr>
         <a:noFill/>
@@ -1143,11 +1145,11 @@
         </c:dLbls>
         <c:gapWidth val="219"/>
         <c:overlap val="-27"/>
-        <c:axId val="-2096089392"/>
-        <c:axId val="-2051368000"/>
+        <c:axId val="-2127880464"/>
+        <c:axId val="-2127988784"/>
       </c:barChart>
       <c:catAx>
-        <c:axId val="-2096089392"/>
+        <c:axId val="-2127880464"/>
         <c:scaling>
           <c:orientation val="minMax"/>
         </c:scaling>
@@ -1190,7 +1192,7 @@
             <a:endParaRPr lang="en-US"/>
           </a:p>
         </c:txPr>
-        <c:crossAx val="-2051368000"/>
+        <c:crossAx val="-2127988784"/>
         <c:crosses val="autoZero"/>
         <c:auto val="1"/>
         <c:lblAlgn val="ctr"/>
@@ -1198,7 +1200,7 @@
         <c:noMultiLvlLbl val="0"/>
       </c:catAx>
       <c:valAx>
-        <c:axId val="-2051368000"/>
+        <c:axId val="-2127988784"/>
         <c:scaling>
           <c:orientation val="minMax"/>
           <c:max val="100.0"/>
@@ -1251,7 +1253,7 @@
             <a:endParaRPr lang="en-US"/>
           </a:p>
         </c:txPr>
-        <c:crossAx val="-2096089392"/>
+        <c:crossAx val="-2127880464"/>
         <c:crosses val="autoZero"/>
         <c:crossBetween val="between"/>
         <c:majorUnit val="10.0"/>
@@ -1559,11 +1561,11 @@
         </c:dLbls>
         <c:gapWidth val="219"/>
         <c:overlap val="-27"/>
-        <c:axId val="-2053741536"/>
-        <c:axId val="-2115447792"/>
+        <c:axId val="-2126613360"/>
+        <c:axId val="-2127613984"/>
       </c:barChart>
       <c:catAx>
-        <c:axId val="-2053741536"/>
+        <c:axId val="-2126613360"/>
         <c:scaling>
           <c:orientation val="minMax"/>
         </c:scaling>
@@ -1606,7 +1608,7 @@
             <a:endParaRPr lang="en-US"/>
           </a:p>
         </c:txPr>
-        <c:crossAx val="-2115447792"/>
+        <c:crossAx val="-2127613984"/>
         <c:crosses val="autoZero"/>
         <c:auto val="1"/>
         <c:lblAlgn val="ctr"/>
@@ -1614,7 +1616,7 @@
         <c:noMultiLvlLbl val="0"/>
       </c:catAx>
       <c:valAx>
-        <c:axId val="-2115447792"/>
+        <c:axId val="-2127613984"/>
         <c:scaling>
           <c:orientation val="minMax"/>
           <c:max val="100.0"/>
@@ -1667,7 +1669,7 @@
             <a:endParaRPr lang="en-US"/>
           </a:p>
         </c:txPr>
-        <c:crossAx val="-2053741536"/>
+        <c:crossAx val="-2126613360"/>
         <c:crosses val="autoZero"/>
         <c:crossBetween val="between"/>
         <c:majorUnit val="10.0"/>
@@ -1971,11 +1973,11 @@
         </c:dLbls>
         <c:gapWidth val="219"/>
         <c:overlap val="-27"/>
-        <c:axId val="-2094334992"/>
-        <c:axId val="-2094395760"/>
+        <c:axId val="-2127228864"/>
+        <c:axId val="-2130390624"/>
       </c:barChart>
       <c:catAx>
-        <c:axId val="-2094334992"/>
+        <c:axId val="-2127228864"/>
         <c:scaling>
           <c:orientation val="minMax"/>
         </c:scaling>
@@ -2018,7 +2020,7 @@
             <a:endParaRPr lang="en-US"/>
           </a:p>
         </c:txPr>
-        <c:crossAx val="-2094395760"/>
+        <c:crossAx val="-2130390624"/>
         <c:crosses val="autoZero"/>
         <c:auto val="1"/>
         <c:lblAlgn val="ctr"/>
@@ -2026,9 +2028,10 @@
         <c:noMultiLvlLbl val="0"/>
       </c:catAx>
       <c:valAx>
-        <c:axId val="-2094395760"/>
+        <c:axId val="-2130390624"/>
         <c:scaling>
           <c:orientation val="minMax"/>
+          <c:max val="100.0"/>
           <c:min val="50.0"/>
         </c:scaling>
         <c:delete val="0"/>
@@ -2078,7 +2081,7 @@
             <a:endParaRPr lang="en-US"/>
           </a:p>
         </c:txPr>
-        <c:crossAx val="-2094334992"/>
+        <c:crossAx val="-2127228864"/>
         <c:crosses val="autoZero"/>
         <c:crossBetween val="between"/>
         <c:majorUnit val="10.0"/>
@@ -2452,11 +2455,11 @@
         </c:dLbls>
         <c:gapWidth val="219"/>
         <c:overlap val="-27"/>
-        <c:axId val="-2131568896"/>
-        <c:axId val="-2054488944"/>
+        <c:axId val="-2058886928"/>
+        <c:axId val="-2056772160"/>
       </c:barChart>
       <c:catAx>
-        <c:axId val="-2131568896"/>
+        <c:axId val="-2058886928"/>
         <c:scaling>
           <c:orientation val="minMax"/>
         </c:scaling>
@@ -2499,7 +2502,7 @@
             <a:endParaRPr lang="en-US"/>
           </a:p>
         </c:txPr>
-        <c:crossAx val="-2054488944"/>
+        <c:crossAx val="-2056772160"/>
         <c:crosses val="autoZero"/>
         <c:auto val="1"/>
         <c:lblAlgn val="ctr"/>
@@ -2507,7 +2510,7 @@
         <c:noMultiLvlLbl val="0"/>
       </c:catAx>
       <c:valAx>
-        <c:axId val="-2054488944"/>
+        <c:axId val="-2056772160"/>
         <c:scaling>
           <c:orientation val="minMax"/>
         </c:scaling>
@@ -2558,7 +2561,7 @@
             <a:endParaRPr lang="en-US"/>
           </a:p>
         </c:txPr>
-        <c:crossAx val="-2131568896"/>
+        <c:crossAx val="-2058886928"/>
         <c:crosses val="autoZero"/>
         <c:crossBetween val="between"/>
       </c:valAx>
@@ -2934,11 +2937,11 @@
         </c:dLbls>
         <c:gapWidth val="219"/>
         <c:overlap val="-27"/>
-        <c:axId val="-2117720000"/>
-        <c:axId val="-2117633952"/>
+        <c:axId val="-2094924896"/>
+        <c:axId val="-2094038624"/>
       </c:barChart>
       <c:catAx>
-        <c:axId val="-2117720000"/>
+        <c:axId val="-2094924896"/>
         <c:scaling>
           <c:orientation val="minMax"/>
         </c:scaling>
@@ -2981,7 +2984,7 @@
             <a:endParaRPr lang="en-US"/>
           </a:p>
         </c:txPr>
-        <c:crossAx val="-2117633952"/>
+        <c:crossAx val="-2094038624"/>
         <c:crosses val="autoZero"/>
         <c:auto val="1"/>
         <c:lblAlgn val="ctr"/>
@@ -2989,7 +2992,7 @@
         <c:noMultiLvlLbl val="0"/>
       </c:catAx>
       <c:valAx>
-        <c:axId val="-2117633952"/>
+        <c:axId val="-2094038624"/>
         <c:scaling>
           <c:orientation val="minMax"/>
         </c:scaling>
@@ -3040,7 +3043,7 @@
             <a:endParaRPr lang="en-US"/>
           </a:p>
         </c:txPr>
-        <c:crossAx val="-2117720000"/>
+        <c:crossAx val="-2094924896"/>
         <c:crosses val="autoZero"/>
         <c:crossBetween val="between"/>
       </c:valAx>
@@ -3358,11 +3361,11 @@
         </c:dLbls>
         <c:gapWidth val="219"/>
         <c:overlap val="-27"/>
-        <c:axId val="-2096100208"/>
-        <c:axId val="-2050491216"/>
+        <c:axId val="-2118352080"/>
+        <c:axId val="-2118536464"/>
       </c:barChart>
       <c:catAx>
-        <c:axId val="-2096100208"/>
+        <c:axId val="-2118352080"/>
         <c:scaling>
           <c:orientation val="minMax"/>
         </c:scaling>
@@ -3405,7 +3408,7 @@
             <a:endParaRPr lang="en-US"/>
           </a:p>
         </c:txPr>
-        <c:crossAx val="-2050491216"/>
+        <c:crossAx val="-2118536464"/>
         <c:crosses val="autoZero"/>
         <c:auto val="1"/>
         <c:lblAlgn val="ctr"/>
@@ -3413,7 +3416,7 @@
         <c:noMultiLvlLbl val="0"/>
       </c:catAx>
       <c:valAx>
-        <c:axId val="-2050491216"/>
+        <c:axId val="-2118536464"/>
         <c:scaling>
           <c:orientation val="minMax"/>
           <c:max val="100.0"/>
@@ -3465,7 +3468,7 @@
             <a:endParaRPr lang="en-US"/>
           </a:p>
         </c:txPr>
-        <c:crossAx val="-2096100208"/>
+        <c:crossAx val="-2118352080"/>
         <c:crosses val="autoZero"/>
         <c:crossBetween val="between"/>
       </c:valAx>
@@ -19647,7 +19650,7 @@
             <p:ph idx="1"/>
             <p:extLst>
               <p:ext uri="{D42A27DB-BD31-4B8C-83A1-F6EECF244321}">
-                <p14:modId xmlns:p14="http://schemas.microsoft.com/office/powerpoint/2010/main" val="2053116012"/>
+                <p14:modId xmlns:p14="http://schemas.microsoft.com/office/powerpoint/2010/main" val="2145278866"/>
               </p:ext>
             </p:extLst>
           </p:nvPr>
